--- a/fall17/slidesF17/gray-edges.pptx
+++ b/fall17/slidesF17/gray-edges.pptx
@@ -4178,7 +4178,7 @@
           <a:graphicData uri="http://schemas.openxmlformats.org/presentationml/2006/ole">
             <mc:AlternateContent xmlns:mc="http://schemas.openxmlformats.org/markup-compatibility/2006">
               <mc:Choice xmlns:v="urn:schemas-microsoft-com:vml" Requires="v">
-                <p:oleObj spid="_x0000_s1037" name="Equation" r:id="rId3" imgW="635000" imgH="228600" progId="Equation.DSMT4">
+                <p:oleObj spid="_x0000_s1039" name="Equation" r:id="rId3" imgW="635000" imgH="228600" progId="Equation.DSMT4">
                   <p:embed/>
                 </p:oleObj>
               </mc:Choice>
@@ -4744,7 +4744,7 @@
           <a:graphicData uri="http://schemas.openxmlformats.org/presentationml/2006/ole">
             <mc:AlternateContent xmlns:mc="http://schemas.openxmlformats.org/markup-compatibility/2006">
               <mc:Choice xmlns:v="urn:schemas-microsoft-com:vml" Requires="v">
-                <p:oleObj spid="_x0000_s54282" name="Equation" r:id="rId3" imgW="635000" imgH="228600" progId="Equation.DSMT4">
+                <p:oleObj spid="_x0000_s54284" name="Equation" r:id="rId3" imgW="635000" imgH="228600" progId="Equation.DSMT4">
                   <p:embed/>
                 </p:oleObj>
               </mc:Choice>
@@ -5401,7 +5401,7 @@
           <a:graphicData uri="http://schemas.openxmlformats.org/presentationml/2006/ole">
             <mc:AlternateContent xmlns:mc="http://schemas.openxmlformats.org/markup-compatibility/2006">
               <mc:Choice xmlns:v="urn:schemas-microsoft-com:vml" Requires="v">
-                <p:oleObj spid="_x0000_s48153" name="Equation" r:id="rId3" imgW="635000" imgH="228600" progId="Equation.DSMT4">
+                <p:oleObj spid="_x0000_s48155" name="Equation" r:id="rId3" imgW="635000" imgH="228600" progId="Equation.DSMT4">
                   <p:embed/>
                 </p:oleObj>
               </mc:Choice>
@@ -5938,7 +5938,7 @@
           <a:graphicData uri="http://schemas.openxmlformats.org/presentationml/2006/ole">
             <mc:AlternateContent xmlns:mc="http://schemas.openxmlformats.org/markup-compatibility/2006">
               <mc:Choice xmlns:v="urn:schemas-microsoft-com:vml" Requires="v">
-                <p:oleObj spid="_x0000_s41000" name="Equation" r:id="rId3" imgW="1117600" imgH="152400" progId="Equation.DSMT4">
+                <p:oleObj spid="_x0000_s41003" name="Equation" r:id="rId3" imgW="1117600" imgH="152400" progId="Equation.DSMT4">
                   <p:embed/>
                 </p:oleObj>
               </mc:Choice>
@@ -5995,7 +5995,7 @@
           <a:graphicData uri="http://schemas.openxmlformats.org/presentationml/2006/ole">
             <mc:AlternateContent xmlns:mc="http://schemas.openxmlformats.org/markup-compatibility/2006">
               <mc:Choice xmlns:v="urn:schemas-microsoft-com:vml" Requires="v">
-                <p:oleObj spid="_x0000_s41001" name="Equation" r:id="rId5" imgW="889000" imgH="228600" progId="Equation.DSMT4">
+                <p:oleObj spid="_x0000_s41004" name="Equation" r:id="rId5" imgW="889000" imgH="228600" progId="Equation.DSMT4">
                   <p:embed/>
                 </p:oleObj>
               </mc:Choice>
@@ -17993,7 +17993,7 @@
           <a:graphicData uri="http://schemas.openxmlformats.org/presentationml/2006/ole">
             <mc:AlternateContent xmlns:mc="http://schemas.openxmlformats.org/markup-compatibility/2006">
               <mc:Choice xmlns:v="urn:schemas-microsoft-com:vml" Requires="v">
-                <p:oleObj spid="_x0000_s42007" name="Equation" r:id="rId3" imgW="393700" imgH="228600" progId="Equation.DSMT4">
+                <p:oleObj spid="_x0000_s42009" name="Equation" r:id="rId3" imgW="393700" imgH="228600" progId="Equation.DSMT4">
                   <p:embed/>
                 </p:oleObj>
               </mc:Choice>
@@ -21001,7 +21001,7 @@
           <a:graphicData uri="http://schemas.openxmlformats.org/presentationml/2006/ole">
             <mc:AlternateContent xmlns:mc="http://schemas.openxmlformats.org/markup-compatibility/2006">
               <mc:Choice xmlns:v="urn:schemas-microsoft-com:vml" Requires="v">
-                <p:oleObj spid="_x0000_s43031" name="Equation" r:id="rId3" imgW="635000" imgH="228600" progId="Equation.DSMT4">
+                <p:oleObj spid="_x0000_s43033" name="Equation" r:id="rId3" imgW="635000" imgH="228600" progId="Equation.DSMT4">
                   <p:embed/>
                 </p:oleObj>
               </mc:Choice>
@@ -21424,7 +21424,7 @@
             <a:graphicData uri="http://schemas.openxmlformats.org/presentationml/2006/ole">
               <mc:AlternateContent xmlns:mc="http://schemas.openxmlformats.org/markup-compatibility/2006">
                 <mc:Choice xmlns:v="urn:schemas-microsoft-com:vml" Requires="v">
-                  <p:oleObj spid="_x0000_s44055" name="Equation" r:id="rId3" imgW="635000" imgH="228600" progId="Equation.DSMT4">
+                  <p:oleObj spid="_x0000_s44057" name="Equation" r:id="rId3" imgW="635000" imgH="228600" progId="Equation.DSMT4">
                     <p:embed/>
                   </p:oleObj>
                 </mc:Choice>
@@ -23657,7 +23657,7 @@
           <a:graphicData uri="http://schemas.openxmlformats.org/presentationml/2006/ole">
             <mc:AlternateContent xmlns:mc="http://schemas.openxmlformats.org/markup-compatibility/2006">
               <mc:Choice xmlns:v="urn:schemas-microsoft-com:vml" Requires="v">
-                <p:oleObj spid="_x0000_s46103" name="Equation" r:id="rId3" imgW="635000" imgH="228600" progId="Equation.DSMT4">
+                <p:oleObj spid="_x0000_s46105" name="Equation" r:id="rId3" imgW="635000" imgH="228600" progId="Equation.DSMT4">
                   <p:embed/>
                 </p:oleObj>
               </mc:Choice>

--- a/fall17/slidesF17/gray-edges.pptx
+++ b/fall17/slidesF17/gray-edges.pptx
@@ -4178,7 +4178,7 @@
           <a:graphicData uri="http://schemas.openxmlformats.org/presentationml/2006/ole">
             <mc:AlternateContent xmlns:mc="http://schemas.openxmlformats.org/markup-compatibility/2006">
               <mc:Choice xmlns:v="urn:schemas-microsoft-com:vml" Requires="v">
-                <p:oleObj spid="_x0000_s1039" name="Equation" r:id="rId3" imgW="635000" imgH="228600" progId="Equation.DSMT4">
+                <p:oleObj spid="_x0000_s1041" name="Equation" r:id="rId3" imgW="635000" imgH="228600" progId="Equation.DSMT4">
                   <p:embed/>
                 </p:oleObj>
               </mc:Choice>
@@ -4744,7 +4744,7 @@
           <a:graphicData uri="http://schemas.openxmlformats.org/presentationml/2006/ole">
             <mc:AlternateContent xmlns:mc="http://schemas.openxmlformats.org/markup-compatibility/2006">
               <mc:Choice xmlns:v="urn:schemas-microsoft-com:vml" Requires="v">
-                <p:oleObj spid="_x0000_s54284" name="Equation" r:id="rId3" imgW="635000" imgH="228600" progId="Equation.DSMT4">
+                <p:oleObj spid="_x0000_s54286" name="Equation" r:id="rId3" imgW="635000" imgH="228600" progId="Equation.DSMT4">
                   <p:embed/>
                 </p:oleObj>
               </mc:Choice>
@@ -5401,7 +5401,7 @@
           <a:graphicData uri="http://schemas.openxmlformats.org/presentationml/2006/ole">
             <mc:AlternateContent xmlns:mc="http://schemas.openxmlformats.org/markup-compatibility/2006">
               <mc:Choice xmlns:v="urn:schemas-microsoft-com:vml" Requires="v">
-                <p:oleObj spid="_x0000_s48155" name="Equation" r:id="rId3" imgW="635000" imgH="228600" progId="Equation.DSMT4">
+                <p:oleObj spid="_x0000_s48157" name="Equation" r:id="rId3" imgW="635000" imgH="228600" progId="Equation.DSMT4">
                   <p:embed/>
                 </p:oleObj>
               </mc:Choice>
@@ -5938,7 +5938,7 @@
           <a:graphicData uri="http://schemas.openxmlformats.org/presentationml/2006/ole">
             <mc:AlternateContent xmlns:mc="http://schemas.openxmlformats.org/markup-compatibility/2006">
               <mc:Choice xmlns:v="urn:schemas-microsoft-com:vml" Requires="v">
-                <p:oleObj spid="_x0000_s41003" name="Equation" r:id="rId3" imgW="1117600" imgH="152400" progId="Equation.DSMT4">
+                <p:oleObj spid="_x0000_s41006" name="Equation" r:id="rId3" imgW="1117600" imgH="152400" progId="Equation.DSMT4">
                   <p:embed/>
                 </p:oleObj>
               </mc:Choice>
@@ -5995,7 +5995,7 @@
           <a:graphicData uri="http://schemas.openxmlformats.org/presentationml/2006/ole">
             <mc:AlternateContent xmlns:mc="http://schemas.openxmlformats.org/markup-compatibility/2006">
               <mc:Choice xmlns:v="urn:schemas-microsoft-com:vml" Requires="v">
-                <p:oleObj spid="_x0000_s41004" name="Equation" r:id="rId5" imgW="889000" imgH="228600" progId="Equation.DSMT4">
+                <p:oleObj spid="_x0000_s41007" name="Equation" r:id="rId5" imgW="889000" imgH="228600" progId="Equation.DSMT4">
                   <p:embed/>
                 </p:oleObj>
               </mc:Choice>
@@ -17993,7 +17993,7 @@
           <a:graphicData uri="http://schemas.openxmlformats.org/presentationml/2006/ole">
             <mc:AlternateContent xmlns:mc="http://schemas.openxmlformats.org/markup-compatibility/2006">
               <mc:Choice xmlns:v="urn:schemas-microsoft-com:vml" Requires="v">
-                <p:oleObj spid="_x0000_s42009" name="Equation" r:id="rId3" imgW="393700" imgH="228600" progId="Equation.DSMT4">
+                <p:oleObj spid="_x0000_s42011" name="Equation" r:id="rId3" imgW="393700" imgH="228600" progId="Equation.DSMT4">
                   <p:embed/>
                 </p:oleObj>
               </mc:Choice>
@@ -21001,7 +21001,7 @@
           <a:graphicData uri="http://schemas.openxmlformats.org/presentationml/2006/ole">
             <mc:AlternateContent xmlns:mc="http://schemas.openxmlformats.org/markup-compatibility/2006">
               <mc:Choice xmlns:v="urn:schemas-microsoft-com:vml" Requires="v">
-                <p:oleObj spid="_x0000_s43033" name="Equation" r:id="rId3" imgW="635000" imgH="228600" progId="Equation.DSMT4">
+                <p:oleObj spid="_x0000_s43035" name="Equation" r:id="rId3" imgW="635000" imgH="228600" progId="Equation.DSMT4">
                   <p:embed/>
                 </p:oleObj>
               </mc:Choice>
@@ -21424,7 +21424,7 @@
             <a:graphicData uri="http://schemas.openxmlformats.org/presentationml/2006/ole">
               <mc:AlternateContent xmlns:mc="http://schemas.openxmlformats.org/markup-compatibility/2006">
                 <mc:Choice xmlns:v="urn:schemas-microsoft-com:vml" Requires="v">
-                  <p:oleObj spid="_x0000_s44057" name="Equation" r:id="rId3" imgW="635000" imgH="228600" progId="Equation.DSMT4">
+                  <p:oleObj spid="_x0000_s44059" name="Equation" r:id="rId3" imgW="635000" imgH="228600" progId="Equation.DSMT4">
                     <p:embed/>
                   </p:oleObj>
                 </mc:Choice>
@@ -23657,7 +23657,7 @@
           <a:graphicData uri="http://schemas.openxmlformats.org/presentationml/2006/ole">
             <mc:AlternateContent xmlns:mc="http://schemas.openxmlformats.org/markup-compatibility/2006">
               <mc:Choice xmlns:v="urn:schemas-microsoft-com:vml" Requires="v">
-                <p:oleObj spid="_x0000_s46105" name="Equation" r:id="rId3" imgW="635000" imgH="228600" progId="Equation.DSMT4">
+                <p:oleObj spid="_x0000_s46107" name="Equation" r:id="rId3" imgW="635000" imgH="228600" progId="Equation.DSMT4">
                   <p:embed/>
                 </p:oleObj>
               </mc:Choice>
@@ -24513,6 +24513,9 @@
                     <p:cTn id="3" fill="hold">
                       <p:stCondLst>
                         <p:cond delay="indefinite"/>
+                        <p:cond evt="onBegin" delay="0">
+                          <p:tn val="2"/>
+                        </p:cond>
                       </p:stCondLst>
                       <p:childTnLst>
                         <p:par>
@@ -24522,7 +24525,7 @@
                             </p:stCondLst>
                             <p:childTnLst>
                               <p:par>
-                                <p:cTn id="5" presetID="10" presetClass="entr" presetSubtype="0" fill="hold" nodeType="clickEffect">
+                                <p:cTn id="5" presetID="10" presetClass="entr" presetSubtype="0" fill="hold" nodeType="afterEffect">
                                   <p:stCondLst>
                                     <p:cond delay="0"/>
                                   </p:stCondLst>

--- a/fall17/slidesF17/gray-edges.pptx
+++ b/fall17/slidesF17/gray-edges.pptx
@@ -22,8 +22,8 @@
     <p:sldId id="706" r:id="rId10"/>
     <p:sldId id="677" r:id="rId11"/>
     <p:sldId id="708" r:id="rId12"/>
-    <p:sldId id="710" r:id="rId13"/>
-    <p:sldId id="705" r:id="rId14"/>
+    <p:sldId id="705" r:id="rId13"/>
+    <p:sldId id="711" r:id="rId14"/>
     <p:sldId id="695" r:id="rId15"/>
     <p:sldId id="696" r:id="rId16"/>
     <p:sldId id="697" r:id="rId17"/>
@@ -3376,7 +3376,7 @@
             <a:r>
               <a:rPr lang="en-US" dirty="0">
                 <a:solidFill>
-                  <a:srgbClr val="FF00FF"/>
+                  <a:schemeClr val="tx1"/>
                 </a:solidFill>
               </a:rPr>
               <a:t>Lemma</a:t>
@@ -4005,7 +4005,15 @@
                   <a:srgbClr val="FF00FF"/>
                 </a:solidFill>
               </a:rPr>
-              <a:t>Swap Lemma</a:t>
+              <a:t>Swap </a:t>
+            </a:r>
+            <a:r>
+              <a:rPr lang="en-US" dirty="0">
+                <a:solidFill>
+                  <a:srgbClr val="000000"/>
+                </a:solidFill>
+              </a:rPr>
+              <a:t>Lemma</a:t>
             </a:r>
           </a:p>
         </p:txBody>
@@ -4178,7 +4186,7 @@
           <a:graphicData uri="http://schemas.openxmlformats.org/presentationml/2006/ole">
             <mc:AlternateContent xmlns:mc="http://schemas.openxmlformats.org/markup-compatibility/2006">
               <mc:Choice xmlns:v="urn:schemas-microsoft-com:vml" Requires="v">
-                <p:oleObj spid="_x0000_s1041" name="Equation" r:id="rId3" imgW="635000" imgH="228600" progId="Equation.DSMT4">
+                <p:oleObj spid="_x0000_s1045" name="Equation" r:id="rId3" imgW="635000" imgH="228600" progId="Equation.DSMT4">
                   <p:embed/>
                 </p:oleObj>
               </mc:Choice>
@@ -4365,736 +4373,6 @@
 </file>
 
 <file path=ppt/slides/slide12.xml><?xml version="1.0" encoding="utf-8"?>
-<p:sld xmlns:a="http://schemas.openxmlformats.org/drawingml/2006/main" xmlns:r="http://schemas.openxmlformats.org/officeDocument/2006/relationships" xmlns:p="http://schemas.openxmlformats.org/presentationml/2006/main" show="0">
-  <p:cSld>
-    <p:spTree>
-      <p:nvGrpSpPr>
-        <p:cNvPr id="1" name=""/>
-        <p:cNvGrpSpPr/>
-        <p:nvPr/>
-      </p:nvGrpSpPr>
-      <p:grpSpPr>
-        <a:xfrm>
-          <a:off x="0" y="0"/>
-          <a:ext cx="0" cy="0"/>
-          <a:chOff x="0" y="0"/>
-          <a:chExt cx="0" cy="0"/>
-        </a:xfrm>
-      </p:grpSpPr>
-      <p:sp>
-        <p:nvSpPr>
-          <p:cNvPr id="2" name="Title 1"/>
-          <p:cNvSpPr>
-            <a:spLocks noGrp="1"/>
-          </p:cNvSpPr>
-          <p:nvPr>
-            <p:ph type="title"/>
-          </p:nvPr>
-        </p:nvSpPr>
-        <p:spPr/>
-        <p:txBody>
-          <a:bodyPr/>
-          <a:lstStyle/>
-          <a:p>
-            <a:r>
-              <a:rPr lang="en-US" dirty="0" smtClean="0"/>
-              <a:t>Gray Edge </a:t>
-            </a:r>
-            <a:r>
-              <a:rPr lang="en-US" dirty="0"/>
-              <a:t>Swap Lemma</a:t>
-            </a:r>
-          </a:p>
-        </p:txBody>
-      </p:sp>
-      <p:sp>
-        <p:nvSpPr>
-          <p:cNvPr id="3" name="Content Placeholder 2"/>
-          <p:cNvSpPr>
-            <a:spLocks noGrp="1"/>
-          </p:cNvSpPr>
-          <p:nvPr>
-            <p:ph idx="1"/>
-          </p:nvPr>
-        </p:nvSpPr>
-        <p:spPr>
-          <a:xfrm>
-            <a:off x="152400" y="1295400"/>
-            <a:ext cx="8915400" cy="5181600"/>
-          </a:xfrm>
-        </p:spPr>
-        <p:txBody>
-          <a:bodyPr/>
-          <a:lstStyle/>
-          <a:p>
-            <a:r>
-              <a:rPr lang="en-US" sz="5400" dirty="0" smtClean="0"/>
-              <a:t>Suppose </a:t>
-            </a:r>
-            <a:r>
-              <a:rPr lang="en-US" sz="5400" b="1" i="1" dirty="0" smtClean="0">
-                <a:ln w="12700">
-                  <a:solidFill>
-                    <a:schemeClr val="tx2">
-                      <a:satMod val="155000"/>
-                    </a:schemeClr>
-                  </a:solidFill>
-                  <a:prstDash val="solid"/>
-                </a:ln>
-                <a:solidFill>
-                  <a:schemeClr val="bg2">
-                    <a:tint val="85000"/>
-                    <a:satMod val="155000"/>
-                  </a:schemeClr>
-                </a:solidFill>
-                <a:effectLst>
-                  <a:outerShdw blurRad="41275" dist="20320" dir="1800000" algn="tl" rotWithShape="0">
-                    <a:srgbClr val="000000">
-                      <a:alpha val="40000"/>
-                    </a:srgbClr>
-                  </a:outerShdw>
-                </a:effectLst>
-                <a:latin typeface="PT Serif"/>
-                <a:cs typeface="PT Serif"/>
-              </a:rPr>
-              <a:t>e</a:t>
-            </a:r>
-            <a:r>
-              <a:rPr lang="en-US" sz="5400" dirty="0" smtClean="0"/>
-              <a:t> </a:t>
-            </a:r>
-            <a:r>
-              <a:rPr lang="en-US" sz="5400" dirty="0">
-                <a:solidFill>
-                  <a:srgbClr val="FF0000"/>
-                </a:solidFill>
-              </a:rPr>
-              <a:t>not</a:t>
-            </a:r>
-            <a:r>
-              <a:rPr lang="en-US" sz="5400" dirty="0"/>
-              <a:t> an </a:t>
-            </a:r>
-            <a:r>
-              <a:rPr lang="en-US" sz="5400" dirty="0" smtClean="0"/>
-              <a:t>edge of </a:t>
-            </a:r>
-          </a:p>
-          <a:p>
-            <a:r>
-              <a:rPr lang="en-US" sz="5400" dirty="0" err="1" smtClean="0">
-                <a:solidFill>
-                  <a:srgbClr val="008000"/>
-                </a:solidFill>
-              </a:rPr>
-              <a:t>css</a:t>
-            </a:r>
-            <a:r>
-              <a:rPr lang="en-US" sz="5400" dirty="0" smtClean="0"/>
-              <a:t> </a:t>
-            </a:r>
-            <a:r>
-              <a:rPr lang="en-US" sz="5400" dirty="0" smtClean="0">
-                <a:solidFill>
-                  <a:srgbClr val="0000E5"/>
-                </a:solidFill>
-              </a:rPr>
-              <a:t>C</a:t>
-            </a:r>
-            <a:r>
-              <a:rPr lang="en-US" sz="5400" dirty="0" smtClean="0"/>
-              <a:t>. Then there is </a:t>
-            </a:r>
-            <a:r>
-              <a:rPr lang="en-US" sz="5400" dirty="0"/>
-              <a:t>edge </a:t>
-            </a:r>
-            <a:endParaRPr lang="en-US" sz="5400" dirty="0" smtClean="0"/>
-          </a:p>
-          <a:p>
-            <a:r>
-              <a:rPr lang="en-US" sz="4800" dirty="0" smtClean="0">
-                <a:solidFill>
-                  <a:schemeClr val="accent1">
-                    <a:lumMod val="50000"/>
-                  </a:schemeClr>
-                </a:solidFill>
-              </a:rPr>
-              <a:t>g</a:t>
-            </a:r>
-            <a:r>
-              <a:rPr lang="en-US" sz="5400" dirty="0" smtClean="0"/>
-              <a:t> of </a:t>
-            </a:r>
-            <a:r>
-              <a:rPr lang="en-US" sz="4800" dirty="0">
-                <a:solidFill>
-                  <a:srgbClr val="0000E5"/>
-                </a:solidFill>
-              </a:rPr>
-              <a:t>C</a:t>
-            </a:r>
-            <a:r>
-              <a:rPr lang="en-US" sz="5400" dirty="0" smtClean="0"/>
-              <a:t>:</a:t>
-            </a:r>
-          </a:p>
-          <a:p>
-            <a:r>
-              <a:rPr lang="en-US" sz="5400" dirty="0" smtClean="0"/>
-              <a:t>   (</a:t>
-            </a:r>
-            <a:r>
-              <a:rPr lang="en-US" sz="5400" dirty="0" err="1"/>
-              <a:t>i</a:t>
-            </a:r>
-            <a:r>
-              <a:rPr lang="en-US" sz="5400" dirty="0"/>
-              <a:t>) </a:t>
-            </a:r>
-            <a:r>
-              <a:rPr lang="en-US" sz="5400" dirty="0" err="1">
-                <a:solidFill>
-                  <a:srgbClr val="0000F1"/>
-                </a:solidFill>
-              </a:rPr>
-              <a:t>wt</a:t>
-            </a:r>
-            <a:r>
-              <a:rPr lang="en-US" sz="5400" dirty="0">
-                <a:solidFill>
-                  <a:srgbClr val="0000F1"/>
-                </a:solidFill>
-              </a:rPr>
-              <a:t>(</a:t>
-            </a:r>
-            <a:r>
-              <a:rPr lang="en-US" sz="5400" b="1" i="1" dirty="0">
-                <a:ln w="12700">
-                  <a:solidFill>
-                    <a:schemeClr val="tx2">
-                      <a:satMod val="155000"/>
-                    </a:schemeClr>
-                  </a:solidFill>
-                  <a:prstDash val="solid"/>
-                </a:ln>
-                <a:solidFill>
-                  <a:schemeClr val="bg2">
-                    <a:tint val="85000"/>
-                    <a:satMod val="155000"/>
-                  </a:schemeClr>
-                </a:solidFill>
-                <a:effectLst>
-                  <a:outerShdw blurRad="41275" dist="20320" dir="1800000" algn="tl" rotWithShape="0">
-                    <a:srgbClr val="000000">
-                      <a:alpha val="40000"/>
-                    </a:srgbClr>
-                  </a:outerShdw>
-                </a:effectLst>
-                <a:latin typeface="PT Serif"/>
-                <a:cs typeface="PT Serif"/>
-              </a:rPr>
-              <a:t>e</a:t>
-            </a:r>
-            <a:r>
-              <a:rPr lang="en-US" sz="5400" dirty="0">
-                <a:solidFill>
-                  <a:srgbClr val="0000F1"/>
-                </a:solidFill>
-              </a:rPr>
-              <a:t>) </a:t>
-            </a:r>
-            <a:r>
-              <a:rPr lang="en-US" sz="5400" b="1" dirty="0">
-                <a:solidFill>
-                  <a:srgbClr val="0000F1"/>
-                </a:solidFill>
-                <a:latin typeface="Euclid Symbol" charset="2"/>
-                <a:cs typeface="Euclid Symbol" charset="2"/>
-              </a:rPr>
-              <a:t>&lt; </a:t>
-            </a:r>
-            <a:r>
-              <a:rPr lang="en-US" sz="5400" dirty="0" err="1">
-                <a:solidFill>
-                  <a:srgbClr val="0000F1"/>
-                </a:solidFill>
-              </a:rPr>
-              <a:t>wt</a:t>
-            </a:r>
-            <a:r>
-              <a:rPr lang="en-US" sz="5400" dirty="0">
-                <a:solidFill>
-                  <a:srgbClr val="0000F1"/>
-                </a:solidFill>
-              </a:rPr>
-              <a:t>(g)</a:t>
-            </a:r>
-          </a:p>
-          <a:p>
-            <a:r>
-              <a:rPr lang="en-US" sz="4800" dirty="0" smtClean="0"/>
-              <a:t>   (</a:t>
-            </a:r>
-            <a:r>
-              <a:rPr lang="en-US" sz="4800" dirty="0"/>
-              <a:t>ii)</a:t>
-            </a:r>
-            <a:r>
-              <a:rPr lang="en-US" sz="5400" dirty="0"/>
-              <a:t>                </a:t>
-            </a:r>
-            <a:r>
-              <a:rPr lang="en-US" sz="5400" dirty="0" smtClean="0"/>
-              <a:t> </a:t>
-            </a:r>
-            <a:r>
-              <a:rPr lang="en-US" sz="4800" dirty="0" smtClean="0"/>
-              <a:t>is a </a:t>
-            </a:r>
-            <a:r>
-              <a:rPr lang="en-US" sz="4800" dirty="0" err="1" smtClean="0">
-                <a:solidFill>
-                  <a:srgbClr val="008000"/>
-                </a:solidFill>
-              </a:rPr>
-              <a:t>css</a:t>
-            </a:r>
-            <a:endParaRPr lang="en-US" sz="4800" dirty="0">
-              <a:solidFill>
-                <a:srgbClr val="008000"/>
-              </a:solidFill>
-            </a:endParaRPr>
-          </a:p>
-          <a:p>
-            <a:pPr marL="571500" indent="-571500">
-              <a:buFont typeface="Arial"/>
-              <a:buChar char="•"/>
-            </a:pPr>
-            <a:endParaRPr lang="en-US" sz="4400" b="1" dirty="0">
-              <a:solidFill>
-                <a:srgbClr val="0000F1"/>
-              </a:solidFill>
-              <a:latin typeface="Euclid Symbol" charset="2"/>
-              <a:cs typeface="Euclid Symbol" charset="2"/>
-            </a:endParaRPr>
-          </a:p>
-          <a:p>
-            <a:endParaRPr lang="en-US" sz="4800" dirty="0" smtClean="0"/>
-          </a:p>
-        </p:txBody>
-      </p:sp>
-      <p:sp>
-        <p:nvSpPr>
-          <p:cNvPr id="4" name="Slide Number Placeholder 3"/>
-          <p:cNvSpPr>
-            <a:spLocks noGrp="1"/>
-          </p:cNvSpPr>
-          <p:nvPr>
-            <p:ph type="sldNum" sz="quarter" idx="4"/>
-          </p:nvPr>
-        </p:nvSpPr>
-        <p:spPr>
-          <a:xfrm>
-            <a:off x="8225613" y="6553200"/>
-            <a:ext cx="870764" cy="246221"/>
-          </a:xfrm>
-        </p:spPr>
-        <p:txBody>
-          <a:bodyPr/>
-          <a:lstStyle/>
-          <a:p>
-            <a:pPr>
-              <a:defRPr/>
-            </a:pPr>
-            <a:r>
-              <a:rPr lang="en-US" dirty="0" smtClean="0"/>
-              <a:t>min-gray.</a:t>
-            </a:r>
-            <a:fld id="{D7F2FC53-1536-41A9-A9C1-2199CF803E30}" type="slidenum">
-              <a:rPr lang="en-US" smtClean="0"/>
-              <a:pPr>
-                <a:defRPr/>
-              </a:pPr>
-              <a:t>12</a:t>
-            </a:fld>
-            <a:endParaRPr lang="en-US" dirty="0"/>
-          </a:p>
-        </p:txBody>
-      </p:sp>
-      <p:graphicFrame>
-        <p:nvGraphicFramePr>
-          <p:cNvPr id="5" name="Object 4"/>
-          <p:cNvGraphicFramePr>
-            <a:graphicFrameLocks noChangeAspect="1"/>
-          </p:cNvGraphicFramePr>
-          <p:nvPr>
-            <p:extLst>
-              <p:ext uri="{D42A27DB-BD31-4B8C-83A1-F6EECF244321}">
-                <p14:modId xmlns:p14="http://schemas.microsoft.com/office/powerpoint/2010/main" val="467001632"/>
-              </p:ext>
-            </p:extLst>
-          </p:nvPr>
-        </p:nvGraphicFramePr>
-        <p:xfrm>
-          <a:off x="1726275" y="5267325"/>
-          <a:ext cx="3150525" cy="1133475"/>
-        </p:xfrm>
-        <a:graphic>
-          <a:graphicData uri="http://schemas.openxmlformats.org/presentationml/2006/ole">
-            <mc:AlternateContent xmlns:mc="http://schemas.openxmlformats.org/markup-compatibility/2006">
-              <mc:Choice xmlns:v="urn:schemas-microsoft-com:vml" Requires="v">
-                <p:oleObj spid="_x0000_s54286" name="Equation" r:id="rId3" imgW="635000" imgH="228600" progId="Equation.DSMT4">
-                  <p:embed/>
-                </p:oleObj>
-              </mc:Choice>
-              <mc:Fallback>
-                <p:oleObj name="Equation" r:id="rId3" imgW="635000" imgH="228600" progId="Equation.DSMT4">
-                  <p:embed/>
-                  <p:pic>
-                    <p:nvPicPr>
-                      <p:cNvPr id="0" name=""/>
-                      <p:cNvPicPr/>
-                      <p:nvPr/>
-                    </p:nvPicPr>
-                    <p:blipFill>
-                      <a:blip r:embed="rId4"/>
-                      <a:stretch>
-                        <a:fillRect/>
-                      </a:stretch>
-                    </p:blipFill>
-                    <p:spPr>
-                      <a:xfrm>
-                        <a:off x="1726275" y="5267325"/>
-                        <a:ext cx="3150525" cy="1133475"/>
-                      </a:xfrm>
-                      <a:prstGeom prst="rect">
-                        <a:avLst/>
-                      </a:prstGeom>
-                    </p:spPr>
-                  </p:pic>
-                </p:oleObj>
-              </mc:Fallback>
-            </mc:AlternateContent>
-          </a:graphicData>
-        </a:graphic>
-      </p:graphicFrame>
-    </p:spTree>
-    <p:extLst>
-      <p:ext uri="{BB962C8B-B14F-4D97-AF65-F5344CB8AC3E}">
-        <p14:creationId xmlns:p14="http://schemas.microsoft.com/office/powerpoint/2010/main" val="4247411724"/>
-      </p:ext>
-    </p:extLst>
-  </p:cSld>
-  <p:clrMapOvr>
-    <a:masterClrMapping/>
-  </p:clrMapOvr>
-  <mc:AlternateContent xmlns:mc="http://schemas.openxmlformats.org/markup-compatibility/2006">
-    <mc:Choice xmlns:p14="http://schemas.microsoft.com/office/powerpoint/2010/main" Requires="p14">
-      <p:transition p14:dur="0" advClick="0"/>
-    </mc:Choice>
-    <mc:Fallback>
-      <p:transition xmlns:p14="http://schemas.microsoft.com/office/powerpoint/2010/main" advClick="0"/>
-    </mc:Fallback>
-  </mc:AlternateContent>
-  <p:timing>
-    <p:tnLst>
-      <p:par>
-        <p:cTn xmlns:p14="http://schemas.microsoft.com/office/powerpoint/2010/main" id="1" dur="indefinite" restart="never" nodeType="tmRoot">
-          <p:childTnLst>
-            <p:seq concurrent="1" nextAc="seek">
-              <p:cTn id="2" dur="indefinite" nodeType="mainSeq">
-                <p:childTnLst>
-                  <p:par>
-                    <p:cTn id="3" fill="hold">
-                      <p:stCondLst>
-                        <p:cond delay="indefinite"/>
-                        <p:cond evt="onBegin" delay="0">
-                          <p:tn val="2"/>
-                        </p:cond>
-                      </p:stCondLst>
-                      <p:childTnLst>
-                        <p:par>
-                          <p:cTn id="4" fill="hold">
-                            <p:stCondLst>
-                              <p:cond delay="0"/>
-                            </p:stCondLst>
-                            <p:childTnLst>
-                              <p:par>
-                                <p:cTn id="5" presetID="10" presetClass="entr" presetSubtype="0" fill="hold" nodeType="withEffect">
-                                  <p:stCondLst>
-                                    <p:cond delay="0"/>
-                                  </p:stCondLst>
-                                  <p:childTnLst>
-                                    <p:set>
-                                      <p:cBhvr>
-                                        <p:cTn id="6" dur="1" fill="hold">
-                                          <p:stCondLst>
-                                            <p:cond delay="0"/>
-                                          </p:stCondLst>
-                                        </p:cTn>
-                                        <p:tgtEl>
-                                          <p:spTgt spid="3">
-                                            <p:txEl>
-                                              <p:pRg st="1" end="1"/>
-                                            </p:txEl>
-                                          </p:spTgt>
-                                        </p:tgtEl>
-                                        <p:attrNameLst>
-                                          <p:attrName>style.visibility</p:attrName>
-                                        </p:attrNameLst>
-                                      </p:cBhvr>
-                                      <p:to>
-                                        <p:strVal val="visible"/>
-                                      </p:to>
-                                    </p:set>
-                                    <p:animEffect transition="in" filter="fade">
-                                      <p:cBhvr>
-                                        <p:cTn id="7" dur="500"/>
-                                        <p:tgtEl>
-                                          <p:spTgt spid="3">
-                                            <p:txEl>
-                                              <p:pRg st="1" end="1"/>
-                                            </p:txEl>
-                                          </p:spTgt>
-                                        </p:tgtEl>
-                                      </p:cBhvr>
-                                    </p:animEffect>
-                                  </p:childTnLst>
-                                </p:cTn>
-                              </p:par>
-                              <p:par>
-                                <p:cTn id="8" presetID="10" presetClass="entr" presetSubtype="0" fill="hold" nodeType="withEffect">
-                                  <p:stCondLst>
-                                    <p:cond delay="0"/>
-                                  </p:stCondLst>
-                                  <p:childTnLst>
-                                    <p:set>
-                                      <p:cBhvr>
-                                        <p:cTn id="9" dur="1" fill="hold">
-                                          <p:stCondLst>
-                                            <p:cond delay="0"/>
-                                          </p:stCondLst>
-                                        </p:cTn>
-                                        <p:tgtEl>
-                                          <p:spTgt spid="3">
-                                            <p:txEl>
-                                              <p:pRg st="2" end="2"/>
-                                            </p:txEl>
-                                          </p:spTgt>
-                                        </p:tgtEl>
-                                        <p:attrNameLst>
-                                          <p:attrName>style.visibility</p:attrName>
-                                        </p:attrNameLst>
-                                      </p:cBhvr>
-                                      <p:to>
-                                        <p:strVal val="visible"/>
-                                      </p:to>
-                                    </p:set>
-                                    <p:animEffect transition="in" filter="fade">
-                                      <p:cBhvr>
-                                        <p:cTn id="10" dur="500"/>
-                                        <p:tgtEl>
-                                          <p:spTgt spid="3">
-                                            <p:txEl>
-                                              <p:pRg st="2" end="2"/>
-                                            </p:txEl>
-                                          </p:spTgt>
-                                        </p:tgtEl>
-                                      </p:cBhvr>
-                                    </p:animEffect>
-                                  </p:childTnLst>
-                                </p:cTn>
-                              </p:par>
-                            </p:childTnLst>
-                          </p:cTn>
-                        </p:par>
-                      </p:childTnLst>
-                    </p:cTn>
-                  </p:par>
-                  <p:par>
-                    <p:cTn id="11" fill="hold">
-                      <p:stCondLst>
-                        <p:cond delay="indefinite"/>
-                      </p:stCondLst>
-                      <p:childTnLst>
-                        <p:par>
-                          <p:cTn id="12" fill="hold">
-                            <p:stCondLst>
-                              <p:cond delay="0"/>
-                            </p:stCondLst>
-                            <p:childTnLst>
-                              <p:par>
-                                <p:cTn id="13" presetID="22" presetClass="entr" presetSubtype="8" fill="hold" nodeType="clickEffect">
-                                  <p:stCondLst>
-                                    <p:cond delay="0"/>
-                                  </p:stCondLst>
-                                  <p:childTnLst>
-                                    <p:set>
-                                      <p:cBhvr>
-                                        <p:cTn id="14" dur="1" fill="hold">
-                                          <p:stCondLst>
-                                            <p:cond delay="0"/>
-                                          </p:stCondLst>
-                                        </p:cTn>
-                                        <p:tgtEl>
-                                          <p:spTgt spid="3">
-                                            <p:txEl>
-                                              <p:pRg st="3" end="3"/>
-                                            </p:txEl>
-                                          </p:spTgt>
-                                        </p:tgtEl>
-                                        <p:attrNameLst>
-                                          <p:attrName>style.visibility</p:attrName>
-                                        </p:attrNameLst>
-                                      </p:cBhvr>
-                                      <p:to>
-                                        <p:strVal val="visible"/>
-                                      </p:to>
-                                    </p:set>
-                                    <p:animEffect transition="in" filter="wipe(left)">
-                                      <p:cBhvr>
-                                        <p:cTn id="15" dur="1000"/>
-                                        <p:tgtEl>
-                                          <p:spTgt spid="3">
-                                            <p:txEl>
-                                              <p:pRg st="3" end="3"/>
-                                            </p:txEl>
-                                          </p:spTgt>
-                                        </p:tgtEl>
-                                      </p:cBhvr>
-                                    </p:animEffect>
-                                  </p:childTnLst>
-                                </p:cTn>
-                              </p:par>
-                            </p:childTnLst>
-                          </p:cTn>
-                        </p:par>
-                      </p:childTnLst>
-                    </p:cTn>
-                  </p:par>
-                  <p:par>
-                    <p:cTn id="16" fill="hold">
-                      <p:stCondLst>
-                        <p:cond delay="indefinite"/>
-                      </p:stCondLst>
-                      <p:childTnLst>
-                        <p:par>
-                          <p:cTn id="17" fill="hold">
-                            <p:stCondLst>
-                              <p:cond delay="0"/>
-                            </p:stCondLst>
-                            <p:childTnLst>
-                              <p:par>
-                                <p:cTn id="18" presetID="22" presetClass="entr" presetSubtype="8" fill="hold" nodeType="clickEffect">
-                                  <p:stCondLst>
-                                    <p:cond delay="0"/>
-                                  </p:stCondLst>
-                                  <p:childTnLst>
-                                    <p:set>
-                                      <p:cBhvr>
-                                        <p:cTn id="19" dur="1" fill="hold">
-                                          <p:stCondLst>
-                                            <p:cond delay="0"/>
-                                          </p:stCondLst>
-                                        </p:cTn>
-                                        <p:tgtEl>
-                                          <p:spTgt spid="5"/>
-                                        </p:tgtEl>
-                                        <p:attrNameLst>
-                                          <p:attrName>style.visibility</p:attrName>
-                                        </p:attrNameLst>
-                                      </p:cBhvr>
-                                      <p:to>
-                                        <p:strVal val="visible"/>
-                                      </p:to>
-                                    </p:set>
-                                    <p:animEffect transition="in" filter="wipe(left)">
-                                      <p:cBhvr>
-                                        <p:cTn id="20" dur="1000"/>
-                                        <p:tgtEl>
-                                          <p:spTgt spid="5"/>
-                                        </p:tgtEl>
-                                      </p:cBhvr>
-                                    </p:animEffect>
-                                  </p:childTnLst>
-                                </p:cTn>
-                              </p:par>
-                              <p:par>
-                                <p:cTn id="21" presetID="22" presetClass="entr" presetSubtype="8" fill="hold" nodeType="withEffect">
-                                  <p:stCondLst>
-                                    <p:cond delay="0"/>
-                                  </p:stCondLst>
-                                  <p:childTnLst>
-                                    <p:set>
-                                      <p:cBhvr>
-                                        <p:cTn id="22" dur="1" fill="hold">
-                                          <p:stCondLst>
-                                            <p:cond delay="0"/>
-                                          </p:stCondLst>
-                                        </p:cTn>
-                                        <p:tgtEl>
-                                          <p:spTgt spid="3">
-                                            <p:txEl>
-                                              <p:pRg st="4" end="4"/>
-                                            </p:txEl>
-                                          </p:spTgt>
-                                        </p:tgtEl>
-                                        <p:attrNameLst>
-                                          <p:attrName>style.visibility</p:attrName>
-                                        </p:attrNameLst>
-                                      </p:cBhvr>
-                                      <p:to>
-                                        <p:strVal val="visible"/>
-                                      </p:to>
-                                    </p:set>
-                                    <p:animEffect transition="in" filter="wipe(left)">
-                                      <p:cBhvr>
-                                        <p:cTn id="23" dur="1000"/>
-                                        <p:tgtEl>
-                                          <p:spTgt spid="3">
-                                            <p:txEl>
-                                              <p:pRg st="4" end="4"/>
-                                            </p:txEl>
-                                          </p:spTgt>
-                                        </p:tgtEl>
-                                      </p:cBhvr>
-                                    </p:animEffect>
-                                  </p:childTnLst>
-                                </p:cTn>
-                              </p:par>
-                            </p:childTnLst>
-                          </p:cTn>
-                        </p:par>
-                      </p:childTnLst>
-                    </p:cTn>
-                  </p:par>
-                </p:childTnLst>
-              </p:cTn>
-              <p:prevCondLst>
-                <p:cond evt="onPrev" delay="0">
-                  <p:tgtEl>
-                    <p:sldTgt/>
-                  </p:tgtEl>
-                </p:cond>
-              </p:prevCondLst>
-              <p:nextCondLst>
-                <p:cond evt="onNext" delay="0">
-                  <p:tgtEl>
-                    <p:sldTgt/>
-                  </p:tgtEl>
-                </p:cond>
-              </p:nextCondLst>
-            </p:seq>
-          </p:childTnLst>
-        </p:cTn>
-      </p:par>
-    </p:tnLst>
-  </p:timing>
-</p:sld>
-</file>
-
-<file path=ppt/slides/slide13.xml><?xml version="1.0" encoding="utf-8"?>
 <p:sld xmlns:a="http://schemas.openxmlformats.org/drawingml/2006/main" xmlns:r="http://schemas.openxmlformats.org/officeDocument/2006/relationships" xmlns:p="http://schemas.openxmlformats.org/presentationml/2006/main">
   <p:cSld>
     <p:spTree>
@@ -5124,7 +4402,7 @@
         <p:spPr>
           <a:xfrm>
             <a:off x="152400" y="1447800"/>
-            <a:ext cx="8763000" cy="4038600"/>
+            <a:ext cx="8763000" cy="4267200"/>
           </a:xfrm>
         </p:spPr>
         <p:txBody>
@@ -5132,167 +4410,20 @@
           <a:lstStyle/>
           <a:p>
             <a:r>
-              <a:rPr lang="en-US" sz="5400" dirty="0"/>
-              <a:t>f</a:t>
-            </a:r>
-            <a:r>
-              <a:rPr lang="en-US" sz="5400" dirty="0" smtClean="0"/>
-              <a:t>ollows from Swap Lemma:</a:t>
-            </a:r>
-          </a:p>
-          <a:p>
-            <a:r>
-              <a:rPr lang="en-US" sz="5400" dirty="0" smtClean="0"/>
-              <a:t>If </a:t>
-            </a:r>
-            <a:r>
-              <a:rPr lang="en-US" sz="5400" dirty="0" err="1" smtClean="0">
+              <a:rPr lang="en-US" sz="5400" dirty="0" smtClean="0">
                 <a:solidFill>
-                  <a:srgbClr val="0000F1"/>
+                  <a:srgbClr val="FF00FF"/>
                 </a:solidFill>
               </a:rPr>
-              <a:t>wt</a:t>
-            </a:r>
-            <a:r>
-              <a:rPr lang="en-US" sz="5400" dirty="0" smtClean="0">
-                <a:solidFill>
-                  <a:srgbClr val="0000F1"/>
-                </a:solidFill>
-              </a:rPr>
-              <a:t>(</a:t>
-            </a:r>
-            <a:r>
-              <a:rPr lang="en-US" sz="5400" b="1" i="1" dirty="0">
-                <a:ln w="12700">
-                  <a:solidFill>
-                    <a:srgbClr val="000000">
-                      <a:satMod val="155000"/>
-                    </a:srgbClr>
-                  </a:solidFill>
-                  <a:prstDash val="solid"/>
-                </a:ln>
-                <a:solidFill>
-                  <a:srgbClr val="808080">
-                    <a:tint val="85000"/>
-                    <a:satMod val="155000"/>
-                  </a:srgbClr>
-                </a:solidFill>
-                <a:effectLst>
-                  <a:outerShdw blurRad="41275" dist="20320" dir="1800000" algn="tl" rotWithShape="0">
-                    <a:srgbClr val="000000">
-                      <a:alpha val="40000"/>
-                    </a:srgbClr>
-                  </a:outerShdw>
-                </a:effectLst>
-                <a:latin typeface="PT Serif"/>
-                <a:cs typeface="PT Serif"/>
-              </a:rPr>
-              <a:t>e</a:t>
-            </a:r>
-            <a:r>
-              <a:rPr lang="en-US" sz="5400" dirty="0" smtClean="0">
-                <a:solidFill>
-                  <a:srgbClr val="0000F1"/>
-                </a:solidFill>
-              </a:rPr>
-              <a:t>) </a:t>
-            </a:r>
-            <a:r>
-              <a:rPr lang="en-US" sz="5400" b="1" dirty="0" smtClean="0">
-                <a:solidFill>
-                  <a:srgbClr val="0000F1"/>
-                </a:solidFill>
-                <a:latin typeface="Euclid Symbol" charset="2"/>
-                <a:cs typeface="Euclid Symbol" charset="2"/>
-              </a:rPr>
-              <a:t>&lt; </a:t>
-            </a:r>
-            <a:r>
-              <a:rPr lang="en-US" sz="5400" dirty="0" err="1" smtClean="0">
-                <a:solidFill>
-                  <a:srgbClr val="0000F1"/>
-                </a:solidFill>
-              </a:rPr>
-              <a:t>wt</a:t>
-            </a:r>
-            <a:r>
-              <a:rPr lang="en-US" sz="5400" dirty="0" smtClean="0">
-                <a:solidFill>
-                  <a:srgbClr val="0000F1"/>
-                </a:solidFill>
-              </a:rPr>
-              <a:t>(</a:t>
-            </a:r>
-            <a:r>
-              <a:rPr lang="en-US" sz="5400" dirty="0">
-                <a:solidFill>
-                  <a:srgbClr val="0000F1"/>
-                </a:solidFill>
-              </a:rPr>
-              <a:t>g</a:t>
-            </a:r>
-            <a:r>
-              <a:rPr lang="en-US" sz="5400" dirty="0" smtClean="0">
-                <a:solidFill>
-                  <a:srgbClr val="0000F1"/>
-                </a:solidFill>
-              </a:rPr>
-              <a:t>)</a:t>
-            </a:r>
-            <a:r>
-              <a:rPr lang="en-US" sz="5400" dirty="0" smtClean="0">
-                <a:solidFill>
-                  <a:srgbClr val="0D0D0D"/>
-                </a:solidFill>
-              </a:rPr>
-              <a:t>, then</a:t>
-            </a:r>
-          </a:p>
-          <a:p>
-            <a:r>
-              <a:rPr lang="en-US" sz="5400" dirty="0" smtClean="0">
-                <a:solidFill>
-                  <a:srgbClr val="0000F1"/>
-                </a:solidFill>
-              </a:rPr>
-              <a:t> </a:t>
-            </a:r>
-            <a:r>
-              <a:rPr lang="en-US" sz="5700" dirty="0" err="1" smtClean="0">
-                <a:solidFill>
-                  <a:srgbClr val="0000F1"/>
-                </a:solidFill>
-              </a:rPr>
-              <a:t>wt</a:t>
-            </a:r>
-            <a:r>
-              <a:rPr lang="en-US" sz="5700" dirty="0" smtClean="0">
-                <a:solidFill>
-                  <a:srgbClr val="0000F1"/>
-                </a:solidFill>
-              </a:rPr>
-              <a:t>(               ) </a:t>
-            </a:r>
-            <a:r>
-              <a:rPr lang="en-US" sz="5700" b="1" dirty="0" smtClean="0">
-                <a:solidFill>
-                  <a:srgbClr val="0000F1"/>
-                </a:solidFill>
-                <a:latin typeface="Euclid Symbol" charset="2"/>
-                <a:cs typeface="Euclid Symbol" charset="2"/>
-              </a:rPr>
-              <a:t>&lt; </a:t>
-            </a:r>
-            <a:r>
-              <a:rPr lang="en-US" sz="5700" dirty="0" err="1" smtClean="0">
-                <a:solidFill>
-                  <a:srgbClr val="0000F1"/>
-                </a:solidFill>
-                <a:latin typeface="Comic Sans MS"/>
-                <a:cs typeface="Comic Sans MS"/>
-              </a:rPr>
-              <a:t>wt</a:t>
-            </a:r>
+              <a:t>Swap</a:t>
+            </a:r>
+            <a:r>
+              <a:rPr lang="en-US" sz="5400" dirty="0" smtClean="0"/>
+              <a:t> Lemma implies:</a:t>
+            </a:r>
+            <a:endParaRPr lang="en-US" sz="5400" dirty="0" smtClean="0"/>
+          </a:p>
+          <a:p>
             <a:r>
               <a:rPr lang="en-US" sz="5700" dirty="0" smtClean="0">
                 <a:solidFill>
@@ -5301,19 +4432,17 @@
                 <a:latin typeface="Comic Sans MS"/>
                 <a:cs typeface="Comic Sans MS"/>
               </a:rPr>
-              <a:t>(C),</a:t>
-            </a:r>
-          </a:p>
-          <a:p>
+              <a:t>   C </a:t>
+            </a:r>
             <a:r>
               <a:rPr lang="en-US" sz="5700" dirty="0" smtClean="0">
                 <a:solidFill>
-                  <a:srgbClr val="0D0D0D"/>
+                  <a:srgbClr val="000000"/>
                 </a:solidFill>
                 <a:latin typeface="Comic Sans MS"/>
                 <a:cs typeface="Comic Sans MS"/>
               </a:rPr>
-              <a:t>so</a:t>
+              <a:t>is</a:t>
             </a:r>
             <a:r>
               <a:rPr lang="en-US" sz="5700" dirty="0" smtClean="0">
@@ -5323,7 +4452,7 @@
                 <a:latin typeface="Comic Sans MS"/>
                 <a:cs typeface="Comic Sans MS"/>
               </a:rPr>
-              <a:t> C </a:t>
+              <a:t> </a:t>
             </a:r>
             <a:r>
               <a:rPr lang="en-US" sz="5700" dirty="0" smtClean="0">
@@ -5336,8 +4465,47 @@
                 <a:latin typeface="Comic Sans MS"/>
                 <a:cs typeface="Comic Sans MS"/>
               </a:rPr>
-              <a:t>not minimum.</a:t>
-            </a:r>
+              <a:t>not minimum </a:t>
+            </a:r>
+            <a:r>
+              <a:rPr lang="en-US" sz="5700" dirty="0" err="1" smtClean="0">
+                <a:solidFill>
+                  <a:srgbClr val="008000"/>
+                </a:solidFill>
+                <a:latin typeface="Comic Sans MS"/>
+                <a:cs typeface="Comic Sans MS"/>
+              </a:rPr>
+              <a:t>css</a:t>
+            </a:r>
+            <a:endParaRPr lang="en-US" sz="5700" dirty="0" smtClean="0">
+              <a:solidFill>
+                <a:srgbClr val="008000"/>
+              </a:solidFill>
+              <a:latin typeface="Comic Sans MS"/>
+              <a:cs typeface="Comic Sans MS"/>
+            </a:endParaRPr>
+          </a:p>
+          <a:p>
+            <a:r>
+              <a:rPr lang="en-US" sz="5700" dirty="0" smtClean="0">
+                <a:latin typeface="Comic Sans MS"/>
+                <a:cs typeface="Comic Sans MS"/>
+              </a:rPr>
+              <a:t>because                  has</a:t>
+            </a:r>
+          </a:p>
+          <a:p>
+            <a:r>
+              <a:rPr lang="en-US" sz="5700" dirty="0" smtClean="0">
+                <a:latin typeface="Comic Sans MS"/>
+                <a:cs typeface="Comic Sans MS"/>
+              </a:rPr>
+              <a:t>smaller weight.</a:t>
+            </a:r>
+            <a:endParaRPr lang="en-US" sz="5700" dirty="0" smtClean="0">
+              <a:latin typeface="Comic Sans MS"/>
+              <a:cs typeface="Comic Sans MS"/>
+            </a:endParaRPr>
           </a:p>
         </p:txBody>
       </p:sp>
@@ -5373,7 +4541,7 @@
               <a:pPr>
                 <a:defRPr/>
               </a:pPr>
-              <a:t>13</a:t>
+              <a:t>12</a:t>
             </a:fld>
             <a:endParaRPr lang="en-US" dirty="0"/>
           </a:p>
@@ -5388,20 +4556,20 @@
           <p:nvPr>
             <p:extLst>
               <p:ext uri="{D42A27DB-BD31-4B8C-83A1-F6EECF244321}">
-                <p14:modId xmlns:p14="http://schemas.microsoft.com/office/powerpoint/2010/main" val="2557107078"/>
+                <p14:modId xmlns:p14="http://schemas.microsoft.com/office/powerpoint/2010/main" val="539617770"/>
               </p:ext>
             </p:extLst>
           </p:nvPr>
         </p:nvGraphicFramePr>
         <p:xfrm>
-          <a:off x="1524000" y="3429000"/>
+          <a:off x="3200400" y="3410335"/>
           <a:ext cx="3362325" cy="1209675"/>
         </p:xfrm>
         <a:graphic>
           <a:graphicData uri="http://schemas.openxmlformats.org/presentationml/2006/ole">
             <mc:AlternateContent xmlns:mc="http://schemas.openxmlformats.org/markup-compatibility/2006">
               <mc:Choice xmlns:v="urn:schemas-microsoft-com:vml" Requires="v">
-                <p:oleObj spid="_x0000_s48157" name="Equation" r:id="rId3" imgW="635000" imgH="228600" progId="Equation.DSMT4">
+                <p:oleObj spid="_x0000_s48162" name="Equation" r:id="rId3" imgW="635000" imgH="228600" progId="Equation.DSMT4">
                   <p:embed/>
                 </p:oleObj>
               </mc:Choice>
@@ -5422,7 +4590,7 @@
                     </p:blipFill>
                     <p:spPr>
                       <a:xfrm>
-                        <a:off x="1524000" y="3429000"/>
+                        <a:off x="3200400" y="3410335"/>
                         <a:ext cx="3362325" cy="1209675"/>
                       </a:xfrm>
                       <a:prstGeom prst="rect">
@@ -5625,7 +4793,7 @@
                                     </p:set>
                                     <p:animEffect transition="in" filter="fade">
                                       <p:cBhvr>
-                                        <p:cTn id="12" dur="1000"/>
+                                        <p:cTn id="12" dur="500"/>
                                         <p:tgtEl>
                                           <p:spTgt spid="3">
                                             <p:txEl>
@@ -5673,33 +4841,15 @@
                                   </p:childTnLst>
                                 </p:cTn>
                               </p:par>
-                            </p:childTnLst>
-                          </p:cTn>
-                        </p:par>
-                      </p:childTnLst>
-                    </p:cTn>
-                  </p:par>
-                  <p:par>
-                    <p:cTn id="16" fill="hold">
-                      <p:stCondLst>
-                        <p:cond delay="indefinite"/>
-                      </p:stCondLst>
-                      <p:childTnLst>
-                        <p:par>
-                          <p:cTn id="17" fill="hold">
-                            <p:stCondLst>
-                              <p:cond delay="0"/>
-                            </p:stCondLst>
-                            <p:childTnLst>
                               <p:par>
-                                <p:cTn id="18" presetID="10" presetClass="entr" presetSubtype="0" fill="hold" nodeType="clickEffect">
+                                <p:cTn id="16" presetID="10" presetClass="entr" presetSubtype="0" fill="hold" nodeType="withEffect">
                                   <p:stCondLst>
                                     <p:cond delay="0"/>
                                   </p:stCondLst>
                                   <p:childTnLst>
                                     <p:set>
                                       <p:cBhvr>
-                                        <p:cTn id="19" dur="1" fill="hold">
+                                        <p:cTn id="17" dur="1" fill="hold">
                                           <p:stCondLst>
                                             <p:cond delay="0"/>
                                           </p:stCondLst>
@@ -5721,7 +4871,437 @@
                                     </p:set>
                                     <p:animEffect transition="in" filter="fade">
                                       <p:cBhvr>
-                                        <p:cTn id="20" dur="500"/>
+                                        <p:cTn id="18" dur="500"/>
+                                        <p:tgtEl>
+                                          <p:spTgt spid="3">
+                                            <p:txEl>
+                                              <p:pRg st="3" end="3"/>
+                                            </p:txEl>
+                                          </p:spTgt>
+                                        </p:tgtEl>
+                                      </p:cBhvr>
+                                    </p:animEffect>
+                                  </p:childTnLst>
+                                </p:cTn>
+                              </p:par>
+                            </p:childTnLst>
+                          </p:cTn>
+                        </p:par>
+                      </p:childTnLst>
+                    </p:cTn>
+                  </p:par>
+                </p:childTnLst>
+              </p:cTn>
+              <p:prevCondLst>
+                <p:cond evt="onPrev" delay="0">
+                  <p:tgtEl>
+                    <p:sldTgt/>
+                  </p:tgtEl>
+                </p:cond>
+              </p:prevCondLst>
+              <p:nextCondLst>
+                <p:cond evt="onNext" delay="0">
+                  <p:tgtEl>
+                    <p:sldTgt/>
+                  </p:tgtEl>
+                </p:cond>
+              </p:nextCondLst>
+            </p:seq>
+          </p:childTnLst>
+        </p:cTn>
+      </p:par>
+    </p:tnLst>
+  </p:timing>
+</p:sld>
+</file>
+
+<file path=ppt/slides/slide13.xml><?xml version="1.0" encoding="utf-8"?>
+<p:sld xmlns:a="http://schemas.openxmlformats.org/drawingml/2006/main" xmlns:r="http://schemas.openxmlformats.org/officeDocument/2006/relationships" xmlns:p="http://schemas.openxmlformats.org/presentationml/2006/main">
+  <p:cSld>
+    <p:spTree>
+      <p:nvGrpSpPr>
+        <p:cNvPr id="1" name=""/>
+        <p:cNvGrpSpPr/>
+        <p:nvPr/>
+      </p:nvGrpSpPr>
+      <p:grpSpPr>
+        <a:xfrm>
+          <a:off x="0" y="0"/>
+          <a:ext cx="0" cy="0"/>
+          <a:chOff x="0" y="0"/>
+          <a:chExt cx="0" cy="0"/>
+        </a:xfrm>
+      </p:grpSpPr>
+      <p:sp>
+        <p:nvSpPr>
+          <p:cNvPr id="3" name="Content Placeholder 2"/>
+          <p:cNvSpPr>
+            <a:spLocks noGrp="1"/>
+          </p:cNvSpPr>
+          <p:nvPr>
+            <p:ph idx="1"/>
+          </p:nvPr>
+        </p:nvSpPr>
+        <p:spPr>
+          <a:xfrm>
+            <a:off x="152400" y="1447800"/>
+            <a:ext cx="8915400" cy="4953000"/>
+          </a:xfrm>
+        </p:spPr>
+        <p:txBody>
+          <a:bodyPr/>
+          <a:lstStyle/>
+          <a:p>
+            <a:r>
+              <a:rPr lang="en-US" sz="5400" dirty="0" smtClean="0">
+                <a:solidFill>
+                  <a:srgbClr val="FF00FF"/>
+                </a:solidFill>
+              </a:rPr>
+              <a:t>Swap</a:t>
+            </a:r>
+            <a:r>
+              <a:rPr lang="en-US" sz="5400" dirty="0" smtClean="0"/>
+              <a:t> Lemma implies:</a:t>
+            </a:r>
+            <a:endParaRPr lang="en-US" sz="5400" dirty="0" smtClean="0"/>
+          </a:p>
+          <a:p>
+            <a:r>
+              <a:rPr lang="en-US" sz="5700" dirty="0" smtClean="0">
+                <a:solidFill>
+                  <a:srgbClr val="0000F1"/>
+                </a:solidFill>
+                <a:latin typeface="Comic Sans MS"/>
+                <a:cs typeface="Comic Sans MS"/>
+              </a:rPr>
+              <a:t>   C </a:t>
+            </a:r>
+            <a:r>
+              <a:rPr lang="en-US" sz="5700" dirty="0" smtClean="0">
+                <a:solidFill>
+                  <a:srgbClr val="000000"/>
+                </a:solidFill>
+                <a:latin typeface="Comic Sans MS"/>
+                <a:cs typeface="Comic Sans MS"/>
+              </a:rPr>
+              <a:t>is</a:t>
+            </a:r>
+            <a:r>
+              <a:rPr lang="en-US" sz="5700" dirty="0" smtClean="0">
+                <a:solidFill>
+                  <a:srgbClr val="0000F1"/>
+                </a:solidFill>
+                <a:latin typeface="Comic Sans MS"/>
+                <a:cs typeface="Comic Sans MS"/>
+              </a:rPr>
+              <a:t> </a:t>
+            </a:r>
+            <a:r>
+              <a:rPr lang="en-US" sz="5700" dirty="0" smtClean="0">
+                <a:solidFill>
+                  <a:schemeClr val="tx1">
+                    <a:lumMod val="95000"/>
+                    <a:lumOff val="5000"/>
+                  </a:schemeClr>
+                </a:solidFill>
+                <a:latin typeface="Comic Sans MS"/>
+                <a:cs typeface="Comic Sans MS"/>
+              </a:rPr>
+              <a:t>not minimum </a:t>
+            </a:r>
+            <a:r>
+              <a:rPr lang="en-US" sz="5700" dirty="0" err="1" smtClean="0">
+                <a:solidFill>
+                  <a:srgbClr val="008000"/>
+                </a:solidFill>
+                <a:latin typeface="Comic Sans MS"/>
+                <a:cs typeface="Comic Sans MS"/>
+              </a:rPr>
+              <a:t>css</a:t>
+            </a:r>
+            <a:r>
+              <a:rPr lang="en-US" sz="5700" dirty="0" smtClean="0">
+                <a:solidFill>
+                  <a:srgbClr val="000000"/>
+                </a:solidFill>
+                <a:latin typeface="Comic Sans MS"/>
+                <a:cs typeface="Comic Sans MS"/>
+              </a:rPr>
+              <a:t>.</a:t>
+            </a:r>
+          </a:p>
+          <a:p>
+            <a:r>
+              <a:rPr lang="en-US" sz="5700" dirty="0" smtClean="0">
+                <a:solidFill>
+                  <a:srgbClr val="000000"/>
+                </a:solidFill>
+                <a:latin typeface="Comic Sans MS"/>
+                <a:cs typeface="Comic Sans MS"/>
+              </a:rPr>
+              <a:t>So </a:t>
+            </a:r>
+            <a:r>
+              <a:rPr lang="en-US" sz="6000" b="1" i="1" dirty="0" smtClean="0">
+                <a:ln w="12700">
+                  <a:solidFill>
+                    <a:schemeClr val="tx2">
+                      <a:satMod val="155000"/>
+                    </a:schemeClr>
+                  </a:solidFill>
+                  <a:prstDash val="solid"/>
+                </a:ln>
+                <a:solidFill>
+                  <a:schemeClr val="bg2">
+                    <a:tint val="85000"/>
+                    <a:satMod val="155000"/>
+                  </a:schemeClr>
+                </a:solidFill>
+                <a:effectLst>
+                  <a:outerShdw blurRad="41275" dist="20320" dir="1800000" algn="tl" rotWithShape="0">
+                    <a:srgbClr val="000000">
+                      <a:alpha val="40000"/>
+                    </a:srgbClr>
+                  </a:outerShdw>
+                </a:effectLst>
+                <a:latin typeface="PT Serif"/>
+                <a:cs typeface="PT Serif"/>
+              </a:rPr>
+              <a:t>e </a:t>
+            </a:r>
+            <a:r>
+              <a:rPr lang="en-US" sz="5400" dirty="0"/>
+              <a:t>must be in </a:t>
+            </a:r>
+            <a:r>
+              <a:rPr lang="en-US" sz="5400" dirty="0" smtClean="0"/>
+              <a:t>MST.</a:t>
+            </a:r>
+          </a:p>
+          <a:p>
+            <a:r>
+              <a:rPr lang="en-US" sz="5400" dirty="0" smtClean="0"/>
+              <a:t>That is, </a:t>
+            </a:r>
+            <a:r>
+              <a:rPr lang="en-US" sz="5400" b="1" i="1" dirty="0">
+                <a:ln w="12700">
+                  <a:solidFill>
+                    <a:schemeClr val="tx2">
+                      <a:satMod val="155000"/>
+                    </a:schemeClr>
+                  </a:solidFill>
+                  <a:prstDash val="solid"/>
+                </a:ln>
+                <a:solidFill>
+                  <a:schemeClr val="bg2">
+                    <a:tint val="85000"/>
+                    <a:satMod val="155000"/>
+                  </a:schemeClr>
+                </a:solidFill>
+                <a:effectLst>
+                  <a:outerShdw blurRad="41275" dist="20320" dir="1800000" algn="tl" rotWithShape="0">
+                    <a:srgbClr val="000000">
+                      <a:alpha val="40000"/>
+                    </a:srgbClr>
+                  </a:outerShdw>
+                </a:effectLst>
+                <a:latin typeface="PT Serif"/>
+                <a:cs typeface="PT Serif"/>
+              </a:rPr>
+              <a:t>e </a:t>
+            </a:r>
+            <a:r>
+              <a:rPr lang="en-US" sz="5400" dirty="0"/>
+              <a:t>is</a:t>
+            </a:r>
+            <a:r>
+              <a:rPr lang="en-US" sz="5400" dirty="0" smtClean="0"/>
+              <a:t> </a:t>
+            </a:r>
+            <a:r>
+              <a:rPr lang="en-US" sz="5400" dirty="0" smtClean="0">
+                <a:solidFill>
+                  <a:srgbClr val="008000"/>
+                </a:solidFill>
+              </a:rPr>
+              <a:t>necessary</a:t>
+            </a:r>
+            <a:r>
+              <a:rPr lang="en-US" sz="5400" dirty="0" smtClean="0"/>
+              <a:t>.</a:t>
+            </a:r>
+          </a:p>
+        </p:txBody>
+      </p:sp>
+      <p:sp>
+        <p:nvSpPr>
+          <p:cNvPr id="4" name="Slide Number Placeholder 3"/>
+          <p:cNvSpPr>
+            <a:spLocks noGrp="1"/>
+          </p:cNvSpPr>
+          <p:nvPr>
+            <p:ph type="sldNum" sz="quarter" idx="4"/>
+          </p:nvPr>
+        </p:nvSpPr>
+        <p:spPr>
+          <a:xfrm>
+            <a:off x="8225613" y="6553200"/>
+            <a:ext cx="870764" cy="246221"/>
+          </a:xfrm>
+        </p:spPr>
+        <p:txBody>
+          <a:bodyPr/>
+          <a:lstStyle/>
+          <a:p>
+            <a:pPr>
+              <a:defRPr/>
+            </a:pPr>
+            <a:r>
+              <a:rPr lang="en-US" dirty="0" smtClean="0"/>
+              <a:t>min-gray.</a:t>
+            </a:r>
+            <a:fld id="{D7F2FC53-1536-41A9-A9C1-2199CF803E30}" type="slidenum">
+              <a:rPr lang="en-US" smtClean="0"/>
+              <a:pPr>
+                <a:defRPr/>
+              </a:pPr>
+              <a:t>13</a:t>
+            </a:fld>
+            <a:endParaRPr lang="en-US" dirty="0"/>
+          </a:p>
+        </p:txBody>
+      </p:sp>
+      <p:sp>
+        <p:nvSpPr>
+          <p:cNvPr id="8" name="Title 1"/>
+          <p:cNvSpPr>
+            <a:spLocks noGrp="1"/>
+          </p:cNvSpPr>
+          <p:nvPr>
+            <p:ph type="title"/>
+          </p:nvPr>
+        </p:nvSpPr>
+        <p:spPr>
+          <a:xfrm>
+            <a:off x="1219200" y="152400"/>
+            <a:ext cx="7848600" cy="1371600"/>
+          </a:xfrm>
+        </p:spPr>
+        <p:txBody>
+          <a:bodyPr/>
+          <a:lstStyle/>
+          <a:p>
+            <a:r>
+              <a:rPr lang="en-US" dirty="0" smtClean="0">
+                <a:solidFill>
+                  <a:schemeClr val="tx1"/>
+                </a:solidFill>
+              </a:rPr>
+              <a:t>M</a:t>
+            </a:r>
+            <a:r>
+              <a:rPr lang="en-US" dirty="0" smtClean="0"/>
+              <a:t>in </a:t>
+            </a:r>
+            <a:r>
+              <a:rPr lang="en-US" dirty="0"/>
+              <a:t>G</a:t>
+            </a:r>
+            <a:r>
+              <a:rPr lang="en-US" dirty="0" smtClean="0"/>
+              <a:t>ray Edge </a:t>
+            </a:r>
+            <a:r>
+              <a:rPr lang="en-US" dirty="0" smtClean="0">
+                <a:solidFill>
+                  <a:srgbClr val="008000"/>
+                </a:solidFill>
+              </a:rPr>
+              <a:t>Necessary</a:t>
+            </a:r>
+            <a:r>
+              <a:rPr lang="en-US" dirty="0" smtClean="0"/>
+              <a:t> </a:t>
+            </a:r>
+            <a:endParaRPr lang="en-US" dirty="0"/>
+          </a:p>
+        </p:txBody>
+      </p:sp>
+    </p:spTree>
+    <p:extLst>
+      <p:ext uri="{BB962C8B-B14F-4D97-AF65-F5344CB8AC3E}">
+        <p14:creationId xmlns:p14="http://schemas.microsoft.com/office/powerpoint/2010/main" val="2108613754"/>
+      </p:ext>
+    </p:extLst>
+  </p:cSld>
+  <p:clrMapOvr>
+    <a:masterClrMapping/>
+  </p:clrMapOvr>
+  <mc:AlternateContent xmlns:mc="http://schemas.openxmlformats.org/markup-compatibility/2006" xmlns:p14="http://schemas.microsoft.com/office/powerpoint/2010/main">
+    <mc:Choice Requires="p14">
+      <p:transition spd="med" p14:dur="700" advClick="0">
+        <p:fade/>
+      </p:transition>
+    </mc:Choice>
+    <mc:Fallback xmlns="">
+      <p:transition xmlns:p14="http://schemas.microsoft.com/office/powerpoint/2010/main" spd="med" advClick="0">
+        <p:fade/>
+      </p:transition>
+    </mc:Fallback>
+  </mc:AlternateContent>
+  <p:timing>
+    <p:tnLst>
+      <p:par>
+        <p:cTn xmlns:p14="http://schemas.microsoft.com/office/powerpoint/2010/main" id="1" dur="indefinite" restart="never" nodeType="tmRoot">
+          <p:childTnLst>
+            <p:seq concurrent="1" nextAc="seek">
+              <p:cTn id="2" dur="indefinite" nodeType="mainSeq">
+                <p:childTnLst>
+                  <p:par>
+                    <p:cTn id="3" fill="hold">
+                      <p:stCondLst>
+                        <p:cond delay="indefinite"/>
+                      </p:stCondLst>
+                      <p:childTnLst>
+                        <p:par>
+                          <p:cTn id="4" fill="hold">
+                            <p:stCondLst>
+                              <p:cond delay="0"/>
+                            </p:stCondLst>
+                            <p:childTnLst>
+                              <p:par>
+                                <p:cTn id="5" presetID="10" presetClass="entr" presetSubtype="0" fill="hold" nodeType="clickEffect">
+                                  <p:stCondLst>
+                                    <p:cond delay="0"/>
+                                  </p:stCondLst>
+                                  <p:childTnLst>
+                                    <p:set>
+                                      <p:cBhvr>
+                                        <p:cTn id="6" dur="1" fill="hold">
+                                          <p:stCondLst>
+                                            <p:cond delay="0"/>
+                                          </p:stCondLst>
+                                        </p:cTn>
+                                        <p:tgtEl>
+                                          <p:spTgt spid="3">
+                                            <p:txEl>
+                                              <p:pRg st="3" end="3"/>
+                                            </p:txEl>
+                                          </p:spTgt>
+                                        </p:tgtEl>
+                                        <p:attrNameLst>
+                                          <p:attrName>style.visibility</p:attrName>
+                                        </p:attrNameLst>
+                                      </p:cBhvr>
+                                      <p:to>
+                                        <p:strVal val="visible"/>
+                                      </p:to>
+                                    </p:set>
+                                    <p:animEffect transition="in" filter="fade">
+                                      <p:cBhvr>
+                                        <p:cTn id="7" dur="500"/>
                                         <p:tgtEl>
                                           <p:spTgt spid="3">
                                             <p:txEl>
@@ -5938,7 +5518,7 @@
           <a:graphicData uri="http://schemas.openxmlformats.org/presentationml/2006/ole">
             <mc:AlternateContent xmlns:mc="http://schemas.openxmlformats.org/markup-compatibility/2006">
               <mc:Choice xmlns:v="urn:schemas-microsoft-com:vml" Requires="v">
-                <p:oleObj spid="_x0000_s41006" name="Equation" r:id="rId3" imgW="1117600" imgH="152400" progId="Equation.DSMT4">
+                <p:oleObj spid="_x0000_s41011" name="Equation" r:id="rId3" imgW="1117600" imgH="152400" progId="Equation.DSMT4">
                   <p:embed/>
                 </p:oleObj>
               </mc:Choice>
@@ -5995,7 +5575,7 @@
           <a:graphicData uri="http://schemas.openxmlformats.org/presentationml/2006/ole">
             <mc:AlternateContent xmlns:mc="http://schemas.openxmlformats.org/markup-compatibility/2006">
               <mc:Choice xmlns:v="urn:schemas-microsoft-com:vml" Requires="v">
-                <p:oleObj spid="_x0000_s41007" name="Equation" r:id="rId5" imgW="889000" imgH="228600" progId="Equation.DSMT4">
+                <p:oleObj spid="_x0000_s41012" name="Equation" r:id="rId5" imgW="889000" imgH="228600" progId="Equation.DSMT4">
                   <p:embed/>
                 </p:oleObj>
               </mc:Choice>
@@ -17993,7 +17573,7 @@
           <a:graphicData uri="http://schemas.openxmlformats.org/presentationml/2006/ole">
             <mc:AlternateContent xmlns:mc="http://schemas.openxmlformats.org/markup-compatibility/2006">
               <mc:Choice xmlns:v="urn:schemas-microsoft-com:vml" Requires="v">
-                <p:oleObj spid="_x0000_s42011" name="Equation" r:id="rId3" imgW="393700" imgH="228600" progId="Equation.DSMT4">
+                <p:oleObj spid="_x0000_s42014" name="Equation" r:id="rId3" imgW="393700" imgH="228600" progId="Equation.DSMT4">
                   <p:embed/>
                 </p:oleObj>
               </mc:Choice>
@@ -21001,7 +20581,7 @@
           <a:graphicData uri="http://schemas.openxmlformats.org/presentationml/2006/ole">
             <mc:AlternateContent xmlns:mc="http://schemas.openxmlformats.org/markup-compatibility/2006">
               <mc:Choice xmlns:v="urn:schemas-microsoft-com:vml" Requires="v">
-                <p:oleObj spid="_x0000_s43035" name="Equation" r:id="rId3" imgW="635000" imgH="228600" progId="Equation.DSMT4">
+                <p:oleObj spid="_x0000_s43038" name="Equation" r:id="rId3" imgW="635000" imgH="228600" progId="Equation.DSMT4">
                   <p:embed/>
                 </p:oleObj>
               </mc:Choice>
@@ -21424,7 +21004,7 @@
             <a:graphicData uri="http://schemas.openxmlformats.org/presentationml/2006/ole">
               <mc:AlternateContent xmlns:mc="http://schemas.openxmlformats.org/markup-compatibility/2006">
                 <mc:Choice xmlns:v="urn:schemas-microsoft-com:vml" Requires="v">
-                  <p:oleObj spid="_x0000_s44059" name="Equation" r:id="rId3" imgW="635000" imgH="228600" progId="Equation.DSMT4">
+                  <p:oleObj spid="_x0000_s44062" name="Equation" r:id="rId3" imgW="635000" imgH="228600" progId="Equation.DSMT4">
                     <p:embed/>
                   </p:oleObj>
                 </mc:Choice>
@@ -23657,7 +23237,7 @@
           <a:graphicData uri="http://schemas.openxmlformats.org/presentationml/2006/ole">
             <mc:AlternateContent xmlns:mc="http://schemas.openxmlformats.org/markup-compatibility/2006">
               <mc:Choice xmlns:v="urn:schemas-microsoft-com:vml" Requires="v">
-                <p:oleObj spid="_x0000_s46107" name="Equation" r:id="rId3" imgW="635000" imgH="228600" progId="Equation.DSMT4">
+                <p:oleObj spid="_x0000_s46110" name="Equation" r:id="rId3" imgW="635000" imgH="228600" progId="Equation.DSMT4">
                   <p:embed/>
                 </p:oleObj>
               </mc:Choice>
@@ -28267,18 +27847,9 @@
   <p:clrMapOvr>
     <a:masterClrMapping/>
   </p:clrMapOvr>
-  <mc:AlternateContent xmlns:mc="http://schemas.openxmlformats.org/markup-compatibility/2006" xmlns:p14="http://schemas.microsoft.com/office/powerpoint/2010/main">
-    <mc:Choice Requires="p14">
-      <p:transition spd="slow" p14:dur="1100" advClick="0">
-        <p:fade thruBlk="1"/>
-      </p:transition>
-    </mc:Choice>
-    <mc:Fallback xmlns="">
-      <p:transition xmlns:p14="http://schemas.microsoft.com/office/powerpoint/2010/main" spd="slow" advClick="0">
-        <p:fade thruBlk="1"/>
-      </p:transition>
-    </mc:Fallback>
-  </mc:AlternateContent>
+  <p:transition xmlns:p14="http://schemas.microsoft.com/office/powerpoint/2010/main" spd="slow" advClick="0">
+    <p:fade/>
+  </p:transition>
   <p:timing>
     <p:tnLst>
       <p:par>
@@ -28325,7 +27896,7 @@
                                     </p:set>
                                     <p:animEffect transition="in" filter="wipe(left)">
                                       <p:cBhvr>
-                                        <p:cTn id="7" dur="1000"/>
+                                        <p:cTn id="7" dur="500"/>
                                         <p:tgtEl>
                                           <p:spTgt spid="5"/>
                                         </p:tgtEl>

--- a/fall17/slidesF17/gray-edges.pptx
+++ b/fall17/slidesF17/gray-edges.pptx
@@ -5,10 +5,10 @@
     <p:sldMasterId id="2147483650" r:id="rId1"/>
   </p:sldMasterIdLst>
   <p:notesMasterIdLst>
-    <p:notesMasterId r:id="rId30"/>
+    <p:notesMasterId r:id="rId26"/>
   </p:notesMasterIdLst>
   <p:handoutMasterIdLst>
-    <p:handoutMasterId r:id="rId31"/>
+    <p:handoutMasterId r:id="rId27"/>
   </p:handoutMasterIdLst>
   <p:sldIdLst>
     <p:sldId id="462" r:id="rId2"/>
@@ -35,15 +35,11 @@
     <p:sldId id="704" r:id="rId23"/>
     <p:sldId id="678" r:id="rId24"/>
     <p:sldId id="681" r:id="rId25"/>
-    <p:sldId id="682" r:id="rId26"/>
-    <p:sldId id="688" r:id="rId27"/>
-    <p:sldId id="689" r:id="rId28"/>
-    <p:sldId id="690" r:id="rId29"/>
   </p:sldIdLst>
   <p:sldSz cx="9144000" cy="6858000" type="letter"/>
   <p:notesSz cx="9601200" cy="7315200"/>
   <p:custDataLst>
-    <p:tags r:id="rId33"/>
+    <p:tags r:id="rId29"/>
   </p:custDataLst>
   <p:defaultTextStyle>
     <a:defPPr>
@@ -956,6 +952,261 @@
           <a:bodyPr/>
           <a:lstStyle/>
           <a:p>
+            <a:endParaRPr lang="en-US"/>
+          </a:p>
+        </p:txBody>
+      </p:sp>
+      <p:sp>
+        <p:nvSpPr>
+          <p:cNvPr id="4" name="Slide Number Placeholder 3"/>
+          <p:cNvSpPr>
+            <a:spLocks noGrp="1"/>
+          </p:cNvSpPr>
+          <p:nvPr>
+            <p:ph type="sldNum" sz="quarter" idx="10"/>
+          </p:nvPr>
+        </p:nvSpPr>
+        <p:spPr/>
+        <p:txBody>
+          <a:bodyPr/>
+          <a:lstStyle/>
+          <a:p>
+            <a:fld id="{2290380C-F846-4D61-BB06-6FCFBA28E193}" type="slidenum">
+              <a:rPr lang="en-US" smtClean="0"/>
+              <a:pPr/>
+              <a:t>2</a:t>
+            </a:fld>
+            <a:endParaRPr lang="en-US"/>
+          </a:p>
+        </p:txBody>
+      </p:sp>
+    </p:spTree>
+    <p:extLst>
+      <p:ext uri="{BB962C8B-B14F-4D97-AF65-F5344CB8AC3E}">
+        <p14:creationId xmlns:p14="http://schemas.microsoft.com/office/powerpoint/2010/main" val="854981695"/>
+      </p:ext>
+    </p:extLst>
+  </p:cSld>
+  <p:clrMapOvr>
+    <a:masterClrMapping/>
+  </p:clrMapOvr>
+</p:notes>
+</file>
+
+<file path=ppt/notesSlides/notesSlide3.xml><?xml version="1.0" encoding="utf-8"?>
+<p:notes xmlns:a="http://schemas.openxmlformats.org/drawingml/2006/main" xmlns:r="http://schemas.openxmlformats.org/officeDocument/2006/relationships" xmlns:p="http://schemas.openxmlformats.org/presentationml/2006/main">
+  <p:cSld>
+    <p:spTree>
+      <p:nvGrpSpPr>
+        <p:cNvPr id="1" name=""/>
+        <p:cNvGrpSpPr/>
+        <p:nvPr/>
+      </p:nvGrpSpPr>
+      <p:grpSpPr>
+        <a:xfrm>
+          <a:off x="0" y="0"/>
+          <a:ext cx="0" cy="0"/>
+          <a:chOff x="0" y="0"/>
+          <a:chExt cx="0" cy="0"/>
+        </a:xfrm>
+      </p:grpSpPr>
+      <p:sp>
+        <p:nvSpPr>
+          <p:cNvPr id="2" name="Slide Image Placeholder 1"/>
+          <p:cNvSpPr>
+            <a:spLocks noGrp="1" noRot="1" noChangeAspect="1"/>
+          </p:cNvSpPr>
+          <p:nvPr>
+            <p:ph type="sldImg"/>
+          </p:nvPr>
+        </p:nvSpPr>
+        <p:spPr/>
+      </p:sp>
+      <p:sp>
+        <p:nvSpPr>
+          <p:cNvPr id="3" name="Notes Placeholder 2"/>
+          <p:cNvSpPr>
+            <a:spLocks noGrp="1"/>
+          </p:cNvSpPr>
+          <p:nvPr>
+            <p:ph type="body" idx="1"/>
+          </p:nvPr>
+        </p:nvSpPr>
+        <p:spPr/>
+        <p:txBody>
+          <a:bodyPr/>
+          <a:lstStyle/>
+          <a:p>
+            <a:endParaRPr lang="en-US"/>
+          </a:p>
+        </p:txBody>
+      </p:sp>
+      <p:sp>
+        <p:nvSpPr>
+          <p:cNvPr id="4" name="Slide Number Placeholder 3"/>
+          <p:cNvSpPr>
+            <a:spLocks noGrp="1"/>
+          </p:cNvSpPr>
+          <p:nvPr>
+            <p:ph type="sldNum" sz="quarter" idx="10"/>
+          </p:nvPr>
+        </p:nvSpPr>
+        <p:spPr/>
+        <p:txBody>
+          <a:bodyPr/>
+          <a:lstStyle/>
+          <a:p>
+            <a:fld id="{2290380C-F846-4D61-BB06-6FCFBA28E193}" type="slidenum">
+              <a:rPr lang="en-US" smtClean="0"/>
+              <a:pPr/>
+              <a:t>3</a:t>
+            </a:fld>
+            <a:endParaRPr lang="en-US"/>
+          </a:p>
+        </p:txBody>
+      </p:sp>
+    </p:spTree>
+    <p:extLst>
+      <p:ext uri="{BB962C8B-B14F-4D97-AF65-F5344CB8AC3E}">
+        <p14:creationId xmlns:p14="http://schemas.microsoft.com/office/powerpoint/2010/main" val="1168891165"/>
+      </p:ext>
+    </p:extLst>
+  </p:cSld>
+  <p:clrMapOvr>
+    <a:masterClrMapping/>
+  </p:clrMapOvr>
+</p:notes>
+</file>
+
+<file path=ppt/notesSlides/notesSlide4.xml><?xml version="1.0" encoding="utf-8"?>
+<p:notes xmlns:a="http://schemas.openxmlformats.org/drawingml/2006/main" xmlns:r="http://schemas.openxmlformats.org/officeDocument/2006/relationships" xmlns:p="http://schemas.openxmlformats.org/presentationml/2006/main">
+  <p:cSld>
+    <p:spTree>
+      <p:nvGrpSpPr>
+        <p:cNvPr id="1" name=""/>
+        <p:cNvGrpSpPr/>
+        <p:nvPr/>
+      </p:nvGrpSpPr>
+      <p:grpSpPr>
+        <a:xfrm>
+          <a:off x="0" y="0"/>
+          <a:ext cx="0" cy="0"/>
+          <a:chOff x="0" y="0"/>
+          <a:chExt cx="0" cy="0"/>
+        </a:xfrm>
+      </p:grpSpPr>
+      <p:sp>
+        <p:nvSpPr>
+          <p:cNvPr id="2" name="Slide Image Placeholder 1"/>
+          <p:cNvSpPr>
+            <a:spLocks noGrp="1" noRot="1" noChangeAspect="1"/>
+          </p:cNvSpPr>
+          <p:nvPr>
+            <p:ph type="sldImg"/>
+          </p:nvPr>
+        </p:nvSpPr>
+        <p:spPr/>
+      </p:sp>
+      <p:sp>
+        <p:nvSpPr>
+          <p:cNvPr id="3" name="Notes Placeholder 2"/>
+          <p:cNvSpPr>
+            <a:spLocks noGrp="1"/>
+          </p:cNvSpPr>
+          <p:nvPr>
+            <p:ph type="body" idx="1"/>
+          </p:nvPr>
+        </p:nvSpPr>
+        <p:spPr/>
+        <p:txBody>
+          <a:bodyPr/>
+          <a:lstStyle/>
+          <a:p>
+            <a:endParaRPr lang="en-US"/>
+          </a:p>
+        </p:txBody>
+      </p:sp>
+      <p:sp>
+        <p:nvSpPr>
+          <p:cNvPr id="4" name="Slide Number Placeholder 3"/>
+          <p:cNvSpPr>
+            <a:spLocks noGrp="1"/>
+          </p:cNvSpPr>
+          <p:nvPr>
+            <p:ph type="sldNum" sz="quarter" idx="10"/>
+          </p:nvPr>
+        </p:nvSpPr>
+        <p:spPr/>
+        <p:txBody>
+          <a:bodyPr/>
+          <a:lstStyle/>
+          <a:p>
+            <a:fld id="{2290380C-F846-4D61-BB06-6FCFBA28E193}" type="slidenum">
+              <a:rPr lang="en-US" smtClean="0"/>
+              <a:pPr/>
+              <a:t>4</a:t>
+            </a:fld>
+            <a:endParaRPr lang="en-US"/>
+          </a:p>
+        </p:txBody>
+      </p:sp>
+    </p:spTree>
+    <p:extLst>
+      <p:ext uri="{BB962C8B-B14F-4D97-AF65-F5344CB8AC3E}">
+        <p14:creationId xmlns:p14="http://schemas.microsoft.com/office/powerpoint/2010/main" val="367544495"/>
+      </p:ext>
+    </p:extLst>
+  </p:cSld>
+  <p:clrMapOvr>
+    <a:masterClrMapping/>
+  </p:clrMapOvr>
+</p:notes>
+</file>
+
+<file path=ppt/notesSlides/notesSlide5.xml><?xml version="1.0" encoding="utf-8"?>
+<p:notes xmlns:a="http://schemas.openxmlformats.org/drawingml/2006/main" xmlns:r="http://schemas.openxmlformats.org/officeDocument/2006/relationships" xmlns:p="http://schemas.openxmlformats.org/presentationml/2006/main">
+  <p:cSld>
+    <p:spTree>
+      <p:nvGrpSpPr>
+        <p:cNvPr id="1" name=""/>
+        <p:cNvGrpSpPr/>
+        <p:nvPr/>
+      </p:nvGrpSpPr>
+      <p:grpSpPr>
+        <a:xfrm>
+          <a:off x="0" y="0"/>
+          <a:ext cx="0" cy="0"/>
+          <a:chOff x="0" y="0"/>
+          <a:chExt cx="0" cy="0"/>
+        </a:xfrm>
+      </p:grpSpPr>
+      <p:sp>
+        <p:nvSpPr>
+          <p:cNvPr id="2" name="Slide Image Placeholder 1"/>
+          <p:cNvSpPr>
+            <a:spLocks noGrp="1" noRot="1" noChangeAspect="1"/>
+          </p:cNvSpPr>
+          <p:nvPr>
+            <p:ph type="sldImg"/>
+          </p:nvPr>
+        </p:nvSpPr>
+        <p:spPr/>
+      </p:sp>
+      <p:sp>
+        <p:nvSpPr>
+          <p:cNvPr id="3" name="Notes Placeholder 2"/>
+          <p:cNvSpPr>
+            <a:spLocks noGrp="1"/>
+          </p:cNvSpPr>
+          <p:nvPr>
+            <p:ph type="body" idx="1"/>
+          </p:nvPr>
+        </p:nvSpPr>
+        <p:spPr/>
+        <p:txBody>
+          <a:bodyPr/>
+          <a:lstStyle/>
+          <a:p>
             <a:endParaRPr lang="en-US" dirty="0"/>
           </a:p>
         </p:txBody>
@@ -2329,7 +2580,37 @@
                 <a:uFillTx/>
                 <a:latin typeface="Comic Sans MS" pitchFamily="66" charset="0"/>
               </a:rPr>
-              <a:t>Albert R Meyer       April 14, 2017</a:t>
+              <a:t>Albert R Meyer       </a:t>
+            </a:r>
+            <a:r>
+              <a:rPr kumimoji="0" lang="en-US" sz="1200" b="0" i="0" u="none" strike="noStrike" kern="1200" cap="none" spc="0" normalizeH="0" baseline="0" noProof="0" dirty="0" smtClean="0">
+                <a:ln>
+                  <a:noFill/>
+                </a:ln>
+                <a:solidFill>
+                  <a:schemeClr val="tx1"/>
+                </a:solidFill>
+                <a:effectLst/>
+                <a:uLnTx/>
+                <a:uFillTx/>
+                <a:latin typeface="Comic Sans MS" pitchFamily="66" charset="0"/>
+              </a:rPr>
+              <a:t>October 30, </a:t>
+            </a:r>
+            <a:r>
+              <a:rPr kumimoji="0" lang="en-US" sz="1200" b="0" i="0" u="none" strike="noStrike" kern="1200" cap="none" spc="0" normalizeH="0" baseline="0" noProof="0" dirty="0" smtClean="0">
+                <a:ln>
+                  <a:noFill/>
+                </a:ln>
+                <a:solidFill>
+                  <a:schemeClr val="tx1"/>
+                </a:solidFill>
+                <a:effectLst/>
+                <a:uLnTx/>
+                <a:uFillTx/>
+                <a:latin typeface="Comic Sans MS" pitchFamily="66" charset="0"/>
+              </a:rPr>
+              <a:t>2017</a:t>
             </a:r>
             <a:endParaRPr kumimoji="0" lang="en-US" sz="1200" b="0" i="0" u="none" strike="noStrike" kern="1200" cap="none" spc="0" normalizeH="0" baseline="0" noProof="0" dirty="0">
               <a:ln>
@@ -4186,7 +4467,7 @@
           <a:graphicData uri="http://schemas.openxmlformats.org/presentationml/2006/ole">
             <mc:AlternateContent xmlns:mc="http://schemas.openxmlformats.org/markup-compatibility/2006">
               <mc:Choice xmlns:v="urn:schemas-microsoft-com:vml" Requires="v">
-                <p:oleObj spid="_x0000_s1045" name="Equation" r:id="rId3" imgW="635000" imgH="228600" progId="Equation.DSMT4">
+                <p:oleObj spid="_x0000_s1048" name="Equation" r:id="rId3" imgW="635000" imgH="228600" progId="Equation.DSMT4">
                   <p:embed/>
                 </p:oleObj>
               </mc:Choice>
@@ -4421,7 +4702,6 @@
               <a:rPr lang="en-US" sz="5400" dirty="0" smtClean="0"/>
               <a:t> Lemma implies:</a:t>
             </a:r>
-            <a:endParaRPr lang="en-US" sz="5400" dirty="0" smtClean="0"/>
           </a:p>
           <a:p>
             <a:r>
@@ -4502,10 +4782,6 @@
               </a:rPr>
               <a:t>smaller weight.</a:t>
             </a:r>
-            <a:endParaRPr lang="en-US" sz="5700" dirty="0" smtClean="0">
-              <a:latin typeface="Comic Sans MS"/>
-              <a:cs typeface="Comic Sans MS"/>
-            </a:endParaRPr>
           </a:p>
         </p:txBody>
       </p:sp>
@@ -4569,7 +4845,7 @@
           <a:graphicData uri="http://schemas.openxmlformats.org/presentationml/2006/ole">
             <mc:AlternateContent xmlns:mc="http://schemas.openxmlformats.org/markup-compatibility/2006">
               <mc:Choice xmlns:v="urn:schemas-microsoft-com:vml" Requires="v">
-                <p:oleObj spid="_x0000_s48162" name="Equation" r:id="rId3" imgW="635000" imgH="228600" progId="Equation.DSMT4">
+                <p:oleObj spid="_x0000_s48165" name="Equation" r:id="rId3" imgW="635000" imgH="228600" progId="Equation.DSMT4">
                   <p:embed/>
                 </p:oleObj>
               </mc:Choice>
@@ -4964,7 +5240,6 @@
               <a:rPr lang="en-US" sz="5400" dirty="0" smtClean="0"/>
               <a:t> Lemma implies:</a:t>
             </a:r>
-            <a:endParaRPr lang="en-US" sz="5400" dirty="0" smtClean="0"/>
           </a:p>
           <a:p>
             <a:r>
@@ -5518,7 +5793,7 @@
           <a:graphicData uri="http://schemas.openxmlformats.org/presentationml/2006/ole">
             <mc:AlternateContent xmlns:mc="http://schemas.openxmlformats.org/markup-compatibility/2006">
               <mc:Choice xmlns:v="urn:schemas-microsoft-com:vml" Requires="v">
-                <p:oleObj spid="_x0000_s41011" name="Equation" r:id="rId3" imgW="1117600" imgH="152400" progId="Equation.DSMT4">
+                <p:oleObj spid="_x0000_s41016" name="Equation" r:id="rId3" imgW="1117600" imgH="152400" progId="Equation.DSMT4">
                   <p:embed/>
                 </p:oleObj>
               </mc:Choice>
@@ -5575,7 +5850,7 @@
           <a:graphicData uri="http://schemas.openxmlformats.org/presentationml/2006/ole">
             <mc:AlternateContent xmlns:mc="http://schemas.openxmlformats.org/markup-compatibility/2006">
               <mc:Choice xmlns:v="urn:schemas-microsoft-com:vml" Requires="v">
-                <p:oleObj spid="_x0000_s41012" name="Equation" r:id="rId5" imgW="889000" imgH="228600" progId="Equation.DSMT4">
+                <p:oleObj spid="_x0000_s41017" name="Equation" r:id="rId5" imgW="889000" imgH="228600" progId="Equation.DSMT4">
                   <p:embed/>
                 </p:oleObj>
               </mc:Choice>
@@ -17573,7 +17848,7 @@
           <a:graphicData uri="http://schemas.openxmlformats.org/presentationml/2006/ole">
             <mc:AlternateContent xmlns:mc="http://schemas.openxmlformats.org/markup-compatibility/2006">
               <mc:Choice xmlns:v="urn:schemas-microsoft-com:vml" Requires="v">
-                <p:oleObj spid="_x0000_s42014" name="Equation" r:id="rId3" imgW="393700" imgH="228600" progId="Equation.DSMT4">
+                <p:oleObj spid="_x0000_s42017" name="Equation" r:id="rId3" imgW="393700" imgH="228600" progId="Equation.DSMT4">
                   <p:embed/>
                 </p:oleObj>
               </mc:Choice>
@@ -20581,7 +20856,7 @@
           <a:graphicData uri="http://schemas.openxmlformats.org/presentationml/2006/ole">
             <mc:AlternateContent xmlns:mc="http://schemas.openxmlformats.org/markup-compatibility/2006">
               <mc:Choice xmlns:v="urn:schemas-microsoft-com:vml" Requires="v">
-                <p:oleObj spid="_x0000_s43038" name="Equation" r:id="rId3" imgW="635000" imgH="228600" progId="Equation.DSMT4">
+                <p:oleObj spid="_x0000_s43041" name="Equation" r:id="rId3" imgW="635000" imgH="228600" progId="Equation.DSMT4">
                   <p:embed/>
                 </p:oleObj>
               </mc:Choice>
@@ -21004,7 +21279,7 @@
             <a:graphicData uri="http://schemas.openxmlformats.org/presentationml/2006/ole">
               <mc:AlternateContent xmlns:mc="http://schemas.openxmlformats.org/markup-compatibility/2006">
                 <mc:Choice xmlns:v="urn:schemas-microsoft-com:vml" Requires="v">
-                  <p:oleObj spid="_x0000_s44062" name="Equation" r:id="rId3" imgW="635000" imgH="228600" progId="Equation.DSMT4">
+                  <p:oleObj spid="_x0000_s44065" name="Equation" r:id="rId3" imgW="635000" imgH="228600" progId="Equation.DSMT4">
                     <p:embed/>
                   </p:oleObj>
                 </mc:Choice>
@@ -23237,7 +23512,7 @@
           <a:graphicData uri="http://schemas.openxmlformats.org/presentationml/2006/ole">
             <mc:AlternateContent xmlns:mc="http://schemas.openxmlformats.org/markup-compatibility/2006">
               <mc:Choice xmlns:v="urn:schemas-microsoft-com:vml" Requires="v">
-                <p:oleObj spid="_x0000_s46110" name="Equation" r:id="rId3" imgW="635000" imgH="228600" progId="Equation.DSMT4">
+                <p:oleObj spid="_x0000_s46113" name="Equation" r:id="rId3" imgW="635000" imgH="228600" progId="Equation.DSMT4">
                   <p:embed/>
                 </p:oleObj>
               </mc:Choice>
@@ -24321,2620 +24596,6 @@
         </p:cTn>
       </p:par>
     </p:tnLst>
-  </p:timing>
-</p:sld>
-</file>
-
-<file path=ppt/slides/slide25.xml><?xml version="1.0" encoding="utf-8"?>
-<p:sld xmlns:a="http://schemas.openxmlformats.org/drawingml/2006/main" xmlns:r="http://schemas.openxmlformats.org/officeDocument/2006/relationships" xmlns:p="http://schemas.openxmlformats.org/presentationml/2006/main" show="0">
-  <p:cSld>
-    <p:spTree>
-      <p:nvGrpSpPr>
-        <p:cNvPr id="1" name=""/>
-        <p:cNvGrpSpPr/>
-        <p:nvPr/>
-      </p:nvGrpSpPr>
-      <p:grpSpPr>
-        <a:xfrm>
-          <a:off x="0" y="0"/>
-          <a:ext cx="0" cy="0"/>
-          <a:chOff x="0" y="0"/>
-          <a:chExt cx="0" cy="0"/>
-        </a:xfrm>
-      </p:grpSpPr>
-      <p:sp>
-        <p:nvSpPr>
-          <p:cNvPr id="3" name="Content Placeholder 2"/>
-          <p:cNvSpPr>
-            <a:spLocks noGrp="1"/>
-          </p:cNvSpPr>
-          <p:nvPr>
-            <p:ph idx="1"/>
-          </p:nvPr>
-        </p:nvSpPr>
-        <p:spPr>
-          <a:xfrm>
-            <a:off x="381000" y="1295400"/>
-            <a:ext cx="8534400" cy="5029200"/>
-          </a:xfrm>
-        </p:spPr>
-        <p:txBody>
-          <a:bodyPr/>
-          <a:lstStyle/>
-          <a:p>
-            <a:r>
-              <a:rPr lang="en-US" sz="4400" dirty="0" smtClean="0">
-                <a:solidFill>
-                  <a:srgbClr val="930093"/>
-                </a:solidFill>
-              </a:rPr>
-              <a:t>Lemma:</a:t>
-            </a:r>
-            <a:r>
-              <a:rPr lang="en-US" sz="5400" dirty="0" smtClean="0">
-                <a:solidFill>
-                  <a:srgbClr val="000000"/>
-                </a:solidFill>
-              </a:rPr>
-              <a:t> </a:t>
-            </a:r>
-            <a:r>
-              <a:rPr lang="en-US" sz="5400" dirty="0" err="1" smtClean="0">
-                <a:solidFill>
-                  <a:srgbClr val="000000"/>
-                </a:solidFill>
-              </a:rPr>
-              <a:t>Subgraph</a:t>
-            </a:r>
-            <a:r>
-              <a:rPr lang="en-US" sz="5400" dirty="0" smtClean="0">
-                <a:solidFill>
-                  <a:srgbClr val="000000"/>
-                </a:solidFill>
-              </a:rPr>
-              <a:t> with all the min-weight gray  edges is min-gray.</a:t>
-            </a:r>
-          </a:p>
-          <a:p>
-            <a:pPr>
-              <a:lnSpc>
-                <a:spcPct val="80000"/>
-              </a:lnSpc>
-            </a:pPr>
-            <a:r>
-              <a:rPr lang="en-US" sz="4400" dirty="0" smtClean="0">
-                <a:solidFill>
-                  <a:srgbClr val="930093"/>
-                </a:solidFill>
-              </a:rPr>
-              <a:t>Proof: </a:t>
-            </a:r>
-            <a:r>
-              <a:rPr lang="en-US" sz="4400" dirty="0" smtClean="0"/>
-              <a:t>Otherwise, color each </a:t>
-            </a:r>
-          </a:p>
-          <a:p>
-            <a:pPr>
-              <a:lnSpc>
-                <a:spcPct val="80000"/>
-              </a:lnSpc>
-            </a:pPr>
-            <a:r>
-              <a:rPr lang="en-US" sz="4400" dirty="0" smtClean="0"/>
-              <a:t>component of the </a:t>
-            </a:r>
-            <a:r>
-              <a:rPr lang="en-US" sz="4400" dirty="0" err="1" smtClean="0"/>
-              <a:t>subgraph</a:t>
-            </a:r>
-            <a:r>
-              <a:rPr lang="en-US" sz="4400" dirty="0" smtClean="0"/>
-              <a:t> </a:t>
-            </a:r>
-          </a:p>
-          <a:p>
-            <a:pPr>
-              <a:lnSpc>
-                <a:spcPct val="80000"/>
-              </a:lnSpc>
-            </a:pPr>
-            <a:r>
-              <a:rPr lang="en-US" sz="4400" b="1" dirty="0" smtClean="0"/>
-              <a:t>black</a:t>
-            </a:r>
-            <a:r>
-              <a:rPr lang="en-US" sz="4400" dirty="0" smtClean="0"/>
-              <a:t> or </a:t>
-            </a:r>
-            <a:r>
-              <a:rPr lang="en-US" sz="4400" b="1" dirty="0" smtClean="0">
-                <a:ln w="31550" cmpd="sng">
-                  <a:gradFill>
-                    <a:gsLst>
-                      <a:gs pos="25000">
-                        <a:schemeClr val="accent1">
-                          <a:shade val="25000"/>
-                          <a:satMod val="190000"/>
-                        </a:schemeClr>
-                      </a:gs>
-                      <a:gs pos="80000">
-                        <a:schemeClr val="accent1">
-                          <a:tint val="75000"/>
-                          <a:satMod val="190000"/>
-                        </a:schemeClr>
-                      </a:gs>
-                    </a:gsLst>
-                    <a:lin ang="5400000"/>
-                  </a:gradFill>
-                  <a:prstDash val="solid"/>
-                </a:ln>
-                <a:solidFill>
-                  <a:srgbClr val="FFFFFF"/>
-                </a:solidFill>
-                <a:effectLst>
-                  <a:outerShdw blurRad="41275" dist="12700" dir="12000000" algn="tl" rotWithShape="0">
-                    <a:srgbClr val="000000">
-                      <a:alpha val="40000"/>
-                    </a:srgbClr>
-                  </a:outerShdw>
-                </a:effectLst>
-              </a:rPr>
-              <a:t>white</a:t>
-            </a:r>
-            <a:endParaRPr lang="en-US" sz="4400" dirty="0"/>
-          </a:p>
-        </p:txBody>
-      </p:sp>
-      <p:sp>
-        <p:nvSpPr>
-          <p:cNvPr id="4" name="Slide Number Placeholder 3"/>
-          <p:cNvSpPr>
-            <a:spLocks noGrp="1"/>
-          </p:cNvSpPr>
-          <p:nvPr>
-            <p:ph type="sldNum" sz="quarter" idx="4"/>
-          </p:nvPr>
-        </p:nvSpPr>
-        <p:spPr>
-          <a:xfrm>
-            <a:off x="8252698" y="6553200"/>
-            <a:ext cx="891302" cy="246221"/>
-          </a:xfrm>
-        </p:spPr>
-        <p:txBody>
-          <a:bodyPr/>
-          <a:lstStyle/>
-          <a:p>
-            <a:pPr>
-              <a:defRPr/>
-            </a:pPr>
-            <a:r>
-              <a:rPr lang="en-US" dirty="0" smtClean="0"/>
-              <a:t>min-gray.</a:t>
-            </a:r>
-            <a:fld id="{D7F2FC53-1536-41A9-A9C1-2199CF803E30}" type="slidenum">
-              <a:rPr lang="en-US" smtClean="0"/>
-              <a:pPr>
-                <a:defRPr/>
-              </a:pPr>
-              <a:t>25</a:t>
-            </a:fld>
-            <a:endParaRPr lang="en-US" dirty="0"/>
-          </a:p>
-        </p:txBody>
-      </p:sp>
-      <p:sp>
-        <p:nvSpPr>
-          <p:cNvPr id="8" name="Title 1"/>
-          <p:cNvSpPr>
-            <a:spLocks noGrp="1"/>
-          </p:cNvSpPr>
-          <p:nvPr>
-            <p:ph type="title"/>
-          </p:nvPr>
-        </p:nvSpPr>
-        <p:spPr>
-          <a:xfrm>
-            <a:off x="1219200" y="152400"/>
-            <a:ext cx="7848600" cy="1371600"/>
-          </a:xfrm>
-        </p:spPr>
-        <p:txBody>
-          <a:bodyPr/>
-          <a:lstStyle/>
-          <a:p>
-            <a:r>
-              <a:rPr lang="en-US" dirty="0" smtClean="0">
-                <a:solidFill>
-                  <a:schemeClr val="tx1"/>
-                </a:solidFill>
-              </a:rPr>
-              <a:t>M</a:t>
-            </a:r>
-            <a:r>
-              <a:rPr lang="en-US" dirty="0" smtClean="0"/>
-              <a:t>in </a:t>
-            </a:r>
-            <a:r>
-              <a:rPr lang="en-US" dirty="0"/>
-              <a:t>G</a:t>
-            </a:r>
-            <a:r>
-              <a:rPr lang="en-US" dirty="0" smtClean="0"/>
-              <a:t>ray Edges </a:t>
-            </a:r>
-            <a:r>
-              <a:rPr lang="en-US" dirty="0" smtClean="0">
-                <a:solidFill>
-                  <a:srgbClr val="008000"/>
-                </a:solidFill>
-              </a:rPr>
-              <a:t>Sufficient</a:t>
-            </a:r>
-            <a:r>
-              <a:rPr lang="en-US" dirty="0" smtClean="0"/>
-              <a:t> </a:t>
-            </a:r>
-            <a:endParaRPr lang="en-US" dirty="0"/>
-          </a:p>
-        </p:txBody>
-      </p:sp>
-      <p:sp>
-        <p:nvSpPr>
-          <p:cNvPr id="2" name="TextBox 1"/>
-          <p:cNvSpPr txBox="1"/>
-          <p:nvPr/>
-        </p:nvSpPr>
-        <p:spPr>
-          <a:xfrm>
-            <a:off x="4114800" y="5105400"/>
-            <a:ext cx="4844746" cy="769441"/>
-          </a:xfrm>
-          <a:prstGeom prst="rect">
-            <a:avLst/>
-          </a:prstGeom>
-          <a:noFill/>
-        </p:spPr>
-        <p:txBody>
-          <a:bodyPr wrap="none" rtlCol="0">
-            <a:spAutoFit/>
-          </a:bodyPr>
-          <a:lstStyle/>
-          <a:p>
-            <a:r>
-              <a:rPr lang="en-US" sz="4400" dirty="0" smtClean="0"/>
-              <a:t>--use both colors</a:t>
-            </a:r>
-            <a:endParaRPr lang="en-US" sz="4400" dirty="0"/>
-          </a:p>
-        </p:txBody>
-      </p:sp>
-    </p:spTree>
-    <p:extLst>
-      <p:ext uri="{BB962C8B-B14F-4D97-AF65-F5344CB8AC3E}">
-        <p14:creationId xmlns:p14="http://schemas.microsoft.com/office/powerpoint/2010/main" val="285790898"/>
-      </p:ext>
-    </p:extLst>
-  </p:cSld>
-  <p:clrMapOvr>
-    <a:masterClrMapping/>
-  </p:clrMapOvr>
-  <mc:AlternateContent xmlns:mc="http://schemas.openxmlformats.org/markup-compatibility/2006">
-    <mc:Choice xmlns:p14="http://schemas.microsoft.com/office/powerpoint/2010/main" Requires="p14">
-      <p:transition spd="slow" p14:dur="1100" advClick="0">
-        <p:fade thruBlk="1"/>
-      </p:transition>
-    </mc:Choice>
-    <mc:Fallback>
-      <p:transition xmlns:p14="http://schemas.microsoft.com/office/powerpoint/2010/main" spd="slow" advClick="0">
-        <p:fade thruBlk="1"/>
-      </p:transition>
-    </mc:Fallback>
-  </mc:AlternateContent>
-  <p:timing>
-    <p:tnLst>
-      <p:par>
-        <p:cTn xmlns:p14="http://schemas.microsoft.com/office/powerpoint/2010/main" id="1" dur="indefinite" restart="never" nodeType="tmRoot">
-          <p:childTnLst>
-            <p:seq concurrent="1" nextAc="seek">
-              <p:cTn id="2" dur="indefinite" nodeType="mainSeq">
-                <p:childTnLst>
-                  <p:par>
-                    <p:cTn id="3" fill="hold">
-                      <p:stCondLst>
-                        <p:cond delay="indefinite"/>
-                      </p:stCondLst>
-                      <p:childTnLst>
-                        <p:par>
-                          <p:cTn id="4" fill="hold">
-                            <p:stCondLst>
-                              <p:cond delay="0"/>
-                            </p:stCondLst>
-                            <p:childTnLst>
-                              <p:par>
-                                <p:cTn id="5" presetID="10" presetClass="entr" presetSubtype="0" fill="hold" nodeType="clickEffect">
-                                  <p:stCondLst>
-                                    <p:cond delay="0"/>
-                                  </p:stCondLst>
-                                  <p:childTnLst>
-                                    <p:set>
-                                      <p:cBhvr>
-                                        <p:cTn id="6" dur="1" fill="hold">
-                                          <p:stCondLst>
-                                            <p:cond delay="0"/>
-                                          </p:stCondLst>
-                                        </p:cTn>
-                                        <p:tgtEl>
-                                          <p:spTgt spid="3">
-                                            <p:txEl>
-                                              <p:pRg st="1" end="1"/>
-                                            </p:txEl>
-                                          </p:spTgt>
-                                        </p:tgtEl>
-                                        <p:attrNameLst>
-                                          <p:attrName>style.visibility</p:attrName>
-                                        </p:attrNameLst>
-                                      </p:cBhvr>
-                                      <p:to>
-                                        <p:strVal val="visible"/>
-                                      </p:to>
-                                    </p:set>
-                                    <p:animEffect transition="in" filter="fade">
-                                      <p:cBhvr>
-                                        <p:cTn id="7" dur="500"/>
-                                        <p:tgtEl>
-                                          <p:spTgt spid="3">
-                                            <p:txEl>
-                                              <p:pRg st="1" end="1"/>
-                                            </p:txEl>
-                                          </p:spTgt>
-                                        </p:tgtEl>
-                                      </p:cBhvr>
-                                    </p:animEffect>
-                                  </p:childTnLst>
-                                </p:cTn>
-                              </p:par>
-                              <p:par>
-                                <p:cTn id="8" presetID="10" presetClass="entr" presetSubtype="0" fill="hold" nodeType="withEffect">
-                                  <p:stCondLst>
-                                    <p:cond delay="0"/>
-                                  </p:stCondLst>
-                                  <p:childTnLst>
-                                    <p:set>
-                                      <p:cBhvr>
-                                        <p:cTn id="9" dur="1" fill="hold">
-                                          <p:stCondLst>
-                                            <p:cond delay="0"/>
-                                          </p:stCondLst>
-                                        </p:cTn>
-                                        <p:tgtEl>
-                                          <p:spTgt spid="3">
-                                            <p:txEl>
-                                              <p:pRg st="2" end="2"/>
-                                            </p:txEl>
-                                          </p:spTgt>
-                                        </p:tgtEl>
-                                        <p:attrNameLst>
-                                          <p:attrName>style.visibility</p:attrName>
-                                        </p:attrNameLst>
-                                      </p:cBhvr>
-                                      <p:to>
-                                        <p:strVal val="visible"/>
-                                      </p:to>
-                                    </p:set>
-                                    <p:animEffect transition="in" filter="fade">
-                                      <p:cBhvr>
-                                        <p:cTn id="10" dur="500"/>
-                                        <p:tgtEl>
-                                          <p:spTgt spid="3">
-                                            <p:txEl>
-                                              <p:pRg st="2" end="2"/>
-                                            </p:txEl>
-                                          </p:spTgt>
-                                        </p:tgtEl>
-                                      </p:cBhvr>
-                                    </p:animEffect>
-                                  </p:childTnLst>
-                                </p:cTn>
-                              </p:par>
-                              <p:par>
-                                <p:cTn id="11" presetID="10" presetClass="entr" presetSubtype="0" fill="hold" nodeType="withEffect">
-                                  <p:stCondLst>
-                                    <p:cond delay="0"/>
-                                  </p:stCondLst>
-                                  <p:childTnLst>
-                                    <p:set>
-                                      <p:cBhvr>
-                                        <p:cTn id="12" dur="1" fill="hold">
-                                          <p:stCondLst>
-                                            <p:cond delay="0"/>
-                                          </p:stCondLst>
-                                        </p:cTn>
-                                        <p:tgtEl>
-                                          <p:spTgt spid="3">
-                                            <p:txEl>
-                                              <p:pRg st="3" end="3"/>
-                                            </p:txEl>
-                                          </p:spTgt>
-                                        </p:tgtEl>
-                                        <p:attrNameLst>
-                                          <p:attrName>style.visibility</p:attrName>
-                                        </p:attrNameLst>
-                                      </p:cBhvr>
-                                      <p:to>
-                                        <p:strVal val="visible"/>
-                                      </p:to>
-                                    </p:set>
-                                    <p:animEffect transition="in" filter="fade">
-                                      <p:cBhvr>
-                                        <p:cTn id="13" dur="500"/>
-                                        <p:tgtEl>
-                                          <p:spTgt spid="3">
-                                            <p:txEl>
-                                              <p:pRg st="3" end="3"/>
-                                            </p:txEl>
-                                          </p:spTgt>
-                                        </p:tgtEl>
-                                      </p:cBhvr>
-                                    </p:animEffect>
-                                  </p:childTnLst>
-                                </p:cTn>
-                              </p:par>
-                            </p:childTnLst>
-                          </p:cTn>
-                        </p:par>
-                      </p:childTnLst>
-                    </p:cTn>
-                  </p:par>
-                  <p:par>
-                    <p:cTn id="14" fill="hold">
-                      <p:stCondLst>
-                        <p:cond delay="indefinite"/>
-                      </p:stCondLst>
-                      <p:childTnLst>
-                        <p:par>
-                          <p:cTn id="15" fill="hold">
-                            <p:stCondLst>
-                              <p:cond delay="0"/>
-                            </p:stCondLst>
-                            <p:childTnLst>
-                              <p:par>
-                                <p:cTn id="16" presetID="10" presetClass="entr" presetSubtype="0" fill="hold" grpId="0" nodeType="clickEffect">
-                                  <p:stCondLst>
-                                    <p:cond delay="0"/>
-                                  </p:stCondLst>
-                                  <p:childTnLst>
-                                    <p:set>
-                                      <p:cBhvr>
-                                        <p:cTn id="17" dur="1" fill="hold">
-                                          <p:stCondLst>
-                                            <p:cond delay="0"/>
-                                          </p:stCondLst>
-                                        </p:cTn>
-                                        <p:tgtEl>
-                                          <p:spTgt spid="2"/>
-                                        </p:tgtEl>
-                                        <p:attrNameLst>
-                                          <p:attrName>style.visibility</p:attrName>
-                                        </p:attrNameLst>
-                                      </p:cBhvr>
-                                      <p:to>
-                                        <p:strVal val="visible"/>
-                                      </p:to>
-                                    </p:set>
-                                    <p:animEffect transition="in" filter="fade">
-                                      <p:cBhvr>
-                                        <p:cTn id="18" dur="500"/>
-                                        <p:tgtEl>
-                                          <p:spTgt spid="2"/>
-                                        </p:tgtEl>
-                                      </p:cBhvr>
-                                    </p:animEffect>
-                                  </p:childTnLst>
-                                </p:cTn>
-                              </p:par>
-                            </p:childTnLst>
-                          </p:cTn>
-                        </p:par>
-                      </p:childTnLst>
-                    </p:cTn>
-                  </p:par>
-                </p:childTnLst>
-              </p:cTn>
-              <p:prevCondLst>
-                <p:cond evt="onPrev" delay="0">
-                  <p:tgtEl>
-                    <p:sldTgt/>
-                  </p:tgtEl>
-                </p:cond>
-              </p:prevCondLst>
-              <p:nextCondLst>
-                <p:cond evt="onNext" delay="0">
-                  <p:tgtEl>
-                    <p:sldTgt/>
-                  </p:tgtEl>
-                </p:cond>
-              </p:nextCondLst>
-            </p:seq>
-          </p:childTnLst>
-        </p:cTn>
-      </p:par>
-    </p:tnLst>
-    <p:bldLst>
-      <p:bldP spid="2" grpId="0"/>
-    </p:bldLst>
-  </p:timing>
-</p:sld>
-</file>
-
-<file path=ppt/slides/slide26.xml><?xml version="1.0" encoding="utf-8"?>
-<p:sld xmlns:a="http://schemas.openxmlformats.org/drawingml/2006/main" xmlns:r="http://schemas.openxmlformats.org/officeDocument/2006/relationships" xmlns:p="http://schemas.openxmlformats.org/presentationml/2006/main" show="0">
-  <p:cSld>
-    <p:spTree>
-      <p:nvGrpSpPr>
-        <p:cNvPr id="1" name=""/>
-        <p:cNvGrpSpPr/>
-        <p:nvPr/>
-      </p:nvGrpSpPr>
-      <p:grpSpPr>
-        <a:xfrm>
-          <a:off x="0" y="0"/>
-          <a:ext cx="0" cy="0"/>
-          <a:chOff x="0" y="0"/>
-          <a:chExt cx="0" cy="0"/>
-        </a:xfrm>
-      </p:grpSpPr>
-      <p:sp>
-        <p:nvSpPr>
-          <p:cNvPr id="4" name="Slide Number Placeholder 3"/>
-          <p:cNvSpPr>
-            <a:spLocks noGrp="1"/>
-          </p:cNvSpPr>
-          <p:nvPr>
-            <p:ph type="sldNum" sz="quarter" idx="4"/>
-          </p:nvPr>
-        </p:nvSpPr>
-        <p:spPr>
-          <a:xfrm>
-            <a:off x="8252698" y="6553200"/>
-            <a:ext cx="891302" cy="246221"/>
-          </a:xfrm>
-        </p:spPr>
-        <p:txBody>
-          <a:bodyPr/>
-          <a:lstStyle/>
-          <a:p>
-            <a:pPr>
-              <a:defRPr/>
-            </a:pPr>
-            <a:r>
-              <a:rPr lang="en-US" dirty="0" smtClean="0"/>
-              <a:t>min-gray.</a:t>
-            </a:r>
-            <a:fld id="{D7F2FC53-1536-41A9-A9C1-2199CF803E30}" type="slidenum">
-              <a:rPr lang="en-US" smtClean="0"/>
-              <a:pPr>
-                <a:defRPr/>
-              </a:pPr>
-              <a:t>26</a:t>
-            </a:fld>
-            <a:endParaRPr lang="en-US" dirty="0"/>
-          </a:p>
-        </p:txBody>
-      </p:sp>
-      <p:sp>
-        <p:nvSpPr>
-          <p:cNvPr id="8" name="Title 1"/>
-          <p:cNvSpPr>
-            <a:spLocks noGrp="1"/>
-          </p:cNvSpPr>
-          <p:nvPr>
-            <p:ph type="title"/>
-          </p:nvPr>
-        </p:nvSpPr>
-        <p:spPr>
-          <a:xfrm>
-            <a:off x="1219200" y="152400"/>
-            <a:ext cx="7848600" cy="1371600"/>
-          </a:xfrm>
-        </p:spPr>
-        <p:txBody>
-          <a:bodyPr/>
-          <a:lstStyle/>
-          <a:p>
-            <a:r>
-              <a:rPr lang="en-US" dirty="0" smtClean="0">
-                <a:solidFill>
-                  <a:schemeClr val="tx1"/>
-                </a:solidFill>
-              </a:rPr>
-              <a:t>M</a:t>
-            </a:r>
-            <a:r>
-              <a:rPr lang="en-US" dirty="0" smtClean="0"/>
-              <a:t>in </a:t>
-            </a:r>
-            <a:r>
-              <a:rPr lang="en-US" dirty="0"/>
-              <a:t>G</a:t>
-            </a:r>
-            <a:r>
-              <a:rPr lang="en-US" dirty="0" smtClean="0"/>
-              <a:t>ray Edges </a:t>
-            </a:r>
-            <a:r>
-              <a:rPr lang="en-US" dirty="0" smtClean="0">
-                <a:solidFill>
-                  <a:srgbClr val="008000"/>
-                </a:solidFill>
-              </a:rPr>
-              <a:t>Sufficient</a:t>
-            </a:r>
-            <a:r>
-              <a:rPr lang="en-US" dirty="0" smtClean="0"/>
-              <a:t> </a:t>
-            </a:r>
-            <a:endParaRPr lang="en-US" dirty="0"/>
-          </a:p>
-        </p:txBody>
-      </p:sp>
-      <p:sp>
-        <p:nvSpPr>
-          <p:cNvPr id="2" name="Rounded Rectangle 1"/>
-          <p:cNvSpPr/>
-          <p:nvPr/>
-        </p:nvSpPr>
-        <p:spPr>
-          <a:xfrm>
-            <a:off x="1752600" y="4572000"/>
-            <a:ext cx="914400" cy="914400"/>
-          </a:xfrm>
-          <a:prstGeom prst="roundRect">
-            <a:avLst/>
-          </a:prstGeom>
-          <a:solidFill>
-            <a:schemeClr val="tx1"/>
-          </a:solidFill>
-          <a:ln w="47625">
-            <a:noFill/>
-          </a:ln>
-        </p:spPr>
-        <p:txBody>
-          <a:bodyPr rtlCol="0" anchor="ctr"/>
-          <a:lstStyle/>
-          <a:p>
-            <a:pPr algn="ctr"/>
-            <a:endParaRPr lang="en-US"/>
-          </a:p>
-        </p:txBody>
-      </p:sp>
-      <p:sp>
-        <p:nvSpPr>
-          <p:cNvPr id="7" name="Rounded Rectangle 6"/>
-          <p:cNvSpPr/>
-          <p:nvPr/>
-        </p:nvSpPr>
-        <p:spPr>
-          <a:xfrm>
-            <a:off x="4151745" y="5105400"/>
-            <a:ext cx="1410855" cy="1295400"/>
-          </a:xfrm>
-          <a:prstGeom prst="roundRect">
-            <a:avLst/>
-          </a:prstGeom>
-          <a:solidFill>
-            <a:schemeClr val="accent3"/>
-          </a:solidFill>
-          <a:ln w="19050">
-            <a:solidFill>
-              <a:schemeClr val="bg2">
-                <a:lumMod val="75000"/>
-              </a:schemeClr>
-            </a:solidFill>
-          </a:ln>
-        </p:spPr>
-        <p:txBody>
-          <a:bodyPr rtlCol="0" anchor="ctr"/>
-          <a:lstStyle/>
-          <a:p>
-            <a:pPr algn="ctr"/>
-            <a:endParaRPr lang="en-US"/>
-          </a:p>
-        </p:txBody>
-      </p:sp>
-      <p:sp>
-        <p:nvSpPr>
-          <p:cNvPr id="12" name="Oval 11"/>
-          <p:cNvSpPr/>
-          <p:nvPr/>
-        </p:nvSpPr>
-        <p:spPr>
-          <a:xfrm>
-            <a:off x="7543800" y="5181600"/>
-            <a:ext cx="76200" cy="76200"/>
-          </a:xfrm>
-          <a:prstGeom prst="ellipse">
-            <a:avLst/>
-          </a:prstGeom>
-          <a:solidFill>
-            <a:schemeClr val="bg1"/>
-          </a:solidFill>
-          <a:ln w="25400">
-            <a:solidFill>
-              <a:schemeClr val="tx1"/>
-            </a:solidFill>
-            <a:prstDash val="solid"/>
-          </a:ln>
-        </p:spPr>
-        <p:txBody>
-          <a:bodyPr rtlCol="0" anchor="ctr"/>
-          <a:lstStyle/>
-          <a:p>
-            <a:pPr algn="ctr"/>
-            <a:endParaRPr lang="en-US"/>
-          </a:p>
-        </p:txBody>
-      </p:sp>
-      <p:sp>
-        <p:nvSpPr>
-          <p:cNvPr id="16" name="Rounded Rectangle 15"/>
-          <p:cNvSpPr/>
-          <p:nvPr/>
-        </p:nvSpPr>
-        <p:spPr>
-          <a:xfrm>
-            <a:off x="6248400" y="3962400"/>
-            <a:ext cx="533400" cy="494145"/>
-          </a:xfrm>
-          <a:prstGeom prst="roundRect">
-            <a:avLst/>
-          </a:prstGeom>
-          <a:solidFill>
-            <a:schemeClr val="tx1"/>
-          </a:solidFill>
-          <a:ln w="47625">
-            <a:noFill/>
-          </a:ln>
-        </p:spPr>
-        <p:txBody>
-          <a:bodyPr rtlCol="0" anchor="ctr"/>
-          <a:lstStyle/>
-          <a:p>
-            <a:pPr algn="ctr"/>
-            <a:endParaRPr lang="en-US"/>
-          </a:p>
-        </p:txBody>
-      </p:sp>
-      <p:sp>
-        <p:nvSpPr>
-          <p:cNvPr id="21" name="Oval 20"/>
-          <p:cNvSpPr/>
-          <p:nvPr/>
-        </p:nvSpPr>
-        <p:spPr>
-          <a:xfrm>
-            <a:off x="8077200" y="4876800"/>
-            <a:ext cx="76200" cy="76200"/>
-          </a:xfrm>
-          <a:prstGeom prst="ellipse">
-            <a:avLst/>
-          </a:prstGeom>
-          <a:solidFill>
-            <a:schemeClr val="tx1"/>
-          </a:solidFill>
-          <a:ln w="47625">
-            <a:noFill/>
-          </a:ln>
-        </p:spPr>
-        <p:txBody>
-          <a:bodyPr rtlCol="0" anchor="ctr"/>
-          <a:lstStyle/>
-          <a:p>
-            <a:pPr algn="ctr"/>
-            <a:endParaRPr lang="en-US"/>
-          </a:p>
-        </p:txBody>
-      </p:sp>
-      <p:sp>
-        <p:nvSpPr>
-          <p:cNvPr id="13" name="TextBox 12"/>
-          <p:cNvSpPr txBox="1"/>
-          <p:nvPr/>
-        </p:nvSpPr>
-        <p:spPr>
-          <a:xfrm>
-            <a:off x="152400" y="1371600"/>
-            <a:ext cx="8328121" cy="1569660"/>
-          </a:xfrm>
-          <a:prstGeom prst="rect">
-            <a:avLst/>
-          </a:prstGeom>
-          <a:noFill/>
-        </p:spPr>
-        <p:txBody>
-          <a:bodyPr wrap="none" rtlCol="0">
-            <a:spAutoFit/>
-          </a:bodyPr>
-          <a:lstStyle/>
-          <a:p>
-            <a:r>
-              <a:rPr lang="en-US" sz="4800" dirty="0" smtClean="0"/>
-              <a:t>Endpoints of min-gray edges</a:t>
-            </a:r>
-          </a:p>
-          <a:p>
-            <a:r>
-              <a:rPr lang="en-US" sz="4800" dirty="0" smtClean="0"/>
-              <a:t>now same color.</a:t>
-            </a:r>
-          </a:p>
-        </p:txBody>
-      </p:sp>
-    </p:spTree>
-    <p:extLst>
-      <p:ext uri="{BB962C8B-B14F-4D97-AF65-F5344CB8AC3E}">
-        <p14:creationId xmlns:p14="http://schemas.microsoft.com/office/powerpoint/2010/main" val="3939429894"/>
-      </p:ext>
-    </p:extLst>
-  </p:cSld>
-  <p:clrMapOvr>
-    <a:masterClrMapping/>
-  </p:clrMapOvr>
-  <mc:AlternateContent xmlns:mc="http://schemas.openxmlformats.org/markup-compatibility/2006">
-    <mc:Choice xmlns:p14="http://schemas.microsoft.com/office/powerpoint/2010/main" Requires="p14">
-      <p:transition spd="med" p14:dur="700" advClick="0">
-        <p:fade/>
-      </p:transition>
-    </mc:Choice>
-    <mc:Fallback>
-      <p:transition xmlns:p14="http://schemas.microsoft.com/office/powerpoint/2010/main" spd="med" advClick="0">
-        <p:fade/>
-      </p:transition>
-    </mc:Fallback>
-  </mc:AlternateContent>
-  <p:timing>
-    <p:tnLst>
-      <p:par>
-        <p:cTn xmlns:p14="http://schemas.microsoft.com/office/powerpoint/2010/main" id="1" dur="indefinite" restart="never" nodeType="tmRoot">
-          <p:childTnLst>
-            <p:seq concurrent="1" nextAc="seek">
-              <p:cTn id="2" dur="indefinite" nodeType="mainSeq">
-                <p:childTnLst>
-                  <p:par>
-                    <p:cTn id="3" fill="hold">
-                      <p:stCondLst>
-                        <p:cond delay="indefinite"/>
-                      </p:stCondLst>
-                      <p:childTnLst>
-                        <p:par>
-                          <p:cTn id="4" fill="hold">
-                            <p:stCondLst>
-                              <p:cond delay="0"/>
-                            </p:stCondLst>
-                            <p:childTnLst>
-                              <p:par>
-                                <p:cTn id="5" presetID="10" presetClass="entr" presetSubtype="0" fill="hold" grpId="0" nodeType="clickEffect">
-                                  <p:stCondLst>
-                                    <p:cond delay="0"/>
-                                  </p:stCondLst>
-                                  <p:childTnLst>
-                                    <p:set>
-                                      <p:cBhvr>
-                                        <p:cTn id="6" dur="1" fill="hold">
-                                          <p:stCondLst>
-                                            <p:cond delay="0"/>
-                                          </p:stCondLst>
-                                        </p:cTn>
-                                        <p:tgtEl>
-                                          <p:spTgt spid="13"/>
-                                        </p:tgtEl>
-                                        <p:attrNameLst>
-                                          <p:attrName>style.visibility</p:attrName>
-                                        </p:attrNameLst>
-                                      </p:cBhvr>
-                                      <p:to>
-                                        <p:strVal val="visible"/>
-                                      </p:to>
-                                    </p:set>
-                                    <p:animEffect transition="in" filter="fade">
-                                      <p:cBhvr>
-                                        <p:cTn id="7" dur="500"/>
-                                        <p:tgtEl>
-                                          <p:spTgt spid="13"/>
-                                        </p:tgtEl>
-                                      </p:cBhvr>
-                                    </p:animEffect>
-                                  </p:childTnLst>
-                                </p:cTn>
-                              </p:par>
-                            </p:childTnLst>
-                          </p:cTn>
-                        </p:par>
-                      </p:childTnLst>
-                    </p:cTn>
-                  </p:par>
-                </p:childTnLst>
-              </p:cTn>
-              <p:prevCondLst>
-                <p:cond evt="onPrev" delay="0">
-                  <p:tgtEl>
-                    <p:sldTgt/>
-                  </p:tgtEl>
-                </p:cond>
-              </p:prevCondLst>
-              <p:nextCondLst>
-                <p:cond evt="onNext" delay="0">
-                  <p:tgtEl>
-                    <p:sldTgt/>
-                  </p:tgtEl>
-                </p:cond>
-              </p:nextCondLst>
-            </p:seq>
-          </p:childTnLst>
-        </p:cTn>
-      </p:par>
-    </p:tnLst>
-    <p:bldLst>
-      <p:bldP spid="13" grpId="0"/>
-    </p:bldLst>
-  </p:timing>
-</p:sld>
-</file>
-
-<file path=ppt/slides/slide27.xml><?xml version="1.0" encoding="utf-8"?>
-<p:sld xmlns:a="http://schemas.openxmlformats.org/drawingml/2006/main" xmlns:r="http://schemas.openxmlformats.org/officeDocument/2006/relationships" xmlns:p="http://schemas.openxmlformats.org/presentationml/2006/main" show="0">
-  <p:cSld>
-    <p:spTree>
-      <p:nvGrpSpPr>
-        <p:cNvPr id="1" name=""/>
-        <p:cNvGrpSpPr/>
-        <p:nvPr/>
-      </p:nvGrpSpPr>
-      <p:grpSpPr>
-        <a:xfrm>
-          <a:off x="0" y="0"/>
-          <a:ext cx="0" cy="0"/>
-          <a:chOff x="0" y="0"/>
-          <a:chExt cx="0" cy="0"/>
-        </a:xfrm>
-      </p:grpSpPr>
-      <p:sp>
-        <p:nvSpPr>
-          <p:cNvPr id="4" name="Slide Number Placeholder 3"/>
-          <p:cNvSpPr>
-            <a:spLocks noGrp="1"/>
-          </p:cNvSpPr>
-          <p:nvPr>
-            <p:ph type="sldNum" sz="quarter" idx="4"/>
-          </p:nvPr>
-        </p:nvSpPr>
-        <p:spPr>
-          <a:xfrm>
-            <a:off x="8252698" y="6553200"/>
-            <a:ext cx="891302" cy="246221"/>
-          </a:xfrm>
-        </p:spPr>
-        <p:txBody>
-          <a:bodyPr/>
-          <a:lstStyle/>
-          <a:p>
-            <a:pPr>
-              <a:defRPr/>
-            </a:pPr>
-            <a:r>
-              <a:rPr lang="en-US" dirty="0" smtClean="0"/>
-              <a:t>min-gray.</a:t>
-            </a:r>
-            <a:fld id="{D7F2FC53-1536-41A9-A9C1-2199CF803E30}" type="slidenum">
-              <a:rPr lang="en-US" smtClean="0"/>
-              <a:pPr>
-                <a:defRPr/>
-              </a:pPr>
-              <a:t>27</a:t>
-            </a:fld>
-            <a:endParaRPr lang="en-US" dirty="0"/>
-          </a:p>
-        </p:txBody>
-      </p:sp>
-      <p:sp>
-        <p:nvSpPr>
-          <p:cNvPr id="8" name="Title 1"/>
-          <p:cNvSpPr>
-            <a:spLocks noGrp="1"/>
-          </p:cNvSpPr>
-          <p:nvPr>
-            <p:ph type="title"/>
-          </p:nvPr>
-        </p:nvSpPr>
-        <p:spPr>
-          <a:xfrm>
-            <a:off x="1219200" y="152400"/>
-            <a:ext cx="7848600" cy="1371600"/>
-          </a:xfrm>
-        </p:spPr>
-        <p:txBody>
-          <a:bodyPr/>
-          <a:lstStyle/>
-          <a:p>
-            <a:r>
-              <a:rPr lang="en-US" dirty="0" smtClean="0">
-                <a:solidFill>
-                  <a:schemeClr val="tx1"/>
-                </a:solidFill>
-              </a:rPr>
-              <a:t>M</a:t>
-            </a:r>
-            <a:r>
-              <a:rPr lang="en-US" dirty="0" smtClean="0"/>
-              <a:t>in </a:t>
-            </a:r>
-            <a:r>
-              <a:rPr lang="en-US" dirty="0"/>
-              <a:t>G</a:t>
-            </a:r>
-            <a:r>
-              <a:rPr lang="en-US" dirty="0" smtClean="0"/>
-              <a:t>ray Edges </a:t>
-            </a:r>
-            <a:r>
-              <a:rPr lang="en-US" dirty="0" smtClean="0">
-                <a:solidFill>
-                  <a:srgbClr val="008000"/>
-                </a:solidFill>
-              </a:rPr>
-              <a:t>Sufficient</a:t>
-            </a:r>
-            <a:r>
-              <a:rPr lang="en-US" dirty="0" smtClean="0"/>
-              <a:t> </a:t>
-            </a:r>
-            <a:endParaRPr lang="en-US" dirty="0"/>
-          </a:p>
-        </p:txBody>
-      </p:sp>
-      <p:sp>
-        <p:nvSpPr>
-          <p:cNvPr id="2" name="Rounded Rectangle 1"/>
-          <p:cNvSpPr/>
-          <p:nvPr/>
-        </p:nvSpPr>
-        <p:spPr>
-          <a:xfrm>
-            <a:off x="1752600" y="4572000"/>
-            <a:ext cx="914400" cy="914400"/>
-          </a:xfrm>
-          <a:prstGeom prst="roundRect">
-            <a:avLst/>
-          </a:prstGeom>
-          <a:solidFill>
-            <a:schemeClr val="tx1"/>
-          </a:solidFill>
-          <a:ln w="47625">
-            <a:noFill/>
-          </a:ln>
-        </p:spPr>
-        <p:txBody>
-          <a:bodyPr rtlCol="0" anchor="ctr"/>
-          <a:lstStyle/>
-          <a:p>
-            <a:pPr algn="ctr"/>
-            <a:endParaRPr lang="en-US"/>
-          </a:p>
-        </p:txBody>
-      </p:sp>
-      <p:sp>
-        <p:nvSpPr>
-          <p:cNvPr id="7" name="Rounded Rectangle 6"/>
-          <p:cNvSpPr/>
-          <p:nvPr/>
-        </p:nvSpPr>
-        <p:spPr>
-          <a:xfrm>
-            <a:off x="4151745" y="5105400"/>
-            <a:ext cx="1410855" cy="1295400"/>
-          </a:xfrm>
-          <a:prstGeom prst="roundRect">
-            <a:avLst/>
-          </a:prstGeom>
-          <a:solidFill>
-            <a:schemeClr val="accent3"/>
-          </a:solidFill>
-          <a:ln w="19050">
-            <a:solidFill>
-              <a:schemeClr val="bg2">
-                <a:lumMod val="75000"/>
-              </a:schemeClr>
-            </a:solidFill>
-          </a:ln>
-        </p:spPr>
-        <p:txBody>
-          <a:bodyPr rtlCol="0" anchor="ctr"/>
-          <a:lstStyle/>
-          <a:p>
-            <a:pPr algn="ctr"/>
-            <a:endParaRPr lang="en-US"/>
-          </a:p>
-        </p:txBody>
-      </p:sp>
-      <p:cxnSp>
-        <p:nvCxnSpPr>
-          <p:cNvPr id="9" name="Curved Connector 8"/>
-          <p:cNvCxnSpPr>
-            <a:stCxn id="2" idx="3"/>
-            <a:endCxn id="16" idx="1"/>
-          </p:cNvCxnSpPr>
-          <p:nvPr/>
-        </p:nvCxnSpPr>
-        <p:spPr bwMode="auto">
-          <a:xfrm flipV="1">
-            <a:off x="2667000" y="4209473"/>
-            <a:ext cx="3581400" cy="819727"/>
-          </a:xfrm>
-          <a:prstGeom prst="curvedConnector3">
-            <a:avLst>
-              <a:gd name="adj1" fmla="val 50000"/>
-            </a:avLst>
-          </a:prstGeom>
-          <a:noFill/>
-          <a:ln w="41275" cap="flat" cmpd="sng" algn="ctr">
-            <a:solidFill>
-              <a:schemeClr val="tx1"/>
-            </a:solidFill>
-            <a:prstDash val="solid"/>
-            <a:round/>
-            <a:headEnd type="none" w="med" len="med"/>
-            <a:tailEnd type="none" w="lg" len="lg"/>
-          </a:ln>
-          <a:effectLst/>
-        </p:spPr>
-      </p:cxnSp>
-      <p:sp>
-        <p:nvSpPr>
-          <p:cNvPr id="12" name="Oval 11"/>
-          <p:cNvSpPr/>
-          <p:nvPr/>
-        </p:nvSpPr>
-        <p:spPr>
-          <a:xfrm>
-            <a:off x="7543800" y="5181600"/>
-            <a:ext cx="76200" cy="76200"/>
-          </a:xfrm>
-          <a:prstGeom prst="ellipse">
-            <a:avLst/>
-          </a:prstGeom>
-          <a:solidFill>
-            <a:schemeClr val="bg1"/>
-          </a:solidFill>
-          <a:ln w="25400">
-            <a:solidFill>
-              <a:schemeClr val="tx1"/>
-            </a:solidFill>
-            <a:prstDash val="solid"/>
-          </a:ln>
-        </p:spPr>
-        <p:txBody>
-          <a:bodyPr rtlCol="0" anchor="ctr"/>
-          <a:lstStyle/>
-          <a:p>
-            <a:pPr algn="ctr"/>
-            <a:endParaRPr lang="en-US"/>
-          </a:p>
-        </p:txBody>
-      </p:sp>
-      <p:sp>
-        <p:nvSpPr>
-          <p:cNvPr id="16" name="Rounded Rectangle 15"/>
-          <p:cNvSpPr/>
-          <p:nvPr/>
-        </p:nvSpPr>
-        <p:spPr>
-          <a:xfrm>
-            <a:off x="6248400" y="3962400"/>
-            <a:ext cx="533400" cy="494145"/>
-          </a:xfrm>
-          <a:prstGeom prst="roundRect">
-            <a:avLst/>
-          </a:prstGeom>
-          <a:solidFill>
-            <a:schemeClr val="tx1"/>
-          </a:solidFill>
-          <a:ln w="47625">
-            <a:noFill/>
-          </a:ln>
-        </p:spPr>
-        <p:txBody>
-          <a:bodyPr rtlCol="0" anchor="ctr"/>
-          <a:lstStyle/>
-          <a:p>
-            <a:pPr algn="ctr"/>
-            <a:endParaRPr lang="en-US"/>
-          </a:p>
-        </p:txBody>
-      </p:sp>
-      <p:sp>
-        <p:nvSpPr>
-          <p:cNvPr id="21" name="Oval 20"/>
-          <p:cNvSpPr/>
-          <p:nvPr/>
-        </p:nvSpPr>
-        <p:spPr>
-          <a:xfrm>
-            <a:off x="8077200" y="4876800"/>
-            <a:ext cx="76200" cy="76200"/>
-          </a:xfrm>
-          <a:prstGeom prst="ellipse">
-            <a:avLst/>
-          </a:prstGeom>
-          <a:solidFill>
-            <a:schemeClr val="tx1"/>
-          </a:solidFill>
-          <a:ln w="47625">
-            <a:noFill/>
-          </a:ln>
-        </p:spPr>
-        <p:txBody>
-          <a:bodyPr rtlCol="0" anchor="ctr"/>
-          <a:lstStyle/>
-          <a:p>
-            <a:pPr algn="ctr"/>
-            <a:endParaRPr lang="en-US"/>
-          </a:p>
-        </p:txBody>
-      </p:sp>
-      <p:cxnSp>
-        <p:nvCxnSpPr>
-          <p:cNvPr id="22" name="Curved Connector 21"/>
-          <p:cNvCxnSpPr>
-            <a:stCxn id="16" idx="3"/>
-            <a:endCxn id="21" idx="0"/>
-          </p:cNvCxnSpPr>
-          <p:nvPr/>
-        </p:nvCxnSpPr>
-        <p:spPr bwMode="auto">
-          <a:xfrm>
-            <a:off x="6781800" y="4209473"/>
-            <a:ext cx="1333500" cy="667327"/>
-          </a:xfrm>
-          <a:prstGeom prst="curvedConnector2">
-            <a:avLst/>
-          </a:prstGeom>
-          <a:noFill/>
-          <a:ln w="41275" cap="flat" cmpd="sng" algn="ctr">
-            <a:solidFill>
-              <a:schemeClr val="tx1"/>
-            </a:solidFill>
-            <a:prstDash val="solid"/>
-            <a:round/>
-            <a:headEnd type="none" w="med" len="med"/>
-            <a:tailEnd type="none" w="lg" len="lg"/>
-          </a:ln>
-          <a:effectLst/>
-        </p:spPr>
-      </p:cxnSp>
-      <p:cxnSp>
-        <p:nvCxnSpPr>
-          <p:cNvPr id="26" name="Curved Connector 25"/>
-          <p:cNvCxnSpPr>
-            <a:stCxn id="7" idx="3"/>
-            <a:endCxn id="12" idx="3"/>
-          </p:cNvCxnSpPr>
-          <p:nvPr/>
-        </p:nvCxnSpPr>
-        <p:spPr bwMode="auto">
-          <a:xfrm flipV="1">
-            <a:off x="5562600" y="5246641"/>
-            <a:ext cx="1992359" cy="506459"/>
-          </a:xfrm>
-          <a:prstGeom prst="curvedConnector2">
-            <a:avLst/>
-          </a:prstGeom>
-          <a:noFill/>
-          <a:ln w="57150" cap="flat" cmpd="sng" algn="ctr">
-            <a:solidFill>
-              <a:schemeClr val="accent3"/>
-            </a:solidFill>
-            <a:prstDash val="solid"/>
-            <a:round/>
-            <a:headEnd type="none" w="med" len="med"/>
-            <a:tailEnd type="none" w="lg" len="lg"/>
-          </a:ln>
-          <a:effectLst/>
-        </p:spPr>
-      </p:cxnSp>
-      <p:cxnSp>
-        <p:nvCxnSpPr>
-          <p:cNvPr id="33" name="Straight Connector 32"/>
-          <p:cNvCxnSpPr>
-            <a:stCxn id="21" idx="4"/>
-            <a:endCxn id="12" idx="6"/>
-          </p:cNvCxnSpPr>
-          <p:nvPr/>
-        </p:nvCxnSpPr>
-        <p:spPr bwMode="auto">
-          <a:xfrm flipH="1">
-            <a:off x="7620000" y="4953000"/>
-            <a:ext cx="495300" cy="266700"/>
-          </a:xfrm>
-          <a:prstGeom prst="line">
-            <a:avLst/>
-          </a:prstGeom>
-          <a:noFill/>
-          <a:ln w="38100" cap="flat" cmpd="sng" algn="ctr">
-            <a:solidFill>
-              <a:schemeClr val="tx1"/>
-            </a:solidFill>
-            <a:prstDash val="sysDot"/>
-            <a:round/>
-            <a:headEnd type="none" w="med" len="med"/>
-            <a:tailEnd type="none" w="lg" len="lg"/>
-          </a:ln>
-          <a:effectLst/>
-        </p:spPr>
-      </p:cxnSp>
-      <p:sp>
-        <p:nvSpPr>
-          <p:cNvPr id="13" name="TextBox 12"/>
-          <p:cNvSpPr txBox="1"/>
-          <p:nvPr/>
-        </p:nvSpPr>
-        <p:spPr>
-          <a:xfrm>
-            <a:off x="152400" y="1371600"/>
-            <a:ext cx="8328121" cy="2308324"/>
-          </a:xfrm>
-          <a:prstGeom prst="rect">
-            <a:avLst/>
-          </a:prstGeom>
-          <a:noFill/>
-        </p:spPr>
-        <p:txBody>
-          <a:bodyPr wrap="none" rtlCol="0">
-            <a:spAutoFit/>
-          </a:bodyPr>
-          <a:lstStyle/>
-          <a:p>
-            <a:r>
-              <a:rPr lang="en-US" sz="4800" dirty="0" smtClean="0"/>
-              <a:t>Endpoints of min-gray edges</a:t>
-            </a:r>
-          </a:p>
-          <a:p>
-            <a:r>
-              <a:rPr lang="en-US" sz="4800" dirty="0" smtClean="0"/>
-              <a:t>now same color.  Path in </a:t>
-            </a:r>
-            <a:r>
-              <a:rPr lang="en-US" sz="4800" dirty="0" smtClean="0">
-                <a:solidFill>
-                  <a:schemeClr val="accent1">
-                    <a:lumMod val="50000"/>
-                  </a:schemeClr>
-                </a:solidFill>
-              </a:rPr>
-              <a:t>G</a:t>
-            </a:r>
-            <a:endParaRPr lang="en-US" sz="4800" dirty="0">
-              <a:solidFill>
-                <a:schemeClr val="accent1">
-                  <a:lumMod val="50000"/>
-                </a:schemeClr>
-              </a:solidFill>
-            </a:endParaRPr>
-          </a:p>
-          <a:p>
-            <a:r>
-              <a:rPr lang="en-US" sz="4800" dirty="0" smtClean="0"/>
-              <a:t>from black to white</a:t>
-            </a:r>
-          </a:p>
-        </p:txBody>
-      </p:sp>
-    </p:spTree>
-    <p:extLst>
-      <p:ext uri="{BB962C8B-B14F-4D97-AF65-F5344CB8AC3E}">
-        <p14:creationId xmlns:p14="http://schemas.microsoft.com/office/powerpoint/2010/main" val="1667056116"/>
-      </p:ext>
-    </p:extLst>
-  </p:cSld>
-  <p:clrMapOvr>
-    <a:masterClrMapping/>
-  </p:clrMapOvr>
-  <mc:AlternateContent xmlns:mc="http://schemas.openxmlformats.org/markup-compatibility/2006">
-    <mc:Choice xmlns:p14="http://schemas.microsoft.com/office/powerpoint/2010/main" Requires="p14">
-      <p:transition spd="med" p14:dur="700" advClick="0">
-        <p:fade/>
-      </p:transition>
-    </mc:Choice>
-    <mc:Fallback>
-      <p:transition xmlns:p14="http://schemas.microsoft.com/office/powerpoint/2010/main" spd="med" advClick="0">
-        <p:fade/>
-      </p:transition>
-    </mc:Fallback>
-  </mc:AlternateContent>
-  <p:timing>
-    <p:tnLst>
-      <p:par>
-        <p:cTn xmlns:p14="http://schemas.microsoft.com/office/powerpoint/2010/main" id="1" dur="indefinite" restart="never" nodeType="tmRoot">
-          <p:childTnLst>
-            <p:seq concurrent="1" nextAc="seek">
-              <p:cTn id="2" dur="indefinite" nodeType="mainSeq">
-                <p:childTnLst>
-                  <p:par>
-                    <p:cTn id="3" fill="hold">
-                      <p:stCondLst>
-                        <p:cond delay="indefinite"/>
-                      </p:stCondLst>
-                      <p:childTnLst>
-                        <p:par>
-                          <p:cTn id="4" fill="hold">
-                            <p:stCondLst>
-                              <p:cond delay="0"/>
-                            </p:stCondLst>
-                            <p:childTnLst>
-                              <p:par>
-                                <p:cTn id="5" presetID="22" presetClass="entr" presetSubtype="8" fill="hold" nodeType="clickEffect">
-                                  <p:stCondLst>
-                                    <p:cond delay="0"/>
-                                  </p:stCondLst>
-                                  <p:childTnLst>
-                                    <p:set>
-                                      <p:cBhvr>
-                                        <p:cTn id="6" dur="1" fill="hold">
-                                          <p:stCondLst>
-                                            <p:cond delay="0"/>
-                                          </p:stCondLst>
-                                        </p:cTn>
-                                        <p:tgtEl>
-                                          <p:spTgt spid="9"/>
-                                        </p:tgtEl>
-                                        <p:attrNameLst>
-                                          <p:attrName>style.visibility</p:attrName>
-                                        </p:attrNameLst>
-                                      </p:cBhvr>
-                                      <p:to>
-                                        <p:strVal val="visible"/>
-                                      </p:to>
-                                    </p:set>
-                                    <p:animEffect transition="in" filter="wipe(left)">
-                                      <p:cBhvr>
-                                        <p:cTn id="7" dur="500"/>
-                                        <p:tgtEl>
-                                          <p:spTgt spid="9"/>
-                                        </p:tgtEl>
-                                      </p:cBhvr>
-                                    </p:animEffect>
-                                  </p:childTnLst>
-                                </p:cTn>
-                              </p:par>
-                            </p:childTnLst>
-                          </p:cTn>
-                        </p:par>
-                        <p:par>
-                          <p:cTn id="8" fill="hold">
-                            <p:stCondLst>
-                              <p:cond delay="500"/>
-                            </p:stCondLst>
-                            <p:childTnLst>
-                              <p:par>
-                                <p:cTn id="9" presetID="22" presetClass="entr" presetSubtype="8" fill="hold" nodeType="afterEffect">
-                                  <p:stCondLst>
-                                    <p:cond delay="0"/>
-                                  </p:stCondLst>
-                                  <p:childTnLst>
-                                    <p:set>
-                                      <p:cBhvr>
-                                        <p:cTn id="10" dur="1" fill="hold">
-                                          <p:stCondLst>
-                                            <p:cond delay="0"/>
-                                          </p:stCondLst>
-                                        </p:cTn>
-                                        <p:tgtEl>
-                                          <p:spTgt spid="22"/>
-                                        </p:tgtEl>
-                                        <p:attrNameLst>
-                                          <p:attrName>style.visibility</p:attrName>
-                                        </p:attrNameLst>
-                                      </p:cBhvr>
-                                      <p:to>
-                                        <p:strVal val="visible"/>
-                                      </p:to>
-                                    </p:set>
-                                    <p:animEffect transition="in" filter="wipe(left)">
-                                      <p:cBhvr>
-                                        <p:cTn id="11" dur="500"/>
-                                        <p:tgtEl>
-                                          <p:spTgt spid="22"/>
-                                        </p:tgtEl>
-                                      </p:cBhvr>
-                                    </p:animEffect>
-                                  </p:childTnLst>
-                                </p:cTn>
-                              </p:par>
-                            </p:childTnLst>
-                          </p:cTn>
-                        </p:par>
-                        <p:par>
-                          <p:cTn id="12" fill="hold">
-                            <p:stCondLst>
-                              <p:cond delay="1000"/>
-                            </p:stCondLst>
-                            <p:childTnLst>
-                              <p:par>
-                                <p:cTn id="13" presetID="22" presetClass="entr" presetSubtype="2" fill="hold" nodeType="afterEffect">
-                                  <p:stCondLst>
-                                    <p:cond delay="0"/>
-                                  </p:stCondLst>
-                                  <p:childTnLst>
-                                    <p:set>
-                                      <p:cBhvr>
-                                        <p:cTn id="14" dur="1" fill="hold">
-                                          <p:stCondLst>
-                                            <p:cond delay="0"/>
-                                          </p:stCondLst>
-                                        </p:cTn>
-                                        <p:tgtEl>
-                                          <p:spTgt spid="33"/>
-                                        </p:tgtEl>
-                                        <p:attrNameLst>
-                                          <p:attrName>style.visibility</p:attrName>
-                                        </p:attrNameLst>
-                                      </p:cBhvr>
-                                      <p:to>
-                                        <p:strVal val="visible"/>
-                                      </p:to>
-                                    </p:set>
-                                    <p:animEffect transition="in" filter="wipe(right)">
-                                      <p:cBhvr>
-                                        <p:cTn id="15" dur="500"/>
-                                        <p:tgtEl>
-                                          <p:spTgt spid="33"/>
-                                        </p:tgtEl>
-                                      </p:cBhvr>
-                                    </p:animEffect>
-                                  </p:childTnLst>
-                                </p:cTn>
-                              </p:par>
-                            </p:childTnLst>
-                          </p:cTn>
-                        </p:par>
-                        <p:par>
-                          <p:cTn id="16" fill="hold">
-                            <p:stCondLst>
-                              <p:cond delay="1500"/>
-                            </p:stCondLst>
-                            <p:childTnLst>
-                              <p:par>
-                                <p:cTn id="17" presetID="22" presetClass="entr" presetSubtype="2" fill="hold" nodeType="afterEffect">
-                                  <p:stCondLst>
-                                    <p:cond delay="0"/>
-                                  </p:stCondLst>
-                                  <p:childTnLst>
-                                    <p:set>
-                                      <p:cBhvr>
-                                        <p:cTn id="18" dur="1" fill="hold">
-                                          <p:stCondLst>
-                                            <p:cond delay="0"/>
-                                          </p:stCondLst>
-                                        </p:cTn>
-                                        <p:tgtEl>
-                                          <p:spTgt spid="26"/>
-                                        </p:tgtEl>
-                                        <p:attrNameLst>
-                                          <p:attrName>style.visibility</p:attrName>
-                                        </p:attrNameLst>
-                                      </p:cBhvr>
-                                      <p:to>
-                                        <p:strVal val="visible"/>
-                                      </p:to>
-                                    </p:set>
-                                    <p:animEffect transition="in" filter="wipe(right)">
-                                      <p:cBhvr>
-                                        <p:cTn id="19" dur="500"/>
-                                        <p:tgtEl>
-                                          <p:spTgt spid="26"/>
-                                        </p:tgtEl>
-                                      </p:cBhvr>
-                                    </p:animEffect>
-                                  </p:childTnLst>
-                                </p:cTn>
-                              </p:par>
-                            </p:childTnLst>
-                          </p:cTn>
-                        </p:par>
-                      </p:childTnLst>
-                    </p:cTn>
-                  </p:par>
-                </p:childTnLst>
-              </p:cTn>
-              <p:prevCondLst>
-                <p:cond evt="onPrev" delay="0">
-                  <p:tgtEl>
-                    <p:sldTgt/>
-                  </p:tgtEl>
-                </p:cond>
-              </p:prevCondLst>
-              <p:nextCondLst>
-                <p:cond evt="onNext" delay="0">
-                  <p:tgtEl>
-                    <p:sldTgt/>
-                  </p:tgtEl>
-                </p:cond>
-              </p:nextCondLst>
-            </p:seq>
-          </p:childTnLst>
-        </p:cTn>
-      </p:par>
-    </p:tnLst>
-  </p:timing>
-</p:sld>
-</file>
-
-<file path=ppt/slides/slide28.xml><?xml version="1.0" encoding="utf-8"?>
-<p:sld xmlns:a="http://schemas.openxmlformats.org/drawingml/2006/main" xmlns:r="http://schemas.openxmlformats.org/officeDocument/2006/relationships" xmlns:p="http://schemas.openxmlformats.org/presentationml/2006/main" show="0">
-  <p:cSld>
-    <p:spTree>
-      <p:nvGrpSpPr>
-        <p:cNvPr id="1" name=""/>
-        <p:cNvGrpSpPr/>
-        <p:nvPr/>
-      </p:nvGrpSpPr>
-      <p:grpSpPr>
-        <a:xfrm>
-          <a:off x="0" y="0"/>
-          <a:ext cx="0" cy="0"/>
-          <a:chOff x="0" y="0"/>
-          <a:chExt cx="0" cy="0"/>
-        </a:xfrm>
-      </p:grpSpPr>
-      <p:cxnSp>
-        <p:nvCxnSpPr>
-          <p:cNvPr id="33" name="Straight Connector 32"/>
-          <p:cNvCxnSpPr>
-            <a:stCxn id="21" idx="4"/>
-            <a:endCxn id="12" idx="6"/>
-          </p:cNvCxnSpPr>
-          <p:nvPr/>
-        </p:nvCxnSpPr>
-        <p:spPr bwMode="auto">
-          <a:xfrm flipH="1">
-            <a:off x="7620000" y="4953000"/>
-            <a:ext cx="495300" cy="266700"/>
-          </a:xfrm>
-          <a:prstGeom prst="line">
-            <a:avLst/>
-          </a:prstGeom>
-          <a:noFill/>
-          <a:ln w="63500" cap="flat" cmpd="sng" algn="ctr">
-            <a:solidFill>
-              <a:schemeClr val="bg1">
-                <a:lumMod val="65000"/>
-              </a:schemeClr>
-            </a:solidFill>
-            <a:prstDash val="solid"/>
-            <a:round/>
-            <a:headEnd type="none" w="med" len="med"/>
-            <a:tailEnd type="none" w="lg" len="lg"/>
-          </a:ln>
-          <a:effectLst/>
-        </p:spPr>
-      </p:cxnSp>
-      <p:sp>
-        <p:nvSpPr>
-          <p:cNvPr id="4" name="Slide Number Placeholder 3"/>
-          <p:cNvSpPr>
-            <a:spLocks noGrp="1"/>
-          </p:cNvSpPr>
-          <p:nvPr>
-            <p:ph type="sldNum" sz="quarter" idx="4"/>
-          </p:nvPr>
-        </p:nvSpPr>
-        <p:spPr>
-          <a:xfrm>
-            <a:off x="8252698" y="6553200"/>
-            <a:ext cx="891302" cy="246221"/>
-          </a:xfrm>
-        </p:spPr>
-        <p:txBody>
-          <a:bodyPr/>
-          <a:lstStyle/>
-          <a:p>
-            <a:pPr>
-              <a:defRPr/>
-            </a:pPr>
-            <a:r>
-              <a:rPr lang="en-US" dirty="0" smtClean="0"/>
-              <a:t>min-gray.</a:t>
-            </a:r>
-            <a:fld id="{D7F2FC53-1536-41A9-A9C1-2199CF803E30}" type="slidenum">
-              <a:rPr lang="en-US" smtClean="0"/>
-              <a:pPr>
-                <a:defRPr/>
-              </a:pPr>
-              <a:t>28</a:t>
-            </a:fld>
-            <a:endParaRPr lang="en-US" dirty="0"/>
-          </a:p>
-        </p:txBody>
-      </p:sp>
-      <p:sp>
-        <p:nvSpPr>
-          <p:cNvPr id="8" name="Title 1"/>
-          <p:cNvSpPr>
-            <a:spLocks noGrp="1"/>
-          </p:cNvSpPr>
-          <p:nvPr>
-            <p:ph type="title"/>
-          </p:nvPr>
-        </p:nvSpPr>
-        <p:spPr>
-          <a:xfrm>
-            <a:off x="1219200" y="152400"/>
-            <a:ext cx="7848600" cy="1371600"/>
-          </a:xfrm>
-        </p:spPr>
-        <p:txBody>
-          <a:bodyPr/>
-          <a:lstStyle/>
-          <a:p>
-            <a:r>
-              <a:rPr lang="en-US" dirty="0" smtClean="0">
-                <a:solidFill>
-                  <a:schemeClr val="tx1"/>
-                </a:solidFill>
-              </a:rPr>
-              <a:t>M</a:t>
-            </a:r>
-            <a:r>
-              <a:rPr lang="en-US" dirty="0" smtClean="0"/>
-              <a:t>in </a:t>
-            </a:r>
-            <a:r>
-              <a:rPr lang="en-US" dirty="0"/>
-              <a:t>G</a:t>
-            </a:r>
-            <a:r>
-              <a:rPr lang="en-US" dirty="0" smtClean="0"/>
-              <a:t>ray Edges </a:t>
-            </a:r>
-            <a:r>
-              <a:rPr lang="en-US" dirty="0" smtClean="0">
-                <a:solidFill>
-                  <a:srgbClr val="008000"/>
-                </a:solidFill>
-              </a:rPr>
-              <a:t>Sufficient</a:t>
-            </a:r>
-            <a:r>
-              <a:rPr lang="en-US" dirty="0" smtClean="0"/>
-              <a:t> </a:t>
-            </a:r>
-            <a:endParaRPr lang="en-US" dirty="0"/>
-          </a:p>
-        </p:txBody>
-      </p:sp>
-      <p:sp>
-        <p:nvSpPr>
-          <p:cNvPr id="2" name="Rounded Rectangle 1"/>
-          <p:cNvSpPr/>
-          <p:nvPr/>
-        </p:nvSpPr>
-        <p:spPr>
-          <a:xfrm>
-            <a:off x="1752600" y="4572000"/>
-            <a:ext cx="914400" cy="914400"/>
-          </a:xfrm>
-          <a:prstGeom prst="roundRect">
-            <a:avLst/>
-          </a:prstGeom>
-          <a:solidFill>
-            <a:schemeClr val="tx1"/>
-          </a:solidFill>
-          <a:ln w="47625">
-            <a:noFill/>
-          </a:ln>
-        </p:spPr>
-        <p:txBody>
-          <a:bodyPr rtlCol="0" anchor="ctr"/>
-          <a:lstStyle/>
-          <a:p>
-            <a:pPr algn="ctr"/>
-            <a:endParaRPr lang="en-US"/>
-          </a:p>
-        </p:txBody>
-      </p:sp>
-      <p:sp>
-        <p:nvSpPr>
-          <p:cNvPr id="7" name="Rounded Rectangle 6"/>
-          <p:cNvSpPr/>
-          <p:nvPr/>
-        </p:nvSpPr>
-        <p:spPr>
-          <a:xfrm>
-            <a:off x="4151745" y="5105400"/>
-            <a:ext cx="1410855" cy="1295400"/>
-          </a:xfrm>
-          <a:prstGeom prst="roundRect">
-            <a:avLst/>
-          </a:prstGeom>
-          <a:solidFill>
-            <a:schemeClr val="accent3"/>
-          </a:solidFill>
-          <a:ln w="19050">
-            <a:solidFill>
-              <a:schemeClr val="bg2">
-                <a:lumMod val="75000"/>
-              </a:schemeClr>
-            </a:solidFill>
-          </a:ln>
-        </p:spPr>
-        <p:txBody>
-          <a:bodyPr rtlCol="0" anchor="ctr"/>
-          <a:lstStyle/>
-          <a:p>
-            <a:pPr algn="ctr"/>
-            <a:endParaRPr lang="en-US"/>
-          </a:p>
-        </p:txBody>
-      </p:sp>
-      <p:cxnSp>
-        <p:nvCxnSpPr>
-          <p:cNvPr id="9" name="Curved Connector 8"/>
-          <p:cNvCxnSpPr>
-            <a:stCxn id="2" idx="3"/>
-            <a:endCxn id="16" idx="1"/>
-          </p:cNvCxnSpPr>
-          <p:nvPr/>
-        </p:nvCxnSpPr>
-        <p:spPr bwMode="auto">
-          <a:xfrm flipV="1">
-            <a:off x="2667000" y="4209473"/>
-            <a:ext cx="3581400" cy="819727"/>
-          </a:xfrm>
-          <a:prstGeom prst="curvedConnector3">
-            <a:avLst>
-              <a:gd name="adj1" fmla="val 50000"/>
-            </a:avLst>
-          </a:prstGeom>
-          <a:noFill/>
-          <a:ln w="41275" cap="flat" cmpd="sng" algn="ctr">
-            <a:solidFill>
-              <a:schemeClr val="tx1"/>
-            </a:solidFill>
-            <a:prstDash val="solid"/>
-            <a:round/>
-            <a:headEnd type="none" w="med" len="med"/>
-            <a:tailEnd type="none" w="lg" len="lg"/>
-          </a:ln>
-          <a:effectLst/>
-        </p:spPr>
-      </p:cxnSp>
-      <p:sp>
-        <p:nvSpPr>
-          <p:cNvPr id="12" name="Oval 11"/>
-          <p:cNvSpPr/>
-          <p:nvPr/>
-        </p:nvSpPr>
-        <p:spPr>
-          <a:xfrm>
-            <a:off x="7543800" y="5181600"/>
-            <a:ext cx="76200" cy="76200"/>
-          </a:xfrm>
-          <a:prstGeom prst="ellipse">
-            <a:avLst/>
-          </a:prstGeom>
-          <a:solidFill>
-            <a:schemeClr val="bg1"/>
-          </a:solidFill>
-          <a:ln w="25400">
-            <a:solidFill>
-              <a:schemeClr val="tx1"/>
-            </a:solidFill>
-            <a:prstDash val="solid"/>
-          </a:ln>
-        </p:spPr>
-        <p:txBody>
-          <a:bodyPr rtlCol="0" anchor="ctr"/>
-          <a:lstStyle/>
-          <a:p>
-            <a:pPr algn="ctr"/>
-            <a:endParaRPr lang="en-US"/>
-          </a:p>
-        </p:txBody>
-      </p:sp>
-      <p:sp>
-        <p:nvSpPr>
-          <p:cNvPr id="16" name="Rounded Rectangle 15"/>
-          <p:cNvSpPr/>
-          <p:nvPr/>
-        </p:nvSpPr>
-        <p:spPr>
-          <a:xfrm>
-            <a:off x="6248400" y="3962400"/>
-            <a:ext cx="533400" cy="494145"/>
-          </a:xfrm>
-          <a:prstGeom prst="roundRect">
-            <a:avLst/>
-          </a:prstGeom>
-          <a:solidFill>
-            <a:schemeClr val="tx1"/>
-          </a:solidFill>
-          <a:ln w="47625">
-            <a:noFill/>
-          </a:ln>
-        </p:spPr>
-        <p:txBody>
-          <a:bodyPr rtlCol="0" anchor="ctr"/>
-          <a:lstStyle/>
-          <a:p>
-            <a:pPr algn="ctr"/>
-            <a:endParaRPr lang="en-US"/>
-          </a:p>
-        </p:txBody>
-      </p:sp>
-      <p:sp>
-        <p:nvSpPr>
-          <p:cNvPr id="21" name="Oval 20"/>
-          <p:cNvSpPr/>
-          <p:nvPr/>
-        </p:nvSpPr>
-        <p:spPr>
-          <a:xfrm>
-            <a:off x="8077200" y="4876800"/>
-            <a:ext cx="76200" cy="76200"/>
-          </a:xfrm>
-          <a:prstGeom prst="ellipse">
-            <a:avLst/>
-          </a:prstGeom>
-          <a:solidFill>
-            <a:schemeClr val="tx1"/>
-          </a:solidFill>
-          <a:ln w="47625">
-            <a:noFill/>
-          </a:ln>
-        </p:spPr>
-        <p:txBody>
-          <a:bodyPr rtlCol="0" anchor="ctr"/>
-          <a:lstStyle/>
-          <a:p>
-            <a:pPr algn="ctr"/>
-            <a:endParaRPr lang="en-US"/>
-          </a:p>
-        </p:txBody>
-      </p:sp>
-      <p:cxnSp>
-        <p:nvCxnSpPr>
-          <p:cNvPr id="22" name="Curved Connector 21"/>
-          <p:cNvCxnSpPr>
-            <a:stCxn id="16" idx="3"/>
-            <a:endCxn id="21" idx="0"/>
-          </p:cNvCxnSpPr>
-          <p:nvPr/>
-        </p:nvCxnSpPr>
-        <p:spPr bwMode="auto">
-          <a:xfrm>
-            <a:off x="6781800" y="4209473"/>
-            <a:ext cx="1333500" cy="667327"/>
-          </a:xfrm>
-          <a:prstGeom prst="curvedConnector2">
-            <a:avLst/>
-          </a:prstGeom>
-          <a:noFill/>
-          <a:ln w="41275" cap="flat" cmpd="sng" algn="ctr">
-            <a:solidFill>
-              <a:schemeClr val="tx1"/>
-            </a:solidFill>
-            <a:prstDash val="solid"/>
-            <a:round/>
-            <a:headEnd type="none" w="med" len="med"/>
-            <a:tailEnd type="none" w="lg" len="lg"/>
-          </a:ln>
-          <a:effectLst/>
-        </p:spPr>
-      </p:cxnSp>
-      <p:cxnSp>
-        <p:nvCxnSpPr>
-          <p:cNvPr id="26" name="Curved Connector 25"/>
-          <p:cNvCxnSpPr>
-            <a:stCxn id="7" idx="3"/>
-            <a:endCxn id="12" idx="3"/>
-          </p:cNvCxnSpPr>
-          <p:nvPr/>
-        </p:nvCxnSpPr>
-        <p:spPr bwMode="auto">
-          <a:xfrm flipV="1">
-            <a:off x="5562600" y="5246641"/>
-            <a:ext cx="1992359" cy="506459"/>
-          </a:xfrm>
-          <a:prstGeom prst="curvedConnector2">
-            <a:avLst/>
-          </a:prstGeom>
-          <a:noFill/>
-          <a:ln w="57150" cap="flat" cmpd="sng" algn="ctr">
-            <a:solidFill>
-              <a:schemeClr val="accent3"/>
-            </a:solidFill>
-            <a:prstDash val="solid"/>
-            <a:round/>
-            <a:headEnd type="none" w="med" len="med"/>
-            <a:tailEnd type="none" w="lg" len="lg"/>
-          </a:ln>
-          <a:effectLst/>
-        </p:spPr>
-      </p:cxnSp>
-      <p:sp>
-        <p:nvSpPr>
-          <p:cNvPr id="13" name="TextBox 12"/>
-          <p:cNvSpPr txBox="1"/>
-          <p:nvPr/>
-        </p:nvSpPr>
-        <p:spPr>
-          <a:xfrm>
-            <a:off x="152400" y="1371600"/>
-            <a:ext cx="8897688" cy="3046988"/>
-          </a:xfrm>
-          <a:prstGeom prst="rect">
-            <a:avLst/>
-          </a:prstGeom>
-          <a:noFill/>
-        </p:spPr>
-        <p:txBody>
-          <a:bodyPr wrap="none" rtlCol="0">
-            <a:spAutoFit/>
-          </a:bodyPr>
-          <a:lstStyle/>
-          <a:p>
-            <a:r>
-              <a:rPr lang="en-US" sz="4800" dirty="0" smtClean="0"/>
-              <a:t>Endpoints of min-gray edges</a:t>
-            </a:r>
-          </a:p>
-          <a:p>
-            <a:r>
-              <a:rPr lang="en-US" sz="4800" dirty="0" smtClean="0"/>
-              <a:t>now same color.  Path in </a:t>
-            </a:r>
-            <a:r>
-              <a:rPr lang="en-US" sz="4800" dirty="0" smtClean="0">
-                <a:solidFill>
-                  <a:schemeClr val="accent1">
-                    <a:lumMod val="50000"/>
-                  </a:schemeClr>
-                </a:solidFill>
-              </a:rPr>
-              <a:t>G</a:t>
-            </a:r>
-            <a:endParaRPr lang="en-US" sz="4800" dirty="0">
-              <a:solidFill>
-                <a:schemeClr val="accent1">
-                  <a:lumMod val="50000"/>
-                </a:schemeClr>
-              </a:solidFill>
-            </a:endParaRPr>
-          </a:p>
-          <a:p>
-            <a:r>
-              <a:rPr lang="en-US" sz="4800" dirty="0" smtClean="0"/>
-              <a:t>from black to white must have</a:t>
-            </a:r>
-          </a:p>
-          <a:p>
-            <a:r>
-              <a:rPr lang="en-US" sz="4800" dirty="0" smtClean="0">
-                <a:solidFill>
-                  <a:srgbClr val="FF00FF"/>
-                </a:solidFill>
-              </a:rPr>
-              <a:t>new</a:t>
-            </a:r>
-            <a:r>
-              <a:rPr lang="en-US" sz="4800" dirty="0" smtClean="0"/>
-              <a:t> gray edge.</a:t>
-            </a:r>
-          </a:p>
-        </p:txBody>
-      </p:sp>
-      <p:cxnSp>
-        <p:nvCxnSpPr>
-          <p:cNvPr id="17" name="Straight Connector 16"/>
-          <p:cNvCxnSpPr/>
-          <p:nvPr/>
-        </p:nvCxnSpPr>
-        <p:spPr bwMode="auto">
-          <a:xfrm flipH="1">
-            <a:off x="7620000" y="4953000"/>
-            <a:ext cx="495300" cy="266700"/>
-          </a:xfrm>
-          <a:prstGeom prst="line">
-            <a:avLst/>
-          </a:prstGeom>
-          <a:noFill/>
-          <a:ln w="38100" cap="flat" cmpd="sng" algn="ctr">
-            <a:solidFill>
-              <a:schemeClr val="tx1"/>
-            </a:solidFill>
-            <a:prstDash val="sysDot"/>
-            <a:round/>
-            <a:headEnd type="none" w="med" len="med"/>
-            <a:tailEnd type="none" w="lg" len="lg"/>
-          </a:ln>
-          <a:effectLst/>
-        </p:spPr>
-      </p:cxnSp>
-      <p:grpSp>
-        <p:nvGrpSpPr>
-          <p:cNvPr id="6" name="Group 5"/>
-          <p:cNvGrpSpPr/>
-          <p:nvPr/>
-        </p:nvGrpSpPr>
-        <p:grpSpPr>
-          <a:xfrm>
-            <a:off x="7162800" y="4648200"/>
-            <a:ext cx="1219200" cy="1499176"/>
-            <a:chOff x="7162800" y="4648200"/>
-            <a:chExt cx="1219200" cy="1499176"/>
-          </a:xfrm>
-        </p:grpSpPr>
-        <p:sp>
-          <p:nvSpPr>
-            <p:cNvPr id="3" name="Oval Callout 2"/>
-            <p:cNvSpPr/>
-            <p:nvPr/>
-          </p:nvSpPr>
-          <p:spPr>
-            <a:xfrm>
-              <a:off x="7315200" y="4648200"/>
-              <a:ext cx="1066800" cy="914400"/>
-            </a:xfrm>
-            <a:prstGeom prst="wedgeEllipseCallout">
-              <a:avLst/>
-            </a:prstGeom>
-            <a:ln w="28575">
-              <a:solidFill>
-                <a:srgbClr val="FF00FF"/>
-              </a:solidFill>
-            </a:ln>
-          </p:spPr>
-          <p:txBody>
-            <a:bodyPr rtlCol="0" anchor="ctr"/>
-            <a:lstStyle/>
-            <a:p>
-              <a:pPr algn="ctr"/>
-              <a:endParaRPr lang="en-US"/>
-            </a:p>
-          </p:txBody>
-        </p:sp>
-        <p:sp>
-          <p:nvSpPr>
-            <p:cNvPr id="5" name="TextBox 4"/>
-            <p:cNvSpPr txBox="1"/>
-            <p:nvPr/>
-          </p:nvSpPr>
-          <p:spPr>
-            <a:xfrm>
-              <a:off x="7162800" y="5562600"/>
-              <a:ext cx="905015" cy="584776"/>
-            </a:xfrm>
-            <a:prstGeom prst="rect">
-              <a:avLst/>
-            </a:prstGeom>
-            <a:noFill/>
-          </p:spPr>
-          <p:txBody>
-            <a:bodyPr wrap="none" rtlCol="0">
-              <a:spAutoFit/>
-            </a:bodyPr>
-            <a:lstStyle/>
-            <a:p>
-              <a:r>
-                <a:rPr lang="en-US" dirty="0" smtClean="0">
-                  <a:solidFill>
-                    <a:srgbClr val="FF00FF"/>
-                  </a:solidFill>
-                </a:rPr>
-                <a:t>new</a:t>
-              </a:r>
-              <a:endParaRPr lang="en-US" dirty="0">
-                <a:solidFill>
-                  <a:srgbClr val="FF00FF"/>
-                </a:solidFill>
-              </a:endParaRPr>
-            </a:p>
-          </p:txBody>
-        </p:sp>
-      </p:grpSp>
-      <p:sp>
-        <p:nvSpPr>
-          <p:cNvPr id="10" name="TextBox 9"/>
-          <p:cNvSpPr txBox="1"/>
-          <p:nvPr/>
-        </p:nvSpPr>
-        <p:spPr>
-          <a:xfrm>
-            <a:off x="1295400" y="4572000"/>
-            <a:ext cx="5439447" cy="1107996"/>
-          </a:xfrm>
-          <a:prstGeom prst="rect">
-            <a:avLst/>
-          </a:prstGeom>
-          <a:noFill/>
-        </p:spPr>
-        <p:txBody>
-          <a:bodyPr wrap="none" rtlCol="0">
-            <a:spAutoFit/>
-          </a:bodyPr>
-          <a:lstStyle/>
-          <a:p>
-            <a:r>
-              <a:rPr lang="en-US" sz="6600" dirty="0" smtClean="0">
-                <a:solidFill>
-                  <a:srgbClr val="FF0000"/>
-                </a:solidFill>
-              </a:rPr>
-              <a:t>contradiction</a:t>
-            </a:r>
-            <a:endParaRPr lang="en-US" sz="6600" dirty="0">
-              <a:solidFill>
-                <a:srgbClr val="FF0000"/>
-              </a:solidFill>
-            </a:endParaRPr>
-          </a:p>
-        </p:txBody>
-      </p:sp>
-    </p:spTree>
-    <p:extLst>
-      <p:ext uri="{BB962C8B-B14F-4D97-AF65-F5344CB8AC3E}">
-        <p14:creationId xmlns:p14="http://schemas.microsoft.com/office/powerpoint/2010/main" val="2120722811"/>
-      </p:ext>
-    </p:extLst>
-  </p:cSld>
-  <p:clrMapOvr>
-    <a:masterClrMapping/>
-  </p:clrMapOvr>
-  <mc:AlternateContent xmlns:mc="http://schemas.openxmlformats.org/markup-compatibility/2006">
-    <mc:Choice xmlns:p14="http://schemas.microsoft.com/office/powerpoint/2010/main" Requires="p14">
-      <p:transition spd="med" p14:dur="700" advClick="0">
-        <p:fade/>
-      </p:transition>
-    </mc:Choice>
-    <mc:Fallback>
-      <p:transition xmlns:p14="http://schemas.microsoft.com/office/powerpoint/2010/main" spd="med" advClick="0">
-        <p:fade/>
-      </p:transition>
-    </mc:Fallback>
-  </mc:AlternateContent>
-  <p:timing>
-    <p:tnLst>
-      <p:par>
-        <p:cTn xmlns:p14="http://schemas.microsoft.com/office/powerpoint/2010/main" id="1" dur="indefinite" restart="never" nodeType="tmRoot">
-          <p:childTnLst>
-            <p:seq concurrent="1" nextAc="seek">
-              <p:cTn id="2" dur="indefinite" nodeType="mainSeq">
-                <p:childTnLst>
-                  <p:par>
-                    <p:cTn id="3" fill="hold">
-                      <p:stCondLst>
-                        <p:cond delay="indefinite"/>
-                        <p:cond evt="onBegin" delay="0">
-                          <p:tn val="2"/>
-                        </p:cond>
-                      </p:stCondLst>
-                      <p:childTnLst>
-                        <p:par>
-                          <p:cTn id="4" fill="hold">
-                            <p:stCondLst>
-                              <p:cond delay="0"/>
-                            </p:stCondLst>
-                            <p:childTnLst>
-                              <p:par>
-                                <p:cTn id="5" presetID="10" presetClass="entr" presetSubtype="0" fill="hold" nodeType="afterEffect">
-                                  <p:stCondLst>
-                                    <p:cond delay="0"/>
-                                  </p:stCondLst>
-                                  <p:childTnLst>
-                                    <p:set>
-                                      <p:cBhvr>
-                                        <p:cTn id="6" dur="1" fill="hold">
-                                          <p:stCondLst>
-                                            <p:cond delay="0"/>
-                                          </p:stCondLst>
-                                        </p:cTn>
-                                        <p:tgtEl>
-                                          <p:spTgt spid="33"/>
-                                        </p:tgtEl>
-                                        <p:attrNameLst>
-                                          <p:attrName>style.visibility</p:attrName>
-                                        </p:attrNameLst>
-                                      </p:cBhvr>
-                                      <p:to>
-                                        <p:strVal val="visible"/>
-                                      </p:to>
-                                    </p:set>
-                                    <p:animEffect transition="in" filter="fade">
-                                      <p:cBhvr>
-                                        <p:cTn id="7" dur="500"/>
-                                        <p:tgtEl>
-                                          <p:spTgt spid="33"/>
-                                        </p:tgtEl>
-                                      </p:cBhvr>
-                                    </p:animEffect>
-                                  </p:childTnLst>
-                                </p:cTn>
-                              </p:par>
-                            </p:childTnLst>
-                          </p:cTn>
-                        </p:par>
-                        <p:par>
-                          <p:cTn id="8" fill="hold">
-                            <p:stCondLst>
-                              <p:cond delay="500"/>
-                            </p:stCondLst>
-                            <p:childTnLst>
-                              <p:par>
-                                <p:cTn id="9" presetID="1" presetClass="exit" presetSubtype="0" fill="hold" nodeType="afterEffect">
-                                  <p:stCondLst>
-                                    <p:cond delay="0"/>
-                                  </p:stCondLst>
-                                  <p:childTnLst>
-                                    <p:set>
-                                      <p:cBhvr>
-                                        <p:cTn id="10" dur="1" fill="hold">
-                                          <p:stCondLst>
-                                            <p:cond delay="0"/>
-                                          </p:stCondLst>
-                                        </p:cTn>
-                                        <p:tgtEl>
-                                          <p:spTgt spid="17"/>
-                                        </p:tgtEl>
-                                        <p:attrNameLst>
-                                          <p:attrName>style.visibility</p:attrName>
-                                        </p:attrNameLst>
-                                      </p:cBhvr>
-                                      <p:to>
-                                        <p:strVal val="hidden"/>
-                                      </p:to>
-                                    </p:set>
-                                  </p:childTnLst>
-                                </p:cTn>
-                              </p:par>
-                            </p:childTnLst>
-                          </p:cTn>
-                        </p:par>
-                        <p:par>
-                          <p:cTn id="11" fill="hold">
-                            <p:stCondLst>
-                              <p:cond delay="500"/>
-                            </p:stCondLst>
-                            <p:childTnLst>
-                              <p:par>
-                                <p:cTn id="12" presetID="37" presetClass="entr" presetSubtype="0" fill="hold" nodeType="afterEffect">
-                                  <p:stCondLst>
-                                    <p:cond delay="0"/>
-                                  </p:stCondLst>
-                                  <p:childTnLst>
-                                    <p:set>
-                                      <p:cBhvr>
-                                        <p:cTn id="13" dur="1" fill="hold">
-                                          <p:stCondLst>
-                                            <p:cond delay="0"/>
-                                          </p:stCondLst>
-                                        </p:cTn>
-                                        <p:tgtEl>
-                                          <p:spTgt spid="6"/>
-                                        </p:tgtEl>
-                                        <p:attrNameLst>
-                                          <p:attrName>style.visibility</p:attrName>
-                                        </p:attrNameLst>
-                                      </p:cBhvr>
-                                      <p:to>
-                                        <p:strVal val="visible"/>
-                                      </p:to>
-                                    </p:set>
-                                    <p:animEffect transition="in" filter="fade">
-                                      <p:cBhvr>
-                                        <p:cTn id="14" dur="1000"/>
-                                        <p:tgtEl>
-                                          <p:spTgt spid="6"/>
-                                        </p:tgtEl>
-                                      </p:cBhvr>
-                                    </p:animEffect>
-                                    <p:anim calcmode="lin" valueType="num">
-                                      <p:cBhvr>
-                                        <p:cTn id="15" dur="1000" fill="hold"/>
-                                        <p:tgtEl>
-                                          <p:spTgt spid="6"/>
-                                        </p:tgtEl>
-                                        <p:attrNameLst>
-                                          <p:attrName>ppt_x</p:attrName>
-                                        </p:attrNameLst>
-                                      </p:cBhvr>
-                                      <p:tavLst>
-                                        <p:tav tm="0">
-                                          <p:val>
-                                            <p:strVal val="#ppt_x"/>
-                                          </p:val>
-                                        </p:tav>
-                                        <p:tav tm="100000">
-                                          <p:val>
-                                            <p:strVal val="#ppt_x"/>
-                                          </p:val>
-                                        </p:tav>
-                                      </p:tavLst>
-                                    </p:anim>
-                                    <p:anim calcmode="lin" valueType="num">
-                                      <p:cBhvr>
-                                        <p:cTn id="16" dur="900" decel="100000" fill="hold"/>
-                                        <p:tgtEl>
-                                          <p:spTgt spid="6"/>
-                                        </p:tgtEl>
-                                        <p:attrNameLst>
-                                          <p:attrName>ppt_y</p:attrName>
-                                        </p:attrNameLst>
-                                      </p:cBhvr>
-                                      <p:tavLst>
-                                        <p:tav tm="0">
-                                          <p:val>
-                                            <p:strVal val="#ppt_y+1"/>
-                                          </p:val>
-                                        </p:tav>
-                                        <p:tav tm="100000">
-                                          <p:val>
-                                            <p:strVal val="#ppt_y-.03"/>
-                                          </p:val>
-                                        </p:tav>
-                                      </p:tavLst>
-                                    </p:anim>
-                                    <p:anim calcmode="lin" valueType="num">
-                                      <p:cBhvr>
-                                        <p:cTn id="17" dur="100" accel="100000" fill="hold">
-                                          <p:stCondLst>
-                                            <p:cond delay="900"/>
-                                          </p:stCondLst>
-                                        </p:cTn>
-                                        <p:tgtEl>
-                                          <p:spTgt spid="6"/>
-                                        </p:tgtEl>
-                                        <p:attrNameLst>
-                                          <p:attrName>ppt_y</p:attrName>
-                                        </p:attrNameLst>
-                                      </p:cBhvr>
-                                      <p:tavLst>
-                                        <p:tav tm="0">
-                                          <p:val>
-                                            <p:strVal val="#ppt_y-.03"/>
-                                          </p:val>
-                                        </p:tav>
-                                        <p:tav tm="100000">
-                                          <p:val>
-                                            <p:strVal val="#ppt_y"/>
-                                          </p:val>
-                                        </p:tav>
-                                      </p:tavLst>
-                                    </p:anim>
-                                  </p:childTnLst>
-                                </p:cTn>
-                              </p:par>
-                            </p:childTnLst>
-                          </p:cTn>
-                        </p:par>
-                      </p:childTnLst>
-                    </p:cTn>
-                  </p:par>
-                  <p:par>
-                    <p:cTn id="18" fill="hold">
-                      <p:stCondLst>
-                        <p:cond delay="indefinite"/>
-                      </p:stCondLst>
-                      <p:childTnLst>
-                        <p:par>
-                          <p:cTn id="19" fill="hold">
-                            <p:stCondLst>
-                              <p:cond delay="0"/>
-                            </p:stCondLst>
-                            <p:childTnLst>
-                              <p:par>
-                                <p:cTn id="20" presetID="2" presetClass="entr" presetSubtype="4" fill="hold" grpId="0" nodeType="clickEffect">
-                                  <p:stCondLst>
-                                    <p:cond delay="0"/>
-                                  </p:stCondLst>
-                                  <p:childTnLst>
-                                    <p:set>
-                                      <p:cBhvr>
-                                        <p:cTn id="21" dur="1" fill="hold">
-                                          <p:stCondLst>
-                                            <p:cond delay="0"/>
-                                          </p:stCondLst>
-                                        </p:cTn>
-                                        <p:tgtEl>
-                                          <p:spTgt spid="10"/>
-                                        </p:tgtEl>
-                                        <p:attrNameLst>
-                                          <p:attrName>style.visibility</p:attrName>
-                                        </p:attrNameLst>
-                                      </p:cBhvr>
-                                      <p:to>
-                                        <p:strVal val="visible"/>
-                                      </p:to>
-                                    </p:set>
-                                    <p:anim calcmode="lin" valueType="num">
-                                      <p:cBhvr additive="base">
-                                        <p:cTn id="22" dur="500" fill="hold"/>
-                                        <p:tgtEl>
-                                          <p:spTgt spid="10"/>
-                                        </p:tgtEl>
-                                        <p:attrNameLst>
-                                          <p:attrName>ppt_x</p:attrName>
-                                        </p:attrNameLst>
-                                      </p:cBhvr>
-                                      <p:tavLst>
-                                        <p:tav tm="0">
-                                          <p:val>
-                                            <p:strVal val="#ppt_x"/>
-                                          </p:val>
-                                        </p:tav>
-                                        <p:tav tm="100000">
-                                          <p:val>
-                                            <p:strVal val="#ppt_x"/>
-                                          </p:val>
-                                        </p:tav>
-                                      </p:tavLst>
-                                    </p:anim>
-                                    <p:anim calcmode="lin" valueType="num">
-                                      <p:cBhvr additive="base">
-                                        <p:cTn id="23" dur="500" fill="hold"/>
-                                        <p:tgtEl>
-                                          <p:spTgt spid="10"/>
-                                        </p:tgtEl>
-                                        <p:attrNameLst>
-                                          <p:attrName>ppt_y</p:attrName>
-                                        </p:attrNameLst>
-                                      </p:cBhvr>
-                                      <p:tavLst>
-                                        <p:tav tm="0">
-                                          <p:val>
-                                            <p:strVal val="1+#ppt_h/2"/>
-                                          </p:val>
-                                        </p:tav>
-                                        <p:tav tm="100000">
-                                          <p:val>
-                                            <p:strVal val="#ppt_y"/>
-                                          </p:val>
-                                        </p:tav>
-                                      </p:tavLst>
-                                    </p:anim>
-                                  </p:childTnLst>
-                                </p:cTn>
-                              </p:par>
-                            </p:childTnLst>
-                          </p:cTn>
-                        </p:par>
-                      </p:childTnLst>
-                    </p:cTn>
-                  </p:par>
-                </p:childTnLst>
-              </p:cTn>
-              <p:prevCondLst>
-                <p:cond evt="onPrev" delay="0">
-                  <p:tgtEl>
-                    <p:sldTgt/>
-                  </p:tgtEl>
-                </p:cond>
-              </p:prevCondLst>
-              <p:nextCondLst>
-                <p:cond evt="onNext" delay="0">
-                  <p:tgtEl>
-                    <p:sldTgt/>
-                  </p:tgtEl>
-                </p:cond>
-              </p:nextCondLst>
-            </p:seq>
-          </p:childTnLst>
-        </p:cTn>
-      </p:par>
-    </p:tnLst>
-    <p:bldLst>
-      <p:bldP spid="10" grpId="0"/>
-    </p:bldLst>
   </p:timing>
 </p:sld>
 </file>

--- a/fall17/slidesF17/gray-edges.pptx
+++ b/fall17/slidesF17/gray-edges.pptx
@@ -18,23 +18,23 @@
     <p:sldId id="665" r:id="rId6"/>
     <p:sldId id="709" r:id="rId7"/>
     <p:sldId id="672" r:id="rId8"/>
-    <p:sldId id="707" r:id="rId9"/>
-    <p:sldId id="706" r:id="rId10"/>
-    <p:sldId id="677" r:id="rId11"/>
-    <p:sldId id="708" r:id="rId12"/>
-    <p:sldId id="705" r:id="rId13"/>
-    <p:sldId id="711" r:id="rId14"/>
-    <p:sldId id="695" r:id="rId15"/>
-    <p:sldId id="696" r:id="rId16"/>
-    <p:sldId id="697" r:id="rId17"/>
-    <p:sldId id="698" r:id="rId18"/>
-    <p:sldId id="699" r:id="rId19"/>
-    <p:sldId id="700" r:id="rId20"/>
-    <p:sldId id="701" r:id="rId21"/>
-    <p:sldId id="702" r:id="rId22"/>
-    <p:sldId id="704" r:id="rId23"/>
-    <p:sldId id="678" r:id="rId24"/>
-    <p:sldId id="681" r:id="rId25"/>
+    <p:sldId id="712" r:id="rId9"/>
+    <p:sldId id="713" r:id="rId10"/>
+    <p:sldId id="714" r:id="rId11"/>
+    <p:sldId id="677" r:id="rId12"/>
+    <p:sldId id="716" r:id="rId13"/>
+    <p:sldId id="708" r:id="rId14"/>
+    <p:sldId id="705" r:id="rId15"/>
+    <p:sldId id="711" r:id="rId16"/>
+    <p:sldId id="695" r:id="rId17"/>
+    <p:sldId id="696" r:id="rId18"/>
+    <p:sldId id="697" r:id="rId19"/>
+    <p:sldId id="698" r:id="rId20"/>
+    <p:sldId id="699" r:id="rId21"/>
+    <p:sldId id="700" r:id="rId22"/>
+    <p:sldId id="701" r:id="rId23"/>
+    <p:sldId id="702" r:id="rId24"/>
+    <p:sldId id="704" r:id="rId25"/>
   </p:sldIdLst>
   <p:sldSz cx="9144000" cy="6858000" type="letter"/>
   <p:notesSz cx="9601200" cy="7315200"/>
@@ -166,6 +166,44 @@
       </a:defRPr>
     </a:lvl9pPr>
   </p:defaultTextStyle>
+  <p:extLst>
+    <p:ext uri="{521415D9-36F7-43E2-AB2F-B90AF26B5E84}">
+      <p14:sectionLst xmlns:p14="http://schemas.microsoft.com/office/powerpoint/2010/main">
+        <p14:section name="Default Section" id="{1CD04E26-227B-4E4D-A58D-873470825E16}">
+          <p14:sldIdLst>
+            <p14:sldId id="462"/>
+            <p14:sldId id="599"/>
+            <p14:sldId id="674"/>
+            <p14:sldId id="675"/>
+            <p14:sldId id="665"/>
+            <p14:sldId id="709"/>
+            <p14:sldId id="672"/>
+            <p14:sldId id="712"/>
+            <p14:sldId id="713"/>
+            <p14:sldId id="714"/>
+          </p14:sldIdLst>
+        </p14:section>
+        <p14:section name="Untitled Section" id="{2ACB6AB5-3579-BF4B-AABF-B4928D623480}">
+          <p14:sldIdLst>
+            <p14:sldId id="677"/>
+            <p14:sldId id="716"/>
+            <p14:sldId id="708"/>
+            <p14:sldId id="705"/>
+            <p14:sldId id="711"/>
+            <p14:sldId id="695"/>
+            <p14:sldId id="696"/>
+            <p14:sldId id="697"/>
+            <p14:sldId id="698"/>
+            <p14:sldId id="699"/>
+            <p14:sldId id="700"/>
+            <p14:sldId id="701"/>
+            <p14:sldId id="702"/>
+            <p14:sldId id="704"/>
+          </p14:sldIdLst>
+        </p14:section>
+      </p14:sectionLst>
+    </p:ext>
+  </p:extLst>
 </p:presentation>
 </file>
 
@@ -1229,7 +1267,7 @@
             <a:fld id="{2290380C-F846-4D61-BB06-6FCFBA28E193}" type="slidenum">
               <a:rPr lang="en-US" smtClean="0"/>
               <a:pPr/>
-              <a:t>16</a:t>
+              <a:t>18</a:t>
             </a:fld>
             <a:endParaRPr lang="en-US"/>
           </a:p>
@@ -2580,7 +2618,7 @@
                 <a:uFillTx/>
                 <a:latin typeface="Comic Sans MS" pitchFamily="66" charset="0"/>
               </a:rPr>
-              <a:t>Albert R Meyer       </a:t>
+              <a:t>Albert R Meyer       October </a:t>
             </a:r>
             <a:r>
               <a:rPr kumimoji="0" lang="en-US" sz="1200" b="0" i="0" u="none" strike="noStrike" kern="1200" cap="none" spc="0" normalizeH="0" baseline="0" noProof="0" dirty="0" smtClean="0">
@@ -2595,7 +2633,7 @@
                 <a:uFillTx/>
                 <a:latin typeface="Comic Sans MS" pitchFamily="66" charset="0"/>
               </a:rPr>
-              <a:t>October 30, </a:t>
+              <a:t>31, </a:t>
             </a:r>
             <a:r>
               <a:rPr kumimoji="0" lang="en-US" sz="1200" b="0" i="0" u="none" strike="noStrike" kern="1200" cap="none" spc="0" normalizeH="0" baseline="0" noProof="0" dirty="0" smtClean="0">
@@ -3625,48 +3663,6 @@
       </p:grpSpPr>
       <p:sp>
         <p:nvSpPr>
-          <p:cNvPr id="2" name="Title 1"/>
-          <p:cNvSpPr>
-            <a:spLocks noGrp="1"/>
-          </p:cNvSpPr>
-          <p:nvPr>
-            <p:ph type="title"/>
-          </p:nvPr>
-        </p:nvSpPr>
-        <p:spPr/>
-        <p:txBody>
-          <a:bodyPr/>
-          <a:lstStyle/>
-          <a:p>
-            <a:r>
-              <a:rPr lang="en-US" dirty="0" smtClean="0"/>
-              <a:t>Gray Edge </a:t>
-            </a:r>
-            <a:r>
-              <a:rPr lang="en-US" dirty="0">
-                <a:solidFill>
-                  <a:srgbClr val="FF00FF"/>
-                </a:solidFill>
-              </a:rPr>
-              <a:t>Swap</a:t>
-            </a:r>
-            <a:r>
-              <a:rPr lang="en-US" dirty="0"/>
-              <a:t> </a:t>
-            </a:r>
-            <a:r>
-              <a:rPr lang="en-US" dirty="0">
-                <a:solidFill>
-                  <a:schemeClr val="tx1"/>
-                </a:solidFill>
-              </a:rPr>
-              <a:t>Lemma</a:t>
-            </a:r>
-          </a:p>
-        </p:txBody>
-      </p:sp>
-      <p:sp>
-        <p:nvSpPr>
           <p:cNvPr id="3" name="Content Placeholder 2"/>
           <p:cNvSpPr>
             <a:spLocks noGrp="1"/>
@@ -3677,8 +3673,8 @@
         </p:nvSpPr>
         <p:spPr>
           <a:xfrm>
-            <a:off x="152400" y="1295400"/>
-            <a:ext cx="8915400" cy="5181600"/>
+            <a:off x="228600" y="1447800"/>
+            <a:ext cx="8686800" cy="4419600"/>
           </a:xfrm>
         </p:spPr>
         <p:txBody>
@@ -3686,93 +3682,50 @@
           <a:lstStyle/>
           <a:p>
             <a:r>
-              <a:rPr lang="en-US" sz="5400" dirty="0" smtClean="0"/>
-              <a:t>Suppose </a:t>
-            </a:r>
-            <a:r>
-              <a:rPr lang="en-US" sz="5400" b="1" i="1" dirty="0" smtClean="0">
-                <a:ln w="12700">
-                  <a:solidFill>
-                    <a:schemeClr val="tx2">
-                      <a:satMod val="155000"/>
-                    </a:schemeClr>
-                  </a:solidFill>
-                  <a:prstDash val="solid"/>
-                </a:ln>
+              <a:rPr lang="en-US" sz="4400" dirty="0" smtClean="0">
                 <a:solidFill>
-                  <a:schemeClr val="bg2">
-                    <a:tint val="85000"/>
-                    <a:satMod val="155000"/>
-                  </a:schemeClr>
+                  <a:srgbClr val="E20000"/>
                 </a:solidFill>
-                <a:effectLst>
-                  <a:outerShdw blurRad="41275" dist="20320" dir="1800000" algn="tl" rotWithShape="0">
-                    <a:srgbClr val="000000">
-                      <a:alpha val="40000"/>
-                    </a:srgbClr>
-                  </a:outerShdw>
-                </a:effectLst>
-                <a:latin typeface="PT Serif"/>
-                <a:cs typeface="PT Serif"/>
               </a:rPr>
-              <a:t>e</a:t>
-            </a:r>
-            <a:r>
-              <a:rPr lang="en-US" sz="5400" dirty="0" smtClean="0"/>
-              <a:t> </a:t>
+              <a:t>Corollary</a:t>
+            </a:r>
+            <a:r>
+              <a:rPr lang="en-US" sz="4400" dirty="0" smtClean="0"/>
+              <a:t>:</a:t>
             </a:r>
             <a:r>
               <a:rPr lang="en-US" sz="5400" dirty="0">
                 <a:solidFill>
-                  <a:srgbClr val="FF0000"/>
+                  <a:srgbClr val="000000"/>
                 </a:solidFill>
               </a:rPr>
-              <a:t>not</a:t>
-            </a:r>
-            <a:r>
-              <a:rPr lang="en-US" sz="5400" dirty="0"/>
-              <a:t> an </a:t>
-            </a:r>
-            <a:r>
-              <a:rPr lang="en-US" sz="5400" dirty="0" smtClean="0"/>
-              <a:t>edge of </a:t>
-            </a:r>
-          </a:p>
-          <a:p>
-            <a:r>
-              <a:rPr lang="en-US" sz="5400" dirty="0" err="1" smtClean="0">
+              <a:t> </a:t>
+            </a:r>
+            <a:r>
+              <a:rPr lang="en-US" sz="5400" dirty="0" smtClean="0">
                 <a:solidFill>
-                  <a:srgbClr val="008000"/>
+                  <a:srgbClr val="000000"/>
                 </a:solidFill>
               </a:rPr>
-              <a:t>css</a:t>
+              <a:t>There is a unique </a:t>
             </a:r>
             <a:r>
               <a:rPr lang="en-US" sz="5400" dirty="0" smtClean="0"/>
-              <a:t> </a:t>
+              <a:t>MST</a:t>
             </a:r>
             <a:r>
               <a:rPr lang="en-US" sz="5400" dirty="0" smtClean="0">
                 <a:solidFill>
-                  <a:srgbClr val="0000E5"/>
+                  <a:srgbClr val="000000"/>
                 </a:solidFill>
               </a:rPr>
-              <a:t>C</a:t>
-            </a:r>
-            <a:r>
-              <a:rPr lang="en-US" sz="5400" dirty="0" smtClean="0"/>
-              <a:t>.</a:t>
-            </a:r>
-            <a:endParaRPr lang="en-US" sz="4400" b="1" dirty="0">
+              <a:t>.  It consists of all min-weight gray edges under black-white colorings.</a:t>
+            </a:r>
+            <a:endParaRPr lang="en-US" sz="6600" dirty="0">
               <a:solidFill>
-                <a:srgbClr val="0000F1"/>
+                <a:srgbClr val="000000"/>
               </a:solidFill>
-              <a:latin typeface="Euclid Symbol" charset="2"/>
-              <a:cs typeface="Euclid Symbol" charset="2"/>
             </a:endParaRPr>
-          </a:p>
-          <a:p>
-            <a:endParaRPr lang="en-US" sz="4800" dirty="0" smtClean="0"/>
           </a:p>
         </p:txBody>
       </p:sp>
@@ -3788,8 +3741,8 @@
         </p:nvSpPr>
         <p:spPr>
           <a:xfrm>
-            <a:off x="8225613" y="6553200"/>
-            <a:ext cx="870764" cy="246221"/>
+            <a:off x="8252698" y="6553200"/>
+            <a:ext cx="891302" cy="246221"/>
           </a:xfrm>
         </p:spPr>
         <p:txBody>
@@ -3814,28 +3767,63 @@
           </a:p>
         </p:txBody>
       </p:sp>
+      <p:sp>
+        <p:nvSpPr>
+          <p:cNvPr id="2" name="Title 1"/>
+          <p:cNvSpPr>
+            <a:spLocks noGrp="1"/>
+          </p:cNvSpPr>
+          <p:nvPr>
+            <p:ph type="title"/>
+          </p:nvPr>
+        </p:nvSpPr>
+        <p:spPr>
+          <a:xfrm>
+            <a:off x="1371600" y="381000"/>
+            <a:ext cx="7772400" cy="1066800"/>
+          </a:xfrm>
+        </p:spPr>
+        <p:txBody>
+          <a:bodyPr/>
+          <a:lstStyle/>
+          <a:p>
+            <a:r>
+              <a:rPr lang="en-US" dirty="0"/>
+              <a:t>m</a:t>
+            </a:r>
+            <a:r>
+              <a:rPr lang="en-US" dirty="0" smtClean="0"/>
+              <a:t>in-weight gray = </a:t>
+            </a:r>
+            <a:r>
+              <a:rPr lang="en-US" dirty="0" smtClean="0">
+                <a:solidFill>
+                  <a:srgbClr val="FF00FF"/>
+                </a:solidFill>
+              </a:rPr>
+              <a:t>MST</a:t>
+            </a:r>
+            <a:endParaRPr lang="en-US" dirty="0">
+              <a:solidFill>
+                <a:srgbClr val="FF00FF"/>
+              </a:solidFill>
+            </a:endParaRPr>
+          </a:p>
+        </p:txBody>
+      </p:sp>
     </p:spTree>
     <p:extLst>
       <p:ext uri="{BB962C8B-B14F-4D97-AF65-F5344CB8AC3E}">
-        <p14:creationId xmlns:p14="http://schemas.microsoft.com/office/powerpoint/2010/main" val="94406148"/>
+        <p14:creationId xmlns:p14="http://schemas.microsoft.com/office/powerpoint/2010/main" val="2036845363"/>
       </p:ext>
     </p:extLst>
   </p:cSld>
   <p:clrMapOvr>
     <a:masterClrMapping/>
   </p:clrMapOvr>
-  <mc:AlternateContent xmlns:mc="http://schemas.openxmlformats.org/markup-compatibility/2006" xmlns:p14="http://schemas.microsoft.com/office/powerpoint/2010/main">
-    <mc:Choice Requires="p14">
-      <p:transition spd="slow" p14:dur="1100" advClick="0">
-        <p:fade thruBlk="1"/>
-      </p:transition>
-    </mc:Choice>
-    <mc:Fallback xmlns="">
-      <p:transition xmlns:p14="http://schemas.microsoft.com/office/powerpoint/2010/main" spd="slow" advClick="0">
-        <p:fade thruBlk="1"/>
-      </p:transition>
-    </mc:Fallback>
-  </mc:AlternateContent>
+  <p:transition xmlns:p14="http://schemas.microsoft.com/office/powerpoint/2010/main" advClick="0">
+    <p:fade/>
+  </p:transition>
   <p:timing>
     <p:tnLst>
       <p:par>
@@ -3848,6 +3836,9 @@
                     <p:cTn id="3" fill="hold">
                       <p:stCondLst>
                         <p:cond delay="indefinite"/>
+                        <p:cond evt="onBegin" delay="0">
+                          <p:tn val="2"/>
+                        </p:cond>
                       </p:stCondLst>
                       <p:childTnLst>
                         <p:par>
@@ -3857,7 +3848,7 @@
                             </p:stCondLst>
                             <p:childTnLst>
                               <p:par>
-                                <p:cTn id="5" presetID="10" presetClass="entr" presetSubtype="0" fill="hold" nodeType="clickEffect">
+                                <p:cTn id="5" presetID="10" presetClass="entr" presetSubtype="0" fill="hold" nodeType="afterEffect">
                                   <p:stCondLst>
                                     <p:cond delay="0"/>
                                   </p:stCondLst>
@@ -3899,15 +3890,348 @@
                                   </p:childTnLst>
                                 </p:cTn>
                               </p:par>
+                            </p:childTnLst>
+                          </p:cTn>
+                        </p:par>
+                      </p:childTnLst>
+                    </p:cTn>
+                  </p:par>
+                  <p:par>
+                    <p:cTn id="8" fill="hold">
+                      <p:stCondLst>
+                        <p:cond delay="indefinite"/>
+                      </p:stCondLst>
+                      <p:childTnLst>
+                        <p:par>
+                          <p:cTn id="9" fill="hold">
+                            <p:stCondLst>
+                              <p:cond delay="0"/>
+                            </p:stCondLst>
+                            <p:childTnLst>
                               <p:par>
-                                <p:cTn id="8" presetID="10" presetClass="entr" presetSubtype="0" fill="hold" nodeType="withEffect">
+                                <p:cTn id="10" presetID="10" presetClass="entr" presetSubtype="0" fill="hold" grpId="0" nodeType="clickEffect">
                                   <p:stCondLst>
                                     <p:cond delay="0"/>
                                   </p:stCondLst>
                                   <p:childTnLst>
                                     <p:set>
                                       <p:cBhvr>
-                                        <p:cTn id="9" dur="1" fill="hold">
+                                        <p:cTn id="11" dur="1" fill="hold">
+                                          <p:stCondLst>
+                                            <p:cond delay="0"/>
+                                          </p:stCondLst>
+                                        </p:cTn>
+                                        <p:tgtEl>
+                                          <p:spTgt spid="2"/>
+                                        </p:tgtEl>
+                                        <p:attrNameLst>
+                                          <p:attrName>style.visibility</p:attrName>
+                                        </p:attrNameLst>
+                                      </p:cBhvr>
+                                      <p:to>
+                                        <p:strVal val="visible"/>
+                                      </p:to>
+                                    </p:set>
+                                    <p:animEffect transition="in" filter="fade">
+                                      <p:cBhvr>
+                                        <p:cTn id="12" dur="500"/>
+                                        <p:tgtEl>
+                                          <p:spTgt spid="2"/>
+                                        </p:tgtEl>
+                                      </p:cBhvr>
+                                    </p:animEffect>
+                                  </p:childTnLst>
+                                </p:cTn>
+                              </p:par>
+                            </p:childTnLst>
+                          </p:cTn>
+                        </p:par>
+                      </p:childTnLst>
+                    </p:cTn>
+                  </p:par>
+                </p:childTnLst>
+              </p:cTn>
+              <p:prevCondLst>
+                <p:cond evt="onPrev" delay="0">
+                  <p:tgtEl>
+                    <p:sldTgt/>
+                  </p:tgtEl>
+                </p:cond>
+              </p:prevCondLst>
+              <p:nextCondLst>
+                <p:cond evt="onNext" delay="0">
+                  <p:tgtEl>
+                    <p:sldTgt/>
+                  </p:tgtEl>
+                </p:cond>
+              </p:nextCondLst>
+            </p:seq>
+          </p:childTnLst>
+        </p:cTn>
+      </p:par>
+    </p:tnLst>
+    <p:bldLst>
+      <p:bldP spid="2" grpId="0"/>
+    </p:bldLst>
+  </p:timing>
+</p:sld>
+</file>
+
+<file path=ppt/slides/slide11.xml><?xml version="1.0" encoding="utf-8"?>
+<p:sld xmlns:a="http://schemas.openxmlformats.org/drawingml/2006/main" xmlns:r="http://schemas.openxmlformats.org/officeDocument/2006/relationships" xmlns:p="http://schemas.openxmlformats.org/presentationml/2006/main">
+  <p:cSld>
+    <p:spTree>
+      <p:nvGrpSpPr>
+        <p:cNvPr id="1" name=""/>
+        <p:cNvGrpSpPr/>
+        <p:nvPr/>
+      </p:nvGrpSpPr>
+      <p:grpSpPr>
+        <a:xfrm>
+          <a:off x="0" y="0"/>
+          <a:ext cx="0" cy="0"/>
+          <a:chOff x="0" y="0"/>
+          <a:chExt cx="0" cy="0"/>
+        </a:xfrm>
+      </p:grpSpPr>
+      <p:sp>
+        <p:nvSpPr>
+          <p:cNvPr id="2" name="Title 1"/>
+          <p:cNvSpPr>
+            <a:spLocks noGrp="1"/>
+          </p:cNvSpPr>
+          <p:nvPr>
+            <p:ph type="title"/>
+          </p:nvPr>
+        </p:nvSpPr>
+        <p:spPr/>
+        <p:txBody>
+          <a:bodyPr/>
+          <a:lstStyle/>
+          <a:p>
+            <a:r>
+              <a:rPr lang="en-US" dirty="0" smtClean="0"/>
+              <a:t>Gray Edge </a:t>
+            </a:r>
+            <a:r>
+              <a:rPr lang="en-US" dirty="0">
+                <a:solidFill>
+                  <a:srgbClr val="FF00FF"/>
+                </a:solidFill>
+              </a:rPr>
+              <a:t>Swap</a:t>
+            </a:r>
+            <a:r>
+              <a:rPr lang="en-US" dirty="0"/>
+              <a:t> </a:t>
+            </a:r>
+            <a:r>
+              <a:rPr lang="en-US" dirty="0">
+                <a:solidFill>
+                  <a:schemeClr val="tx1"/>
+                </a:solidFill>
+              </a:rPr>
+              <a:t>Lemma</a:t>
+            </a:r>
+          </a:p>
+        </p:txBody>
+      </p:sp>
+      <p:sp>
+        <p:nvSpPr>
+          <p:cNvPr id="3" name="Content Placeholder 2"/>
+          <p:cNvSpPr>
+            <a:spLocks noGrp="1"/>
+          </p:cNvSpPr>
+          <p:nvPr>
+            <p:ph idx="1"/>
+          </p:nvPr>
+        </p:nvSpPr>
+        <p:spPr>
+          <a:xfrm>
+            <a:off x="381000" y="1752600"/>
+            <a:ext cx="8458200" cy="3505200"/>
+          </a:xfrm>
+        </p:spPr>
+        <p:txBody>
+          <a:bodyPr/>
+          <a:lstStyle/>
+          <a:p>
+            <a:r>
+              <a:rPr lang="en-US" sz="6600" dirty="0" smtClean="0"/>
+              <a:t>Let </a:t>
+            </a:r>
+            <a:r>
+              <a:rPr lang="en-US" sz="6600" dirty="0" smtClean="0">
+                <a:solidFill>
+                  <a:srgbClr val="0000E5"/>
+                </a:solidFill>
+              </a:rPr>
+              <a:t>C</a:t>
+            </a:r>
+            <a:r>
+              <a:rPr lang="en-US" sz="6600" dirty="0"/>
+              <a:t> </a:t>
+            </a:r>
+            <a:r>
+              <a:rPr lang="en-US" sz="6600" dirty="0" smtClean="0"/>
+              <a:t>be a </a:t>
+            </a:r>
+            <a:r>
+              <a:rPr lang="en-US" sz="6600" dirty="0" smtClean="0">
+                <a:solidFill>
+                  <a:srgbClr val="008000"/>
+                </a:solidFill>
+              </a:rPr>
+              <a:t>connected spanning </a:t>
+            </a:r>
+            <a:r>
+              <a:rPr lang="en-US" sz="6600" dirty="0" err="1" smtClean="0">
+                <a:solidFill>
+                  <a:srgbClr val="008000"/>
+                </a:solidFill>
+              </a:rPr>
+              <a:t>subgraph</a:t>
+            </a:r>
+            <a:r>
+              <a:rPr lang="en-US" sz="6600" dirty="0" smtClean="0">
+                <a:solidFill>
+                  <a:srgbClr val="008000"/>
+                </a:solidFill>
+              </a:rPr>
+              <a:t> </a:t>
+            </a:r>
+            <a:r>
+              <a:rPr lang="en-US" sz="6600" dirty="0" smtClean="0"/>
+              <a:t>(</a:t>
+            </a:r>
+            <a:r>
+              <a:rPr lang="en-US" sz="6600" dirty="0" err="1" smtClean="0">
+                <a:solidFill>
+                  <a:srgbClr val="008000"/>
+                </a:solidFill>
+              </a:rPr>
+              <a:t>css</a:t>
+            </a:r>
+            <a:r>
+              <a:rPr lang="en-US" sz="6600" dirty="0" smtClean="0"/>
+              <a:t>) of </a:t>
+            </a:r>
+            <a:r>
+              <a:rPr lang="en-US" sz="6600" dirty="0" smtClean="0">
+                <a:solidFill>
+                  <a:schemeClr val="accent1">
+                    <a:lumMod val="50000"/>
+                  </a:schemeClr>
+                </a:solidFill>
+              </a:rPr>
+              <a:t>G</a:t>
+            </a:r>
+            <a:r>
+              <a:rPr lang="en-US" sz="6600" dirty="0" smtClean="0"/>
+              <a:t>.</a:t>
+            </a:r>
+            <a:endParaRPr lang="en-US" sz="6600" b="1" dirty="0">
+              <a:solidFill>
+                <a:srgbClr val="0000F1"/>
+              </a:solidFill>
+              <a:latin typeface="Euclid Symbol" charset="2"/>
+              <a:cs typeface="Euclid Symbol" charset="2"/>
+            </a:endParaRPr>
+          </a:p>
+        </p:txBody>
+      </p:sp>
+      <p:sp>
+        <p:nvSpPr>
+          <p:cNvPr id="4" name="Slide Number Placeholder 3"/>
+          <p:cNvSpPr>
+            <a:spLocks noGrp="1"/>
+          </p:cNvSpPr>
+          <p:nvPr>
+            <p:ph type="sldNum" sz="quarter" idx="4"/>
+          </p:nvPr>
+        </p:nvSpPr>
+        <p:spPr>
+          <a:xfrm>
+            <a:off x="8225613" y="6553200"/>
+            <a:ext cx="870764" cy="246221"/>
+          </a:xfrm>
+        </p:spPr>
+        <p:txBody>
+          <a:bodyPr/>
+          <a:lstStyle/>
+          <a:p>
+            <a:pPr>
+              <a:defRPr/>
+            </a:pPr>
+            <a:r>
+              <a:rPr lang="en-US" dirty="0" smtClean="0"/>
+              <a:t>min-gray.</a:t>
+            </a:r>
+            <a:fld id="{D7F2FC53-1536-41A9-A9C1-2199CF803E30}" type="slidenum">
+              <a:rPr lang="en-US" smtClean="0"/>
+              <a:pPr>
+                <a:defRPr/>
+              </a:pPr>
+              <a:t>11</a:t>
+            </a:fld>
+            <a:endParaRPr lang="en-US" dirty="0"/>
+          </a:p>
+        </p:txBody>
+      </p:sp>
+    </p:spTree>
+    <p:extLst>
+      <p:ext uri="{BB962C8B-B14F-4D97-AF65-F5344CB8AC3E}">
+        <p14:creationId xmlns:p14="http://schemas.microsoft.com/office/powerpoint/2010/main" val="94406148"/>
+      </p:ext>
+    </p:extLst>
+  </p:cSld>
+  <p:clrMapOvr>
+    <a:masterClrMapping/>
+  </p:clrMapOvr>
+  <mc:AlternateContent xmlns:mc="http://schemas.openxmlformats.org/markup-compatibility/2006" xmlns:p14="http://schemas.microsoft.com/office/powerpoint/2010/main">
+    <mc:Choice Requires="p14">
+      <p:transition spd="slow" p14:dur="1100" advClick="0">
+        <p:fade thruBlk="1"/>
+      </p:transition>
+    </mc:Choice>
+    <mc:Fallback xmlns="">
+      <p:transition xmlns:p14="http://schemas.microsoft.com/office/powerpoint/2010/main" spd="slow" advClick="0">
+        <p:fade thruBlk="1"/>
+      </p:transition>
+    </mc:Fallback>
+  </mc:AlternateContent>
+  <p:timing>
+    <p:tnLst>
+      <p:par>
+        <p:cTn xmlns:p14="http://schemas.microsoft.com/office/powerpoint/2010/main" id="1" dur="indefinite" restart="never" nodeType="tmRoot">
+          <p:childTnLst>
+            <p:seq concurrent="1" nextAc="seek">
+              <p:cTn id="2" dur="indefinite" nodeType="mainSeq">
+                <p:childTnLst>
+                  <p:par>
+                    <p:cTn id="3" fill="hold">
+                      <p:stCondLst>
+                        <p:cond delay="indefinite"/>
+                        <p:cond evt="onBegin" delay="0">
+                          <p:tn val="2"/>
+                        </p:cond>
+                      </p:stCondLst>
+                      <p:childTnLst>
+                        <p:par>
+                          <p:cTn id="4" fill="hold">
+                            <p:stCondLst>
+                              <p:cond delay="0"/>
+                            </p:stCondLst>
+                            <p:childTnLst>
+                              <p:par>
+                                <p:cTn id="5" presetID="10" presetClass="entr" presetSubtype="0" fill="hold" nodeType="withEffect">
+                                  <p:stCondLst>
+                                    <p:cond delay="0"/>
+                                  </p:stCondLst>
+                                  <p:childTnLst>
+                                    <p:set>
+                                      <p:cBhvr>
+                                        <p:cTn id="6" dur="1" fill="hold">
                                           <p:stCondLst>
                                             <p:cond delay="0"/>
                                           </p:stCondLst>
@@ -3915,7 +4239,7 @@
                                         <p:tgtEl>
                                           <p:spTgt spid="3">
                                             <p:txEl>
-                                              <p:pRg st="1" end="1"/>
+                                              <p:pRg st="0" end="0"/>
                                             </p:txEl>
                                           </p:spTgt>
                                         </p:tgtEl>
@@ -3929,11 +4253,11 @@
                                     </p:set>
                                     <p:animEffect transition="in" filter="fade">
                                       <p:cBhvr>
-                                        <p:cTn id="10" dur="500"/>
+                                        <p:cTn id="7" dur="500"/>
                                         <p:tgtEl>
                                           <p:spTgt spid="3">
                                             <p:txEl>
-                                              <p:pRg st="1" end="1"/>
+                                              <p:pRg st="0" end="0"/>
                                             </p:txEl>
                                           </p:spTgt>
                                         </p:tgtEl>
@@ -3973,7 +4297,247 @@
 </p:sld>
 </file>
 
-<file path=ppt/slides/slide11.xml><?xml version="1.0" encoding="utf-8"?>
+<file path=ppt/slides/slide12.xml><?xml version="1.0" encoding="utf-8"?>
+<p:sld xmlns:a="http://schemas.openxmlformats.org/drawingml/2006/main" xmlns:r="http://schemas.openxmlformats.org/officeDocument/2006/relationships" xmlns:p="http://schemas.openxmlformats.org/presentationml/2006/main">
+  <p:cSld>
+    <p:spTree>
+      <p:nvGrpSpPr>
+        <p:cNvPr id="1" name=""/>
+        <p:cNvGrpSpPr/>
+        <p:nvPr/>
+      </p:nvGrpSpPr>
+      <p:grpSpPr>
+        <a:xfrm>
+          <a:off x="0" y="0"/>
+          <a:ext cx="0" cy="0"/>
+          <a:chOff x="0" y="0"/>
+          <a:chExt cx="0" cy="0"/>
+        </a:xfrm>
+      </p:grpSpPr>
+      <p:sp>
+        <p:nvSpPr>
+          <p:cNvPr id="2" name="Title 1"/>
+          <p:cNvSpPr>
+            <a:spLocks noGrp="1"/>
+          </p:cNvSpPr>
+          <p:nvPr>
+            <p:ph type="title"/>
+          </p:nvPr>
+        </p:nvSpPr>
+        <p:spPr/>
+        <p:txBody>
+          <a:bodyPr/>
+          <a:lstStyle/>
+          <a:p>
+            <a:r>
+              <a:rPr lang="en-US" dirty="0" smtClean="0"/>
+              <a:t>Gray Edge </a:t>
+            </a:r>
+            <a:r>
+              <a:rPr lang="en-US" dirty="0">
+                <a:solidFill>
+                  <a:srgbClr val="FF00FF"/>
+                </a:solidFill>
+              </a:rPr>
+              <a:t>Swap</a:t>
+            </a:r>
+            <a:r>
+              <a:rPr lang="en-US" dirty="0"/>
+              <a:t> </a:t>
+            </a:r>
+            <a:r>
+              <a:rPr lang="en-US" dirty="0">
+                <a:solidFill>
+                  <a:schemeClr val="tx1"/>
+                </a:solidFill>
+              </a:rPr>
+              <a:t>Lemma</a:t>
+            </a:r>
+          </a:p>
+        </p:txBody>
+      </p:sp>
+      <p:sp>
+        <p:nvSpPr>
+          <p:cNvPr id="3" name="Content Placeholder 2"/>
+          <p:cNvSpPr>
+            <a:spLocks noGrp="1"/>
+          </p:cNvSpPr>
+          <p:nvPr>
+            <p:ph idx="1"/>
+          </p:nvPr>
+        </p:nvSpPr>
+        <p:spPr>
+          <a:xfrm>
+            <a:off x="152400" y="1295400"/>
+            <a:ext cx="8915400" cy="5181600"/>
+          </a:xfrm>
+        </p:spPr>
+        <p:txBody>
+          <a:bodyPr/>
+          <a:lstStyle/>
+          <a:p>
+            <a:r>
+              <a:rPr lang="en-US" sz="5400" dirty="0" smtClean="0"/>
+              <a:t>Suppose </a:t>
+            </a:r>
+            <a:r>
+              <a:rPr lang="en-US" sz="5400" b="1" i="1" dirty="0" smtClean="0">
+                <a:ln w="12700">
+                  <a:solidFill>
+                    <a:schemeClr val="tx2">
+                      <a:satMod val="155000"/>
+                    </a:schemeClr>
+                  </a:solidFill>
+                  <a:prstDash val="solid"/>
+                </a:ln>
+                <a:solidFill>
+                  <a:schemeClr val="bg2">
+                    <a:tint val="85000"/>
+                    <a:satMod val="155000"/>
+                  </a:schemeClr>
+                </a:solidFill>
+                <a:effectLst>
+                  <a:outerShdw blurRad="41275" dist="20320" dir="1800000" algn="tl" rotWithShape="0">
+                    <a:srgbClr val="000000">
+                      <a:alpha val="40000"/>
+                    </a:srgbClr>
+                  </a:outerShdw>
+                </a:effectLst>
+                <a:latin typeface="PT Serif"/>
+                <a:cs typeface="PT Serif"/>
+              </a:rPr>
+              <a:t>e</a:t>
+            </a:r>
+            <a:r>
+              <a:rPr lang="en-US" sz="5400" dirty="0" smtClean="0"/>
+              <a:t> </a:t>
+            </a:r>
+            <a:r>
+              <a:rPr lang="en-US" sz="5400" dirty="0">
+                <a:solidFill>
+                  <a:srgbClr val="FF0000"/>
+                </a:solidFill>
+              </a:rPr>
+              <a:t>not</a:t>
+            </a:r>
+            <a:r>
+              <a:rPr lang="en-US" sz="5400" dirty="0"/>
+              <a:t> an </a:t>
+            </a:r>
+            <a:r>
+              <a:rPr lang="en-US" sz="5400" dirty="0" smtClean="0"/>
+              <a:t>edge of </a:t>
+            </a:r>
+          </a:p>
+          <a:p>
+            <a:r>
+              <a:rPr lang="en-US" sz="5400" dirty="0" err="1" smtClean="0">
+                <a:solidFill>
+                  <a:srgbClr val="008000"/>
+                </a:solidFill>
+              </a:rPr>
+              <a:t>css</a:t>
+            </a:r>
+            <a:r>
+              <a:rPr lang="en-US" sz="5400" dirty="0" smtClean="0"/>
+              <a:t> </a:t>
+            </a:r>
+            <a:r>
+              <a:rPr lang="en-US" sz="5400" dirty="0" smtClean="0">
+                <a:solidFill>
+                  <a:srgbClr val="0000E5"/>
+                </a:solidFill>
+              </a:rPr>
+              <a:t>C</a:t>
+            </a:r>
+            <a:r>
+              <a:rPr lang="en-US" sz="5400" dirty="0" smtClean="0"/>
+              <a:t>.</a:t>
+            </a:r>
+            <a:endParaRPr lang="en-US" sz="4400" b="1" dirty="0">
+              <a:solidFill>
+                <a:srgbClr val="0000F1"/>
+              </a:solidFill>
+              <a:latin typeface="Euclid Symbol" charset="2"/>
+              <a:cs typeface="Euclid Symbol" charset="2"/>
+            </a:endParaRPr>
+          </a:p>
+          <a:p>
+            <a:endParaRPr lang="en-US" sz="4800" dirty="0" smtClean="0"/>
+          </a:p>
+        </p:txBody>
+      </p:sp>
+      <p:sp>
+        <p:nvSpPr>
+          <p:cNvPr id="4" name="Slide Number Placeholder 3"/>
+          <p:cNvSpPr>
+            <a:spLocks noGrp="1"/>
+          </p:cNvSpPr>
+          <p:nvPr>
+            <p:ph type="sldNum" sz="quarter" idx="4"/>
+          </p:nvPr>
+        </p:nvSpPr>
+        <p:spPr>
+          <a:xfrm>
+            <a:off x="8225613" y="6553200"/>
+            <a:ext cx="870764" cy="246221"/>
+          </a:xfrm>
+        </p:spPr>
+        <p:txBody>
+          <a:bodyPr/>
+          <a:lstStyle/>
+          <a:p>
+            <a:pPr>
+              <a:defRPr/>
+            </a:pPr>
+            <a:r>
+              <a:rPr lang="en-US" dirty="0" smtClean="0"/>
+              <a:t>min-gray.</a:t>
+            </a:r>
+            <a:fld id="{D7F2FC53-1536-41A9-A9C1-2199CF803E30}" type="slidenum">
+              <a:rPr lang="en-US" smtClean="0"/>
+              <a:pPr>
+                <a:defRPr/>
+              </a:pPr>
+              <a:t>12</a:t>
+            </a:fld>
+            <a:endParaRPr lang="en-US" dirty="0"/>
+          </a:p>
+        </p:txBody>
+      </p:sp>
+    </p:spTree>
+    <p:extLst>
+      <p:ext uri="{BB962C8B-B14F-4D97-AF65-F5344CB8AC3E}">
+        <p14:creationId xmlns:p14="http://schemas.microsoft.com/office/powerpoint/2010/main" val="2617238249"/>
+      </p:ext>
+    </p:extLst>
+  </p:cSld>
+  <p:clrMapOvr>
+    <a:masterClrMapping/>
+  </p:clrMapOvr>
+  <mc:AlternateContent xmlns:mc="http://schemas.openxmlformats.org/markup-compatibility/2006">
+    <mc:Choice xmlns:p14="http://schemas.microsoft.com/office/powerpoint/2010/main" Requires="p14">
+      <p:transition spd="slow" p14:dur="800" advClick="0">
+        <p:fade/>
+      </p:transition>
+    </mc:Choice>
+    <mc:Fallback>
+      <p:transition xmlns:p14="http://schemas.microsoft.com/office/powerpoint/2010/main" spd="slow" advClick="0">
+        <p:fade/>
+      </p:transition>
+    </mc:Fallback>
+  </mc:AlternateContent>
+  <p:timing>
+    <p:tnLst>
+      <p:par>
+        <p:cTn xmlns:p14="http://schemas.microsoft.com/office/powerpoint/2010/main" id="1" dur="indefinite" restart="never" nodeType="tmRoot"/>
+      </p:par>
+    </p:tnLst>
+  </p:timing>
+</p:sld>
+</file>
+
+<file path=ppt/slides/slide13.xml><?xml version="1.0" encoding="utf-8"?>
 <p:sld xmlns:a="http://schemas.openxmlformats.org/drawingml/2006/main" xmlns:r="http://schemas.openxmlformats.org/officeDocument/2006/relationships" xmlns:p="http://schemas.openxmlformats.org/presentationml/2006/main">
   <p:cSld>
     <p:spTree>
@@ -3999,7 +4563,7 @@
         <p:spPr>
           <a:xfrm>
             <a:off x="152400" y="2286000"/>
-            <a:ext cx="8610600" cy="4495800"/>
+            <a:ext cx="8610600" cy="4407360"/>
           </a:xfrm>
           <a:prstGeom prst="rect">
             <a:avLst/>
@@ -4033,7 +4597,16 @@
                 </a:solidFill>
                 <a:latin typeface="Comic Sans MS"/>
               </a:rPr>
-              <a:t>there is edge </a:t>
+              <a:t>there is </a:t>
+            </a:r>
+            <a:r>
+              <a:rPr lang="en-US" sz="5400" kern="0" dirty="0" smtClean="0">
+                <a:solidFill>
+                  <a:srgbClr val="000000"/>
+                </a:solidFill>
+                <a:latin typeface="Comic Sans MS"/>
+              </a:rPr>
+              <a:t>an</a:t>
             </a:r>
           </a:p>
           <a:p>
@@ -4043,7 +4616,25 @@
               </a:spcBef>
             </a:pPr>
             <a:r>
-              <a:rPr lang="en-US" sz="4800" kern="0" dirty="0">
+              <a:rPr lang="en-US" sz="5400" kern="0" dirty="0">
+                <a:solidFill>
+                  <a:srgbClr val="000000"/>
+                </a:solidFill>
+                <a:latin typeface="Comic Sans MS"/>
+              </a:rPr>
+              <a:t>e</a:t>
+            </a:r>
+            <a:r>
+              <a:rPr lang="en-US" sz="5400" kern="0" dirty="0" smtClean="0">
+                <a:solidFill>
+                  <a:srgbClr val="000000"/>
+                </a:solidFill>
+                <a:latin typeface="Comic Sans MS"/>
+              </a:rPr>
+              <a:t>dge </a:t>
+            </a:r>
+            <a:r>
+              <a:rPr lang="en-US" sz="4800" kern="0" dirty="0" smtClean="0">
                 <a:solidFill>
                   <a:srgbClr val="CCCCFF">
                     <a:lumMod val="50000"/>
@@ -4054,13 +4645,22 @@
               <a:t>g</a:t>
             </a:r>
             <a:r>
+              <a:rPr lang="en-US" sz="5400" kern="0" dirty="0" smtClean="0">
+                <a:solidFill>
+                  <a:srgbClr val="000000"/>
+                </a:solidFill>
+                <a:latin typeface="Comic Sans MS"/>
+              </a:rPr>
+              <a:t> </a:t>
+            </a:r>
+            <a:r>
               <a:rPr lang="en-US" sz="5400" kern="0" dirty="0">
                 <a:solidFill>
                   <a:srgbClr val="000000"/>
                 </a:solidFill>
                 <a:latin typeface="Comic Sans MS"/>
               </a:rPr>
-              <a:t> of </a:t>
+              <a:t>of </a:t>
             </a:r>
             <a:r>
               <a:rPr lang="en-US" sz="4800" kern="0" dirty="0">
@@ -4439,7 +5039,7 @@
               <a:pPr>
                 <a:defRPr/>
               </a:pPr>
-              <a:t>11</a:t>
+              <a:t>13</a:t>
             </a:fld>
             <a:endParaRPr lang="en-US" dirty="0"/>
           </a:p>
@@ -4467,7 +5067,7 @@
           <a:graphicData uri="http://schemas.openxmlformats.org/presentationml/2006/ole">
             <mc:AlternateContent xmlns:mc="http://schemas.openxmlformats.org/markup-compatibility/2006">
               <mc:Choice xmlns:v="urn:schemas-microsoft-com:vml" Requires="v">
-                <p:oleObj spid="_x0000_s1048" name="Equation" r:id="rId3" imgW="635000" imgH="228600" progId="Equation.DSMT4">
+                <p:oleObj spid="_x0000_s1053" name="Equation" r:id="rId3" imgW="635000" imgH="228600" progId="Equation.DSMT4">
                   <p:embed/>
                 </p:oleObj>
               </mc:Choice>
@@ -4653,7 +5253,7 @@
 </p:sld>
 </file>
 
-<file path=ppt/slides/slide12.xml><?xml version="1.0" encoding="utf-8"?>
+<file path=ppt/slides/slide14.xml><?xml version="1.0" encoding="utf-8"?>
 <p:sld xmlns:a="http://schemas.openxmlformats.org/drawingml/2006/main" xmlns:r="http://schemas.openxmlformats.org/officeDocument/2006/relationships" xmlns:p="http://schemas.openxmlformats.org/presentationml/2006/main">
   <p:cSld>
     <p:spTree>
@@ -4691,19 +5291,12 @@
           <a:lstStyle/>
           <a:p>
             <a:r>
-              <a:rPr lang="en-US" sz="5400" dirty="0" smtClean="0">
-                <a:solidFill>
-                  <a:srgbClr val="FF00FF"/>
-                </a:solidFill>
+              <a:rPr lang="en-US" sz="5700" dirty="0" smtClean="0">
+                <a:latin typeface="Comic Sans MS"/>
+                <a:cs typeface="Comic Sans MS"/>
               </a:rPr>
-              <a:t>Swap</a:t>
-            </a:r>
-            <a:r>
-              <a:rPr lang="en-US" sz="5400" dirty="0" smtClean="0"/>
-              <a:t> Lemma implies:</a:t>
-            </a:r>
-          </a:p>
-          <a:p>
+              <a:t>So</a:t>
+            </a:r>
             <a:r>
               <a:rPr lang="en-US" sz="5700" dirty="0" smtClean="0">
                 <a:solidFill>
@@ -4712,7 +5305,17 @@
                 <a:latin typeface="Comic Sans MS"/>
                 <a:cs typeface="Comic Sans MS"/>
               </a:rPr>
-              <a:t>   C </a:t>
+              <a:t> </a:t>
+            </a:r>
+            <a:r>
+              <a:rPr lang="en-US" sz="5700" dirty="0" smtClean="0">
+                <a:solidFill>
+                  <a:srgbClr val="0000F1"/>
+                </a:solidFill>
+                <a:latin typeface="Comic Sans MS"/>
+                <a:cs typeface="Comic Sans MS"/>
+              </a:rPr>
+              <a:t>C </a:t>
             </a:r>
             <a:r>
               <a:rPr lang="en-US" sz="5700" dirty="0" smtClean="0">
@@ -4817,7 +5420,7 @@
               <a:pPr>
                 <a:defRPr/>
               </a:pPr>
-              <a:t>12</a:t>
+              <a:t>14</a:t>
             </a:fld>
             <a:endParaRPr lang="en-US" dirty="0"/>
           </a:p>
@@ -4832,20 +5435,20 @@
           <p:nvPr>
             <p:extLst>
               <p:ext uri="{D42A27DB-BD31-4B8C-83A1-F6EECF244321}">
-                <p14:modId xmlns:p14="http://schemas.microsoft.com/office/powerpoint/2010/main" val="539617770"/>
+                <p14:modId xmlns:p14="http://schemas.microsoft.com/office/powerpoint/2010/main" val="2489798119"/>
               </p:ext>
             </p:extLst>
           </p:nvPr>
         </p:nvGraphicFramePr>
         <p:xfrm>
-          <a:off x="3200400" y="3410335"/>
+          <a:off x="3200400" y="2438400"/>
           <a:ext cx="3362325" cy="1209675"/>
         </p:xfrm>
         <a:graphic>
           <a:graphicData uri="http://schemas.openxmlformats.org/presentationml/2006/ole">
             <mc:AlternateContent xmlns:mc="http://schemas.openxmlformats.org/markup-compatibility/2006">
               <mc:Choice xmlns:v="urn:schemas-microsoft-com:vml" Requires="v">
-                <p:oleObj spid="_x0000_s48165" name="Equation" r:id="rId3" imgW="635000" imgH="228600" progId="Equation.DSMT4">
+                <p:oleObj spid="_x0000_s48170" name="Equation" r:id="rId3" imgW="635000" imgH="228600" progId="Equation.DSMT4">
                   <p:embed/>
                 </p:oleObj>
               </mc:Choice>
@@ -4866,7 +5469,7 @@
                     </p:blipFill>
                     <p:spPr>
                       <a:xfrm>
-                        <a:off x="3200400" y="3410335"/>
+                        <a:off x="3200400" y="2438400"/>
                         <a:ext cx="3362325" cy="1209675"/>
                       </a:xfrm>
                       <a:prstGeom prst="rect">
@@ -4882,7 +5485,7 @@
       </p:graphicFrame>
       <p:sp>
         <p:nvSpPr>
-          <p:cNvPr id="8" name="Title 1"/>
+          <p:cNvPr id="7" name="Title 1"/>
           <p:cNvSpPr>
             <a:spLocks noGrp="1"/>
           </p:cNvSpPr>
@@ -4892,8 +5495,8 @@
         </p:nvSpPr>
         <p:spPr>
           <a:xfrm>
-            <a:off x="1219200" y="152400"/>
-            <a:ext cx="7848600" cy="1371600"/>
+            <a:off x="1524000" y="304800"/>
+            <a:ext cx="7086600" cy="990600"/>
           </a:xfrm>
         </p:spPr>
         <p:txBody>
@@ -4901,38 +5504,25 @@
           <a:lstStyle/>
           <a:p>
             <a:r>
-              <a:rPr lang="en-US" dirty="0" smtClean="0">
+              <a:rPr lang="en-US" dirty="0" smtClean="0"/>
+              <a:t>Gray Edge </a:t>
+            </a:r>
+            <a:r>
+              <a:rPr lang="en-US" dirty="0">
                 <a:solidFill>
-                  <a:schemeClr val="tx1"/>
+                  <a:srgbClr val="FF00FF"/>
                 </a:solidFill>
               </a:rPr>
-              <a:t>M</a:t>
-            </a:r>
-            <a:r>
-              <a:rPr lang="en-US" dirty="0" smtClean="0"/>
-              <a:t>in </a:t>
-            </a:r>
-            <a:r>
-              <a:rPr lang="en-US" dirty="0"/>
-              <a:t>G</a:t>
-            </a:r>
-            <a:r>
-              <a:rPr lang="en-US" dirty="0" smtClean="0"/>
-              <a:t>ray Edge </a:t>
-            </a:r>
-            <a:r>
-              <a:rPr lang="en-US" dirty="0" smtClean="0">
+              <a:t>Swap </a:t>
+            </a:r>
+            <a:r>
+              <a:rPr lang="en-US" dirty="0">
                 <a:solidFill>
-                  <a:srgbClr val="008000"/>
+                  <a:srgbClr val="000000"/>
                 </a:solidFill>
               </a:rPr>
-              <a:t>Necessary</a:t>
-            </a:r>
-            <a:r>
-              <a:rPr lang="en-US" dirty="0" smtClean="0"/>
-              <a:t> </a:t>
-            </a:r>
-            <a:endParaRPr lang="en-US" dirty="0"/>
+              <a:t>Lemma</a:t>
+            </a:r>
           </a:p>
         </p:txBody>
       </p:sp>
@@ -4994,7 +5584,7 @@
                                         <p:tgtEl>
                                           <p:spTgt spid="3">
                                             <p:txEl>
-                                              <p:pRg st="1" end="1"/>
+                                              <p:pRg st="0" end="0"/>
                                             </p:txEl>
                                           </p:spTgt>
                                         </p:tgtEl>
@@ -5012,7 +5602,7 @@
                                         <p:tgtEl>
                                           <p:spTgt spid="3">
                                             <p:txEl>
-                                              <p:pRg st="1" end="1"/>
+                                              <p:pRg st="0" end="0"/>
                                             </p:txEl>
                                           </p:spTgt>
                                         </p:tgtEl>
@@ -5055,7 +5645,7 @@
                                         <p:tgtEl>
                                           <p:spTgt spid="3">
                                             <p:txEl>
-                                              <p:pRg st="2" end="2"/>
+                                              <p:pRg st="1" end="1"/>
                                             </p:txEl>
                                           </p:spTgt>
                                         </p:tgtEl>
@@ -5073,7 +5663,7 @@
                                         <p:tgtEl>
                                           <p:spTgt spid="3">
                                             <p:txEl>
-                                              <p:pRg st="2" end="2"/>
+                                              <p:pRg st="1" end="1"/>
                                             </p:txEl>
                                           </p:spTgt>
                                         </p:tgtEl>
@@ -5133,7 +5723,7 @@
                                         <p:tgtEl>
                                           <p:spTgt spid="3">
                                             <p:txEl>
-                                              <p:pRg st="3" end="3"/>
+                                              <p:pRg st="2" end="2"/>
                                             </p:txEl>
                                           </p:spTgt>
                                         </p:tgtEl>
@@ -5151,7 +5741,7 @@
                                         <p:tgtEl>
                                           <p:spTgt spid="3">
                                             <p:txEl>
-                                              <p:pRg st="3" end="3"/>
+                                              <p:pRg st="2" end="2"/>
                                             </p:txEl>
                                           </p:spTgt>
                                         </p:tgtEl>
@@ -5191,7 +5781,7 @@
 </p:sld>
 </file>
 
-<file path=ppt/slides/slide13.xml><?xml version="1.0" encoding="utf-8"?>
+<file path=ppt/slides/slide15.xml><?xml version="1.0" encoding="utf-8"?>
 <p:sld xmlns:a="http://schemas.openxmlformats.org/drawingml/2006/main" xmlns:r="http://schemas.openxmlformats.org/officeDocument/2006/relationships" xmlns:p="http://schemas.openxmlformats.org/presentationml/2006/main">
   <p:cSld>
     <p:spTree>
@@ -5220,8 +5810,8 @@
         </p:nvSpPr>
         <p:spPr>
           <a:xfrm>
-            <a:off x="152400" y="1447800"/>
-            <a:ext cx="8915400" cy="4953000"/>
+            <a:off x="457200" y="1600200"/>
+            <a:ext cx="8229600" cy="3733800"/>
           </a:xfrm>
         </p:spPr>
         <p:txBody>
@@ -5229,86 +5819,7 @@
           <a:lstStyle/>
           <a:p>
             <a:r>
-              <a:rPr lang="en-US" sz="5400" dirty="0" smtClean="0">
-                <a:solidFill>
-                  <a:srgbClr val="FF00FF"/>
-                </a:solidFill>
-              </a:rPr>
-              <a:t>Swap</a:t>
-            </a:r>
-            <a:r>
-              <a:rPr lang="en-US" sz="5400" dirty="0" smtClean="0"/>
-              <a:t> Lemma implies:</a:t>
-            </a:r>
-          </a:p>
-          <a:p>
-            <a:r>
-              <a:rPr lang="en-US" sz="5700" dirty="0" smtClean="0">
-                <a:solidFill>
-                  <a:srgbClr val="0000F1"/>
-                </a:solidFill>
-                <a:latin typeface="Comic Sans MS"/>
-                <a:cs typeface="Comic Sans MS"/>
-              </a:rPr>
-              <a:t>   C </a:t>
-            </a:r>
-            <a:r>
-              <a:rPr lang="en-US" sz="5700" dirty="0" smtClean="0">
-                <a:solidFill>
-                  <a:srgbClr val="000000"/>
-                </a:solidFill>
-                <a:latin typeface="Comic Sans MS"/>
-                <a:cs typeface="Comic Sans MS"/>
-              </a:rPr>
-              <a:t>is</a:t>
-            </a:r>
-            <a:r>
-              <a:rPr lang="en-US" sz="5700" dirty="0" smtClean="0">
-                <a:solidFill>
-                  <a:srgbClr val="0000F1"/>
-                </a:solidFill>
-                <a:latin typeface="Comic Sans MS"/>
-                <a:cs typeface="Comic Sans MS"/>
-              </a:rPr>
-              <a:t> </a:t>
-            </a:r>
-            <a:r>
-              <a:rPr lang="en-US" sz="5700" dirty="0" smtClean="0">
-                <a:solidFill>
-                  <a:schemeClr val="tx1">
-                    <a:lumMod val="95000"/>
-                    <a:lumOff val="5000"/>
-                  </a:schemeClr>
-                </a:solidFill>
-                <a:latin typeface="Comic Sans MS"/>
-                <a:cs typeface="Comic Sans MS"/>
-              </a:rPr>
-              <a:t>not minimum </a:t>
-            </a:r>
-            <a:r>
-              <a:rPr lang="en-US" sz="5700" dirty="0" err="1" smtClean="0">
-                <a:solidFill>
-                  <a:srgbClr val="008000"/>
-                </a:solidFill>
-                <a:latin typeface="Comic Sans MS"/>
-                <a:cs typeface="Comic Sans MS"/>
-              </a:rPr>
-              <a:t>css</a:t>
-            </a:r>
-            <a:r>
-              <a:rPr lang="en-US" sz="5700" dirty="0" smtClean="0">
-                <a:solidFill>
-                  <a:srgbClr val="000000"/>
-                </a:solidFill>
-                <a:latin typeface="Comic Sans MS"/>
-                <a:cs typeface="Comic Sans MS"/>
-              </a:rPr>
-              <a:t>.</a:t>
-            </a:r>
-          </a:p>
-          <a:p>
-            <a:r>
-              <a:rPr lang="en-US" sz="5700" dirty="0" smtClean="0">
+              <a:rPr lang="en-US" sz="7200" dirty="0" smtClean="0">
                 <a:solidFill>
                   <a:srgbClr val="000000"/>
                 </a:solidFill>
@@ -5318,7 +5829,7 @@
               <a:t>So </a:t>
             </a:r>
             <a:r>
-              <a:rPr lang="en-US" sz="6000" b="1" i="1" dirty="0" smtClean="0">
+              <a:rPr lang="en-US" sz="8000" b="1" i="1" dirty="0" smtClean="0">
                 <a:ln w="12700">
                   <a:solidFill>
                     <a:schemeClr val="tx2">
@@ -5346,67 +5857,46 @@
               <a:t>e </a:t>
             </a:r>
             <a:r>
-              <a:rPr lang="en-US" sz="5400" dirty="0"/>
-              <a:t>must be in </a:t>
-            </a:r>
-            <a:r>
-              <a:rPr lang="en-US" sz="5400" dirty="0" smtClean="0"/>
-              <a:t>MST.</a:t>
-            </a:r>
-          </a:p>
-          <a:p>
-            <a:r>
-              <a:rPr lang="en-US" sz="5400" dirty="0" smtClean="0"/>
-              <a:t>That is, </a:t>
-            </a:r>
-            <a:r>
-              <a:rPr lang="en-US" sz="5400" b="1" i="1" dirty="0">
-                <a:ln w="12700">
-                  <a:solidFill>
-                    <a:schemeClr val="tx2">
-                      <a:satMod val="155000"/>
-                    </a:schemeClr>
-                  </a:solidFill>
-                  <a:prstDash val="solid"/>
-                </a:ln>
-                <a:solidFill>
-                  <a:schemeClr val="bg2">
-                    <a:tint val="85000"/>
-                    <a:satMod val="155000"/>
-                  </a:schemeClr>
-                </a:solidFill>
-                <a:effectLst>
-                  <a:outerShdw blurRad="41275" dist="20320" dir="1800000" algn="tl" rotWithShape="0">
-                    <a:srgbClr val="000000">
-                      <a:alpha val="40000"/>
-                    </a:srgbClr>
-                  </a:outerShdw>
-                </a:effectLst>
-                <a:latin typeface="PT Serif"/>
-                <a:cs typeface="PT Serif"/>
-              </a:rPr>
-              <a:t>e </a:t>
-            </a:r>
-            <a:r>
-              <a:rPr lang="en-US" sz="5400" dirty="0"/>
+              <a:rPr lang="en-US" sz="7200" dirty="0" smtClean="0"/>
               <a:t>is</a:t>
             </a:r>
             <a:r>
-              <a:rPr lang="en-US" sz="5400" dirty="0" smtClean="0"/>
+              <a:rPr lang="en-US" sz="7200" dirty="0" smtClean="0"/>
               <a:t> </a:t>
             </a:r>
             <a:r>
-              <a:rPr lang="en-US" sz="5400" dirty="0" smtClean="0">
+              <a:rPr lang="en-US" sz="7200" dirty="0" smtClean="0">
                 <a:solidFill>
                   <a:srgbClr val="008000"/>
                 </a:solidFill>
               </a:rPr>
-              <a:t>necessary</a:t>
-            </a:r>
-            <a:r>
-              <a:rPr lang="en-US" sz="5400" dirty="0" smtClean="0"/>
+              <a:t>necessarily </a:t>
+            </a:r>
+            <a:r>
+              <a:rPr lang="en-US" sz="7200" dirty="0" smtClean="0"/>
+              <a:t>in any min-weight </a:t>
+            </a:r>
+            <a:r>
+              <a:rPr lang="en-US" sz="7200" dirty="0" err="1" smtClean="0">
+                <a:solidFill>
+                  <a:srgbClr val="008000"/>
+                </a:solidFill>
+              </a:rPr>
+              <a:t>css</a:t>
+            </a:r>
+            <a:r>
+              <a:rPr lang="en-US" sz="7200" dirty="0" smtClean="0">
+                <a:solidFill>
+                  <a:srgbClr val="008000"/>
+                </a:solidFill>
+              </a:rPr>
               <a:t>.</a:t>
             </a:r>
+            <a:endParaRPr lang="en-US" sz="7200" dirty="0" smtClean="0">
+              <a:solidFill>
+                <a:srgbClr val="008000"/>
+              </a:solidFill>
+            </a:endParaRPr>
           </a:p>
         </p:txBody>
       </p:sp>
@@ -5442,7 +5932,7 @@
               <a:pPr>
                 <a:defRPr/>
               </a:pPr>
-              <a:t>13</a:t>
+              <a:t>15</a:t>
             </a:fld>
             <a:endParaRPr lang="en-US" dirty="0"/>
           </a:p>
@@ -5529,98 +6019,14 @@
   <p:timing>
     <p:tnLst>
       <p:par>
-        <p:cTn xmlns:p14="http://schemas.microsoft.com/office/powerpoint/2010/main" id="1" dur="indefinite" restart="never" nodeType="tmRoot">
-          <p:childTnLst>
-            <p:seq concurrent="1" nextAc="seek">
-              <p:cTn id="2" dur="indefinite" nodeType="mainSeq">
-                <p:childTnLst>
-                  <p:par>
-                    <p:cTn id="3" fill="hold">
-                      <p:stCondLst>
-                        <p:cond delay="indefinite"/>
-                      </p:stCondLst>
-                      <p:childTnLst>
-                        <p:par>
-                          <p:cTn id="4" fill="hold">
-                            <p:stCondLst>
-                              <p:cond delay="0"/>
-                            </p:stCondLst>
-                            <p:childTnLst>
-                              <p:par>
-                                <p:cTn id="5" presetID="10" presetClass="entr" presetSubtype="0" fill="hold" nodeType="clickEffect">
-                                  <p:stCondLst>
-                                    <p:cond delay="0"/>
-                                  </p:stCondLst>
-                                  <p:childTnLst>
-                                    <p:set>
-                                      <p:cBhvr>
-                                        <p:cTn id="6" dur="1" fill="hold">
-                                          <p:stCondLst>
-                                            <p:cond delay="0"/>
-                                          </p:stCondLst>
-                                        </p:cTn>
-                                        <p:tgtEl>
-                                          <p:spTgt spid="3">
-                                            <p:txEl>
-                                              <p:pRg st="3" end="3"/>
-                                            </p:txEl>
-                                          </p:spTgt>
-                                        </p:tgtEl>
-                                        <p:attrNameLst>
-                                          <p:attrName>style.visibility</p:attrName>
-                                        </p:attrNameLst>
-                                      </p:cBhvr>
-                                      <p:to>
-                                        <p:strVal val="visible"/>
-                                      </p:to>
-                                    </p:set>
-                                    <p:animEffect transition="in" filter="fade">
-                                      <p:cBhvr>
-                                        <p:cTn id="7" dur="500"/>
-                                        <p:tgtEl>
-                                          <p:spTgt spid="3">
-                                            <p:txEl>
-                                              <p:pRg st="3" end="3"/>
-                                            </p:txEl>
-                                          </p:spTgt>
-                                        </p:tgtEl>
-                                      </p:cBhvr>
-                                    </p:animEffect>
-                                  </p:childTnLst>
-                                </p:cTn>
-                              </p:par>
-                            </p:childTnLst>
-                          </p:cTn>
-                        </p:par>
-                      </p:childTnLst>
-                    </p:cTn>
-                  </p:par>
-                </p:childTnLst>
-              </p:cTn>
-              <p:prevCondLst>
-                <p:cond evt="onPrev" delay="0">
-                  <p:tgtEl>
-                    <p:sldTgt/>
-                  </p:tgtEl>
-                </p:cond>
-              </p:prevCondLst>
-              <p:nextCondLst>
-                <p:cond evt="onNext" delay="0">
-                  <p:tgtEl>
-                    <p:sldTgt/>
-                  </p:tgtEl>
-                </p:cond>
-              </p:nextCondLst>
-            </p:seq>
-          </p:childTnLst>
-        </p:cTn>
+        <p:cTn xmlns:p14="http://schemas.microsoft.com/office/powerpoint/2010/main" id="1" dur="indefinite" restart="never" nodeType="tmRoot"/>
       </p:par>
     </p:tnLst>
   </p:timing>
 </p:sld>
 </file>
 
-<file path=ppt/slides/slide14.xml><?xml version="1.0" encoding="utf-8"?>
+<file path=ppt/slides/slide16.xml><?xml version="1.0" encoding="utf-8"?>
 <p:sld xmlns:a="http://schemas.openxmlformats.org/drawingml/2006/main" xmlns:r="http://schemas.openxmlformats.org/officeDocument/2006/relationships" xmlns:p="http://schemas.openxmlformats.org/presentationml/2006/main">
   <p:cSld>
     <p:spTree>
@@ -5725,7 +6131,7 @@
               <a:pPr>
                 <a:defRPr/>
               </a:pPr>
-              <a:t>14</a:t>
+              <a:t>16</a:t>
             </a:fld>
             <a:endParaRPr lang="en-US" dirty="0"/>
           </a:p>
@@ -5793,7 +6199,7 @@
           <a:graphicData uri="http://schemas.openxmlformats.org/presentationml/2006/ole">
             <mc:AlternateContent xmlns:mc="http://schemas.openxmlformats.org/markup-compatibility/2006">
               <mc:Choice xmlns:v="urn:schemas-microsoft-com:vml" Requires="v">
-                <p:oleObj spid="_x0000_s41016" name="Equation" r:id="rId3" imgW="1117600" imgH="152400" progId="Equation.DSMT4">
+                <p:oleObj spid="_x0000_s41023" name="Equation" r:id="rId3" imgW="1117600" imgH="152400" progId="Equation.DSMT4">
                   <p:embed/>
                 </p:oleObj>
               </mc:Choice>
@@ -5850,7 +6256,7 @@
           <a:graphicData uri="http://schemas.openxmlformats.org/presentationml/2006/ole">
             <mc:AlternateContent xmlns:mc="http://schemas.openxmlformats.org/markup-compatibility/2006">
               <mc:Choice xmlns:v="urn:schemas-microsoft-com:vml" Requires="v">
-                <p:oleObj spid="_x0000_s41017" name="Equation" r:id="rId5" imgW="889000" imgH="228600" progId="Equation.DSMT4">
+                <p:oleObj spid="_x0000_s41024" name="Equation" r:id="rId5" imgW="889000" imgH="228600" progId="Equation.DSMT4">
                   <p:embed/>
                 </p:oleObj>
               </mc:Choice>
@@ -6097,7 +6503,7 @@
 </p:sld>
 </file>
 
-<file path=ppt/slides/slide15.xml><?xml version="1.0" encoding="utf-8"?>
+<file path=ppt/slides/slide17.xml><?xml version="1.0" encoding="utf-8"?>
 <p:sld xmlns:a="http://schemas.openxmlformats.org/drawingml/2006/main" xmlns:r="http://schemas.openxmlformats.org/officeDocument/2006/relationships" xmlns:p="http://schemas.openxmlformats.org/presentationml/2006/main">
   <p:cSld>
     <p:spTree>
@@ -6656,7 +7062,7 @@
               <a:pPr>
                 <a:defRPr/>
               </a:pPr>
-              <a:t>15</a:t>
+              <a:t>17</a:t>
             </a:fld>
             <a:endParaRPr lang="en-US" dirty="0"/>
           </a:p>
@@ -8519,7 +8925,7 @@
 </p:sld>
 </file>
 
-<file path=ppt/slides/slide16.xml><?xml version="1.0" encoding="utf-8"?>
+<file path=ppt/slides/slide18.xml><?xml version="1.0" encoding="utf-8"?>
 <p:sld xmlns:a="http://schemas.openxmlformats.org/drawingml/2006/main" xmlns:r="http://schemas.openxmlformats.org/officeDocument/2006/relationships" xmlns:p="http://schemas.openxmlformats.org/presentationml/2006/main">
   <p:cSld>
     <p:spTree>
@@ -9078,7 +9484,7 @@
               <a:pPr>
                 <a:defRPr/>
               </a:pPr>
-              <a:t>16</a:t>
+              <a:t>18</a:t>
             </a:fld>
             <a:endParaRPr lang="en-US" dirty="0"/>
           </a:p>
@@ -10686,7 +11092,7 @@
 </p:sld>
 </file>
 
-<file path=ppt/slides/slide17.xml><?xml version="1.0" encoding="utf-8"?>
+<file path=ppt/slides/slide19.xml><?xml version="1.0" encoding="utf-8"?>
 <p:sld xmlns:a="http://schemas.openxmlformats.org/drawingml/2006/main" xmlns:r="http://schemas.openxmlformats.org/officeDocument/2006/relationships" xmlns:p="http://schemas.openxmlformats.org/presentationml/2006/main">
   <p:cSld>
     <p:spTree>
@@ -12246,7 +12652,7 @@
               <a:pPr>
                 <a:defRPr/>
               </a:pPr>
-              <a:t>17</a:t>
+              <a:t>19</a:t>
             </a:fld>
             <a:endParaRPr lang="en-US" dirty="0"/>
           </a:p>
@@ -13194,7 +13600,358 @@
 </p:sld>
 </file>
 
-<file path=ppt/slides/slide18.xml><?xml version="1.0" encoding="utf-8"?>
+<file path=ppt/slides/slide2.xml><?xml version="1.0" encoding="utf-8"?>
+<p:sld xmlns:a="http://schemas.openxmlformats.org/drawingml/2006/main" xmlns:r="http://schemas.openxmlformats.org/officeDocument/2006/relationships" xmlns:p="http://schemas.openxmlformats.org/presentationml/2006/main">
+  <p:cSld>
+    <p:spTree>
+      <p:nvGrpSpPr>
+        <p:cNvPr id="1" name=""/>
+        <p:cNvGrpSpPr/>
+        <p:nvPr/>
+      </p:nvGrpSpPr>
+      <p:grpSpPr>
+        <a:xfrm>
+          <a:off x="0" y="0"/>
+          <a:ext cx="0" cy="0"/>
+          <a:chOff x="0" y="0"/>
+          <a:chExt cx="0" cy="0"/>
+        </a:xfrm>
+      </p:grpSpPr>
+      <p:sp>
+        <p:nvSpPr>
+          <p:cNvPr id="2" name="Title 1"/>
+          <p:cNvSpPr>
+            <a:spLocks noGrp="1"/>
+          </p:cNvSpPr>
+          <p:nvPr>
+            <p:ph type="title"/>
+          </p:nvPr>
+        </p:nvSpPr>
+        <p:spPr/>
+        <p:txBody>
+          <a:bodyPr/>
+          <a:lstStyle/>
+          <a:p>
+            <a:r>
+              <a:rPr lang="en-US" dirty="0" smtClean="0"/>
+              <a:t>Connected Graph </a:t>
+            </a:r>
+            <a:r>
+              <a:rPr lang="en-US" dirty="0" smtClean="0">
+                <a:solidFill>
+                  <a:schemeClr val="accent1">
+                    <a:lumMod val="50000"/>
+                  </a:schemeClr>
+                </a:solidFill>
+              </a:rPr>
+              <a:t>G</a:t>
+            </a:r>
+            <a:endParaRPr lang="en-US" dirty="0">
+              <a:solidFill>
+                <a:schemeClr val="accent1">
+                  <a:lumMod val="50000"/>
+                </a:schemeClr>
+              </a:solidFill>
+            </a:endParaRPr>
+          </a:p>
+        </p:txBody>
+      </p:sp>
+      <p:sp>
+        <p:nvSpPr>
+          <p:cNvPr id="3" name="Content Placeholder 2"/>
+          <p:cNvSpPr>
+            <a:spLocks noGrp="1"/>
+          </p:cNvSpPr>
+          <p:nvPr>
+            <p:ph idx="1"/>
+          </p:nvPr>
+        </p:nvSpPr>
+        <p:spPr>
+          <a:xfrm>
+            <a:off x="685800" y="1295400"/>
+            <a:ext cx="7772400" cy="4267200"/>
+          </a:xfrm>
+        </p:spPr>
+        <p:txBody>
+          <a:bodyPr/>
+          <a:lstStyle/>
+          <a:p>
+            <a:r>
+              <a:rPr lang="en-US" sz="5400" dirty="0" smtClean="0">
+                <a:solidFill>
+                  <a:srgbClr val="000000"/>
+                </a:solidFill>
+              </a:rPr>
+              <a:t>Let</a:t>
+            </a:r>
+            <a:r>
+              <a:rPr lang="en-US" sz="5400" dirty="0" smtClean="0"/>
+              <a:t> </a:t>
+            </a:r>
+            <a:r>
+              <a:rPr lang="en-US" sz="5400" dirty="0">
+                <a:solidFill>
+                  <a:schemeClr val="accent1">
+                    <a:lumMod val="50000"/>
+                  </a:schemeClr>
+                </a:solidFill>
+              </a:rPr>
+              <a:t>G </a:t>
+            </a:r>
+            <a:r>
+              <a:rPr lang="en-US" sz="5400" dirty="0" smtClean="0"/>
+              <a:t>be a</a:t>
+            </a:r>
+            <a:r>
+              <a:rPr lang="en-US" sz="5400" dirty="0" smtClean="0">
+                <a:solidFill>
+                  <a:schemeClr val="accent1">
+                    <a:lumMod val="50000"/>
+                  </a:schemeClr>
+                </a:solidFill>
+              </a:rPr>
+              <a:t> connected,</a:t>
+            </a:r>
+            <a:endParaRPr lang="en-US" sz="5400" dirty="0">
+              <a:solidFill>
+                <a:schemeClr val="accent1">
+                  <a:lumMod val="50000"/>
+                </a:schemeClr>
+              </a:solidFill>
+            </a:endParaRPr>
+          </a:p>
+          <a:p>
+            <a:r>
+              <a:rPr lang="en-US" sz="5400" dirty="0" smtClean="0">
+                <a:solidFill>
+                  <a:schemeClr val="accent1">
+                    <a:lumMod val="50000"/>
+                  </a:schemeClr>
+                </a:solidFill>
+              </a:rPr>
+              <a:t>weighted</a:t>
+            </a:r>
+            <a:r>
+              <a:rPr lang="en-US" sz="5400" dirty="0"/>
+              <a:t> </a:t>
+            </a:r>
+            <a:r>
+              <a:rPr lang="en-US" sz="5400" dirty="0" smtClean="0"/>
+              <a:t>simple graph.</a:t>
+            </a:r>
+          </a:p>
+          <a:p>
+            <a:r>
+              <a:rPr lang="en-US" sz="5400" dirty="0" smtClean="0"/>
+              <a:t>Assume all edges have</a:t>
+            </a:r>
+          </a:p>
+          <a:p>
+            <a:r>
+              <a:rPr lang="en-US" sz="5400" dirty="0" smtClean="0"/>
+              <a:t>different weights.</a:t>
+            </a:r>
+          </a:p>
+        </p:txBody>
+      </p:sp>
+      <p:sp>
+        <p:nvSpPr>
+          <p:cNvPr id="4" name="Slide Number Placeholder 3"/>
+          <p:cNvSpPr>
+            <a:spLocks noGrp="1"/>
+          </p:cNvSpPr>
+          <p:nvPr>
+            <p:ph type="sldNum" sz="quarter" idx="4"/>
+          </p:nvPr>
+        </p:nvSpPr>
+        <p:spPr>
+          <a:xfrm>
+            <a:off x="8283346" y="6553200"/>
+            <a:ext cx="813031" cy="246221"/>
+          </a:xfrm>
+        </p:spPr>
+        <p:txBody>
+          <a:bodyPr/>
+          <a:lstStyle/>
+          <a:p>
+            <a:pPr>
+              <a:defRPr/>
+            </a:pPr>
+            <a:r>
+              <a:rPr lang="en-US" dirty="0" smtClean="0"/>
+              <a:t>min-gray.</a:t>
+            </a:r>
+            <a:fld id="{D7F2FC53-1536-41A9-A9C1-2199CF803E30}" type="slidenum">
+              <a:rPr lang="en-US" smtClean="0"/>
+              <a:pPr>
+                <a:defRPr/>
+              </a:pPr>
+              <a:t>2</a:t>
+            </a:fld>
+            <a:endParaRPr lang="en-US" dirty="0"/>
+          </a:p>
+        </p:txBody>
+      </p:sp>
+    </p:spTree>
+    <p:extLst>
+      <p:ext uri="{BB962C8B-B14F-4D97-AF65-F5344CB8AC3E}">
+        <p14:creationId xmlns:p14="http://schemas.microsoft.com/office/powerpoint/2010/main" val="3956117425"/>
+      </p:ext>
+    </p:extLst>
+  </p:cSld>
+  <p:clrMapOvr>
+    <a:masterClrMapping/>
+  </p:clrMapOvr>
+  <mc:AlternateContent xmlns:mc="http://schemas.openxmlformats.org/markup-compatibility/2006" xmlns:p14="http://schemas.microsoft.com/office/powerpoint/2010/main">
+    <mc:Choice Requires="p14">
+      <p:transition spd="slow" p14:dur="1100" advClick="0">
+        <p:fade thruBlk="1"/>
+      </p:transition>
+    </mc:Choice>
+    <mc:Fallback xmlns="">
+      <p:transition xmlns:p14="http://schemas.microsoft.com/office/powerpoint/2010/main" spd="slow" advClick="0">
+        <p:fade thruBlk="1"/>
+      </p:transition>
+    </mc:Fallback>
+  </mc:AlternateContent>
+  <p:timing>
+    <p:tnLst>
+      <p:par>
+        <p:cTn xmlns:p14="http://schemas.microsoft.com/office/powerpoint/2010/main" id="1" dur="indefinite" restart="never" nodeType="tmRoot">
+          <p:childTnLst>
+            <p:seq concurrent="1" nextAc="seek">
+              <p:cTn id="2" dur="indefinite" nodeType="mainSeq">
+                <p:childTnLst>
+                  <p:par>
+                    <p:cTn id="3" fill="hold">
+                      <p:stCondLst>
+                        <p:cond delay="indefinite"/>
+                      </p:stCondLst>
+                      <p:childTnLst>
+                        <p:par>
+                          <p:cTn id="4" fill="hold">
+                            <p:stCondLst>
+                              <p:cond delay="0"/>
+                            </p:stCondLst>
+                            <p:childTnLst>
+                              <p:par>
+                                <p:cTn id="5" presetID="10" presetClass="entr" presetSubtype="0" fill="hold" nodeType="clickEffect">
+                                  <p:stCondLst>
+                                    <p:cond delay="0"/>
+                                  </p:stCondLst>
+                                  <p:childTnLst>
+                                    <p:set>
+                                      <p:cBhvr>
+                                        <p:cTn id="6" dur="1" fill="hold">
+                                          <p:stCondLst>
+                                            <p:cond delay="0"/>
+                                          </p:stCondLst>
+                                        </p:cTn>
+                                        <p:tgtEl>
+                                          <p:spTgt spid="3">
+                                            <p:txEl>
+                                              <p:pRg st="2" end="2"/>
+                                            </p:txEl>
+                                          </p:spTgt>
+                                        </p:tgtEl>
+                                        <p:attrNameLst>
+                                          <p:attrName>style.visibility</p:attrName>
+                                        </p:attrNameLst>
+                                      </p:cBhvr>
+                                      <p:to>
+                                        <p:strVal val="visible"/>
+                                      </p:to>
+                                    </p:set>
+                                    <p:animEffect transition="in" filter="fade">
+                                      <p:cBhvr>
+                                        <p:cTn id="7" dur="500"/>
+                                        <p:tgtEl>
+                                          <p:spTgt spid="3">
+                                            <p:txEl>
+                                              <p:pRg st="2" end="2"/>
+                                            </p:txEl>
+                                          </p:spTgt>
+                                        </p:tgtEl>
+                                      </p:cBhvr>
+                                    </p:animEffect>
+                                  </p:childTnLst>
+                                </p:cTn>
+                              </p:par>
+                              <p:par>
+                                <p:cTn id="8" presetID="10" presetClass="entr" presetSubtype="0" fill="hold" nodeType="withEffect">
+                                  <p:stCondLst>
+                                    <p:cond delay="0"/>
+                                  </p:stCondLst>
+                                  <p:childTnLst>
+                                    <p:set>
+                                      <p:cBhvr>
+                                        <p:cTn id="9" dur="1" fill="hold">
+                                          <p:stCondLst>
+                                            <p:cond delay="0"/>
+                                          </p:stCondLst>
+                                        </p:cTn>
+                                        <p:tgtEl>
+                                          <p:spTgt spid="3">
+                                            <p:txEl>
+                                              <p:pRg st="3" end="3"/>
+                                            </p:txEl>
+                                          </p:spTgt>
+                                        </p:tgtEl>
+                                        <p:attrNameLst>
+                                          <p:attrName>style.visibility</p:attrName>
+                                        </p:attrNameLst>
+                                      </p:cBhvr>
+                                      <p:to>
+                                        <p:strVal val="visible"/>
+                                      </p:to>
+                                    </p:set>
+                                    <p:animEffect transition="in" filter="fade">
+                                      <p:cBhvr>
+                                        <p:cTn id="10" dur="500"/>
+                                        <p:tgtEl>
+                                          <p:spTgt spid="3">
+                                            <p:txEl>
+                                              <p:pRg st="3" end="3"/>
+                                            </p:txEl>
+                                          </p:spTgt>
+                                        </p:tgtEl>
+                                      </p:cBhvr>
+                                    </p:animEffect>
+                                  </p:childTnLst>
+                                </p:cTn>
+                              </p:par>
+                            </p:childTnLst>
+                          </p:cTn>
+                        </p:par>
+                      </p:childTnLst>
+                    </p:cTn>
+                  </p:par>
+                </p:childTnLst>
+              </p:cTn>
+              <p:prevCondLst>
+                <p:cond evt="onPrev" delay="0">
+                  <p:tgtEl>
+                    <p:sldTgt/>
+                  </p:tgtEl>
+                </p:cond>
+              </p:prevCondLst>
+              <p:nextCondLst>
+                <p:cond evt="onNext" delay="0">
+                  <p:tgtEl>
+                    <p:sldTgt/>
+                  </p:tgtEl>
+                </p:cond>
+              </p:nextCondLst>
+            </p:seq>
+          </p:childTnLst>
+        </p:cTn>
+      </p:par>
+    </p:tnLst>
+  </p:timing>
+</p:sld>
+</file>
+
+<file path=ppt/slides/slide20.xml><?xml version="1.0" encoding="utf-8"?>
 <p:sld xmlns:a="http://schemas.openxmlformats.org/drawingml/2006/main" xmlns:r="http://schemas.openxmlformats.org/officeDocument/2006/relationships" xmlns:p="http://schemas.openxmlformats.org/presentationml/2006/main">
   <p:cSld>
     <p:spTree>
@@ -14754,7 +15511,7 @@
               <a:pPr>
                 <a:defRPr/>
               </a:pPr>
-              <a:t>18</a:t>
+              <a:t>20</a:t>
             </a:fld>
             <a:endParaRPr lang="en-US" dirty="0"/>
           </a:p>
@@ -15675,7 +16432,7 @@
 </p:sld>
 </file>
 
-<file path=ppt/slides/slide19.xml><?xml version="1.0" encoding="utf-8"?>
+<file path=ppt/slides/slide21.xml><?xml version="1.0" encoding="utf-8"?>
 <p:sld xmlns:a="http://schemas.openxmlformats.org/drawingml/2006/main" xmlns:r="http://schemas.openxmlformats.org/officeDocument/2006/relationships" xmlns:p="http://schemas.openxmlformats.org/presentationml/2006/main">
   <p:cSld>
     <p:spTree>
@@ -16234,7 +16991,7 @@
               <a:pPr>
                 <a:defRPr/>
               </a:pPr>
-              <a:t>19</a:t>
+              <a:t>21</a:t>
             </a:fld>
             <a:endParaRPr lang="en-US" dirty="0"/>
           </a:p>
@@ -17848,7 +18605,7 @@
           <a:graphicData uri="http://schemas.openxmlformats.org/presentationml/2006/ole">
             <mc:AlternateContent xmlns:mc="http://schemas.openxmlformats.org/markup-compatibility/2006">
               <mc:Choice xmlns:v="urn:schemas-microsoft-com:vml" Requires="v">
-                <p:oleObj spid="_x0000_s42017" name="Equation" r:id="rId3" imgW="393700" imgH="228600" progId="Equation.DSMT4">
+                <p:oleObj spid="_x0000_s42021" name="Equation" r:id="rId3" imgW="393700" imgH="228600" progId="Equation.DSMT4">
                   <p:embed/>
                 </p:oleObj>
               </mc:Choice>
@@ -18368,3019 +19125,6 @@
       <p:bldP spid="46" grpId="0"/>
       <p:bldP spid="38" grpId="0"/>
     </p:bldLst>
-  </p:timing>
-</p:sld>
-</file>
-
-<file path=ppt/slides/slide2.xml><?xml version="1.0" encoding="utf-8"?>
-<p:sld xmlns:a="http://schemas.openxmlformats.org/drawingml/2006/main" xmlns:r="http://schemas.openxmlformats.org/officeDocument/2006/relationships" xmlns:p="http://schemas.openxmlformats.org/presentationml/2006/main">
-  <p:cSld>
-    <p:spTree>
-      <p:nvGrpSpPr>
-        <p:cNvPr id="1" name=""/>
-        <p:cNvGrpSpPr/>
-        <p:nvPr/>
-      </p:nvGrpSpPr>
-      <p:grpSpPr>
-        <a:xfrm>
-          <a:off x="0" y="0"/>
-          <a:ext cx="0" cy="0"/>
-          <a:chOff x="0" y="0"/>
-          <a:chExt cx="0" cy="0"/>
-        </a:xfrm>
-      </p:grpSpPr>
-      <p:sp>
-        <p:nvSpPr>
-          <p:cNvPr id="2" name="Title 1"/>
-          <p:cNvSpPr>
-            <a:spLocks noGrp="1"/>
-          </p:cNvSpPr>
-          <p:nvPr>
-            <p:ph type="title"/>
-          </p:nvPr>
-        </p:nvSpPr>
-        <p:spPr/>
-        <p:txBody>
-          <a:bodyPr/>
-          <a:lstStyle/>
-          <a:p>
-            <a:r>
-              <a:rPr lang="en-US" dirty="0" smtClean="0"/>
-              <a:t>Connected Graph </a:t>
-            </a:r>
-            <a:r>
-              <a:rPr lang="en-US" dirty="0" smtClean="0">
-                <a:solidFill>
-                  <a:schemeClr val="accent1">
-                    <a:lumMod val="50000"/>
-                  </a:schemeClr>
-                </a:solidFill>
-              </a:rPr>
-              <a:t>G</a:t>
-            </a:r>
-            <a:endParaRPr lang="en-US" dirty="0">
-              <a:solidFill>
-                <a:schemeClr val="accent1">
-                  <a:lumMod val="50000"/>
-                </a:schemeClr>
-              </a:solidFill>
-            </a:endParaRPr>
-          </a:p>
-        </p:txBody>
-      </p:sp>
-      <p:sp>
-        <p:nvSpPr>
-          <p:cNvPr id="3" name="Content Placeholder 2"/>
-          <p:cNvSpPr>
-            <a:spLocks noGrp="1"/>
-          </p:cNvSpPr>
-          <p:nvPr>
-            <p:ph idx="1"/>
-          </p:nvPr>
-        </p:nvSpPr>
-        <p:spPr>
-          <a:xfrm>
-            <a:off x="685800" y="1295400"/>
-            <a:ext cx="7772400" cy="4267200"/>
-          </a:xfrm>
-        </p:spPr>
-        <p:txBody>
-          <a:bodyPr/>
-          <a:lstStyle/>
-          <a:p>
-            <a:r>
-              <a:rPr lang="en-US" sz="5400" dirty="0" smtClean="0">
-                <a:solidFill>
-                  <a:srgbClr val="000000"/>
-                </a:solidFill>
-              </a:rPr>
-              <a:t>Let</a:t>
-            </a:r>
-            <a:r>
-              <a:rPr lang="en-US" sz="5400" dirty="0" smtClean="0"/>
-              <a:t> </a:t>
-            </a:r>
-            <a:r>
-              <a:rPr lang="en-US" sz="5400" dirty="0">
-                <a:solidFill>
-                  <a:schemeClr val="accent1">
-                    <a:lumMod val="50000"/>
-                  </a:schemeClr>
-                </a:solidFill>
-              </a:rPr>
-              <a:t>G </a:t>
-            </a:r>
-            <a:r>
-              <a:rPr lang="en-US" sz="5400" dirty="0" smtClean="0"/>
-              <a:t>be a</a:t>
-            </a:r>
-            <a:r>
-              <a:rPr lang="en-US" sz="5400" dirty="0" smtClean="0">
-                <a:solidFill>
-                  <a:schemeClr val="accent1">
-                    <a:lumMod val="50000"/>
-                  </a:schemeClr>
-                </a:solidFill>
-              </a:rPr>
-              <a:t> connected,</a:t>
-            </a:r>
-            <a:endParaRPr lang="en-US" sz="5400" dirty="0">
-              <a:solidFill>
-                <a:schemeClr val="accent1">
-                  <a:lumMod val="50000"/>
-                </a:schemeClr>
-              </a:solidFill>
-            </a:endParaRPr>
-          </a:p>
-          <a:p>
-            <a:r>
-              <a:rPr lang="en-US" sz="5400" dirty="0" smtClean="0">
-                <a:solidFill>
-                  <a:schemeClr val="accent1">
-                    <a:lumMod val="50000"/>
-                  </a:schemeClr>
-                </a:solidFill>
-              </a:rPr>
-              <a:t>weighted</a:t>
-            </a:r>
-            <a:r>
-              <a:rPr lang="en-US" sz="5400" dirty="0"/>
-              <a:t> </a:t>
-            </a:r>
-            <a:r>
-              <a:rPr lang="en-US" sz="5400" dirty="0" smtClean="0"/>
-              <a:t>simple graph.</a:t>
-            </a:r>
-          </a:p>
-          <a:p>
-            <a:r>
-              <a:rPr lang="en-US" sz="5400" dirty="0" smtClean="0"/>
-              <a:t>Assume all edges have</a:t>
-            </a:r>
-          </a:p>
-          <a:p>
-            <a:r>
-              <a:rPr lang="en-US" sz="5400" dirty="0" smtClean="0"/>
-              <a:t>different weights.</a:t>
-            </a:r>
-          </a:p>
-        </p:txBody>
-      </p:sp>
-      <p:sp>
-        <p:nvSpPr>
-          <p:cNvPr id="4" name="Slide Number Placeholder 3"/>
-          <p:cNvSpPr>
-            <a:spLocks noGrp="1"/>
-          </p:cNvSpPr>
-          <p:nvPr>
-            <p:ph type="sldNum" sz="quarter" idx="4"/>
-          </p:nvPr>
-        </p:nvSpPr>
-        <p:spPr>
-          <a:xfrm>
-            <a:off x="8283346" y="6553200"/>
-            <a:ext cx="813031" cy="246221"/>
-          </a:xfrm>
-        </p:spPr>
-        <p:txBody>
-          <a:bodyPr/>
-          <a:lstStyle/>
-          <a:p>
-            <a:pPr>
-              <a:defRPr/>
-            </a:pPr>
-            <a:r>
-              <a:rPr lang="en-US" dirty="0" smtClean="0"/>
-              <a:t>min-gray.</a:t>
-            </a:r>
-            <a:fld id="{D7F2FC53-1536-41A9-A9C1-2199CF803E30}" type="slidenum">
-              <a:rPr lang="en-US" smtClean="0"/>
-              <a:pPr>
-                <a:defRPr/>
-              </a:pPr>
-              <a:t>2</a:t>
-            </a:fld>
-            <a:endParaRPr lang="en-US" dirty="0"/>
-          </a:p>
-        </p:txBody>
-      </p:sp>
-    </p:spTree>
-    <p:extLst>
-      <p:ext uri="{BB962C8B-B14F-4D97-AF65-F5344CB8AC3E}">
-        <p14:creationId xmlns:p14="http://schemas.microsoft.com/office/powerpoint/2010/main" val="3956117425"/>
-      </p:ext>
-    </p:extLst>
-  </p:cSld>
-  <p:clrMapOvr>
-    <a:masterClrMapping/>
-  </p:clrMapOvr>
-  <mc:AlternateContent xmlns:mc="http://schemas.openxmlformats.org/markup-compatibility/2006" xmlns:p14="http://schemas.microsoft.com/office/powerpoint/2010/main">
-    <mc:Choice Requires="p14">
-      <p:transition spd="slow" p14:dur="1100" advClick="0">
-        <p:fade thruBlk="1"/>
-      </p:transition>
-    </mc:Choice>
-    <mc:Fallback xmlns="">
-      <p:transition xmlns:p14="http://schemas.microsoft.com/office/powerpoint/2010/main" spd="slow" advClick="0">
-        <p:fade thruBlk="1"/>
-      </p:transition>
-    </mc:Fallback>
-  </mc:AlternateContent>
-  <p:timing>
-    <p:tnLst>
-      <p:par>
-        <p:cTn xmlns:p14="http://schemas.microsoft.com/office/powerpoint/2010/main" id="1" dur="indefinite" restart="never" nodeType="tmRoot">
-          <p:childTnLst>
-            <p:seq concurrent="1" nextAc="seek">
-              <p:cTn id="2" dur="indefinite" nodeType="mainSeq">
-                <p:childTnLst>
-                  <p:par>
-                    <p:cTn id="3" fill="hold">
-                      <p:stCondLst>
-                        <p:cond delay="indefinite"/>
-                      </p:stCondLst>
-                      <p:childTnLst>
-                        <p:par>
-                          <p:cTn id="4" fill="hold">
-                            <p:stCondLst>
-                              <p:cond delay="0"/>
-                            </p:stCondLst>
-                            <p:childTnLst>
-                              <p:par>
-                                <p:cTn id="5" presetID="10" presetClass="entr" presetSubtype="0" fill="hold" nodeType="clickEffect">
-                                  <p:stCondLst>
-                                    <p:cond delay="0"/>
-                                  </p:stCondLst>
-                                  <p:childTnLst>
-                                    <p:set>
-                                      <p:cBhvr>
-                                        <p:cTn id="6" dur="1" fill="hold">
-                                          <p:stCondLst>
-                                            <p:cond delay="0"/>
-                                          </p:stCondLst>
-                                        </p:cTn>
-                                        <p:tgtEl>
-                                          <p:spTgt spid="3">
-                                            <p:txEl>
-                                              <p:pRg st="2" end="2"/>
-                                            </p:txEl>
-                                          </p:spTgt>
-                                        </p:tgtEl>
-                                        <p:attrNameLst>
-                                          <p:attrName>style.visibility</p:attrName>
-                                        </p:attrNameLst>
-                                      </p:cBhvr>
-                                      <p:to>
-                                        <p:strVal val="visible"/>
-                                      </p:to>
-                                    </p:set>
-                                    <p:animEffect transition="in" filter="fade">
-                                      <p:cBhvr>
-                                        <p:cTn id="7" dur="500"/>
-                                        <p:tgtEl>
-                                          <p:spTgt spid="3">
-                                            <p:txEl>
-                                              <p:pRg st="2" end="2"/>
-                                            </p:txEl>
-                                          </p:spTgt>
-                                        </p:tgtEl>
-                                      </p:cBhvr>
-                                    </p:animEffect>
-                                  </p:childTnLst>
-                                </p:cTn>
-                              </p:par>
-                              <p:par>
-                                <p:cTn id="8" presetID="10" presetClass="entr" presetSubtype="0" fill="hold" nodeType="withEffect">
-                                  <p:stCondLst>
-                                    <p:cond delay="0"/>
-                                  </p:stCondLst>
-                                  <p:childTnLst>
-                                    <p:set>
-                                      <p:cBhvr>
-                                        <p:cTn id="9" dur="1" fill="hold">
-                                          <p:stCondLst>
-                                            <p:cond delay="0"/>
-                                          </p:stCondLst>
-                                        </p:cTn>
-                                        <p:tgtEl>
-                                          <p:spTgt spid="3">
-                                            <p:txEl>
-                                              <p:pRg st="3" end="3"/>
-                                            </p:txEl>
-                                          </p:spTgt>
-                                        </p:tgtEl>
-                                        <p:attrNameLst>
-                                          <p:attrName>style.visibility</p:attrName>
-                                        </p:attrNameLst>
-                                      </p:cBhvr>
-                                      <p:to>
-                                        <p:strVal val="visible"/>
-                                      </p:to>
-                                    </p:set>
-                                    <p:animEffect transition="in" filter="fade">
-                                      <p:cBhvr>
-                                        <p:cTn id="10" dur="500"/>
-                                        <p:tgtEl>
-                                          <p:spTgt spid="3">
-                                            <p:txEl>
-                                              <p:pRg st="3" end="3"/>
-                                            </p:txEl>
-                                          </p:spTgt>
-                                        </p:tgtEl>
-                                      </p:cBhvr>
-                                    </p:animEffect>
-                                  </p:childTnLst>
-                                </p:cTn>
-                              </p:par>
-                            </p:childTnLst>
-                          </p:cTn>
-                        </p:par>
-                      </p:childTnLst>
-                    </p:cTn>
-                  </p:par>
-                </p:childTnLst>
-              </p:cTn>
-              <p:prevCondLst>
-                <p:cond evt="onPrev" delay="0">
-                  <p:tgtEl>
-                    <p:sldTgt/>
-                  </p:tgtEl>
-                </p:cond>
-              </p:prevCondLst>
-              <p:nextCondLst>
-                <p:cond evt="onNext" delay="0">
-                  <p:tgtEl>
-                    <p:sldTgt/>
-                  </p:tgtEl>
-                </p:cond>
-              </p:nextCondLst>
-            </p:seq>
-          </p:childTnLst>
-        </p:cTn>
-      </p:par>
-    </p:tnLst>
-  </p:timing>
-</p:sld>
-</file>
-
-<file path=ppt/slides/slide20.xml><?xml version="1.0" encoding="utf-8"?>
-<p:sld xmlns:a="http://schemas.openxmlformats.org/drawingml/2006/main" xmlns:r="http://schemas.openxmlformats.org/officeDocument/2006/relationships" xmlns:p="http://schemas.openxmlformats.org/presentationml/2006/main">
-  <p:cSld>
-    <p:spTree>
-      <p:nvGrpSpPr>
-        <p:cNvPr id="1" name=""/>
-        <p:cNvGrpSpPr/>
-        <p:nvPr/>
-      </p:nvGrpSpPr>
-      <p:grpSpPr>
-        <a:xfrm>
-          <a:off x="0" y="0"/>
-          <a:ext cx="0" cy="0"/>
-          <a:chOff x="0" y="0"/>
-          <a:chExt cx="0" cy="0"/>
-        </a:xfrm>
-      </p:grpSpPr>
-      <p:sp>
-        <p:nvSpPr>
-          <p:cNvPr id="5" name="Oval 4"/>
-          <p:cNvSpPr/>
-          <p:nvPr/>
-        </p:nvSpPr>
-        <p:spPr bwMode="auto">
-          <a:xfrm>
-            <a:off x="6705600" y="5334000"/>
-            <a:ext cx="152400" cy="152400"/>
-          </a:xfrm>
-          <a:prstGeom prst="ellipse">
-            <a:avLst/>
-          </a:prstGeom>
-          <a:solidFill>
-            <a:schemeClr val="tx1"/>
-          </a:solidFill>
-          <a:ln w="31750" cap="flat" cmpd="sng" algn="ctr">
-            <a:solidFill>
-              <a:schemeClr val="tx1"/>
-            </a:solidFill>
-            <a:prstDash val="solid"/>
-            <a:round/>
-            <a:headEnd type="none" w="med" len="med"/>
-            <a:tailEnd type="triangle" w="lg" len="lg"/>
-          </a:ln>
-          <a:effectLst/>
-        </p:spPr>
-        <p:txBody>
-          <a:bodyPr vert="horz" wrap="square" lIns="91440" tIns="45720" rIns="91440" bIns="45720" numCol="1" rtlCol="0" anchor="t" anchorCtr="0" compatLnSpc="1">
-            <a:prstTxWarp prst="textNoShape">
-              <a:avLst/>
-            </a:prstTxWarp>
-          </a:bodyPr>
-          <a:lstStyle/>
-          <a:p>
-            <a:pPr marL="0" marR="0" indent="0" algn="l" defTabSz="914400" rtl="0" eaLnBrk="1" fontAlgn="base" latinLnBrk="0" hangingPunct="1">
-              <a:lnSpc>
-                <a:spcPct val="100000"/>
-              </a:lnSpc>
-              <a:spcBef>
-                <a:spcPct val="0"/>
-              </a:spcBef>
-              <a:spcAft>
-                <a:spcPct val="0"/>
-              </a:spcAft>
-              <a:buClrTx/>
-              <a:buSzTx/>
-              <a:buFontTx/>
-              <a:buNone/>
-              <a:tabLst/>
-            </a:pPr>
-            <a:endParaRPr kumimoji="0" lang="en-US" sz="3200" b="0" i="0" u="none" strike="noStrike" cap="none" normalizeH="0" baseline="0" smtClean="0">
-              <a:ln>
-                <a:noFill/>
-              </a:ln>
-              <a:solidFill>
-                <a:schemeClr val="tx1"/>
-              </a:solidFill>
-              <a:effectLst/>
-              <a:latin typeface="Comic Sans MS" pitchFamily="66" charset="0"/>
-            </a:endParaRPr>
-          </a:p>
-        </p:txBody>
-      </p:sp>
-      <p:sp>
-        <p:nvSpPr>
-          <p:cNvPr id="6" name="Oval 5"/>
-          <p:cNvSpPr/>
-          <p:nvPr/>
-        </p:nvSpPr>
-        <p:spPr bwMode="auto">
-          <a:xfrm>
-            <a:off x="6727918" y="6096000"/>
-            <a:ext cx="152400" cy="152400"/>
-          </a:xfrm>
-          <a:prstGeom prst="ellipse">
-            <a:avLst/>
-          </a:prstGeom>
-          <a:solidFill>
-            <a:schemeClr val="tx1"/>
-          </a:solidFill>
-          <a:ln w="31750" cap="flat" cmpd="sng" algn="ctr">
-            <a:solidFill>
-              <a:schemeClr val="tx1"/>
-            </a:solidFill>
-            <a:prstDash val="solid"/>
-            <a:round/>
-            <a:headEnd type="none" w="med" len="med"/>
-            <a:tailEnd type="triangle" w="lg" len="lg"/>
-          </a:ln>
-          <a:effectLst/>
-        </p:spPr>
-        <p:txBody>
-          <a:bodyPr vert="horz" wrap="square" lIns="91440" tIns="45720" rIns="91440" bIns="45720" numCol="1" rtlCol="0" anchor="t" anchorCtr="0" compatLnSpc="1">
-            <a:prstTxWarp prst="textNoShape">
-              <a:avLst/>
-            </a:prstTxWarp>
-          </a:bodyPr>
-          <a:lstStyle/>
-          <a:p>
-            <a:pPr marL="0" marR="0" indent="0" algn="l" defTabSz="914400" rtl="0" eaLnBrk="1" fontAlgn="base" latinLnBrk="0" hangingPunct="1">
-              <a:lnSpc>
-                <a:spcPct val="100000"/>
-              </a:lnSpc>
-              <a:spcBef>
-                <a:spcPct val="0"/>
-              </a:spcBef>
-              <a:spcAft>
-                <a:spcPct val="0"/>
-              </a:spcAft>
-              <a:buClrTx/>
-              <a:buSzTx/>
-              <a:buFontTx/>
-              <a:buNone/>
-              <a:tabLst/>
-            </a:pPr>
-            <a:endParaRPr kumimoji="0" lang="en-US" sz="3200" b="0" i="0" u="none" strike="noStrike" cap="none" normalizeH="0" baseline="0" smtClean="0">
-              <a:ln>
-                <a:noFill/>
-              </a:ln>
-              <a:solidFill>
-                <a:schemeClr val="tx1"/>
-              </a:solidFill>
-              <a:effectLst/>
-              <a:latin typeface="Comic Sans MS" pitchFamily="66" charset="0"/>
-            </a:endParaRPr>
-          </a:p>
-        </p:txBody>
-      </p:sp>
-      <p:sp>
-        <p:nvSpPr>
-          <p:cNvPr id="7" name="Oval 6"/>
-          <p:cNvSpPr/>
-          <p:nvPr/>
-        </p:nvSpPr>
-        <p:spPr bwMode="auto">
-          <a:xfrm>
-            <a:off x="5280118" y="6019800"/>
-            <a:ext cx="152400" cy="152400"/>
-          </a:xfrm>
-          <a:prstGeom prst="ellipse">
-            <a:avLst/>
-          </a:prstGeom>
-          <a:solidFill>
-            <a:schemeClr val="tx1"/>
-          </a:solidFill>
-          <a:ln w="31750" cap="flat" cmpd="sng" algn="ctr">
-            <a:solidFill>
-              <a:schemeClr val="tx1"/>
-            </a:solidFill>
-            <a:prstDash val="solid"/>
-            <a:round/>
-            <a:headEnd type="none" w="med" len="med"/>
-            <a:tailEnd type="triangle" w="lg" len="lg"/>
-          </a:ln>
-          <a:effectLst/>
-        </p:spPr>
-        <p:txBody>
-          <a:bodyPr vert="horz" wrap="square" lIns="91440" tIns="45720" rIns="91440" bIns="45720" numCol="1" rtlCol="0" anchor="t" anchorCtr="0" compatLnSpc="1">
-            <a:prstTxWarp prst="textNoShape">
-              <a:avLst/>
-            </a:prstTxWarp>
-          </a:bodyPr>
-          <a:lstStyle/>
-          <a:p>
-            <a:pPr marL="0" marR="0" indent="0" algn="l" defTabSz="914400" rtl="0" eaLnBrk="1" fontAlgn="base" latinLnBrk="0" hangingPunct="1">
-              <a:lnSpc>
-                <a:spcPct val="100000"/>
-              </a:lnSpc>
-              <a:spcBef>
-                <a:spcPct val="0"/>
-              </a:spcBef>
-              <a:spcAft>
-                <a:spcPct val="0"/>
-              </a:spcAft>
-              <a:buClrTx/>
-              <a:buSzTx/>
-              <a:buFontTx/>
-              <a:buNone/>
-              <a:tabLst/>
-            </a:pPr>
-            <a:endParaRPr kumimoji="0" lang="en-US" sz="3200" b="0" i="0" u="none" strike="noStrike" cap="none" normalizeH="0" baseline="0" smtClean="0">
-              <a:ln>
-                <a:noFill/>
-              </a:ln>
-              <a:solidFill>
-                <a:schemeClr val="tx1"/>
-              </a:solidFill>
-              <a:effectLst/>
-              <a:latin typeface="Comic Sans MS" pitchFamily="66" charset="0"/>
-            </a:endParaRPr>
-          </a:p>
-        </p:txBody>
-      </p:sp>
-      <p:cxnSp>
-        <p:nvCxnSpPr>
-          <p:cNvPr id="39" name="Straight Connector 38"/>
-          <p:cNvCxnSpPr>
-            <a:stCxn id="5" idx="4"/>
-            <a:endCxn id="6" idx="0"/>
-          </p:cNvCxnSpPr>
-          <p:nvPr/>
-        </p:nvCxnSpPr>
-        <p:spPr bwMode="auto">
-          <a:xfrm>
-            <a:off x="6781800" y="5486400"/>
-            <a:ext cx="22318" cy="609600"/>
-          </a:xfrm>
-          <a:prstGeom prst="line">
-            <a:avLst/>
-          </a:prstGeom>
-          <a:noFill/>
-          <a:ln w="38100" cap="flat" cmpd="sng" algn="ctr">
-            <a:solidFill>
-              <a:srgbClr val="FF00FF"/>
-            </a:solidFill>
-            <a:prstDash val="solid"/>
-            <a:round/>
-            <a:headEnd type="none" w="med" len="med"/>
-            <a:tailEnd type="none" w="lg" len="lg"/>
-          </a:ln>
-          <a:effectLst/>
-        </p:spPr>
-      </p:cxnSp>
-      <p:cxnSp>
-        <p:nvCxnSpPr>
-          <p:cNvPr id="40" name="Straight Connector 39"/>
-          <p:cNvCxnSpPr>
-            <a:stCxn id="5" idx="3"/>
-            <a:endCxn id="7" idx="7"/>
-          </p:cNvCxnSpPr>
-          <p:nvPr/>
-        </p:nvCxnSpPr>
-        <p:spPr bwMode="auto">
-          <a:xfrm flipH="1">
-            <a:off x="5410200" y="5464082"/>
-            <a:ext cx="1317718" cy="578036"/>
-          </a:xfrm>
-          <a:prstGeom prst="line">
-            <a:avLst/>
-          </a:prstGeom>
-          <a:noFill/>
-          <a:ln w="38100" cap="flat" cmpd="sng" algn="ctr">
-            <a:solidFill>
-              <a:srgbClr val="FF00FF"/>
-            </a:solidFill>
-            <a:prstDash val="solid"/>
-            <a:round/>
-            <a:headEnd type="none" w="med" len="med"/>
-            <a:tailEnd type="none" w="lg" len="lg"/>
-          </a:ln>
-          <a:effectLst/>
-        </p:spPr>
-      </p:cxnSp>
-      <p:cxnSp>
-        <p:nvCxnSpPr>
-          <p:cNvPr id="35" name="Straight Connector 34"/>
-          <p:cNvCxnSpPr>
-            <a:stCxn id="9" idx="4"/>
-            <a:endCxn id="8" idx="0"/>
-          </p:cNvCxnSpPr>
-          <p:nvPr/>
-        </p:nvCxnSpPr>
-        <p:spPr bwMode="auto">
-          <a:xfrm>
-            <a:off x="6140636" y="1828800"/>
-            <a:ext cx="412564" cy="914400"/>
-          </a:xfrm>
-          <a:prstGeom prst="line">
-            <a:avLst/>
-          </a:prstGeom>
-          <a:noFill/>
-          <a:ln w="38100" cap="flat" cmpd="sng" algn="ctr">
-            <a:solidFill>
-              <a:srgbClr val="FF00FF"/>
-            </a:solidFill>
-            <a:prstDash val="solid"/>
-            <a:round/>
-            <a:headEnd type="none" w="med" len="med"/>
-            <a:tailEnd type="none" w="lg" len="lg"/>
-          </a:ln>
-          <a:effectLst/>
-        </p:spPr>
-      </p:cxnSp>
-      <p:sp>
-        <p:nvSpPr>
-          <p:cNvPr id="9" name="Oval 8"/>
-          <p:cNvSpPr/>
-          <p:nvPr/>
-        </p:nvSpPr>
-        <p:spPr bwMode="auto">
-          <a:xfrm>
-            <a:off x="6064436" y="1676400"/>
-            <a:ext cx="152400" cy="152400"/>
-          </a:xfrm>
-          <a:prstGeom prst="ellipse">
-            <a:avLst/>
-          </a:prstGeom>
-          <a:solidFill>
-            <a:schemeClr val="bg1"/>
-          </a:solidFill>
-          <a:ln w="3175" cap="flat" cmpd="sng" algn="ctr">
-            <a:solidFill>
-              <a:schemeClr val="tx1"/>
-            </a:solidFill>
-            <a:prstDash val="solid"/>
-            <a:round/>
-            <a:headEnd type="none" w="med" len="med"/>
-            <a:tailEnd type="triangle" w="lg" len="lg"/>
-          </a:ln>
-          <a:effectLst/>
-        </p:spPr>
-        <p:txBody>
-          <a:bodyPr vert="horz" wrap="square" lIns="91440" tIns="45720" rIns="91440" bIns="45720" numCol="1" rtlCol="0" anchor="t" anchorCtr="0" compatLnSpc="1">
-            <a:prstTxWarp prst="textNoShape">
-              <a:avLst/>
-            </a:prstTxWarp>
-          </a:bodyPr>
-          <a:lstStyle/>
-          <a:p>
-            <a:pPr marL="0" marR="0" indent="0" algn="l" defTabSz="914400" rtl="0" eaLnBrk="1" fontAlgn="base" latinLnBrk="0" hangingPunct="1">
-              <a:lnSpc>
-                <a:spcPct val="100000"/>
-              </a:lnSpc>
-              <a:spcBef>
-                <a:spcPct val="0"/>
-              </a:spcBef>
-              <a:spcAft>
-                <a:spcPct val="0"/>
-              </a:spcAft>
-              <a:buClrTx/>
-              <a:buSzTx/>
-              <a:buFontTx/>
-              <a:buNone/>
-              <a:tabLst/>
-            </a:pPr>
-            <a:endParaRPr kumimoji="0" lang="en-US" sz="3200" b="0" i="0" u="none" strike="noStrike" cap="none" normalizeH="0" baseline="0" smtClean="0">
-              <a:ln>
-                <a:noFill/>
-              </a:ln>
-              <a:solidFill>
-                <a:schemeClr val="tx1"/>
-              </a:solidFill>
-              <a:effectLst/>
-              <a:latin typeface="Comic Sans MS" pitchFamily="66" charset="0"/>
-            </a:endParaRPr>
-          </a:p>
-        </p:txBody>
-      </p:sp>
-      <p:cxnSp>
-        <p:nvCxnSpPr>
-          <p:cNvPr id="78" name="Straight Connector 77"/>
-          <p:cNvCxnSpPr>
-            <a:stCxn id="85" idx="3"/>
-            <a:endCxn id="8" idx="7"/>
-          </p:cNvCxnSpPr>
-          <p:nvPr/>
-        </p:nvCxnSpPr>
-        <p:spPr bwMode="auto">
-          <a:xfrm flipH="1">
-            <a:off x="6607082" y="1577882"/>
-            <a:ext cx="1187636" cy="1187636"/>
-          </a:xfrm>
-          <a:prstGeom prst="line">
-            <a:avLst/>
-          </a:prstGeom>
-          <a:noFill/>
-          <a:ln w="38100" cap="flat" cmpd="sng" algn="ctr">
-            <a:solidFill>
-              <a:srgbClr val="FF00FF"/>
-            </a:solidFill>
-            <a:prstDash val="solid"/>
-            <a:round/>
-            <a:headEnd type="none" w="med" len="med"/>
-            <a:tailEnd type="none" w="lg" len="lg"/>
-          </a:ln>
-          <a:effectLst/>
-        </p:spPr>
-      </p:cxnSp>
-      <p:sp>
-        <p:nvSpPr>
-          <p:cNvPr id="85" name="Oval 84"/>
-          <p:cNvSpPr/>
-          <p:nvPr/>
-        </p:nvSpPr>
-        <p:spPr bwMode="auto">
-          <a:xfrm>
-            <a:off x="7772400" y="1447800"/>
-            <a:ext cx="152400" cy="152400"/>
-          </a:xfrm>
-          <a:prstGeom prst="ellipse">
-            <a:avLst/>
-          </a:prstGeom>
-          <a:solidFill>
-            <a:schemeClr val="bg1"/>
-          </a:solidFill>
-          <a:ln w="3175" cap="flat" cmpd="sng" algn="ctr">
-            <a:solidFill>
-              <a:schemeClr val="tx1"/>
-            </a:solidFill>
-            <a:prstDash val="solid"/>
-            <a:round/>
-            <a:headEnd type="none" w="med" len="med"/>
-            <a:tailEnd type="triangle" w="lg" len="lg"/>
-          </a:ln>
-          <a:effectLst/>
-        </p:spPr>
-        <p:txBody>
-          <a:bodyPr vert="horz" wrap="square" lIns="91440" tIns="45720" rIns="91440" bIns="45720" numCol="1" rtlCol="0" anchor="t" anchorCtr="0" compatLnSpc="1">
-            <a:prstTxWarp prst="textNoShape">
-              <a:avLst/>
-            </a:prstTxWarp>
-          </a:bodyPr>
-          <a:lstStyle/>
-          <a:p>
-            <a:pPr marL="0" marR="0" indent="0" algn="l" defTabSz="914400" rtl="0" eaLnBrk="1" fontAlgn="base" latinLnBrk="0" hangingPunct="1">
-              <a:lnSpc>
-                <a:spcPct val="100000"/>
-              </a:lnSpc>
-              <a:spcBef>
-                <a:spcPct val="0"/>
-              </a:spcBef>
-              <a:spcAft>
-                <a:spcPct val="0"/>
-              </a:spcAft>
-              <a:buClrTx/>
-              <a:buSzTx/>
-              <a:buFontTx/>
-              <a:buNone/>
-              <a:tabLst/>
-            </a:pPr>
-            <a:endParaRPr kumimoji="0" lang="en-US" sz="3200" b="0" i="0" u="none" strike="noStrike" cap="none" normalizeH="0" baseline="0" smtClean="0">
-              <a:ln>
-                <a:noFill/>
-              </a:ln>
-              <a:solidFill>
-                <a:schemeClr val="tx1"/>
-              </a:solidFill>
-              <a:effectLst/>
-              <a:latin typeface="Comic Sans MS" pitchFamily="66" charset="0"/>
-            </a:endParaRPr>
-          </a:p>
-        </p:txBody>
-      </p:sp>
-      <p:sp>
-        <p:nvSpPr>
-          <p:cNvPr id="8" name="Oval 7"/>
-          <p:cNvSpPr/>
-          <p:nvPr/>
-        </p:nvSpPr>
-        <p:spPr bwMode="auto">
-          <a:xfrm>
-            <a:off x="6477000" y="2743200"/>
-            <a:ext cx="152400" cy="152400"/>
-          </a:xfrm>
-          <a:prstGeom prst="ellipse">
-            <a:avLst/>
-          </a:prstGeom>
-          <a:solidFill>
-            <a:schemeClr val="bg1"/>
-          </a:solidFill>
-          <a:ln w="3175" cap="flat" cmpd="sng" algn="ctr">
-            <a:solidFill>
-              <a:schemeClr val="tx1"/>
-            </a:solidFill>
-            <a:prstDash val="solid"/>
-            <a:round/>
-            <a:headEnd type="none" w="med" len="med"/>
-            <a:tailEnd type="triangle" w="lg" len="lg"/>
-          </a:ln>
-          <a:effectLst/>
-        </p:spPr>
-        <p:txBody>
-          <a:bodyPr vert="horz" wrap="square" lIns="91440" tIns="45720" rIns="91440" bIns="45720" numCol="1" rtlCol="0" anchor="t" anchorCtr="0" compatLnSpc="1">
-            <a:prstTxWarp prst="textNoShape">
-              <a:avLst/>
-            </a:prstTxWarp>
-          </a:bodyPr>
-          <a:lstStyle/>
-          <a:p>
-            <a:pPr marL="0" marR="0" indent="0" algn="l" defTabSz="914400" rtl="0" eaLnBrk="1" fontAlgn="base" latinLnBrk="0" hangingPunct="1">
-              <a:lnSpc>
-                <a:spcPct val="100000"/>
-              </a:lnSpc>
-              <a:spcBef>
-                <a:spcPct val="0"/>
-              </a:spcBef>
-              <a:spcAft>
-                <a:spcPct val="0"/>
-              </a:spcAft>
-              <a:buClrTx/>
-              <a:buSzTx/>
-              <a:buFontTx/>
-              <a:buNone/>
-              <a:tabLst/>
-            </a:pPr>
-            <a:endParaRPr kumimoji="0" lang="en-US" sz="3200" b="0" i="0" u="none" strike="noStrike" cap="none" normalizeH="0" baseline="0" smtClean="0">
-              <a:ln>
-                <a:noFill/>
-              </a:ln>
-              <a:solidFill>
-                <a:schemeClr val="tx1"/>
-              </a:solidFill>
-              <a:effectLst/>
-              <a:latin typeface="Comic Sans MS" pitchFamily="66" charset="0"/>
-            </a:endParaRPr>
-          </a:p>
-        </p:txBody>
-      </p:sp>
-      <p:sp>
-        <p:nvSpPr>
-          <p:cNvPr id="4" name="Slide Number Placeholder 3"/>
-          <p:cNvSpPr>
-            <a:spLocks noGrp="1"/>
-          </p:cNvSpPr>
-          <p:nvPr>
-            <p:ph type="sldNum" sz="quarter" idx="4"/>
-          </p:nvPr>
-        </p:nvSpPr>
-        <p:spPr>
-          <a:xfrm>
-            <a:off x="8205075" y="6553200"/>
-            <a:ext cx="891302" cy="246221"/>
-          </a:xfrm>
-        </p:spPr>
-        <p:txBody>
-          <a:bodyPr/>
-          <a:lstStyle/>
-          <a:p>
-            <a:pPr>
-              <a:defRPr/>
-            </a:pPr>
-            <a:r>
-              <a:rPr lang="en-US" dirty="0" smtClean="0"/>
-              <a:t>min-gray.</a:t>
-            </a:r>
-            <a:fld id="{D7F2FC53-1536-41A9-A9C1-2199CF803E30}" type="slidenum">
-              <a:rPr lang="en-US" smtClean="0"/>
-              <a:pPr>
-                <a:defRPr/>
-              </a:pPr>
-              <a:t>20</a:t>
-            </a:fld>
-            <a:endParaRPr lang="en-US" dirty="0"/>
-          </a:p>
-        </p:txBody>
-      </p:sp>
-      <p:sp>
-        <p:nvSpPr>
-          <p:cNvPr id="51" name="TextBox 50"/>
-          <p:cNvSpPr txBox="1"/>
-          <p:nvPr/>
-        </p:nvSpPr>
-        <p:spPr>
-          <a:xfrm>
-            <a:off x="6781800" y="3429000"/>
-            <a:ext cx="762000" cy="1015663"/>
-          </a:xfrm>
-          <a:prstGeom prst="rect">
-            <a:avLst/>
-          </a:prstGeom>
-          <a:noFill/>
-        </p:spPr>
-        <p:txBody>
-          <a:bodyPr wrap="square" rtlCol="0">
-            <a:spAutoFit/>
-          </a:bodyPr>
-          <a:lstStyle/>
-          <a:p>
-            <a:r>
-              <a:rPr lang="en-US" sz="6000" b="1" i="1" dirty="0">
-                <a:ln w="12700">
-                  <a:solidFill>
-                    <a:schemeClr val="tx2">
-                      <a:satMod val="155000"/>
-                    </a:schemeClr>
-                  </a:solidFill>
-                  <a:prstDash val="solid"/>
-                </a:ln>
-                <a:solidFill>
-                  <a:schemeClr val="bg2">
-                    <a:tint val="85000"/>
-                    <a:satMod val="155000"/>
-                  </a:schemeClr>
-                </a:solidFill>
-                <a:effectLst>
-                  <a:outerShdw blurRad="41275" dist="20320" dir="1800000" algn="tl" rotWithShape="0">
-                    <a:srgbClr val="000000">
-                      <a:alpha val="40000"/>
-                    </a:srgbClr>
-                  </a:outerShdw>
-                </a:effectLst>
-                <a:latin typeface="PT Serif"/>
-                <a:cs typeface="PT Serif"/>
-              </a:rPr>
-              <a:t>e</a:t>
-            </a:r>
-            <a:endParaRPr lang="en-US" sz="6000" dirty="0">
-              <a:solidFill>
-                <a:schemeClr val="accent1">
-                  <a:lumMod val="50000"/>
-                </a:schemeClr>
-              </a:solidFill>
-            </a:endParaRPr>
-          </a:p>
-        </p:txBody>
-      </p:sp>
-      <p:sp>
-        <p:nvSpPr>
-          <p:cNvPr id="128" name="Freeform 127"/>
-          <p:cNvSpPr/>
-          <p:nvPr/>
-        </p:nvSpPr>
-        <p:spPr>
-          <a:xfrm>
-            <a:off x="5537200" y="2354385"/>
-            <a:ext cx="635000" cy="644769"/>
-          </a:xfrm>
-          <a:custGeom>
-            <a:avLst/>
-            <a:gdLst>
-              <a:gd name="connsiteX0" fmla="*/ 635000 w 635000"/>
-              <a:gd name="connsiteY0" fmla="*/ 644769 h 644769"/>
-              <a:gd name="connsiteX1" fmla="*/ 0 w 635000"/>
-              <a:gd name="connsiteY1" fmla="*/ 0 h 644769"/>
-              <a:gd name="connsiteX2" fmla="*/ 0 w 635000"/>
-              <a:gd name="connsiteY2" fmla="*/ 0 h 644769"/>
-            </a:gdLst>
-            <a:ahLst/>
-            <a:cxnLst>
-              <a:cxn ang="0">
-                <a:pos x="connsiteX0" y="connsiteY0"/>
-              </a:cxn>
-              <a:cxn ang="0">
-                <a:pos x="connsiteX1" y="connsiteY1"/>
-              </a:cxn>
-              <a:cxn ang="0">
-                <a:pos x="connsiteX2" y="connsiteY2"/>
-              </a:cxn>
-            </a:cxnLst>
-            <a:rect l="l" t="t" r="r" b="b"/>
-            <a:pathLst>
-              <a:path w="635000" h="644769">
-                <a:moveTo>
-                  <a:pt x="635000" y="644769"/>
-                </a:moveTo>
-                <a:lnTo>
-                  <a:pt x="0" y="0"/>
-                </a:lnTo>
-                <a:lnTo>
-                  <a:pt x="0" y="0"/>
-                </a:lnTo>
-              </a:path>
-            </a:pathLst>
-          </a:custGeom>
-        </p:spPr>
-        <p:txBody>
-          <a:bodyPr rtlCol="0" anchor="ctr"/>
-          <a:lstStyle/>
-          <a:p>
-            <a:pPr algn="ctr"/>
-            <a:endParaRPr lang="en-US"/>
-          </a:p>
-        </p:txBody>
-      </p:sp>
-      <p:cxnSp>
-        <p:nvCxnSpPr>
-          <p:cNvPr id="138" name="Straight Connector 137"/>
-          <p:cNvCxnSpPr>
-            <a:stCxn id="8" idx="4"/>
-            <a:endCxn id="5" idx="0"/>
-          </p:cNvCxnSpPr>
-          <p:nvPr/>
-        </p:nvCxnSpPr>
-        <p:spPr bwMode="auto">
-          <a:xfrm>
-            <a:off x="6553200" y="2895600"/>
-            <a:ext cx="228600" cy="2438400"/>
-          </a:xfrm>
-          <a:prstGeom prst="line">
-            <a:avLst/>
-          </a:prstGeom>
-          <a:noFill/>
-          <a:ln w="69850" cap="flat" cmpd="sng" algn="ctr">
-            <a:solidFill>
-              <a:schemeClr val="accent1">
-                <a:lumMod val="50000"/>
-              </a:schemeClr>
-            </a:solidFill>
-            <a:prstDash val="solid"/>
-            <a:round/>
-            <a:headEnd type="none" w="med" len="med"/>
-            <a:tailEnd type="none" w="lg" len="lg"/>
-          </a:ln>
-          <a:effectLst/>
-        </p:spPr>
-      </p:cxnSp>
-      <p:sp>
-        <p:nvSpPr>
-          <p:cNvPr id="144" name="TextBox 143"/>
-          <p:cNvSpPr txBox="1"/>
-          <p:nvPr/>
-        </p:nvSpPr>
-        <p:spPr>
-          <a:xfrm>
-            <a:off x="3124200" y="2743200"/>
-            <a:ext cx="678341" cy="1200329"/>
-          </a:xfrm>
-          <a:prstGeom prst="rect">
-            <a:avLst/>
-          </a:prstGeom>
-          <a:noFill/>
-        </p:spPr>
-        <p:txBody>
-          <a:bodyPr wrap="none" rtlCol="0">
-            <a:spAutoFit/>
-          </a:bodyPr>
-          <a:lstStyle/>
-          <a:p>
-            <a:r>
-              <a:rPr lang="en-US" sz="7200" dirty="0" smtClean="0">
-                <a:solidFill>
-                  <a:srgbClr val="0000FF"/>
-                </a:solidFill>
-              </a:rPr>
-              <a:t>p</a:t>
-            </a:r>
-            <a:endParaRPr lang="en-US" sz="7200" dirty="0">
-              <a:solidFill>
-                <a:srgbClr val="0000FF"/>
-              </a:solidFill>
-            </a:endParaRPr>
-          </a:p>
-        </p:txBody>
-      </p:sp>
-      <p:cxnSp>
-        <p:nvCxnSpPr>
-          <p:cNvPr id="145" name="Straight Connector 144"/>
-          <p:cNvCxnSpPr>
-            <a:endCxn id="8" idx="6"/>
-          </p:cNvCxnSpPr>
-          <p:nvPr/>
-        </p:nvCxnSpPr>
-        <p:spPr bwMode="auto">
-          <a:xfrm flipH="1" flipV="1">
-            <a:off x="6629400" y="2819400"/>
-            <a:ext cx="1295400" cy="762000"/>
-          </a:xfrm>
-          <a:prstGeom prst="line">
-            <a:avLst/>
-          </a:prstGeom>
-          <a:noFill/>
-          <a:ln w="38100" cap="flat" cmpd="sng" algn="ctr">
-            <a:solidFill>
-              <a:schemeClr val="tx1"/>
-            </a:solidFill>
-            <a:prstDash val="solid"/>
-            <a:round/>
-            <a:headEnd type="none" w="med" len="med"/>
-            <a:tailEnd type="none" w="lg" len="lg"/>
-          </a:ln>
-          <a:effectLst/>
-        </p:spPr>
-      </p:cxnSp>
-      <p:sp>
-        <p:nvSpPr>
-          <p:cNvPr id="42" name="Oval 41"/>
-          <p:cNvSpPr/>
-          <p:nvPr/>
-        </p:nvSpPr>
-        <p:spPr bwMode="auto">
-          <a:xfrm>
-            <a:off x="7848600" y="3505200"/>
-            <a:ext cx="152400" cy="152400"/>
-          </a:xfrm>
-          <a:prstGeom prst="ellipse">
-            <a:avLst/>
-          </a:prstGeom>
-          <a:solidFill>
-            <a:schemeClr val="tx1"/>
-          </a:solidFill>
-          <a:ln w="31750" cap="flat" cmpd="sng" algn="ctr">
-            <a:solidFill>
-              <a:schemeClr val="tx1"/>
-            </a:solidFill>
-            <a:prstDash val="solid"/>
-            <a:round/>
-            <a:headEnd type="none" w="med" len="med"/>
-            <a:tailEnd type="triangle" w="lg" len="lg"/>
-          </a:ln>
-          <a:effectLst/>
-        </p:spPr>
-        <p:txBody>
-          <a:bodyPr vert="horz" wrap="square" lIns="91440" tIns="45720" rIns="91440" bIns="45720" numCol="1" rtlCol="0" anchor="t" anchorCtr="0" compatLnSpc="1">
-            <a:prstTxWarp prst="textNoShape">
-              <a:avLst/>
-            </a:prstTxWarp>
-          </a:bodyPr>
-          <a:lstStyle/>
-          <a:p>
-            <a:pPr marL="0" marR="0" indent="0" algn="l" defTabSz="914400" rtl="0" eaLnBrk="1" fontAlgn="base" latinLnBrk="0" hangingPunct="1">
-              <a:lnSpc>
-                <a:spcPct val="100000"/>
-              </a:lnSpc>
-              <a:spcBef>
-                <a:spcPct val="0"/>
-              </a:spcBef>
-              <a:spcAft>
-                <a:spcPct val="0"/>
-              </a:spcAft>
-              <a:buClrTx/>
-              <a:buSzTx/>
-              <a:buFontTx/>
-              <a:buNone/>
-              <a:tabLst/>
-            </a:pPr>
-            <a:endParaRPr kumimoji="0" lang="en-US" sz="3200" b="0" i="0" u="none" strike="noStrike" cap="none" normalizeH="0" baseline="0" smtClean="0">
-              <a:ln>
-                <a:noFill/>
-              </a:ln>
-              <a:solidFill>
-                <a:schemeClr val="tx1"/>
-              </a:solidFill>
-              <a:effectLst/>
-              <a:latin typeface="Comic Sans MS" pitchFamily="66" charset="0"/>
-            </a:endParaRPr>
-          </a:p>
-        </p:txBody>
-      </p:sp>
-      <p:cxnSp>
-        <p:nvCxnSpPr>
-          <p:cNvPr id="50" name="Straight Connector 49"/>
-          <p:cNvCxnSpPr>
-            <a:stCxn id="7" idx="6"/>
-          </p:cNvCxnSpPr>
-          <p:nvPr/>
-        </p:nvCxnSpPr>
-        <p:spPr bwMode="auto">
-          <a:xfrm>
-            <a:off x="5432518" y="6096000"/>
-            <a:ext cx="739682" cy="381000"/>
-          </a:xfrm>
-          <a:prstGeom prst="line">
-            <a:avLst/>
-          </a:prstGeom>
-          <a:noFill/>
-          <a:ln w="38100" cap="flat" cmpd="sng" algn="ctr">
-            <a:solidFill>
-              <a:srgbClr val="FF00FF"/>
-            </a:solidFill>
-            <a:prstDash val="solid"/>
-            <a:round/>
-            <a:headEnd type="none" w="med" len="med"/>
-            <a:tailEnd type="none" w="lg" len="lg"/>
-          </a:ln>
-          <a:effectLst/>
-        </p:spPr>
-      </p:cxnSp>
-      <p:sp>
-        <p:nvSpPr>
-          <p:cNvPr id="55" name="Oval 54"/>
-          <p:cNvSpPr/>
-          <p:nvPr/>
-        </p:nvSpPr>
-        <p:spPr bwMode="auto">
-          <a:xfrm>
-            <a:off x="6172200" y="6400800"/>
-            <a:ext cx="152400" cy="152400"/>
-          </a:xfrm>
-          <a:prstGeom prst="ellipse">
-            <a:avLst/>
-          </a:prstGeom>
-          <a:solidFill>
-            <a:schemeClr val="tx1"/>
-          </a:solidFill>
-          <a:ln w="31750" cap="flat" cmpd="sng" algn="ctr">
-            <a:solidFill>
-              <a:schemeClr val="tx1"/>
-            </a:solidFill>
-            <a:prstDash val="solid"/>
-            <a:round/>
-            <a:headEnd type="none" w="med" len="med"/>
-            <a:tailEnd type="triangle" w="lg" len="lg"/>
-          </a:ln>
-          <a:effectLst/>
-        </p:spPr>
-        <p:txBody>
-          <a:bodyPr vert="horz" wrap="square" lIns="91440" tIns="45720" rIns="91440" bIns="45720" numCol="1" rtlCol="0" anchor="t" anchorCtr="0" compatLnSpc="1">
-            <a:prstTxWarp prst="textNoShape">
-              <a:avLst/>
-            </a:prstTxWarp>
-          </a:bodyPr>
-          <a:lstStyle/>
-          <a:p>
-            <a:pPr marL="0" marR="0" indent="0" algn="l" defTabSz="914400" rtl="0" eaLnBrk="1" fontAlgn="base" latinLnBrk="0" hangingPunct="1">
-              <a:lnSpc>
-                <a:spcPct val="100000"/>
-              </a:lnSpc>
-              <a:spcBef>
-                <a:spcPct val="0"/>
-              </a:spcBef>
-              <a:spcAft>
-                <a:spcPct val="0"/>
-              </a:spcAft>
-              <a:buClrTx/>
-              <a:buSzTx/>
-              <a:buFontTx/>
-              <a:buNone/>
-              <a:tabLst/>
-            </a:pPr>
-            <a:endParaRPr kumimoji="0" lang="en-US" sz="3200" b="0" i="0" u="none" strike="noStrike" cap="none" normalizeH="0" baseline="0" smtClean="0">
-              <a:ln>
-                <a:noFill/>
-              </a:ln>
-              <a:solidFill>
-                <a:schemeClr val="tx1"/>
-              </a:solidFill>
-              <a:effectLst/>
-              <a:latin typeface="Comic Sans MS" pitchFamily="66" charset="0"/>
-            </a:endParaRPr>
-          </a:p>
-        </p:txBody>
-      </p:sp>
-      <p:sp>
-        <p:nvSpPr>
-          <p:cNvPr id="34" name="Freeform 33"/>
-          <p:cNvSpPr/>
-          <p:nvPr/>
-        </p:nvSpPr>
-        <p:spPr>
-          <a:xfrm>
-            <a:off x="5791200" y="1981200"/>
-            <a:ext cx="685800" cy="838200"/>
-          </a:xfrm>
-          <a:custGeom>
-            <a:avLst/>
-            <a:gdLst>
-              <a:gd name="connsiteX0" fmla="*/ 577313 w 577313"/>
-              <a:gd name="connsiteY0" fmla="*/ 744006 h 744006"/>
-              <a:gd name="connsiteX1" fmla="*/ 0 w 577313"/>
-              <a:gd name="connsiteY1" fmla="*/ 0 h 744006"/>
-            </a:gdLst>
-            <a:ahLst/>
-            <a:cxnLst>
-              <a:cxn ang="0">
-                <a:pos x="connsiteX0" y="connsiteY0"/>
-              </a:cxn>
-              <a:cxn ang="0">
-                <a:pos x="connsiteX1" y="connsiteY1"/>
-              </a:cxn>
-            </a:cxnLst>
-            <a:rect l="l" t="t" r="r" b="b"/>
-            <a:pathLst>
-              <a:path w="577313" h="744006">
-                <a:moveTo>
-                  <a:pt x="577313" y="744006"/>
-                </a:moveTo>
-                <a:lnTo>
-                  <a:pt x="0" y="0"/>
-                </a:lnTo>
-              </a:path>
-            </a:pathLst>
-          </a:custGeom>
-          <a:ln w="47625">
-            <a:solidFill>
-              <a:schemeClr val="accent5">
-                <a:lumMod val="50000"/>
-              </a:schemeClr>
-            </a:solidFill>
-          </a:ln>
-        </p:spPr>
-        <p:txBody>
-          <a:bodyPr rtlCol="0" anchor="ctr"/>
-          <a:lstStyle/>
-          <a:p>
-            <a:pPr algn="ctr"/>
-            <a:endParaRPr lang="en-US"/>
-          </a:p>
-        </p:txBody>
-      </p:sp>
-      <p:sp>
-        <p:nvSpPr>
-          <p:cNvPr id="36" name="Freeform 35"/>
-          <p:cNvSpPr/>
-          <p:nvPr/>
-        </p:nvSpPr>
-        <p:spPr>
-          <a:xfrm>
-            <a:off x="2971800" y="1928535"/>
-            <a:ext cx="3823111" cy="4015065"/>
-          </a:xfrm>
-          <a:custGeom>
-            <a:avLst/>
-            <a:gdLst>
-              <a:gd name="connsiteX0" fmla="*/ 2848093 w 3823111"/>
-              <a:gd name="connsiteY0" fmla="*/ 89794 h 4015065"/>
-              <a:gd name="connsiteX1" fmla="*/ 2848093 w 3823111"/>
-              <a:gd name="connsiteY1" fmla="*/ 89794 h 4015065"/>
-              <a:gd name="connsiteX2" fmla="*/ 2719801 w 3823111"/>
-              <a:gd name="connsiteY2" fmla="*/ 76966 h 4015065"/>
-              <a:gd name="connsiteX3" fmla="*/ 2655655 w 3823111"/>
-              <a:gd name="connsiteY3" fmla="*/ 64138 h 4015065"/>
-              <a:gd name="connsiteX4" fmla="*/ 2463217 w 3823111"/>
-              <a:gd name="connsiteY4" fmla="*/ 51311 h 4015065"/>
-              <a:gd name="connsiteX5" fmla="*/ 2270779 w 3823111"/>
-              <a:gd name="connsiteY5" fmla="*/ 25655 h 4015065"/>
-              <a:gd name="connsiteX6" fmla="*/ 2219463 w 3823111"/>
-              <a:gd name="connsiteY6" fmla="*/ 12828 h 4015065"/>
-              <a:gd name="connsiteX7" fmla="*/ 2091171 w 3823111"/>
-              <a:gd name="connsiteY7" fmla="*/ 0 h 4015065"/>
-              <a:gd name="connsiteX8" fmla="*/ 1282932 w 3823111"/>
-              <a:gd name="connsiteY8" fmla="*/ 12828 h 4015065"/>
-              <a:gd name="connsiteX9" fmla="*/ 1244445 w 3823111"/>
-              <a:gd name="connsiteY9" fmla="*/ 25655 h 4015065"/>
-              <a:gd name="connsiteX10" fmla="*/ 1141811 w 3823111"/>
-              <a:gd name="connsiteY10" fmla="*/ 64138 h 4015065"/>
-              <a:gd name="connsiteX11" fmla="*/ 1026349 w 3823111"/>
-              <a:gd name="connsiteY11" fmla="*/ 89794 h 4015065"/>
-              <a:gd name="connsiteX12" fmla="*/ 975032 w 3823111"/>
-              <a:gd name="connsiteY12" fmla="*/ 102621 h 4015065"/>
-              <a:gd name="connsiteX13" fmla="*/ 898057 w 3823111"/>
-              <a:gd name="connsiteY13" fmla="*/ 179588 h 4015065"/>
-              <a:gd name="connsiteX14" fmla="*/ 859569 w 3823111"/>
-              <a:gd name="connsiteY14" fmla="*/ 218071 h 4015065"/>
-              <a:gd name="connsiteX15" fmla="*/ 731278 w 3823111"/>
-              <a:gd name="connsiteY15" fmla="*/ 307864 h 4015065"/>
-              <a:gd name="connsiteX16" fmla="*/ 667132 w 3823111"/>
-              <a:gd name="connsiteY16" fmla="*/ 372003 h 4015065"/>
-              <a:gd name="connsiteX17" fmla="*/ 577327 w 3823111"/>
-              <a:gd name="connsiteY17" fmla="*/ 474624 h 4015065"/>
-              <a:gd name="connsiteX18" fmla="*/ 526011 w 3823111"/>
-              <a:gd name="connsiteY18" fmla="*/ 538763 h 4015065"/>
-              <a:gd name="connsiteX19" fmla="*/ 449036 w 3823111"/>
-              <a:gd name="connsiteY19" fmla="*/ 590073 h 4015065"/>
-              <a:gd name="connsiteX20" fmla="*/ 410548 w 3823111"/>
-              <a:gd name="connsiteY20" fmla="*/ 679867 h 4015065"/>
-              <a:gd name="connsiteX21" fmla="*/ 384890 w 3823111"/>
-              <a:gd name="connsiteY21" fmla="*/ 705523 h 4015065"/>
-              <a:gd name="connsiteX22" fmla="*/ 333573 w 3823111"/>
-              <a:gd name="connsiteY22" fmla="*/ 782489 h 4015065"/>
-              <a:gd name="connsiteX23" fmla="*/ 307915 w 3823111"/>
-              <a:gd name="connsiteY23" fmla="*/ 820972 h 4015065"/>
-              <a:gd name="connsiteX24" fmla="*/ 282256 w 3823111"/>
-              <a:gd name="connsiteY24" fmla="*/ 872282 h 4015065"/>
-              <a:gd name="connsiteX25" fmla="*/ 256598 w 3823111"/>
-              <a:gd name="connsiteY25" fmla="*/ 910765 h 4015065"/>
-              <a:gd name="connsiteX26" fmla="*/ 218110 w 3823111"/>
-              <a:gd name="connsiteY26" fmla="*/ 1000559 h 4015065"/>
-              <a:gd name="connsiteX27" fmla="*/ 166794 w 3823111"/>
-              <a:gd name="connsiteY27" fmla="*/ 1077525 h 4015065"/>
-              <a:gd name="connsiteX28" fmla="*/ 153964 w 3823111"/>
-              <a:gd name="connsiteY28" fmla="*/ 1116008 h 4015065"/>
-              <a:gd name="connsiteX29" fmla="*/ 102648 w 3823111"/>
-              <a:gd name="connsiteY29" fmla="*/ 1192974 h 4015065"/>
-              <a:gd name="connsiteX30" fmla="*/ 89818 w 3823111"/>
-              <a:gd name="connsiteY30" fmla="*/ 1231458 h 4015065"/>
-              <a:gd name="connsiteX31" fmla="*/ 38502 w 3823111"/>
-              <a:gd name="connsiteY31" fmla="*/ 1308424 h 4015065"/>
-              <a:gd name="connsiteX32" fmla="*/ 12843 w 3823111"/>
-              <a:gd name="connsiteY32" fmla="*/ 1385390 h 4015065"/>
-              <a:gd name="connsiteX33" fmla="*/ 14 w 3823111"/>
-              <a:gd name="connsiteY33" fmla="*/ 1616288 h 4015065"/>
-              <a:gd name="connsiteX34" fmla="*/ 25672 w 3823111"/>
-              <a:gd name="connsiteY34" fmla="*/ 1885669 h 4015065"/>
-              <a:gd name="connsiteX35" fmla="*/ 51331 w 3823111"/>
-              <a:gd name="connsiteY35" fmla="*/ 1936980 h 4015065"/>
-              <a:gd name="connsiteX36" fmla="*/ 64160 w 3823111"/>
-              <a:gd name="connsiteY36" fmla="*/ 2001119 h 4015065"/>
-              <a:gd name="connsiteX37" fmla="*/ 76989 w 3823111"/>
-              <a:gd name="connsiteY37" fmla="*/ 2039602 h 4015065"/>
-              <a:gd name="connsiteX38" fmla="*/ 89818 w 3823111"/>
-              <a:gd name="connsiteY38" fmla="*/ 2142223 h 4015065"/>
-              <a:gd name="connsiteX39" fmla="*/ 128306 w 3823111"/>
-              <a:gd name="connsiteY39" fmla="*/ 2680986 h 4015065"/>
-              <a:gd name="connsiteX40" fmla="*/ 153964 w 3823111"/>
-              <a:gd name="connsiteY40" fmla="*/ 2745124 h 4015065"/>
-              <a:gd name="connsiteX41" fmla="*/ 192452 w 3823111"/>
-              <a:gd name="connsiteY41" fmla="*/ 2822090 h 4015065"/>
-              <a:gd name="connsiteX42" fmla="*/ 218110 w 3823111"/>
-              <a:gd name="connsiteY42" fmla="*/ 2937539 h 4015065"/>
-              <a:gd name="connsiteX43" fmla="*/ 243769 w 3823111"/>
-              <a:gd name="connsiteY43" fmla="*/ 3001678 h 4015065"/>
-              <a:gd name="connsiteX44" fmla="*/ 256598 w 3823111"/>
-              <a:gd name="connsiteY44" fmla="*/ 3078644 h 4015065"/>
-              <a:gd name="connsiteX45" fmla="*/ 295085 w 3823111"/>
-              <a:gd name="connsiteY45" fmla="*/ 3206921 h 4015065"/>
-              <a:gd name="connsiteX46" fmla="*/ 320744 w 3823111"/>
-              <a:gd name="connsiteY46" fmla="*/ 3271059 h 4015065"/>
-              <a:gd name="connsiteX47" fmla="*/ 372060 w 3823111"/>
-              <a:gd name="connsiteY47" fmla="*/ 3360853 h 4015065"/>
-              <a:gd name="connsiteX48" fmla="*/ 423377 w 3823111"/>
-              <a:gd name="connsiteY48" fmla="*/ 3412164 h 4015065"/>
-              <a:gd name="connsiteX49" fmla="*/ 449036 w 3823111"/>
-              <a:gd name="connsiteY49" fmla="*/ 3437819 h 4015065"/>
-              <a:gd name="connsiteX50" fmla="*/ 487523 w 3823111"/>
-              <a:gd name="connsiteY50" fmla="*/ 3450647 h 4015065"/>
-              <a:gd name="connsiteX51" fmla="*/ 526011 w 3823111"/>
-              <a:gd name="connsiteY51" fmla="*/ 3476302 h 4015065"/>
-              <a:gd name="connsiteX52" fmla="*/ 577327 w 3823111"/>
-              <a:gd name="connsiteY52" fmla="*/ 3501957 h 4015065"/>
-              <a:gd name="connsiteX53" fmla="*/ 654302 w 3823111"/>
-              <a:gd name="connsiteY53" fmla="*/ 3540440 h 4015065"/>
-              <a:gd name="connsiteX54" fmla="*/ 769765 w 3823111"/>
-              <a:gd name="connsiteY54" fmla="*/ 3617407 h 4015065"/>
-              <a:gd name="connsiteX55" fmla="*/ 808253 w 3823111"/>
-              <a:gd name="connsiteY55" fmla="*/ 3643062 h 4015065"/>
-              <a:gd name="connsiteX56" fmla="*/ 846740 w 3823111"/>
-              <a:gd name="connsiteY56" fmla="*/ 3655890 h 4015065"/>
-              <a:gd name="connsiteX57" fmla="*/ 923715 w 3823111"/>
-              <a:gd name="connsiteY57" fmla="*/ 3707200 h 4015065"/>
-              <a:gd name="connsiteX58" fmla="*/ 949374 w 3823111"/>
-              <a:gd name="connsiteY58" fmla="*/ 3745683 h 4015065"/>
-              <a:gd name="connsiteX59" fmla="*/ 1026349 w 3823111"/>
-              <a:gd name="connsiteY59" fmla="*/ 3771339 h 4015065"/>
-              <a:gd name="connsiteX60" fmla="*/ 1141811 w 3823111"/>
-              <a:gd name="connsiteY60" fmla="*/ 3822650 h 4015065"/>
-              <a:gd name="connsiteX61" fmla="*/ 1205957 w 3823111"/>
-              <a:gd name="connsiteY61" fmla="*/ 3873960 h 4015065"/>
-              <a:gd name="connsiteX62" fmla="*/ 1321420 w 3823111"/>
-              <a:gd name="connsiteY62" fmla="*/ 3899616 h 4015065"/>
-              <a:gd name="connsiteX63" fmla="*/ 1359908 w 3823111"/>
-              <a:gd name="connsiteY63" fmla="*/ 3912443 h 4015065"/>
-              <a:gd name="connsiteX64" fmla="*/ 1796100 w 3823111"/>
-              <a:gd name="connsiteY64" fmla="*/ 3938099 h 4015065"/>
-              <a:gd name="connsiteX65" fmla="*/ 1873075 w 3823111"/>
-              <a:gd name="connsiteY65" fmla="*/ 3976582 h 4015065"/>
-              <a:gd name="connsiteX66" fmla="*/ 1975708 w 3823111"/>
-              <a:gd name="connsiteY66" fmla="*/ 4002237 h 4015065"/>
-              <a:gd name="connsiteX67" fmla="*/ 2027025 w 3823111"/>
-              <a:gd name="connsiteY67" fmla="*/ 4015065 h 4015065"/>
-              <a:gd name="connsiteX68" fmla="*/ 2232292 w 3823111"/>
-              <a:gd name="connsiteY68" fmla="*/ 4002237 h 4015065"/>
-              <a:gd name="connsiteX69" fmla="*/ 2270779 w 3823111"/>
-              <a:gd name="connsiteY69" fmla="*/ 3976582 h 4015065"/>
-              <a:gd name="connsiteX70" fmla="*/ 2309267 w 3823111"/>
-              <a:gd name="connsiteY70" fmla="*/ 3963754 h 4015065"/>
-              <a:gd name="connsiteX71" fmla="*/ 2450388 w 3823111"/>
-              <a:gd name="connsiteY71" fmla="*/ 3822650 h 4015065"/>
-              <a:gd name="connsiteX72" fmla="*/ 2501705 w 3823111"/>
-              <a:gd name="connsiteY72" fmla="*/ 3771339 h 4015065"/>
-              <a:gd name="connsiteX73" fmla="*/ 2540192 w 3823111"/>
-              <a:gd name="connsiteY73" fmla="*/ 3758511 h 4015065"/>
-              <a:gd name="connsiteX74" fmla="*/ 2604338 w 3823111"/>
-              <a:gd name="connsiteY74" fmla="*/ 3732856 h 4015065"/>
-              <a:gd name="connsiteX75" fmla="*/ 2655655 w 3823111"/>
-              <a:gd name="connsiteY75" fmla="*/ 3720028 h 4015065"/>
-              <a:gd name="connsiteX76" fmla="*/ 2732630 w 3823111"/>
-              <a:gd name="connsiteY76" fmla="*/ 3694373 h 4015065"/>
-              <a:gd name="connsiteX77" fmla="*/ 2771118 w 3823111"/>
-              <a:gd name="connsiteY77" fmla="*/ 3681545 h 4015065"/>
-              <a:gd name="connsiteX78" fmla="*/ 2809605 w 3823111"/>
-              <a:gd name="connsiteY78" fmla="*/ 3643062 h 4015065"/>
-              <a:gd name="connsiteX79" fmla="*/ 2848093 w 3823111"/>
-              <a:gd name="connsiteY79" fmla="*/ 3630234 h 4015065"/>
-              <a:gd name="connsiteX80" fmla="*/ 2976385 w 3823111"/>
-              <a:gd name="connsiteY80" fmla="*/ 3617407 h 4015065"/>
-              <a:gd name="connsiteX81" fmla="*/ 3181651 w 3823111"/>
-              <a:gd name="connsiteY81" fmla="*/ 3591751 h 4015065"/>
-              <a:gd name="connsiteX82" fmla="*/ 3258627 w 3823111"/>
-              <a:gd name="connsiteY82" fmla="*/ 3578924 h 4015065"/>
-              <a:gd name="connsiteX83" fmla="*/ 3374089 w 3823111"/>
-              <a:gd name="connsiteY83" fmla="*/ 3566096 h 4015065"/>
-              <a:gd name="connsiteX84" fmla="*/ 3425406 w 3823111"/>
-              <a:gd name="connsiteY84" fmla="*/ 3553268 h 4015065"/>
-              <a:gd name="connsiteX85" fmla="*/ 3489552 w 3823111"/>
-              <a:gd name="connsiteY85" fmla="*/ 3540440 h 4015065"/>
-              <a:gd name="connsiteX86" fmla="*/ 3528039 w 3823111"/>
-              <a:gd name="connsiteY86" fmla="*/ 3514785 h 4015065"/>
-              <a:gd name="connsiteX87" fmla="*/ 3681990 w 3823111"/>
-              <a:gd name="connsiteY87" fmla="*/ 3424991 h 4015065"/>
-              <a:gd name="connsiteX88" fmla="*/ 3733306 w 3823111"/>
-              <a:gd name="connsiteY88" fmla="*/ 3386508 h 4015065"/>
-              <a:gd name="connsiteX89" fmla="*/ 3823111 w 3823111"/>
-              <a:gd name="connsiteY89" fmla="*/ 3348025 h 4015065"/>
-              <a:gd name="connsiteX90" fmla="*/ 3810281 w 3823111"/>
-              <a:gd name="connsiteY90" fmla="*/ 3399336 h 4015065"/>
-              <a:gd name="connsiteX91" fmla="*/ 3733306 w 3823111"/>
-              <a:gd name="connsiteY91" fmla="*/ 3424991 h 4015065"/>
-              <a:gd name="connsiteX92" fmla="*/ 3694819 w 3823111"/>
-              <a:gd name="connsiteY92" fmla="*/ 3450647 h 4015065"/>
-              <a:gd name="connsiteX93" fmla="*/ 3643502 w 3823111"/>
-              <a:gd name="connsiteY93" fmla="*/ 3463474 h 4015065"/>
-              <a:gd name="connsiteX94" fmla="*/ 3592185 w 3823111"/>
-              <a:gd name="connsiteY94" fmla="*/ 3514785 h 4015065"/>
-            </a:gdLst>
-            <a:ahLst/>
-            <a:cxnLst>
-              <a:cxn ang="0">
-                <a:pos x="connsiteX0" y="connsiteY0"/>
-              </a:cxn>
-              <a:cxn ang="0">
-                <a:pos x="connsiteX1" y="connsiteY1"/>
-              </a:cxn>
-              <a:cxn ang="0">
-                <a:pos x="connsiteX2" y="connsiteY2"/>
-              </a:cxn>
-              <a:cxn ang="0">
-                <a:pos x="connsiteX3" y="connsiteY3"/>
-              </a:cxn>
-              <a:cxn ang="0">
-                <a:pos x="connsiteX4" y="connsiteY4"/>
-              </a:cxn>
-              <a:cxn ang="0">
-                <a:pos x="connsiteX5" y="connsiteY5"/>
-              </a:cxn>
-              <a:cxn ang="0">
-                <a:pos x="connsiteX6" y="connsiteY6"/>
-              </a:cxn>
-              <a:cxn ang="0">
-                <a:pos x="connsiteX7" y="connsiteY7"/>
-              </a:cxn>
-              <a:cxn ang="0">
-                <a:pos x="connsiteX8" y="connsiteY8"/>
-              </a:cxn>
-              <a:cxn ang="0">
-                <a:pos x="connsiteX9" y="connsiteY9"/>
-              </a:cxn>
-              <a:cxn ang="0">
-                <a:pos x="connsiteX10" y="connsiteY10"/>
-              </a:cxn>
-              <a:cxn ang="0">
-                <a:pos x="connsiteX11" y="connsiteY11"/>
-              </a:cxn>
-              <a:cxn ang="0">
-                <a:pos x="connsiteX12" y="connsiteY12"/>
-              </a:cxn>
-              <a:cxn ang="0">
-                <a:pos x="connsiteX13" y="connsiteY13"/>
-              </a:cxn>
-              <a:cxn ang="0">
-                <a:pos x="connsiteX14" y="connsiteY14"/>
-              </a:cxn>
-              <a:cxn ang="0">
-                <a:pos x="connsiteX15" y="connsiteY15"/>
-              </a:cxn>
-              <a:cxn ang="0">
-                <a:pos x="connsiteX16" y="connsiteY16"/>
-              </a:cxn>
-              <a:cxn ang="0">
-                <a:pos x="connsiteX17" y="connsiteY17"/>
-              </a:cxn>
-              <a:cxn ang="0">
-                <a:pos x="connsiteX18" y="connsiteY18"/>
-              </a:cxn>
-              <a:cxn ang="0">
-                <a:pos x="connsiteX19" y="connsiteY19"/>
-              </a:cxn>
-              <a:cxn ang="0">
-                <a:pos x="connsiteX20" y="connsiteY20"/>
-              </a:cxn>
-              <a:cxn ang="0">
-                <a:pos x="connsiteX21" y="connsiteY21"/>
-              </a:cxn>
-              <a:cxn ang="0">
-                <a:pos x="connsiteX22" y="connsiteY22"/>
-              </a:cxn>
-              <a:cxn ang="0">
-                <a:pos x="connsiteX23" y="connsiteY23"/>
-              </a:cxn>
-              <a:cxn ang="0">
-                <a:pos x="connsiteX24" y="connsiteY24"/>
-              </a:cxn>
-              <a:cxn ang="0">
-                <a:pos x="connsiteX25" y="connsiteY25"/>
-              </a:cxn>
-              <a:cxn ang="0">
-                <a:pos x="connsiteX26" y="connsiteY26"/>
-              </a:cxn>
-              <a:cxn ang="0">
-                <a:pos x="connsiteX27" y="connsiteY27"/>
-              </a:cxn>
-              <a:cxn ang="0">
-                <a:pos x="connsiteX28" y="connsiteY28"/>
-              </a:cxn>
-              <a:cxn ang="0">
-                <a:pos x="connsiteX29" y="connsiteY29"/>
-              </a:cxn>
-              <a:cxn ang="0">
-                <a:pos x="connsiteX30" y="connsiteY30"/>
-              </a:cxn>
-              <a:cxn ang="0">
-                <a:pos x="connsiteX31" y="connsiteY31"/>
-              </a:cxn>
-              <a:cxn ang="0">
-                <a:pos x="connsiteX32" y="connsiteY32"/>
-              </a:cxn>
-              <a:cxn ang="0">
-                <a:pos x="connsiteX33" y="connsiteY33"/>
-              </a:cxn>
-              <a:cxn ang="0">
-                <a:pos x="connsiteX34" y="connsiteY34"/>
-              </a:cxn>
-              <a:cxn ang="0">
-                <a:pos x="connsiteX35" y="connsiteY35"/>
-              </a:cxn>
-              <a:cxn ang="0">
-                <a:pos x="connsiteX36" y="connsiteY36"/>
-              </a:cxn>
-              <a:cxn ang="0">
-                <a:pos x="connsiteX37" y="connsiteY37"/>
-              </a:cxn>
-              <a:cxn ang="0">
-                <a:pos x="connsiteX38" y="connsiteY38"/>
-              </a:cxn>
-              <a:cxn ang="0">
-                <a:pos x="connsiteX39" y="connsiteY39"/>
-              </a:cxn>
-              <a:cxn ang="0">
-                <a:pos x="connsiteX40" y="connsiteY40"/>
-              </a:cxn>
-              <a:cxn ang="0">
-                <a:pos x="connsiteX41" y="connsiteY41"/>
-              </a:cxn>
-              <a:cxn ang="0">
-                <a:pos x="connsiteX42" y="connsiteY42"/>
-              </a:cxn>
-              <a:cxn ang="0">
-                <a:pos x="connsiteX43" y="connsiteY43"/>
-              </a:cxn>
-              <a:cxn ang="0">
-                <a:pos x="connsiteX44" y="connsiteY44"/>
-              </a:cxn>
-              <a:cxn ang="0">
-                <a:pos x="connsiteX45" y="connsiteY45"/>
-              </a:cxn>
-              <a:cxn ang="0">
-                <a:pos x="connsiteX46" y="connsiteY46"/>
-              </a:cxn>
-              <a:cxn ang="0">
-                <a:pos x="connsiteX47" y="connsiteY47"/>
-              </a:cxn>
-              <a:cxn ang="0">
-                <a:pos x="connsiteX48" y="connsiteY48"/>
-              </a:cxn>
-              <a:cxn ang="0">
-                <a:pos x="connsiteX49" y="connsiteY49"/>
-              </a:cxn>
-              <a:cxn ang="0">
-                <a:pos x="connsiteX50" y="connsiteY50"/>
-              </a:cxn>
-              <a:cxn ang="0">
-                <a:pos x="connsiteX51" y="connsiteY51"/>
-              </a:cxn>
-              <a:cxn ang="0">
-                <a:pos x="connsiteX52" y="connsiteY52"/>
-              </a:cxn>
-              <a:cxn ang="0">
-                <a:pos x="connsiteX53" y="connsiteY53"/>
-              </a:cxn>
-              <a:cxn ang="0">
-                <a:pos x="connsiteX54" y="connsiteY54"/>
-              </a:cxn>
-              <a:cxn ang="0">
-                <a:pos x="connsiteX55" y="connsiteY55"/>
-              </a:cxn>
-              <a:cxn ang="0">
-                <a:pos x="connsiteX56" y="connsiteY56"/>
-              </a:cxn>
-              <a:cxn ang="0">
-                <a:pos x="connsiteX57" y="connsiteY57"/>
-              </a:cxn>
-              <a:cxn ang="0">
-                <a:pos x="connsiteX58" y="connsiteY58"/>
-              </a:cxn>
-              <a:cxn ang="0">
-                <a:pos x="connsiteX59" y="connsiteY59"/>
-              </a:cxn>
-              <a:cxn ang="0">
-                <a:pos x="connsiteX60" y="connsiteY60"/>
-              </a:cxn>
-              <a:cxn ang="0">
-                <a:pos x="connsiteX61" y="connsiteY61"/>
-              </a:cxn>
-              <a:cxn ang="0">
-                <a:pos x="connsiteX62" y="connsiteY62"/>
-              </a:cxn>
-              <a:cxn ang="0">
-                <a:pos x="connsiteX63" y="connsiteY63"/>
-              </a:cxn>
-              <a:cxn ang="0">
-                <a:pos x="connsiteX64" y="connsiteY64"/>
-              </a:cxn>
-              <a:cxn ang="0">
-                <a:pos x="connsiteX65" y="connsiteY65"/>
-              </a:cxn>
-              <a:cxn ang="0">
-                <a:pos x="connsiteX66" y="connsiteY66"/>
-              </a:cxn>
-              <a:cxn ang="0">
-                <a:pos x="connsiteX67" y="connsiteY67"/>
-              </a:cxn>
-              <a:cxn ang="0">
-                <a:pos x="connsiteX68" y="connsiteY68"/>
-              </a:cxn>
-              <a:cxn ang="0">
-                <a:pos x="connsiteX69" y="connsiteY69"/>
-              </a:cxn>
-              <a:cxn ang="0">
-                <a:pos x="connsiteX70" y="connsiteY70"/>
-              </a:cxn>
-              <a:cxn ang="0">
-                <a:pos x="connsiteX71" y="connsiteY71"/>
-              </a:cxn>
-              <a:cxn ang="0">
-                <a:pos x="connsiteX72" y="connsiteY72"/>
-              </a:cxn>
-              <a:cxn ang="0">
-                <a:pos x="connsiteX73" y="connsiteY73"/>
-              </a:cxn>
-              <a:cxn ang="0">
-                <a:pos x="connsiteX74" y="connsiteY74"/>
-              </a:cxn>
-              <a:cxn ang="0">
-                <a:pos x="connsiteX75" y="connsiteY75"/>
-              </a:cxn>
-              <a:cxn ang="0">
-                <a:pos x="connsiteX76" y="connsiteY76"/>
-              </a:cxn>
-              <a:cxn ang="0">
-                <a:pos x="connsiteX77" y="connsiteY77"/>
-              </a:cxn>
-              <a:cxn ang="0">
-                <a:pos x="connsiteX78" y="connsiteY78"/>
-              </a:cxn>
-              <a:cxn ang="0">
-                <a:pos x="connsiteX79" y="connsiteY79"/>
-              </a:cxn>
-              <a:cxn ang="0">
-                <a:pos x="connsiteX80" y="connsiteY80"/>
-              </a:cxn>
-              <a:cxn ang="0">
-                <a:pos x="connsiteX81" y="connsiteY81"/>
-              </a:cxn>
-              <a:cxn ang="0">
-                <a:pos x="connsiteX82" y="connsiteY82"/>
-              </a:cxn>
-              <a:cxn ang="0">
-                <a:pos x="connsiteX83" y="connsiteY83"/>
-              </a:cxn>
-              <a:cxn ang="0">
-                <a:pos x="connsiteX84" y="connsiteY84"/>
-              </a:cxn>
-              <a:cxn ang="0">
-                <a:pos x="connsiteX85" y="connsiteY85"/>
-              </a:cxn>
-              <a:cxn ang="0">
-                <a:pos x="connsiteX86" y="connsiteY86"/>
-              </a:cxn>
-              <a:cxn ang="0">
-                <a:pos x="connsiteX87" y="connsiteY87"/>
-              </a:cxn>
-              <a:cxn ang="0">
-                <a:pos x="connsiteX88" y="connsiteY88"/>
-              </a:cxn>
-              <a:cxn ang="0">
-                <a:pos x="connsiteX89" y="connsiteY89"/>
-              </a:cxn>
-              <a:cxn ang="0">
-                <a:pos x="connsiteX90" y="connsiteY90"/>
-              </a:cxn>
-              <a:cxn ang="0">
-                <a:pos x="connsiteX91" y="connsiteY91"/>
-              </a:cxn>
-              <a:cxn ang="0">
-                <a:pos x="connsiteX92" y="connsiteY92"/>
-              </a:cxn>
-              <a:cxn ang="0">
-                <a:pos x="connsiteX93" y="connsiteY93"/>
-              </a:cxn>
-              <a:cxn ang="0">
-                <a:pos x="connsiteX94" y="connsiteY94"/>
-              </a:cxn>
-            </a:cxnLst>
-            <a:rect l="l" t="t" r="r" b="b"/>
-            <a:pathLst>
-              <a:path w="3823111" h="4015065">
-                <a:moveTo>
-                  <a:pt x="2848093" y="89794"/>
-                </a:moveTo>
-                <a:lnTo>
-                  <a:pt x="2848093" y="89794"/>
-                </a:lnTo>
-                <a:cubicBezTo>
-                  <a:pt x="2805329" y="85518"/>
-                  <a:pt x="2762401" y="82646"/>
-                  <a:pt x="2719801" y="76966"/>
-                </a:cubicBezTo>
-                <a:cubicBezTo>
-                  <a:pt x="2698187" y="74084"/>
-                  <a:pt x="2677352" y="66307"/>
-                  <a:pt x="2655655" y="64138"/>
-                </a:cubicBezTo>
-                <a:cubicBezTo>
-                  <a:pt x="2591686" y="57742"/>
-                  <a:pt x="2527363" y="55587"/>
-                  <a:pt x="2463217" y="51311"/>
-                </a:cubicBezTo>
-                <a:cubicBezTo>
-                  <a:pt x="2367085" y="19270"/>
-                  <a:pt x="2471686" y="50765"/>
-                  <a:pt x="2270779" y="25655"/>
-                </a:cubicBezTo>
-                <a:cubicBezTo>
-                  <a:pt x="2253284" y="23468"/>
-                  <a:pt x="2236917" y="15321"/>
-                  <a:pt x="2219463" y="12828"/>
-                </a:cubicBezTo>
-                <a:cubicBezTo>
-                  <a:pt x="2176918" y="6751"/>
-                  <a:pt x="2133935" y="4276"/>
-                  <a:pt x="2091171" y="0"/>
-                </a:cubicBezTo>
-                <a:lnTo>
-                  <a:pt x="1282932" y="12828"/>
-                </a:lnTo>
-                <a:cubicBezTo>
-                  <a:pt x="1269415" y="13238"/>
-                  <a:pt x="1257448" y="21940"/>
-                  <a:pt x="1244445" y="25655"/>
-                </a:cubicBezTo>
-                <a:cubicBezTo>
-                  <a:pt x="1126190" y="59438"/>
-                  <a:pt x="1261378" y="12901"/>
-                  <a:pt x="1141811" y="64138"/>
-                </a:cubicBezTo>
-                <a:cubicBezTo>
-                  <a:pt x="1098116" y="82862"/>
-                  <a:pt x="1079212" y="79223"/>
-                  <a:pt x="1026349" y="89794"/>
-                </a:cubicBezTo>
-                <a:cubicBezTo>
-                  <a:pt x="1009059" y="93251"/>
-                  <a:pt x="992138" y="98345"/>
-                  <a:pt x="975032" y="102621"/>
-                </a:cubicBezTo>
-                <a:lnTo>
-                  <a:pt x="898057" y="179588"/>
-                </a:lnTo>
-                <a:cubicBezTo>
-                  <a:pt x="885228" y="192416"/>
-                  <a:pt x="874432" y="207668"/>
-                  <a:pt x="859569" y="218071"/>
-                </a:cubicBezTo>
-                <a:cubicBezTo>
-                  <a:pt x="816805" y="248002"/>
-                  <a:pt x="768189" y="270957"/>
-                  <a:pt x="731278" y="307864"/>
-                </a:cubicBezTo>
-                <a:cubicBezTo>
-                  <a:pt x="709896" y="329244"/>
-                  <a:pt x="683906" y="346845"/>
-                  <a:pt x="667132" y="372003"/>
-                </a:cubicBezTo>
-                <a:cubicBezTo>
-                  <a:pt x="607262" y="461797"/>
-                  <a:pt x="641472" y="431866"/>
-                  <a:pt x="577327" y="474624"/>
-                </a:cubicBezTo>
-                <a:cubicBezTo>
-                  <a:pt x="560496" y="499868"/>
-                  <a:pt x="550383" y="520486"/>
-                  <a:pt x="526011" y="538763"/>
-                </a:cubicBezTo>
-                <a:cubicBezTo>
-                  <a:pt x="501341" y="557263"/>
-                  <a:pt x="449036" y="590073"/>
-                  <a:pt x="449036" y="590073"/>
-                </a:cubicBezTo>
-                <a:cubicBezTo>
-                  <a:pt x="355649" y="730133"/>
-                  <a:pt x="493380" y="514218"/>
-                  <a:pt x="410548" y="679867"/>
-                </a:cubicBezTo>
-                <a:cubicBezTo>
-                  <a:pt x="405139" y="690685"/>
-                  <a:pt x="392147" y="695848"/>
-                  <a:pt x="384890" y="705523"/>
-                </a:cubicBezTo>
-                <a:cubicBezTo>
-                  <a:pt x="366388" y="730190"/>
-                  <a:pt x="350679" y="756834"/>
-                  <a:pt x="333573" y="782489"/>
-                </a:cubicBezTo>
-                <a:cubicBezTo>
-                  <a:pt x="325020" y="795317"/>
-                  <a:pt x="314811" y="807183"/>
-                  <a:pt x="307915" y="820972"/>
-                </a:cubicBezTo>
-                <a:cubicBezTo>
-                  <a:pt x="299362" y="838075"/>
-                  <a:pt x="291744" y="855679"/>
-                  <a:pt x="282256" y="872282"/>
-                </a:cubicBezTo>
-                <a:cubicBezTo>
-                  <a:pt x="274606" y="885668"/>
-                  <a:pt x="263494" y="896976"/>
-                  <a:pt x="256598" y="910765"/>
-                </a:cubicBezTo>
-                <a:cubicBezTo>
-                  <a:pt x="242033" y="939891"/>
-                  <a:pt x="233550" y="971887"/>
-                  <a:pt x="218110" y="1000559"/>
-                </a:cubicBezTo>
-                <a:cubicBezTo>
-                  <a:pt x="203490" y="1027708"/>
-                  <a:pt x="176546" y="1048273"/>
-                  <a:pt x="166794" y="1077525"/>
-                </a:cubicBezTo>
-                <a:cubicBezTo>
-                  <a:pt x="162517" y="1090353"/>
-                  <a:pt x="160531" y="1104188"/>
-                  <a:pt x="153964" y="1116008"/>
-                </a:cubicBezTo>
-                <a:cubicBezTo>
-                  <a:pt x="138988" y="1142962"/>
-                  <a:pt x="112400" y="1163722"/>
-                  <a:pt x="102648" y="1192974"/>
-                </a:cubicBezTo>
-                <a:cubicBezTo>
-                  <a:pt x="98371" y="1205802"/>
-                  <a:pt x="96385" y="1219638"/>
-                  <a:pt x="89818" y="1231458"/>
-                </a:cubicBezTo>
-                <a:cubicBezTo>
-                  <a:pt x="74842" y="1258412"/>
-                  <a:pt x="48254" y="1279172"/>
-                  <a:pt x="38502" y="1308424"/>
-                </a:cubicBezTo>
-                <a:lnTo>
-                  <a:pt x="12843" y="1385390"/>
-                </a:lnTo>
-                <a:cubicBezTo>
-                  <a:pt x="8567" y="1462356"/>
-                  <a:pt x="14" y="1539203"/>
-                  <a:pt x="14" y="1616288"/>
-                </a:cubicBezTo>
-                <a:cubicBezTo>
-                  <a:pt x="14" y="1647089"/>
-                  <a:pt x="-1463" y="1813320"/>
-                  <a:pt x="25672" y="1885669"/>
-                </a:cubicBezTo>
-                <a:cubicBezTo>
-                  <a:pt x="32387" y="1903574"/>
-                  <a:pt x="42778" y="1919876"/>
-                  <a:pt x="51331" y="1936980"/>
-                </a:cubicBezTo>
-                <a:cubicBezTo>
-                  <a:pt x="55607" y="1958360"/>
-                  <a:pt x="58871" y="1979967"/>
-                  <a:pt x="64160" y="2001119"/>
-                </a:cubicBezTo>
-                <a:cubicBezTo>
-                  <a:pt x="67440" y="2014237"/>
-                  <a:pt x="74570" y="2026298"/>
-                  <a:pt x="76989" y="2039602"/>
-                </a:cubicBezTo>
-                <a:cubicBezTo>
-                  <a:pt x="83156" y="2073519"/>
-                  <a:pt x="85542" y="2108016"/>
-                  <a:pt x="89818" y="2142223"/>
-                </a:cubicBezTo>
-                <a:cubicBezTo>
-                  <a:pt x="97009" y="2379492"/>
-                  <a:pt x="73929" y="2490687"/>
-                  <a:pt x="128306" y="2680986"/>
-                </a:cubicBezTo>
-                <a:cubicBezTo>
-                  <a:pt x="134633" y="2703126"/>
-                  <a:pt x="145878" y="2723564"/>
-                  <a:pt x="153964" y="2745124"/>
-                </a:cubicBezTo>
-                <a:cubicBezTo>
-                  <a:pt x="176727" y="2805818"/>
-                  <a:pt x="153527" y="2763709"/>
-                  <a:pt x="192452" y="2822090"/>
-                </a:cubicBezTo>
-                <a:cubicBezTo>
-                  <a:pt x="197536" y="2847508"/>
-                  <a:pt x="209051" y="2910365"/>
-                  <a:pt x="218110" y="2937539"/>
-                </a:cubicBezTo>
-                <a:cubicBezTo>
-                  <a:pt x="225393" y="2959384"/>
-                  <a:pt x="235216" y="2980298"/>
-                  <a:pt x="243769" y="3001678"/>
-                </a:cubicBezTo>
-                <a:cubicBezTo>
-                  <a:pt x="248045" y="3027333"/>
-                  <a:pt x="251497" y="3053140"/>
-                  <a:pt x="256598" y="3078644"/>
-                </a:cubicBezTo>
-                <a:cubicBezTo>
-                  <a:pt x="264159" y="3116443"/>
-                  <a:pt x="281995" y="3174200"/>
-                  <a:pt x="295085" y="3206921"/>
-                </a:cubicBezTo>
-                <a:cubicBezTo>
-                  <a:pt x="303638" y="3228300"/>
-                  <a:pt x="311391" y="3250017"/>
-                  <a:pt x="320744" y="3271059"/>
-                </a:cubicBezTo>
-                <a:cubicBezTo>
-                  <a:pt x="331945" y="3296258"/>
-                  <a:pt x="353009" y="3338629"/>
-                  <a:pt x="372060" y="3360853"/>
-                </a:cubicBezTo>
-                <a:cubicBezTo>
-                  <a:pt x="387803" y="3379218"/>
-                  <a:pt x="406271" y="3395060"/>
-                  <a:pt x="423377" y="3412164"/>
-                </a:cubicBezTo>
-                <a:cubicBezTo>
-                  <a:pt x="431930" y="3420716"/>
-                  <a:pt x="437562" y="3433995"/>
-                  <a:pt x="449036" y="3437819"/>
-                </a:cubicBezTo>
-                <a:cubicBezTo>
-                  <a:pt x="461865" y="3442095"/>
-                  <a:pt x="475428" y="3444600"/>
-                  <a:pt x="487523" y="3450647"/>
-                </a:cubicBezTo>
-                <a:cubicBezTo>
-                  <a:pt x="501314" y="3457542"/>
-                  <a:pt x="512624" y="3468653"/>
-                  <a:pt x="526011" y="3476302"/>
-                </a:cubicBezTo>
-                <a:cubicBezTo>
-                  <a:pt x="542616" y="3485789"/>
-                  <a:pt x="560722" y="3492470"/>
-                  <a:pt x="577327" y="3501957"/>
-                </a:cubicBezTo>
-                <a:cubicBezTo>
-                  <a:pt x="646962" y="3541744"/>
-                  <a:pt x="583738" y="3516922"/>
-                  <a:pt x="654302" y="3540440"/>
-                </a:cubicBezTo>
-                <a:lnTo>
-                  <a:pt x="769765" y="3617407"/>
-                </a:lnTo>
-                <a:cubicBezTo>
-                  <a:pt x="782594" y="3625959"/>
-                  <a:pt x="793626" y="3638187"/>
-                  <a:pt x="808253" y="3643062"/>
-                </a:cubicBezTo>
-                <a:lnTo>
-                  <a:pt x="846740" y="3655890"/>
-                </a:lnTo>
-                <a:cubicBezTo>
-                  <a:pt x="911157" y="3752502"/>
-                  <a:pt x="824304" y="3640934"/>
-                  <a:pt x="923715" y="3707200"/>
-                </a:cubicBezTo>
-                <a:cubicBezTo>
-                  <a:pt x="936544" y="3715751"/>
-                  <a:pt x="936299" y="3737512"/>
-                  <a:pt x="949374" y="3745683"/>
-                </a:cubicBezTo>
-                <a:cubicBezTo>
-                  <a:pt x="972310" y="3760016"/>
-                  <a:pt x="1003845" y="3756338"/>
-                  <a:pt x="1026349" y="3771339"/>
-                </a:cubicBezTo>
-                <a:cubicBezTo>
-                  <a:pt x="1087340" y="3811995"/>
-                  <a:pt x="1050209" y="3792119"/>
-                  <a:pt x="1141811" y="3822650"/>
-                </a:cubicBezTo>
-                <a:cubicBezTo>
-                  <a:pt x="1162503" y="3843338"/>
-                  <a:pt x="1177637" y="3861824"/>
-                  <a:pt x="1205957" y="3873960"/>
-                </a:cubicBezTo>
-                <a:cubicBezTo>
-                  <a:pt x="1224395" y="3881861"/>
-                  <a:pt x="1306807" y="3895963"/>
-                  <a:pt x="1321420" y="3899616"/>
-                </a:cubicBezTo>
-                <a:cubicBezTo>
-                  <a:pt x="1334539" y="3902895"/>
-                  <a:pt x="1346789" y="3909164"/>
-                  <a:pt x="1359908" y="3912443"/>
-                </a:cubicBezTo>
-                <a:cubicBezTo>
-                  <a:pt x="1502630" y="3948119"/>
-                  <a:pt x="1647555" y="3932977"/>
-                  <a:pt x="1796100" y="3938099"/>
-                </a:cubicBezTo>
-                <a:cubicBezTo>
-                  <a:pt x="1892838" y="3970340"/>
-                  <a:pt x="1773596" y="3926849"/>
-                  <a:pt x="1873075" y="3976582"/>
-                </a:cubicBezTo>
-                <a:cubicBezTo>
-                  <a:pt x="1900582" y="3990334"/>
-                  <a:pt x="1949365" y="3996384"/>
-                  <a:pt x="1975708" y="4002237"/>
-                </a:cubicBezTo>
-                <a:cubicBezTo>
-                  <a:pt x="1992920" y="4006062"/>
-                  <a:pt x="2009919" y="4010789"/>
-                  <a:pt x="2027025" y="4015065"/>
-                </a:cubicBezTo>
-                <a:cubicBezTo>
-                  <a:pt x="2095447" y="4010789"/>
-                  <a:pt x="2164575" y="4012928"/>
-                  <a:pt x="2232292" y="4002237"/>
-                </a:cubicBezTo>
-                <a:cubicBezTo>
-                  <a:pt x="2247521" y="3999833"/>
-                  <a:pt x="2256988" y="3983476"/>
-                  <a:pt x="2270779" y="3976582"/>
-                </a:cubicBezTo>
-                <a:cubicBezTo>
-                  <a:pt x="2282875" y="3970535"/>
-                  <a:pt x="2296438" y="3968030"/>
-                  <a:pt x="2309267" y="3963754"/>
-                </a:cubicBezTo>
-                <a:lnTo>
-                  <a:pt x="2450388" y="3822650"/>
-                </a:lnTo>
-                <a:lnTo>
-                  <a:pt x="2501705" y="3771339"/>
-                </a:lnTo>
-                <a:cubicBezTo>
-                  <a:pt x="2514534" y="3767063"/>
-                  <a:pt x="2527530" y="3763259"/>
-                  <a:pt x="2540192" y="3758511"/>
-                </a:cubicBezTo>
-                <a:cubicBezTo>
-                  <a:pt x="2561755" y="3750426"/>
-                  <a:pt x="2582491" y="3740138"/>
-                  <a:pt x="2604338" y="3732856"/>
-                </a:cubicBezTo>
-                <a:cubicBezTo>
-                  <a:pt x="2621065" y="3727281"/>
-                  <a:pt x="2638766" y="3725094"/>
-                  <a:pt x="2655655" y="3720028"/>
-                </a:cubicBezTo>
-                <a:cubicBezTo>
-                  <a:pt x="2681561" y="3712257"/>
-                  <a:pt x="2706972" y="3702925"/>
-                  <a:pt x="2732630" y="3694373"/>
-                </a:cubicBezTo>
-                <a:lnTo>
-                  <a:pt x="2771118" y="3681545"/>
-                </a:lnTo>
-                <a:cubicBezTo>
-                  <a:pt x="2783947" y="3668717"/>
-                  <a:pt x="2794509" y="3653125"/>
-                  <a:pt x="2809605" y="3643062"/>
-                </a:cubicBezTo>
-                <a:cubicBezTo>
-                  <a:pt x="2820857" y="3635561"/>
-                  <a:pt x="2834727" y="3632290"/>
-                  <a:pt x="2848093" y="3630234"/>
-                </a:cubicBezTo>
-                <a:cubicBezTo>
-                  <a:pt x="2890571" y="3623700"/>
-                  <a:pt x="2933621" y="3621683"/>
-                  <a:pt x="2976385" y="3617407"/>
-                </a:cubicBezTo>
-                <a:cubicBezTo>
-                  <a:pt x="3111246" y="3590437"/>
-                  <a:pt x="2965961" y="3617123"/>
-                  <a:pt x="3181651" y="3591751"/>
-                </a:cubicBezTo>
-                <a:cubicBezTo>
-                  <a:pt x="3207485" y="3588712"/>
-                  <a:pt x="3232843" y="3582361"/>
-                  <a:pt x="3258627" y="3578924"/>
-                </a:cubicBezTo>
-                <a:cubicBezTo>
-                  <a:pt x="3297012" y="3573807"/>
-                  <a:pt x="3335602" y="3570372"/>
-                  <a:pt x="3374089" y="3566096"/>
-                </a:cubicBezTo>
-                <a:cubicBezTo>
-                  <a:pt x="3391195" y="3561820"/>
-                  <a:pt x="3408194" y="3557093"/>
-                  <a:pt x="3425406" y="3553268"/>
-                </a:cubicBezTo>
-                <a:cubicBezTo>
-                  <a:pt x="3446692" y="3548538"/>
-                  <a:pt x="3469135" y="3548096"/>
-                  <a:pt x="3489552" y="3540440"/>
-                </a:cubicBezTo>
-                <a:cubicBezTo>
-                  <a:pt x="3503989" y="3535027"/>
-                  <a:pt x="3514818" y="3522717"/>
-                  <a:pt x="3528039" y="3514785"/>
-                </a:cubicBezTo>
-                <a:cubicBezTo>
-                  <a:pt x="3578983" y="3484222"/>
-                  <a:pt x="3634462" y="3460633"/>
-                  <a:pt x="3681990" y="3424991"/>
-                </a:cubicBezTo>
-                <a:cubicBezTo>
-                  <a:pt x="3699095" y="3412163"/>
-                  <a:pt x="3715174" y="3397839"/>
-                  <a:pt x="3733306" y="3386508"/>
-                </a:cubicBezTo>
-                <a:cubicBezTo>
-                  <a:pt x="3769540" y="3363865"/>
-                  <a:pt x="3785699" y="3360494"/>
-                  <a:pt x="3823111" y="3348025"/>
-                </a:cubicBezTo>
-                <a:cubicBezTo>
-                  <a:pt x="3818834" y="3365129"/>
-                  <a:pt x="3823668" y="3387863"/>
-                  <a:pt x="3810281" y="3399336"/>
-                </a:cubicBezTo>
-                <a:cubicBezTo>
-                  <a:pt x="3789745" y="3416936"/>
-                  <a:pt x="3733306" y="3424991"/>
-                  <a:pt x="3733306" y="3424991"/>
-                </a:cubicBezTo>
-                <a:cubicBezTo>
-                  <a:pt x="3720477" y="3433543"/>
-                  <a:pt x="3708991" y="3444574"/>
-                  <a:pt x="3694819" y="3450647"/>
-                </a:cubicBezTo>
-                <a:cubicBezTo>
-                  <a:pt x="3678612" y="3457592"/>
-                  <a:pt x="3658454" y="3454130"/>
-                  <a:pt x="3643502" y="3463474"/>
-                </a:cubicBezTo>
-                <a:cubicBezTo>
-                  <a:pt x="3622988" y="3476293"/>
-                  <a:pt x="3592185" y="3514785"/>
-                  <a:pt x="3592185" y="3514785"/>
-                </a:cubicBezTo>
-              </a:path>
-            </a:pathLst>
-          </a:custGeom>
-          <a:ln w="44450">
-            <a:solidFill>
-              <a:schemeClr val="accent1">
-                <a:lumMod val="75000"/>
-              </a:schemeClr>
-            </a:solidFill>
-          </a:ln>
-        </p:spPr>
-        <p:txBody>
-          <a:bodyPr rtlCol="0" anchor="ctr"/>
-          <a:lstStyle/>
-          <a:p>
-            <a:pPr algn="ctr"/>
-            <a:endParaRPr lang="en-US"/>
-          </a:p>
-        </p:txBody>
-      </p:sp>
-      <p:sp>
-        <p:nvSpPr>
-          <p:cNvPr id="45" name="Title 1"/>
-          <p:cNvSpPr>
-            <a:spLocks noGrp="1"/>
-          </p:cNvSpPr>
-          <p:nvPr>
-            <p:ph type="title"/>
-          </p:nvPr>
-        </p:nvSpPr>
-        <p:spPr>
-          <a:xfrm>
-            <a:off x="1524000" y="304800"/>
-            <a:ext cx="7086600" cy="990600"/>
-          </a:xfrm>
-        </p:spPr>
-        <p:txBody>
-          <a:bodyPr/>
-          <a:lstStyle/>
-          <a:p>
-            <a:r>
-              <a:rPr lang="en-US" dirty="0" smtClean="0"/>
-              <a:t>Proof of Swap Lemma</a:t>
-            </a:r>
-            <a:endParaRPr lang="en-US" dirty="0"/>
-          </a:p>
-        </p:txBody>
-      </p:sp>
-      <p:sp>
-        <p:nvSpPr>
-          <p:cNvPr id="3" name="TextBox 2"/>
-          <p:cNvSpPr txBox="1"/>
-          <p:nvPr/>
-        </p:nvSpPr>
-        <p:spPr>
-          <a:xfrm>
-            <a:off x="5943600" y="2438400"/>
-            <a:ext cx="504766" cy="830997"/>
-          </a:xfrm>
-          <a:prstGeom prst="rect">
-            <a:avLst/>
-          </a:prstGeom>
-          <a:noFill/>
-        </p:spPr>
-        <p:txBody>
-          <a:bodyPr wrap="none" rtlCol="0">
-            <a:spAutoFit/>
-          </a:bodyPr>
-          <a:lstStyle/>
-          <a:p>
-            <a:r>
-              <a:rPr lang="en-US" sz="4800" dirty="0" smtClean="0">
-                <a:solidFill>
-                  <a:schemeClr val="accent1">
-                    <a:lumMod val="50000"/>
-                  </a:schemeClr>
-                </a:solidFill>
-              </a:rPr>
-              <a:t>u</a:t>
-            </a:r>
-            <a:endParaRPr lang="en-US" sz="4800" dirty="0">
-              <a:solidFill>
-                <a:schemeClr val="accent1">
-                  <a:lumMod val="50000"/>
-                </a:schemeClr>
-              </a:solidFill>
-            </a:endParaRPr>
-          </a:p>
-        </p:txBody>
-      </p:sp>
-      <p:sp>
-        <p:nvSpPr>
-          <p:cNvPr id="47" name="TextBox 46"/>
-          <p:cNvSpPr txBox="1"/>
-          <p:nvPr/>
-        </p:nvSpPr>
-        <p:spPr>
-          <a:xfrm>
-            <a:off x="6297773" y="4655403"/>
-            <a:ext cx="484027" cy="830997"/>
-          </a:xfrm>
-          <a:prstGeom prst="rect">
-            <a:avLst/>
-          </a:prstGeom>
-          <a:noFill/>
-        </p:spPr>
-        <p:txBody>
-          <a:bodyPr wrap="none" rtlCol="0">
-            <a:spAutoFit/>
-          </a:bodyPr>
-          <a:lstStyle/>
-          <a:p>
-            <a:r>
-              <a:rPr lang="en-US" sz="4800" dirty="0" smtClean="0">
-                <a:solidFill>
-                  <a:schemeClr val="accent1">
-                    <a:lumMod val="50000"/>
-                  </a:schemeClr>
-                </a:solidFill>
-              </a:rPr>
-              <a:t>v</a:t>
-            </a:r>
-            <a:endParaRPr lang="en-US" sz="4800" dirty="0">
-              <a:solidFill>
-                <a:schemeClr val="accent1">
-                  <a:lumMod val="50000"/>
-                </a:schemeClr>
-              </a:solidFill>
-            </a:endParaRPr>
-          </a:p>
-        </p:txBody>
-      </p:sp>
-      <p:sp>
-        <p:nvSpPr>
-          <p:cNvPr id="11" name="Rectangle 10"/>
-          <p:cNvSpPr/>
-          <p:nvPr/>
-        </p:nvSpPr>
-        <p:spPr>
-          <a:xfrm>
-            <a:off x="2895600" y="1828800"/>
-            <a:ext cx="1066800" cy="1371600"/>
-          </a:xfrm>
-          <a:prstGeom prst="rect">
-            <a:avLst/>
-          </a:prstGeom>
-          <a:solidFill>
-            <a:srgbClr val="DDFFFF"/>
-          </a:solidFill>
-          <a:ln w="47625">
-            <a:noFill/>
-          </a:ln>
-        </p:spPr>
-        <p:txBody>
-          <a:bodyPr rtlCol="0" anchor="ctr"/>
-          <a:lstStyle/>
-          <a:p>
-            <a:pPr algn="ctr"/>
-            <a:endParaRPr lang="en-US"/>
-          </a:p>
-        </p:txBody>
-      </p:sp>
-      <p:graphicFrame>
-        <p:nvGraphicFramePr>
-          <p:cNvPr id="31" name="Object 30"/>
-          <p:cNvGraphicFramePr>
-            <a:graphicFrameLocks noChangeAspect="1"/>
-          </p:cNvGraphicFramePr>
-          <p:nvPr>
-            <p:extLst>
-              <p:ext uri="{D42A27DB-BD31-4B8C-83A1-F6EECF244321}">
-                <p14:modId xmlns:p14="http://schemas.microsoft.com/office/powerpoint/2010/main" val="2101511691"/>
-              </p:ext>
-            </p:extLst>
-          </p:nvPr>
-        </p:nvGraphicFramePr>
-        <p:xfrm>
-          <a:off x="304800" y="1524000"/>
-          <a:ext cx="3359150" cy="1209675"/>
-        </p:xfrm>
-        <a:graphic>
-          <a:graphicData uri="http://schemas.openxmlformats.org/presentationml/2006/ole">
-            <mc:AlternateContent xmlns:mc="http://schemas.openxmlformats.org/markup-compatibility/2006">
-              <mc:Choice xmlns:v="urn:schemas-microsoft-com:vml" Requires="v">
-                <p:oleObj spid="_x0000_s43041" name="Equation" r:id="rId3" imgW="635000" imgH="228600" progId="Equation.DSMT4">
-                  <p:embed/>
-                </p:oleObj>
-              </mc:Choice>
-              <mc:Fallback>
-                <p:oleObj name="Equation" r:id="rId3" imgW="635000" imgH="228600" progId="Equation.DSMT4">
-                  <p:embed/>
-                  <p:pic>
-                    <p:nvPicPr>
-                      <p:cNvPr id="0" name=""/>
-                      <p:cNvPicPr/>
-                      <p:nvPr/>
-                    </p:nvPicPr>
-                    <p:blipFill>
-                      <a:blip r:embed="rId4"/>
-                      <a:stretch>
-                        <a:fillRect/>
-                      </a:stretch>
-                    </p:blipFill>
-                    <p:spPr>
-                      <a:xfrm>
-                        <a:off x="304800" y="1524000"/>
-                        <a:ext cx="3359150" cy="1209675"/>
-                      </a:xfrm>
-                      <a:prstGeom prst="rect">
-                        <a:avLst/>
-                      </a:prstGeom>
-                    </p:spPr>
-                  </p:pic>
-                </p:oleObj>
-              </mc:Fallback>
-            </mc:AlternateContent>
-          </a:graphicData>
-        </a:graphic>
-      </p:graphicFrame>
-      <p:grpSp>
-        <p:nvGrpSpPr>
-          <p:cNvPr id="32" name="Group 31"/>
-          <p:cNvGrpSpPr/>
-          <p:nvPr/>
-        </p:nvGrpSpPr>
-        <p:grpSpPr>
-          <a:xfrm>
-            <a:off x="2895600" y="1981200"/>
-            <a:ext cx="1143000" cy="1371600"/>
-            <a:chOff x="2895600" y="1981200"/>
-            <a:chExt cx="1143000" cy="1371600"/>
-          </a:xfrm>
-        </p:grpSpPr>
-        <p:sp>
-          <p:nvSpPr>
-            <p:cNvPr id="33" name="Oval 32"/>
-            <p:cNvSpPr/>
-            <p:nvPr/>
-          </p:nvSpPr>
-          <p:spPr bwMode="auto">
-            <a:xfrm>
-              <a:off x="3886200" y="1981200"/>
-              <a:ext cx="152400" cy="152400"/>
-            </a:xfrm>
-            <a:prstGeom prst="ellipse">
-              <a:avLst/>
-            </a:prstGeom>
-            <a:solidFill>
-              <a:schemeClr val="bg1"/>
-            </a:solidFill>
-            <a:ln w="3175" cap="flat" cmpd="sng" algn="ctr">
-              <a:solidFill>
-                <a:schemeClr val="tx1"/>
-              </a:solidFill>
-              <a:prstDash val="solid"/>
-              <a:round/>
-              <a:headEnd type="none" w="med" len="med"/>
-              <a:tailEnd type="triangle" w="lg" len="lg"/>
-            </a:ln>
-            <a:effectLst/>
-          </p:spPr>
-          <p:txBody>
-            <a:bodyPr vert="horz" wrap="square" lIns="91440" tIns="45720" rIns="91440" bIns="45720" numCol="1" rtlCol="0" anchor="t" anchorCtr="0" compatLnSpc="1">
-              <a:prstTxWarp prst="textNoShape">
-                <a:avLst/>
-              </a:prstTxWarp>
-            </a:bodyPr>
-            <a:lstStyle/>
-            <a:p>
-              <a:pPr marL="0" marR="0" indent="0" algn="l" defTabSz="914400" rtl="0" eaLnBrk="1" fontAlgn="base" latinLnBrk="0" hangingPunct="1">
-                <a:lnSpc>
-                  <a:spcPct val="100000"/>
-                </a:lnSpc>
-                <a:spcBef>
-                  <a:spcPct val="0"/>
-                </a:spcBef>
-                <a:spcAft>
-                  <a:spcPct val="0"/>
-                </a:spcAft>
-                <a:buClrTx/>
-                <a:buSzTx/>
-                <a:buFontTx/>
-                <a:buNone/>
-                <a:tabLst/>
-              </a:pPr>
-              <a:endParaRPr kumimoji="0" lang="en-US" sz="3200" b="0" i="0" u="none" strike="noStrike" cap="none" normalizeH="0" baseline="0" smtClean="0">
-                <a:ln>
-                  <a:noFill/>
-                </a:ln>
-                <a:solidFill>
-                  <a:schemeClr val="tx1"/>
-                </a:solidFill>
-                <a:effectLst/>
-                <a:latin typeface="Comic Sans MS" pitchFamily="66" charset="0"/>
-              </a:endParaRPr>
-            </a:p>
-          </p:txBody>
-        </p:sp>
-        <p:sp>
-          <p:nvSpPr>
-            <p:cNvPr id="37" name="Oval 36"/>
-            <p:cNvSpPr/>
-            <p:nvPr/>
-          </p:nvSpPr>
-          <p:spPr bwMode="auto">
-            <a:xfrm>
-              <a:off x="2895600" y="3200400"/>
-              <a:ext cx="152400" cy="152400"/>
-            </a:xfrm>
-            <a:prstGeom prst="ellipse">
-              <a:avLst/>
-            </a:prstGeom>
-            <a:solidFill>
-              <a:schemeClr val="bg1"/>
-            </a:solidFill>
-            <a:ln w="3175" cap="flat" cmpd="sng" algn="ctr">
-              <a:solidFill>
-                <a:schemeClr val="tx1"/>
-              </a:solidFill>
-              <a:prstDash val="solid"/>
-              <a:round/>
-              <a:headEnd type="none" w="med" len="med"/>
-              <a:tailEnd type="triangle" w="lg" len="lg"/>
-            </a:ln>
-            <a:effectLst/>
-          </p:spPr>
-          <p:txBody>
-            <a:bodyPr vert="horz" wrap="square" lIns="91440" tIns="45720" rIns="91440" bIns="45720" numCol="1" rtlCol="0" anchor="t" anchorCtr="0" compatLnSpc="1">
-              <a:prstTxWarp prst="textNoShape">
-                <a:avLst/>
-              </a:prstTxWarp>
-            </a:bodyPr>
-            <a:lstStyle/>
-            <a:p>
-              <a:pPr marL="0" marR="0" indent="0" algn="l" defTabSz="914400" rtl="0" eaLnBrk="1" fontAlgn="base" latinLnBrk="0" hangingPunct="1">
-                <a:lnSpc>
-                  <a:spcPct val="100000"/>
-                </a:lnSpc>
-                <a:spcBef>
-                  <a:spcPct val="0"/>
-                </a:spcBef>
-                <a:spcAft>
-                  <a:spcPct val="0"/>
-                </a:spcAft>
-                <a:buClrTx/>
-                <a:buSzTx/>
-                <a:buFontTx/>
-                <a:buNone/>
-                <a:tabLst/>
-              </a:pPr>
-              <a:endParaRPr kumimoji="0" lang="en-US" sz="3200" b="0" i="0" u="none" strike="noStrike" cap="none" normalizeH="0" baseline="0" smtClean="0">
-                <a:ln>
-                  <a:noFill/>
-                </a:ln>
-                <a:solidFill>
-                  <a:schemeClr val="tx1"/>
-                </a:solidFill>
-                <a:effectLst/>
-                <a:latin typeface="Comic Sans MS" pitchFamily="66" charset="0"/>
-              </a:endParaRPr>
-            </a:p>
-          </p:txBody>
-        </p:sp>
-      </p:grpSp>
-    </p:spTree>
-    <p:extLst>
-      <p:ext uri="{BB962C8B-B14F-4D97-AF65-F5344CB8AC3E}">
-        <p14:creationId xmlns:p14="http://schemas.microsoft.com/office/powerpoint/2010/main" val="3770230510"/>
-      </p:ext>
-    </p:extLst>
-  </p:cSld>
-  <p:clrMapOvr>
-    <a:masterClrMapping/>
-  </p:clrMapOvr>
-  <mc:AlternateContent xmlns:mc="http://schemas.openxmlformats.org/markup-compatibility/2006" xmlns:p14="http://schemas.microsoft.com/office/powerpoint/2010/main">
-    <mc:Choice Requires="p14">
-      <p:transition spd="med" p14:dur="700" advClick="0">
-        <p:fade/>
-      </p:transition>
-    </mc:Choice>
-    <mc:Fallback xmlns="">
-      <p:transition xmlns:p14="http://schemas.microsoft.com/office/powerpoint/2010/main" spd="med" advClick="0">
-        <p:fade/>
-      </p:transition>
-    </mc:Fallback>
-  </mc:AlternateContent>
-  <p:timing>
-    <p:tnLst>
-      <p:par>
-        <p:cTn xmlns:p14="http://schemas.microsoft.com/office/powerpoint/2010/main" id="1" dur="indefinite" restart="never" nodeType="tmRoot"/>
-      </p:par>
-    </p:tnLst>
-  </p:timing>
-</p:sld>
-</file>
-
-<file path=ppt/slides/slide21.xml><?xml version="1.0" encoding="utf-8"?>
-<p:sld xmlns:a="http://schemas.openxmlformats.org/drawingml/2006/main" xmlns:r="http://schemas.openxmlformats.org/officeDocument/2006/relationships" xmlns:p="http://schemas.openxmlformats.org/presentationml/2006/main">
-  <p:cSld>
-    <p:spTree>
-      <p:nvGrpSpPr>
-        <p:cNvPr id="1" name=""/>
-        <p:cNvGrpSpPr/>
-        <p:nvPr/>
-      </p:nvGrpSpPr>
-      <p:grpSpPr>
-        <a:xfrm>
-          <a:off x="0" y="0"/>
-          <a:ext cx="0" cy="0"/>
-          <a:chOff x="0" y="0"/>
-          <a:chExt cx="0" cy="0"/>
-        </a:xfrm>
-      </p:grpSpPr>
-      <p:sp>
-        <p:nvSpPr>
-          <p:cNvPr id="4" name="Slide Number Placeholder 3"/>
-          <p:cNvSpPr>
-            <a:spLocks noGrp="1"/>
-          </p:cNvSpPr>
-          <p:nvPr>
-            <p:ph type="sldNum" sz="quarter" idx="4"/>
-          </p:nvPr>
-        </p:nvSpPr>
-        <p:spPr>
-          <a:xfrm>
-            <a:off x="8225613" y="6553200"/>
-            <a:ext cx="870764" cy="246221"/>
-          </a:xfrm>
-        </p:spPr>
-        <p:txBody>
-          <a:bodyPr/>
-          <a:lstStyle/>
-          <a:p>
-            <a:pPr>
-              <a:defRPr/>
-            </a:pPr>
-            <a:r>
-              <a:rPr lang="en-US" dirty="0" smtClean="0"/>
-              <a:t>min-gray.</a:t>
-            </a:r>
-            <a:fld id="{D7F2FC53-1536-41A9-A9C1-2199CF803E30}" type="slidenum">
-              <a:rPr lang="en-US" smtClean="0"/>
-              <a:pPr>
-                <a:defRPr/>
-              </a:pPr>
-              <a:t>21</a:t>
-            </a:fld>
-            <a:endParaRPr lang="en-US" dirty="0"/>
-          </a:p>
-        </p:txBody>
-      </p:sp>
-      <p:sp>
-        <p:nvSpPr>
-          <p:cNvPr id="45" name="Title 1"/>
-          <p:cNvSpPr>
-            <a:spLocks noGrp="1"/>
-          </p:cNvSpPr>
-          <p:nvPr>
-            <p:ph type="title"/>
-          </p:nvPr>
-        </p:nvSpPr>
-        <p:spPr>
-          <a:xfrm>
-            <a:off x="1524000" y="304800"/>
-            <a:ext cx="7086600" cy="990600"/>
-          </a:xfrm>
-        </p:spPr>
-        <p:txBody>
-          <a:bodyPr/>
-          <a:lstStyle/>
-          <a:p>
-            <a:r>
-              <a:rPr lang="en-US" dirty="0" smtClean="0"/>
-              <a:t>Proof of Swap Lemma</a:t>
-            </a:r>
-            <a:endParaRPr lang="en-US" dirty="0"/>
-          </a:p>
-        </p:txBody>
-      </p:sp>
-      <p:sp>
-        <p:nvSpPr>
-          <p:cNvPr id="11" name="Rectangle 10"/>
-          <p:cNvSpPr/>
-          <p:nvPr/>
-        </p:nvSpPr>
-        <p:spPr>
-          <a:xfrm>
-            <a:off x="2895600" y="1828800"/>
-            <a:ext cx="1066800" cy="1371600"/>
-          </a:xfrm>
-          <a:prstGeom prst="rect">
-            <a:avLst/>
-          </a:prstGeom>
-          <a:solidFill>
-            <a:srgbClr val="DDFFFF"/>
-          </a:solidFill>
-          <a:ln w="47625">
-            <a:noFill/>
-          </a:ln>
-        </p:spPr>
-        <p:txBody>
-          <a:bodyPr rtlCol="0" anchor="ctr"/>
-          <a:lstStyle/>
-          <a:p>
-            <a:pPr algn="ctr"/>
-            <a:endParaRPr lang="en-US"/>
-          </a:p>
-        </p:txBody>
-      </p:sp>
-      <p:grpSp>
-        <p:nvGrpSpPr>
-          <p:cNvPr id="2" name="Group 1"/>
-          <p:cNvGrpSpPr/>
-          <p:nvPr/>
-        </p:nvGrpSpPr>
-        <p:grpSpPr>
-          <a:xfrm>
-            <a:off x="228600" y="1447800"/>
-            <a:ext cx="8573080" cy="2667000"/>
-            <a:chOff x="494720" y="1524000"/>
-            <a:chExt cx="8573080" cy="2667000"/>
-          </a:xfrm>
-        </p:grpSpPr>
-        <p:sp>
-          <p:nvSpPr>
-            <p:cNvPr id="3" name="TextBox 2"/>
-            <p:cNvSpPr txBox="1"/>
-            <p:nvPr/>
-          </p:nvSpPr>
-          <p:spPr>
-            <a:xfrm>
-              <a:off x="494720" y="1605677"/>
-              <a:ext cx="8573080" cy="2585323"/>
-            </a:xfrm>
-            <a:prstGeom prst="rect">
-              <a:avLst/>
-            </a:prstGeom>
-            <a:noFill/>
-          </p:spPr>
-          <p:txBody>
-            <a:bodyPr wrap="none" rtlCol="0">
-              <a:spAutoFit/>
-            </a:bodyPr>
-            <a:lstStyle/>
-            <a:p>
-              <a:r>
-                <a:rPr lang="en-US" sz="5400" dirty="0" smtClean="0"/>
-                <a:t>                 is connected:</a:t>
-              </a:r>
-            </a:p>
-            <a:p>
-              <a:r>
-                <a:rPr lang="en-US" sz="5400" dirty="0" smtClean="0"/>
-                <a:t>end-points of </a:t>
-              </a:r>
-              <a:r>
-                <a:rPr lang="en-US" sz="5400" dirty="0" smtClean="0">
-                  <a:solidFill>
-                    <a:srgbClr val="0000E5"/>
-                  </a:solidFill>
-                </a:rPr>
-                <a:t>g</a:t>
-              </a:r>
-              <a:r>
-                <a:rPr lang="en-US" sz="5400" dirty="0" smtClean="0"/>
-                <a:t> connected</a:t>
-              </a:r>
-            </a:p>
-            <a:p>
-              <a:r>
-                <a:rPr lang="en-US" sz="5400" dirty="0" smtClean="0"/>
-                <a:t>by </a:t>
-              </a:r>
-              <a:r>
-                <a:rPr lang="en-US" sz="5400" dirty="0" smtClean="0">
-                  <a:solidFill>
-                    <a:srgbClr val="008000"/>
-                  </a:solidFill>
-                </a:rPr>
-                <a:t>path</a:t>
-              </a:r>
-              <a:endParaRPr lang="en-US" sz="5400" dirty="0" smtClean="0"/>
-            </a:p>
-          </p:txBody>
-        </p:sp>
-        <p:graphicFrame>
-          <p:nvGraphicFramePr>
-            <p:cNvPr id="8" name="Object 7"/>
-            <p:cNvGraphicFramePr>
-              <a:graphicFrameLocks noChangeAspect="1"/>
-            </p:cNvGraphicFramePr>
-            <p:nvPr>
-              <p:extLst>
-                <p:ext uri="{D42A27DB-BD31-4B8C-83A1-F6EECF244321}">
-                  <p14:modId xmlns:p14="http://schemas.microsoft.com/office/powerpoint/2010/main" val="414955937"/>
-                </p:ext>
-              </p:extLst>
-            </p:nvPr>
-          </p:nvGraphicFramePr>
-          <p:xfrm>
-            <a:off x="494720" y="1524000"/>
-            <a:ext cx="3359150" cy="1209675"/>
-          </p:xfrm>
-          <a:graphic>
-            <a:graphicData uri="http://schemas.openxmlformats.org/presentationml/2006/ole">
-              <mc:AlternateContent xmlns:mc="http://schemas.openxmlformats.org/markup-compatibility/2006">
-                <mc:Choice xmlns:v="urn:schemas-microsoft-com:vml" Requires="v">
-                  <p:oleObj spid="_x0000_s44065" name="Equation" r:id="rId3" imgW="635000" imgH="228600" progId="Equation.DSMT4">
-                    <p:embed/>
-                  </p:oleObj>
-                </mc:Choice>
-                <mc:Fallback>
-                  <p:oleObj name="Equation" r:id="rId3" imgW="635000" imgH="228600" progId="Equation.DSMT4">
-                    <p:embed/>
-                    <p:pic>
-                      <p:nvPicPr>
-                        <p:cNvPr id="0" name=""/>
-                        <p:cNvPicPr/>
-                        <p:nvPr/>
-                      </p:nvPicPr>
-                      <p:blipFill>
-                        <a:blip r:embed="rId4"/>
-                        <a:stretch>
-                          <a:fillRect/>
-                        </a:stretch>
-                      </p:blipFill>
-                      <p:spPr>
-                        <a:xfrm>
-                          <a:off x="494720" y="1524000"/>
-                          <a:ext cx="3359150" cy="1209675"/>
-                        </a:xfrm>
-                        <a:prstGeom prst="rect">
-                          <a:avLst/>
-                        </a:prstGeom>
-                      </p:spPr>
-                    </p:pic>
-                  </p:oleObj>
-                </mc:Fallback>
-              </mc:AlternateContent>
-            </a:graphicData>
-          </a:graphic>
-        </p:graphicFrame>
-      </p:grpSp>
-      <p:sp>
-        <p:nvSpPr>
-          <p:cNvPr id="5" name="Rectangle 4"/>
-          <p:cNvSpPr/>
-          <p:nvPr/>
-        </p:nvSpPr>
-        <p:spPr>
-          <a:xfrm>
-            <a:off x="228600" y="3200400"/>
-            <a:ext cx="8991600" cy="923330"/>
-          </a:xfrm>
-          <a:prstGeom prst="rect">
-            <a:avLst/>
-          </a:prstGeom>
-        </p:spPr>
-        <p:txBody>
-          <a:bodyPr wrap="square">
-            <a:spAutoFit/>
-          </a:bodyPr>
-          <a:lstStyle/>
-          <a:p>
-            <a:pPr lvl="0"/>
-            <a:r>
-              <a:rPr lang="en-US" sz="5400" dirty="0" smtClean="0">
-                <a:solidFill>
-                  <a:srgbClr val="000000"/>
-                </a:solidFill>
-              </a:rPr>
-              <a:t>            </a:t>
-            </a:r>
-            <a:endParaRPr lang="en-US" sz="5400" dirty="0">
-              <a:solidFill>
-                <a:srgbClr val="000000"/>
-              </a:solidFill>
-            </a:endParaRPr>
-          </a:p>
-        </p:txBody>
-      </p:sp>
-    </p:spTree>
-    <p:extLst>
-      <p:ext uri="{BB962C8B-B14F-4D97-AF65-F5344CB8AC3E}">
-        <p14:creationId xmlns:p14="http://schemas.microsoft.com/office/powerpoint/2010/main" val="4101889324"/>
-      </p:ext>
-    </p:extLst>
-  </p:cSld>
-  <p:clrMapOvr>
-    <a:masterClrMapping/>
-  </p:clrMapOvr>
-  <mc:AlternateContent xmlns:mc="http://schemas.openxmlformats.org/markup-compatibility/2006" xmlns:p14="http://schemas.microsoft.com/office/powerpoint/2010/main">
-    <mc:Choice Requires="p14">
-      <p:transition spd="med" p14:dur="700" advClick="0">
-        <p:fade/>
-      </p:transition>
-    </mc:Choice>
-    <mc:Fallback xmlns="">
-      <p:transition xmlns:p14="http://schemas.microsoft.com/office/powerpoint/2010/main" spd="med" advClick="0">
-        <p:fade/>
-      </p:transition>
-    </mc:Fallback>
-  </mc:AlternateContent>
-  <p:timing>
-    <p:tnLst>
-      <p:par>
-        <p:cTn xmlns:p14="http://schemas.microsoft.com/office/powerpoint/2010/main" id="1" dur="indefinite" restart="never" nodeType="tmRoot"/>
-      </p:par>
-    </p:tnLst>
   </p:timing>
 </p:sld>
 </file>
@@ -22088,6 +19832,2668 @@
           <a:noFill/>
           <a:ln w="69850" cap="flat" cmpd="sng" algn="ctr">
             <a:solidFill>
+              <a:schemeClr val="accent1">
+                <a:lumMod val="50000"/>
+              </a:schemeClr>
+            </a:solidFill>
+            <a:prstDash val="solid"/>
+            <a:round/>
+            <a:headEnd type="none" w="med" len="med"/>
+            <a:tailEnd type="none" w="lg" len="lg"/>
+          </a:ln>
+          <a:effectLst/>
+        </p:spPr>
+      </p:cxnSp>
+      <p:sp>
+        <p:nvSpPr>
+          <p:cNvPr id="144" name="TextBox 143"/>
+          <p:cNvSpPr txBox="1"/>
+          <p:nvPr/>
+        </p:nvSpPr>
+        <p:spPr>
+          <a:xfrm>
+            <a:off x="3124200" y="2743200"/>
+            <a:ext cx="678341" cy="1200329"/>
+          </a:xfrm>
+          <a:prstGeom prst="rect">
+            <a:avLst/>
+          </a:prstGeom>
+          <a:noFill/>
+        </p:spPr>
+        <p:txBody>
+          <a:bodyPr wrap="none" rtlCol="0">
+            <a:spAutoFit/>
+          </a:bodyPr>
+          <a:lstStyle/>
+          <a:p>
+            <a:r>
+              <a:rPr lang="en-US" sz="7200" dirty="0" smtClean="0">
+                <a:solidFill>
+                  <a:srgbClr val="0000FF"/>
+                </a:solidFill>
+              </a:rPr>
+              <a:t>p</a:t>
+            </a:r>
+            <a:endParaRPr lang="en-US" sz="7200" dirty="0">
+              <a:solidFill>
+                <a:srgbClr val="0000FF"/>
+              </a:solidFill>
+            </a:endParaRPr>
+          </a:p>
+        </p:txBody>
+      </p:sp>
+      <p:cxnSp>
+        <p:nvCxnSpPr>
+          <p:cNvPr id="145" name="Straight Connector 144"/>
+          <p:cNvCxnSpPr>
+            <a:endCxn id="8" idx="6"/>
+          </p:cNvCxnSpPr>
+          <p:nvPr/>
+        </p:nvCxnSpPr>
+        <p:spPr bwMode="auto">
+          <a:xfrm flipH="1" flipV="1">
+            <a:off x="6629400" y="2819400"/>
+            <a:ext cx="1295400" cy="762000"/>
+          </a:xfrm>
+          <a:prstGeom prst="line">
+            <a:avLst/>
+          </a:prstGeom>
+          <a:noFill/>
+          <a:ln w="38100" cap="flat" cmpd="sng" algn="ctr">
+            <a:solidFill>
+              <a:schemeClr val="tx1"/>
+            </a:solidFill>
+            <a:prstDash val="solid"/>
+            <a:round/>
+            <a:headEnd type="none" w="med" len="med"/>
+            <a:tailEnd type="none" w="lg" len="lg"/>
+          </a:ln>
+          <a:effectLst/>
+        </p:spPr>
+      </p:cxnSp>
+      <p:sp>
+        <p:nvSpPr>
+          <p:cNvPr id="42" name="Oval 41"/>
+          <p:cNvSpPr/>
+          <p:nvPr/>
+        </p:nvSpPr>
+        <p:spPr bwMode="auto">
+          <a:xfrm>
+            <a:off x="7848600" y="3505200"/>
+            <a:ext cx="152400" cy="152400"/>
+          </a:xfrm>
+          <a:prstGeom prst="ellipse">
+            <a:avLst/>
+          </a:prstGeom>
+          <a:solidFill>
+            <a:schemeClr val="tx1"/>
+          </a:solidFill>
+          <a:ln w="31750" cap="flat" cmpd="sng" algn="ctr">
+            <a:solidFill>
+              <a:schemeClr val="tx1"/>
+            </a:solidFill>
+            <a:prstDash val="solid"/>
+            <a:round/>
+            <a:headEnd type="none" w="med" len="med"/>
+            <a:tailEnd type="triangle" w="lg" len="lg"/>
+          </a:ln>
+          <a:effectLst/>
+        </p:spPr>
+        <p:txBody>
+          <a:bodyPr vert="horz" wrap="square" lIns="91440" tIns="45720" rIns="91440" bIns="45720" numCol="1" rtlCol="0" anchor="t" anchorCtr="0" compatLnSpc="1">
+            <a:prstTxWarp prst="textNoShape">
+              <a:avLst/>
+            </a:prstTxWarp>
+          </a:bodyPr>
+          <a:lstStyle/>
+          <a:p>
+            <a:pPr marL="0" marR="0" indent="0" algn="l" defTabSz="914400" rtl="0" eaLnBrk="1" fontAlgn="base" latinLnBrk="0" hangingPunct="1">
+              <a:lnSpc>
+                <a:spcPct val="100000"/>
+              </a:lnSpc>
+              <a:spcBef>
+                <a:spcPct val="0"/>
+              </a:spcBef>
+              <a:spcAft>
+                <a:spcPct val="0"/>
+              </a:spcAft>
+              <a:buClrTx/>
+              <a:buSzTx/>
+              <a:buFontTx/>
+              <a:buNone/>
+              <a:tabLst/>
+            </a:pPr>
+            <a:endParaRPr kumimoji="0" lang="en-US" sz="3200" b="0" i="0" u="none" strike="noStrike" cap="none" normalizeH="0" baseline="0" smtClean="0">
+              <a:ln>
+                <a:noFill/>
+              </a:ln>
+              <a:solidFill>
+                <a:schemeClr val="tx1"/>
+              </a:solidFill>
+              <a:effectLst/>
+              <a:latin typeface="Comic Sans MS" pitchFamily="66" charset="0"/>
+            </a:endParaRPr>
+          </a:p>
+        </p:txBody>
+      </p:sp>
+      <p:cxnSp>
+        <p:nvCxnSpPr>
+          <p:cNvPr id="50" name="Straight Connector 49"/>
+          <p:cNvCxnSpPr>
+            <a:stCxn id="7" idx="6"/>
+          </p:cNvCxnSpPr>
+          <p:nvPr/>
+        </p:nvCxnSpPr>
+        <p:spPr bwMode="auto">
+          <a:xfrm>
+            <a:off x="5432518" y="6096000"/>
+            <a:ext cx="739682" cy="381000"/>
+          </a:xfrm>
+          <a:prstGeom prst="line">
+            <a:avLst/>
+          </a:prstGeom>
+          <a:noFill/>
+          <a:ln w="38100" cap="flat" cmpd="sng" algn="ctr">
+            <a:solidFill>
+              <a:srgbClr val="FF00FF"/>
+            </a:solidFill>
+            <a:prstDash val="solid"/>
+            <a:round/>
+            <a:headEnd type="none" w="med" len="med"/>
+            <a:tailEnd type="none" w="lg" len="lg"/>
+          </a:ln>
+          <a:effectLst/>
+        </p:spPr>
+      </p:cxnSp>
+      <p:sp>
+        <p:nvSpPr>
+          <p:cNvPr id="55" name="Oval 54"/>
+          <p:cNvSpPr/>
+          <p:nvPr/>
+        </p:nvSpPr>
+        <p:spPr bwMode="auto">
+          <a:xfrm>
+            <a:off x="6172200" y="6400800"/>
+            <a:ext cx="152400" cy="152400"/>
+          </a:xfrm>
+          <a:prstGeom prst="ellipse">
+            <a:avLst/>
+          </a:prstGeom>
+          <a:solidFill>
+            <a:schemeClr val="tx1"/>
+          </a:solidFill>
+          <a:ln w="31750" cap="flat" cmpd="sng" algn="ctr">
+            <a:solidFill>
+              <a:schemeClr val="tx1"/>
+            </a:solidFill>
+            <a:prstDash val="solid"/>
+            <a:round/>
+            <a:headEnd type="none" w="med" len="med"/>
+            <a:tailEnd type="triangle" w="lg" len="lg"/>
+          </a:ln>
+          <a:effectLst/>
+        </p:spPr>
+        <p:txBody>
+          <a:bodyPr vert="horz" wrap="square" lIns="91440" tIns="45720" rIns="91440" bIns="45720" numCol="1" rtlCol="0" anchor="t" anchorCtr="0" compatLnSpc="1">
+            <a:prstTxWarp prst="textNoShape">
+              <a:avLst/>
+            </a:prstTxWarp>
+          </a:bodyPr>
+          <a:lstStyle/>
+          <a:p>
+            <a:pPr marL="0" marR="0" indent="0" algn="l" defTabSz="914400" rtl="0" eaLnBrk="1" fontAlgn="base" latinLnBrk="0" hangingPunct="1">
+              <a:lnSpc>
+                <a:spcPct val="100000"/>
+              </a:lnSpc>
+              <a:spcBef>
+                <a:spcPct val="0"/>
+              </a:spcBef>
+              <a:spcAft>
+                <a:spcPct val="0"/>
+              </a:spcAft>
+              <a:buClrTx/>
+              <a:buSzTx/>
+              <a:buFontTx/>
+              <a:buNone/>
+              <a:tabLst/>
+            </a:pPr>
+            <a:endParaRPr kumimoji="0" lang="en-US" sz="3200" b="0" i="0" u="none" strike="noStrike" cap="none" normalizeH="0" baseline="0" smtClean="0">
+              <a:ln>
+                <a:noFill/>
+              </a:ln>
+              <a:solidFill>
+                <a:schemeClr val="tx1"/>
+              </a:solidFill>
+              <a:effectLst/>
+              <a:latin typeface="Comic Sans MS" pitchFamily="66" charset="0"/>
+            </a:endParaRPr>
+          </a:p>
+        </p:txBody>
+      </p:sp>
+      <p:sp>
+        <p:nvSpPr>
+          <p:cNvPr id="34" name="Freeform 33"/>
+          <p:cNvSpPr/>
+          <p:nvPr/>
+        </p:nvSpPr>
+        <p:spPr>
+          <a:xfrm>
+            <a:off x="5791200" y="1981200"/>
+            <a:ext cx="685800" cy="838200"/>
+          </a:xfrm>
+          <a:custGeom>
+            <a:avLst/>
+            <a:gdLst>
+              <a:gd name="connsiteX0" fmla="*/ 577313 w 577313"/>
+              <a:gd name="connsiteY0" fmla="*/ 744006 h 744006"/>
+              <a:gd name="connsiteX1" fmla="*/ 0 w 577313"/>
+              <a:gd name="connsiteY1" fmla="*/ 0 h 744006"/>
+            </a:gdLst>
+            <a:ahLst/>
+            <a:cxnLst>
+              <a:cxn ang="0">
+                <a:pos x="connsiteX0" y="connsiteY0"/>
+              </a:cxn>
+              <a:cxn ang="0">
+                <a:pos x="connsiteX1" y="connsiteY1"/>
+              </a:cxn>
+            </a:cxnLst>
+            <a:rect l="l" t="t" r="r" b="b"/>
+            <a:pathLst>
+              <a:path w="577313" h="744006">
+                <a:moveTo>
+                  <a:pt x="577313" y="744006"/>
+                </a:moveTo>
+                <a:lnTo>
+                  <a:pt x="0" y="0"/>
+                </a:lnTo>
+              </a:path>
+            </a:pathLst>
+          </a:custGeom>
+          <a:ln w="47625">
+            <a:solidFill>
+              <a:schemeClr val="accent5">
+                <a:lumMod val="50000"/>
+              </a:schemeClr>
+            </a:solidFill>
+          </a:ln>
+        </p:spPr>
+        <p:txBody>
+          <a:bodyPr rtlCol="0" anchor="ctr"/>
+          <a:lstStyle/>
+          <a:p>
+            <a:pPr algn="ctr"/>
+            <a:endParaRPr lang="en-US"/>
+          </a:p>
+        </p:txBody>
+      </p:sp>
+      <p:sp>
+        <p:nvSpPr>
+          <p:cNvPr id="36" name="Freeform 35"/>
+          <p:cNvSpPr/>
+          <p:nvPr/>
+        </p:nvSpPr>
+        <p:spPr>
+          <a:xfrm>
+            <a:off x="2971800" y="1928535"/>
+            <a:ext cx="3823111" cy="4015065"/>
+          </a:xfrm>
+          <a:custGeom>
+            <a:avLst/>
+            <a:gdLst>
+              <a:gd name="connsiteX0" fmla="*/ 2848093 w 3823111"/>
+              <a:gd name="connsiteY0" fmla="*/ 89794 h 4015065"/>
+              <a:gd name="connsiteX1" fmla="*/ 2848093 w 3823111"/>
+              <a:gd name="connsiteY1" fmla="*/ 89794 h 4015065"/>
+              <a:gd name="connsiteX2" fmla="*/ 2719801 w 3823111"/>
+              <a:gd name="connsiteY2" fmla="*/ 76966 h 4015065"/>
+              <a:gd name="connsiteX3" fmla="*/ 2655655 w 3823111"/>
+              <a:gd name="connsiteY3" fmla="*/ 64138 h 4015065"/>
+              <a:gd name="connsiteX4" fmla="*/ 2463217 w 3823111"/>
+              <a:gd name="connsiteY4" fmla="*/ 51311 h 4015065"/>
+              <a:gd name="connsiteX5" fmla="*/ 2270779 w 3823111"/>
+              <a:gd name="connsiteY5" fmla="*/ 25655 h 4015065"/>
+              <a:gd name="connsiteX6" fmla="*/ 2219463 w 3823111"/>
+              <a:gd name="connsiteY6" fmla="*/ 12828 h 4015065"/>
+              <a:gd name="connsiteX7" fmla="*/ 2091171 w 3823111"/>
+              <a:gd name="connsiteY7" fmla="*/ 0 h 4015065"/>
+              <a:gd name="connsiteX8" fmla="*/ 1282932 w 3823111"/>
+              <a:gd name="connsiteY8" fmla="*/ 12828 h 4015065"/>
+              <a:gd name="connsiteX9" fmla="*/ 1244445 w 3823111"/>
+              <a:gd name="connsiteY9" fmla="*/ 25655 h 4015065"/>
+              <a:gd name="connsiteX10" fmla="*/ 1141811 w 3823111"/>
+              <a:gd name="connsiteY10" fmla="*/ 64138 h 4015065"/>
+              <a:gd name="connsiteX11" fmla="*/ 1026349 w 3823111"/>
+              <a:gd name="connsiteY11" fmla="*/ 89794 h 4015065"/>
+              <a:gd name="connsiteX12" fmla="*/ 975032 w 3823111"/>
+              <a:gd name="connsiteY12" fmla="*/ 102621 h 4015065"/>
+              <a:gd name="connsiteX13" fmla="*/ 898057 w 3823111"/>
+              <a:gd name="connsiteY13" fmla="*/ 179588 h 4015065"/>
+              <a:gd name="connsiteX14" fmla="*/ 859569 w 3823111"/>
+              <a:gd name="connsiteY14" fmla="*/ 218071 h 4015065"/>
+              <a:gd name="connsiteX15" fmla="*/ 731278 w 3823111"/>
+              <a:gd name="connsiteY15" fmla="*/ 307864 h 4015065"/>
+              <a:gd name="connsiteX16" fmla="*/ 667132 w 3823111"/>
+              <a:gd name="connsiteY16" fmla="*/ 372003 h 4015065"/>
+              <a:gd name="connsiteX17" fmla="*/ 577327 w 3823111"/>
+              <a:gd name="connsiteY17" fmla="*/ 474624 h 4015065"/>
+              <a:gd name="connsiteX18" fmla="*/ 526011 w 3823111"/>
+              <a:gd name="connsiteY18" fmla="*/ 538763 h 4015065"/>
+              <a:gd name="connsiteX19" fmla="*/ 449036 w 3823111"/>
+              <a:gd name="connsiteY19" fmla="*/ 590073 h 4015065"/>
+              <a:gd name="connsiteX20" fmla="*/ 410548 w 3823111"/>
+              <a:gd name="connsiteY20" fmla="*/ 679867 h 4015065"/>
+              <a:gd name="connsiteX21" fmla="*/ 384890 w 3823111"/>
+              <a:gd name="connsiteY21" fmla="*/ 705523 h 4015065"/>
+              <a:gd name="connsiteX22" fmla="*/ 333573 w 3823111"/>
+              <a:gd name="connsiteY22" fmla="*/ 782489 h 4015065"/>
+              <a:gd name="connsiteX23" fmla="*/ 307915 w 3823111"/>
+              <a:gd name="connsiteY23" fmla="*/ 820972 h 4015065"/>
+              <a:gd name="connsiteX24" fmla="*/ 282256 w 3823111"/>
+              <a:gd name="connsiteY24" fmla="*/ 872282 h 4015065"/>
+              <a:gd name="connsiteX25" fmla="*/ 256598 w 3823111"/>
+              <a:gd name="connsiteY25" fmla="*/ 910765 h 4015065"/>
+              <a:gd name="connsiteX26" fmla="*/ 218110 w 3823111"/>
+              <a:gd name="connsiteY26" fmla="*/ 1000559 h 4015065"/>
+              <a:gd name="connsiteX27" fmla="*/ 166794 w 3823111"/>
+              <a:gd name="connsiteY27" fmla="*/ 1077525 h 4015065"/>
+              <a:gd name="connsiteX28" fmla="*/ 153964 w 3823111"/>
+              <a:gd name="connsiteY28" fmla="*/ 1116008 h 4015065"/>
+              <a:gd name="connsiteX29" fmla="*/ 102648 w 3823111"/>
+              <a:gd name="connsiteY29" fmla="*/ 1192974 h 4015065"/>
+              <a:gd name="connsiteX30" fmla="*/ 89818 w 3823111"/>
+              <a:gd name="connsiteY30" fmla="*/ 1231458 h 4015065"/>
+              <a:gd name="connsiteX31" fmla="*/ 38502 w 3823111"/>
+              <a:gd name="connsiteY31" fmla="*/ 1308424 h 4015065"/>
+              <a:gd name="connsiteX32" fmla="*/ 12843 w 3823111"/>
+              <a:gd name="connsiteY32" fmla="*/ 1385390 h 4015065"/>
+              <a:gd name="connsiteX33" fmla="*/ 14 w 3823111"/>
+              <a:gd name="connsiteY33" fmla="*/ 1616288 h 4015065"/>
+              <a:gd name="connsiteX34" fmla="*/ 25672 w 3823111"/>
+              <a:gd name="connsiteY34" fmla="*/ 1885669 h 4015065"/>
+              <a:gd name="connsiteX35" fmla="*/ 51331 w 3823111"/>
+              <a:gd name="connsiteY35" fmla="*/ 1936980 h 4015065"/>
+              <a:gd name="connsiteX36" fmla="*/ 64160 w 3823111"/>
+              <a:gd name="connsiteY36" fmla="*/ 2001119 h 4015065"/>
+              <a:gd name="connsiteX37" fmla="*/ 76989 w 3823111"/>
+              <a:gd name="connsiteY37" fmla="*/ 2039602 h 4015065"/>
+              <a:gd name="connsiteX38" fmla="*/ 89818 w 3823111"/>
+              <a:gd name="connsiteY38" fmla="*/ 2142223 h 4015065"/>
+              <a:gd name="connsiteX39" fmla="*/ 128306 w 3823111"/>
+              <a:gd name="connsiteY39" fmla="*/ 2680986 h 4015065"/>
+              <a:gd name="connsiteX40" fmla="*/ 153964 w 3823111"/>
+              <a:gd name="connsiteY40" fmla="*/ 2745124 h 4015065"/>
+              <a:gd name="connsiteX41" fmla="*/ 192452 w 3823111"/>
+              <a:gd name="connsiteY41" fmla="*/ 2822090 h 4015065"/>
+              <a:gd name="connsiteX42" fmla="*/ 218110 w 3823111"/>
+              <a:gd name="connsiteY42" fmla="*/ 2937539 h 4015065"/>
+              <a:gd name="connsiteX43" fmla="*/ 243769 w 3823111"/>
+              <a:gd name="connsiteY43" fmla="*/ 3001678 h 4015065"/>
+              <a:gd name="connsiteX44" fmla="*/ 256598 w 3823111"/>
+              <a:gd name="connsiteY44" fmla="*/ 3078644 h 4015065"/>
+              <a:gd name="connsiteX45" fmla="*/ 295085 w 3823111"/>
+              <a:gd name="connsiteY45" fmla="*/ 3206921 h 4015065"/>
+              <a:gd name="connsiteX46" fmla="*/ 320744 w 3823111"/>
+              <a:gd name="connsiteY46" fmla="*/ 3271059 h 4015065"/>
+              <a:gd name="connsiteX47" fmla="*/ 372060 w 3823111"/>
+              <a:gd name="connsiteY47" fmla="*/ 3360853 h 4015065"/>
+              <a:gd name="connsiteX48" fmla="*/ 423377 w 3823111"/>
+              <a:gd name="connsiteY48" fmla="*/ 3412164 h 4015065"/>
+              <a:gd name="connsiteX49" fmla="*/ 449036 w 3823111"/>
+              <a:gd name="connsiteY49" fmla="*/ 3437819 h 4015065"/>
+              <a:gd name="connsiteX50" fmla="*/ 487523 w 3823111"/>
+              <a:gd name="connsiteY50" fmla="*/ 3450647 h 4015065"/>
+              <a:gd name="connsiteX51" fmla="*/ 526011 w 3823111"/>
+              <a:gd name="connsiteY51" fmla="*/ 3476302 h 4015065"/>
+              <a:gd name="connsiteX52" fmla="*/ 577327 w 3823111"/>
+              <a:gd name="connsiteY52" fmla="*/ 3501957 h 4015065"/>
+              <a:gd name="connsiteX53" fmla="*/ 654302 w 3823111"/>
+              <a:gd name="connsiteY53" fmla="*/ 3540440 h 4015065"/>
+              <a:gd name="connsiteX54" fmla="*/ 769765 w 3823111"/>
+              <a:gd name="connsiteY54" fmla="*/ 3617407 h 4015065"/>
+              <a:gd name="connsiteX55" fmla="*/ 808253 w 3823111"/>
+              <a:gd name="connsiteY55" fmla="*/ 3643062 h 4015065"/>
+              <a:gd name="connsiteX56" fmla="*/ 846740 w 3823111"/>
+              <a:gd name="connsiteY56" fmla="*/ 3655890 h 4015065"/>
+              <a:gd name="connsiteX57" fmla="*/ 923715 w 3823111"/>
+              <a:gd name="connsiteY57" fmla="*/ 3707200 h 4015065"/>
+              <a:gd name="connsiteX58" fmla="*/ 949374 w 3823111"/>
+              <a:gd name="connsiteY58" fmla="*/ 3745683 h 4015065"/>
+              <a:gd name="connsiteX59" fmla="*/ 1026349 w 3823111"/>
+              <a:gd name="connsiteY59" fmla="*/ 3771339 h 4015065"/>
+              <a:gd name="connsiteX60" fmla="*/ 1141811 w 3823111"/>
+              <a:gd name="connsiteY60" fmla="*/ 3822650 h 4015065"/>
+              <a:gd name="connsiteX61" fmla="*/ 1205957 w 3823111"/>
+              <a:gd name="connsiteY61" fmla="*/ 3873960 h 4015065"/>
+              <a:gd name="connsiteX62" fmla="*/ 1321420 w 3823111"/>
+              <a:gd name="connsiteY62" fmla="*/ 3899616 h 4015065"/>
+              <a:gd name="connsiteX63" fmla="*/ 1359908 w 3823111"/>
+              <a:gd name="connsiteY63" fmla="*/ 3912443 h 4015065"/>
+              <a:gd name="connsiteX64" fmla="*/ 1796100 w 3823111"/>
+              <a:gd name="connsiteY64" fmla="*/ 3938099 h 4015065"/>
+              <a:gd name="connsiteX65" fmla="*/ 1873075 w 3823111"/>
+              <a:gd name="connsiteY65" fmla="*/ 3976582 h 4015065"/>
+              <a:gd name="connsiteX66" fmla="*/ 1975708 w 3823111"/>
+              <a:gd name="connsiteY66" fmla="*/ 4002237 h 4015065"/>
+              <a:gd name="connsiteX67" fmla="*/ 2027025 w 3823111"/>
+              <a:gd name="connsiteY67" fmla="*/ 4015065 h 4015065"/>
+              <a:gd name="connsiteX68" fmla="*/ 2232292 w 3823111"/>
+              <a:gd name="connsiteY68" fmla="*/ 4002237 h 4015065"/>
+              <a:gd name="connsiteX69" fmla="*/ 2270779 w 3823111"/>
+              <a:gd name="connsiteY69" fmla="*/ 3976582 h 4015065"/>
+              <a:gd name="connsiteX70" fmla="*/ 2309267 w 3823111"/>
+              <a:gd name="connsiteY70" fmla="*/ 3963754 h 4015065"/>
+              <a:gd name="connsiteX71" fmla="*/ 2450388 w 3823111"/>
+              <a:gd name="connsiteY71" fmla="*/ 3822650 h 4015065"/>
+              <a:gd name="connsiteX72" fmla="*/ 2501705 w 3823111"/>
+              <a:gd name="connsiteY72" fmla="*/ 3771339 h 4015065"/>
+              <a:gd name="connsiteX73" fmla="*/ 2540192 w 3823111"/>
+              <a:gd name="connsiteY73" fmla="*/ 3758511 h 4015065"/>
+              <a:gd name="connsiteX74" fmla="*/ 2604338 w 3823111"/>
+              <a:gd name="connsiteY74" fmla="*/ 3732856 h 4015065"/>
+              <a:gd name="connsiteX75" fmla="*/ 2655655 w 3823111"/>
+              <a:gd name="connsiteY75" fmla="*/ 3720028 h 4015065"/>
+              <a:gd name="connsiteX76" fmla="*/ 2732630 w 3823111"/>
+              <a:gd name="connsiteY76" fmla="*/ 3694373 h 4015065"/>
+              <a:gd name="connsiteX77" fmla="*/ 2771118 w 3823111"/>
+              <a:gd name="connsiteY77" fmla="*/ 3681545 h 4015065"/>
+              <a:gd name="connsiteX78" fmla="*/ 2809605 w 3823111"/>
+              <a:gd name="connsiteY78" fmla="*/ 3643062 h 4015065"/>
+              <a:gd name="connsiteX79" fmla="*/ 2848093 w 3823111"/>
+              <a:gd name="connsiteY79" fmla="*/ 3630234 h 4015065"/>
+              <a:gd name="connsiteX80" fmla="*/ 2976385 w 3823111"/>
+              <a:gd name="connsiteY80" fmla="*/ 3617407 h 4015065"/>
+              <a:gd name="connsiteX81" fmla="*/ 3181651 w 3823111"/>
+              <a:gd name="connsiteY81" fmla="*/ 3591751 h 4015065"/>
+              <a:gd name="connsiteX82" fmla="*/ 3258627 w 3823111"/>
+              <a:gd name="connsiteY82" fmla="*/ 3578924 h 4015065"/>
+              <a:gd name="connsiteX83" fmla="*/ 3374089 w 3823111"/>
+              <a:gd name="connsiteY83" fmla="*/ 3566096 h 4015065"/>
+              <a:gd name="connsiteX84" fmla="*/ 3425406 w 3823111"/>
+              <a:gd name="connsiteY84" fmla="*/ 3553268 h 4015065"/>
+              <a:gd name="connsiteX85" fmla="*/ 3489552 w 3823111"/>
+              <a:gd name="connsiteY85" fmla="*/ 3540440 h 4015065"/>
+              <a:gd name="connsiteX86" fmla="*/ 3528039 w 3823111"/>
+              <a:gd name="connsiteY86" fmla="*/ 3514785 h 4015065"/>
+              <a:gd name="connsiteX87" fmla="*/ 3681990 w 3823111"/>
+              <a:gd name="connsiteY87" fmla="*/ 3424991 h 4015065"/>
+              <a:gd name="connsiteX88" fmla="*/ 3733306 w 3823111"/>
+              <a:gd name="connsiteY88" fmla="*/ 3386508 h 4015065"/>
+              <a:gd name="connsiteX89" fmla="*/ 3823111 w 3823111"/>
+              <a:gd name="connsiteY89" fmla="*/ 3348025 h 4015065"/>
+              <a:gd name="connsiteX90" fmla="*/ 3810281 w 3823111"/>
+              <a:gd name="connsiteY90" fmla="*/ 3399336 h 4015065"/>
+              <a:gd name="connsiteX91" fmla="*/ 3733306 w 3823111"/>
+              <a:gd name="connsiteY91" fmla="*/ 3424991 h 4015065"/>
+              <a:gd name="connsiteX92" fmla="*/ 3694819 w 3823111"/>
+              <a:gd name="connsiteY92" fmla="*/ 3450647 h 4015065"/>
+              <a:gd name="connsiteX93" fmla="*/ 3643502 w 3823111"/>
+              <a:gd name="connsiteY93" fmla="*/ 3463474 h 4015065"/>
+              <a:gd name="connsiteX94" fmla="*/ 3592185 w 3823111"/>
+              <a:gd name="connsiteY94" fmla="*/ 3514785 h 4015065"/>
+            </a:gdLst>
+            <a:ahLst/>
+            <a:cxnLst>
+              <a:cxn ang="0">
+                <a:pos x="connsiteX0" y="connsiteY0"/>
+              </a:cxn>
+              <a:cxn ang="0">
+                <a:pos x="connsiteX1" y="connsiteY1"/>
+              </a:cxn>
+              <a:cxn ang="0">
+                <a:pos x="connsiteX2" y="connsiteY2"/>
+              </a:cxn>
+              <a:cxn ang="0">
+                <a:pos x="connsiteX3" y="connsiteY3"/>
+              </a:cxn>
+              <a:cxn ang="0">
+                <a:pos x="connsiteX4" y="connsiteY4"/>
+              </a:cxn>
+              <a:cxn ang="0">
+                <a:pos x="connsiteX5" y="connsiteY5"/>
+              </a:cxn>
+              <a:cxn ang="0">
+                <a:pos x="connsiteX6" y="connsiteY6"/>
+              </a:cxn>
+              <a:cxn ang="0">
+                <a:pos x="connsiteX7" y="connsiteY7"/>
+              </a:cxn>
+              <a:cxn ang="0">
+                <a:pos x="connsiteX8" y="connsiteY8"/>
+              </a:cxn>
+              <a:cxn ang="0">
+                <a:pos x="connsiteX9" y="connsiteY9"/>
+              </a:cxn>
+              <a:cxn ang="0">
+                <a:pos x="connsiteX10" y="connsiteY10"/>
+              </a:cxn>
+              <a:cxn ang="0">
+                <a:pos x="connsiteX11" y="connsiteY11"/>
+              </a:cxn>
+              <a:cxn ang="0">
+                <a:pos x="connsiteX12" y="connsiteY12"/>
+              </a:cxn>
+              <a:cxn ang="0">
+                <a:pos x="connsiteX13" y="connsiteY13"/>
+              </a:cxn>
+              <a:cxn ang="0">
+                <a:pos x="connsiteX14" y="connsiteY14"/>
+              </a:cxn>
+              <a:cxn ang="0">
+                <a:pos x="connsiteX15" y="connsiteY15"/>
+              </a:cxn>
+              <a:cxn ang="0">
+                <a:pos x="connsiteX16" y="connsiteY16"/>
+              </a:cxn>
+              <a:cxn ang="0">
+                <a:pos x="connsiteX17" y="connsiteY17"/>
+              </a:cxn>
+              <a:cxn ang="0">
+                <a:pos x="connsiteX18" y="connsiteY18"/>
+              </a:cxn>
+              <a:cxn ang="0">
+                <a:pos x="connsiteX19" y="connsiteY19"/>
+              </a:cxn>
+              <a:cxn ang="0">
+                <a:pos x="connsiteX20" y="connsiteY20"/>
+              </a:cxn>
+              <a:cxn ang="0">
+                <a:pos x="connsiteX21" y="connsiteY21"/>
+              </a:cxn>
+              <a:cxn ang="0">
+                <a:pos x="connsiteX22" y="connsiteY22"/>
+              </a:cxn>
+              <a:cxn ang="0">
+                <a:pos x="connsiteX23" y="connsiteY23"/>
+              </a:cxn>
+              <a:cxn ang="0">
+                <a:pos x="connsiteX24" y="connsiteY24"/>
+              </a:cxn>
+              <a:cxn ang="0">
+                <a:pos x="connsiteX25" y="connsiteY25"/>
+              </a:cxn>
+              <a:cxn ang="0">
+                <a:pos x="connsiteX26" y="connsiteY26"/>
+              </a:cxn>
+              <a:cxn ang="0">
+                <a:pos x="connsiteX27" y="connsiteY27"/>
+              </a:cxn>
+              <a:cxn ang="0">
+                <a:pos x="connsiteX28" y="connsiteY28"/>
+              </a:cxn>
+              <a:cxn ang="0">
+                <a:pos x="connsiteX29" y="connsiteY29"/>
+              </a:cxn>
+              <a:cxn ang="0">
+                <a:pos x="connsiteX30" y="connsiteY30"/>
+              </a:cxn>
+              <a:cxn ang="0">
+                <a:pos x="connsiteX31" y="connsiteY31"/>
+              </a:cxn>
+              <a:cxn ang="0">
+                <a:pos x="connsiteX32" y="connsiteY32"/>
+              </a:cxn>
+              <a:cxn ang="0">
+                <a:pos x="connsiteX33" y="connsiteY33"/>
+              </a:cxn>
+              <a:cxn ang="0">
+                <a:pos x="connsiteX34" y="connsiteY34"/>
+              </a:cxn>
+              <a:cxn ang="0">
+                <a:pos x="connsiteX35" y="connsiteY35"/>
+              </a:cxn>
+              <a:cxn ang="0">
+                <a:pos x="connsiteX36" y="connsiteY36"/>
+              </a:cxn>
+              <a:cxn ang="0">
+                <a:pos x="connsiteX37" y="connsiteY37"/>
+              </a:cxn>
+              <a:cxn ang="0">
+                <a:pos x="connsiteX38" y="connsiteY38"/>
+              </a:cxn>
+              <a:cxn ang="0">
+                <a:pos x="connsiteX39" y="connsiteY39"/>
+              </a:cxn>
+              <a:cxn ang="0">
+                <a:pos x="connsiteX40" y="connsiteY40"/>
+              </a:cxn>
+              <a:cxn ang="0">
+                <a:pos x="connsiteX41" y="connsiteY41"/>
+              </a:cxn>
+              <a:cxn ang="0">
+                <a:pos x="connsiteX42" y="connsiteY42"/>
+              </a:cxn>
+              <a:cxn ang="0">
+                <a:pos x="connsiteX43" y="connsiteY43"/>
+              </a:cxn>
+              <a:cxn ang="0">
+                <a:pos x="connsiteX44" y="connsiteY44"/>
+              </a:cxn>
+              <a:cxn ang="0">
+                <a:pos x="connsiteX45" y="connsiteY45"/>
+              </a:cxn>
+              <a:cxn ang="0">
+                <a:pos x="connsiteX46" y="connsiteY46"/>
+              </a:cxn>
+              <a:cxn ang="0">
+                <a:pos x="connsiteX47" y="connsiteY47"/>
+              </a:cxn>
+              <a:cxn ang="0">
+                <a:pos x="connsiteX48" y="connsiteY48"/>
+              </a:cxn>
+              <a:cxn ang="0">
+                <a:pos x="connsiteX49" y="connsiteY49"/>
+              </a:cxn>
+              <a:cxn ang="0">
+                <a:pos x="connsiteX50" y="connsiteY50"/>
+              </a:cxn>
+              <a:cxn ang="0">
+                <a:pos x="connsiteX51" y="connsiteY51"/>
+              </a:cxn>
+              <a:cxn ang="0">
+                <a:pos x="connsiteX52" y="connsiteY52"/>
+              </a:cxn>
+              <a:cxn ang="0">
+                <a:pos x="connsiteX53" y="connsiteY53"/>
+              </a:cxn>
+              <a:cxn ang="0">
+                <a:pos x="connsiteX54" y="connsiteY54"/>
+              </a:cxn>
+              <a:cxn ang="0">
+                <a:pos x="connsiteX55" y="connsiteY55"/>
+              </a:cxn>
+              <a:cxn ang="0">
+                <a:pos x="connsiteX56" y="connsiteY56"/>
+              </a:cxn>
+              <a:cxn ang="0">
+                <a:pos x="connsiteX57" y="connsiteY57"/>
+              </a:cxn>
+              <a:cxn ang="0">
+                <a:pos x="connsiteX58" y="connsiteY58"/>
+              </a:cxn>
+              <a:cxn ang="0">
+                <a:pos x="connsiteX59" y="connsiteY59"/>
+              </a:cxn>
+              <a:cxn ang="0">
+                <a:pos x="connsiteX60" y="connsiteY60"/>
+              </a:cxn>
+              <a:cxn ang="0">
+                <a:pos x="connsiteX61" y="connsiteY61"/>
+              </a:cxn>
+              <a:cxn ang="0">
+                <a:pos x="connsiteX62" y="connsiteY62"/>
+              </a:cxn>
+              <a:cxn ang="0">
+                <a:pos x="connsiteX63" y="connsiteY63"/>
+              </a:cxn>
+              <a:cxn ang="0">
+                <a:pos x="connsiteX64" y="connsiteY64"/>
+              </a:cxn>
+              <a:cxn ang="0">
+                <a:pos x="connsiteX65" y="connsiteY65"/>
+              </a:cxn>
+              <a:cxn ang="0">
+                <a:pos x="connsiteX66" y="connsiteY66"/>
+              </a:cxn>
+              <a:cxn ang="0">
+                <a:pos x="connsiteX67" y="connsiteY67"/>
+              </a:cxn>
+              <a:cxn ang="0">
+                <a:pos x="connsiteX68" y="connsiteY68"/>
+              </a:cxn>
+              <a:cxn ang="0">
+                <a:pos x="connsiteX69" y="connsiteY69"/>
+              </a:cxn>
+              <a:cxn ang="0">
+                <a:pos x="connsiteX70" y="connsiteY70"/>
+              </a:cxn>
+              <a:cxn ang="0">
+                <a:pos x="connsiteX71" y="connsiteY71"/>
+              </a:cxn>
+              <a:cxn ang="0">
+                <a:pos x="connsiteX72" y="connsiteY72"/>
+              </a:cxn>
+              <a:cxn ang="0">
+                <a:pos x="connsiteX73" y="connsiteY73"/>
+              </a:cxn>
+              <a:cxn ang="0">
+                <a:pos x="connsiteX74" y="connsiteY74"/>
+              </a:cxn>
+              <a:cxn ang="0">
+                <a:pos x="connsiteX75" y="connsiteY75"/>
+              </a:cxn>
+              <a:cxn ang="0">
+                <a:pos x="connsiteX76" y="connsiteY76"/>
+              </a:cxn>
+              <a:cxn ang="0">
+                <a:pos x="connsiteX77" y="connsiteY77"/>
+              </a:cxn>
+              <a:cxn ang="0">
+                <a:pos x="connsiteX78" y="connsiteY78"/>
+              </a:cxn>
+              <a:cxn ang="0">
+                <a:pos x="connsiteX79" y="connsiteY79"/>
+              </a:cxn>
+              <a:cxn ang="0">
+                <a:pos x="connsiteX80" y="connsiteY80"/>
+              </a:cxn>
+              <a:cxn ang="0">
+                <a:pos x="connsiteX81" y="connsiteY81"/>
+              </a:cxn>
+              <a:cxn ang="0">
+                <a:pos x="connsiteX82" y="connsiteY82"/>
+              </a:cxn>
+              <a:cxn ang="0">
+                <a:pos x="connsiteX83" y="connsiteY83"/>
+              </a:cxn>
+              <a:cxn ang="0">
+                <a:pos x="connsiteX84" y="connsiteY84"/>
+              </a:cxn>
+              <a:cxn ang="0">
+                <a:pos x="connsiteX85" y="connsiteY85"/>
+              </a:cxn>
+              <a:cxn ang="0">
+                <a:pos x="connsiteX86" y="connsiteY86"/>
+              </a:cxn>
+              <a:cxn ang="0">
+                <a:pos x="connsiteX87" y="connsiteY87"/>
+              </a:cxn>
+              <a:cxn ang="0">
+                <a:pos x="connsiteX88" y="connsiteY88"/>
+              </a:cxn>
+              <a:cxn ang="0">
+                <a:pos x="connsiteX89" y="connsiteY89"/>
+              </a:cxn>
+              <a:cxn ang="0">
+                <a:pos x="connsiteX90" y="connsiteY90"/>
+              </a:cxn>
+              <a:cxn ang="0">
+                <a:pos x="connsiteX91" y="connsiteY91"/>
+              </a:cxn>
+              <a:cxn ang="0">
+                <a:pos x="connsiteX92" y="connsiteY92"/>
+              </a:cxn>
+              <a:cxn ang="0">
+                <a:pos x="connsiteX93" y="connsiteY93"/>
+              </a:cxn>
+              <a:cxn ang="0">
+                <a:pos x="connsiteX94" y="connsiteY94"/>
+              </a:cxn>
+            </a:cxnLst>
+            <a:rect l="l" t="t" r="r" b="b"/>
+            <a:pathLst>
+              <a:path w="3823111" h="4015065">
+                <a:moveTo>
+                  <a:pt x="2848093" y="89794"/>
+                </a:moveTo>
+                <a:lnTo>
+                  <a:pt x="2848093" y="89794"/>
+                </a:lnTo>
+                <a:cubicBezTo>
+                  <a:pt x="2805329" y="85518"/>
+                  <a:pt x="2762401" y="82646"/>
+                  <a:pt x="2719801" y="76966"/>
+                </a:cubicBezTo>
+                <a:cubicBezTo>
+                  <a:pt x="2698187" y="74084"/>
+                  <a:pt x="2677352" y="66307"/>
+                  <a:pt x="2655655" y="64138"/>
+                </a:cubicBezTo>
+                <a:cubicBezTo>
+                  <a:pt x="2591686" y="57742"/>
+                  <a:pt x="2527363" y="55587"/>
+                  <a:pt x="2463217" y="51311"/>
+                </a:cubicBezTo>
+                <a:cubicBezTo>
+                  <a:pt x="2367085" y="19270"/>
+                  <a:pt x="2471686" y="50765"/>
+                  <a:pt x="2270779" y="25655"/>
+                </a:cubicBezTo>
+                <a:cubicBezTo>
+                  <a:pt x="2253284" y="23468"/>
+                  <a:pt x="2236917" y="15321"/>
+                  <a:pt x="2219463" y="12828"/>
+                </a:cubicBezTo>
+                <a:cubicBezTo>
+                  <a:pt x="2176918" y="6751"/>
+                  <a:pt x="2133935" y="4276"/>
+                  <a:pt x="2091171" y="0"/>
+                </a:cubicBezTo>
+                <a:lnTo>
+                  <a:pt x="1282932" y="12828"/>
+                </a:lnTo>
+                <a:cubicBezTo>
+                  <a:pt x="1269415" y="13238"/>
+                  <a:pt x="1257448" y="21940"/>
+                  <a:pt x="1244445" y="25655"/>
+                </a:cubicBezTo>
+                <a:cubicBezTo>
+                  <a:pt x="1126190" y="59438"/>
+                  <a:pt x="1261378" y="12901"/>
+                  <a:pt x="1141811" y="64138"/>
+                </a:cubicBezTo>
+                <a:cubicBezTo>
+                  <a:pt x="1098116" y="82862"/>
+                  <a:pt x="1079212" y="79223"/>
+                  <a:pt x="1026349" y="89794"/>
+                </a:cubicBezTo>
+                <a:cubicBezTo>
+                  <a:pt x="1009059" y="93251"/>
+                  <a:pt x="992138" y="98345"/>
+                  <a:pt x="975032" y="102621"/>
+                </a:cubicBezTo>
+                <a:lnTo>
+                  <a:pt x="898057" y="179588"/>
+                </a:lnTo>
+                <a:cubicBezTo>
+                  <a:pt x="885228" y="192416"/>
+                  <a:pt x="874432" y="207668"/>
+                  <a:pt x="859569" y="218071"/>
+                </a:cubicBezTo>
+                <a:cubicBezTo>
+                  <a:pt x="816805" y="248002"/>
+                  <a:pt x="768189" y="270957"/>
+                  <a:pt x="731278" y="307864"/>
+                </a:cubicBezTo>
+                <a:cubicBezTo>
+                  <a:pt x="709896" y="329244"/>
+                  <a:pt x="683906" y="346845"/>
+                  <a:pt x="667132" y="372003"/>
+                </a:cubicBezTo>
+                <a:cubicBezTo>
+                  <a:pt x="607262" y="461797"/>
+                  <a:pt x="641472" y="431866"/>
+                  <a:pt x="577327" y="474624"/>
+                </a:cubicBezTo>
+                <a:cubicBezTo>
+                  <a:pt x="560496" y="499868"/>
+                  <a:pt x="550383" y="520486"/>
+                  <a:pt x="526011" y="538763"/>
+                </a:cubicBezTo>
+                <a:cubicBezTo>
+                  <a:pt x="501341" y="557263"/>
+                  <a:pt x="449036" y="590073"/>
+                  <a:pt x="449036" y="590073"/>
+                </a:cubicBezTo>
+                <a:cubicBezTo>
+                  <a:pt x="355649" y="730133"/>
+                  <a:pt x="493380" y="514218"/>
+                  <a:pt x="410548" y="679867"/>
+                </a:cubicBezTo>
+                <a:cubicBezTo>
+                  <a:pt x="405139" y="690685"/>
+                  <a:pt x="392147" y="695848"/>
+                  <a:pt x="384890" y="705523"/>
+                </a:cubicBezTo>
+                <a:cubicBezTo>
+                  <a:pt x="366388" y="730190"/>
+                  <a:pt x="350679" y="756834"/>
+                  <a:pt x="333573" y="782489"/>
+                </a:cubicBezTo>
+                <a:cubicBezTo>
+                  <a:pt x="325020" y="795317"/>
+                  <a:pt x="314811" y="807183"/>
+                  <a:pt x="307915" y="820972"/>
+                </a:cubicBezTo>
+                <a:cubicBezTo>
+                  <a:pt x="299362" y="838075"/>
+                  <a:pt x="291744" y="855679"/>
+                  <a:pt x="282256" y="872282"/>
+                </a:cubicBezTo>
+                <a:cubicBezTo>
+                  <a:pt x="274606" y="885668"/>
+                  <a:pt x="263494" y="896976"/>
+                  <a:pt x="256598" y="910765"/>
+                </a:cubicBezTo>
+                <a:cubicBezTo>
+                  <a:pt x="242033" y="939891"/>
+                  <a:pt x="233550" y="971887"/>
+                  <a:pt x="218110" y="1000559"/>
+                </a:cubicBezTo>
+                <a:cubicBezTo>
+                  <a:pt x="203490" y="1027708"/>
+                  <a:pt x="176546" y="1048273"/>
+                  <a:pt x="166794" y="1077525"/>
+                </a:cubicBezTo>
+                <a:cubicBezTo>
+                  <a:pt x="162517" y="1090353"/>
+                  <a:pt x="160531" y="1104188"/>
+                  <a:pt x="153964" y="1116008"/>
+                </a:cubicBezTo>
+                <a:cubicBezTo>
+                  <a:pt x="138988" y="1142962"/>
+                  <a:pt x="112400" y="1163722"/>
+                  <a:pt x="102648" y="1192974"/>
+                </a:cubicBezTo>
+                <a:cubicBezTo>
+                  <a:pt x="98371" y="1205802"/>
+                  <a:pt x="96385" y="1219638"/>
+                  <a:pt x="89818" y="1231458"/>
+                </a:cubicBezTo>
+                <a:cubicBezTo>
+                  <a:pt x="74842" y="1258412"/>
+                  <a:pt x="48254" y="1279172"/>
+                  <a:pt x="38502" y="1308424"/>
+                </a:cubicBezTo>
+                <a:lnTo>
+                  <a:pt x="12843" y="1385390"/>
+                </a:lnTo>
+                <a:cubicBezTo>
+                  <a:pt x="8567" y="1462356"/>
+                  <a:pt x="14" y="1539203"/>
+                  <a:pt x="14" y="1616288"/>
+                </a:cubicBezTo>
+                <a:cubicBezTo>
+                  <a:pt x="14" y="1647089"/>
+                  <a:pt x="-1463" y="1813320"/>
+                  <a:pt x="25672" y="1885669"/>
+                </a:cubicBezTo>
+                <a:cubicBezTo>
+                  <a:pt x="32387" y="1903574"/>
+                  <a:pt x="42778" y="1919876"/>
+                  <a:pt x="51331" y="1936980"/>
+                </a:cubicBezTo>
+                <a:cubicBezTo>
+                  <a:pt x="55607" y="1958360"/>
+                  <a:pt x="58871" y="1979967"/>
+                  <a:pt x="64160" y="2001119"/>
+                </a:cubicBezTo>
+                <a:cubicBezTo>
+                  <a:pt x="67440" y="2014237"/>
+                  <a:pt x="74570" y="2026298"/>
+                  <a:pt x="76989" y="2039602"/>
+                </a:cubicBezTo>
+                <a:cubicBezTo>
+                  <a:pt x="83156" y="2073519"/>
+                  <a:pt x="85542" y="2108016"/>
+                  <a:pt x="89818" y="2142223"/>
+                </a:cubicBezTo>
+                <a:cubicBezTo>
+                  <a:pt x="97009" y="2379492"/>
+                  <a:pt x="73929" y="2490687"/>
+                  <a:pt x="128306" y="2680986"/>
+                </a:cubicBezTo>
+                <a:cubicBezTo>
+                  <a:pt x="134633" y="2703126"/>
+                  <a:pt x="145878" y="2723564"/>
+                  <a:pt x="153964" y="2745124"/>
+                </a:cubicBezTo>
+                <a:cubicBezTo>
+                  <a:pt x="176727" y="2805818"/>
+                  <a:pt x="153527" y="2763709"/>
+                  <a:pt x="192452" y="2822090"/>
+                </a:cubicBezTo>
+                <a:cubicBezTo>
+                  <a:pt x="197536" y="2847508"/>
+                  <a:pt x="209051" y="2910365"/>
+                  <a:pt x="218110" y="2937539"/>
+                </a:cubicBezTo>
+                <a:cubicBezTo>
+                  <a:pt x="225393" y="2959384"/>
+                  <a:pt x="235216" y="2980298"/>
+                  <a:pt x="243769" y="3001678"/>
+                </a:cubicBezTo>
+                <a:cubicBezTo>
+                  <a:pt x="248045" y="3027333"/>
+                  <a:pt x="251497" y="3053140"/>
+                  <a:pt x="256598" y="3078644"/>
+                </a:cubicBezTo>
+                <a:cubicBezTo>
+                  <a:pt x="264159" y="3116443"/>
+                  <a:pt x="281995" y="3174200"/>
+                  <a:pt x="295085" y="3206921"/>
+                </a:cubicBezTo>
+                <a:cubicBezTo>
+                  <a:pt x="303638" y="3228300"/>
+                  <a:pt x="311391" y="3250017"/>
+                  <a:pt x="320744" y="3271059"/>
+                </a:cubicBezTo>
+                <a:cubicBezTo>
+                  <a:pt x="331945" y="3296258"/>
+                  <a:pt x="353009" y="3338629"/>
+                  <a:pt x="372060" y="3360853"/>
+                </a:cubicBezTo>
+                <a:cubicBezTo>
+                  <a:pt x="387803" y="3379218"/>
+                  <a:pt x="406271" y="3395060"/>
+                  <a:pt x="423377" y="3412164"/>
+                </a:cubicBezTo>
+                <a:cubicBezTo>
+                  <a:pt x="431930" y="3420716"/>
+                  <a:pt x="437562" y="3433995"/>
+                  <a:pt x="449036" y="3437819"/>
+                </a:cubicBezTo>
+                <a:cubicBezTo>
+                  <a:pt x="461865" y="3442095"/>
+                  <a:pt x="475428" y="3444600"/>
+                  <a:pt x="487523" y="3450647"/>
+                </a:cubicBezTo>
+                <a:cubicBezTo>
+                  <a:pt x="501314" y="3457542"/>
+                  <a:pt x="512624" y="3468653"/>
+                  <a:pt x="526011" y="3476302"/>
+                </a:cubicBezTo>
+                <a:cubicBezTo>
+                  <a:pt x="542616" y="3485789"/>
+                  <a:pt x="560722" y="3492470"/>
+                  <a:pt x="577327" y="3501957"/>
+                </a:cubicBezTo>
+                <a:cubicBezTo>
+                  <a:pt x="646962" y="3541744"/>
+                  <a:pt x="583738" y="3516922"/>
+                  <a:pt x="654302" y="3540440"/>
+                </a:cubicBezTo>
+                <a:lnTo>
+                  <a:pt x="769765" y="3617407"/>
+                </a:lnTo>
+                <a:cubicBezTo>
+                  <a:pt x="782594" y="3625959"/>
+                  <a:pt x="793626" y="3638187"/>
+                  <a:pt x="808253" y="3643062"/>
+                </a:cubicBezTo>
+                <a:lnTo>
+                  <a:pt x="846740" y="3655890"/>
+                </a:lnTo>
+                <a:cubicBezTo>
+                  <a:pt x="911157" y="3752502"/>
+                  <a:pt x="824304" y="3640934"/>
+                  <a:pt x="923715" y="3707200"/>
+                </a:cubicBezTo>
+                <a:cubicBezTo>
+                  <a:pt x="936544" y="3715751"/>
+                  <a:pt x="936299" y="3737512"/>
+                  <a:pt x="949374" y="3745683"/>
+                </a:cubicBezTo>
+                <a:cubicBezTo>
+                  <a:pt x="972310" y="3760016"/>
+                  <a:pt x="1003845" y="3756338"/>
+                  <a:pt x="1026349" y="3771339"/>
+                </a:cubicBezTo>
+                <a:cubicBezTo>
+                  <a:pt x="1087340" y="3811995"/>
+                  <a:pt x="1050209" y="3792119"/>
+                  <a:pt x="1141811" y="3822650"/>
+                </a:cubicBezTo>
+                <a:cubicBezTo>
+                  <a:pt x="1162503" y="3843338"/>
+                  <a:pt x="1177637" y="3861824"/>
+                  <a:pt x="1205957" y="3873960"/>
+                </a:cubicBezTo>
+                <a:cubicBezTo>
+                  <a:pt x="1224395" y="3881861"/>
+                  <a:pt x="1306807" y="3895963"/>
+                  <a:pt x="1321420" y="3899616"/>
+                </a:cubicBezTo>
+                <a:cubicBezTo>
+                  <a:pt x="1334539" y="3902895"/>
+                  <a:pt x="1346789" y="3909164"/>
+                  <a:pt x="1359908" y="3912443"/>
+                </a:cubicBezTo>
+                <a:cubicBezTo>
+                  <a:pt x="1502630" y="3948119"/>
+                  <a:pt x="1647555" y="3932977"/>
+                  <a:pt x="1796100" y="3938099"/>
+                </a:cubicBezTo>
+                <a:cubicBezTo>
+                  <a:pt x="1892838" y="3970340"/>
+                  <a:pt x="1773596" y="3926849"/>
+                  <a:pt x="1873075" y="3976582"/>
+                </a:cubicBezTo>
+                <a:cubicBezTo>
+                  <a:pt x="1900582" y="3990334"/>
+                  <a:pt x="1949365" y="3996384"/>
+                  <a:pt x="1975708" y="4002237"/>
+                </a:cubicBezTo>
+                <a:cubicBezTo>
+                  <a:pt x="1992920" y="4006062"/>
+                  <a:pt x="2009919" y="4010789"/>
+                  <a:pt x="2027025" y="4015065"/>
+                </a:cubicBezTo>
+                <a:cubicBezTo>
+                  <a:pt x="2095447" y="4010789"/>
+                  <a:pt x="2164575" y="4012928"/>
+                  <a:pt x="2232292" y="4002237"/>
+                </a:cubicBezTo>
+                <a:cubicBezTo>
+                  <a:pt x="2247521" y="3999833"/>
+                  <a:pt x="2256988" y="3983476"/>
+                  <a:pt x="2270779" y="3976582"/>
+                </a:cubicBezTo>
+                <a:cubicBezTo>
+                  <a:pt x="2282875" y="3970535"/>
+                  <a:pt x="2296438" y="3968030"/>
+                  <a:pt x="2309267" y="3963754"/>
+                </a:cubicBezTo>
+                <a:lnTo>
+                  <a:pt x="2450388" y="3822650"/>
+                </a:lnTo>
+                <a:lnTo>
+                  <a:pt x="2501705" y="3771339"/>
+                </a:lnTo>
+                <a:cubicBezTo>
+                  <a:pt x="2514534" y="3767063"/>
+                  <a:pt x="2527530" y="3763259"/>
+                  <a:pt x="2540192" y="3758511"/>
+                </a:cubicBezTo>
+                <a:cubicBezTo>
+                  <a:pt x="2561755" y="3750426"/>
+                  <a:pt x="2582491" y="3740138"/>
+                  <a:pt x="2604338" y="3732856"/>
+                </a:cubicBezTo>
+                <a:cubicBezTo>
+                  <a:pt x="2621065" y="3727281"/>
+                  <a:pt x="2638766" y="3725094"/>
+                  <a:pt x="2655655" y="3720028"/>
+                </a:cubicBezTo>
+                <a:cubicBezTo>
+                  <a:pt x="2681561" y="3712257"/>
+                  <a:pt x="2706972" y="3702925"/>
+                  <a:pt x="2732630" y="3694373"/>
+                </a:cubicBezTo>
+                <a:lnTo>
+                  <a:pt x="2771118" y="3681545"/>
+                </a:lnTo>
+                <a:cubicBezTo>
+                  <a:pt x="2783947" y="3668717"/>
+                  <a:pt x="2794509" y="3653125"/>
+                  <a:pt x="2809605" y="3643062"/>
+                </a:cubicBezTo>
+                <a:cubicBezTo>
+                  <a:pt x="2820857" y="3635561"/>
+                  <a:pt x="2834727" y="3632290"/>
+                  <a:pt x="2848093" y="3630234"/>
+                </a:cubicBezTo>
+                <a:cubicBezTo>
+                  <a:pt x="2890571" y="3623700"/>
+                  <a:pt x="2933621" y="3621683"/>
+                  <a:pt x="2976385" y="3617407"/>
+                </a:cubicBezTo>
+                <a:cubicBezTo>
+                  <a:pt x="3111246" y="3590437"/>
+                  <a:pt x="2965961" y="3617123"/>
+                  <a:pt x="3181651" y="3591751"/>
+                </a:cubicBezTo>
+                <a:cubicBezTo>
+                  <a:pt x="3207485" y="3588712"/>
+                  <a:pt x="3232843" y="3582361"/>
+                  <a:pt x="3258627" y="3578924"/>
+                </a:cubicBezTo>
+                <a:cubicBezTo>
+                  <a:pt x="3297012" y="3573807"/>
+                  <a:pt x="3335602" y="3570372"/>
+                  <a:pt x="3374089" y="3566096"/>
+                </a:cubicBezTo>
+                <a:cubicBezTo>
+                  <a:pt x="3391195" y="3561820"/>
+                  <a:pt x="3408194" y="3557093"/>
+                  <a:pt x="3425406" y="3553268"/>
+                </a:cubicBezTo>
+                <a:cubicBezTo>
+                  <a:pt x="3446692" y="3548538"/>
+                  <a:pt x="3469135" y="3548096"/>
+                  <a:pt x="3489552" y="3540440"/>
+                </a:cubicBezTo>
+                <a:cubicBezTo>
+                  <a:pt x="3503989" y="3535027"/>
+                  <a:pt x="3514818" y="3522717"/>
+                  <a:pt x="3528039" y="3514785"/>
+                </a:cubicBezTo>
+                <a:cubicBezTo>
+                  <a:pt x="3578983" y="3484222"/>
+                  <a:pt x="3634462" y="3460633"/>
+                  <a:pt x="3681990" y="3424991"/>
+                </a:cubicBezTo>
+                <a:cubicBezTo>
+                  <a:pt x="3699095" y="3412163"/>
+                  <a:pt x="3715174" y="3397839"/>
+                  <a:pt x="3733306" y="3386508"/>
+                </a:cubicBezTo>
+                <a:cubicBezTo>
+                  <a:pt x="3769540" y="3363865"/>
+                  <a:pt x="3785699" y="3360494"/>
+                  <a:pt x="3823111" y="3348025"/>
+                </a:cubicBezTo>
+                <a:cubicBezTo>
+                  <a:pt x="3818834" y="3365129"/>
+                  <a:pt x="3823668" y="3387863"/>
+                  <a:pt x="3810281" y="3399336"/>
+                </a:cubicBezTo>
+                <a:cubicBezTo>
+                  <a:pt x="3789745" y="3416936"/>
+                  <a:pt x="3733306" y="3424991"/>
+                  <a:pt x="3733306" y="3424991"/>
+                </a:cubicBezTo>
+                <a:cubicBezTo>
+                  <a:pt x="3720477" y="3433543"/>
+                  <a:pt x="3708991" y="3444574"/>
+                  <a:pt x="3694819" y="3450647"/>
+                </a:cubicBezTo>
+                <a:cubicBezTo>
+                  <a:pt x="3678612" y="3457592"/>
+                  <a:pt x="3658454" y="3454130"/>
+                  <a:pt x="3643502" y="3463474"/>
+                </a:cubicBezTo>
+                <a:cubicBezTo>
+                  <a:pt x="3622988" y="3476293"/>
+                  <a:pt x="3592185" y="3514785"/>
+                  <a:pt x="3592185" y="3514785"/>
+                </a:cubicBezTo>
+              </a:path>
+            </a:pathLst>
+          </a:custGeom>
+          <a:ln w="44450">
+            <a:solidFill>
+              <a:schemeClr val="accent1">
+                <a:lumMod val="75000"/>
+              </a:schemeClr>
+            </a:solidFill>
+          </a:ln>
+        </p:spPr>
+        <p:txBody>
+          <a:bodyPr rtlCol="0" anchor="ctr"/>
+          <a:lstStyle/>
+          <a:p>
+            <a:pPr algn="ctr"/>
+            <a:endParaRPr lang="en-US"/>
+          </a:p>
+        </p:txBody>
+      </p:sp>
+      <p:sp>
+        <p:nvSpPr>
+          <p:cNvPr id="45" name="Title 1"/>
+          <p:cNvSpPr>
+            <a:spLocks noGrp="1"/>
+          </p:cNvSpPr>
+          <p:nvPr>
+            <p:ph type="title"/>
+          </p:nvPr>
+        </p:nvSpPr>
+        <p:spPr>
+          <a:xfrm>
+            <a:off x="1524000" y="304800"/>
+            <a:ext cx="7086600" cy="990600"/>
+          </a:xfrm>
+        </p:spPr>
+        <p:txBody>
+          <a:bodyPr/>
+          <a:lstStyle/>
+          <a:p>
+            <a:r>
+              <a:rPr lang="en-US" dirty="0" smtClean="0"/>
+              <a:t>Proof of Swap Lemma</a:t>
+            </a:r>
+            <a:endParaRPr lang="en-US" dirty="0"/>
+          </a:p>
+        </p:txBody>
+      </p:sp>
+      <p:sp>
+        <p:nvSpPr>
+          <p:cNvPr id="3" name="TextBox 2"/>
+          <p:cNvSpPr txBox="1"/>
+          <p:nvPr/>
+        </p:nvSpPr>
+        <p:spPr>
+          <a:xfrm>
+            <a:off x="5943600" y="2438400"/>
+            <a:ext cx="504766" cy="830997"/>
+          </a:xfrm>
+          <a:prstGeom prst="rect">
+            <a:avLst/>
+          </a:prstGeom>
+          <a:noFill/>
+        </p:spPr>
+        <p:txBody>
+          <a:bodyPr wrap="none" rtlCol="0">
+            <a:spAutoFit/>
+          </a:bodyPr>
+          <a:lstStyle/>
+          <a:p>
+            <a:r>
+              <a:rPr lang="en-US" sz="4800" dirty="0" smtClean="0">
+                <a:solidFill>
+                  <a:schemeClr val="accent1">
+                    <a:lumMod val="50000"/>
+                  </a:schemeClr>
+                </a:solidFill>
+              </a:rPr>
+              <a:t>u</a:t>
+            </a:r>
+            <a:endParaRPr lang="en-US" sz="4800" dirty="0">
+              <a:solidFill>
+                <a:schemeClr val="accent1">
+                  <a:lumMod val="50000"/>
+                </a:schemeClr>
+              </a:solidFill>
+            </a:endParaRPr>
+          </a:p>
+        </p:txBody>
+      </p:sp>
+      <p:sp>
+        <p:nvSpPr>
+          <p:cNvPr id="47" name="TextBox 46"/>
+          <p:cNvSpPr txBox="1"/>
+          <p:nvPr/>
+        </p:nvSpPr>
+        <p:spPr>
+          <a:xfrm>
+            <a:off x="6297773" y="4655403"/>
+            <a:ext cx="484027" cy="830997"/>
+          </a:xfrm>
+          <a:prstGeom prst="rect">
+            <a:avLst/>
+          </a:prstGeom>
+          <a:noFill/>
+        </p:spPr>
+        <p:txBody>
+          <a:bodyPr wrap="none" rtlCol="0">
+            <a:spAutoFit/>
+          </a:bodyPr>
+          <a:lstStyle/>
+          <a:p>
+            <a:r>
+              <a:rPr lang="en-US" sz="4800" dirty="0" smtClean="0">
+                <a:solidFill>
+                  <a:schemeClr val="accent1">
+                    <a:lumMod val="50000"/>
+                  </a:schemeClr>
+                </a:solidFill>
+              </a:rPr>
+              <a:t>v</a:t>
+            </a:r>
+            <a:endParaRPr lang="en-US" sz="4800" dirty="0">
+              <a:solidFill>
+                <a:schemeClr val="accent1">
+                  <a:lumMod val="50000"/>
+                </a:schemeClr>
+              </a:solidFill>
+            </a:endParaRPr>
+          </a:p>
+        </p:txBody>
+      </p:sp>
+      <p:sp>
+        <p:nvSpPr>
+          <p:cNvPr id="11" name="Rectangle 10"/>
+          <p:cNvSpPr/>
+          <p:nvPr/>
+        </p:nvSpPr>
+        <p:spPr>
+          <a:xfrm>
+            <a:off x="2895600" y="1828800"/>
+            <a:ext cx="1066800" cy="1371600"/>
+          </a:xfrm>
+          <a:prstGeom prst="rect">
+            <a:avLst/>
+          </a:prstGeom>
+          <a:solidFill>
+            <a:srgbClr val="DDFFFF"/>
+          </a:solidFill>
+          <a:ln w="47625">
+            <a:noFill/>
+          </a:ln>
+        </p:spPr>
+        <p:txBody>
+          <a:bodyPr rtlCol="0" anchor="ctr"/>
+          <a:lstStyle/>
+          <a:p>
+            <a:pPr algn="ctr"/>
+            <a:endParaRPr lang="en-US"/>
+          </a:p>
+        </p:txBody>
+      </p:sp>
+      <p:graphicFrame>
+        <p:nvGraphicFramePr>
+          <p:cNvPr id="31" name="Object 30"/>
+          <p:cNvGraphicFramePr>
+            <a:graphicFrameLocks noChangeAspect="1"/>
+          </p:cNvGraphicFramePr>
+          <p:nvPr>
+            <p:extLst>
+              <p:ext uri="{D42A27DB-BD31-4B8C-83A1-F6EECF244321}">
+                <p14:modId xmlns:p14="http://schemas.microsoft.com/office/powerpoint/2010/main" val="2101511691"/>
+              </p:ext>
+            </p:extLst>
+          </p:nvPr>
+        </p:nvGraphicFramePr>
+        <p:xfrm>
+          <a:off x="304800" y="1524000"/>
+          <a:ext cx="3359150" cy="1209675"/>
+        </p:xfrm>
+        <a:graphic>
+          <a:graphicData uri="http://schemas.openxmlformats.org/presentationml/2006/ole">
+            <mc:AlternateContent xmlns:mc="http://schemas.openxmlformats.org/markup-compatibility/2006">
+              <mc:Choice xmlns:v="urn:schemas-microsoft-com:vml" Requires="v">
+                <p:oleObj spid="_x0000_s43045" name="Equation" r:id="rId3" imgW="635000" imgH="228600" progId="Equation.DSMT4">
+                  <p:embed/>
+                </p:oleObj>
+              </mc:Choice>
+              <mc:Fallback>
+                <p:oleObj name="Equation" r:id="rId3" imgW="635000" imgH="228600" progId="Equation.DSMT4">
+                  <p:embed/>
+                  <p:pic>
+                    <p:nvPicPr>
+                      <p:cNvPr id="0" name=""/>
+                      <p:cNvPicPr/>
+                      <p:nvPr/>
+                    </p:nvPicPr>
+                    <p:blipFill>
+                      <a:blip r:embed="rId4"/>
+                      <a:stretch>
+                        <a:fillRect/>
+                      </a:stretch>
+                    </p:blipFill>
+                    <p:spPr>
+                      <a:xfrm>
+                        <a:off x="304800" y="1524000"/>
+                        <a:ext cx="3359150" cy="1209675"/>
+                      </a:xfrm>
+                      <a:prstGeom prst="rect">
+                        <a:avLst/>
+                      </a:prstGeom>
+                    </p:spPr>
+                  </p:pic>
+                </p:oleObj>
+              </mc:Fallback>
+            </mc:AlternateContent>
+          </a:graphicData>
+        </a:graphic>
+      </p:graphicFrame>
+      <p:grpSp>
+        <p:nvGrpSpPr>
+          <p:cNvPr id="32" name="Group 31"/>
+          <p:cNvGrpSpPr/>
+          <p:nvPr/>
+        </p:nvGrpSpPr>
+        <p:grpSpPr>
+          <a:xfrm>
+            <a:off x="2895600" y="1981200"/>
+            <a:ext cx="1143000" cy="1371600"/>
+            <a:chOff x="2895600" y="1981200"/>
+            <a:chExt cx="1143000" cy="1371600"/>
+          </a:xfrm>
+        </p:grpSpPr>
+        <p:sp>
+          <p:nvSpPr>
+            <p:cNvPr id="33" name="Oval 32"/>
+            <p:cNvSpPr/>
+            <p:nvPr/>
+          </p:nvSpPr>
+          <p:spPr bwMode="auto">
+            <a:xfrm>
+              <a:off x="3886200" y="1981200"/>
+              <a:ext cx="152400" cy="152400"/>
+            </a:xfrm>
+            <a:prstGeom prst="ellipse">
+              <a:avLst/>
+            </a:prstGeom>
+            <a:solidFill>
+              <a:schemeClr val="bg1"/>
+            </a:solidFill>
+            <a:ln w="3175" cap="flat" cmpd="sng" algn="ctr">
+              <a:solidFill>
+                <a:schemeClr val="tx1"/>
+              </a:solidFill>
+              <a:prstDash val="solid"/>
+              <a:round/>
+              <a:headEnd type="none" w="med" len="med"/>
+              <a:tailEnd type="triangle" w="lg" len="lg"/>
+            </a:ln>
+            <a:effectLst/>
+          </p:spPr>
+          <p:txBody>
+            <a:bodyPr vert="horz" wrap="square" lIns="91440" tIns="45720" rIns="91440" bIns="45720" numCol="1" rtlCol="0" anchor="t" anchorCtr="0" compatLnSpc="1">
+              <a:prstTxWarp prst="textNoShape">
+                <a:avLst/>
+              </a:prstTxWarp>
+            </a:bodyPr>
+            <a:lstStyle/>
+            <a:p>
+              <a:pPr marL="0" marR="0" indent="0" algn="l" defTabSz="914400" rtl="0" eaLnBrk="1" fontAlgn="base" latinLnBrk="0" hangingPunct="1">
+                <a:lnSpc>
+                  <a:spcPct val="100000"/>
+                </a:lnSpc>
+                <a:spcBef>
+                  <a:spcPct val="0"/>
+                </a:spcBef>
+                <a:spcAft>
+                  <a:spcPct val="0"/>
+                </a:spcAft>
+                <a:buClrTx/>
+                <a:buSzTx/>
+                <a:buFontTx/>
+                <a:buNone/>
+                <a:tabLst/>
+              </a:pPr>
+              <a:endParaRPr kumimoji="0" lang="en-US" sz="3200" b="0" i="0" u="none" strike="noStrike" cap="none" normalizeH="0" baseline="0" smtClean="0">
+                <a:ln>
+                  <a:noFill/>
+                </a:ln>
+                <a:solidFill>
+                  <a:schemeClr val="tx1"/>
+                </a:solidFill>
+                <a:effectLst/>
+                <a:latin typeface="Comic Sans MS" pitchFamily="66" charset="0"/>
+              </a:endParaRPr>
+            </a:p>
+          </p:txBody>
+        </p:sp>
+        <p:sp>
+          <p:nvSpPr>
+            <p:cNvPr id="37" name="Oval 36"/>
+            <p:cNvSpPr/>
+            <p:nvPr/>
+          </p:nvSpPr>
+          <p:spPr bwMode="auto">
+            <a:xfrm>
+              <a:off x="2895600" y="3200400"/>
+              <a:ext cx="152400" cy="152400"/>
+            </a:xfrm>
+            <a:prstGeom prst="ellipse">
+              <a:avLst/>
+            </a:prstGeom>
+            <a:solidFill>
+              <a:schemeClr val="bg1"/>
+            </a:solidFill>
+            <a:ln w="3175" cap="flat" cmpd="sng" algn="ctr">
+              <a:solidFill>
+                <a:schemeClr val="tx1"/>
+              </a:solidFill>
+              <a:prstDash val="solid"/>
+              <a:round/>
+              <a:headEnd type="none" w="med" len="med"/>
+              <a:tailEnd type="triangle" w="lg" len="lg"/>
+            </a:ln>
+            <a:effectLst/>
+          </p:spPr>
+          <p:txBody>
+            <a:bodyPr vert="horz" wrap="square" lIns="91440" tIns="45720" rIns="91440" bIns="45720" numCol="1" rtlCol="0" anchor="t" anchorCtr="0" compatLnSpc="1">
+              <a:prstTxWarp prst="textNoShape">
+                <a:avLst/>
+              </a:prstTxWarp>
+            </a:bodyPr>
+            <a:lstStyle/>
+            <a:p>
+              <a:pPr marL="0" marR="0" indent="0" algn="l" defTabSz="914400" rtl="0" eaLnBrk="1" fontAlgn="base" latinLnBrk="0" hangingPunct="1">
+                <a:lnSpc>
+                  <a:spcPct val="100000"/>
+                </a:lnSpc>
+                <a:spcBef>
+                  <a:spcPct val="0"/>
+                </a:spcBef>
+                <a:spcAft>
+                  <a:spcPct val="0"/>
+                </a:spcAft>
+                <a:buClrTx/>
+                <a:buSzTx/>
+                <a:buFontTx/>
+                <a:buNone/>
+                <a:tabLst/>
+              </a:pPr>
+              <a:endParaRPr kumimoji="0" lang="en-US" sz="3200" b="0" i="0" u="none" strike="noStrike" cap="none" normalizeH="0" baseline="0" smtClean="0">
+                <a:ln>
+                  <a:noFill/>
+                </a:ln>
+                <a:solidFill>
+                  <a:schemeClr val="tx1"/>
+                </a:solidFill>
+                <a:effectLst/>
+                <a:latin typeface="Comic Sans MS" pitchFamily="66" charset="0"/>
+              </a:endParaRPr>
+            </a:p>
+          </p:txBody>
+        </p:sp>
+      </p:grpSp>
+    </p:spTree>
+    <p:extLst>
+      <p:ext uri="{BB962C8B-B14F-4D97-AF65-F5344CB8AC3E}">
+        <p14:creationId xmlns:p14="http://schemas.microsoft.com/office/powerpoint/2010/main" val="3770230510"/>
+      </p:ext>
+    </p:extLst>
+  </p:cSld>
+  <p:clrMapOvr>
+    <a:masterClrMapping/>
+  </p:clrMapOvr>
+  <mc:AlternateContent xmlns:mc="http://schemas.openxmlformats.org/markup-compatibility/2006" xmlns:p14="http://schemas.microsoft.com/office/powerpoint/2010/main">
+    <mc:Choice Requires="p14">
+      <p:transition spd="med" p14:dur="700" advClick="0">
+        <p:fade/>
+      </p:transition>
+    </mc:Choice>
+    <mc:Fallback xmlns="">
+      <p:transition xmlns:p14="http://schemas.microsoft.com/office/powerpoint/2010/main" spd="med" advClick="0">
+        <p:fade/>
+      </p:transition>
+    </mc:Fallback>
+  </mc:AlternateContent>
+  <p:timing>
+    <p:tnLst>
+      <p:par>
+        <p:cTn xmlns:p14="http://schemas.microsoft.com/office/powerpoint/2010/main" id="1" dur="indefinite" restart="never" nodeType="tmRoot"/>
+      </p:par>
+    </p:tnLst>
+  </p:timing>
+</p:sld>
+</file>
+
+<file path=ppt/slides/slide23.xml><?xml version="1.0" encoding="utf-8"?>
+<p:sld xmlns:a="http://schemas.openxmlformats.org/drawingml/2006/main" xmlns:r="http://schemas.openxmlformats.org/officeDocument/2006/relationships" xmlns:p="http://schemas.openxmlformats.org/presentationml/2006/main">
+  <p:cSld>
+    <p:spTree>
+      <p:nvGrpSpPr>
+        <p:cNvPr id="1" name=""/>
+        <p:cNvGrpSpPr/>
+        <p:nvPr/>
+      </p:nvGrpSpPr>
+      <p:grpSpPr>
+        <a:xfrm>
+          <a:off x="0" y="0"/>
+          <a:ext cx="0" cy="0"/>
+          <a:chOff x="0" y="0"/>
+          <a:chExt cx="0" cy="0"/>
+        </a:xfrm>
+      </p:grpSpPr>
+      <p:sp>
+        <p:nvSpPr>
+          <p:cNvPr id="4" name="Slide Number Placeholder 3"/>
+          <p:cNvSpPr>
+            <a:spLocks noGrp="1"/>
+          </p:cNvSpPr>
+          <p:nvPr>
+            <p:ph type="sldNum" sz="quarter" idx="4"/>
+          </p:nvPr>
+        </p:nvSpPr>
+        <p:spPr>
+          <a:xfrm>
+            <a:off x="8225613" y="6553200"/>
+            <a:ext cx="870764" cy="246221"/>
+          </a:xfrm>
+        </p:spPr>
+        <p:txBody>
+          <a:bodyPr/>
+          <a:lstStyle/>
+          <a:p>
+            <a:pPr>
+              <a:defRPr/>
+            </a:pPr>
+            <a:r>
+              <a:rPr lang="en-US" dirty="0" smtClean="0"/>
+              <a:t>min-gray.</a:t>
+            </a:r>
+            <a:fld id="{D7F2FC53-1536-41A9-A9C1-2199CF803E30}" type="slidenum">
+              <a:rPr lang="en-US" smtClean="0"/>
+              <a:pPr>
+                <a:defRPr/>
+              </a:pPr>
+              <a:t>23</a:t>
+            </a:fld>
+            <a:endParaRPr lang="en-US" dirty="0"/>
+          </a:p>
+        </p:txBody>
+      </p:sp>
+      <p:sp>
+        <p:nvSpPr>
+          <p:cNvPr id="45" name="Title 1"/>
+          <p:cNvSpPr>
+            <a:spLocks noGrp="1"/>
+          </p:cNvSpPr>
+          <p:nvPr>
+            <p:ph type="title"/>
+          </p:nvPr>
+        </p:nvSpPr>
+        <p:spPr>
+          <a:xfrm>
+            <a:off x="1524000" y="304800"/>
+            <a:ext cx="7086600" cy="990600"/>
+          </a:xfrm>
+        </p:spPr>
+        <p:txBody>
+          <a:bodyPr/>
+          <a:lstStyle/>
+          <a:p>
+            <a:r>
+              <a:rPr lang="en-US" dirty="0" smtClean="0"/>
+              <a:t>Proof of Swap Lemma</a:t>
+            </a:r>
+            <a:endParaRPr lang="en-US" dirty="0"/>
+          </a:p>
+        </p:txBody>
+      </p:sp>
+      <p:sp>
+        <p:nvSpPr>
+          <p:cNvPr id="11" name="Rectangle 10"/>
+          <p:cNvSpPr/>
+          <p:nvPr/>
+        </p:nvSpPr>
+        <p:spPr>
+          <a:xfrm>
+            <a:off x="2895600" y="1828800"/>
+            <a:ext cx="1066800" cy="1371600"/>
+          </a:xfrm>
+          <a:prstGeom prst="rect">
+            <a:avLst/>
+          </a:prstGeom>
+          <a:solidFill>
+            <a:srgbClr val="DDFFFF"/>
+          </a:solidFill>
+          <a:ln w="47625">
+            <a:noFill/>
+          </a:ln>
+        </p:spPr>
+        <p:txBody>
+          <a:bodyPr rtlCol="0" anchor="ctr"/>
+          <a:lstStyle/>
+          <a:p>
+            <a:pPr algn="ctr"/>
+            <a:endParaRPr lang="en-US"/>
+          </a:p>
+        </p:txBody>
+      </p:sp>
+      <p:grpSp>
+        <p:nvGrpSpPr>
+          <p:cNvPr id="2" name="Group 1"/>
+          <p:cNvGrpSpPr/>
+          <p:nvPr/>
+        </p:nvGrpSpPr>
+        <p:grpSpPr>
+          <a:xfrm>
+            <a:off x="228600" y="1447800"/>
+            <a:ext cx="8573080" cy="2667000"/>
+            <a:chOff x="494720" y="1524000"/>
+            <a:chExt cx="8573080" cy="2667000"/>
+          </a:xfrm>
+        </p:grpSpPr>
+        <p:sp>
+          <p:nvSpPr>
+            <p:cNvPr id="3" name="TextBox 2"/>
+            <p:cNvSpPr txBox="1"/>
+            <p:nvPr/>
+          </p:nvSpPr>
+          <p:spPr>
+            <a:xfrm>
+              <a:off x="494720" y="1605677"/>
+              <a:ext cx="8573080" cy="2585323"/>
+            </a:xfrm>
+            <a:prstGeom prst="rect">
+              <a:avLst/>
+            </a:prstGeom>
+            <a:noFill/>
+          </p:spPr>
+          <p:txBody>
+            <a:bodyPr wrap="none" rtlCol="0">
+              <a:spAutoFit/>
+            </a:bodyPr>
+            <a:lstStyle/>
+            <a:p>
+              <a:r>
+                <a:rPr lang="en-US" sz="5400" dirty="0" smtClean="0"/>
+                <a:t>                 is connected:</a:t>
+              </a:r>
+            </a:p>
+            <a:p>
+              <a:r>
+                <a:rPr lang="en-US" sz="5400" dirty="0" smtClean="0"/>
+                <a:t>end-points of </a:t>
+              </a:r>
+              <a:r>
+                <a:rPr lang="en-US" sz="5400" dirty="0" smtClean="0">
+                  <a:solidFill>
+                    <a:srgbClr val="0000E5"/>
+                  </a:solidFill>
+                </a:rPr>
+                <a:t>g</a:t>
+              </a:r>
+              <a:r>
+                <a:rPr lang="en-US" sz="5400" dirty="0" smtClean="0"/>
+                <a:t> connected</a:t>
+              </a:r>
+            </a:p>
+            <a:p>
+              <a:r>
+                <a:rPr lang="en-US" sz="5400" dirty="0" smtClean="0"/>
+                <a:t>by </a:t>
+              </a:r>
+              <a:r>
+                <a:rPr lang="en-US" sz="5400" dirty="0" smtClean="0">
+                  <a:solidFill>
+                    <a:srgbClr val="008000"/>
+                  </a:solidFill>
+                </a:rPr>
+                <a:t>path</a:t>
+              </a:r>
+              <a:endParaRPr lang="en-US" sz="5400" dirty="0" smtClean="0"/>
+            </a:p>
+          </p:txBody>
+        </p:sp>
+        <p:graphicFrame>
+          <p:nvGraphicFramePr>
+            <p:cNvPr id="8" name="Object 7"/>
+            <p:cNvGraphicFramePr>
+              <a:graphicFrameLocks noChangeAspect="1"/>
+            </p:cNvGraphicFramePr>
+            <p:nvPr>
+              <p:extLst>
+                <p:ext uri="{D42A27DB-BD31-4B8C-83A1-F6EECF244321}">
+                  <p14:modId xmlns:p14="http://schemas.microsoft.com/office/powerpoint/2010/main" val="414955937"/>
+                </p:ext>
+              </p:extLst>
+            </p:nvPr>
+          </p:nvGraphicFramePr>
+          <p:xfrm>
+            <a:off x="494720" y="1524000"/>
+            <a:ext cx="3359150" cy="1209675"/>
+          </p:xfrm>
+          <a:graphic>
+            <a:graphicData uri="http://schemas.openxmlformats.org/presentationml/2006/ole">
+              <mc:AlternateContent xmlns:mc="http://schemas.openxmlformats.org/markup-compatibility/2006">
+                <mc:Choice xmlns:v="urn:schemas-microsoft-com:vml" Requires="v">
+                  <p:oleObj spid="_x0000_s44069" name="Equation" r:id="rId3" imgW="635000" imgH="228600" progId="Equation.DSMT4">
+                    <p:embed/>
+                  </p:oleObj>
+                </mc:Choice>
+                <mc:Fallback>
+                  <p:oleObj name="Equation" r:id="rId3" imgW="635000" imgH="228600" progId="Equation.DSMT4">
+                    <p:embed/>
+                    <p:pic>
+                      <p:nvPicPr>
+                        <p:cNvPr id="0" name=""/>
+                        <p:cNvPicPr/>
+                        <p:nvPr/>
+                      </p:nvPicPr>
+                      <p:blipFill>
+                        <a:blip r:embed="rId4"/>
+                        <a:stretch>
+                          <a:fillRect/>
+                        </a:stretch>
+                      </p:blipFill>
+                      <p:spPr>
+                        <a:xfrm>
+                          <a:off x="494720" y="1524000"/>
+                          <a:ext cx="3359150" cy="1209675"/>
+                        </a:xfrm>
+                        <a:prstGeom prst="rect">
+                          <a:avLst/>
+                        </a:prstGeom>
+                      </p:spPr>
+                    </p:pic>
+                  </p:oleObj>
+                </mc:Fallback>
+              </mc:AlternateContent>
+            </a:graphicData>
+          </a:graphic>
+        </p:graphicFrame>
+      </p:grpSp>
+      <p:sp>
+        <p:nvSpPr>
+          <p:cNvPr id="5" name="Rectangle 4"/>
+          <p:cNvSpPr/>
+          <p:nvPr/>
+        </p:nvSpPr>
+        <p:spPr>
+          <a:xfrm>
+            <a:off x="228600" y="3200400"/>
+            <a:ext cx="8991600" cy="923330"/>
+          </a:xfrm>
+          <a:prstGeom prst="rect">
+            <a:avLst/>
+          </a:prstGeom>
+        </p:spPr>
+        <p:txBody>
+          <a:bodyPr wrap="square">
+            <a:spAutoFit/>
+          </a:bodyPr>
+          <a:lstStyle/>
+          <a:p>
+            <a:pPr lvl="0"/>
+            <a:r>
+              <a:rPr lang="en-US" sz="5400" dirty="0" smtClean="0">
+                <a:solidFill>
+                  <a:srgbClr val="000000"/>
+                </a:solidFill>
+              </a:rPr>
+              <a:t>            </a:t>
+            </a:r>
+            <a:endParaRPr lang="en-US" sz="5400" dirty="0">
+              <a:solidFill>
+                <a:srgbClr val="000000"/>
+              </a:solidFill>
+            </a:endParaRPr>
+          </a:p>
+        </p:txBody>
+      </p:sp>
+    </p:spTree>
+    <p:extLst>
+      <p:ext uri="{BB962C8B-B14F-4D97-AF65-F5344CB8AC3E}">
+        <p14:creationId xmlns:p14="http://schemas.microsoft.com/office/powerpoint/2010/main" val="4101889324"/>
+      </p:ext>
+    </p:extLst>
+  </p:cSld>
+  <p:clrMapOvr>
+    <a:masterClrMapping/>
+  </p:clrMapOvr>
+  <mc:AlternateContent xmlns:mc="http://schemas.openxmlformats.org/markup-compatibility/2006" xmlns:p14="http://schemas.microsoft.com/office/powerpoint/2010/main">
+    <mc:Choice Requires="p14">
+      <p:transition spd="med" p14:dur="700" advClick="0">
+        <p:fade/>
+      </p:transition>
+    </mc:Choice>
+    <mc:Fallback xmlns="">
+      <p:transition xmlns:p14="http://schemas.microsoft.com/office/powerpoint/2010/main" spd="med" advClick="0">
+        <p:fade/>
+      </p:transition>
+    </mc:Fallback>
+  </mc:AlternateContent>
+  <p:timing>
+    <p:tnLst>
+      <p:par>
+        <p:cTn xmlns:p14="http://schemas.microsoft.com/office/powerpoint/2010/main" id="1" dur="indefinite" restart="never" nodeType="tmRoot"/>
+      </p:par>
+    </p:tnLst>
+  </p:timing>
+</p:sld>
+</file>
+
+<file path=ppt/slides/slide24.xml><?xml version="1.0" encoding="utf-8"?>
+<p:sld xmlns:a="http://schemas.openxmlformats.org/drawingml/2006/main" xmlns:r="http://schemas.openxmlformats.org/officeDocument/2006/relationships" xmlns:p="http://schemas.openxmlformats.org/presentationml/2006/main">
+  <p:cSld>
+    <p:spTree>
+      <p:nvGrpSpPr>
+        <p:cNvPr id="1" name=""/>
+        <p:cNvGrpSpPr/>
+        <p:nvPr/>
+      </p:nvGrpSpPr>
+      <p:grpSpPr>
+        <a:xfrm>
+          <a:off x="0" y="0"/>
+          <a:ext cx="0" cy="0"/>
+          <a:chOff x="0" y="0"/>
+          <a:chExt cx="0" cy="0"/>
+        </a:xfrm>
+      </p:grpSpPr>
+      <p:sp>
+        <p:nvSpPr>
+          <p:cNvPr id="5" name="Oval 4"/>
+          <p:cNvSpPr/>
+          <p:nvPr/>
+        </p:nvSpPr>
+        <p:spPr bwMode="auto">
+          <a:xfrm>
+            <a:off x="6705600" y="5334000"/>
+            <a:ext cx="152400" cy="152400"/>
+          </a:xfrm>
+          <a:prstGeom prst="ellipse">
+            <a:avLst/>
+          </a:prstGeom>
+          <a:solidFill>
+            <a:schemeClr val="tx1"/>
+          </a:solidFill>
+          <a:ln w="31750" cap="flat" cmpd="sng" algn="ctr">
+            <a:solidFill>
+              <a:schemeClr val="tx1"/>
+            </a:solidFill>
+            <a:prstDash val="solid"/>
+            <a:round/>
+            <a:headEnd type="none" w="med" len="med"/>
+            <a:tailEnd type="triangle" w="lg" len="lg"/>
+          </a:ln>
+          <a:effectLst/>
+        </p:spPr>
+        <p:txBody>
+          <a:bodyPr vert="horz" wrap="square" lIns="91440" tIns="45720" rIns="91440" bIns="45720" numCol="1" rtlCol="0" anchor="t" anchorCtr="0" compatLnSpc="1">
+            <a:prstTxWarp prst="textNoShape">
+              <a:avLst/>
+            </a:prstTxWarp>
+          </a:bodyPr>
+          <a:lstStyle/>
+          <a:p>
+            <a:pPr marL="0" marR="0" indent="0" algn="l" defTabSz="914400" rtl="0" eaLnBrk="1" fontAlgn="base" latinLnBrk="0" hangingPunct="1">
+              <a:lnSpc>
+                <a:spcPct val="100000"/>
+              </a:lnSpc>
+              <a:spcBef>
+                <a:spcPct val="0"/>
+              </a:spcBef>
+              <a:spcAft>
+                <a:spcPct val="0"/>
+              </a:spcAft>
+              <a:buClrTx/>
+              <a:buSzTx/>
+              <a:buFontTx/>
+              <a:buNone/>
+              <a:tabLst/>
+            </a:pPr>
+            <a:endParaRPr kumimoji="0" lang="en-US" sz="3200" b="0" i="0" u="none" strike="noStrike" cap="none" normalizeH="0" baseline="0" smtClean="0">
+              <a:ln>
+                <a:noFill/>
+              </a:ln>
+              <a:solidFill>
+                <a:schemeClr val="tx1"/>
+              </a:solidFill>
+              <a:effectLst/>
+              <a:latin typeface="Comic Sans MS" pitchFamily="66" charset="0"/>
+            </a:endParaRPr>
+          </a:p>
+        </p:txBody>
+      </p:sp>
+      <p:sp>
+        <p:nvSpPr>
+          <p:cNvPr id="6" name="Oval 5"/>
+          <p:cNvSpPr/>
+          <p:nvPr/>
+        </p:nvSpPr>
+        <p:spPr bwMode="auto">
+          <a:xfrm>
+            <a:off x="6727918" y="6096000"/>
+            <a:ext cx="152400" cy="152400"/>
+          </a:xfrm>
+          <a:prstGeom prst="ellipse">
+            <a:avLst/>
+          </a:prstGeom>
+          <a:solidFill>
+            <a:schemeClr val="tx1"/>
+          </a:solidFill>
+          <a:ln w="31750" cap="flat" cmpd="sng" algn="ctr">
+            <a:solidFill>
+              <a:schemeClr val="tx1"/>
+            </a:solidFill>
+            <a:prstDash val="solid"/>
+            <a:round/>
+            <a:headEnd type="none" w="med" len="med"/>
+            <a:tailEnd type="triangle" w="lg" len="lg"/>
+          </a:ln>
+          <a:effectLst/>
+        </p:spPr>
+        <p:txBody>
+          <a:bodyPr vert="horz" wrap="square" lIns="91440" tIns="45720" rIns="91440" bIns="45720" numCol="1" rtlCol="0" anchor="t" anchorCtr="0" compatLnSpc="1">
+            <a:prstTxWarp prst="textNoShape">
+              <a:avLst/>
+            </a:prstTxWarp>
+          </a:bodyPr>
+          <a:lstStyle/>
+          <a:p>
+            <a:pPr marL="0" marR="0" indent="0" algn="l" defTabSz="914400" rtl="0" eaLnBrk="1" fontAlgn="base" latinLnBrk="0" hangingPunct="1">
+              <a:lnSpc>
+                <a:spcPct val="100000"/>
+              </a:lnSpc>
+              <a:spcBef>
+                <a:spcPct val="0"/>
+              </a:spcBef>
+              <a:spcAft>
+                <a:spcPct val="0"/>
+              </a:spcAft>
+              <a:buClrTx/>
+              <a:buSzTx/>
+              <a:buFontTx/>
+              <a:buNone/>
+              <a:tabLst/>
+            </a:pPr>
+            <a:endParaRPr kumimoji="0" lang="en-US" sz="3200" b="0" i="0" u="none" strike="noStrike" cap="none" normalizeH="0" baseline="0" smtClean="0">
+              <a:ln>
+                <a:noFill/>
+              </a:ln>
+              <a:solidFill>
+                <a:schemeClr val="tx1"/>
+              </a:solidFill>
+              <a:effectLst/>
+              <a:latin typeface="Comic Sans MS" pitchFamily="66" charset="0"/>
+            </a:endParaRPr>
+          </a:p>
+        </p:txBody>
+      </p:sp>
+      <p:sp>
+        <p:nvSpPr>
+          <p:cNvPr id="7" name="Oval 6"/>
+          <p:cNvSpPr/>
+          <p:nvPr/>
+        </p:nvSpPr>
+        <p:spPr bwMode="auto">
+          <a:xfrm>
+            <a:off x="5280118" y="6019800"/>
+            <a:ext cx="152400" cy="152400"/>
+          </a:xfrm>
+          <a:prstGeom prst="ellipse">
+            <a:avLst/>
+          </a:prstGeom>
+          <a:solidFill>
+            <a:schemeClr val="tx1"/>
+          </a:solidFill>
+          <a:ln w="31750" cap="flat" cmpd="sng" algn="ctr">
+            <a:solidFill>
+              <a:schemeClr val="tx1"/>
+            </a:solidFill>
+            <a:prstDash val="solid"/>
+            <a:round/>
+            <a:headEnd type="none" w="med" len="med"/>
+            <a:tailEnd type="triangle" w="lg" len="lg"/>
+          </a:ln>
+          <a:effectLst/>
+        </p:spPr>
+        <p:txBody>
+          <a:bodyPr vert="horz" wrap="square" lIns="91440" tIns="45720" rIns="91440" bIns="45720" numCol="1" rtlCol="0" anchor="t" anchorCtr="0" compatLnSpc="1">
+            <a:prstTxWarp prst="textNoShape">
+              <a:avLst/>
+            </a:prstTxWarp>
+          </a:bodyPr>
+          <a:lstStyle/>
+          <a:p>
+            <a:pPr marL="0" marR="0" indent="0" algn="l" defTabSz="914400" rtl="0" eaLnBrk="1" fontAlgn="base" latinLnBrk="0" hangingPunct="1">
+              <a:lnSpc>
+                <a:spcPct val="100000"/>
+              </a:lnSpc>
+              <a:spcBef>
+                <a:spcPct val="0"/>
+              </a:spcBef>
+              <a:spcAft>
+                <a:spcPct val="0"/>
+              </a:spcAft>
+              <a:buClrTx/>
+              <a:buSzTx/>
+              <a:buFontTx/>
+              <a:buNone/>
+              <a:tabLst/>
+            </a:pPr>
+            <a:endParaRPr kumimoji="0" lang="en-US" sz="3200" b="0" i="0" u="none" strike="noStrike" cap="none" normalizeH="0" baseline="0" smtClean="0">
+              <a:ln>
+                <a:noFill/>
+              </a:ln>
+              <a:solidFill>
+                <a:schemeClr val="tx1"/>
+              </a:solidFill>
+              <a:effectLst/>
+              <a:latin typeface="Comic Sans MS" pitchFamily="66" charset="0"/>
+            </a:endParaRPr>
+          </a:p>
+        </p:txBody>
+      </p:sp>
+      <p:cxnSp>
+        <p:nvCxnSpPr>
+          <p:cNvPr id="39" name="Straight Connector 38"/>
+          <p:cNvCxnSpPr>
+            <a:stCxn id="5" idx="4"/>
+            <a:endCxn id="6" idx="0"/>
+          </p:cNvCxnSpPr>
+          <p:nvPr/>
+        </p:nvCxnSpPr>
+        <p:spPr bwMode="auto">
+          <a:xfrm>
+            <a:off x="6781800" y="5486400"/>
+            <a:ext cx="22318" cy="609600"/>
+          </a:xfrm>
+          <a:prstGeom prst="line">
+            <a:avLst/>
+          </a:prstGeom>
+          <a:noFill/>
+          <a:ln w="38100" cap="flat" cmpd="sng" algn="ctr">
+            <a:solidFill>
+              <a:srgbClr val="FF00FF"/>
+            </a:solidFill>
+            <a:prstDash val="solid"/>
+            <a:round/>
+            <a:headEnd type="none" w="med" len="med"/>
+            <a:tailEnd type="none" w="lg" len="lg"/>
+          </a:ln>
+          <a:effectLst/>
+        </p:spPr>
+      </p:cxnSp>
+      <p:cxnSp>
+        <p:nvCxnSpPr>
+          <p:cNvPr id="40" name="Straight Connector 39"/>
+          <p:cNvCxnSpPr>
+            <a:stCxn id="5" idx="3"/>
+            <a:endCxn id="7" idx="7"/>
+          </p:cNvCxnSpPr>
+          <p:nvPr/>
+        </p:nvCxnSpPr>
+        <p:spPr bwMode="auto">
+          <a:xfrm flipH="1">
+            <a:off x="5410200" y="5464082"/>
+            <a:ext cx="1317718" cy="578036"/>
+          </a:xfrm>
+          <a:prstGeom prst="line">
+            <a:avLst/>
+          </a:prstGeom>
+          <a:noFill/>
+          <a:ln w="38100" cap="flat" cmpd="sng" algn="ctr">
+            <a:solidFill>
+              <a:srgbClr val="FF00FF"/>
+            </a:solidFill>
+            <a:prstDash val="solid"/>
+            <a:round/>
+            <a:headEnd type="none" w="med" len="med"/>
+            <a:tailEnd type="none" w="lg" len="lg"/>
+          </a:ln>
+          <a:effectLst/>
+        </p:spPr>
+      </p:cxnSp>
+      <p:cxnSp>
+        <p:nvCxnSpPr>
+          <p:cNvPr id="35" name="Straight Connector 34"/>
+          <p:cNvCxnSpPr>
+            <a:stCxn id="9" idx="4"/>
+            <a:endCxn id="8" idx="0"/>
+          </p:cNvCxnSpPr>
+          <p:nvPr/>
+        </p:nvCxnSpPr>
+        <p:spPr bwMode="auto">
+          <a:xfrm>
+            <a:off x="6140636" y="1828800"/>
+            <a:ext cx="412564" cy="914400"/>
+          </a:xfrm>
+          <a:prstGeom prst="line">
+            <a:avLst/>
+          </a:prstGeom>
+          <a:noFill/>
+          <a:ln w="38100" cap="flat" cmpd="sng" algn="ctr">
+            <a:solidFill>
+              <a:srgbClr val="FF00FF"/>
+            </a:solidFill>
+            <a:prstDash val="solid"/>
+            <a:round/>
+            <a:headEnd type="none" w="med" len="med"/>
+            <a:tailEnd type="none" w="lg" len="lg"/>
+          </a:ln>
+          <a:effectLst/>
+        </p:spPr>
+      </p:cxnSp>
+      <p:sp>
+        <p:nvSpPr>
+          <p:cNvPr id="9" name="Oval 8"/>
+          <p:cNvSpPr/>
+          <p:nvPr/>
+        </p:nvSpPr>
+        <p:spPr bwMode="auto">
+          <a:xfrm>
+            <a:off x="6064436" y="1676400"/>
+            <a:ext cx="152400" cy="152400"/>
+          </a:xfrm>
+          <a:prstGeom prst="ellipse">
+            <a:avLst/>
+          </a:prstGeom>
+          <a:solidFill>
+            <a:schemeClr val="bg1"/>
+          </a:solidFill>
+          <a:ln w="3175" cap="flat" cmpd="sng" algn="ctr">
+            <a:solidFill>
+              <a:schemeClr val="tx1"/>
+            </a:solidFill>
+            <a:prstDash val="solid"/>
+            <a:round/>
+            <a:headEnd type="none" w="med" len="med"/>
+            <a:tailEnd type="triangle" w="lg" len="lg"/>
+          </a:ln>
+          <a:effectLst/>
+        </p:spPr>
+        <p:txBody>
+          <a:bodyPr vert="horz" wrap="square" lIns="91440" tIns="45720" rIns="91440" bIns="45720" numCol="1" rtlCol="0" anchor="t" anchorCtr="0" compatLnSpc="1">
+            <a:prstTxWarp prst="textNoShape">
+              <a:avLst/>
+            </a:prstTxWarp>
+          </a:bodyPr>
+          <a:lstStyle/>
+          <a:p>
+            <a:pPr marL="0" marR="0" indent="0" algn="l" defTabSz="914400" rtl="0" eaLnBrk="1" fontAlgn="base" latinLnBrk="0" hangingPunct="1">
+              <a:lnSpc>
+                <a:spcPct val="100000"/>
+              </a:lnSpc>
+              <a:spcBef>
+                <a:spcPct val="0"/>
+              </a:spcBef>
+              <a:spcAft>
+                <a:spcPct val="0"/>
+              </a:spcAft>
+              <a:buClrTx/>
+              <a:buSzTx/>
+              <a:buFontTx/>
+              <a:buNone/>
+              <a:tabLst/>
+            </a:pPr>
+            <a:endParaRPr kumimoji="0" lang="en-US" sz="3200" b="0" i="0" u="none" strike="noStrike" cap="none" normalizeH="0" baseline="0" smtClean="0">
+              <a:ln>
+                <a:noFill/>
+              </a:ln>
+              <a:solidFill>
+                <a:schemeClr val="tx1"/>
+              </a:solidFill>
+              <a:effectLst/>
+              <a:latin typeface="Comic Sans MS" pitchFamily="66" charset="0"/>
+            </a:endParaRPr>
+          </a:p>
+        </p:txBody>
+      </p:sp>
+      <p:cxnSp>
+        <p:nvCxnSpPr>
+          <p:cNvPr id="78" name="Straight Connector 77"/>
+          <p:cNvCxnSpPr>
+            <a:stCxn id="85" idx="3"/>
+            <a:endCxn id="8" idx="7"/>
+          </p:cNvCxnSpPr>
+          <p:nvPr/>
+        </p:nvCxnSpPr>
+        <p:spPr bwMode="auto">
+          <a:xfrm flipH="1">
+            <a:off x="6607082" y="1577882"/>
+            <a:ext cx="1187636" cy="1187636"/>
+          </a:xfrm>
+          <a:prstGeom prst="line">
+            <a:avLst/>
+          </a:prstGeom>
+          <a:noFill/>
+          <a:ln w="38100" cap="flat" cmpd="sng" algn="ctr">
+            <a:solidFill>
+              <a:srgbClr val="FF00FF"/>
+            </a:solidFill>
+            <a:prstDash val="solid"/>
+            <a:round/>
+            <a:headEnd type="none" w="med" len="med"/>
+            <a:tailEnd type="none" w="lg" len="lg"/>
+          </a:ln>
+          <a:effectLst/>
+        </p:spPr>
+      </p:cxnSp>
+      <p:sp>
+        <p:nvSpPr>
+          <p:cNvPr id="85" name="Oval 84"/>
+          <p:cNvSpPr/>
+          <p:nvPr/>
+        </p:nvSpPr>
+        <p:spPr bwMode="auto">
+          <a:xfrm>
+            <a:off x="7772400" y="1447800"/>
+            <a:ext cx="152400" cy="152400"/>
+          </a:xfrm>
+          <a:prstGeom prst="ellipse">
+            <a:avLst/>
+          </a:prstGeom>
+          <a:solidFill>
+            <a:schemeClr val="bg1"/>
+          </a:solidFill>
+          <a:ln w="3175" cap="flat" cmpd="sng" algn="ctr">
+            <a:solidFill>
+              <a:schemeClr val="tx1"/>
+            </a:solidFill>
+            <a:prstDash val="solid"/>
+            <a:round/>
+            <a:headEnd type="none" w="med" len="med"/>
+            <a:tailEnd type="triangle" w="lg" len="lg"/>
+          </a:ln>
+          <a:effectLst/>
+        </p:spPr>
+        <p:txBody>
+          <a:bodyPr vert="horz" wrap="square" lIns="91440" tIns="45720" rIns="91440" bIns="45720" numCol="1" rtlCol="0" anchor="t" anchorCtr="0" compatLnSpc="1">
+            <a:prstTxWarp prst="textNoShape">
+              <a:avLst/>
+            </a:prstTxWarp>
+          </a:bodyPr>
+          <a:lstStyle/>
+          <a:p>
+            <a:pPr marL="0" marR="0" indent="0" algn="l" defTabSz="914400" rtl="0" eaLnBrk="1" fontAlgn="base" latinLnBrk="0" hangingPunct="1">
+              <a:lnSpc>
+                <a:spcPct val="100000"/>
+              </a:lnSpc>
+              <a:spcBef>
+                <a:spcPct val="0"/>
+              </a:spcBef>
+              <a:spcAft>
+                <a:spcPct val="0"/>
+              </a:spcAft>
+              <a:buClrTx/>
+              <a:buSzTx/>
+              <a:buFontTx/>
+              <a:buNone/>
+              <a:tabLst/>
+            </a:pPr>
+            <a:endParaRPr kumimoji="0" lang="en-US" sz="3200" b="0" i="0" u="none" strike="noStrike" cap="none" normalizeH="0" baseline="0" smtClean="0">
+              <a:ln>
+                <a:noFill/>
+              </a:ln>
+              <a:solidFill>
+                <a:schemeClr val="tx1"/>
+              </a:solidFill>
+              <a:effectLst/>
+              <a:latin typeface="Comic Sans MS" pitchFamily="66" charset="0"/>
+            </a:endParaRPr>
+          </a:p>
+        </p:txBody>
+      </p:sp>
+      <p:sp>
+        <p:nvSpPr>
+          <p:cNvPr id="8" name="Oval 7"/>
+          <p:cNvSpPr/>
+          <p:nvPr/>
+        </p:nvSpPr>
+        <p:spPr bwMode="auto">
+          <a:xfrm>
+            <a:off x="6477000" y="2743200"/>
+            <a:ext cx="152400" cy="152400"/>
+          </a:xfrm>
+          <a:prstGeom prst="ellipse">
+            <a:avLst/>
+          </a:prstGeom>
+          <a:solidFill>
+            <a:schemeClr val="bg1"/>
+          </a:solidFill>
+          <a:ln w="3175" cap="flat" cmpd="sng" algn="ctr">
+            <a:solidFill>
+              <a:schemeClr val="tx1"/>
+            </a:solidFill>
+            <a:prstDash val="solid"/>
+            <a:round/>
+            <a:headEnd type="none" w="med" len="med"/>
+            <a:tailEnd type="triangle" w="lg" len="lg"/>
+          </a:ln>
+          <a:effectLst/>
+        </p:spPr>
+        <p:txBody>
+          <a:bodyPr vert="horz" wrap="square" lIns="91440" tIns="45720" rIns="91440" bIns="45720" numCol="1" rtlCol="0" anchor="t" anchorCtr="0" compatLnSpc="1">
+            <a:prstTxWarp prst="textNoShape">
+              <a:avLst/>
+            </a:prstTxWarp>
+          </a:bodyPr>
+          <a:lstStyle/>
+          <a:p>
+            <a:pPr marL="0" marR="0" indent="0" algn="l" defTabSz="914400" rtl="0" eaLnBrk="1" fontAlgn="base" latinLnBrk="0" hangingPunct="1">
+              <a:lnSpc>
+                <a:spcPct val="100000"/>
+              </a:lnSpc>
+              <a:spcBef>
+                <a:spcPct val="0"/>
+              </a:spcBef>
+              <a:spcAft>
+                <a:spcPct val="0"/>
+              </a:spcAft>
+              <a:buClrTx/>
+              <a:buSzTx/>
+              <a:buFontTx/>
+              <a:buNone/>
+              <a:tabLst/>
+            </a:pPr>
+            <a:endParaRPr kumimoji="0" lang="en-US" sz="3200" b="0" i="0" u="none" strike="noStrike" cap="none" normalizeH="0" baseline="0" smtClean="0">
+              <a:ln>
+                <a:noFill/>
+              </a:ln>
+              <a:solidFill>
+                <a:schemeClr val="tx1"/>
+              </a:solidFill>
+              <a:effectLst/>
+              <a:latin typeface="Comic Sans MS" pitchFamily="66" charset="0"/>
+            </a:endParaRPr>
+          </a:p>
+        </p:txBody>
+      </p:sp>
+      <p:sp>
+        <p:nvSpPr>
+          <p:cNvPr id="4" name="Slide Number Placeholder 3"/>
+          <p:cNvSpPr>
+            <a:spLocks noGrp="1"/>
+          </p:cNvSpPr>
+          <p:nvPr>
+            <p:ph type="sldNum" sz="quarter" idx="4"/>
+          </p:nvPr>
+        </p:nvSpPr>
+        <p:spPr>
+          <a:xfrm>
+            <a:off x="8205075" y="6553200"/>
+            <a:ext cx="891302" cy="246221"/>
+          </a:xfrm>
+        </p:spPr>
+        <p:txBody>
+          <a:bodyPr/>
+          <a:lstStyle/>
+          <a:p>
+            <a:pPr>
+              <a:defRPr/>
+            </a:pPr>
+            <a:r>
+              <a:rPr lang="en-US" dirty="0" smtClean="0"/>
+              <a:t>min-gray.</a:t>
+            </a:r>
+            <a:fld id="{D7F2FC53-1536-41A9-A9C1-2199CF803E30}" type="slidenum">
+              <a:rPr lang="en-US" smtClean="0"/>
+              <a:pPr>
+                <a:defRPr/>
+              </a:pPr>
+              <a:t>24</a:t>
+            </a:fld>
+            <a:endParaRPr lang="en-US" dirty="0"/>
+          </a:p>
+        </p:txBody>
+      </p:sp>
+      <p:sp>
+        <p:nvSpPr>
+          <p:cNvPr id="51" name="TextBox 50"/>
+          <p:cNvSpPr txBox="1"/>
+          <p:nvPr/>
+        </p:nvSpPr>
+        <p:spPr>
+          <a:xfrm>
+            <a:off x="6781800" y="3429000"/>
+            <a:ext cx="762000" cy="1015663"/>
+          </a:xfrm>
+          <a:prstGeom prst="rect">
+            <a:avLst/>
+          </a:prstGeom>
+          <a:noFill/>
+        </p:spPr>
+        <p:txBody>
+          <a:bodyPr wrap="square" rtlCol="0">
+            <a:spAutoFit/>
+          </a:bodyPr>
+          <a:lstStyle/>
+          <a:p>
+            <a:r>
+              <a:rPr lang="en-US" sz="6000" b="1" i="1" dirty="0">
+                <a:ln w="12700">
+                  <a:solidFill>
+                    <a:schemeClr val="tx2">
+                      <a:satMod val="155000"/>
+                    </a:schemeClr>
+                  </a:solidFill>
+                  <a:prstDash val="solid"/>
+                </a:ln>
+                <a:solidFill>
+                  <a:schemeClr val="bg2">
+                    <a:tint val="85000"/>
+                    <a:satMod val="155000"/>
+                  </a:schemeClr>
+                </a:solidFill>
+                <a:effectLst>
+                  <a:outerShdw blurRad="41275" dist="20320" dir="1800000" algn="tl" rotWithShape="0">
+                    <a:srgbClr val="000000">
+                      <a:alpha val="40000"/>
+                    </a:srgbClr>
+                  </a:outerShdw>
+                </a:effectLst>
+                <a:latin typeface="PT Serif"/>
+                <a:cs typeface="PT Serif"/>
+              </a:rPr>
+              <a:t>e</a:t>
+            </a:r>
+            <a:endParaRPr lang="en-US" sz="6000" dirty="0">
+              <a:solidFill>
+                <a:schemeClr val="accent1">
+                  <a:lumMod val="50000"/>
+                </a:schemeClr>
+              </a:solidFill>
+            </a:endParaRPr>
+          </a:p>
+        </p:txBody>
+      </p:sp>
+      <p:sp>
+        <p:nvSpPr>
+          <p:cNvPr id="128" name="Freeform 127"/>
+          <p:cNvSpPr/>
+          <p:nvPr/>
+        </p:nvSpPr>
+        <p:spPr>
+          <a:xfrm>
+            <a:off x="5537200" y="2354385"/>
+            <a:ext cx="635000" cy="644769"/>
+          </a:xfrm>
+          <a:custGeom>
+            <a:avLst/>
+            <a:gdLst>
+              <a:gd name="connsiteX0" fmla="*/ 635000 w 635000"/>
+              <a:gd name="connsiteY0" fmla="*/ 644769 h 644769"/>
+              <a:gd name="connsiteX1" fmla="*/ 0 w 635000"/>
+              <a:gd name="connsiteY1" fmla="*/ 0 h 644769"/>
+              <a:gd name="connsiteX2" fmla="*/ 0 w 635000"/>
+              <a:gd name="connsiteY2" fmla="*/ 0 h 644769"/>
+            </a:gdLst>
+            <a:ahLst/>
+            <a:cxnLst>
+              <a:cxn ang="0">
+                <a:pos x="connsiteX0" y="connsiteY0"/>
+              </a:cxn>
+              <a:cxn ang="0">
+                <a:pos x="connsiteX1" y="connsiteY1"/>
+              </a:cxn>
+              <a:cxn ang="0">
+                <a:pos x="connsiteX2" y="connsiteY2"/>
+              </a:cxn>
+            </a:cxnLst>
+            <a:rect l="l" t="t" r="r" b="b"/>
+            <a:pathLst>
+              <a:path w="635000" h="644769">
+                <a:moveTo>
+                  <a:pt x="635000" y="644769"/>
+                </a:moveTo>
+                <a:lnTo>
+                  <a:pt x="0" y="0"/>
+                </a:lnTo>
+                <a:lnTo>
+                  <a:pt x="0" y="0"/>
+                </a:lnTo>
+              </a:path>
+            </a:pathLst>
+          </a:custGeom>
+        </p:spPr>
+        <p:txBody>
+          <a:bodyPr rtlCol="0" anchor="ctr"/>
+          <a:lstStyle/>
+          <a:p>
+            <a:pPr algn="ctr"/>
+            <a:endParaRPr lang="en-US"/>
+          </a:p>
+        </p:txBody>
+      </p:sp>
+      <p:cxnSp>
+        <p:nvCxnSpPr>
+          <p:cNvPr id="138" name="Straight Connector 137"/>
+          <p:cNvCxnSpPr>
+            <a:stCxn id="8" idx="4"/>
+            <a:endCxn id="5" idx="0"/>
+          </p:cNvCxnSpPr>
+          <p:nvPr/>
+        </p:nvCxnSpPr>
+        <p:spPr bwMode="auto">
+          <a:xfrm>
+            <a:off x="6553200" y="2895600"/>
+            <a:ext cx="228600" cy="2438400"/>
+          </a:xfrm>
+          <a:prstGeom prst="line">
+            <a:avLst/>
+          </a:prstGeom>
+          <a:noFill/>
+          <a:ln w="69850" cap="flat" cmpd="sng" algn="ctr">
+            <a:solidFill>
               <a:srgbClr val="008000"/>
             </a:solidFill>
             <a:prstDash val="solid"/>
@@ -23512,7 +23918,7 @@
           <a:graphicData uri="http://schemas.openxmlformats.org/presentationml/2006/ole">
             <mc:AlternateContent xmlns:mc="http://schemas.openxmlformats.org/markup-compatibility/2006">
               <mc:Choice xmlns:v="urn:schemas-microsoft-com:vml" Requires="v">
-                <p:oleObj spid="_x0000_s46113" name="Equation" r:id="rId3" imgW="635000" imgH="228600" progId="Equation.DSMT4">
+                <p:oleObj spid="_x0000_s46117" name="Equation" r:id="rId3" imgW="635000" imgH="228600" progId="Equation.DSMT4">
                   <p:embed/>
                 </p:oleObj>
               </mc:Choice>
@@ -23854,718 +24260,6 @@
                                         </p:tav>
                                       </p:tavLst>
                                     </p:anim>
-                                  </p:childTnLst>
-                                </p:cTn>
-                              </p:par>
-                            </p:childTnLst>
-                          </p:cTn>
-                        </p:par>
-                      </p:childTnLst>
-                    </p:cTn>
-                  </p:par>
-                </p:childTnLst>
-              </p:cTn>
-              <p:prevCondLst>
-                <p:cond evt="onPrev" delay="0">
-                  <p:tgtEl>
-                    <p:sldTgt/>
-                  </p:tgtEl>
-                </p:cond>
-              </p:prevCondLst>
-              <p:nextCondLst>
-                <p:cond evt="onNext" delay="0">
-                  <p:tgtEl>
-                    <p:sldTgt/>
-                  </p:tgtEl>
-                </p:cond>
-              </p:nextCondLst>
-            </p:seq>
-          </p:childTnLst>
-        </p:cTn>
-      </p:par>
-    </p:tnLst>
-  </p:timing>
-</p:sld>
-</file>
-
-<file path=ppt/slides/slide23.xml><?xml version="1.0" encoding="utf-8"?>
-<p:sld xmlns:a="http://schemas.openxmlformats.org/drawingml/2006/main" xmlns:r="http://schemas.openxmlformats.org/officeDocument/2006/relationships" xmlns:p="http://schemas.openxmlformats.org/presentationml/2006/main">
-  <p:cSld>
-    <p:spTree>
-      <p:nvGrpSpPr>
-        <p:cNvPr id="1" name=""/>
-        <p:cNvGrpSpPr/>
-        <p:nvPr/>
-      </p:nvGrpSpPr>
-      <p:grpSpPr>
-        <a:xfrm>
-          <a:off x="0" y="0"/>
-          <a:ext cx="0" cy="0"/>
-          <a:chOff x="0" y="0"/>
-          <a:chExt cx="0" cy="0"/>
-        </a:xfrm>
-      </p:grpSpPr>
-      <p:sp>
-        <p:nvSpPr>
-          <p:cNvPr id="4" name="Slide Number Placeholder 3"/>
-          <p:cNvSpPr>
-            <a:spLocks noGrp="1"/>
-          </p:cNvSpPr>
-          <p:nvPr>
-            <p:ph type="sldNum" sz="quarter" idx="4"/>
-          </p:nvPr>
-        </p:nvSpPr>
-        <p:spPr>
-          <a:xfrm>
-            <a:off x="8252698" y="6553200"/>
-            <a:ext cx="891302" cy="246221"/>
-          </a:xfrm>
-        </p:spPr>
-        <p:txBody>
-          <a:bodyPr/>
-          <a:lstStyle/>
-          <a:p>
-            <a:pPr>
-              <a:defRPr/>
-            </a:pPr>
-            <a:r>
-              <a:rPr lang="en-US" dirty="0" smtClean="0"/>
-              <a:t>min-gray.</a:t>
-            </a:r>
-            <a:fld id="{D7F2FC53-1536-41A9-A9C1-2199CF803E30}" type="slidenum">
-              <a:rPr lang="en-US" smtClean="0"/>
-              <a:pPr>
-                <a:defRPr/>
-              </a:pPr>
-              <a:t>23</a:t>
-            </a:fld>
-            <a:endParaRPr lang="en-US" dirty="0"/>
-          </a:p>
-        </p:txBody>
-      </p:sp>
-      <p:sp>
-        <p:nvSpPr>
-          <p:cNvPr id="8" name="Title 1"/>
-          <p:cNvSpPr>
-            <a:spLocks noGrp="1"/>
-          </p:cNvSpPr>
-          <p:nvPr>
-            <p:ph type="title"/>
-          </p:nvPr>
-        </p:nvSpPr>
-        <p:spPr>
-          <a:xfrm>
-            <a:off x="1219200" y="152400"/>
-            <a:ext cx="7848600" cy="1371600"/>
-          </a:xfrm>
-        </p:spPr>
-        <p:txBody>
-          <a:bodyPr/>
-          <a:lstStyle/>
-          <a:p>
-            <a:r>
-              <a:rPr lang="en-US" dirty="0" smtClean="0">
-                <a:solidFill>
-                  <a:schemeClr val="tx1"/>
-                </a:solidFill>
-              </a:rPr>
-              <a:t>M</a:t>
-            </a:r>
-            <a:r>
-              <a:rPr lang="en-US" dirty="0" smtClean="0"/>
-              <a:t>in </a:t>
-            </a:r>
-            <a:r>
-              <a:rPr lang="en-US" dirty="0"/>
-              <a:t>G</a:t>
-            </a:r>
-            <a:r>
-              <a:rPr lang="en-US" dirty="0" smtClean="0"/>
-              <a:t>ray Edges </a:t>
-            </a:r>
-            <a:r>
-              <a:rPr lang="en-US" dirty="0" smtClean="0">
-                <a:solidFill>
-                  <a:srgbClr val="008000"/>
-                </a:solidFill>
-              </a:rPr>
-              <a:t>Sufficient</a:t>
-            </a:r>
-            <a:r>
-              <a:rPr lang="en-US" dirty="0" smtClean="0"/>
-              <a:t> </a:t>
-            </a:r>
-            <a:endParaRPr lang="en-US" dirty="0"/>
-          </a:p>
-        </p:txBody>
-      </p:sp>
-      <p:sp>
-        <p:nvSpPr>
-          <p:cNvPr id="10" name="Content Placeholder 2"/>
-          <p:cNvSpPr>
-            <a:spLocks noGrp="1"/>
-          </p:cNvSpPr>
-          <p:nvPr>
-            <p:ph idx="1"/>
-          </p:nvPr>
-        </p:nvSpPr>
-        <p:spPr>
-          <a:xfrm>
-            <a:off x="304800" y="1600200"/>
-            <a:ext cx="8610600" cy="3657600"/>
-          </a:xfrm>
-        </p:spPr>
-        <p:txBody>
-          <a:bodyPr/>
-          <a:lstStyle/>
-          <a:p>
-            <a:r>
-              <a:rPr lang="en-US" sz="5400" dirty="0" smtClean="0">
-                <a:solidFill>
-                  <a:srgbClr val="000000"/>
-                </a:solidFill>
-              </a:rPr>
-              <a:t>There is a spanning tree built of min-weight gray  edges</a:t>
-            </a:r>
-          </a:p>
-          <a:p>
-            <a:r>
-              <a:rPr lang="en-US" sz="5400" dirty="0" smtClean="0">
-                <a:solidFill>
-                  <a:srgbClr val="000000"/>
-                </a:solidFill>
-              </a:rPr>
-              <a:t> -- from previous slides.</a:t>
-            </a:r>
-          </a:p>
-        </p:txBody>
-      </p:sp>
-    </p:spTree>
-    <p:extLst>
-      <p:ext uri="{BB962C8B-B14F-4D97-AF65-F5344CB8AC3E}">
-        <p14:creationId xmlns:p14="http://schemas.microsoft.com/office/powerpoint/2010/main" val="2770584088"/>
-      </p:ext>
-    </p:extLst>
-  </p:cSld>
-  <p:clrMapOvr>
-    <a:masterClrMapping/>
-  </p:clrMapOvr>
-  <mc:AlternateContent xmlns:mc="http://schemas.openxmlformats.org/markup-compatibility/2006" xmlns:p14="http://schemas.microsoft.com/office/powerpoint/2010/main">
-    <mc:Choice Requires="p14">
-      <p:transition spd="slow" p14:dur="1100" advClick="0">
-        <p:fade thruBlk="1"/>
-      </p:transition>
-    </mc:Choice>
-    <mc:Fallback xmlns="">
-      <p:transition xmlns:p14="http://schemas.microsoft.com/office/powerpoint/2010/main" spd="slow" advClick="0">
-        <p:fade thruBlk="1"/>
-      </p:transition>
-    </mc:Fallback>
-  </mc:AlternateContent>
-  <p:timing>
-    <p:tnLst>
-      <p:par>
-        <p:cTn xmlns:p14="http://schemas.microsoft.com/office/powerpoint/2010/main" id="1" dur="indefinite" restart="never" nodeType="tmRoot">
-          <p:childTnLst>
-            <p:seq concurrent="1" nextAc="seek">
-              <p:cTn id="2" dur="indefinite" nodeType="mainSeq">
-                <p:childTnLst>
-                  <p:par>
-                    <p:cTn id="3" fill="hold">
-                      <p:stCondLst>
-                        <p:cond delay="indefinite"/>
-                      </p:stCondLst>
-                      <p:childTnLst>
-                        <p:par>
-                          <p:cTn id="4" fill="hold">
-                            <p:stCondLst>
-                              <p:cond delay="0"/>
-                            </p:stCondLst>
-                            <p:childTnLst>
-                              <p:par>
-                                <p:cTn id="5" presetID="10" presetClass="entr" presetSubtype="0" fill="hold" nodeType="clickEffect">
-                                  <p:stCondLst>
-                                    <p:cond delay="0"/>
-                                  </p:stCondLst>
-                                  <p:childTnLst>
-                                    <p:set>
-                                      <p:cBhvr>
-                                        <p:cTn id="6" dur="1" fill="hold">
-                                          <p:stCondLst>
-                                            <p:cond delay="0"/>
-                                          </p:stCondLst>
-                                        </p:cTn>
-                                        <p:tgtEl>
-                                          <p:spTgt spid="10">
-                                            <p:txEl>
-                                              <p:pRg st="1" end="1"/>
-                                            </p:txEl>
-                                          </p:spTgt>
-                                        </p:tgtEl>
-                                        <p:attrNameLst>
-                                          <p:attrName>style.visibility</p:attrName>
-                                        </p:attrNameLst>
-                                      </p:cBhvr>
-                                      <p:to>
-                                        <p:strVal val="visible"/>
-                                      </p:to>
-                                    </p:set>
-                                    <p:animEffect transition="in" filter="fade">
-                                      <p:cBhvr>
-                                        <p:cTn id="7" dur="500"/>
-                                        <p:tgtEl>
-                                          <p:spTgt spid="10">
-                                            <p:txEl>
-                                              <p:pRg st="1" end="1"/>
-                                            </p:txEl>
-                                          </p:spTgt>
-                                        </p:tgtEl>
-                                      </p:cBhvr>
-                                    </p:animEffect>
-                                  </p:childTnLst>
-                                </p:cTn>
-                              </p:par>
-                            </p:childTnLst>
-                          </p:cTn>
-                        </p:par>
-                      </p:childTnLst>
-                    </p:cTn>
-                  </p:par>
-                </p:childTnLst>
-              </p:cTn>
-              <p:prevCondLst>
-                <p:cond evt="onPrev" delay="0">
-                  <p:tgtEl>
-                    <p:sldTgt/>
-                  </p:tgtEl>
-                </p:cond>
-              </p:prevCondLst>
-              <p:nextCondLst>
-                <p:cond evt="onNext" delay="0">
-                  <p:tgtEl>
-                    <p:sldTgt/>
-                  </p:tgtEl>
-                </p:cond>
-              </p:nextCondLst>
-            </p:seq>
-          </p:childTnLst>
-        </p:cTn>
-      </p:par>
-    </p:tnLst>
-  </p:timing>
-</p:sld>
-</file>
-
-<file path=ppt/slides/slide24.xml><?xml version="1.0" encoding="utf-8"?>
-<p:sld xmlns:a="http://schemas.openxmlformats.org/drawingml/2006/main" xmlns:r="http://schemas.openxmlformats.org/officeDocument/2006/relationships" xmlns:p="http://schemas.openxmlformats.org/presentationml/2006/main">
-  <p:cSld>
-    <p:spTree>
-      <p:nvGrpSpPr>
-        <p:cNvPr id="1" name=""/>
-        <p:cNvGrpSpPr/>
-        <p:nvPr/>
-      </p:nvGrpSpPr>
-      <p:grpSpPr>
-        <a:xfrm>
-          <a:off x="0" y="0"/>
-          <a:ext cx="0" cy="0"/>
-          <a:chOff x="0" y="0"/>
-          <a:chExt cx="0" cy="0"/>
-        </a:xfrm>
-      </p:grpSpPr>
-      <p:sp>
-        <p:nvSpPr>
-          <p:cNvPr id="3" name="Content Placeholder 2"/>
-          <p:cNvSpPr>
-            <a:spLocks noGrp="1"/>
-          </p:cNvSpPr>
-          <p:nvPr>
-            <p:ph idx="1"/>
-          </p:nvPr>
-        </p:nvSpPr>
-        <p:spPr>
-          <a:xfrm>
-            <a:off x="228600" y="1447800"/>
-            <a:ext cx="8610600" cy="4038600"/>
-          </a:xfrm>
-        </p:spPr>
-        <p:txBody>
-          <a:bodyPr/>
-          <a:lstStyle/>
-          <a:p>
-            <a:r>
-              <a:rPr lang="en-US" sz="4400" dirty="0" smtClean="0">
-                <a:solidFill>
-                  <a:srgbClr val="930093"/>
-                </a:solidFill>
-              </a:rPr>
-              <a:t>Corollary:</a:t>
-            </a:r>
-            <a:r>
-              <a:rPr lang="en-US" sz="5400" dirty="0">
-                <a:solidFill>
-                  <a:srgbClr val="000000"/>
-                </a:solidFill>
-              </a:rPr>
-              <a:t> Min-weight gray </a:t>
-            </a:r>
-            <a:endParaRPr lang="en-US" sz="5400" dirty="0" smtClean="0">
-              <a:solidFill>
-                <a:srgbClr val="000000"/>
-              </a:solidFill>
-            </a:endParaRPr>
-          </a:p>
-          <a:p>
-            <a:r>
-              <a:rPr lang="en-US" sz="5400" dirty="0" smtClean="0">
-                <a:solidFill>
-                  <a:srgbClr val="000000"/>
-                </a:solidFill>
-              </a:rPr>
-              <a:t>edges give minimum </a:t>
-            </a:r>
-          </a:p>
-          <a:p>
-            <a:r>
-              <a:rPr lang="en-US" sz="5400" dirty="0" smtClean="0">
-                <a:solidFill>
-                  <a:srgbClr val="000000"/>
-                </a:solidFill>
-              </a:rPr>
-              <a:t>weight spanning tree. </a:t>
-            </a:r>
-          </a:p>
-          <a:p>
-            <a:r>
-              <a:rPr lang="en-US" sz="5400" dirty="0" smtClean="0">
-                <a:solidFill>
-                  <a:srgbClr val="000000"/>
-                </a:solidFill>
-              </a:rPr>
-              <a:t>Min-weight tree is </a:t>
-            </a:r>
-            <a:r>
-              <a:rPr lang="en-US" sz="5400" dirty="0" smtClean="0">
-                <a:solidFill>
-                  <a:srgbClr val="008000"/>
-                </a:solidFill>
-              </a:rPr>
-              <a:t>unique</a:t>
-            </a:r>
-            <a:r>
-              <a:rPr lang="en-US" sz="5400" dirty="0" smtClean="0">
-                <a:solidFill>
-                  <a:srgbClr val="000000"/>
-                </a:solidFill>
-              </a:rPr>
-              <a:t>.</a:t>
-            </a:r>
-            <a:endParaRPr lang="en-US" sz="6600" dirty="0">
-              <a:solidFill>
-                <a:srgbClr val="000000"/>
-              </a:solidFill>
-            </a:endParaRPr>
-          </a:p>
-        </p:txBody>
-      </p:sp>
-      <p:sp>
-        <p:nvSpPr>
-          <p:cNvPr id="4" name="Slide Number Placeholder 3"/>
-          <p:cNvSpPr>
-            <a:spLocks noGrp="1"/>
-          </p:cNvSpPr>
-          <p:nvPr>
-            <p:ph type="sldNum" sz="quarter" idx="4"/>
-          </p:nvPr>
-        </p:nvSpPr>
-        <p:spPr>
-          <a:xfrm>
-            <a:off x="8252698" y="6553200"/>
-            <a:ext cx="891302" cy="246221"/>
-          </a:xfrm>
-        </p:spPr>
-        <p:txBody>
-          <a:bodyPr/>
-          <a:lstStyle/>
-          <a:p>
-            <a:pPr>
-              <a:defRPr/>
-            </a:pPr>
-            <a:r>
-              <a:rPr lang="en-US" dirty="0" smtClean="0"/>
-              <a:t>min-gray.</a:t>
-            </a:r>
-            <a:fld id="{D7F2FC53-1536-41A9-A9C1-2199CF803E30}" type="slidenum">
-              <a:rPr lang="en-US" smtClean="0"/>
-              <a:pPr>
-                <a:defRPr/>
-              </a:pPr>
-              <a:t>24</a:t>
-            </a:fld>
-            <a:endParaRPr lang="en-US" dirty="0"/>
-          </a:p>
-        </p:txBody>
-      </p:sp>
-      <p:sp>
-        <p:nvSpPr>
-          <p:cNvPr id="2" name="Title 1"/>
-          <p:cNvSpPr>
-            <a:spLocks noGrp="1"/>
-          </p:cNvSpPr>
-          <p:nvPr>
-            <p:ph type="title"/>
-          </p:nvPr>
-        </p:nvSpPr>
-        <p:spPr>
-          <a:xfrm>
-            <a:off x="1371600" y="381000"/>
-            <a:ext cx="7467600" cy="990600"/>
-          </a:xfrm>
-        </p:spPr>
-        <p:txBody>
-          <a:bodyPr/>
-          <a:lstStyle/>
-          <a:p>
-            <a:r>
-              <a:rPr lang="en-US" dirty="0" smtClean="0"/>
-              <a:t>The Minimum Weight Tree</a:t>
-            </a:r>
-            <a:endParaRPr lang="en-US" dirty="0"/>
-          </a:p>
-        </p:txBody>
-      </p:sp>
-    </p:spTree>
-    <p:extLst>
-      <p:ext uri="{BB962C8B-B14F-4D97-AF65-F5344CB8AC3E}">
-        <p14:creationId xmlns:p14="http://schemas.microsoft.com/office/powerpoint/2010/main" val="416020166"/>
-      </p:ext>
-    </p:extLst>
-  </p:cSld>
-  <p:clrMapOvr>
-    <a:masterClrMapping/>
-  </p:clrMapOvr>
-  <mc:AlternateContent xmlns:mc="http://schemas.openxmlformats.org/markup-compatibility/2006" xmlns:p14="http://schemas.microsoft.com/office/powerpoint/2010/main">
-    <mc:Choice Requires="p14">
-      <p:transition spd="med" p14:dur="700" advClick="0">
-        <p:fade/>
-      </p:transition>
-    </mc:Choice>
-    <mc:Fallback xmlns="">
-      <p:transition xmlns:p14="http://schemas.microsoft.com/office/powerpoint/2010/main" spd="med" advClick="0">
-        <p:fade/>
-      </p:transition>
-    </mc:Fallback>
-  </mc:AlternateContent>
-  <p:timing>
-    <p:tnLst>
-      <p:par>
-        <p:cTn xmlns:p14="http://schemas.microsoft.com/office/powerpoint/2010/main" id="1" dur="indefinite" restart="never" nodeType="tmRoot">
-          <p:childTnLst>
-            <p:seq concurrent="1" nextAc="seek">
-              <p:cTn id="2" dur="indefinite" nodeType="mainSeq">
-                <p:childTnLst>
-                  <p:par>
-                    <p:cTn id="3" fill="hold">
-                      <p:stCondLst>
-                        <p:cond delay="indefinite"/>
-                        <p:cond evt="onBegin" delay="0">
-                          <p:tn val="2"/>
-                        </p:cond>
-                      </p:stCondLst>
-                      <p:childTnLst>
-                        <p:par>
-                          <p:cTn id="4" fill="hold">
-                            <p:stCondLst>
-                              <p:cond delay="0"/>
-                            </p:stCondLst>
-                            <p:childTnLst>
-                              <p:par>
-                                <p:cTn id="5" presetID="10" presetClass="entr" presetSubtype="0" fill="hold" nodeType="afterEffect">
-                                  <p:stCondLst>
-                                    <p:cond delay="0"/>
-                                  </p:stCondLst>
-                                  <p:childTnLst>
-                                    <p:set>
-                                      <p:cBhvr>
-                                        <p:cTn id="6" dur="1" fill="hold">
-                                          <p:stCondLst>
-                                            <p:cond delay="0"/>
-                                          </p:stCondLst>
-                                        </p:cTn>
-                                        <p:tgtEl>
-                                          <p:spTgt spid="3">
-                                            <p:txEl>
-                                              <p:pRg st="0" end="0"/>
-                                            </p:txEl>
-                                          </p:spTgt>
-                                        </p:tgtEl>
-                                        <p:attrNameLst>
-                                          <p:attrName>style.visibility</p:attrName>
-                                        </p:attrNameLst>
-                                      </p:cBhvr>
-                                      <p:to>
-                                        <p:strVal val="visible"/>
-                                      </p:to>
-                                    </p:set>
-                                    <p:animEffect transition="in" filter="fade">
-                                      <p:cBhvr>
-                                        <p:cTn id="7" dur="500"/>
-                                        <p:tgtEl>
-                                          <p:spTgt spid="3">
-                                            <p:txEl>
-                                              <p:pRg st="0" end="0"/>
-                                            </p:txEl>
-                                          </p:spTgt>
-                                        </p:tgtEl>
-                                      </p:cBhvr>
-                                    </p:animEffect>
-                                  </p:childTnLst>
-                                </p:cTn>
-                              </p:par>
-                              <p:par>
-                                <p:cTn id="8" presetID="10" presetClass="entr" presetSubtype="0" fill="hold" nodeType="withEffect">
-                                  <p:stCondLst>
-                                    <p:cond delay="0"/>
-                                  </p:stCondLst>
-                                  <p:childTnLst>
-                                    <p:set>
-                                      <p:cBhvr>
-                                        <p:cTn id="9" dur="1" fill="hold">
-                                          <p:stCondLst>
-                                            <p:cond delay="0"/>
-                                          </p:stCondLst>
-                                        </p:cTn>
-                                        <p:tgtEl>
-                                          <p:spTgt spid="3">
-                                            <p:txEl>
-                                              <p:pRg st="1" end="1"/>
-                                            </p:txEl>
-                                          </p:spTgt>
-                                        </p:tgtEl>
-                                        <p:attrNameLst>
-                                          <p:attrName>style.visibility</p:attrName>
-                                        </p:attrNameLst>
-                                      </p:cBhvr>
-                                      <p:to>
-                                        <p:strVal val="visible"/>
-                                      </p:to>
-                                    </p:set>
-                                    <p:animEffect transition="in" filter="fade">
-                                      <p:cBhvr>
-                                        <p:cTn id="10" dur="500"/>
-                                        <p:tgtEl>
-                                          <p:spTgt spid="3">
-                                            <p:txEl>
-                                              <p:pRg st="1" end="1"/>
-                                            </p:txEl>
-                                          </p:spTgt>
-                                        </p:tgtEl>
-                                      </p:cBhvr>
-                                    </p:animEffect>
-                                  </p:childTnLst>
-                                </p:cTn>
-                              </p:par>
-                              <p:par>
-                                <p:cTn id="11" presetID="10" presetClass="entr" presetSubtype="0" fill="hold" nodeType="withEffect">
-                                  <p:stCondLst>
-                                    <p:cond delay="0"/>
-                                  </p:stCondLst>
-                                  <p:childTnLst>
-                                    <p:set>
-                                      <p:cBhvr>
-                                        <p:cTn id="12" dur="1" fill="hold">
-                                          <p:stCondLst>
-                                            <p:cond delay="0"/>
-                                          </p:stCondLst>
-                                        </p:cTn>
-                                        <p:tgtEl>
-                                          <p:spTgt spid="3">
-                                            <p:txEl>
-                                              <p:pRg st="2" end="2"/>
-                                            </p:txEl>
-                                          </p:spTgt>
-                                        </p:tgtEl>
-                                        <p:attrNameLst>
-                                          <p:attrName>style.visibility</p:attrName>
-                                        </p:attrNameLst>
-                                      </p:cBhvr>
-                                      <p:to>
-                                        <p:strVal val="visible"/>
-                                      </p:to>
-                                    </p:set>
-                                    <p:animEffect transition="in" filter="fade">
-                                      <p:cBhvr>
-                                        <p:cTn id="13" dur="500"/>
-                                        <p:tgtEl>
-                                          <p:spTgt spid="3">
-                                            <p:txEl>
-                                              <p:pRg st="2" end="2"/>
-                                            </p:txEl>
-                                          </p:spTgt>
-                                        </p:tgtEl>
-                                      </p:cBhvr>
-                                    </p:animEffect>
-                                  </p:childTnLst>
-                                </p:cTn>
-                              </p:par>
-                            </p:childTnLst>
-                          </p:cTn>
-                        </p:par>
-                      </p:childTnLst>
-                    </p:cTn>
-                  </p:par>
-                  <p:par>
-                    <p:cTn id="14" fill="hold">
-                      <p:stCondLst>
-                        <p:cond delay="indefinite"/>
-                      </p:stCondLst>
-                      <p:childTnLst>
-                        <p:par>
-                          <p:cTn id="15" fill="hold">
-                            <p:stCondLst>
-                              <p:cond delay="0"/>
-                            </p:stCondLst>
-                            <p:childTnLst>
-                              <p:par>
-                                <p:cTn id="16" presetID="10" presetClass="entr" presetSubtype="0" fill="hold" nodeType="clickEffect">
-                                  <p:stCondLst>
-                                    <p:cond delay="0"/>
-                                  </p:stCondLst>
-                                  <p:childTnLst>
-                                    <p:set>
-                                      <p:cBhvr>
-                                        <p:cTn id="17" dur="1" fill="hold">
-                                          <p:stCondLst>
-                                            <p:cond delay="0"/>
-                                          </p:stCondLst>
-                                        </p:cTn>
-                                        <p:tgtEl>
-                                          <p:spTgt spid="3">
-                                            <p:txEl>
-                                              <p:pRg st="3" end="3"/>
-                                            </p:txEl>
-                                          </p:spTgt>
-                                        </p:tgtEl>
-                                        <p:attrNameLst>
-                                          <p:attrName>style.visibility</p:attrName>
-                                        </p:attrNameLst>
-                                      </p:cBhvr>
-                                      <p:to>
-                                        <p:strVal val="visible"/>
-                                      </p:to>
-                                    </p:set>
-                                    <p:animEffect transition="in" filter="fade">
-                                      <p:cBhvr>
-                                        <p:cTn id="18" dur="500"/>
-                                        <p:tgtEl>
-                                          <p:spTgt spid="3">
-                                            <p:txEl>
-                                              <p:pRg st="3" end="3"/>
-                                            </p:txEl>
-                                          </p:spTgt>
-                                        </p:tgtEl>
-                                      </p:cBhvr>
-                                    </p:animEffect>
                                   </p:childTnLst>
                                 </p:cTn>
                               </p:par>
@@ -26175,16 +25869,16 @@
             <a:r>
               <a:rPr lang="en-US" sz="4800" dirty="0" smtClean="0">
                 <a:solidFill>
-                  <a:srgbClr val="A52174"/>
+                  <a:srgbClr val="E20000"/>
                 </a:solidFill>
               </a:rPr>
-              <a:t>Lemma:</a:t>
-            </a:r>
-            <a:endParaRPr lang="en-US" sz="5400" dirty="0">
-              <a:solidFill>
-                <a:srgbClr val="A52174"/>
-              </a:solidFill>
-            </a:endParaRPr>
+              <a:t>Theorem</a:t>
+            </a:r>
+            <a:r>
+              <a:rPr lang="en-US" sz="4800" dirty="0" smtClean="0"/>
+              <a:t>:</a:t>
+            </a:r>
+            <a:endParaRPr lang="en-US" sz="5400" dirty="0"/>
           </a:p>
           <a:p>
             <a:r>
@@ -26259,11 +25953,19 @@
             </a:r>
             <a:r>
               <a:rPr lang="en-US" sz="6000" dirty="0" smtClean="0"/>
-              <a:t>connected spanning </a:t>
-            </a:r>
-            <a:r>
-              <a:rPr lang="en-US" sz="6000" dirty="0" err="1" smtClean="0"/>
-              <a:t>subgraph</a:t>
+              <a:t>spanning tree (</a:t>
+            </a:r>
+            <a:r>
+              <a:rPr lang="en-US" sz="6000" dirty="0" smtClean="0">
+                <a:solidFill>
+                  <a:srgbClr val="FF00FF"/>
+                </a:solidFill>
+              </a:rPr>
+              <a:t>MST</a:t>
+            </a:r>
+            <a:r>
+              <a:rPr lang="en-US" sz="6000" dirty="0" smtClean="0"/>
+              <a:t>)</a:t>
             </a:r>
             <a:endParaRPr lang="en-US" sz="6000" dirty="0" smtClean="0">
               <a:solidFill>
@@ -26487,7 +26189,45 @@
       </p:grpSpPr>
       <p:sp>
         <p:nvSpPr>
-          <p:cNvPr id="2" name="Title 1"/>
+          <p:cNvPr id="4" name="Slide Number Placeholder 3"/>
+          <p:cNvSpPr>
+            <a:spLocks noGrp="1"/>
+          </p:cNvSpPr>
+          <p:nvPr>
+            <p:ph type="sldNum" sz="quarter" idx="4"/>
+          </p:nvPr>
+        </p:nvSpPr>
+        <p:spPr>
+          <a:xfrm>
+            <a:off x="8252698" y="6553200"/>
+            <a:ext cx="891302" cy="246221"/>
+          </a:xfrm>
+        </p:spPr>
+        <p:txBody>
+          <a:bodyPr/>
+          <a:lstStyle/>
+          <a:p>
+            <a:pPr>
+              <a:defRPr/>
+            </a:pPr>
+            <a:r>
+              <a:rPr lang="en-US" dirty="0" smtClean="0"/>
+              <a:t>min-gray.</a:t>
+            </a:r>
+            <a:fld id="{D7F2FC53-1536-41A9-A9C1-2199CF803E30}" type="slidenum">
+              <a:rPr lang="en-US" smtClean="0"/>
+              <a:pPr>
+                <a:defRPr/>
+              </a:pPr>
+              <a:t>8</a:t>
+            </a:fld>
+            <a:endParaRPr lang="en-US" dirty="0"/>
+          </a:p>
+        </p:txBody>
+      </p:sp>
+      <p:sp>
+        <p:nvSpPr>
+          <p:cNvPr id="8" name="Title 1"/>
           <p:cNvSpPr>
             <a:spLocks noGrp="1"/>
           </p:cNvSpPr>
@@ -26523,7 +26263,7 @@
             </a:r>
             <a:r>
               <a:rPr lang="en-US" dirty="0" smtClean="0"/>
-              <a:t>ray Edge </a:t>
+              <a:t>ray Edges </a:t>
             </a:r>
             <a:r>
               <a:rPr lang="en-US" dirty="0" smtClean="0">
@@ -26531,7 +26271,7 @@
                   <a:srgbClr val="008000"/>
                 </a:solidFill>
               </a:rPr>
-              <a:t>Necessary</a:t>
+              <a:t>Sufficient</a:t>
             </a:r>
             <a:r>
               <a:rPr lang="en-US" dirty="0" smtClean="0"/>
@@ -26543,7 +26283,7 @@
       </p:sp>
       <p:sp>
         <p:nvSpPr>
-          <p:cNvPr id="3" name="Content Placeholder 2"/>
+          <p:cNvPr id="10" name="Content Placeholder 2"/>
           <p:cNvSpPr>
             <a:spLocks noGrp="1"/>
           </p:cNvSpPr>
@@ -26553,8 +26293,8 @@
         </p:nvSpPr>
         <p:spPr>
           <a:xfrm>
-            <a:off x="381000" y="1295400"/>
-            <a:ext cx="8610600" cy="4953000"/>
+            <a:off x="304800" y="1600200"/>
+            <a:ext cx="8610600" cy="3657600"/>
           </a:xfrm>
         </p:spPr>
         <p:txBody>
@@ -26562,198 +26302,30 @@
           <a:lstStyle/>
           <a:p>
             <a:r>
-              <a:rPr lang="en-US" sz="4800" dirty="0" smtClean="0">
-                <a:solidFill>
-                  <a:srgbClr val="A52174"/>
-                </a:solidFill>
-              </a:rPr>
-              <a:t>Lemma:</a:t>
-            </a:r>
-            <a:endParaRPr lang="en-US" sz="5400" dirty="0">
-              <a:solidFill>
-                <a:srgbClr val="A52174"/>
-              </a:solidFill>
-            </a:endParaRPr>
-          </a:p>
-          <a:p>
-            <a:r>
-              <a:rPr lang="en-US" sz="6000" b="1" i="1" dirty="0" smtClean="0">
-                <a:ln w="12700">
-                  <a:solidFill>
-                    <a:schemeClr val="tx2">
-                      <a:satMod val="155000"/>
-                    </a:schemeClr>
-                  </a:solidFill>
-                  <a:prstDash val="solid"/>
-                </a:ln>
-                <a:solidFill>
-                  <a:schemeClr val="bg2">
-                    <a:tint val="85000"/>
-                    <a:satMod val="155000"/>
-                  </a:schemeClr>
-                </a:solidFill>
-                <a:effectLst>
-                  <a:outerShdw blurRad="41275" dist="20320" dir="1800000" algn="tl" rotWithShape="0">
-                    <a:srgbClr val="000000">
-                      <a:alpha val="40000"/>
-                    </a:srgbClr>
-                  </a:outerShdw>
-                </a:effectLst>
-                <a:latin typeface="PT Serif"/>
-                <a:cs typeface="PT Serif"/>
-              </a:rPr>
-              <a:t>e </a:t>
-            </a:r>
-            <a:r>
-              <a:rPr lang="en-US" sz="6000" dirty="0" smtClean="0"/>
-              <a:t>is </a:t>
-            </a:r>
-            <a:r>
-              <a:rPr lang="en-US" sz="6000" dirty="0"/>
-              <a:t>an </a:t>
-            </a:r>
-            <a:r>
-              <a:rPr lang="en-US" sz="6000" dirty="0" smtClean="0"/>
-              <a:t>edge of </a:t>
-            </a:r>
-            <a:r>
-              <a:rPr lang="en-US" sz="6000" dirty="0" smtClean="0">
-                <a:solidFill>
-                  <a:schemeClr val="accent5">
-                    <a:lumMod val="50000"/>
-                  </a:schemeClr>
-                </a:solidFill>
-              </a:rPr>
-              <a:t>every</a:t>
-            </a:r>
-            <a:r>
-              <a:rPr lang="en-US" sz="6000" dirty="0" smtClean="0"/>
-              <a:t> </a:t>
-            </a:r>
-            <a:r>
-              <a:rPr lang="en-US" sz="6000" dirty="0" smtClean="0">
-                <a:solidFill>
-                  <a:srgbClr val="FF00FF"/>
-                </a:solidFill>
-              </a:rPr>
-              <a:t>min-weight</a:t>
-            </a:r>
-            <a:r>
-              <a:rPr lang="en-US" sz="6000" dirty="0" smtClean="0">
-                <a:solidFill>
-                  <a:srgbClr val="0000E5"/>
-                </a:solidFill>
-              </a:rPr>
-              <a:t> </a:t>
-            </a:r>
-            <a:r>
-              <a:rPr lang="en-US" sz="6000" dirty="0" smtClean="0">
-                <a:solidFill>
-                  <a:srgbClr val="008000"/>
-                </a:solidFill>
-              </a:rPr>
-              <a:t>c</a:t>
-            </a:r>
-            <a:r>
-              <a:rPr lang="en-US" sz="6000" dirty="0" smtClean="0"/>
-              <a:t>onnected </a:t>
-            </a:r>
-            <a:r>
-              <a:rPr lang="en-US" sz="6000" dirty="0" smtClean="0">
-                <a:solidFill>
-                  <a:srgbClr val="008000"/>
-                </a:solidFill>
-              </a:rPr>
-              <a:t>s</a:t>
-            </a:r>
-            <a:r>
-              <a:rPr lang="en-US" sz="6000" dirty="0" smtClean="0"/>
-              <a:t>panning </a:t>
-            </a:r>
-            <a:r>
-              <a:rPr lang="en-US" sz="6000" dirty="0" err="1" smtClean="0">
-                <a:solidFill>
-                  <a:srgbClr val="008000"/>
-                </a:solidFill>
-              </a:rPr>
-              <a:t>s</a:t>
-            </a:r>
-            <a:r>
-              <a:rPr lang="en-US" sz="6000" dirty="0" err="1" smtClean="0"/>
-              <a:t>ubgraph</a:t>
-            </a:r>
-            <a:endParaRPr lang="en-US" sz="6000" dirty="0"/>
-          </a:p>
-          <a:p>
-            <a:r>
-              <a:rPr lang="en-US" sz="6000" dirty="0" smtClean="0">
+              <a:rPr lang="en-US" sz="5400" dirty="0" smtClean="0">
                 <a:solidFill>
                   <a:srgbClr val="000000"/>
                 </a:solidFill>
               </a:rPr>
-              <a:t>              (</a:t>
-            </a:r>
-            <a:r>
-              <a:rPr lang="en-US" sz="6000" dirty="0" err="1" smtClean="0">
-                <a:solidFill>
-                  <a:srgbClr val="008000"/>
-                </a:solidFill>
-              </a:rPr>
-              <a:t>css</a:t>
-            </a:r>
-            <a:r>
-              <a:rPr lang="en-US" sz="6000" dirty="0" smtClean="0">
+              <a:t>There is a spanning tree built of min-weight gray  edges</a:t>
+            </a:r>
+          </a:p>
+          <a:p>
+            <a:r>
+              <a:rPr lang="en-US" sz="5400" dirty="0" smtClean="0">
                 <a:solidFill>
                   <a:srgbClr val="000000"/>
                 </a:solidFill>
               </a:rPr>
-              <a:t>)</a:t>
-            </a:r>
-          </a:p>
-        </p:txBody>
-      </p:sp>
-      <p:sp>
-        <p:nvSpPr>
-          <p:cNvPr id="4" name="Slide Number Placeholder 3"/>
-          <p:cNvSpPr>
-            <a:spLocks noGrp="1"/>
-          </p:cNvSpPr>
-          <p:nvPr>
-            <p:ph type="sldNum" sz="quarter" idx="4"/>
-          </p:nvPr>
-        </p:nvSpPr>
-        <p:spPr>
-          <a:xfrm>
-            <a:off x="8330969" y="6553200"/>
-            <a:ext cx="813031" cy="246221"/>
-          </a:xfrm>
-        </p:spPr>
-        <p:txBody>
-          <a:bodyPr/>
-          <a:lstStyle/>
-          <a:p>
-            <a:pPr>
-              <a:defRPr/>
-            </a:pPr>
-            <a:r>
-              <a:rPr lang="en-US" dirty="0" smtClean="0"/>
-              <a:t>min-gray.</a:t>
-            </a:r>
-            <a:fld id="{D7F2FC53-1536-41A9-A9C1-2199CF803E30}" type="slidenum">
-              <a:rPr lang="en-US" smtClean="0"/>
-              <a:pPr>
-                <a:defRPr/>
-              </a:pPr>
-              <a:t>8</a:t>
-            </a:fld>
-            <a:endParaRPr lang="en-US" dirty="0"/>
+              <a:t> -- from previous slides.</a:t>
+            </a:r>
           </a:p>
         </p:txBody>
       </p:sp>
     </p:spTree>
     <p:extLst>
       <p:ext uri="{BB962C8B-B14F-4D97-AF65-F5344CB8AC3E}">
-        <p14:creationId xmlns:p14="http://schemas.microsoft.com/office/powerpoint/2010/main" val="1048498492"/>
+        <p14:creationId xmlns:p14="http://schemas.microsoft.com/office/powerpoint/2010/main" val="3414068778"/>
       </p:ext>
     </p:extLst>
   </p:cSld>
@@ -26762,307 +26334,13 @@
   </p:clrMapOvr>
   <mc:AlternateContent xmlns:mc="http://schemas.openxmlformats.org/markup-compatibility/2006" xmlns:p14="http://schemas.microsoft.com/office/powerpoint/2010/main">
     <mc:Choice Requires="p14">
-      <p:transition spd="med" p14:dur="600" advClick="0">
-        <p:fade/>
+      <p:transition spd="slow" p14:dur="1100" advClick="0">
+        <p:fade thruBlk="1"/>
       </p:transition>
     </mc:Choice>
     <mc:Fallback xmlns="">
-      <p:transition xmlns:p14="http://schemas.microsoft.com/office/powerpoint/2010/main" spd="med" advClick="0">
-        <p:fade/>
-      </p:transition>
-    </mc:Fallback>
-  </mc:AlternateContent>
-  <p:timing>
-    <p:tnLst>
-      <p:par>
-        <p:cTn xmlns:p14="http://schemas.microsoft.com/office/powerpoint/2010/main" id="1" dur="indefinite" restart="never" nodeType="tmRoot"/>
-      </p:par>
-    </p:tnLst>
-  </p:timing>
-</p:sld>
-</file>
-
-<file path=ppt/slides/slide9.xml><?xml version="1.0" encoding="utf-8"?>
-<p:sld xmlns:a="http://schemas.openxmlformats.org/drawingml/2006/main" xmlns:r="http://schemas.openxmlformats.org/officeDocument/2006/relationships" xmlns:p="http://schemas.openxmlformats.org/presentationml/2006/main" show="0">
-  <p:cSld>
-    <p:spTree>
-      <p:nvGrpSpPr>
-        <p:cNvPr id="1" name=""/>
-        <p:cNvGrpSpPr/>
-        <p:nvPr/>
-      </p:nvGrpSpPr>
-      <p:grpSpPr>
-        <a:xfrm>
-          <a:off x="0" y="0"/>
-          <a:ext cx="0" cy="0"/>
-          <a:chOff x="0" y="0"/>
-          <a:chExt cx="0" cy="0"/>
-        </a:xfrm>
-      </p:grpSpPr>
-      <p:sp>
-        <p:nvSpPr>
-          <p:cNvPr id="2" name="Title 1"/>
-          <p:cNvSpPr>
-            <a:spLocks noGrp="1"/>
-          </p:cNvSpPr>
-          <p:nvPr>
-            <p:ph type="title"/>
-          </p:nvPr>
-        </p:nvSpPr>
-        <p:spPr>
-          <a:xfrm>
-            <a:off x="1219200" y="152400"/>
-            <a:ext cx="7848600" cy="1371600"/>
-          </a:xfrm>
-        </p:spPr>
-        <p:txBody>
-          <a:bodyPr/>
-          <a:lstStyle/>
-          <a:p>
-            <a:r>
-              <a:rPr lang="en-US" dirty="0" smtClean="0">
-                <a:solidFill>
-                  <a:schemeClr val="tx1"/>
-                </a:solidFill>
-              </a:rPr>
-              <a:t>M</a:t>
-            </a:r>
-            <a:r>
-              <a:rPr lang="en-US" dirty="0" smtClean="0"/>
-              <a:t>in </a:t>
-            </a:r>
-            <a:r>
-              <a:rPr lang="en-US" dirty="0"/>
-              <a:t>G</a:t>
-            </a:r>
-            <a:r>
-              <a:rPr lang="en-US" dirty="0" smtClean="0"/>
-              <a:t>ray Edge </a:t>
-            </a:r>
-            <a:r>
-              <a:rPr lang="en-US" dirty="0" smtClean="0">
-                <a:solidFill>
-                  <a:srgbClr val="008000"/>
-                </a:solidFill>
-              </a:rPr>
-              <a:t>Necessary</a:t>
-            </a:r>
-            <a:r>
-              <a:rPr lang="en-US" dirty="0" smtClean="0"/>
-              <a:t> </a:t>
-            </a:r>
-            <a:endParaRPr lang="en-US" dirty="0"/>
-          </a:p>
-        </p:txBody>
-      </p:sp>
-      <p:sp>
-        <p:nvSpPr>
-          <p:cNvPr id="3" name="Content Placeholder 2"/>
-          <p:cNvSpPr>
-            <a:spLocks noGrp="1"/>
-          </p:cNvSpPr>
-          <p:nvPr>
-            <p:ph idx="1"/>
-          </p:nvPr>
-        </p:nvSpPr>
-        <p:spPr>
-          <a:xfrm>
-            <a:off x="152400" y="1447800"/>
-            <a:ext cx="8839200" cy="4343400"/>
-          </a:xfrm>
-        </p:spPr>
-        <p:txBody>
-          <a:bodyPr/>
-          <a:lstStyle/>
-          <a:p>
-            <a:r>
-              <a:rPr lang="en-US" sz="4800" dirty="0" smtClean="0">
-                <a:solidFill>
-                  <a:srgbClr val="A52174"/>
-                </a:solidFill>
-              </a:rPr>
-              <a:t>Lemma:</a:t>
-            </a:r>
-            <a:r>
-              <a:rPr lang="en-US" sz="5400" dirty="0" smtClean="0">
-                <a:solidFill>
-                  <a:srgbClr val="A52174"/>
-                </a:solidFill>
-              </a:rPr>
-              <a:t> </a:t>
-            </a:r>
-            <a:r>
-              <a:rPr lang="en-US" sz="5400" dirty="0" smtClean="0"/>
-              <a:t>If </a:t>
-            </a:r>
-            <a:r>
-              <a:rPr lang="en-US" sz="5400" dirty="0" smtClean="0">
-                <a:solidFill>
-                  <a:srgbClr val="0000E5"/>
-                </a:solidFill>
-              </a:rPr>
-              <a:t>C</a:t>
-            </a:r>
-            <a:r>
-              <a:rPr lang="en-US" sz="5400" dirty="0" smtClean="0">
-                <a:solidFill>
-                  <a:srgbClr val="000000"/>
-                </a:solidFill>
-              </a:rPr>
-              <a:t> is</a:t>
-            </a:r>
-            <a:r>
-              <a:rPr lang="en-US" sz="5400" dirty="0" smtClean="0">
-                <a:solidFill>
-                  <a:srgbClr val="0000E5"/>
-                </a:solidFill>
-              </a:rPr>
-              <a:t> </a:t>
-            </a:r>
-            <a:r>
-              <a:rPr lang="en-US" sz="5400" dirty="0" smtClean="0">
-                <a:solidFill>
-                  <a:srgbClr val="FF00FF"/>
-                </a:solidFill>
-              </a:rPr>
-              <a:t>min-weight</a:t>
-            </a:r>
-            <a:r>
-              <a:rPr lang="en-US" sz="5400" dirty="0" smtClean="0">
-                <a:solidFill>
-                  <a:srgbClr val="0000E5"/>
-                </a:solidFill>
-              </a:rPr>
-              <a:t> </a:t>
-            </a:r>
-          </a:p>
-          <a:p>
-            <a:r>
-              <a:rPr lang="en-US" sz="5400" dirty="0" smtClean="0"/>
-              <a:t>connected spanning </a:t>
-            </a:r>
-          </a:p>
-          <a:p>
-            <a:r>
-              <a:rPr lang="en-US" sz="5400" dirty="0" err="1" smtClean="0"/>
-              <a:t>subgraph</a:t>
-            </a:r>
-            <a:r>
-              <a:rPr lang="en-US" sz="5400" dirty="0" smtClean="0"/>
-              <a:t>, then</a:t>
-            </a:r>
-            <a:r>
-              <a:rPr lang="en-US" sz="5400" dirty="0" smtClean="0">
-                <a:solidFill>
-                  <a:srgbClr val="000000"/>
-                </a:solidFill>
-              </a:rPr>
-              <a:t> </a:t>
-            </a:r>
-          </a:p>
-          <a:p>
-            <a:pPr algn="ctr"/>
-            <a:r>
-              <a:rPr lang="en-US" sz="6600" b="1" i="1" dirty="0" smtClean="0">
-                <a:ln w="12700">
-                  <a:solidFill>
-                    <a:schemeClr val="tx2">
-                      <a:satMod val="155000"/>
-                    </a:schemeClr>
-                  </a:solidFill>
-                  <a:prstDash val="solid"/>
-                </a:ln>
-                <a:solidFill>
-                  <a:schemeClr val="bg2">
-                    <a:tint val="85000"/>
-                    <a:satMod val="155000"/>
-                  </a:schemeClr>
-                </a:solidFill>
-                <a:effectLst>
-                  <a:outerShdw blurRad="41275" dist="20320" dir="1800000" algn="tl" rotWithShape="0">
-                    <a:srgbClr val="000000">
-                      <a:alpha val="40000"/>
-                    </a:srgbClr>
-                  </a:outerShdw>
-                </a:effectLst>
-                <a:latin typeface="PT Serif"/>
-                <a:cs typeface="PT Serif"/>
-              </a:rPr>
-              <a:t>e </a:t>
-            </a:r>
-            <a:r>
-              <a:rPr lang="en-US" sz="6600" dirty="0" smtClean="0"/>
-              <a:t>is an edge of </a:t>
-            </a:r>
-            <a:r>
-              <a:rPr lang="en-US" sz="6600" dirty="0" smtClean="0">
-                <a:solidFill>
-                  <a:srgbClr val="0000E5"/>
-                </a:solidFill>
-              </a:rPr>
-              <a:t>C.</a:t>
-            </a:r>
-            <a:endParaRPr lang="en-US" sz="5400" dirty="0"/>
-          </a:p>
-        </p:txBody>
-      </p:sp>
-      <p:sp>
-        <p:nvSpPr>
-          <p:cNvPr id="4" name="Slide Number Placeholder 3"/>
-          <p:cNvSpPr>
-            <a:spLocks noGrp="1"/>
-          </p:cNvSpPr>
-          <p:nvPr>
-            <p:ph type="sldNum" sz="quarter" idx="4"/>
-          </p:nvPr>
-        </p:nvSpPr>
-        <p:spPr>
-          <a:xfrm>
-            <a:off x="8330969" y="6553200"/>
-            <a:ext cx="813031" cy="246221"/>
-          </a:xfrm>
-        </p:spPr>
-        <p:txBody>
-          <a:bodyPr/>
-          <a:lstStyle/>
-          <a:p>
-            <a:pPr>
-              <a:defRPr/>
-            </a:pPr>
-            <a:r>
-              <a:rPr lang="en-US" dirty="0" smtClean="0"/>
-              <a:t>min-gray.</a:t>
-            </a:r>
-            <a:fld id="{D7F2FC53-1536-41A9-A9C1-2199CF803E30}" type="slidenum">
-              <a:rPr lang="en-US" smtClean="0"/>
-              <a:pPr>
-                <a:defRPr/>
-              </a:pPr>
-              <a:t>9</a:t>
-            </a:fld>
-            <a:endParaRPr lang="en-US" dirty="0"/>
-          </a:p>
-        </p:txBody>
-      </p:sp>
-    </p:spTree>
-    <p:extLst>
-      <p:ext uri="{BB962C8B-B14F-4D97-AF65-F5344CB8AC3E}">
-        <p14:creationId xmlns:p14="http://schemas.microsoft.com/office/powerpoint/2010/main" val="3404391473"/>
-      </p:ext>
-    </p:extLst>
-  </p:cSld>
-  <p:clrMapOvr>
-    <a:masterClrMapping/>
-  </p:clrMapOvr>
-  <mc:AlternateContent xmlns:mc="http://schemas.openxmlformats.org/markup-compatibility/2006">
-    <mc:Choice xmlns:p14="http://schemas.microsoft.com/office/powerpoint/2010/main" Requires="p14">
-      <p:transition spd="med" p14:dur="700" advClick="0">
-        <p:fade/>
-      </p:transition>
-    </mc:Choice>
-    <mc:Fallback>
-      <p:transition xmlns:p14="http://schemas.microsoft.com/office/powerpoint/2010/main" spd="med" advClick="0">
-        <p:fade/>
+      <p:transition xmlns:p14="http://schemas.microsoft.com/office/powerpoint/2010/main" spd="slow" advClick="0">
+        <p:fade thruBlk="1"/>
       </p:transition>
     </mc:Fallback>
   </mc:AlternateContent>
@@ -27100,9 +26378,9 @@
                                           </p:stCondLst>
                                         </p:cTn>
                                         <p:tgtEl>
-                                          <p:spTgt spid="3">
+                                          <p:spTgt spid="10">
                                             <p:txEl>
-                                              <p:pRg st="3" end="3"/>
+                                              <p:pRg st="1" end="1"/>
                                             </p:txEl>
                                           </p:spTgt>
                                         </p:tgtEl>
@@ -27118,110 +26396,11 @@
                                       <p:cBhvr>
                                         <p:cTn id="7" dur="500"/>
                                         <p:tgtEl>
-                                          <p:spTgt spid="3">
+                                          <p:spTgt spid="10">
                                             <p:txEl>
-                                              <p:pRg st="3" end="3"/>
+                                              <p:pRg st="1" end="1"/>
                                             </p:txEl>
                                           </p:spTgt>
-                                        </p:tgtEl>
-                                      </p:cBhvr>
-                                    </p:animEffect>
-                                  </p:childTnLst>
-                                </p:cTn>
-                              </p:par>
-                            </p:childTnLst>
-                          </p:cTn>
-                        </p:par>
-                      </p:childTnLst>
-                    </p:cTn>
-                  </p:par>
-                  <p:par>
-                    <p:cTn id="8" fill="hold">
-                      <p:stCondLst>
-                        <p:cond delay="indefinite"/>
-                      </p:stCondLst>
-                      <p:childTnLst>
-                        <p:par>
-                          <p:cTn id="9" fill="hold">
-                            <p:stCondLst>
-                              <p:cond delay="0"/>
-                            </p:stCondLst>
-                            <p:childTnLst>
-                              <p:par>
-                                <p:cTn id="10" presetID="53" presetClass="entr" presetSubtype="16" fill="hold" grpId="0" nodeType="clickEffect">
-                                  <p:stCondLst>
-                                    <p:cond delay="0"/>
-                                  </p:stCondLst>
-                                  <p:childTnLst>
-                                    <p:set>
-                                      <p:cBhvr>
-                                        <p:cTn id="11" dur="1" fill="hold">
-                                          <p:stCondLst>
-                                            <p:cond delay="0"/>
-                                          </p:stCondLst>
-                                        </p:cTn>
-                                        <p:tgtEl>
-                                          <p:spTgt spid="2"/>
-                                        </p:tgtEl>
-                                        <p:attrNameLst>
-                                          <p:attrName>style.visibility</p:attrName>
-                                        </p:attrNameLst>
-                                      </p:cBhvr>
-                                      <p:to>
-                                        <p:strVal val="visible"/>
-                                      </p:to>
-                                    </p:set>
-                                    <p:anim calcmode="lin" valueType="num">
-                                      <p:cBhvr>
-                                        <p:cTn id="12" dur="500" fill="hold"/>
-                                        <p:tgtEl>
-                                          <p:spTgt spid="2"/>
-                                        </p:tgtEl>
-                                        <p:attrNameLst>
-                                          <p:attrName>ppt_w</p:attrName>
-                                        </p:attrNameLst>
-                                      </p:cBhvr>
-                                      <p:tavLst>
-                                        <p:tav tm="0">
-                                          <p:val>
-                                            <p:fltVal val="0"/>
-                                          </p:val>
-                                        </p:tav>
-                                        <p:tav tm="100000">
-                                          <p:val>
-                                            <p:strVal val="#ppt_w"/>
-                                          </p:val>
-                                        </p:tav>
-                                      </p:tavLst>
-                                    </p:anim>
-                                    <p:anim calcmode="lin" valueType="num">
-                                      <p:cBhvr>
-                                        <p:cTn id="13" dur="500" fill="hold"/>
-                                        <p:tgtEl>
-                                          <p:spTgt spid="2"/>
-                                        </p:tgtEl>
-                                        <p:attrNameLst>
-                                          <p:attrName>ppt_h</p:attrName>
-                                        </p:attrNameLst>
-                                      </p:cBhvr>
-                                      <p:tavLst>
-                                        <p:tav tm="0">
-                                          <p:val>
-                                            <p:fltVal val="0"/>
-                                          </p:val>
-                                        </p:tav>
-                                        <p:tav tm="100000">
-                                          <p:val>
-                                            <p:strVal val="#ppt_h"/>
-                                          </p:val>
-                                        </p:tav>
-                                      </p:tavLst>
-                                    </p:anim>
-                                    <p:animEffect transition="in" filter="fade">
-                                      <p:cBhvr>
-                                        <p:cTn id="14" dur="500"/>
-                                        <p:tgtEl>
-                                          <p:spTgt spid="2"/>
                                         </p:tgtEl>
                                       </p:cBhvr>
                                     </p:animEffect>
@@ -27255,9 +26434,292 @@
         </p:cTn>
       </p:par>
     </p:tnLst>
-    <p:bldLst>
-      <p:bldP spid="2" grpId="0"/>
-    </p:bldLst>
+  </p:timing>
+</p:sld>
+</file>
+
+<file path=ppt/slides/slide9.xml><?xml version="1.0" encoding="utf-8"?>
+<p:sld xmlns:a="http://schemas.openxmlformats.org/drawingml/2006/main" xmlns:r="http://schemas.openxmlformats.org/officeDocument/2006/relationships" xmlns:p="http://schemas.openxmlformats.org/presentationml/2006/main">
+  <p:cSld>
+    <p:spTree>
+      <p:nvGrpSpPr>
+        <p:cNvPr id="1" name=""/>
+        <p:cNvGrpSpPr/>
+        <p:nvPr/>
+      </p:nvGrpSpPr>
+      <p:grpSpPr>
+        <a:xfrm>
+          <a:off x="0" y="0"/>
+          <a:ext cx="0" cy="0"/>
+          <a:chOff x="0" y="0"/>
+          <a:chExt cx="0" cy="0"/>
+        </a:xfrm>
+      </p:grpSpPr>
+      <p:sp>
+        <p:nvSpPr>
+          <p:cNvPr id="3" name="Content Placeholder 2"/>
+          <p:cNvSpPr>
+            <a:spLocks noGrp="1"/>
+          </p:cNvSpPr>
+          <p:nvPr>
+            <p:ph idx="1"/>
+          </p:nvPr>
+        </p:nvSpPr>
+        <p:spPr>
+          <a:xfrm>
+            <a:off x="228600" y="1447800"/>
+            <a:ext cx="8686800" cy="4419600"/>
+          </a:xfrm>
+        </p:spPr>
+        <p:txBody>
+          <a:bodyPr/>
+          <a:lstStyle/>
+          <a:p>
+            <a:r>
+              <a:rPr lang="en-US" sz="4400" dirty="0" smtClean="0">
+                <a:solidFill>
+                  <a:srgbClr val="E20000"/>
+                </a:solidFill>
+              </a:rPr>
+              <a:t>Corollary</a:t>
+            </a:r>
+            <a:r>
+              <a:rPr lang="en-US" sz="4400" dirty="0" smtClean="0"/>
+              <a:t>:</a:t>
+            </a:r>
+            <a:r>
+              <a:rPr lang="en-US" sz="5400" dirty="0">
+                <a:solidFill>
+                  <a:srgbClr val="000000"/>
+                </a:solidFill>
+              </a:rPr>
+              <a:t> </a:t>
+            </a:r>
+            <a:r>
+              <a:rPr lang="en-US" sz="5400" dirty="0" smtClean="0">
+                <a:solidFill>
+                  <a:srgbClr val="000000"/>
+                </a:solidFill>
+              </a:rPr>
+              <a:t>There is a unique </a:t>
+            </a:r>
+            <a:r>
+              <a:rPr lang="en-US" sz="5400" dirty="0" smtClean="0">
+                <a:solidFill>
+                  <a:schemeClr val="tx2"/>
+                </a:solidFill>
+              </a:rPr>
+              <a:t>MST</a:t>
+            </a:r>
+            <a:r>
+              <a:rPr lang="en-US" sz="5400" dirty="0" smtClean="0">
+                <a:solidFill>
+                  <a:srgbClr val="000000"/>
+                </a:solidFill>
+              </a:rPr>
+              <a:t>.</a:t>
+            </a:r>
+            <a:endParaRPr lang="en-US" sz="6600" dirty="0">
+              <a:solidFill>
+                <a:srgbClr val="000000"/>
+              </a:solidFill>
+            </a:endParaRPr>
+          </a:p>
+        </p:txBody>
+      </p:sp>
+      <p:sp>
+        <p:nvSpPr>
+          <p:cNvPr id="4" name="Slide Number Placeholder 3"/>
+          <p:cNvSpPr>
+            <a:spLocks noGrp="1"/>
+          </p:cNvSpPr>
+          <p:nvPr>
+            <p:ph type="sldNum" sz="quarter" idx="4"/>
+          </p:nvPr>
+        </p:nvSpPr>
+        <p:spPr>
+          <a:xfrm>
+            <a:off x="8252698" y="6553200"/>
+            <a:ext cx="891302" cy="246221"/>
+          </a:xfrm>
+        </p:spPr>
+        <p:txBody>
+          <a:bodyPr/>
+          <a:lstStyle/>
+          <a:p>
+            <a:pPr>
+              <a:defRPr/>
+            </a:pPr>
+            <a:r>
+              <a:rPr lang="en-US" dirty="0" smtClean="0"/>
+              <a:t>min-gray.</a:t>
+            </a:r>
+            <a:fld id="{D7F2FC53-1536-41A9-A9C1-2199CF803E30}" type="slidenum">
+              <a:rPr lang="en-US" smtClean="0"/>
+              <a:pPr>
+                <a:defRPr/>
+              </a:pPr>
+              <a:t>9</a:t>
+            </a:fld>
+            <a:endParaRPr lang="en-US" dirty="0"/>
+          </a:p>
+        </p:txBody>
+      </p:sp>
+      <p:sp>
+        <p:nvSpPr>
+          <p:cNvPr id="2" name="Title 1"/>
+          <p:cNvSpPr>
+            <a:spLocks noGrp="1"/>
+          </p:cNvSpPr>
+          <p:nvPr>
+            <p:ph type="title"/>
+          </p:nvPr>
+        </p:nvSpPr>
+        <p:spPr>
+          <a:xfrm>
+            <a:off x="1371600" y="381000"/>
+            <a:ext cx="7467600" cy="990600"/>
+          </a:xfrm>
+        </p:spPr>
+        <p:txBody>
+          <a:bodyPr/>
+          <a:lstStyle/>
+          <a:p>
+            <a:r>
+              <a:rPr lang="en-US" dirty="0" smtClean="0"/>
+              <a:t>Unique </a:t>
+            </a:r>
+            <a:r>
+              <a:rPr lang="en-US" dirty="0" smtClean="0">
+                <a:solidFill>
+                  <a:srgbClr val="FF00FF"/>
+                </a:solidFill>
+              </a:rPr>
+              <a:t>MST</a:t>
+            </a:r>
+            <a:endParaRPr lang="en-US" dirty="0">
+              <a:solidFill>
+                <a:srgbClr val="FF00FF"/>
+              </a:solidFill>
+            </a:endParaRPr>
+          </a:p>
+        </p:txBody>
+      </p:sp>
+    </p:spTree>
+    <p:extLst>
+      <p:ext uri="{BB962C8B-B14F-4D97-AF65-F5344CB8AC3E}">
+        <p14:creationId xmlns:p14="http://schemas.microsoft.com/office/powerpoint/2010/main" val="2806034530"/>
+      </p:ext>
+    </p:extLst>
+  </p:cSld>
+  <p:clrMapOvr>
+    <a:masterClrMapping/>
+  </p:clrMapOvr>
+  <mc:AlternateContent xmlns:mc="http://schemas.openxmlformats.org/markup-compatibility/2006" xmlns:p14="http://schemas.microsoft.com/office/powerpoint/2010/main">
+    <mc:Choice Requires="p14">
+      <p:transition spd="med" p14:dur="700" advClick="0">
+        <p:fade/>
+      </p:transition>
+    </mc:Choice>
+    <mc:Fallback xmlns="">
+      <p:transition xmlns:p14="http://schemas.microsoft.com/office/powerpoint/2010/main" spd="med" advClick="0">
+        <p:fade/>
+      </p:transition>
+    </mc:Fallback>
+  </mc:AlternateContent>
+  <p:timing>
+    <p:tnLst>
+      <p:par>
+        <p:cTn xmlns:p14="http://schemas.microsoft.com/office/powerpoint/2010/main" id="1" dur="indefinite" restart="never" nodeType="tmRoot">
+          <p:childTnLst>
+            <p:seq concurrent="1" nextAc="seek">
+              <p:cTn id="2" dur="indefinite" nodeType="mainSeq">
+                <p:childTnLst>
+                  <p:par>
+                    <p:cTn id="3" fill="hold">
+                      <p:stCondLst>
+                        <p:cond delay="indefinite"/>
+                        <p:cond evt="onBegin" delay="0">
+                          <p:tn val="2"/>
+                        </p:cond>
+                      </p:stCondLst>
+                      <p:childTnLst>
+                        <p:par>
+                          <p:cTn id="4" fill="hold">
+                            <p:stCondLst>
+                              <p:cond delay="0"/>
+                            </p:stCondLst>
+                            <p:childTnLst>
+                              <p:par>
+                                <p:cTn id="5" presetID="10" presetClass="entr" presetSubtype="0" fill="hold" nodeType="afterEffect">
+                                  <p:stCondLst>
+                                    <p:cond delay="0"/>
+                                  </p:stCondLst>
+                                  <p:childTnLst>
+                                    <p:set>
+                                      <p:cBhvr>
+                                        <p:cTn id="6" dur="1" fill="hold">
+                                          <p:stCondLst>
+                                            <p:cond delay="0"/>
+                                          </p:stCondLst>
+                                        </p:cTn>
+                                        <p:tgtEl>
+                                          <p:spTgt spid="3">
+                                            <p:txEl>
+                                              <p:pRg st="0" end="0"/>
+                                            </p:txEl>
+                                          </p:spTgt>
+                                        </p:tgtEl>
+                                        <p:attrNameLst>
+                                          <p:attrName>style.visibility</p:attrName>
+                                        </p:attrNameLst>
+                                      </p:cBhvr>
+                                      <p:to>
+                                        <p:strVal val="visible"/>
+                                      </p:to>
+                                    </p:set>
+                                    <p:animEffect transition="in" filter="fade">
+                                      <p:cBhvr>
+                                        <p:cTn id="7" dur="500"/>
+                                        <p:tgtEl>
+                                          <p:spTgt spid="3">
+                                            <p:txEl>
+                                              <p:pRg st="0" end="0"/>
+                                            </p:txEl>
+                                          </p:spTgt>
+                                        </p:tgtEl>
+                                      </p:cBhvr>
+                                    </p:animEffect>
+                                  </p:childTnLst>
+                                </p:cTn>
+                              </p:par>
+                            </p:childTnLst>
+                          </p:cTn>
+                        </p:par>
+                      </p:childTnLst>
+                    </p:cTn>
+                  </p:par>
+                </p:childTnLst>
+              </p:cTn>
+              <p:prevCondLst>
+                <p:cond evt="onPrev" delay="0">
+                  <p:tgtEl>
+                    <p:sldTgt/>
+                  </p:tgtEl>
+                </p:cond>
+              </p:prevCondLst>
+              <p:nextCondLst>
+                <p:cond evt="onNext" delay="0">
+                  <p:tgtEl>
+                    <p:sldTgt/>
+                  </p:tgtEl>
+                </p:cond>
+              </p:nextCondLst>
+            </p:seq>
+          </p:childTnLst>
+        </p:cTn>
+      </p:par>
+    </p:tnLst>
   </p:timing>
 </p:sld>
 </file>

--- a/fall17/slidesF17/gray-edges.pptx
+++ b/fall17/slidesF17/gray-edges.pptx
@@ -5,10 +5,10 @@
     <p:sldMasterId id="2147483650" r:id="rId1"/>
   </p:sldMasterIdLst>
   <p:notesMasterIdLst>
-    <p:notesMasterId r:id="rId26"/>
+    <p:notesMasterId r:id="rId27"/>
   </p:notesMasterIdLst>
   <p:handoutMasterIdLst>
-    <p:handoutMasterId r:id="rId27"/>
+    <p:handoutMasterId r:id="rId28"/>
   </p:handoutMasterIdLst>
   <p:sldIdLst>
     <p:sldId id="462" r:id="rId2"/>
@@ -26,20 +26,21 @@
     <p:sldId id="708" r:id="rId14"/>
     <p:sldId id="705" r:id="rId15"/>
     <p:sldId id="711" r:id="rId16"/>
-    <p:sldId id="695" r:id="rId17"/>
-    <p:sldId id="696" r:id="rId18"/>
-    <p:sldId id="697" r:id="rId19"/>
-    <p:sldId id="698" r:id="rId20"/>
-    <p:sldId id="699" r:id="rId21"/>
-    <p:sldId id="700" r:id="rId22"/>
-    <p:sldId id="701" r:id="rId23"/>
-    <p:sldId id="702" r:id="rId24"/>
-    <p:sldId id="704" r:id="rId25"/>
+    <p:sldId id="717" r:id="rId17"/>
+    <p:sldId id="695" r:id="rId18"/>
+    <p:sldId id="696" r:id="rId19"/>
+    <p:sldId id="697" r:id="rId20"/>
+    <p:sldId id="698" r:id="rId21"/>
+    <p:sldId id="699" r:id="rId22"/>
+    <p:sldId id="700" r:id="rId23"/>
+    <p:sldId id="701" r:id="rId24"/>
+    <p:sldId id="702" r:id="rId25"/>
+    <p:sldId id="704" r:id="rId26"/>
   </p:sldIdLst>
   <p:sldSz cx="9144000" cy="6858000" type="letter"/>
   <p:notesSz cx="9601200" cy="7315200"/>
   <p:custDataLst>
-    <p:tags r:id="rId29"/>
+    <p:tags r:id="rId30"/>
   </p:custDataLst>
   <p:defaultTextStyle>
     <a:defPPr>
@@ -190,6 +191,7 @@
             <p14:sldId id="708"/>
             <p14:sldId id="705"/>
             <p14:sldId id="711"/>
+            <p14:sldId id="717"/>
             <p14:sldId id="695"/>
             <p14:sldId id="696"/>
             <p14:sldId id="697"/>
@@ -1267,7 +1269,7 @@
             <a:fld id="{2290380C-F846-4D61-BB06-6FCFBA28E193}" type="slidenum">
               <a:rPr lang="en-US" smtClean="0"/>
               <a:pPr/>
-              <a:t>18</a:t>
+              <a:t>19</a:t>
             </a:fld>
             <a:endParaRPr lang="en-US"/>
           </a:p>
@@ -2618,37 +2620,7 @@
                 <a:uFillTx/>
                 <a:latin typeface="Comic Sans MS" pitchFamily="66" charset="0"/>
               </a:rPr>
-              <a:t>Albert R Meyer       October </a:t>
-            </a:r>
-            <a:r>
-              <a:rPr kumimoji="0" lang="en-US" sz="1200" b="0" i="0" u="none" strike="noStrike" kern="1200" cap="none" spc="0" normalizeH="0" baseline="0" noProof="0" dirty="0" smtClean="0">
-                <a:ln>
-                  <a:noFill/>
-                </a:ln>
-                <a:solidFill>
-                  <a:schemeClr val="tx1"/>
-                </a:solidFill>
-                <a:effectLst/>
-                <a:uLnTx/>
-                <a:uFillTx/>
-                <a:latin typeface="Comic Sans MS" pitchFamily="66" charset="0"/>
-              </a:rPr>
-              <a:t>31, </a:t>
-            </a:r>
-            <a:r>
-              <a:rPr kumimoji="0" lang="en-US" sz="1200" b="0" i="0" u="none" strike="noStrike" kern="1200" cap="none" spc="0" normalizeH="0" baseline="0" noProof="0" dirty="0" smtClean="0">
-                <a:ln>
-                  <a:noFill/>
-                </a:ln>
-                <a:solidFill>
-                  <a:schemeClr val="tx1"/>
-                </a:solidFill>
-                <a:effectLst/>
-                <a:uLnTx/>
-                <a:uFillTx/>
-                <a:latin typeface="Comic Sans MS" pitchFamily="66" charset="0"/>
-              </a:rPr>
-              <a:t>2017</a:t>
+              <a:t>Albert R Meyer       October 31, 2017</a:t>
             </a:r>
             <a:endParaRPr kumimoji="0" lang="en-US" sz="1200" b="0" i="0" u="none" strike="noStrike" kern="1200" cap="none" spc="0" normalizeH="0" baseline="0" noProof="0" dirty="0">
               <a:ln>
@@ -3821,9 +3793,18 @@
   <p:clrMapOvr>
     <a:masterClrMapping/>
   </p:clrMapOvr>
-  <p:transition xmlns:p14="http://schemas.microsoft.com/office/powerpoint/2010/main" advClick="0">
-    <p:fade/>
-  </p:transition>
+  <mc:AlternateContent xmlns:mc="http://schemas.openxmlformats.org/markup-compatibility/2006">
+    <mc:Choice xmlns:p14="http://schemas.microsoft.com/office/powerpoint/2010/main" Requires="p14">
+      <p:transition spd="med" p14:dur="700" advClick="0">
+        <p:fade/>
+      </p:transition>
+    </mc:Choice>
+    <mc:Fallback>
+      <p:transition xmlns:p14="http://schemas.microsoft.com/office/powerpoint/2010/main" spd="med" advClick="0">
+        <p:fade/>
+      </p:transition>
+    </mc:Fallback>
+  </mc:AlternateContent>
   <p:timing>
     <p:tnLst>
       <p:par>
@@ -3848,7 +3829,7 @@
                             </p:stCondLst>
                             <p:childTnLst>
                               <p:par>
-                                <p:cTn id="5" presetID="10" presetClass="entr" presetSubtype="0" fill="hold" nodeType="afterEffect">
+                                <p:cTn id="5" presetID="53" presetClass="entr" presetSubtype="16" fill="hold" grpId="0" nodeType="afterEffect">
                                   <p:stCondLst>
                                     <p:cond delay="0"/>
                                   </p:stCondLst>
@@ -3856,67 +3837,6 @@
                                     <p:set>
                                       <p:cBhvr>
                                         <p:cTn id="6" dur="1" fill="hold">
-                                          <p:stCondLst>
-                                            <p:cond delay="0"/>
-                                          </p:stCondLst>
-                                        </p:cTn>
-                                        <p:tgtEl>
-                                          <p:spTgt spid="3">
-                                            <p:txEl>
-                                              <p:pRg st="0" end="0"/>
-                                            </p:txEl>
-                                          </p:spTgt>
-                                        </p:tgtEl>
-                                        <p:attrNameLst>
-                                          <p:attrName>style.visibility</p:attrName>
-                                        </p:attrNameLst>
-                                      </p:cBhvr>
-                                      <p:to>
-                                        <p:strVal val="visible"/>
-                                      </p:to>
-                                    </p:set>
-                                    <p:animEffect transition="in" filter="fade">
-                                      <p:cBhvr>
-                                        <p:cTn id="7" dur="500"/>
-                                        <p:tgtEl>
-                                          <p:spTgt spid="3">
-                                            <p:txEl>
-                                              <p:pRg st="0" end="0"/>
-                                            </p:txEl>
-                                          </p:spTgt>
-                                        </p:tgtEl>
-                                      </p:cBhvr>
-                                    </p:animEffect>
-                                  </p:childTnLst>
-                                </p:cTn>
-                              </p:par>
-                            </p:childTnLst>
-                          </p:cTn>
-                        </p:par>
-                      </p:childTnLst>
-                    </p:cTn>
-                  </p:par>
-                  <p:par>
-                    <p:cTn id="8" fill="hold">
-                      <p:stCondLst>
-                        <p:cond delay="indefinite"/>
-                      </p:stCondLst>
-                      <p:childTnLst>
-                        <p:par>
-                          <p:cTn id="9" fill="hold">
-                            <p:stCondLst>
-                              <p:cond delay="0"/>
-                            </p:stCondLst>
-                            <p:childTnLst>
-                              <p:par>
-                                <p:cTn id="10" presetID="10" presetClass="entr" presetSubtype="0" fill="hold" grpId="0" nodeType="clickEffect">
-                                  <p:stCondLst>
-                                    <p:cond delay="0"/>
-                                  </p:stCondLst>
-                                  <p:childTnLst>
-                                    <p:set>
-                                      <p:cBhvr>
-                                        <p:cTn id="11" dur="1" fill="hold">
                                           <p:stCondLst>
                                             <p:cond delay="0"/>
                                           </p:stCondLst>
@@ -3932,9 +3852,55 @@
                                         <p:strVal val="visible"/>
                                       </p:to>
                                     </p:set>
+                                    <p:anim calcmode="lin" valueType="num">
+                                      <p:cBhvr>
+                                        <p:cTn id="7" dur="1000" fill="hold"/>
+                                        <p:tgtEl>
+                                          <p:spTgt spid="2"/>
+                                        </p:tgtEl>
+                                        <p:attrNameLst>
+                                          <p:attrName>ppt_w</p:attrName>
+                                        </p:attrNameLst>
+                                      </p:cBhvr>
+                                      <p:tavLst>
+                                        <p:tav tm="0">
+                                          <p:val>
+                                            <p:fltVal val="0"/>
+                                          </p:val>
+                                        </p:tav>
+                                        <p:tav tm="100000">
+                                          <p:val>
+                                            <p:strVal val="#ppt_w"/>
+                                          </p:val>
+                                        </p:tav>
+                                      </p:tavLst>
+                                    </p:anim>
+                                    <p:anim calcmode="lin" valueType="num">
+                                      <p:cBhvr>
+                                        <p:cTn id="8" dur="1000" fill="hold"/>
+                                        <p:tgtEl>
+                                          <p:spTgt spid="2"/>
+                                        </p:tgtEl>
+                                        <p:attrNameLst>
+                                          <p:attrName>ppt_h</p:attrName>
+                                        </p:attrNameLst>
+                                      </p:cBhvr>
+                                      <p:tavLst>
+                                        <p:tav tm="0">
+                                          <p:val>
+                                            <p:fltVal val="0"/>
+                                          </p:val>
+                                        </p:tav>
+                                        <p:tav tm="100000">
+                                          <p:val>
+                                            <p:strVal val="#ppt_h"/>
+                                          </p:val>
+                                        </p:tav>
+                                      </p:tavLst>
+                                    </p:anim>
                                     <p:animEffect transition="in" filter="fade">
                                       <p:cBhvr>
-                                        <p:cTn id="12" dur="500"/>
+                                        <p:cTn id="9" dur="1000"/>
                                         <p:tgtEl>
                                           <p:spTgt spid="2"/>
                                         </p:tgtEl>
@@ -4515,13 +4481,13 @@
   <p:clrMapOvr>
     <a:masterClrMapping/>
   </p:clrMapOvr>
-  <mc:AlternateContent xmlns:mc="http://schemas.openxmlformats.org/markup-compatibility/2006">
-    <mc:Choice xmlns:p14="http://schemas.microsoft.com/office/powerpoint/2010/main" Requires="p14">
+  <mc:AlternateContent xmlns:mc="http://schemas.openxmlformats.org/markup-compatibility/2006" xmlns:p14="http://schemas.microsoft.com/office/powerpoint/2010/main">
+    <mc:Choice Requires="p14">
       <p:transition spd="slow" p14:dur="800" advClick="0">
         <p:fade/>
       </p:transition>
     </mc:Choice>
-    <mc:Fallback>
+    <mc:Fallback xmlns="">
       <p:transition xmlns:p14="http://schemas.microsoft.com/office/powerpoint/2010/main" spd="slow" advClick="0">
         <p:fade/>
       </p:transition>
@@ -5067,7 +5033,7 @@
           <a:graphicData uri="http://schemas.openxmlformats.org/presentationml/2006/ole">
             <mc:AlternateContent xmlns:mc="http://schemas.openxmlformats.org/markup-compatibility/2006">
               <mc:Choice xmlns:v="urn:schemas-microsoft-com:vml" Requires="v">
-                <p:oleObj spid="_x0000_s1053" name="Equation" r:id="rId3" imgW="635000" imgH="228600" progId="Equation.DSMT4">
+                <p:oleObj spid="_x0000_s1057" name="Equation" r:id="rId3" imgW="635000" imgH="228600" progId="Equation.DSMT4">
                   <p:embed/>
                 </p:oleObj>
               </mc:Choice>
@@ -5305,17 +5271,7 @@
                 <a:latin typeface="Comic Sans MS"/>
                 <a:cs typeface="Comic Sans MS"/>
               </a:rPr>
-              <a:t> </a:t>
-            </a:r>
-            <a:r>
-              <a:rPr lang="en-US" sz="5700" dirty="0" smtClean="0">
-                <a:solidFill>
-                  <a:srgbClr val="0000F1"/>
-                </a:solidFill>
-                <a:latin typeface="Comic Sans MS"/>
-                <a:cs typeface="Comic Sans MS"/>
-              </a:rPr>
-              <a:t>C </a:t>
+              <a:t> C </a:t>
             </a:r>
             <a:r>
               <a:rPr lang="en-US" sz="5700" dirty="0" smtClean="0">
@@ -5448,7 +5404,7 @@
           <a:graphicData uri="http://schemas.openxmlformats.org/presentationml/2006/ole">
             <mc:AlternateContent xmlns:mc="http://schemas.openxmlformats.org/markup-compatibility/2006">
               <mc:Choice xmlns:v="urn:schemas-microsoft-com:vml" Requires="v">
-                <p:oleObj spid="_x0000_s48170" name="Equation" r:id="rId3" imgW="635000" imgH="228600" progId="Equation.DSMT4">
+                <p:oleObj spid="_x0000_s48175" name="Equation" r:id="rId3" imgW="635000" imgH="228600" progId="Equation.DSMT4">
                   <p:embed/>
                 </p:oleObj>
               </mc:Choice>
@@ -5584,7 +5540,7 @@
                                         <p:tgtEl>
                                           <p:spTgt spid="3">
                                             <p:txEl>
-                                              <p:pRg st="0" end="0"/>
+                                              <p:pRg st="1" end="1"/>
                                             </p:txEl>
                                           </p:spTgt>
                                         </p:tgtEl>
@@ -5602,67 +5558,6 @@
                                         <p:tgtEl>
                                           <p:spTgt spid="3">
                                             <p:txEl>
-                                              <p:pRg st="0" end="0"/>
-                                            </p:txEl>
-                                          </p:spTgt>
-                                        </p:tgtEl>
-                                      </p:cBhvr>
-                                    </p:animEffect>
-                                  </p:childTnLst>
-                                </p:cTn>
-                              </p:par>
-                            </p:childTnLst>
-                          </p:cTn>
-                        </p:par>
-                      </p:childTnLst>
-                    </p:cTn>
-                  </p:par>
-                  <p:par>
-                    <p:cTn id="8" fill="hold">
-                      <p:stCondLst>
-                        <p:cond delay="indefinite"/>
-                      </p:stCondLst>
-                      <p:childTnLst>
-                        <p:par>
-                          <p:cTn id="9" fill="hold">
-                            <p:stCondLst>
-                              <p:cond delay="0"/>
-                            </p:stCondLst>
-                            <p:childTnLst>
-                              <p:par>
-                                <p:cTn id="10" presetID="10" presetClass="entr" presetSubtype="0" fill="hold" nodeType="clickEffect">
-                                  <p:stCondLst>
-                                    <p:cond delay="0"/>
-                                  </p:stCondLst>
-                                  <p:childTnLst>
-                                    <p:set>
-                                      <p:cBhvr>
-                                        <p:cTn id="11" dur="1" fill="hold">
-                                          <p:stCondLst>
-                                            <p:cond delay="0"/>
-                                          </p:stCondLst>
-                                        </p:cTn>
-                                        <p:tgtEl>
-                                          <p:spTgt spid="3">
-                                            <p:txEl>
-                                              <p:pRg st="1" end="1"/>
-                                            </p:txEl>
-                                          </p:spTgt>
-                                        </p:tgtEl>
-                                        <p:attrNameLst>
-                                          <p:attrName>style.visibility</p:attrName>
-                                        </p:attrNameLst>
-                                      </p:cBhvr>
-                                      <p:to>
-                                        <p:strVal val="visible"/>
-                                      </p:to>
-                                    </p:set>
-                                    <p:animEffect transition="in" filter="fade">
-                                      <p:cBhvr>
-                                        <p:cTn id="12" dur="500"/>
-                                        <p:tgtEl>
-                                          <p:spTgt spid="3">
-                                            <p:txEl>
                                               <p:pRg st="1" end="1"/>
                                             </p:txEl>
                                           </p:spTgt>
@@ -5673,14 +5568,14 @@
                                 </p:cTn>
                               </p:par>
                               <p:par>
-                                <p:cTn id="13" presetID="10" presetClass="entr" presetSubtype="0" fill="hold" nodeType="withEffect">
+                                <p:cTn id="8" presetID="10" presetClass="entr" presetSubtype="0" fill="hold" nodeType="withEffect">
                                   <p:stCondLst>
                                     <p:cond delay="0"/>
                                   </p:stCondLst>
                                   <p:childTnLst>
                                     <p:set>
                                       <p:cBhvr>
-                                        <p:cTn id="14" dur="1" fill="hold">
+                                        <p:cTn id="9" dur="1" fill="hold">
                                           <p:stCondLst>
                                             <p:cond delay="0"/>
                                           </p:stCondLst>
@@ -5698,7 +5593,7 @@
                                     </p:set>
                                     <p:animEffect transition="in" filter="fade">
                                       <p:cBhvr>
-                                        <p:cTn id="15" dur="1000"/>
+                                        <p:cTn id="10" dur="500"/>
                                         <p:tgtEl>
                                           <p:spTgt spid="5"/>
                                         </p:tgtEl>
@@ -5708,14 +5603,14 @@
                                 </p:cTn>
                               </p:par>
                               <p:par>
-                                <p:cTn id="16" presetID="10" presetClass="entr" presetSubtype="0" fill="hold" nodeType="withEffect">
+                                <p:cTn id="11" presetID="10" presetClass="entr" presetSubtype="0" fill="hold" nodeType="withEffect">
                                   <p:stCondLst>
                                     <p:cond delay="0"/>
                                   </p:stCondLst>
                                   <p:childTnLst>
                                     <p:set>
                                       <p:cBhvr>
-                                        <p:cTn id="17" dur="1" fill="hold">
+                                        <p:cTn id="12" dur="1" fill="hold">
                                           <p:stCondLst>
                                             <p:cond delay="0"/>
                                           </p:stCondLst>
@@ -5737,7 +5632,7 @@
                                     </p:set>
                                     <p:animEffect transition="in" filter="fade">
                                       <p:cBhvr>
-                                        <p:cTn id="18" dur="500"/>
+                                        <p:cTn id="13" dur="500"/>
                                         <p:tgtEl>
                                           <p:spTgt spid="3">
                                             <p:txEl>
@@ -5858,11 +5753,7 @@
             </a:r>
             <a:r>
               <a:rPr lang="en-US" sz="7200" dirty="0" smtClean="0"/>
-              <a:t>is</a:t>
-            </a:r>
-            <a:r>
-              <a:rPr lang="en-US" sz="7200" dirty="0" smtClean="0"/>
-              <a:t> </a:t>
+              <a:t>is </a:t>
             </a:r>
             <a:r>
               <a:rPr lang="en-US" sz="7200" dirty="0" smtClean="0">
@@ -5890,7 +5781,7 @@
                   <a:srgbClr val="008000"/>
                 </a:solidFill>
               </a:rPr>
-              <a:t>.</a:t>
+              <a:t>.  </a:t>
             </a:r>
             <a:endParaRPr lang="en-US" sz="7200" dirty="0" smtClean="0">
               <a:solidFill>
@@ -5994,6 +5885,68 @@
           </a:p>
         </p:txBody>
       </p:sp>
+      <p:sp>
+        <p:nvSpPr>
+          <p:cNvPr id="2" name="TextBox 1"/>
+          <p:cNvSpPr txBox="1"/>
+          <p:nvPr/>
+        </p:nvSpPr>
+        <p:spPr>
+          <a:xfrm>
+            <a:off x="2667000" y="4191000"/>
+            <a:ext cx="5819923" cy="830997"/>
+          </a:xfrm>
+          <a:prstGeom prst="rect">
+            <a:avLst/>
+          </a:prstGeom>
+          <a:noFill/>
+        </p:spPr>
+        <p:txBody>
+          <a:bodyPr wrap="none" rtlCol="0">
+            <a:spAutoFit/>
+          </a:bodyPr>
+          <a:lstStyle/>
+          <a:p>
+            <a:r>
+              <a:rPr lang="en-US" sz="4800" dirty="0" smtClean="0">
+                <a:solidFill>
+                  <a:srgbClr val="FF00FF"/>
+                </a:solidFill>
+              </a:rPr>
+              <a:t>QED</a:t>
+            </a:r>
+            <a:r>
+              <a:rPr lang="en-US" sz="4800" dirty="0" smtClean="0"/>
+              <a:t> </a:t>
+            </a:r>
+            <a:r>
+              <a:rPr lang="en-US" sz="4800" dirty="0" smtClean="0">
+                <a:solidFill>
+                  <a:srgbClr val="660066"/>
+                </a:solidFill>
+              </a:rPr>
+              <a:t>Main</a:t>
+            </a:r>
+            <a:r>
+              <a:rPr lang="en-US" sz="4800" dirty="0" smtClean="0"/>
+              <a:t> </a:t>
+            </a:r>
+            <a:r>
+              <a:rPr lang="en-US" sz="4800" dirty="0" smtClean="0">
+                <a:solidFill>
+                  <a:srgbClr val="660066"/>
+                </a:solidFill>
+              </a:rPr>
+              <a:t>Theorem</a:t>
+            </a:r>
+            <a:endParaRPr lang="en-US" sz="4800" dirty="0">
+              <a:solidFill>
+                <a:srgbClr val="660066"/>
+              </a:solidFill>
+            </a:endParaRPr>
+          </a:p>
+        </p:txBody>
+      </p:sp>
     </p:spTree>
     <p:extLst>
       <p:ext uri="{BB962C8B-B14F-4D97-AF65-F5344CB8AC3E}">
@@ -6019,6 +5972,815 @@
   <p:timing>
     <p:tnLst>
       <p:par>
+        <p:cTn xmlns:p14="http://schemas.microsoft.com/office/powerpoint/2010/main" id="1" dur="indefinite" restart="never" nodeType="tmRoot">
+          <p:childTnLst>
+            <p:seq concurrent="1" nextAc="seek">
+              <p:cTn id="2" dur="indefinite" nodeType="mainSeq">
+                <p:childTnLst>
+                  <p:par>
+                    <p:cTn id="3" fill="hold">
+                      <p:stCondLst>
+                        <p:cond delay="indefinite"/>
+                        <p:cond evt="onBegin" delay="0">
+                          <p:tn val="2"/>
+                        </p:cond>
+                      </p:stCondLst>
+                      <p:childTnLst>
+                        <p:par>
+                          <p:cTn id="4" fill="hold">
+                            <p:stCondLst>
+                              <p:cond delay="0"/>
+                            </p:stCondLst>
+                            <p:childTnLst>
+                              <p:par>
+                                <p:cTn id="5" presetID="53" presetClass="entr" presetSubtype="16" fill="hold" grpId="0" nodeType="afterEffect">
+                                  <p:stCondLst>
+                                    <p:cond delay="0"/>
+                                  </p:stCondLst>
+                                  <p:childTnLst>
+                                    <p:set>
+                                      <p:cBhvr>
+                                        <p:cTn id="6" dur="1" fill="hold">
+                                          <p:stCondLst>
+                                            <p:cond delay="0"/>
+                                          </p:stCondLst>
+                                        </p:cTn>
+                                        <p:tgtEl>
+                                          <p:spTgt spid="8"/>
+                                        </p:tgtEl>
+                                        <p:attrNameLst>
+                                          <p:attrName>style.visibility</p:attrName>
+                                        </p:attrNameLst>
+                                      </p:cBhvr>
+                                      <p:to>
+                                        <p:strVal val="visible"/>
+                                      </p:to>
+                                    </p:set>
+                                    <p:anim calcmode="lin" valueType="num">
+                                      <p:cBhvr>
+                                        <p:cTn id="7" dur="1000" fill="hold"/>
+                                        <p:tgtEl>
+                                          <p:spTgt spid="8"/>
+                                        </p:tgtEl>
+                                        <p:attrNameLst>
+                                          <p:attrName>ppt_w</p:attrName>
+                                        </p:attrNameLst>
+                                      </p:cBhvr>
+                                      <p:tavLst>
+                                        <p:tav tm="0">
+                                          <p:val>
+                                            <p:fltVal val="0"/>
+                                          </p:val>
+                                        </p:tav>
+                                        <p:tav tm="100000">
+                                          <p:val>
+                                            <p:strVal val="#ppt_w"/>
+                                          </p:val>
+                                        </p:tav>
+                                      </p:tavLst>
+                                    </p:anim>
+                                    <p:anim calcmode="lin" valueType="num">
+                                      <p:cBhvr>
+                                        <p:cTn id="8" dur="1000" fill="hold"/>
+                                        <p:tgtEl>
+                                          <p:spTgt spid="8"/>
+                                        </p:tgtEl>
+                                        <p:attrNameLst>
+                                          <p:attrName>ppt_h</p:attrName>
+                                        </p:attrNameLst>
+                                      </p:cBhvr>
+                                      <p:tavLst>
+                                        <p:tav tm="0">
+                                          <p:val>
+                                            <p:fltVal val="0"/>
+                                          </p:val>
+                                        </p:tav>
+                                        <p:tav tm="100000">
+                                          <p:val>
+                                            <p:strVal val="#ppt_h"/>
+                                          </p:val>
+                                        </p:tav>
+                                      </p:tavLst>
+                                    </p:anim>
+                                    <p:animEffect transition="in" filter="fade">
+                                      <p:cBhvr>
+                                        <p:cTn id="9" dur="1000"/>
+                                        <p:tgtEl>
+                                          <p:spTgt spid="8"/>
+                                        </p:tgtEl>
+                                      </p:cBhvr>
+                                    </p:animEffect>
+                                  </p:childTnLst>
+                                </p:cTn>
+                              </p:par>
+                            </p:childTnLst>
+                          </p:cTn>
+                        </p:par>
+                      </p:childTnLst>
+                    </p:cTn>
+                  </p:par>
+                  <p:par>
+                    <p:cTn id="10" fill="hold">
+                      <p:stCondLst>
+                        <p:cond delay="indefinite"/>
+                      </p:stCondLst>
+                      <p:childTnLst>
+                        <p:par>
+                          <p:cTn id="11" fill="hold">
+                            <p:stCondLst>
+                              <p:cond delay="0"/>
+                            </p:stCondLst>
+                            <p:childTnLst>
+                              <p:par>
+                                <p:cTn id="12" presetID="52" presetClass="entr" presetSubtype="0" fill="hold" grpId="0" nodeType="clickEffect">
+                                  <p:stCondLst>
+                                    <p:cond delay="0"/>
+                                  </p:stCondLst>
+                                  <p:childTnLst>
+                                    <p:set>
+                                      <p:cBhvr>
+                                        <p:cTn id="13" dur="1" fill="hold">
+                                          <p:stCondLst>
+                                            <p:cond delay="0"/>
+                                          </p:stCondLst>
+                                        </p:cTn>
+                                        <p:tgtEl>
+                                          <p:spTgt spid="2"/>
+                                        </p:tgtEl>
+                                        <p:attrNameLst>
+                                          <p:attrName>style.visibility</p:attrName>
+                                        </p:attrNameLst>
+                                      </p:cBhvr>
+                                      <p:to>
+                                        <p:strVal val="visible"/>
+                                      </p:to>
+                                    </p:set>
+                                    <p:animScale>
+                                      <p:cBhvr>
+                                        <p:cTn id="14" dur="1000" decel="50000" fill="hold">
+                                          <p:stCondLst>
+                                            <p:cond delay="0"/>
+                                          </p:stCondLst>
+                                        </p:cTn>
+                                        <p:tgtEl>
+                                          <p:spTgt spid="2"/>
+                                        </p:tgtEl>
+                                      </p:cBhvr>
+                                      <p:from x="250000" y="250000"/>
+                                      <p:to x="100000" y="100000"/>
+                                    </p:animScale>
+                                    <p:animMotion origin="layout" path="M -0.46736 0.92887  C -0.37517 0.88508  -0.02552 0.75279  0.0908 0.66613  C  0.20747 0.57948  0.21649 0.50394  0.23177 0.40825  C 0.24705 0.31256  0.22118 0.15964   0.18264 0.09152  C 0.1441 0.02341  0.03802 0.0  0.0 0.0  " pathEditMode="relative" ptsTypes="">
+                                      <p:cBhvr>
+                                        <p:cTn id="15" dur="1000" decel="50000" fill="hold">
+                                          <p:stCondLst>
+                                            <p:cond delay="0"/>
+                                          </p:stCondLst>
+                                        </p:cTn>
+                                        <p:tgtEl>
+                                          <p:spTgt spid="2"/>
+                                        </p:tgtEl>
+                                        <p:attrNameLst>
+                                          <p:attrName>ppt_x</p:attrName>
+                                          <p:attrName>ppt_y</p:attrName>
+                                        </p:attrNameLst>
+                                      </p:cBhvr>
+                                    </p:animMotion>
+                                    <p:animEffect transition="in" filter="fade">
+                                      <p:cBhvr>
+                                        <p:cTn id="16" dur="1000"/>
+                                        <p:tgtEl>
+                                          <p:spTgt spid="2"/>
+                                        </p:tgtEl>
+                                      </p:cBhvr>
+                                    </p:animEffect>
+                                  </p:childTnLst>
+                                </p:cTn>
+                              </p:par>
+                            </p:childTnLst>
+                          </p:cTn>
+                        </p:par>
+                      </p:childTnLst>
+                    </p:cTn>
+                  </p:par>
+                </p:childTnLst>
+              </p:cTn>
+              <p:prevCondLst>
+                <p:cond evt="onPrev" delay="0">
+                  <p:tgtEl>
+                    <p:sldTgt/>
+                  </p:tgtEl>
+                </p:cond>
+              </p:prevCondLst>
+              <p:nextCondLst>
+                <p:cond evt="onNext" delay="0">
+                  <p:tgtEl>
+                    <p:sldTgt/>
+                  </p:tgtEl>
+                </p:cond>
+              </p:nextCondLst>
+            </p:seq>
+          </p:childTnLst>
+        </p:cTn>
+      </p:par>
+    </p:tnLst>
+    <p:bldLst>
+      <p:bldP spid="8" grpId="0"/>
+      <p:bldP spid="2" grpId="0"/>
+    </p:bldLst>
+  </p:timing>
+</p:sld>
+</file>
+
+<file path=ppt/slides/slide16.xml><?xml version="1.0" encoding="utf-8"?>
+<p:sld xmlns:a="http://schemas.openxmlformats.org/drawingml/2006/main" xmlns:r="http://schemas.openxmlformats.org/officeDocument/2006/relationships" xmlns:p="http://schemas.openxmlformats.org/presentationml/2006/main">
+  <p:cSld>
+    <p:spTree>
+      <p:nvGrpSpPr>
+        <p:cNvPr id="1" name=""/>
+        <p:cNvGrpSpPr/>
+        <p:nvPr/>
+      </p:nvGrpSpPr>
+      <p:grpSpPr>
+        <a:xfrm>
+          <a:off x="0" y="0"/>
+          <a:ext cx="0" cy="0"/>
+          <a:chOff x="0" y="0"/>
+          <a:chExt cx="0" cy="0"/>
+        </a:xfrm>
+      </p:grpSpPr>
+      <p:sp>
+        <p:nvSpPr>
+          <p:cNvPr id="6" name="TextBox 5"/>
+          <p:cNvSpPr txBox="1"/>
+          <p:nvPr/>
+        </p:nvSpPr>
+        <p:spPr>
+          <a:xfrm>
+            <a:off x="152400" y="2286000"/>
+            <a:ext cx="8610600" cy="4407360"/>
+          </a:xfrm>
+          <a:prstGeom prst="rect">
+            <a:avLst/>
+          </a:prstGeom>
+          <a:noFill/>
+        </p:spPr>
+        <p:txBody>
+          <a:bodyPr wrap="square" rtlCol="0">
+            <a:spAutoFit/>
+          </a:bodyPr>
+          <a:lstStyle/>
+          <a:p>
+            <a:pPr marL="342900" lvl="0" indent="-342900">
+              <a:spcBef>
+                <a:spcPct val="20000"/>
+              </a:spcBef>
+            </a:pPr>
+            <a:r>
+              <a:rPr lang="en-US" sz="5400" kern="0" dirty="0" smtClean="0">
+                <a:solidFill>
+                  <a:srgbClr val="000000"/>
+                </a:solidFill>
+                <a:latin typeface="Comic Sans MS"/>
+              </a:rPr>
+              <a:t>          Then </a:t>
+            </a:r>
+            <a:r>
+              <a:rPr lang="en-US" sz="5400" kern="0" dirty="0">
+                <a:solidFill>
+                  <a:srgbClr val="000000"/>
+                </a:solidFill>
+                <a:latin typeface="Comic Sans MS"/>
+              </a:rPr>
+              <a:t>there is </a:t>
+            </a:r>
+            <a:r>
+              <a:rPr lang="en-US" sz="5400" kern="0" dirty="0" smtClean="0">
+                <a:solidFill>
+                  <a:srgbClr val="000000"/>
+                </a:solidFill>
+                <a:latin typeface="Comic Sans MS"/>
+              </a:rPr>
+              <a:t>an</a:t>
+            </a:r>
+          </a:p>
+          <a:p>
+            <a:pPr marL="342900" lvl="0" indent="-342900">
+              <a:spcBef>
+                <a:spcPct val="20000"/>
+              </a:spcBef>
+            </a:pPr>
+            <a:r>
+              <a:rPr lang="en-US" sz="5400" kern="0" dirty="0">
+                <a:solidFill>
+                  <a:srgbClr val="000000"/>
+                </a:solidFill>
+                <a:latin typeface="Comic Sans MS"/>
+              </a:rPr>
+              <a:t>e</a:t>
+            </a:r>
+            <a:r>
+              <a:rPr lang="en-US" sz="5400" kern="0" dirty="0" smtClean="0">
+                <a:solidFill>
+                  <a:srgbClr val="000000"/>
+                </a:solidFill>
+                <a:latin typeface="Comic Sans MS"/>
+              </a:rPr>
+              <a:t>dge </a:t>
+            </a:r>
+            <a:r>
+              <a:rPr lang="en-US" sz="4800" kern="0" dirty="0" smtClean="0">
+                <a:solidFill>
+                  <a:srgbClr val="CCCCFF">
+                    <a:lumMod val="50000"/>
+                  </a:srgbClr>
+                </a:solidFill>
+                <a:latin typeface="Comic Sans MS"/>
+              </a:rPr>
+              <a:t>g</a:t>
+            </a:r>
+            <a:r>
+              <a:rPr lang="en-US" sz="5400" kern="0" dirty="0" smtClean="0">
+                <a:solidFill>
+                  <a:srgbClr val="000000"/>
+                </a:solidFill>
+                <a:latin typeface="Comic Sans MS"/>
+              </a:rPr>
+              <a:t> </a:t>
+            </a:r>
+            <a:r>
+              <a:rPr lang="en-US" sz="5400" kern="0" dirty="0">
+                <a:solidFill>
+                  <a:srgbClr val="000000"/>
+                </a:solidFill>
+                <a:latin typeface="Comic Sans MS"/>
+              </a:rPr>
+              <a:t>of </a:t>
+            </a:r>
+            <a:r>
+              <a:rPr lang="en-US" sz="4800" kern="0" dirty="0">
+                <a:solidFill>
+                  <a:srgbClr val="0000E5"/>
+                </a:solidFill>
+                <a:latin typeface="Comic Sans MS"/>
+              </a:rPr>
+              <a:t>C</a:t>
+            </a:r>
+            <a:r>
+              <a:rPr lang="en-US" sz="5400" kern="0" dirty="0">
+                <a:solidFill>
+                  <a:srgbClr val="000000"/>
+                </a:solidFill>
+                <a:latin typeface="Comic Sans MS"/>
+              </a:rPr>
+              <a:t>:</a:t>
+            </a:r>
+          </a:p>
+          <a:p>
+            <a:pPr marL="342900" lvl="0" indent="-342900">
+              <a:spcBef>
+                <a:spcPct val="20000"/>
+              </a:spcBef>
+            </a:pPr>
+            <a:r>
+              <a:rPr lang="en-US" sz="5400" kern="0" dirty="0">
+                <a:solidFill>
+                  <a:srgbClr val="000000"/>
+                </a:solidFill>
+                <a:latin typeface="Comic Sans MS"/>
+              </a:rPr>
+              <a:t>   (</a:t>
+            </a:r>
+            <a:r>
+              <a:rPr lang="en-US" sz="5400" kern="0" dirty="0" err="1">
+                <a:solidFill>
+                  <a:srgbClr val="000000"/>
+                </a:solidFill>
+                <a:latin typeface="Comic Sans MS"/>
+              </a:rPr>
+              <a:t>i</a:t>
+            </a:r>
+            <a:r>
+              <a:rPr lang="en-US" sz="5400" kern="0" dirty="0">
+                <a:solidFill>
+                  <a:srgbClr val="000000"/>
+                </a:solidFill>
+                <a:latin typeface="Comic Sans MS"/>
+              </a:rPr>
+              <a:t>) </a:t>
+            </a:r>
+            <a:r>
+              <a:rPr lang="en-US" sz="5400" kern="0" dirty="0" err="1">
+                <a:solidFill>
+                  <a:srgbClr val="0000F1"/>
+                </a:solidFill>
+                <a:latin typeface="Comic Sans MS"/>
+              </a:rPr>
+              <a:t>wt</a:t>
+            </a:r>
+            <a:r>
+              <a:rPr lang="en-US" sz="5400" kern="0" dirty="0">
+                <a:solidFill>
+                  <a:srgbClr val="0000F1"/>
+                </a:solidFill>
+                <a:latin typeface="Comic Sans MS"/>
+              </a:rPr>
+              <a:t>(</a:t>
+            </a:r>
+            <a:r>
+              <a:rPr lang="en-US" sz="5400" b="1" i="1" kern="0" dirty="0">
+                <a:ln w="12700">
+                  <a:solidFill>
+                    <a:srgbClr val="000000">
+                      <a:satMod val="155000"/>
+                    </a:srgbClr>
+                  </a:solidFill>
+                  <a:prstDash val="solid"/>
+                </a:ln>
+                <a:solidFill>
+                  <a:srgbClr val="808080">
+                    <a:tint val="85000"/>
+                    <a:satMod val="155000"/>
+                  </a:srgbClr>
+                </a:solidFill>
+                <a:effectLst>
+                  <a:outerShdw blurRad="41275" dist="20320" dir="1800000" algn="tl" rotWithShape="0">
+                    <a:srgbClr val="000000">
+                      <a:alpha val="40000"/>
+                    </a:srgbClr>
+                  </a:outerShdw>
+                </a:effectLst>
+                <a:latin typeface="PT Serif"/>
+                <a:cs typeface="PT Serif"/>
+              </a:rPr>
+              <a:t>e</a:t>
+            </a:r>
+            <a:r>
+              <a:rPr lang="en-US" sz="5400" kern="0" dirty="0">
+                <a:solidFill>
+                  <a:srgbClr val="0000F1"/>
+                </a:solidFill>
+                <a:latin typeface="Comic Sans MS"/>
+              </a:rPr>
+              <a:t>) </a:t>
+            </a:r>
+            <a:r>
+              <a:rPr lang="en-US" sz="5400" b="1" kern="0" dirty="0">
+                <a:solidFill>
+                  <a:srgbClr val="0000F1"/>
+                </a:solidFill>
+                <a:latin typeface="Euclid Symbol" charset="2"/>
+                <a:cs typeface="Euclid Symbol" charset="2"/>
+              </a:rPr>
+              <a:t>&lt; </a:t>
+            </a:r>
+            <a:r>
+              <a:rPr lang="en-US" sz="5400" kern="0" dirty="0" err="1">
+                <a:solidFill>
+                  <a:srgbClr val="0000F1"/>
+                </a:solidFill>
+                <a:latin typeface="Comic Sans MS"/>
+              </a:rPr>
+              <a:t>wt</a:t>
+            </a:r>
+            <a:r>
+              <a:rPr lang="en-US" sz="5400" kern="0" dirty="0">
+                <a:solidFill>
+                  <a:srgbClr val="0000F1"/>
+                </a:solidFill>
+                <a:latin typeface="Comic Sans MS"/>
+              </a:rPr>
+              <a:t>(g)</a:t>
+            </a:r>
+          </a:p>
+          <a:p>
+            <a:pPr marL="342900" lvl="0" indent="-342900">
+              <a:spcBef>
+                <a:spcPct val="20000"/>
+              </a:spcBef>
+            </a:pPr>
+            <a:r>
+              <a:rPr lang="en-US" sz="4800" kern="0" dirty="0">
+                <a:solidFill>
+                  <a:srgbClr val="000000"/>
+                </a:solidFill>
+                <a:latin typeface="Comic Sans MS"/>
+              </a:rPr>
+              <a:t>   (</a:t>
+            </a:r>
+            <a:r>
+              <a:rPr lang="en-US" sz="4800" kern="0" dirty="0" smtClean="0">
+                <a:solidFill>
+                  <a:srgbClr val="000000"/>
+                </a:solidFill>
+                <a:latin typeface="Comic Sans MS"/>
+              </a:rPr>
+              <a:t>ii)</a:t>
+            </a:r>
+            <a:r>
+              <a:rPr lang="en-US" sz="5400" kern="0" dirty="0" smtClean="0">
+                <a:solidFill>
+                  <a:srgbClr val="000000"/>
+                </a:solidFill>
+                <a:latin typeface="Comic Sans MS"/>
+              </a:rPr>
+              <a:t>                 </a:t>
+            </a:r>
+            <a:r>
+              <a:rPr lang="en-US" sz="4800" kern="0" dirty="0">
+                <a:solidFill>
+                  <a:srgbClr val="000000"/>
+                </a:solidFill>
+                <a:latin typeface="Comic Sans MS"/>
+              </a:rPr>
+              <a:t>is a </a:t>
+            </a:r>
+            <a:r>
+              <a:rPr lang="en-US" sz="4800" kern="0" dirty="0" err="1">
+                <a:solidFill>
+                  <a:srgbClr val="008000"/>
+                </a:solidFill>
+                <a:latin typeface="Comic Sans MS"/>
+              </a:rPr>
+              <a:t>css</a:t>
+            </a:r>
+            <a:endParaRPr lang="en-US" sz="4800" kern="0" dirty="0">
+              <a:solidFill>
+                <a:srgbClr val="008000"/>
+              </a:solidFill>
+              <a:latin typeface="Comic Sans MS"/>
+            </a:endParaRPr>
+          </a:p>
+          <a:p>
+            <a:endParaRPr lang="en-US" dirty="0"/>
+          </a:p>
+        </p:txBody>
+      </p:sp>
+      <p:sp>
+        <p:nvSpPr>
+          <p:cNvPr id="2" name="Title 1"/>
+          <p:cNvSpPr>
+            <a:spLocks noGrp="1"/>
+          </p:cNvSpPr>
+          <p:nvPr>
+            <p:ph type="title"/>
+          </p:nvPr>
+        </p:nvSpPr>
+        <p:spPr/>
+        <p:txBody>
+          <a:bodyPr/>
+          <a:lstStyle/>
+          <a:p>
+            <a:r>
+              <a:rPr lang="en-US" dirty="0" smtClean="0"/>
+              <a:t>Gray Edge </a:t>
+            </a:r>
+            <a:r>
+              <a:rPr lang="en-US" dirty="0">
+                <a:solidFill>
+                  <a:srgbClr val="FF00FF"/>
+                </a:solidFill>
+              </a:rPr>
+              <a:t>Swap </a:t>
+            </a:r>
+            <a:r>
+              <a:rPr lang="en-US" dirty="0">
+                <a:solidFill>
+                  <a:srgbClr val="000000"/>
+                </a:solidFill>
+              </a:rPr>
+              <a:t>Lemma</a:t>
+            </a:r>
+          </a:p>
+        </p:txBody>
+      </p:sp>
+      <p:sp>
+        <p:nvSpPr>
+          <p:cNvPr id="3" name="Content Placeholder 2"/>
+          <p:cNvSpPr>
+            <a:spLocks noGrp="1"/>
+          </p:cNvSpPr>
+          <p:nvPr>
+            <p:ph idx="1"/>
+          </p:nvPr>
+        </p:nvSpPr>
+        <p:spPr>
+          <a:xfrm>
+            <a:off x="152400" y="1295400"/>
+            <a:ext cx="8382000" cy="1981200"/>
+          </a:xfrm>
+        </p:spPr>
+        <p:txBody>
+          <a:bodyPr/>
+          <a:lstStyle/>
+          <a:p>
+            <a:r>
+              <a:rPr lang="en-US" sz="5400" dirty="0" smtClean="0"/>
+              <a:t>Suppose </a:t>
+            </a:r>
+            <a:r>
+              <a:rPr lang="en-US" sz="5400" b="1" i="1" dirty="0" smtClean="0">
+                <a:ln w="12700">
+                  <a:solidFill>
+                    <a:schemeClr val="tx2">
+                      <a:satMod val="155000"/>
+                    </a:schemeClr>
+                  </a:solidFill>
+                  <a:prstDash val="solid"/>
+                </a:ln>
+                <a:solidFill>
+                  <a:schemeClr val="bg2">
+                    <a:tint val="85000"/>
+                    <a:satMod val="155000"/>
+                  </a:schemeClr>
+                </a:solidFill>
+                <a:effectLst>
+                  <a:outerShdw blurRad="41275" dist="20320" dir="1800000" algn="tl" rotWithShape="0">
+                    <a:srgbClr val="000000">
+                      <a:alpha val="40000"/>
+                    </a:srgbClr>
+                  </a:outerShdw>
+                </a:effectLst>
+                <a:latin typeface="PT Serif"/>
+                <a:cs typeface="PT Serif"/>
+              </a:rPr>
+              <a:t>e</a:t>
+            </a:r>
+            <a:r>
+              <a:rPr lang="en-US" sz="5400" dirty="0" smtClean="0"/>
+              <a:t> </a:t>
+            </a:r>
+            <a:r>
+              <a:rPr lang="en-US" sz="5400" dirty="0">
+                <a:solidFill>
+                  <a:srgbClr val="FF0000"/>
+                </a:solidFill>
+              </a:rPr>
+              <a:t>not</a:t>
+            </a:r>
+            <a:r>
+              <a:rPr lang="en-US" sz="5400" dirty="0"/>
+              <a:t> an </a:t>
+            </a:r>
+            <a:r>
+              <a:rPr lang="en-US" sz="5400" dirty="0" smtClean="0"/>
+              <a:t>edge of </a:t>
+            </a:r>
+          </a:p>
+          <a:p>
+            <a:r>
+              <a:rPr lang="en-US" sz="5400" dirty="0" err="1" smtClean="0">
+                <a:solidFill>
+                  <a:srgbClr val="008000"/>
+                </a:solidFill>
+              </a:rPr>
+              <a:t>css</a:t>
+            </a:r>
+            <a:r>
+              <a:rPr lang="en-US" sz="5400" dirty="0" smtClean="0"/>
+              <a:t> </a:t>
+            </a:r>
+            <a:r>
+              <a:rPr lang="en-US" sz="5400" dirty="0" smtClean="0">
+                <a:solidFill>
+                  <a:srgbClr val="0000E5"/>
+                </a:solidFill>
+              </a:rPr>
+              <a:t>C</a:t>
+            </a:r>
+            <a:r>
+              <a:rPr lang="en-US" sz="5400" dirty="0" smtClean="0"/>
+              <a:t>.   </a:t>
+            </a:r>
+            <a:endParaRPr lang="en-US" sz="4400" b="1" dirty="0">
+              <a:solidFill>
+                <a:srgbClr val="0000F1"/>
+              </a:solidFill>
+              <a:latin typeface="Euclid Symbol" charset="2"/>
+              <a:cs typeface="Euclid Symbol" charset="2"/>
+            </a:endParaRPr>
+          </a:p>
+        </p:txBody>
+      </p:sp>
+      <p:sp>
+        <p:nvSpPr>
+          <p:cNvPr id="4" name="Slide Number Placeholder 3"/>
+          <p:cNvSpPr>
+            <a:spLocks noGrp="1"/>
+          </p:cNvSpPr>
+          <p:nvPr>
+            <p:ph type="sldNum" sz="quarter" idx="4"/>
+          </p:nvPr>
+        </p:nvSpPr>
+        <p:spPr>
+          <a:xfrm>
+            <a:off x="8246152" y="6553200"/>
+            <a:ext cx="850225" cy="246221"/>
+          </a:xfrm>
+        </p:spPr>
+        <p:txBody>
+          <a:bodyPr/>
+          <a:lstStyle/>
+          <a:p>
+            <a:pPr>
+              <a:defRPr/>
+            </a:pPr>
+            <a:r>
+              <a:rPr lang="en-US" dirty="0" smtClean="0"/>
+              <a:t>min-gray.</a:t>
+            </a:r>
+            <a:fld id="{D7F2FC53-1536-41A9-A9C1-2199CF803E30}" type="slidenum">
+              <a:rPr lang="en-US" smtClean="0"/>
+              <a:pPr>
+                <a:defRPr/>
+              </a:pPr>
+              <a:t>16</a:t>
+            </a:fld>
+            <a:endParaRPr lang="en-US" dirty="0"/>
+          </a:p>
+        </p:txBody>
+      </p:sp>
+      <p:graphicFrame>
+        <p:nvGraphicFramePr>
+          <p:cNvPr id="5" name="Object 4"/>
+          <p:cNvGraphicFramePr>
+            <a:graphicFrameLocks noChangeAspect="1"/>
+          </p:cNvGraphicFramePr>
+          <p:nvPr>
+            <p:extLst>
+              <p:ext uri="{D42A27DB-BD31-4B8C-83A1-F6EECF244321}">
+                <p14:modId xmlns:p14="http://schemas.microsoft.com/office/powerpoint/2010/main" val="2367833073"/>
+              </p:ext>
+            </p:extLst>
+          </p:nvPr>
+        </p:nvGraphicFramePr>
+        <p:xfrm>
+          <a:off x="1752600" y="5267325"/>
+          <a:ext cx="3150525" cy="1133475"/>
+        </p:xfrm>
+        <a:graphic>
+          <a:graphicData uri="http://schemas.openxmlformats.org/presentationml/2006/ole">
+            <mc:AlternateContent xmlns:mc="http://schemas.openxmlformats.org/markup-compatibility/2006">
+              <mc:Choice xmlns:v="urn:schemas-microsoft-com:vml" Requires="v">
+                <p:oleObj spid="_x0000_s56323" name="Equation" r:id="rId3" imgW="635000" imgH="228600" progId="Equation.DSMT4">
+                  <p:embed/>
+                </p:oleObj>
+              </mc:Choice>
+              <mc:Fallback>
+                <p:oleObj name="Equation" r:id="rId3" imgW="635000" imgH="228600" progId="Equation.DSMT4">
+                  <p:embed/>
+                  <p:pic>
+                    <p:nvPicPr>
+                      <p:cNvPr id="0" name=""/>
+                      <p:cNvPicPr/>
+                      <p:nvPr/>
+                    </p:nvPicPr>
+                    <p:blipFill>
+                      <a:blip r:embed="rId4"/>
+                      <a:stretch>
+                        <a:fillRect/>
+                      </a:stretch>
+                    </p:blipFill>
+                    <p:spPr>
+                      <a:xfrm>
+                        <a:off x="1752600" y="5267325"/>
+                        <a:ext cx="3150525" cy="1133475"/>
+                      </a:xfrm>
+                      <a:prstGeom prst="rect">
+                        <a:avLst/>
+                      </a:prstGeom>
+                    </p:spPr>
+                  </p:pic>
+                </p:oleObj>
+              </mc:Fallback>
+            </mc:AlternateContent>
+          </a:graphicData>
+        </a:graphic>
+      </p:graphicFrame>
+    </p:spTree>
+    <p:extLst>
+      <p:ext uri="{BB962C8B-B14F-4D97-AF65-F5344CB8AC3E}">
+        <p14:creationId xmlns:p14="http://schemas.microsoft.com/office/powerpoint/2010/main" val="3252135483"/>
+      </p:ext>
+    </p:extLst>
+  </p:cSld>
+  <p:clrMapOvr>
+    <a:masterClrMapping/>
+  </p:clrMapOvr>
+  <mc:AlternateContent xmlns:mc="http://schemas.openxmlformats.org/markup-compatibility/2006">
+    <mc:Choice xmlns:p14="http://schemas.microsoft.com/office/powerpoint/2010/main" Requires="p14">
+      <p:transition spd="slow" p14:dur="1100" advClick="0">
+        <p:fade thruBlk="1"/>
+      </p:transition>
+    </mc:Choice>
+    <mc:Fallback>
+      <p:transition xmlns:p14="http://schemas.microsoft.com/office/powerpoint/2010/main" spd="slow" advClick="0">
+        <p:fade thruBlk="1"/>
+      </p:transition>
+    </mc:Fallback>
+  </mc:AlternateContent>
+  <p:timing>
+    <p:tnLst>
+      <p:par>
         <p:cTn xmlns:p14="http://schemas.microsoft.com/office/powerpoint/2010/main" id="1" dur="indefinite" restart="never" nodeType="tmRoot"/>
       </p:par>
     </p:tnLst>
@@ -6026,7 +6788,7 @@
 </p:sld>
 </file>
 
-<file path=ppt/slides/slide16.xml><?xml version="1.0" encoding="utf-8"?>
+<file path=ppt/slides/slide17.xml><?xml version="1.0" encoding="utf-8"?>
 <p:sld xmlns:a="http://schemas.openxmlformats.org/drawingml/2006/main" xmlns:r="http://schemas.openxmlformats.org/officeDocument/2006/relationships" xmlns:p="http://schemas.openxmlformats.org/presentationml/2006/main">
   <p:cSld>
     <p:spTree>
@@ -6131,7 +6893,7 @@
               <a:pPr>
                 <a:defRPr/>
               </a:pPr>
-              <a:t>16</a:t>
+              <a:t>17</a:t>
             </a:fld>
             <a:endParaRPr lang="en-US" dirty="0"/>
           </a:p>
@@ -6199,7 +6961,7 @@
           <a:graphicData uri="http://schemas.openxmlformats.org/presentationml/2006/ole">
             <mc:AlternateContent xmlns:mc="http://schemas.openxmlformats.org/markup-compatibility/2006">
               <mc:Choice xmlns:v="urn:schemas-microsoft-com:vml" Requires="v">
-                <p:oleObj spid="_x0000_s41023" name="Equation" r:id="rId3" imgW="1117600" imgH="152400" progId="Equation.DSMT4">
+                <p:oleObj spid="_x0000_s41032" name="Equation" r:id="rId3" imgW="1117600" imgH="152400" progId="Equation.DSMT4">
                   <p:embed/>
                 </p:oleObj>
               </mc:Choice>
@@ -6256,7 +7018,7 @@
           <a:graphicData uri="http://schemas.openxmlformats.org/presentationml/2006/ole">
             <mc:AlternateContent xmlns:mc="http://schemas.openxmlformats.org/markup-compatibility/2006">
               <mc:Choice xmlns:v="urn:schemas-microsoft-com:vml" Requires="v">
-                <p:oleObj spid="_x0000_s41024" name="Equation" r:id="rId5" imgW="889000" imgH="228600" progId="Equation.DSMT4">
+                <p:oleObj spid="_x0000_s41033" name="Equation" r:id="rId5" imgW="889000" imgH="228600" progId="Equation.DSMT4">
                   <p:embed/>
                 </p:oleObj>
               </mc:Choice>
@@ -6301,15 +7063,15 @@
   <p:clrMapOvr>
     <a:masterClrMapping/>
   </p:clrMapOvr>
-  <mc:AlternateContent xmlns:mc="http://schemas.openxmlformats.org/markup-compatibility/2006" xmlns:p14="http://schemas.microsoft.com/office/powerpoint/2010/main">
-    <mc:Choice Requires="p14">
-      <p:transition spd="slow" p14:dur="1100" advClick="0">
-        <p:fade thruBlk="1"/>
+  <mc:AlternateContent xmlns:mc="http://schemas.openxmlformats.org/markup-compatibility/2006">
+    <mc:Choice xmlns:p14="http://schemas.microsoft.com/office/powerpoint/2010/main" Requires="p14">
+      <p:transition spd="med" p14:dur="700" advClick="0">
+        <p:fade/>
       </p:transition>
     </mc:Choice>
-    <mc:Fallback xmlns="">
-      <p:transition xmlns:p14="http://schemas.microsoft.com/office/powerpoint/2010/main" spd="slow" advClick="0">
-        <p:fade thruBlk="1"/>
+    <mc:Fallback>
+      <p:transition xmlns:p14="http://schemas.microsoft.com/office/powerpoint/2010/main" spd="med" advClick="0">
+        <p:fade/>
       </p:transition>
     </mc:Fallback>
   </mc:AlternateContent>
@@ -6499,2428 +7261,6 @@
         </p:cTn>
       </p:par>
     </p:tnLst>
-  </p:timing>
-</p:sld>
-</file>
-
-<file path=ppt/slides/slide17.xml><?xml version="1.0" encoding="utf-8"?>
-<p:sld xmlns:a="http://schemas.openxmlformats.org/drawingml/2006/main" xmlns:r="http://schemas.openxmlformats.org/officeDocument/2006/relationships" xmlns:p="http://schemas.openxmlformats.org/presentationml/2006/main">
-  <p:cSld>
-    <p:spTree>
-      <p:nvGrpSpPr>
-        <p:cNvPr id="1" name=""/>
-        <p:cNvGrpSpPr/>
-        <p:nvPr/>
-      </p:nvGrpSpPr>
-      <p:grpSpPr>
-        <a:xfrm>
-          <a:off x="0" y="0"/>
-          <a:ext cx="0" cy="0"/>
-          <a:chOff x="0" y="0"/>
-          <a:chExt cx="0" cy="0"/>
-        </a:xfrm>
-      </p:grpSpPr>
-      <p:sp>
-        <p:nvSpPr>
-          <p:cNvPr id="5" name="Oval 4"/>
-          <p:cNvSpPr/>
-          <p:nvPr/>
-        </p:nvSpPr>
-        <p:spPr bwMode="auto">
-          <a:xfrm>
-            <a:off x="6705600" y="5334000"/>
-            <a:ext cx="152400" cy="152400"/>
-          </a:xfrm>
-          <a:prstGeom prst="ellipse">
-            <a:avLst/>
-          </a:prstGeom>
-          <a:solidFill>
-            <a:schemeClr val="tx1"/>
-          </a:solidFill>
-          <a:ln w="31750" cap="flat" cmpd="sng" algn="ctr">
-            <a:solidFill>
-              <a:schemeClr val="tx1"/>
-            </a:solidFill>
-            <a:prstDash val="solid"/>
-            <a:round/>
-            <a:headEnd type="none" w="med" len="med"/>
-            <a:tailEnd type="triangle" w="lg" len="lg"/>
-          </a:ln>
-          <a:effectLst/>
-        </p:spPr>
-        <p:txBody>
-          <a:bodyPr vert="horz" wrap="square" lIns="91440" tIns="45720" rIns="91440" bIns="45720" numCol="1" rtlCol="0" anchor="t" anchorCtr="0" compatLnSpc="1">
-            <a:prstTxWarp prst="textNoShape">
-              <a:avLst/>
-            </a:prstTxWarp>
-          </a:bodyPr>
-          <a:lstStyle/>
-          <a:p>
-            <a:pPr marL="0" marR="0" indent="0" algn="l" defTabSz="914400" rtl="0" eaLnBrk="1" fontAlgn="base" latinLnBrk="0" hangingPunct="1">
-              <a:lnSpc>
-                <a:spcPct val="100000"/>
-              </a:lnSpc>
-              <a:spcBef>
-                <a:spcPct val="0"/>
-              </a:spcBef>
-              <a:spcAft>
-                <a:spcPct val="0"/>
-              </a:spcAft>
-              <a:buClrTx/>
-              <a:buSzTx/>
-              <a:buFontTx/>
-              <a:buNone/>
-              <a:tabLst/>
-            </a:pPr>
-            <a:endParaRPr kumimoji="0" lang="en-US" sz="3200" b="0" i="0" u="none" strike="noStrike" cap="none" normalizeH="0" baseline="0" smtClean="0">
-              <a:ln>
-                <a:noFill/>
-              </a:ln>
-              <a:solidFill>
-                <a:schemeClr val="tx1"/>
-              </a:solidFill>
-              <a:effectLst/>
-              <a:latin typeface="Comic Sans MS" pitchFamily="66" charset="0"/>
-            </a:endParaRPr>
-          </a:p>
-        </p:txBody>
-      </p:sp>
-      <p:sp>
-        <p:nvSpPr>
-          <p:cNvPr id="6" name="Oval 5"/>
-          <p:cNvSpPr/>
-          <p:nvPr/>
-        </p:nvSpPr>
-        <p:spPr bwMode="auto">
-          <a:xfrm>
-            <a:off x="6727918" y="6096000"/>
-            <a:ext cx="152400" cy="152400"/>
-          </a:xfrm>
-          <a:prstGeom prst="ellipse">
-            <a:avLst/>
-          </a:prstGeom>
-          <a:solidFill>
-            <a:schemeClr val="tx1"/>
-          </a:solidFill>
-          <a:ln w="31750" cap="flat" cmpd="sng" algn="ctr">
-            <a:solidFill>
-              <a:schemeClr val="tx1"/>
-            </a:solidFill>
-            <a:prstDash val="solid"/>
-            <a:round/>
-            <a:headEnd type="none" w="med" len="med"/>
-            <a:tailEnd type="triangle" w="lg" len="lg"/>
-          </a:ln>
-          <a:effectLst/>
-        </p:spPr>
-        <p:txBody>
-          <a:bodyPr vert="horz" wrap="square" lIns="91440" tIns="45720" rIns="91440" bIns="45720" numCol="1" rtlCol="0" anchor="t" anchorCtr="0" compatLnSpc="1">
-            <a:prstTxWarp prst="textNoShape">
-              <a:avLst/>
-            </a:prstTxWarp>
-          </a:bodyPr>
-          <a:lstStyle/>
-          <a:p>
-            <a:pPr marL="0" marR="0" indent="0" algn="l" defTabSz="914400" rtl="0" eaLnBrk="1" fontAlgn="base" latinLnBrk="0" hangingPunct="1">
-              <a:lnSpc>
-                <a:spcPct val="100000"/>
-              </a:lnSpc>
-              <a:spcBef>
-                <a:spcPct val="0"/>
-              </a:spcBef>
-              <a:spcAft>
-                <a:spcPct val="0"/>
-              </a:spcAft>
-              <a:buClrTx/>
-              <a:buSzTx/>
-              <a:buFontTx/>
-              <a:buNone/>
-              <a:tabLst/>
-            </a:pPr>
-            <a:endParaRPr kumimoji="0" lang="en-US" sz="3200" b="0" i="0" u="none" strike="noStrike" cap="none" normalizeH="0" baseline="0" smtClean="0">
-              <a:ln>
-                <a:noFill/>
-              </a:ln>
-              <a:solidFill>
-                <a:schemeClr val="tx1"/>
-              </a:solidFill>
-              <a:effectLst/>
-              <a:latin typeface="Comic Sans MS" pitchFamily="66" charset="0"/>
-            </a:endParaRPr>
-          </a:p>
-        </p:txBody>
-      </p:sp>
-      <p:sp>
-        <p:nvSpPr>
-          <p:cNvPr id="7" name="Oval 6"/>
-          <p:cNvSpPr/>
-          <p:nvPr/>
-        </p:nvSpPr>
-        <p:spPr bwMode="auto">
-          <a:xfrm>
-            <a:off x="5280118" y="6019800"/>
-            <a:ext cx="152400" cy="152400"/>
-          </a:xfrm>
-          <a:prstGeom prst="ellipse">
-            <a:avLst/>
-          </a:prstGeom>
-          <a:solidFill>
-            <a:schemeClr val="tx1"/>
-          </a:solidFill>
-          <a:ln w="31750" cap="flat" cmpd="sng" algn="ctr">
-            <a:solidFill>
-              <a:schemeClr val="tx1"/>
-            </a:solidFill>
-            <a:prstDash val="solid"/>
-            <a:round/>
-            <a:headEnd type="none" w="med" len="med"/>
-            <a:tailEnd type="triangle" w="lg" len="lg"/>
-          </a:ln>
-          <a:effectLst/>
-        </p:spPr>
-        <p:txBody>
-          <a:bodyPr vert="horz" wrap="square" lIns="91440" tIns="45720" rIns="91440" bIns="45720" numCol="1" rtlCol="0" anchor="t" anchorCtr="0" compatLnSpc="1">
-            <a:prstTxWarp prst="textNoShape">
-              <a:avLst/>
-            </a:prstTxWarp>
-          </a:bodyPr>
-          <a:lstStyle/>
-          <a:p>
-            <a:pPr marL="0" marR="0" indent="0" algn="l" defTabSz="914400" rtl="0" eaLnBrk="1" fontAlgn="base" latinLnBrk="0" hangingPunct="1">
-              <a:lnSpc>
-                <a:spcPct val="100000"/>
-              </a:lnSpc>
-              <a:spcBef>
-                <a:spcPct val="0"/>
-              </a:spcBef>
-              <a:spcAft>
-                <a:spcPct val="0"/>
-              </a:spcAft>
-              <a:buClrTx/>
-              <a:buSzTx/>
-              <a:buFontTx/>
-              <a:buNone/>
-              <a:tabLst/>
-            </a:pPr>
-            <a:endParaRPr kumimoji="0" lang="en-US" sz="3200" b="0" i="0" u="none" strike="noStrike" cap="none" normalizeH="0" baseline="0" smtClean="0">
-              <a:ln>
-                <a:noFill/>
-              </a:ln>
-              <a:solidFill>
-                <a:schemeClr val="tx1"/>
-              </a:solidFill>
-              <a:effectLst/>
-              <a:latin typeface="Comic Sans MS" pitchFamily="66" charset="0"/>
-            </a:endParaRPr>
-          </a:p>
-        </p:txBody>
-      </p:sp>
-      <p:cxnSp>
-        <p:nvCxnSpPr>
-          <p:cNvPr id="39" name="Straight Connector 38"/>
-          <p:cNvCxnSpPr>
-            <a:stCxn id="5" idx="4"/>
-            <a:endCxn id="6" idx="0"/>
-          </p:cNvCxnSpPr>
-          <p:nvPr/>
-        </p:nvCxnSpPr>
-        <p:spPr bwMode="auto">
-          <a:xfrm>
-            <a:off x="6781800" y="5486400"/>
-            <a:ext cx="22318" cy="609600"/>
-          </a:xfrm>
-          <a:prstGeom prst="line">
-            <a:avLst/>
-          </a:prstGeom>
-          <a:noFill/>
-          <a:ln w="38100" cap="flat" cmpd="sng" algn="ctr">
-            <a:solidFill>
-              <a:srgbClr val="FF00FF"/>
-            </a:solidFill>
-            <a:prstDash val="solid"/>
-            <a:round/>
-            <a:headEnd type="none" w="med" len="med"/>
-            <a:tailEnd type="none" w="lg" len="lg"/>
-          </a:ln>
-          <a:effectLst/>
-        </p:spPr>
-      </p:cxnSp>
-      <p:cxnSp>
-        <p:nvCxnSpPr>
-          <p:cNvPr id="40" name="Straight Connector 39"/>
-          <p:cNvCxnSpPr>
-            <a:stCxn id="5" idx="3"/>
-            <a:endCxn id="7" idx="7"/>
-          </p:cNvCxnSpPr>
-          <p:nvPr/>
-        </p:nvCxnSpPr>
-        <p:spPr bwMode="auto">
-          <a:xfrm flipH="1">
-            <a:off x="5410200" y="5464082"/>
-            <a:ext cx="1317718" cy="578036"/>
-          </a:xfrm>
-          <a:prstGeom prst="line">
-            <a:avLst/>
-          </a:prstGeom>
-          <a:noFill/>
-          <a:ln w="38100" cap="flat" cmpd="sng" algn="ctr">
-            <a:solidFill>
-              <a:srgbClr val="FF00FF"/>
-            </a:solidFill>
-            <a:prstDash val="solid"/>
-            <a:round/>
-            <a:headEnd type="none" w="med" len="med"/>
-            <a:tailEnd type="none" w="lg" len="lg"/>
-          </a:ln>
-          <a:effectLst/>
-        </p:spPr>
-      </p:cxnSp>
-      <p:cxnSp>
-        <p:nvCxnSpPr>
-          <p:cNvPr id="35" name="Straight Connector 34"/>
-          <p:cNvCxnSpPr>
-            <a:stCxn id="9" idx="4"/>
-            <a:endCxn id="8" idx="0"/>
-          </p:cNvCxnSpPr>
-          <p:nvPr/>
-        </p:nvCxnSpPr>
-        <p:spPr bwMode="auto">
-          <a:xfrm>
-            <a:off x="6140636" y="1828800"/>
-            <a:ext cx="412564" cy="914400"/>
-          </a:xfrm>
-          <a:prstGeom prst="line">
-            <a:avLst/>
-          </a:prstGeom>
-          <a:noFill/>
-          <a:ln w="38100" cap="flat" cmpd="sng" algn="ctr">
-            <a:solidFill>
-              <a:srgbClr val="FF00FF"/>
-            </a:solidFill>
-            <a:prstDash val="solid"/>
-            <a:round/>
-            <a:headEnd type="none" w="med" len="med"/>
-            <a:tailEnd type="none" w="lg" len="lg"/>
-          </a:ln>
-          <a:effectLst/>
-        </p:spPr>
-      </p:cxnSp>
-      <p:sp>
-        <p:nvSpPr>
-          <p:cNvPr id="9" name="Oval 8"/>
-          <p:cNvSpPr/>
-          <p:nvPr/>
-        </p:nvSpPr>
-        <p:spPr bwMode="auto">
-          <a:xfrm>
-            <a:off x="6064436" y="1676400"/>
-            <a:ext cx="152400" cy="152400"/>
-          </a:xfrm>
-          <a:prstGeom prst="ellipse">
-            <a:avLst/>
-          </a:prstGeom>
-          <a:solidFill>
-            <a:schemeClr val="bg1"/>
-          </a:solidFill>
-          <a:ln w="3175" cap="flat" cmpd="sng" algn="ctr">
-            <a:solidFill>
-              <a:schemeClr val="tx1"/>
-            </a:solidFill>
-            <a:prstDash val="solid"/>
-            <a:round/>
-            <a:headEnd type="none" w="med" len="med"/>
-            <a:tailEnd type="triangle" w="lg" len="lg"/>
-          </a:ln>
-          <a:effectLst/>
-        </p:spPr>
-        <p:txBody>
-          <a:bodyPr vert="horz" wrap="square" lIns="91440" tIns="45720" rIns="91440" bIns="45720" numCol="1" rtlCol="0" anchor="t" anchorCtr="0" compatLnSpc="1">
-            <a:prstTxWarp prst="textNoShape">
-              <a:avLst/>
-            </a:prstTxWarp>
-          </a:bodyPr>
-          <a:lstStyle/>
-          <a:p>
-            <a:pPr marL="0" marR="0" indent="0" algn="l" defTabSz="914400" rtl="0" eaLnBrk="1" fontAlgn="base" latinLnBrk="0" hangingPunct="1">
-              <a:lnSpc>
-                <a:spcPct val="100000"/>
-              </a:lnSpc>
-              <a:spcBef>
-                <a:spcPct val="0"/>
-              </a:spcBef>
-              <a:spcAft>
-                <a:spcPct val="0"/>
-              </a:spcAft>
-              <a:buClrTx/>
-              <a:buSzTx/>
-              <a:buFontTx/>
-              <a:buNone/>
-              <a:tabLst/>
-            </a:pPr>
-            <a:endParaRPr kumimoji="0" lang="en-US" sz="3200" b="0" i="0" u="none" strike="noStrike" cap="none" normalizeH="0" baseline="0" smtClean="0">
-              <a:ln>
-                <a:noFill/>
-              </a:ln>
-              <a:solidFill>
-                <a:schemeClr val="tx1"/>
-              </a:solidFill>
-              <a:effectLst/>
-              <a:latin typeface="Comic Sans MS" pitchFamily="66" charset="0"/>
-            </a:endParaRPr>
-          </a:p>
-        </p:txBody>
-      </p:sp>
-      <p:cxnSp>
-        <p:nvCxnSpPr>
-          <p:cNvPr id="78" name="Straight Connector 77"/>
-          <p:cNvCxnSpPr>
-            <a:stCxn id="85" idx="3"/>
-            <a:endCxn id="8" idx="7"/>
-          </p:cNvCxnSpPr>
-          <p:nvPr/>
-        </p:nvCxnSpPr>
-        <p:spPr bwMode="auto">
-          <a:xfrm flipH="1">
-            <a:off x="6607082" y="1577882"/>
-            <a:ext cx="1187636" cy="1187636"/>
-          </a:xfrm>
-          <a:prstGeom prst="line">
-            <a:avLst/>
-          </a:prstGeom>
-          <a:noFill/>
-          <a:ln w="38100" cap="flat" cmpd="sng" algn="ctr">
-            <a:solidFill>
-              <a:srgbClr val="FF00FF"/>
-            </a:solidFill>
-            <a:prstDash val="solid"/>
-            <a:round/>
-            <a:headEnd type="none" w="med" len="med"/>
-            <a:tailEnd type="none" w="lg" len="lg"/>
-          </a:ln>
-          <a:effectLst/>
-        </p:spPr>
-      </p:cxnSp>
-      <p:sp>
-        <p:nvSpPr>
-          <p:cNvPr id="85" name="Oval 84"/>
-          <p:cNvSpPr/>
-          <p:nvPr/>
-        </p:nvSpPr>
-        <p:spPr bwMode="auto">
-          <a:xfrm>
-            <a:off x="7772400" y="1447800"/>
-            <a:ext cx="152400" cy="152400"/>
-          </a:xfrm>
-          <a:prstGeom prst="ellipse">
-            <a:avLst/>
-          </a:prstGeom>
-          <a:solidFill>
-            <a:schemeClr val="bg1"/>
-          </a:solidFill>
-          <a:ln w="3175" cap="flat" cmpd="sng" algn="ctr">
-            <a:solidFill>
-              <a:schemeClr val="tx1"/>
-            </a:solidFill>
-            <a:prstDash val="solid"/>
-            <a:round/>
-            <a:headEnd type="none" w="med" len="med"/>
-            <a:tailEnd type="triangle" w="lg" len="lg"/>
-          </a:ln>
-          <a:effectLst/>
-        </p:spPr>
-        <p:txBody>
-          <a:bodyPr vert="horz" wrap="square" lIns="91440" tIns="45720" rIns="91440" bIns="45720" numCol="1" rtlCol="0" anchor="t" anchorCtr="0" compatLnSpc="1">
-            <a:prstTxWarp prst="textNoShape">
-              <a:avLst/>
-            </a:prstTxWarp>
-          </a:bodyPr>
-          <a:lstStyle/>
-          <a:p>
-            <a:pPr marL="0" marR="0" indent="0" algn="l" defTabSz="914400" rtl="0" eaLnBrk="1" fontAlgn="base" latinLnBrk="0" hangingPunct="1">
-              <a:lnSpc>
-                <a:spcPct val="100000"/>
-              </a:lnSpc>
-              <a:spcBef>
-                <a:spcPct val="0"/>
-              </a:spcBef>
-              <a:spcAft>
-                <a:spcPct val="0"/>
-              </a:spcAft>
-              <a:buClrTx/>
-              <a:buSzTx/>
-              <a:buFontTx/>
-              <a:buNone/>
-              <a:tabLst/>
-            </a:pPr>
-            <a:endParaRPr kumimoji="0" lang="en-US" sz="3200" b="0" i="0" u="none" strike="noStrike" cap="none" normalizeH="0" baseline="0" smtClean="0">
-              <a:ln>
-                <a:noFill/>
-              </a:ln>
-              <a:solidFill>
-                <a:schemeClr val="tx1"/>
-              </a:solidFill>
-              <a:effectLst/>
-              <a:latin typeface="Comic Sans MS" pitchFamily="66" charset="0"/>
-            </a:endParaRPr>
-          </a:p>
-        </p:txBody>
-      </p:sp>
-      <p:sp>
-        <p:nvSpPr>
-          <p:cNvPr id="8" name="Oval 7"/>
-          <p:cNvSpPr/>
-          <p:nvPr/>
-        </p:nvSpPr>
-        <p:spPr bwMode="auto">
-          <a:xfrm>
-            <a:off x="6477000" y="2743200"/>
-            <a:ext cx="152400" cy="152400"/>
-          </a:xfrm>
-          <a:prstGeom prst="ellipse">
-            <a:avLst/>
-          </a:prstGeom>
-          <a:solidFill>
-            <a:schemeClr val="bg1"/>
-          </a:solidFill>
-          <a:ln w="3175" cap="flat" cmpd="sng" algn="ctr">
-            <a:solidFill>
-              <a:schemeClr val="tx1"/>
-            </a:solidFill>
-            <a:prstDash val="solid"/>
-            <a:round/>
-            <a:headEnd type="none" w="med" len="med"/>
-            <a:tailEnd type="triangle" w="lg" len="lg"/>
-          </a:ln>
-          <a:effectLst/>
-        </p:spPr>
-        <p:txBody>
-          <a:bodyPr vert="horz" wrap="square" lIns="91440" tIns="45720" rIns="91440" bIns="45720" numCol="1" rtlCol="0" anchor="t" anchorCtr="0" compatLnSpc="1">
-            <a:prstTxWarp prst="textNoShape">
-              <a:avLst/>
-            </a:prstTxWarp>
-          </a:bodyPr>
-          <a:lstStyle/>
-          <a:p>
-            <a:pPr marL="0" marR="0" indent="0" algn="l" defTabSz="914400" rtl="0" eaLnBrk="1" fontAlgn="base" latinLnBrk="0" hangingPunct="1">
-              <a:lnSpc>
-                <a:spcPct val="100000"/>
-              </a:lnSpc>
-              <a:spcBef>
-                <a:spcPct val="0"/>
-              </a:spcBef>
-              <a:spcAft>
-                <a:spcPct val="0"/>
-              </a:spcAft>
-              <a:buClrTx/>
-              <a:buSzTx/>
-              <a:buFontTx/>
-              <a:buNone/>
-              <a:tabLst/>
-            </a:pPr>
-            <a:endParaRPr kumimoji="0" lang="en-US" sz="3200" b="0" i="0" u="none" strike="noStrike" cap="none" normalizeH="0" baseline="0" smtClean="0">
-              <a:ln>
-                <a:noFill/>
-              </a:ln>
-              <a:solidFill>
-                <a:schemeClr val="tx1"/>
-              </a:solidFill>
-              <a:effectLst/>
-              <a:latin typeface="Comic Sans MS" pitchFamily="66" charset="0"/>
-            </a:endParaRPr>
-          </a:p>
-        </p:txBody>
-      </p:sp>
-      <p:sp>
-        <p:nvSpPr>
-          <p:cNvPr id="4" name="Slide Number Placeholder 3"/>
-          <p:cNvSpPr>
-            <a:spLocks noGrp="1"/>
-          </p:cNvSpPr>
-          <p:nvPr>
-            <p:ph type="sldNum" sz="quarter" idx="4"/>
-          </p:nvPr>
-        </p:nvSpPr>
-        <p:spPr>
-          <a:xfrm>
-            <a:off x="8225613" y="6553200"/>
-            <a:ext cx="870764" cy="246221"/>
-          </a:xfrm>
-        </p:spPr>
-        <p:txBody>
-          <a:bodyPr/>
-          <a:lstStyle/>
-          <a:p>
-            <a:pPr>
-              <a:defRPr/>
-            </a:pPr>
-            <a:r>
-              <a:rPr lang="en-US" dirty="0" smtClean="0"/>
-              <a:t>min-gray.</a:t>
-            </a:r>
-            <a:fld id="{D7F2FC53-1536-41A9-A9C1-2199CF803E30}" type="slidenum">
-              <a:rPr lang="en-US" smtClean="0"/>
-              <a:pPr>
-                <a:defRPr/>
-              </a:pPr>
-              <a:t>17</a:t>
-            </a:fld>
-            <a:endParaRPr lang="en-US" dirty="0"/>
-          </a:p>
-        </p:txBody>
-      </p:sp>
-      <p:sp>
-        <p:nvSpPr>
-          <p:cNvPr id="51" name="TextBox 50"/>
-          <p:cNvSpPr txBox="1"/>
-          <p:nvPr/>
-        </p:nvSpPr>
-        <p:spPr>
-          <a:xfrm>
-            <a:off x="6781800" y="3429000"/>
-            <a:ext cx="762000" cy="1015663"/>
-          </a:xfrm>
-          <a:prstGeom prst="rect">
-            <a:avLst/>
-          </a:prstGeom>
-          <a:noFill/>
-        </p:spPr>
-        <p:txBody>
-          <a:bodyPr wrap="square" rtlCol="0">
-            <a:spAutoFit/>
-          </a:bodyPr>
-          <a:lstStyle/>
-          <a:p>
-            <a:r>
-              <a:rPr lang="en-US" sz="6000" b="1" i="1" dirty="0">
-                <a:ln w="12700">
-                  <a:solidFill>
-                    <a:schemeClr val="tx2">
-                      <a:satMod val="155000"/>
-                    </a:schemeClr>
-                  </a:solidFill>
-                  <a:prstDash val="solid"/>
-                </a:ln>
-                <a:solidFill>
-                  <a:schemeClr val="bg2">
-                    <a:tint val="85000"/>
-                    <a:satMod val="155000"/>
-                  </a:schemeClr>
-                </a:solidFill>
-                <a:effectLst>
-                  <a:outerShdw blurRad="41275" dist="20320" dir="1800000" algn="tl" rotWithShape="0">
-                    <a:srgbClr val="000000">
-                      <a:alpha val="40000"/>
-                    </a:srgbClr>
-                  </a:outerShdw>
-                </a:effectLst>
-                <a:latin typeface="PT Serif"/>
-                <a:cs typeface="PT Serif"/>
-              </a:rPr>
-              <a:t>e</a:t>
-            </a:r>
-            <a:endParaRPr lang="en-US" sz="6000" dirty="0">
-              <a:solidFill>
-                <a:schemeClr val="accent1">
-                  <a:lumMod val="50000"/>
-                </a:schemeClr>
-              </a:solidFill>
-            </a:endParaRPr>
-          </a:p>
-        </p:txBody>
-      </p:sp>
-      <p:sp>
-        <p:nvSpPr>
-          <p:cNvPr id="128" name="Freeform 127"/>
-          <p:cNvSpPr/>
-          <p:nvPr/>
-        </p:nvSpPr>
-        <p:spPr>
-          <a:xfrm>
-            <a:off x="5537200" y="2354385"/>
-            <a:ext cx="635000" cy="644769"/>
-          </a:xfrm>
-          <a:custGeom>
-            <a:avLst/>
-            <a:gdLst>
-              <a:gd name="connsiteX0" fmla="*/ 635000 w 635000"/>
-              <a:gd name="connsiteY0" fmla="*/ 644769 h 644769"/>
-              <a:gd name="connsiteX1" fmla="*/ 0 w 635000"/>
-              <a:gd name="connsiteY1" fmla="*/ 0 h 644769"/>
-              <a:gd name="connsiteX2" fmla="*/ 0 w 635000"/>
-              <a:gd name="connsiteY2" fmla="*/ 0 h 644769"/>
-            </a:gdLst>
-            <a:ahLst/>
-            <a:cxnLst>
-              <a:cxn ang="0">
-                <a:pos x="connsiteX0" y="connsiteY0"/>
-              </a:cxn>
-              <a:cxn ang="0">
-                <a:pos x="connsiteX1" y="connsiteY1"/>
-              </a:cxn>
-              <a:cxn ang="0">
-                <a:pos x="connsiteX2" y="connsiteY2"/>
-              </a:cxn>
-            </a:cxnLst>
-            <a:rect l="l" t="t" r="r" b="b"/>
-            <a:pathLst>
-              <a:path w="635000" h="644769">
-                <a:moveTo>
-                  <a:pt x="635000" y="644769"/>
-                </a:moveTo>
-                <a:lnTo>
-                  <a:pt x="0" y="0"/>
-                </a:lnTo>
-                <a:lnTo>
-                  <a:pt x="0" y="0"/>
-                </a:lnTo>
-              </a:path>
-            </a:pathLst>
-          </a:custGeom>
-        </p:spPr>
-        <p:txBody>
-          <a:bodyPr rtlCol="0" anchor="ctr"/>
-          <a:lstStyle/>
-          <a:p>
-            <a:pPr algn="ctr"/>
-            <a:endParaRPr lang="en-US"/>
-          </a:p>
-        </p:txBody>
-      </p:sp>
-      <p:cxnSp>
-        <p:nvCxnSpPr>
-          <p:cNvPr id="138" name="Straight Connector 137"/>
-          <p:cNvCxnSpPr>
-            <a:stCxn id="8" idx="4"/>
-            <a:endCxn id="5" idx="0"/>
-          </p:cNvCxnSpPr>
-          <p:nvPr/>
-        </p:nvCxnSpPr>
-        <p:spPr bwMode="auto">
-          <a:xfrm>
-            <a:off x="6553200" y="2895600"/>
-            <a:ext cx="228600" cy="2438400"/>
-          </a:xfrm>
-          <a:prstGeom prst="line">
-            <a:avLst/>
-          </a:prstGeom>
-          <a:noFill/>
-          <a:ln w="69850" cap="flat" cmpd="sng" algn="ctr">
-            <a:solidFill>
-              <a:schemeClr val="bg2"/>
-            </a:solidFill>
-            <a:prstDash val="solid"/>
-            <a:round/>
-            <a:headEnd type="none" w="med" len="med"/>
-            <a:tailEnd type="none" w="lg" len="lg"/>
-          </a:ln>
-          <a:effectLst/>
-        </p:spPr>
-      </p:cxnSp>
-      <p:sp>
-        <p:nvSpPr>
-          <p:cNvPr id="144" name="TextBox 143"/>
-          <p:cNvSpPr txBox="1"/>
-          <p:nvPr/>
-        </p:nvSpPr>
-        <p:spPr>
-          <a:xfrm>
-            <a:off x="3124200" y="2743200"/>
-            <a:ext cx="678341" cy="1200329"/>
-          </a:xfrm>
-          <a:prstGeom prst="rect">
-            <a:avLst/>
-          </a:prstGeom>
-          <a:noFill/>
-        </p:spPr>
-        <p:txBody>
-          <a:bodyPr wrap="none" rtlCol="0">
-            <a:spAutoFit/>
-          </a:bodyPr>
-          <a:lstStyle/>
-          <a:p>
-            <a:r>
-              <a:rPr lang="en-US" sz="7200" dirty="0" smtClean="0">
-                <a:solidFill>
-                  <a:srgbClr val="0000FF"/>
-                </a:solidFill>
-              </a:rPr>
-              <a:t>p</a:t>
-            </a:r>
-            <a:endParaRPr lang="en-US" sz="7200" dirty="0">
-              <a:solidFill>
-                <a:srgbClr val="0000FF"/>
-              </a:solidFill>
-            </a:endParaRPr>
-          </a:p>
-        </p:txBody>
-      </p:sp>
-      <p:cxnSp>
-        <p:nvCxnSpPr>
-          <p:cNvPr id="145" name="Straight Connector 144"/>
-          <p:cNvCxnSpPr>
-            <a:endCxn id="8" idx="6"/>
-          </p:cNvCxnSpPr>
-          <p:nvPr/>
-        </p:nvCxnSpPr>
-        <p:spPr bwMode="auto">
-          <a:xfrm flipH="1" flipV="1">
-            <a:off x="6629400" y="2819400"/>
-            <a:ext cx="1295400" cy="762000"/>
-          </a:xfrm>
-          <a:prstGeom prst="line">
-            <a:avLst/>
-          </a:prstGeom>
-          <a:noFill/>
-          <a:ln w="38100" cap="flat" cmpd="sng" algn="ctr">
-            <a:solidFill>
-              <a:schemeClr val="tx1"/>
-            </a:solidFill>
-            <a:prstDash val="solid"/>
-            <a:round/>
-            <a:headEnd type="none" w="med" len="med"/>
-            <a:tailEnd type="none" w="lg" len="lg"/>
-          </a:ln>
-          <a:effectLst/>
-        </p:spPr>
-      </p:cxnSp>
-      <p:sp>
-        <p:nvSpPr>
-          <p:cNvPr id="42" name="Oval 41"/>
-          <p:cNvSpPr/>
-          <p:nvPr/>
-        </p:nvSpPr>
-        <p:spPr bwMode="auto">
-          <a:xfrm>
-            <a:off x="7848600" y="3505200"/>
-            <a:ext cx="152400" cy="152400"/>
-          </a:xfrm>
-          <a:prstGeom prst="ellipse">
-            <a:avLst/>
-          </a:prstGeom>
-          <a:solidFill>
-            <a:schemeClr val="tx1"/>
-          </a:solidFill>
-          <a:ln w="31750" cap="flat" cmpd="sng" algn="ctr">
-            <a:solidFill>
-              <a:schemeClr val="tx1"/>
-            </a:solidFill>
-            <a:prstDash val="solid"/>
-            <a:round/>
-            <a:headEnd type="none" w="med" len="med"/>
-            <a:tailEnd type="triangle" w="lg" len="lg"/>
-          </a:ln>
-          <a:effectLst/>
-        </p:spPr>
-        <p:txBody>
-          <a:bodyPr vert="horz" wrap="square" lIns="91440" tIns="45720" rIns="91440" bIns="45720" numCol="1" rtlCol="0" anchor="t" anchorCtr="0" compatLnSpc="1">
-            <a:prstTxWarp prst="textNoShape">
-              <a:avLst/>
-            </a:prstTxWarp>
-          </a:bodyPr>
-          <a:lstStyle/>
-          <a:p>
-            <a:pPr marL="0" marR="0" indent="0" algn="l" defTabSz="914400" rtl="0" eaLnBrk="1" fontAlgn="base" latinLnBrk="0" hangingPunct="1">
-              <a:lnSpc>
-                <a:spcPct val="100000"/>
-              </a:lnSpc>
-              <a:spcBef>
-                <a:spcPct val="0"/>
-              </a:spcBef>
-              <a:spcAft>
-                <a:spcPct val="0"/>
-              </a:spcAft>
-              <a:buClrTx/>
-              <a:buSzTx/>
-              <a:buFontTx/>
-              <a:buNone/>
-              <a:tabLst/>
-            </a:pPr>
-            <a:endParaRPr kumimoji="0" lang="en-US" sz="3200" b="0" i="0" u="none" strike="noStrike" cap="none" normalizeH="0" baseline="0" smtClean="0">
-              <a:ln>
-                <a:noFill/>
-              </a:ln>
-              <a:solidFill>
-                <a:schemeClr val="tx1"/>
-              </a:solidFill>
-              <a:effectLst/>
-              <a:latin typeface="Comic Sans MS" pitchFamily="66" charset="0"/>
-            </a:endParaRPr>
-          </a:p>
-        </p:txBody>
-      </p:sp>
-      <p:cxnSp>
-        <p:nvCxnSpPr>
-          <p:cNvPr id="50" name="Straight Connector 49"/>
-          <p:cNvCxnSpPr>
-            <a:stCxn id="7" idx="6"/>
-          </p:cNvCxnSpPr>
-          <p:nvPr/>
-        </p:nvCxnSpPr>
-        <p:spPr bwMode="auto">
-          <a:xfrm>
-            <a:off x="5432518" y="6096000"/>
-            <a:ext cx="739682" cy="381000"/>
-          </a:xfrm>
-          <a:prstGeom prst="line">
-            <a:avLst/>
-          </a:prstGeom>
-          <a:noFill/>
-          <a:ln w="38100" cap="flat" cmpd="sng" algn="ctr">
-            <a:solidFill>
-              <a:srgbClr val="FF00FF"/>
-            </a:solidFill>
-            <a:prstDash val="solid"/>
-            <a:round/>
-            <a:headEnd type="none" w="med" len="med"/>
-            <a:tailEnd type="none" w="lg" len="lg"/>
-          </a:ln>
-          <a:effectLst/>
-        </p:spPr>
-      </p:cxnSp>
-      <p:sp>
-        <p:nvSpPr>
-          <p:cNvPr id="55" name="Oval 54"/>
-          <p:cNvSpPr/>
-          <p:nvPr/>
-        </p:nvSpPr>
-        <p:spPr bwMode="auto">
-          <a:xfrm>
-            <a:off x="6172200" y="6400800"/>
-            <a:ext cx="152400" cy="152400"/>
-          </a:xfrm>
-          <a:prstGeom prst="ellipse">
-            <a:avLst/>
-          </a:prstGeom>
-          <a:solidFill>
-            <a:schemeClr val="tx1"/>
-          </a:solidFill>
-          <a:ln w="31750" cap="flat" cmpd="sng" algn="ctr">
-            <a:solidFill>
-              <a:schemeClr val="tx1"/>
-            </a:solidFill>
-            <a:prstDash val="solid"/>
-            <a:round/>
-            <a:headEnd type="none" w="med" len="med"/>
-            <a:tailEnd type="triangle" w="lg" len="lg"/>
-          </a:ln>
-          <a:effectLst/>
-        </p:spPr>
-        <p:txBody>
-          <a:bodyPr vert="horz" wrap="square" lIns="91440" tIns="45720" rIns="91440" bIns="45720" numCol="1" rtlCol="0" anchor="t" anchorCtr="0" compatLnSpc="1">
-            <a:prstTxWarp prst="textNoShape">
-              <a:avLst/>
-            </a:prstTxWarp>
-          </a:bodyPr>
-          <a:lstStyle/>
-          <a:p>
-            <a:pPr marL="0" marR="0" indent="0" algn="l" defTabSz="914400" rtl="0" eaLnBrk="1" fontAlgn="base" latinLnBrk="0" hangingPunct="1">
-              <a:lnSpc>
-                <a:spcPct val="100000"/>
-              </a:lnSpc>
-              <a:spcBef>
-                <a:spcPct val="0"/>
-              </a:spcBef>
-              <a:spcAft>
-                <a:spcPct val="0"/>
-              </a:spcAft>
-              <a:buClrTx/>
-              <a:buSzTx/>
-              <a:buFontTx/>
-              <a:buNone/>
-              <a:tabLst/>
-            </a:pPr>
-            <a:endParaRPr kumimoji="0" lang="en-US" sz="3200" b="0" i="0" u="none" strike="noStrike" cap="none" normalizeH="0" baseline="0" smtClean="0">
-              <a:ln>
-                <a:noFill/>
-              </a:ln>
-              <a:solidFill>
-                <a:schemeClr val="tx1"/>
-              </a:solidFill>
-              <a:effectLst/>
-              <a:latin typeface="Comic Sans MS" pitchFamily="66" charset="0"/>
-            </a:endParaRPr>
-          </a:p>
-        </p:txBody>
-      </p:sp>
-      <p:sp>
-        <p:nvSpPr>
-          <p:cNvPr id="34" name="Freeform 33"/>
-          <p:cNvSpPr/>
-          <p:nvPr/>
-        </p:nvSpPr>
-        <p:spPr>
-          <a:xfrm>
-            <a:off x="5791200" y="1981200"/>
-            <a:ext cx="685800" cy="838200"/>
-          </a:xfrm>
-          <a:custGeom>
-            <a:avLst/>
-            <a:gdLst>
-              <a:gd name="connsiteX0" fmla="*/ 577313 w 577313"/>
-              <a:gd name="connsiteY0" fmla="*/ 744006 h 744006"/>
-              <a:gd name="connsiteX1" fmla="*/ 0 w 577313"/>
-              <a:gd name="connsiteY1" fmla="*/ 0 h 744006"/>
-            </a:gdLst>
-            <a:ahLst/>
-            <a:cxnLst>
-              <a:cxn ang="0">
-                <a:pos x="connsiteX0" y="connsiteY0"/>
-              </a:cxn>
-              <a:cxn ang="0">
-                <a:pos x="connsiteX1" y="connsiteY1"/>
-              </a:cxn>
-            </a:cxnLst>
-            <a:rect l="l" t="t" r="r" b="b"/>
-            <a:pathLst>
-              <a:path w="577313" h="744006">
-                <a:moveTo>
-                  <a:pt x="577313" y="744006"/>
-                </a:moveTo>
-                <a:lnTo>
-                  <a:pt x="0" y="0"/>
-                </a:lnTo>
-              </a:path>
-            </a:pathLst>
-          </a:custGeom>
-          <a:ln w="47625">
-            <a:solidFill>
-              <a:schemeClr val="accent5">
-                <a:lumMod val="50000"/>
-              </a:schemeClr>
-            </a:solidFill>
-          </a:ln>
-        </p:spPr>
-        <p:txBody>
-          <a:bodyPr rtlCol="0" anchor="ctr"/>
-          <a:lstStyle/>
-          <a:p>
-            <a:pPr algn="ctr"/>
-            <a:endParaRPr lang="en-US"/>
-          </a:p>
-        </p:txBody>
-      </p:sp>
-      <p:sp>
-        <p:nvSpPr>
-          <p:cNvPr id="36" name="Freeform 35"/>
-          <p:cNvSpPr/>
-          <p:nvPr/>
-        </p:nvSpPr>
-        <p:spPr>
-          <a:xfrm>
-            <a:off x="2971800" y="1928535"/>
-            <a:ext cx="3823111" cy="4015065"/>
-          </a:xfrm>
-          <a:custGeom>
-            <a:avLst/>
-            <a:gdLst>
-              <a:gd name="connsiteX0" fmla="*/ 2848093 w 3823111"/>
-              <a:gd name="connsiteY0" fmla="*/ 89794 h 4015065"/>
-              <a:gd name="connsiteX1" fmla="*/ 2848093 w 3823111"/>
-              <a:gd name="connsiteY1" fmla="*/ 89794 h 4015065"/>
-              <a:gd name="connsiteX2" fmla="*/ 2719801 w 3823111"/>
-              <a:gd name="connsiteY2" fmla="*/ 76966 h 4015065"/>
-              <a:gd name="connsiteX3" fmla="*/ 2655655 w 3823111"/>
-              <a:gd name="connsiteY3" fmla="*/ 64138 h 4015065"/>
-              <a:gd name="connsiteX4" fmla="*/ 2463217 w 3823111"/>
-              <a:gd name="connsiteY4" fmla="*/ 51311 h 4015065"/>
-              <a:gd name="connsiteX5" fmla="*/ 2270779 w 3823111"/>
-              <a:gd name="connsiteY5" fmla="*/ 25655 h 4015065"/>
-              <a:gd name="connsiteX6" fmla="*/ 2219463 w 3823111"/>
-              <a:gd name="connsiteY6" fmla="*/ 12828 h 4015065"/>
-              <a:gd name="connsiteX7" fmla="*/ 2091171 w 3823111"/>
-              <a:gd name="connsiteY7" fmla="*/ 0 h 4015065"/>
-              <a:gd name="connsiteX8" fmla="*/ 1282932 w 3823111"/>
-              <a:gd name="connsiteY8" fmla="*/ 12828 h 4015065"/>
-              <a:gd name="connsiteX9" fmla="*/ 1244445 w 3823111"/>
-              <a:gd name="connsiteY9" fmla="*/ 25655 h 4015065"/>
-              <a:gd name="connsiteX10" fmla="*/ 1141811 w 3823111"/>
-              <a:gd name="connsiteY10" fmla="*/ 64138 h 4015065"/>
-              <a:gd name="connsiteX11" fmla="*/ 1026349 w 3823111"/>
-              <a:gd name="connsiteY11" fmla="*/ 89794 h 4015065"/>
-              <a:gd name="connsiteX12" fmla="*/ 975032 w 3823111"/>
-              <a:gd name="connsiteY12" fmla="*/ 102621 h 4015065"/>
-              <a:gd name="connsiteX13" fmla="*/ 898057 w 3823111"/>
-              <a:gd name="connsiteY13" fmla="*/ 179588 h 4015065"/>
-              <a:gd name="connsiteX14" fmla="*/ 859569 w 3823111"/>
-              <a:gd name="connsiteY14" fmla="*/ 218071 h 4015065"/>
-              <a:gd name="connsiteX15" fmla="*/ 731278 w 3823111"/>
-              <a:gd name="connsiteY15" fmla="*/ 307864 h 4015065"/>
-              <a:gd name="connsiteX16" fmla="*/ 667132 w 3823111"/>
-              <a:gd name="connsiteY16" fmla="*/ 372003 h 4015065"/>
-              <a:gd name="connsiteX17" fmla="*/ 577327 w 3823111"/>
-              <a:gd name="connsiteY17" fmla="*/ 474624 h 4015065"/>
-              <a:gd name="connsiteX18" fmla="*/ 526011 w 3823111"/>
-              <a:gd name="connsiteY18" fmla="*/ 538763 h 4015065"/>
-              <a:gd name="connsiteX19" fmla="*/ 449036 w 3823111"/>
-              <a:gd name="connsiteY19" fmla="*/ 590073 h 4015065"/>
-              <a:gd name="connsiteX20" fmla="*/ 410548 w 3823111"/>
-              <a:gd name="connsiteY20" fmla="*/ 679867 h 4015065"/>
-              <a:gd name="connsiteX21" fmla="*/ 384890 w 3823111"/>
-              <a:gd name="connsiteY21" fmla="*/ 705523 h 4015065"/>
-              <a:gd name="connsiteX22" fmla="*/ 333573 w 3823111"/>
-              <a:gd name="connsiteY22" fmla="*/ 782489 h 4015065"/>
-              <a:gd name="connsiteX23" fmla="*/ 307915 w 3823111"/>
-              <a:gd name="connsiteY23" fmla="*/ 820972 h 4015065"/>
-              <a:gd name="connsiteX24" fmla="*/ 282256 w 3823111"/>
-              <a:gd name="connsiteY24" fmla="*/ 872282 h 4015065"/>
-              <a:gd name="connsiteX25" fmla="*/ 256598 w 3823111"/>
-              <a:gd name="connsiteY25" fmla="*/ 910765 h 4015065"/>
-              <a:gd name="connsiteX26" fmla="*/ 218110 w 3823111"/>
-              <a:gd name="connsiteY26" fmla="*/ 1000559 h 4015065"/>
-              <a:gd name="connsiteX27" fmla="*/ 166794 w 3823111"/>
-              <a:gd name="connsiteY27" fmla="*/ 1077525 h 4015065"/>
-              <a:gd name="connsiteX28" fmla="*/ 153964 w 3823111"/>
-              <a:gd name="connsiteY28" fmla="*/ 1116008 h 4015065"/>
-              <a:gd name="connsiteX29" fmla="*/ 102648 w 3823111"/>
-              <a:gd name="connsiteY29" fmla="*/ 1192974 h 4015065"/>
-              <a:gd name="connsiteX30" fmla="*/ 89818 w 3823111"/>
-              <a:gd name="connsiteY30" fmla="*/ 1231458 h 4015065"/>
-              <a:gd name="connsiteX31" fmla="*/ 38502 w 3823111"/>
-              <a:gd name="connsiteY31" fmla="*/ 1308424 h 4015065"/>
-              <a:gd name="connsiteX32" fmla="*/ 12843 w 3823111"/>
-              <a:gd name="connsiteY32" fmla="*/ 1385390 h 4015065"/>
-              <a:gd name="connsiteX33" fmla="*/ 14 w 3823111"/>
-              <a:gd name="connsiteY33" fmla="*/ 1616288 h 4015065"/>
-              <a:gd name="connsiteX34" fmla="*/ 25672 w 3823111"/>
-              <a:gd name="connsiteY34" fmla="*/ 1885669 h 4015065"/>
-              <a:gd name="connsiteX35" fmla="*/ 51331 w 3823111"/>
-              <a:gd name="connsiteY35" fmla="*/ 1936980 h 4015065"/>
-              <a:gd name="connsiteX36" fmla="*/ 64160 w 3823111"/>
-              <a:gd name="connsiteY36" fmla="*/ 2001119 h 4015065"/>
-              <a:gd name="connsiteX37" fmla="*/ 76989 w 3823111"/>
-              <a:gd name="connsiteY37" fmla="*/ 2039602 h 4015065"/>
-              <a:gd name="connsiteX38" fmla="*/ 89818 w 3823111"/>
-              <a:gd name="connsiteY38" fmla="*/ 2142223 h 4015065"/>
-              <a:gd name="connsiteX39" fmla="*/ 128306 w 3823111"/>
-              <a:gd name="connsiteY39" fmla="*/ 2680986 h 4015065"/>
-              <a:gd name="connsiteX40" fmla="*/ 153964 w 3823111"/>
-              <a:gd name="connsiteY40" fmla="*/ 2745124 h 4015065"/>
-              <a:gd name="connsiteX41" fmla="*/ 192452 w 3823111"/>
-              <a:gd name="connsiteY41" fmla="*/ 2822090 h 4015065"/>
-              <a:gd name="connsiteX42" fmla="*/ 218110 w 3823111"/>
-              <a:gd name="connsiteY42" fmla="*/ 2937539 h 4015065"/>
-              <a:gd name="connsiteX43" fmla="*/ 243769 w 3823111"/>
-              <a:gd name="connsiteY43" fmla="*/ 3001678 h 4015065"/>
-              <a:gd name="connsiteX44" fmla="*/ 256598 w 3823111"/>
-              <a:gd name="connsiteY44" fmla="*/ 3078644 h 4015065"/>
-              <a:gd name="connsiteX45" fmla="*/ 295085 w 3823111"/>
-              <a:gd name="connsiteY45" fmla="*/ 3206921 h 4015065"/>
-              <a:gd name="connsiteX46" fmla="*/ 320744 w 3823111"/>
-              <a:gd name="connsiteY46" fmla="*/ 3271059 h 4015065"/>
-              <a:gd name="connsiteX47" fmla="*/ 372060 w 3823111"/>
-              <a:gd name="connsiteY47" fmla="*/ 3360853 h 4015065"/>
-              <a:gd name="connsiteX48" fmla="*/ 423377 w 3823111"/>
-              <a:gd name="connsiteY48" fmla="*/ 3412164 h 4015065"/>
-              <a:gd name="connsiteX49" fmla="*/ 449036 w 3823111"/>
-              <a:gd name="connsiteY49" fmla="*/ 3437819 h 4015065"/>
-              <a:gd name="connsiteX50" fmla="*/ 487523 w 3823111"/>
-              <a:gd name="connsiteY50" fmla="*/ 3450647 h 4015065"/>
-              <a:gd name="connsiteX51" fmla="*/ 526011 w 3823111"/>
-              <a:gd name="connsiteY51" fmla="*/ 3476302 h 4015065"/>
-              <a:gd name="connsiteX52" fmla="*/ 577327 w 3823111"/>
-              <a:gd name="connsiteY52" fmla="*/ 3501957 h 4015065"/>
-              <a:gd name="connsiteX53" fmla="*/ 654302 w 3823111"/>
-              <a:gd name="connsiteY53" fmla="*/ 3540440 h 4015065"/>
-              <a:gd name="connsiteX54" fmla="*/ 769765 w 3823111"/>
-              <a:gd name="connsiteY54" fmla="*/ 3617407 h 4015065"/>
-              <a:gd name="connsiteX55" fmla="*/ 808253 w 3823111"/>
-              <a:gd name="connsiteY55" fmla="*/ 3643062 h 4015065"/>
-              <a:gd name="connsiteX56" fmla="*/ 846740 w 3823111"/>
-              <a:gd name="connsiteY56" fmla="*/ 3655890 h 4015065"/>
-              <a:gd name="connsiteX57" fmla="*/ 923715 w 3823111"/>
-              <a:gd name="connsiteY57" fmla="*/ 3707200 h 4015065"/>
-              <a:gd name="connsiteX58" fmla="*/ 949374 w 3823111"/>
-              <a:gd name="connsiteY58" fmla="*/ 3745683 h 4015065"/>
-              <a:gd name="connsiteX59" fmla="*/ 1026349 w 3823111"/>
-              <a:gd name="connsiteY59" fmla="*/ 3771339 h 4015065"/>
-              <a:gd name="connsiteX60" fmla="*/ 1141811 w 3823111"/>
-              <a:gd name="connsiteY60" fmla="*/ 3822650 h 4015065"/>
-              <a:gd name="connsiteX61" fmla="*/ 1205957 w 3823111"/>
-              <a:gd name="connsiteY61" fmla="*/ 3873960 h 4015065"/>
-              <a:gd name="connsiteX62" fmla="*/ 1321420 w 3823111"/>
-              <a:gd name="connsiteY62" fmla="*/ 3899616 h 4015065"/>
-              <a:gd name="connsiteX63" fmla="*/ 1359908 w 3823111"/>
-              <a:gd name="connsiteY63" fmla="*/ 3912443 h 4015065"/>
-              <a:gd name="connsiteX64" fmla="*/ 1796100 w 3823111"/>
-              <a:gd name="connsiteY64" fmla="*/ 3938099 h 4015065"/>
-              <a:gd name="connsiteX65" fmla="*/ 1873075 w 3823111"/>
-              <a:gd name="connsiteY65" fmla="*/ 3976582 h 4015065"/>
-              <a:gd name="connsiteX66" fmla="*/ 1975708 w 3823111"/>
-              <a:gd name="connsiteY66" fmla="*/ 4002237 h 4015065"/>
-              <a:gd name="connsiteX67" fmla="*/ 2027025 w 3823111"/>
-              <a:gd name="connsiteY67" fmla="*/ 4015065 h 4015065"/>
-              <a:gd name="connsiteX68" fmla="*/ 2232292 w 3823111"/>
-              <a:gd name="connsiteY68" fmla="*/ 4002237 h 4015065"/>
-              <a:gd name="connsiteX69" fmla="*/ 2270779 w 3823111"/>
-              <a:gd name="connsiteY69" fmla="*/ 3976582 h 4015065"/>
-              <a:gd name="connsiteX70" fmla="*/ 2309267 w 3823111"/>
-              <a:gd name="connsiteY70" fmla="*/ 3963754 h 4015065"/>
-              <a:gd name="connsiteX71" fmla="*/ 2450388 w 3823111"/>
-              <a:gd name="connsiteY71" fmla="*/ 3822650 h 4015065"/>
-              <a:gd name="connsiteX72" fmla="*/ 2501705 w 3823111"/>
-              <a:gd name="connsiteY72" fmla="*/ 3771339 h 4015065"/>
-              <a:gd name="connsiteX73" fmla="*/ 2540192 w 3823111"/>
-              <a:gd name="connsiteY73" fmla="*/ 3758511 h 4015065"/>
-              <a:gd name="connsiteX74" fmla="*/ 2604338 w 3823111"/>
-              <a:gd name="connsiteY74" fmla="*/ 3732856 h 4015065"/>
-              <a:gd name="connsiteX75" fmla="*/ 2655655 w 3823111"/>
-              <a:gd name="connsiteY75" fmla="*/ 3720028 h 4015065"/>
-              <a:gd name="connsiteX76" fmla="*/ 2732630 w 3823111"/>
-              <a:gd name="connsiteY76" fmla="*/ 3694373 h 4015065"/>
-              <a:gd name="connsiteX77" fmla="*/ 2771118 w 3823111"/>
-              <a:gd name="connsiteY77" fmla="*/ 3681545 h 4015065"/>
-              <a:gd name="connsiteX78" fmla="*/ 2809605 w 3823111"/>
-              <a:gd name="connsiteY78" fmla="*/ 3643062 h 4015065"/>
-              <a:gd name="connsiteX79" fmla="*/ 2848093 w 3823111"/>
-              <a:gd name="connsiteY79" fmla="*/ 3630234 h 4015065"/>
-              <a:gd name="connsiteX80" fmla="*/ 2976385 w 3823111"/>
-              <a:gd name="connsiteY80" fmla="*/ 3617407 h 4015065"/>
-              <a:gd name="connsiteX81" fmla="*/ 3181651 w 3823111"/>
-              <a:gd name="connsiteY81" fmla="*/ 3591751 h 4015065"/>
-              <a:gd name="connsiteX82" fmla="*/ 3258627 w 3823111"/>
-              <a:gd name="connsiteY82" fmla="*/ 3578924 h 4015065"/>
-              <a:gd name="connsiteX83" fmla="*/ 3374089 w 3823111"/>
-              <a:gd name="connsiteY83" fmla="*/ 3566096 h 4015065"/>
-              <a:gd name="connsiteX84" fmla="*/ 3425406 w 3823111"/>
-              <a:gd name="connsiteY84" fmla="*/ 3553268 h 4015065"/>
-              <a:gd name="connsiteX85" fmla="*/ 3489552 w 3823111"/>
-              <a:gd name="connsiteY85" fmla="*/ 3540440 h 4015065"/>
-              <a:gd name="connsiteX86" fmla="*/ 3528039 w 3823111"/>
-              <a:gd name="connsiteY86" fmla="*/ 3514785 h 4015065"/>
-              <a:gd name="connsiteX87" fmla="*/ 3681990 w 3823111"/>
-              <a:gd name="connsiteY87" fmla="*/ 3424991 h 4015065"/>
-              <a:gd name="connsiteX88" fmla="*/ 3733306 w 3823111"/>
-              <a:gd name="connsiteY88" fmla="*/ 3386508 h 4015065"/>
-              <a:gd name="connsiteX89" fmla="*/ 3823111 w 3823111"/>
-              <a:gd name="connsiteY89" fmla="*/ 3348025 h 4015065"/>
-              <a:gd name="connsiteX90" fmla="*/ 3810281 w 3823111"/>
-              <a:gd name="connsiteY90" fmla="*/ 3399336 h 4015065"/>
-              <a:gd name="connsiteX91" fmla="*/ 3733306 w 3823111"/>
-              <a:gd name="connsiteY91" fmla="*/ 3424991 h 4015065"/>
-              <a:gd name="connsiteX92" fmla="*/ 3694819 w 3823111"/>
-              <a:gd name="connsiteY92" fmla="*/ 3450647 h 4015065"/>
-              <a:gd name="connsiteX93" fmla="*/ 3643502 w 3823111"/>
-              <a:gd name="connsiteY93" fmla="*/ 3463474 h 4015065"/>
-              <a:gd name="connsiteX94" fmla="*/ 3592185 w 3823111"/>
-              <a:gd name="connsiteY94" fmla="*/ 3514785 h 4015065"/>
-            </a:gdLst>
-            <a:ahLst/>
-            <a:cxnLst>
-              <a:cxn ang="0">
-                <a:pos x="connsiteX0" y="connsiteY0"/>
-              </a:cxn>
-              <a:cxn ang="0">
-                <a:pos x="connsiteX1" y="connsiteY1"/>
-              </a:cxn>
-              <a:cxn ang="0">
-                <a:pos x="connsiteX2" y="connsiteY2"/>
-              </a:cxn>
-              <a:cxn ang="0">
-                <a:pos x="connsiteX3" y="connsiteY3"/>
-              </a:cxn>
-              <a:cxn ang="0">
-                <a:pos x="connsiteX4" y="connsiteY4"/>
-              </a:cxn>
-              <a:cxn ang="0">
-                <a:pos x="connsiteX5" y="connsiteY5"/>
-              </a:cxn>
-              <a:cxn ang="0">
-                <a:pos x="connsiteX6" y="connsiteY6"/>
-              </a:cxn>
-              <a:cxn ang="0">
-                <a:pos x="connsiteX7" y="connsiteY7"/>
-              </a:cxn>
-              <a:cxn ang="0">
-                <a:pos x="connsiteX8" y="connsiteY8"/>
-              </a:cxn>
-              <a:cxn ang="0">
-                <a:pos x="connsiteX9" y="connsiteY9"/>
-              </a:cxn>
-              <a:cxn ang="0">
-                <a:pos x="connsiteX10" y="connsiteY10"/>
-              </a:cxn>
-              <a:cxn ang="0">
-                <a:pos x="connsiteX11" y="connsiteY11"/>
-              </a:cxn>
-              <a:cxn ang="0">
-                <a:pos x="connsiteX12" y="connsiteY12"/>
-              </a:cxn>
-              <a:cxn ang="0">
-                <a:pos x="connsiteX13" y="connsiteY13"/>
-              </a:cxn>
-              <a:cxn ang="0">
-                <a:pos x="connsiteX14" y="connsiteY14"/>
-              </a:cxn>
-              <a:cxn ang="0">
-                <a:pos x="connsiteX15" y="connsiteY15"/>
-              </a:cxn>
-              <a:cxn ang="0">
-                <a:pos x="connsiteX16" y="connsiteY16"/>
-              </a:cxn>
-              <a:cxn ang="0">
-                <a:pos x="connsiteX17" y="connsiteY17"/>
-              </a:cxn>
-              <a:cxn ang="0">
-                <a:pos x="connsiteX18" y="connsiteY18"/>
-              </a:cxn>
-              <a:cxn ang="0">
-                <a:pos x="connsiteX19" y="connsiteY19"/>
-              </a:cxn>
-              <a:cxn ang="0">
-                <a:pos x="connsiteX20" y="connsiteY20"/>
-              </a:cxn>
-              <a:cxn ang="0">
-                <a:pos x="connsiteX21" y="connsiteY21"/>
-              </a:cxn>
-              <a:cxn ang="0">
-                <a:pos x="connsiteX22" y="connsiteY22"/>
-              </a:cxn>
-              <a:cxn ang="0">
-                <a:pos x="connsiteX23" y="connsiteY23"/>
-              </a:cxn>
-              <a:cxn ang="0">
-                <a:pos x="connsiteX24" y="connsiteY24"/>
-              </a:cxn>
-              <a:cxn ang="0">
-                <a:pos x="connsiteX25" y="connsiteY25"/>
-              </a:cxn>
-              <a:cxn ang="0">
-                <a:pos x="connsiteX26" y="connsiteY26"/>
-              </a:cxn>
-              <a:cxn ang="0">
-                <a:pos x="connsiteX27" y="connsiteY27"/>
-              </a:cxn>
-              <a:cxn ang="0">
-                <a:pos x="connsiteX28" y="connsiteY28"/>
-              </a:cxn>
-              <a:cxn ang="0">
-                <a:pos x="connsiteX29" y="connsiteY29"/>
-              </a:cxn>
-              <a:cxn ang="0">
-                <a:pos x="connsiteX30" y="connsiteY30"/>
-              </a:cxn>
-              <a:cxn ang="0">
-                <a:pos x="connsiteX31" y="connsiteY31"/>
-              </a:cxn>
-              <a:cxn ang="0">
-                <a:pos x="connsiteX32" y="connsiteY32"/>
-              </a:cxn>
-              <a:cxn ang="0">
-                <a:pos x="connsiteX33" y="connsiteY33"/>
-              </a:cxn>
-              <a:cxn ang="0">
-                <a:pos x="connsiteX34" y="connsiteY34"/>
-              </a:cxn>
-              <a:cxn ang="0">
-                <a:pos x="connsiteX35" y="connsiteY35"/>
-              </a:cxn>
-              <a:cxn ang="0">
-                <a:pos x="connsiteX36" y="connsiteY36"/>
-              </a:cxn>
-              <a:cxn ang="0">
-                <a:pos x="connsiteX37" y="connsiteY37"/>
-              </a:cxn>
-              <a:cxn ang="0">
-                <a:pos x="connsiteX38" y="connsiteY38"/>
-              </a:cxn>
-              <a:cxn ang="0">
-                <a:pos x="connsiteX39" y="connsiteY39"/>
-              </a:cxn>
-              <a:cxn ang="0">
-                <a:pos x="connsiteX40" y="connsiteY40"/>
-              </a:cxn>
-              <a:cxn ang="0">
-                <a:pos x="connsiteX41" y="connsiteY41"/>
-              </a:cxn>
-              <a:cxn ang="0">
-                <a:pos x="connsiteX42" y="connsiteY42"/>
-              </a:cxn>
-              <a:cxn ang="0">
-                <a:pos x="connsiteX43" y="connsiteY43"/>
-              </a:cxn>
-              <a:cxn ang="0">
-                <a:pos x="connsiteX44" y="connsiteY44"/>
-              </a:cxn>
-              <a:cxn ang="0">
-                <a:pos x="connsiteX45" y="connsiteY45"/>
-              </a:cxn>
-              <a:cxn ang="0">
-                <a:pos x="connsiteX46" y="connsiteY46"/>
-              </a:cxn>
-              <a:cxn ang="0">
-                <a:pos x="connsiteX47" y="connsiteY47"/>
-              </a:cxn>
-              <a:cxn ang="0">
-                <a:pos x="connsiteX48" y="connsiteY48"/>
-              </a:cxn>
-              <a:cxn ang="0">
-                <a:pos x="connsiteX49" y="connsiteY49"/>
-              </a:cxn>
-              <a:cxn ang="0">
-                <a:pos x="connsiteX50" y="connsiteY50"/>
-              </a:cxn>
-              <a:cxn ang="0">
-                <a:pos x="connsiteX51" y="connsiteY51"/>
-              </a:cxn>
-              <a:cxn ang="0">
-                <a:pos x="connsiteX52" y="connsiteY52"/>
-              </a:cxn>
-              <a:cxn ang="0">
-                <a:pos x="connsiteX53" y="connsiteY53"/>
-              </a:cxn>
-              <a:cxn ang="0">
-                <a:pos x="connsiteX54" y="connsiteY54"/>
-              </a:cxn>
-              <a:cxn ang="0">
-                <a:pos x="connsiteX55" y="connsiteY55"/>
-              </a:cxn>
-              <a:cxn ang="0">
-                <a:pos x="connsiteX56" y="connsiteY56"/>
-              </a:cxn>
-              <a:cxn ang="0">
-                <a:pos x="connsiteX57" y="connsiteY57"/>
-              </a:cxn>
-              <a:cxn ang="0">
-                <a:pos x="connsiteX58" y="connsiteY58"/>
-              </a:cxn>
-              <a:cxn ang="0">
-                <a:pos x="connsiteX59" y="connsiteY59"/>
-              </a:cxn>
-              <a:cxn ang="0">
-                <a:pos x="connsiteX60" y="connsiteY60"/>
-              </a:cxn>
-              <a:cxn ang="0">
-                <a:pos x="connsiteX61" y="connsiteY61"/>
-              </a:cxn>
-              <a:cxn ang="0">
-                <a:pos x="connsiteX62" y="connsiteY62"/>
-              </a:cxn>
-              <a:cxn ang="0">
-                <a:pos x="connsiteX63" y="connsiteY63"/>
-              </a:cxn>
-              <a:cxn ang="0">
-                <a:pos x="connsiteX64" y="connsiteY64"/>
-              </a:cxn>
-              <a:cxn ang="0">
-                <a:pos x="connsiteX65" y="connsiteY65"/>
-              </a:cxn>
-              <a:cxn ang="0">
-                <a:pos x="connsiteX66" y="connsiteY66"/>
-              </a:cxn>
-              <a:cxn ang="0">
-                <a:pos x="connsiteX67" y="connsiteY67"/>
-              </a:cxn>
-              <a:cxn ang="0">
-                <a:pos x="connsiteX68" y="connsiteY68"/>
-              </a:cxn>
-              <a:cxn ang="0">
-                <a:pos x="connsiteX69" y="connsiteY69"/>
-              </a:cxn>
-              <a:cxn ang="0">
-                <a:pos x="connsiteX70" y="connsiteY70"/>
-              </a:cxn>
-              <a:cxn ang="0">
-                <a:pos x="connsiteX71" y="connsiteY71"/>
-              </a:cxn>
-              <a:cxn ang="0">
-                <a:pos x="connsiteX72" y="connsiteY72"/>
-              </a:cxn>
-              <a:cxn ang="0">
-                <a:pos x="connsiteX73" y="connsiteY73"/>
-              </a:cxn>
-              <a:cxn ang="0">
-                <a:pos x="connsiteX74" y="connsiteY74"/>
-              </a:cxn>
-              <a:cxn ang="0">
-                <a:pos x="connsiteX75" y="connsiteY75"/>
-              </a:cxn>
-              <a:cxn ang="0">
-                <a:pos x="connsiteX76" y="connsiteY76"/>
-              </a:cxn>
-              <a:cxn ang="0">
-                <a:pos x="connsiteX77" y="connsiteY77"/>
-              </a:cxn>
-              <a:cxn ang="0">
-                <a:pos x="connsiteX78" y="connsiteY78"/>
-              </a:cxn>
-              <a:cxn ang="0">
-                <a:pos x="connsiteX79" y="connsiteY79"/>
-              </a:cxn>
-              <a:cxn ang="0">
-                <a:pos x="connsiteX80" y="connsiteY80"/>
-              </a:cxn>
-              <a:cxn ang="0">
-                <a:pos x="connsiteX81" y="connsiteY81"/>
-              </a:cxn>
-              <a:cxn ang="0">
-                <a:pos x="connsiteX82" y="connsiteY82"/>
-              </a:cxn>
-              <a:cxn ang="0">
-                <a:pos x="connsiteX83" y="connsiteY83"/>
-              </a:cxn>
-              <a:cxn ang="0">
-                <a:pos x="connsiteX84" y="connsiteY84"/>
-              </a:cxn>
-              <a:cxn ang="0">
-                <a:pos x="connsiteX85" y="connsiteY85"/>
-              </a:cxn>
-              <a:cxn ang="0">
-                <a:pos x="connsiteX86" y="connsiteY86"/>
-              </a:cxn>
-              <a:cxn ang="0">
-                <a:pos x="connsiteX87" y="connsiteY87"/>
-              </a:cxn>
-              <a:cxn ang="0">
-                <a:pos x="connsiteX88" y="connsiteY88"/>
-              </a:cxn>
-              <a:cxn ang="0">
-                <a:pos x="connsiteX89" y="connsiteY89"/>
-              </a:cxn>
-              <a:cxn ang="0">
-                <a:pos x="connsiteX90" y="connsiteY90"/>
-              </a:cxn>
-              <a:cxn ang="0">
-                <a:pos x="connsiteX91" y="connsiteY91"/>
-              </a:cxn>
-              <a:cxn ang="0">
-                <a:pos x="connsiteX92" y="connsiteY92"/>
-              </a:cxn>
-              <a:cxn ang="0">
-                <a:pos x="connsiteX93" y="connsiteY93"/>
-              </a:cxn>
-              <a:cxn ang="0">
-                <a:pos x="connsiteX94" y="connsiteY94"/>
-              </a:cxn>
-            </a:cxnLst>
-            <a:rect l="l" t="t" r="r" b="b"/>
-            <a:pathLst>
-              <a:path w="3823111" h="4015065">
-                <a:moveTo>
-                  <a:pt x="2848093" y="89794"/>
-                </a:moveTo>
-                <a:lnTo>
-                  <a:pt x="2848093" y="89794"/>
-                </a:lnTo>
-                <a:cubicBezTo>
-                  <a:pt x="2805329" y="85518"/>
-                  <a:pt x="2762401" y="82646"/>
-                  <a:pt x="2719801" y="76966"/>
-                </a:cubicBezTo>
-                <a:cubicBezTo>
-                  <a:pt x="2698187" y="74084"/>
-                  <a:pt x="2677352" y="66307"/>
-                  <a:pt x="2655655" y="64138"/>
-                </a:cubicBezTo>
-                <a:cubicBezTo>
-                  <a:pt x="2591686" y="57742"/>
-                  <a:pt x="2527363" y="55587"/>
-                  <a:pt x="2463217" y="51311"/>
-                </a:cubicBezTo>
-                <a:cubicBezTo>
-                  <a:pt x="2367085" y="19270"/>
-                  <a:pt x="2471686" y="50765"/>
-                  <a:pt x="2270779" y="25655"/>
-                </a:cubicBezTo>
-                <a:cubicBezTo>
-                  <a:pt x="2253284" y="23468"/>
-                  <a:pt x="2236917" y="15321"/>
-                  <a:pt x="2219463" y="12828"/>
-                </a:cubicBezTo>
-                <a:cubicBezTo>
-                  <a:pt x="2176918" y="6751"/>
-                  <a:pt x="2133935" y="4276"/>
-                  <a:pt x="2091171" y="0"/>
-                </a:cubicBezTo>
-                <a:lnTo>
-                  <a:pt x="1282932" y="12828"/>
-                </a:lnTo>
-                <a:cubicBezTo>
-                  <a:pt x="1269415" y="13238"/>
-                  <a:pt x="1257448" y="21940"/>
-                  <a:pt x="1244445" y="25655"/>
-                </a:cubicBezTo>
-                <a:cubicBezTo>
-                  <a:pt x="1126190" y="59438"/>
-                  <a:pt x="1261378" y="12901"/>
-                  <a:pt x="1141811" y="64138"/>
-                </a:cubicBezTo>
-                <a:cubicBezTo>
-                  <a:pt x="1098116" y="82862"/>
-                  <a:pt x="1079212" y="79223"/>
-                  <a:pt x="1026349" y="89794"/>
-                </a:cubicBezTo>
-                <a:cubicBezTo>
-                  <a:pt x="1009059" y="93251"/>
-                  <a:pt x="992138" y="98345"/>
-                  <a:pt x="975032" y="102621"/>
-                </a:cubicBezTo>
-                <a:lnTo>
-                  <a:pt x="898057" y="179588"/>
-                </a:lnTo>
-                <a:cubicBezTo>
-                  <a:pt x="885228" y="192416"/>
-                  <a:pt x="874432" y="207668"/>
-                  <a:pt x="859569" y="218071"/>
-                </a:cubicBezTo>
-                <a:cubicBezTo>
-                  <a:pt x="816805" y="248002"/>
-                  <a:pt x="768189" y="270957"/>
-                  <a:pt x="731278" y="307864"/>
-                </a:cubicBezTo>
-                <a:cubicBezTo>
-                  <a:pt x="709896" y="329244"/>
-                  <a:pt x="683906" y="346845"/>
-                  <a:pt x="667132" y="372003"/>
-                </a:cubicBezTo>
-                <a:cubicBezTo>
-                  <a:pt x="607262" y="461797"/>
-                  <a:pt x="641472" y="431866"/>
-                  <a:pt x="577327" y="474624"/>
-                </a:cubicBezTo>
-                <a:cubicBezTo>
-                  <a:pt x="560496" y="499868"/>
-                  <a:pt x="550383" y="520486"/>
-                  <a:pt x="526011" y="538763"/>
-                </a:cubicBezTo>
-                <a:cubicBezTo>
-                  <a:pt x="501341" y="557263"/>
-                  <a:pt x="449036" y="590073"/>
-                  <a:pt x="449036" y="590073"/>
-                </a:cubicBezTo>
-                <a:cubicBezTo>
-                  <a:pt x="355649" y="730133"/>
-                  <a:pt x="493380" y="514218"/>
-                  <a:pt x="410548" y="679867"/>
-                </a:cubicBezTo>
-                <a:cubicBezTo>
-                  <a:pt x="405139" y="690685"/>
-                  <a:pt x="392147" y="695848"/>
-                  <a:pt x="384890" y="705523"/>
-                </a:cubicBezTo>
-                <a:cubicBezTo>
-                  <a:pt x="366388" y="730190"/>
-                  <a:pt x="350679" y="756834"/>
-                  <a:pt x="333573" y="782489"/>
-                </a:cubicBezTo>
-                <a:cubicBezTo>
-                  <a:pt x="325020" y="795317"/>
-                  <a:pt x="314811" y="807183"/>
-                  <a:pt x="307915" y="820972"/>
-                </a:cubicBezTo>
-                <a:cubicBezTo>
-                  <a:pt x="299362" y="838075"/>
-                  <a:pt x="291744" y="855679"/>
-                  <a:pt x="282256" y="872282"/>
-                </a:cubicBezTo>
-                <a:cubicBezTo>
-                  <a:pt x="274606" y="885668"/>
-                  <a:pt x="263494" y="896976"/>
-                  <a:pt x="256598" y="910765"/>
-                </a:cubicBezTo>
-                <a:cubicBezTo>
-                  <a:pt x="242033" y="939891"/>
-                  <a:pt x="233550" y="971887"/>
-                  <a:pt x="218110" y="1000559"/>
-                </a:cubicBezTo>
-                <a:cubicBezTo>
-                  <a:pt x="203490" y="1027708"/>
-                  <a:pt x="176546" y="1048273"/>
-                  <a:pt x="166794" y="1077525"/>
-                </a:cubicBezTo>
-                <a:cubicBezTo>
-                  <a:pt x="162517" y="1090353"/>
-                  <a:pt x="160531" y="1104188"/>
-                  <a:pt x="153964" y="1116008"/>
-                </a:cubicBezTo>
-                <a:cubicBezTo>
-                  <a:pt x="138988" y="1142962"/>
-                  <a:pt x="112400" y="1163722"/>
-                  <a:pt x="102648" y="1192974"/>
-                </a:cubicBezTo>
-                <a:cubicBezTo>
-                  <a:pt x="98371" y="1205802"/>
-                  <a:pt x="96385" y="1219638"/>
-                  <a:pt x="89818" y="1231458"/>
-                </a:cubicBezTo>
-                <a:cubicBezTo>
-                  <a:pt x="74842" y="1258412"/>
-                  <a:pt x="48254" y="1279172"/>
-                  <a:pt x="38502" y="1308424"/>
-                </a:cubicBezTo>
-                <a:lnTo>
-                  <a:pt x="12843" y="1385390"/>
-                </a:lnTo>
-                <a:cubicBezTo>
-                  <a:pt x="8567" y="1462356"/>
-                  <a:pt x="14" y="1539203"/>
-                  <a:pt x="14" y="1616288"/>
-                </a:cubicBezTo>
-                <a:cubicBezTo>
-                  <a:pt x="14" y="1647089"/>
-                  <a:pt x="-1463" y="1813320"/>
-                  <a:pt x="25672" y="1885669"/>
-                </a:cubicBezTo>
-                <a:cubicBezTo>
-                  <a:pt x="32387" y="1903574"/>
-                  <a:pt x="42778" y="1919876"/>
-                  <a:pt x="51331" y="1936980"/>
-                </a:cubicBezTo>
-                <a:cubicBezTo>
-                  <a:pt x="55607" y="1958360"/>
-                  <a:pt x="58871" y="1979967"/>
-                  <a:pt x="64160" y="2001119"/>
-                </a:cubicBezTo>
-                <a:cubicBezTo>
-                  <a:pt x="67440" y="2014237"/>
-                  <a:pt x="74570" y="2026298"/>
-                  <a:pt x="76989" y="2039602"/>
-                </a:cubicBezTo>
-                <a:cubicBezTo>
-                  <a:pt x="83156" y="2073519"/>
-                  <a:pt x="85542" y="2108016"/>
-                  <a:pt x="89818" y="2142223"/>
-                </a:cubicBezTo>
-                <a:cubicBezTo>
-                  <a:pt x="97009" y="2379492"/>
-                  <a:pt x="73929" y="2490687"/>
-                  <a:pt x="128306" y="2680986"/>
-                </a:cubicBezTo>
-                <a:cubicBezTo>
-                  <a:pt x="134633" y="2703126"/>
-                  <a:pt x="145878" y="2723564"/>
-                  <a:pt x="153964" y="2745124"/>
-                </a:cubicBezTo>
-                <a:cubicBezTo>
-                  <a:pt x="176727" y="2805818"/>
-                  <a:pt x="153527" y="2763709"/>
-                  <a:pt x="192452" y="2822090"/>
-                </a:cubicBezTo>
-                <a:cubicBezTo>
-                  <a:pt x="197536" y="2847508"/>
-                  <a:pt x="209051" y="2910365"/>
-                  <a:pt x="218110" y="2937539"/>
-                </a:cubicBezTo>
-                <a:cubicBezTo>
-                  <a:pt x="225393" y="2959384"/>
-                  <a:pt x="235216" y="2980298"/>
-                  <a:pt x="243769" y="3001678"/>
-                </a:cubicBezTo>
-                <a:cubicBezTo>
-                  <a:pt x="248045" y="3027333"/>
-                  <a:pt x="251497" y="3053140"/>
-                  <a:pt x="256598" y="3078644"/>
-                </a:cubicBezTo>
-                <a:cubicBezTo>
-                  <a:pt x="264159" y="3116443"/>
-                  <a:pt x="281995" y="3174200"/>
-                  <a:pt x="295085" y="3206921"/>
-                </a:cubicBezTo>
-                <a:cubicBezTo>
-                  <a:pt x="303638" y="3228300"/>
-                  <a:pt x="311391" y="3250017"/>
-                  <a:pt x="320744" y="3271059"/>
-                </a:cubicBezTo>
-                <a:cubicBezTo>
-                  <a:pt x="331945" y="3296258"/>
-                  <a:pt x="353009" y="3338629"/>
-                  <a:pt x="372060" y="3360853"/>
-                </a:cubicBezTo>
-                <a:cubicBezTo>
-                  <a:pt x="387803" y="3379218"/>
-                  <a:pt x="406271" y="3395060"/>
-                  <a:pt x="423377" y="3412164"/>
-                </a:cubicBezTo>
-                <a:cubicBezTo>
-                  <a:pt x="431930" y="3420716"/>
-                  <a:pt x="437562" y="3433995"/>
-                  <a:pt x="449036" y="3437819"/>
-                </a:cubicBezTo>
-                <a:cubicBezTo>
-                  <a:pt x="461865" y="3442095"/>
-                  <a:pt x="475428" y="3444600"/>
-                  <a:pt x="487523" y="3450647"/>
-                </a:cubicBezTo>
-                <a:cubicBezTo>
-                  <a:pt x="501314" y="3457542"/>
-                  <a:pt x="512624" y="3468653"/>
-                  <a:pt x="526011" y="3476302"/>
-                </a:cubicBezTo>
-                <a:cubicBezTo>
-                  <a:pt x="542616" y="3485789"/>
-                  <a:pt x="560722" y="3492470"/>
-                  <a:pt x="577327" y="3501957"/>
-                </a:cubicBezTo>
-                <a:cubicBezTo>
-                  <a:pt x="646962" y="3541744"/>
-                  <a:pt x="583738" y="3516922"/>
-                  <a:pt x="654302" y="3540440"/>
-                </a:cubicBezTo>
-                <a:lnTo>
-                  <a:pt x="769765" y="3617407"/>
-                </a:lnTo>
-                <a:cubicBezTo>
-                  <a:pt x="782594" y="3625959"/>
-                  <a:pt x="793626" y="3638187"/>
-                  <a:pt x="808253" y="3643062"/>
-                </a:cubicBezTo>
-                <a:lnTo>
-                  <a:pt x="846740" y="3655890"/>
-                </a:lnTo>
-                <a:cubicBezTo>
-                  <a:pt x="911157" y="3752502"/>
-                  <a:pt x="824304" y="3640934"/>
-                  <a:pt x="923715" y="3707200"/>
-                </a:cubicBezTo>
-                <a:cubicBezTo>
-                  <a:pt x="936544" y="3715751"/>
-                  <a:pt x="936299" y="3737512"/>
-                  <a:pt x="949374" y="3745683"/>
-                </a:cubicBezTo>
-                <a:cubicBezTo>
-                  <a:pt x="972310" y="3760016"/>
-                  <a:pt x="1003845" y="3756338"/>
-                  <a:pt x="1026349" y="3771339"/>
-                </a:cubicBezTo>
-                <a:cubicBezTo>
-                  <a:pt x="1087340" y="3811995"/>
-                  <a:pt x="1050209" y="3792119"/>
-                  <a:pt x="1141811" y="3822650"/>
-                </a:cubicBezTo>
-                <a:cubicBezTo>
-                  <a:pt x="1162503" y="3843338"/>
-                  <a:pt x="1177637" y="3861824"/>
-                  <a:pt x="1205957" y="3873960"/>
-                </a:cubicBezTo>
-                <a:cubicBezTo>
-                  <a:pt x="1224395" y="3881861"/>
-                  <a:pt x="1306807" y="3895963"/>
-                  <a:pt x="1321420" y="3899616"/>
-                </a:cubicBezTo>
-                <a:cubicBezTo>
-                  <a:pt x="1334539" y="3902895"/>
-                  <a:pt x="1346789" y="3909164"/>
-                  <a:pt x="1359908" y="3912443"/>
-                </a:cubicBezTo>
-                <a:cubicBezTo>
-                  <a:pt x="1502630" y="3948119"/>
-                  <a:pt x="1647555" y="3932977"/>
-                  <a:pt x="1796100" y="3938099"/>
-                </a:cubicBezTo>
-                <a:cubicBezTo>
-                  <a:pt x="1892838" y="3970340"/>
-                  <a:pt x="1773596" y="3926849"/>
-                  <a:pt x="1873075" y="3976582"/>
-                </a:cubicBezTo>
-                <a:cubicBezTo>
-                  <a:pt x="1900582" y="3990334"/>
-                  <a:pt x="1949365" y="3996384"/>
-                  <a:pt x="1975708" y="4002237"/>
-                </a:cubicBezTo>
-                <a:cubicBezTo>
-                  <a:pt x="1992920" y="4006062"/>
-                  <a:pt x="2009919" y="4010789"/>
-                  <a:pt x="2027025" y="4015065"/>
-                </a:cubicBezTo>
-                <a:cubicBezTo>
-                  <a:pt x="2095447" y="4010789"/>
-                  <a:pt x="2164575" y="4012928"/>
-                  <a:pt x="2232292" y="4002237"/>
-                </a:cubicBezTo>
-                <a:cubicBezTo>
-                  <a:pt x="2247521" y="3999833"/>
-                  <a:pt x="2256988" y="3983476"/>
-                  <a:pt x="2270779" y="3976582"/>
-                </a:cubicBezTo>
-                <a:cubicBezTo>
-                  <a:pt x="2282875" y="3970535"/>
-                  <a:pt x="2296438" y="3968030"/>
-                  <a:pt x="2309267" y="3963754"/>
-                </a:cubicBezTo>
-                <a:lnTo>
-                  <a:pt x="2450388" y="3822650"/>
-                </a:lnTo>
-                <a:lnTo>
-                  <a:pt x="2501705" y="3771339"/>
-                </a:lnTo>
-                <a:cubicBezTo>
-                  <a:pt x="2514534" y="3767063"/>
-                  <a:pt x="2527530" y="3763259"/>
-                  <a:pt x="2540192" y="3758511"/>
-                </a:cubicBezTo>
-                <a:cubicBezTo>
-                  <a:pt x="2561755" y="3750426"/>
-                  <a:pt x="2582491" y="3740138"/>
-                  <a:pt x="2604338" y="3732856"/>
-                </a:cubicBezTo>
-                <a:cubicBezTo>
-                  <a:pt x="2621065" y="3727281"/>
-                  <a:pt x="2638766" y="3725094"/>
-                  <a:pt x="2655655" y="3720028"/>
-                </a:cubicBezTo>
-                <a:cubicBezTo>
-                  <a:pt x="2681561" y="3712257"/>
-                  <a:pt x="2706972" y="3702925"/>
-                  <a:pt x="2732630" y="3694373"/>
-                </a:cubicBezTo>
-                <a:lnTo>
-                  <a:pt x="2771118" y="3681545"/>
-                </a:lnTo>
-                <a:cubicBezTo>
-                  <a:pt x="2783947" y="3668717"/>
-                  <a:pt x="2794509" y="3653125"/>
-                  <a:pt x="2809605" y="3643062"/>
-                </a:cubicBezTo>
-                <a:cubicBezTo>
-                  <a:pt x="2820857" y="3635561"/>
-                  <a:pt x="2834727" y="3632290"/>
-                  <a:pt x="2848093" y="3630234"/>
-                </a:cubicBezTo>
-                <a:cubicBezTo>
-                  <a:pt x="2890571" y="3623700"/>
-                  <a:pt x="2933621" y="3621683"/>
-                  <a:pt x="2976385" y="3617407"/>
-                </a:cubicBezTo>
-                <a:cubicBezTo>
-                  <a:pt x="3111246" y="3590437"/>
-                  <a:pt x="2965961" y="3617123"/>
-                  <a:pt x="3181651" y="3591751"/>
-                </a:cubicBezTo>
-                <a:cubicBezTo>
-                  <a:pt x="3207485" y="3588712"/>
-                  <a:pt x="3232843" y="3582361"/>
-                  <a:pt x="3258627" y="3578924"/>
-                </a:cubicBezTo>
-                <a:cubicBezTo>
-                  <a:pt x="3297012" y="3573807"/>
-                  <a:pt x="3335602" y="3570372"/>
-                  <a:pt x="3374089" y="3566096"/>
-                </a:cubicBezTo>
-                <a:cubicBezTo>
-                  <a:pt x="3391195" y="3561820"/>
-                  <a:pt x="3408194" y="3557093"/>
-                  <a:pt x="3425406" y="3553268"/>
-                </a:cubicBezTo>
-                <a:cubicBezTo>
-                  <a:pt x="3446692" y="3548538"/>
-                  <a:pt x="3469135" y="3548096"/>
-                  <a:pt x="3489552" y="3540440"/>
-                </a:cubicBezTo>
-                <a:cubicBezTo>
-                  <a:pt x="3503989" y="3535027"/>
-                  <a:pt x="3514818" y="3522717"/>
-                  <a:pt x="3528039" y="3514785"/>
-                </a:cubicBezTo>
-                <a:cubicBezTo>
-                  <a:pt x="3578983" y="3484222"/>
-                  <a:pt x="3634462" y="3460633"/>
-                  <a:pt x="3681990" y="3424991"/>
-                </a:cubicBezTo>
-                <a:cubicBezTo>
-                  <a:pt x="3699095" y="3412163"/>
-                  <a:pt x="3715174" y="3397839"/>
-                  <a:pt x="3733306" y="3386508"/>
-                </a:cubicBezTo>
-                <a:cubicBezTo>
-                  <a:pt x="3769540" y="3363865"/>
-                  <a:pt x="3785699" y="3360494"/>
-                  <a:pt x="3823111" y="3348025"/>
-                </a:cubicBezTo>
-                <a:cubicBezTo>
-                  <a:pt x="3818834" y="3365129"/>
-                  <a:pt x="3823668" y="3387863"/>
-                  <a:pt x="3810281" y="3399336"/>
-                </a:cubicBezTo>
-                <a:cubicBezTo>
-                  <a:pt x="3789745" y="3416936"/>
-                  <a:pt x="3733306" y="3424991"/>
-                  <a:pt x="3733306" y="3424991"/>
-                </a:cubicBezTo>
-                <a:cubicBezTo>
-                  <a:pt x="3720477" y="3433543"/>
-                  <a:pt x="3708991" y="3444574"/>
-                  <a:pt x="3694819" y="3450647"/>
-                </a:cubicBezTo>
-                <a:cubicBezTo>
-                  <a:pt x="3678612" y="3457592"/>
-                  <a:pt x="3658454" y="3454130"/>
-                  <a:pt x="3643502" y="3463474"/>
-                </a:cubicBezTo>
-                <a:cubicBezTo>
-                  <a:pt x="3622988" y="3476293"/>
-                  <a:pt x="3592185" y="3514785"/>
-                  <a:pt x="3592185" y="3514785"/>
-                </a:cubicBezTo>
-              </a:path>
-            </a:pathLst>
-          </a:custGeom>
-          <a:ln w="44450">
-            <a:solidFill>
-              <a:schemeClr val="accent1">
-                <a:lumMod val="75000"/>
-              </a:schemeClr>
-            </a:solidFill>
-          </a:ln>
-        </p:spPr>
-        <p:txBody>
-          <a:bodyPr rtlCol="0" anchor="ctr"/>
-          <a:lstStyle/>
-          <a:p>
-            <a:pPr algn="ctr"/>
-            <a:endParaRPr lang="en-US"/>
-          </a:p>
-        </p:txBody>
-      </p:sp>
-      <p:sp>
-        <p:nvSpPr>
-          <p:cNvPr id="3" name="TextBox 2"/>
-          <p:cNvSpPr txBox="1"/>
-          <p:nvPr/>
-        </p:nvSpPr>
-        <p:spPr>
-          <a:xfrm>
-            <a:off x="5943600" y="2438400"/>
-            <a:ext cx="504766" cy="830997"/>
-          </a:xfrm>
-          <a:prstGeom prst="rect">
-            <a:avLst/>
-          </a:prstGeom>
-          <a:noFill/>
-        </p:spPr>
-        <p:txBody>
-          <a:bodyPr wrap="none" rtlCol="0">
-            <a:spAutoFit/>
-          </a:bodyPr>
-          <a:lstStyle/>
-          <a:p>
-            <a:r>
-              <a:rPr lang="en-US" sz="4800" dirty="0" smtClean="0">
-                <a:solidFill>
-                  <a:schemeClr val="accent1">
-                    <a:lumMod val="50000"/>
-                  </a:schemeClr>
-                </a:solidFill>
-              </a:rPr>
-              <a:t>u</a:t>
-            </a:r>
-            <a:endParaRPr lang="en-US" sz="4800" dirty="0">
-              <a:solidFill>
-                <a:schemeClr val="accent1">
-                  <a:lumMod val="50000"/>
-                </a:schemeClr>
-              </a:solidFill>
-            </a:endParaRPr>
-          </a:p>
-        </p:txBody>
-      </p:sp>
-      <p:sp>
-        <p:nvSpPr>
-          <p:cNvPr id="47" name="TextBox 46"/>
-          <p:cNvSpPr txBox="1"/>
-          <p:nvPr/>
-        </p:nvSpPr>
-        <p:spPr>
-          <a:xfrm>
-            <a:off x="6297773" y="4655403"/>
-            <a:ext cx="484027" cy="830997"/>
-          </a:xfrm>
-          <a:prstGeom prst="rect">
-            <a:avLst/>
-          </a:prstGeom>
-          <a:noFill/>
-        </p:spPr>
-        <p:txBody>
-          <a:bodyPr wrap="none" rtlCol="0">
-            <a:spAutoFit/>
-          </a:bodyPr>
-          <a:lstStyle/>
-          <a:p>
-            <a:r>
-              <a:rPr lang="en-US" sz="4800" dirty="0" smtClean="0">
-                <a:solidFill>
-                  <a:schemeClr val="accent1">
-                    <a:lumMod val="50000"/>
-                  </a:schemeClr>
-                </a:solidFill>
-              </a:rPr>
-              <a:t>v</a:t>
-            </a:r>
-            <a:endParaRPr lang="en-US" sz="4800" dirty="0">
-              <a:solidFill>
-                <a:schemeClr val="accent1">
-                  <a:lumMod val="50000"/>
-                </a:schemeClr>
-              </a:solidFill>
-            </a:endParaRPr>
-          </a:p>
-        </p:txBody>
-      </p:sp>
-      <p:sp>
-        <p:nvSpPr>
-          <p:cNvPr id="10" name="TextBox 9"/>
-          <p:cNvSpPr txBox="1"/>
-          <p:nvPr/>
-        </p:nvSpPr>
-        <p:spPr>
-          <a:xfrm>
-            <a:off x="152400" y="4419600"/>
-            <a:ext cx="4747101" cy="1938992"/>
-          </a:xfrm>
-          <a:prstGeom prst="rect">
-            <a:avLst/>
-          </a:prstGeom>
-          <a:noFill/>
-        </p:spPr>
-        <p:txBody>
-          <a:bodyPr wrap="none" rtlCol="0">
-            <a:spAutoFit/>
-          </a:bodyPr>
-          <a:lstStyle/>
-          <a:p>
-            <a:r>
-              <a:rPr lang="en-US" sz="6600" dirty="0" smtClean="0">
-                <a:solidFill>
-                  <a:srgbClr val="0000E5"/>
-                </a:solidFill>
-              </a:rPr>
-              <a:t>p</a:t>
-            </a:r>
-            <a:r>
-              <a:rPr lang="en-US" sz="5400" dirty="0" smtClean="0"/>
-              <a:t> connects</a:t>
-            </a:r>
-          </a:p>
-          <a:p>
-            <a:r>
-              <a:rPr lang="en-US" sz="5400" b="1" dirty="0" smtClean="0">
-                <a:ln w="12700">
-                  <a:solidFill>
-                    <a:schemeClr val="tx2">
-                      <a:satMod val="155000"/>
-                    </a:schemeClr>
-                  </a:solidFill>
-                  <a:prstDash val="solid"/>
-                </a:ln>
-                <a:solidFill>
-                  <a:srgbClr val="FFFFFF"/>
-                </a:solidFill>
-                <a:effectLst>
-                  <a:outerShdw blurRad="41275" dist="20320" dir="1800000" algn="tl" rotWithShape="0">
-                    <a:srgbClr val="000000">
-                      <a:alpha val="40000"/>
-                    </a:srgbClr>
-                  </a:outerShdw>
-                </a:effectLst>
-              </a:rPr>
-              <a:t>white</a:t>
-            </a:r>
-            <a:r>
-              <a:rPr lang="en-US" sz="5400" dirty="0" smtClean="0">
-                <a:solidFill>
-                  <a:srgbClr val="0000E5"/>
-                </a:solidFill>
-              </a:rPr>
-              <a:t> </a:t>
-            </a:r>
-            <a:r>
-              <a:rPr lang="en-US" sz="5400" dirty="0" smtClean="0">
-                <a:solidFill>
-                  <a:schemeClr val="accent1">
-                    <a:lumMod val="50000"/>
-                  </a:schemeClr>
-                </a:solidFill>
-              </a:rPr>
-              <a:t>to</a:t>
-            </a:r>
-            <a:r>
-              <a:rPr lang="en-US" sz="5400" dirty="0" smtClean="0"/>
-              <a:t> black</a:t>
-            </a:r>
-            <a:endParaRPr lang="en-US" sz="5400" dirty="0"/>
-          </a:p>
-        </p:txBody>
-      </p:sp>
-      <p:sp>
-        <p:nvSpPr>
-          <p:cNvPr id="28" name="Title 1"/>
-          <p:cNvSpPr>
-            <a:spLocks noGrp="1"/>
-          </p:cNvSpPr>
-          <p:nvPr>
-            <p:ph type="title"/>
-          </p:nvPr>
-        </p:nvSpPr>
-        <p:spPr>
-          <a:xfrm>
-            <a:off x="1524000" y="304800"/>
-            <a:ext cx="7086600" cy="990600"/>
-          </a:xfrm>
-        </p:spPr>
-        <p:txBody>
-          <a:bodyPr/>
-          <a:lstStyle/>
-          <a:p>
-            <a:r>
-              <a:rPr lang="en-US" dirty="0" smtClean="0"/>
-              <a:t>Proof of </a:t>
-            </a:r>
-            <a:r>
-              <a:rPr lang="en-US" dirty="0" smtClean="0">
-                <a:solidFill>
-                  <a:schemeClr val="tx1"/>
-                </a:solidFill>
-              </a:rPr>
-              <a:t>Swap Lemma</a:t>
-            </a:r>
-            <a:endParaRPr lang="en-US" dirty="0">
-              <a:solidFill>
-                <a:schemeClr val="tx1"/>
-              </a:solidFill>
-            </a:endParaRPr>
-          </a:p>
-        </p:txBody>
-      </p:sp>
-    </p:spTree>
-    <p:extLst>
-      <p:ext uri="{BB962C8B-B14F-4D97-AF65-F5344CB8AC3E}">
-        <p14:creationId xmlns:p14="http://schemas.microsoft.com/office/powerpoint/2010/main" val="4186719370"/>
-      </p:ext>
-    </p:extLst>
-  </p:cSld>
-  <p:clrMapOvr>
-    <a:masterClrMapping/>
-  </p:clrMapOvr>
-  <mc:AlternateContent xmlns:mc="http://schemas.openxmlformats.org/markup-compatibility/2006" xmlns:p14="http://schemas.microsoft.com/office/powerpoint/2010/main">
-    <mc:Choice Requires="p14">
-      <p:transition spd="med" p14:dur="700" advClick="0">
-        <p:fade/>
-      </p:transition>
-    </mc:Choice>
-    <mc:Fallback xmlns="">
-      <p:transition xmlns:p14="http://schemas.microsoft.com/office/powerpoint/2010/main" spd="med" advClick="0">
-        <p:fade/>
-      </p:transition>
-    </mc:Fallback>
-  </mc:AlternateContent>
-  <p:timing>
-    <p:tnLst>
-      <p:par>
-        <p:cTn xmlns:p14="http://schemas.microsoft.com/office/powerpoint/2010/main" id="1" dur="indefinite" restart="never" nodeType="tmRoot">
-          <p:childTnLst>
-            <p:seq concurrent="1" nextAc="seek">
-              <p:cTn id="2" dur="indefinite" nodeType="mainSeq">
-                <p:childTnLst>
-                  <p:par>
-                    <p:cTn id="3" fill="hold">
-                      <p:stCondLst>
-                        <p:cond delay="indefinite"/>
-                      </p:stCondLst>
-                      <p:childTnLst>
-                        <p:par>
-                          <p:cTn id="4" fill="hold">
-                            <p:stCondLst>
-                              <p:cond delay="0"/>
-                            </p:stCondLst>
-                            <p:childTnLst>
-                              <p:par>
-                                <p:cTn id="5" presetID="22" presetClass="entr" presetSubtype="2" fill="hold" grpId="0" nodeType="clickEffect">
-                                  <p:stCondLst>
-                                    <p:cond delay="0"/>
-                                  </p:stCondLst>
-                                  <p:childTnLst>
-                                    <p:set>
-                                      <p:cBhvr>
-                                        <p:cTn id="6" dur="1" fill="hold">
-                                          <p:stCondLst>
-                                            <p:cond delay="0"/>
-                                          </p:stCondLst>
-                                        </p:cTn>
-                                        <p:tgtEl>
-                                          <p:spTgt spid="34"/>
-                                        </p:tgtEl>
-                                        <p:attrNameLst>
-                                          <p:attrName>style.visibility</p:attrName>
-                                        </p:attrNameLst>
-                                      </p:cBhvr>
-                                      <p:to>
-                                        <p:strVal val="visible"/>
-                                      </p:to>
-                                    </p:set>
-                                    <p:animEffect transition="in" filter="wipe(right)">
-                                      <p:cBhvr>
-                                        <p:cTn id="7" dur="500"/>
-                                        <p:tgtEl>
-                                          <p:spTgt spid="34"/>
-                                        </p:tgtEl>
-                                      </p:cBhvr>
-                                    </p:animEffect>
-                                  </p:childTnLst>
-                                </p:cTn>
-                              </p:par>
-                            </p:childTnLst>
-                          </p:cTn>
-                        </p:par>
-                        <p:par>
-                          <p:cTn id="8" fill="hold">
-                            <p:stCondLst>
-                              <p:cond delay="500"/>
-                            </p:stCondLst>
-                            <p:childTnLst>
-                              <p:par>
-                                <p:cTn id="9" presetID="22" presetClass="entr" presetSubtype="1" fill="hold" grpId="0" nodeType="afterEffect">
-                                  <p:stCondLst>
-                                    <p:cond delay="0"/>
-                                  </p:stCondLst>
-                                  <p:childTnLst>
-                                    <p:set>
-                                      <p:cBhvr>
-                                        <p:cTn id="10" dur="1" fill="hold">
-                                          <p:stCondLst>
-                                            <p:cond delay="0"/>
-                                          </p:stCondLst>
-                                        </p:cTn>
-                                        <p:tgtEl>
-                                          <p:spTgt spid="36"/>
-                                        </p:tgtEl>
-                                        <p:attrNameLst>
-                                          <p:attrName>style.visibility</p:attrName>
-                                        </p:attrNameLst>
-                                      </p:cBhvr>
-                                      <p:to>
-                                        <p:strVal val="visible"/>
-                                      </p:to>
-                                    </p:set>
-                                    <p:animEffect transition="in" filter="wipe(up)">
-                                      <p:cBhvr>
-                                        <p:cTn id="11" dur="1000"/>
-                                        <p:tgtEl>
-                                          <p:spTgt spid="36"/>
-                                        </p:tgtEl>
-                                      </p:cBhvr>
-                                    </p:animEffect>
-                                  </p:childTnLst>
-                                </p:cTn>
-                              </p:par>
-                              <p:par>
-                                <p:cTn id="12" presetID="10" presetClass="entr" presetSubtype="0" fill="hold" grpId="0" nodeType="withEffect">
-                                  <p:stCondLst>
-                                    <p:cond delay="0"/>
-                                  </p:stCondLst>
-                                  <p:childTnLst>
-                                    <p:set>
-                                      <p:cBhvr>
-                                        <p:cTn id="13" dur="1" fill="hold">
-                                          <p:stCondLst>
-                                            <p:cond delay="0"/>
-                                          </p:stCondLst>
-                                        </p:cTn>
-                                        <p:tgtEl>
-                                          <p:spTgt spid="144"/>
-                                        </p:tgtEl>
-                                        <p:attrNameLst>
-                                          <p:attrName>style.visibility</p:attrName>
-                                        </p:attrNameLst>
-                                      </p:cBhvr>
-                                      <p:to>
-                                        <p:strVal val="visible"/>
-                                      </p:to>
-                                    </p:set>
-                                    <p:animEffect transition="in" filter="fade">
-                                      <p:cBhvr>
-                                        <p:cTn id="14" dur="500"/>
-                                        <p:tgtEl>
-                                          <p:spTgt spid="144"/>
-                                        </p:tgtEl>
-                                      </p:cBhvr>
-                                    </p:animEffect>
-                                  </p:childTnLst>
-                                </p:cTn>
-                              </p:par>
-                            </p:childTnLst>
-                          </p:cTn>
-                        </p:par>
-                      </p:childTnLst>
-                    </p:cTn>
-                  </p:par>
-                  <p:par>
-                    <p:cTn id="15" fill="hold">
-                      <p:stCondLst>
-                        <p:cond delay="indefinite"/>
-                      </p:stCondLst>
-                      <p:childTnLst>
-                        <p:par>
-                          <p:cTn id="16" fill="hold">
-                            <p:stCondLst>
-                              <p:cond delay="0"/>
-                            </p:stCondLst>
-                            <p:childTnLst>
-                              <p:par>
-                                <p:cTn id="17" presetID="10" presetClass="entr" presetSubtype="0" fill="hold" grpId="0" nodeType="clickEffect">
-                                  <p:stCondLst>
-                                    <p:cond delay="0"/>
-                                  </p:stCondLst>
-                                  <p:childTnLst>
-                                    <p:set>
-                                      <p:cBhvr>
-                                        <p:cTn id="18" dur="1" fill="hold">
-                                          <p:stCondLst>
-                                            <p:cond delay="0"/>
-                                          </p:stCondLst>
-                                        </p:cTn>
-                                        <p:tgtEl>
-                                          <p:spTgt spid="10"/>
-                                        </p:tgtEl>
-                                        <p:attrNameLst>
-                                          <p:attrName>style.visibility</p:attrName>
-                                        </p:attrNameLst>
-                                      </p:cBhvr>
-                                      <p:to>
-                                        <p:strVal val="visible"/>
-                                      </p:to>
-                                    </p:set>
-                                    <p:animEffect transition="in" filter="fade">
-                                      <p:cBhvr>
-                                        <p:cTn id="19" dur="500"/>
-                                        <p:tgtEl>
-                                          <p:spTgt spid="10"/>
-                                        </p:tgtEl>
-                                      </p:cBhvr>
-                                    </p:animEffect>
-                                  </p:childTnLst>
-                                </p:cTn>
-                              </p:par>
-                            </p:childTnLst>
-                          </p:cTn>
-                        </p:par>
-                      </p:childTnLst>
-                    </p:cTn>
-                  </p:par>
-                </p:childTnLst>
-              </p:cTn>
-              <p:prevCondLst>
-                <p:cond evt="onPrev" delay="0">
-                  <p:tgtEl>
-                    <p:sldTgt/>
-                  </p:tgtEl>
-                </p:cond>
-              </p:prevCondLst>
-              <p:nextCondLst>
-                <p:cond evt="onNext" delay="0">
-                  <p:tgtEl>
-                    <p:sldTgt/>
-                  </p:tgtEl>
-                </p:cond>
-              </p:nextCondLst>
-            </p:seq>
-          </p:childTnLst>
-        </p:cTn>
-      </p:par>
-    </p:tnLst>
-    <p:bldLst>
-      <p:bldP spid="144" grpId="0"/>
-      <p:bldP spid="34" grpId="0" animBg="1"/>
-      <p:bldP spid="36" grpId="0" animBg="1"/>
-      <p:bldP spid="10" grpId="0"/>
-    </p:bldLst>
   </p:timing>
 </p:sld>
 </file>
@@ -10894,6 +9234,2428 @@
       </p:sp>
       <p:sp>
         <p:nvSpPr>
+          <p:cNvPr id="3" name="TextBox 2"/>
+          <p:cNvSpPr txBox="1"/>
+          <p:nvPr/>
+        </p:nvSpPr>
+        <p:spPr>
+          <a:xfrm>
+            <a:off x="5943600" y="2438400"/>
+            <a:ext cx="504766" cy="830997"/>
+          </a:xfrm>
+          <a:prstGeom prst="rect">
+            <a:avLst/>
+          </a:prstGeom>
+          <a:noFill/>
+        </p:spPr>
+        <p:txBody>
+          <a:bodyPr wrap="none" rtlCol="0">
+            <a:spAutoFit/>
+          </a:bodyPr>
+          <a:lstStyle/>
+          <a:p>
+            <a:r>
+              <a:rPr lang="en-US" sz="4800" dirty="0" smtClean="0">
+                <a:solidFill>
+                  <a:schemeClr val="accent1">
+                    <a:lumMod val="50000"/>
+                  </a:schemeClr>
+                </a:solidFill>
+              </a:rPr>
+              <a:t>u</a:t>
+            </a:r>
+            <a:endParaRPr lang="en-US" sz="4800" dirty="0">
+              <a:solidFill>
+                <a:schemeClr val="accent1">
+                  <a:lumMod val="50000"/>
+                </a:schemeClr>
+              </a:solidFill>
+            </a:endParaRPr>
+          </a:p>
+        </p:txBody>
+      </p:sp>
+      <p:sp>
+        <p:nvSpPr>
+          <p:cNvPr id="47" name="TextBox 46"/>
+          <p:cNvSpPr txBox="1"/>
+          <p:nvPr/>
+        </p:nvSpPr>
+        <p:spPr>
+          <a:xfrm>
+            <a:off x="6297773" y="4655403"/>
+            <a:ext cx="484027" cy="830997"/>
+          </a:xfrm>
+          <a:prstGeom prst="rect">
+            <a:avLst/>
+          </a:prstGeom>
+          <a:noFill/>
+        </p:spPr>
+        <p:txBody>
+          <a:bodyPr wrap="none" rtlCol="0">
+            <a:spAutoFit/>
+          </a:bodyPr>
+          <a:lstStyle/>
+          <a:p>
+            <a:r>
+              <a:rPr lang="en-US" sz="4800" dirty="0" smtClean="0">
+                <a:solidFill>
+                  <a:schemeClr val="accent1">
+                    <a:lumMod val="50000"/>
+                  </a:schemeClr>
+                </a:solidFill>
+              </a:rPr>
+              <a:t>v</a:t>
+            </a:r>
+            <a:endParaRPr lang="en-US" sz="4800" dirty="0">
+              <a:solidFill>
+                <a:schemeClr val="accent1">
+                  <a:lumMod val="50000"/>
+                </a:schemeClr>
+              </a:solidFill>
+            </a:endParaRPr>
+          </a:p>
+        </p:txBody>
+      </p:sp>
+      <p:sp>
+        <p:nvSpPr>
+          <p:cNvPr id="10" name="TextBox 9"/>
+          <p:cNvSpPr txBox="1"/>
+          <p:nvPr/>
+        </p:nvSpPr>
+        <p:spPr>
+          <a:xfrm>
+            <a:off x="152400" y="4419600"/>
+            <a:ext cx="4747101" cy="1938992"/>
+          </a:xfrm>
+          <a:prstGeom prst="rect">
+            <a:avLst/>
+          </a:prstGeom>
+          <a:noFill/>
+        </p:spPr>
+        <p:txBody>
+          <a:bodyPr wrap="none" rtlCol="0">
+            <a:spAutoFit/>
+          </a:bodyPr>
+          <a:lstStyle/>
+          <a:p>
+            <a:r>
+              <a:rPr lang="en-US" sz="6600" dirty="0" smtClean="0">
+                <a:solidFill>
+                  <a:srgbClr val="0000E5"/>
+                </a:solidFill>
+              </a:rPr>
+              <a:t>p</a:t>
+            </a:r>
+            <a:r>
+              <a:rPr lang="en-US" sz="5400" dirty="0" smtClean="0"/>
+              <a:t> connects</a:t>
+            </a:r>
+          </a:p>
+          <a:p>
+            <a:r>
+              <a:rPr lang="en-US" sz="5400" b="1" dirty="0" smtClean="0">
+                <a:ln w="12700">
+                  <a:solidFill>
+                    <a:schemeClr val="tx2">
+                      <a:satMod val="155000"/>
+                    </a:schemeClr>
+                  </a:solidFill>
+                  <a:prstDash val="solid"/>
+                </a:ln>
+                <a:solidFill>
+                  <a:srgbClr val="FFFFFF"/>
+                </a:solidFill>
+                <a:effectLst>
+                  <a:outerShdw blurRad="41275" dist="20320" dir="1800000" algn="tl" rotWithShape="0">
+                    <a:srgbClr val="000000">
+                      <a:alpha val="40000"/>
+                    </a:srgbClr>
+                  </a:outerShdw>
+                </a:effectLst>
+              </a:rPr>
+              <a:t>white</a:t>
+            </a:r>
+            <a:r>
+              <a:rPr lang="en-US" sz="5400" dirty="0" smtClean="0">
+                <a:solidFill>
+                  <a:srgbClr val="0000E5"/>
+                </a:solidFill>
+              </a:rPr>
+              <a:t> </a:t>
+            </a:r>
+            <a:r>
+              <a:rPr lang="en-US" sz="5400" dirty="0" smtClean="0">
+                <a:solidFill>
+                  <a:schemeClr val="accent1">
+                    <a:lumMod val="50000"/>
+                  </a:schemeClr>
+                </a:solidFill>
+              </a:rPr>
+              <a:t>to</a:t>
+            </a:r>
+            <a:r>
+              <a:rPr lang="en-US" sz="5400" dirty="0" smtClean="0"/>
+              <a:t> black</a:t>
+            </a:r>
+            <a:endParaRPr lang="en-US" sz="5400" dirty="0"/>
+          </a:p>
+        </p:txBody>
+      </p:sp>
+      <p:sp>
+        <p:nvSpPr>
+          <p:cNvPr id="28" name="Title 1"/>
+          <p:cNvSpPr>
+            <a:spLocks noGrp="1"/>
+          </p:cNvSpPr>
+          <p:nvPr>
+            <p:ph type="title"/>
+          </p:nvPr>
+        </p:nvSpPr>
+        <p:spPr>
+          <a:xfrm>
+            <a:off x="1524000" y="304800"/>
+            <a:ext cx="7086600" cy="990600"/>
+          </a:xfrm>
+        </p:spPr>
+        <p:txBody>
+          <a:bodyPr/>
+          <a:lstStyle/>
+          <a:p>
+            <a:r>
+              <a:rPr lang="en-US" dirty="0" smtClean="0"/>
+              <a:t>Proof of </a:t>
+            </a:r>
+            <a:r>
+              <a:rPr lang="en-US" dirty="0" smtClean="0">
+                <a:solidFill>
+                  <a:schemeClr val="tx1"/>
+                </a:solidFill>
+              </a:rPr>
+              <a:t>Swap Lemma</a:t>
+            </a:r>
+            <a:endParaRPr lang="en-US" dirty="0">
+              <a:solidFill>
+                <a:schemeClr val="tx1"/>
+              </a:solidFill>
+            </a:endParaRPr>
+          </a:p>
+        </p:txBody>
+      </p:sp>
+    </p:spTree>
+    <p:extLst>
+      <p:ext uri="{BB962C8B-B14F-4D97-AF65-F5344CB8AC3E}">
+        <p14:creationId xmlns:p14="http://schemas.microsoft.com/office/powerpoint/2010/main" val="4186719370"/>
+      </p:ext>
+    </p:extLst>
+  </p:cSld>
+  <p:clrMapOvr>
+    <a:masterClrMapping/>
+  </p:clrMapOvr>
+  <mc:AlternateContent xmlns:mc="http://schemas.openxmlformats.org/markup-compatibility/2006" xmlns:p14="http://schemas.microsoft.com/office/powerpoint/2010/main">
+    <mc:Choice Requires="p14">
+      <p:transition spd="med" p14:dur="700" advClick="0">
+        <p:fade/>
+      </p:transition>
+    </mc:Choice>
+    <mc:Fallback xmlns="">
+      <p:transition xmlns:p14="http://schemas.microsoft.com/office/powerpoint/2010/main" spd="med" advClick="0">
+        <p:fade/>
+      </p:transition>
+    </mc:Fallback>
+  </mc:AlternateContent>
+  <p:timing>
+    <p:tnLst>
+      <p:par>
+        <p:cTn xmlns:p14="http://schemas.microsoft.com/office/powerpoint/2010/main" id="1" dur="indefinite" restart="never" nodeType="tmRoot">
+          <p:childTnLst>
+            <p:seq concurrent="1" nextAc="seek">
+              <p:cTn id="2" dur="indefinite" nodeType="mainSeq">
+                <p:childTnLst>
+                  <p:par>
+                    <p:cTn id="3" fill="hold">
+                      <p:stCondLst>
+                        <p:cond delay="indefinite"/>
+                      </p:stCondLst>
+                      <p:childTnLst>
+                        <p:par>
+                          <p:cTn id="4" fill="hold">
+                            <p:stCondLst>
+                              <p:cond delay="0"/>
+                            </p:stCondLst>
+                            <p:childTnLst>
+                              <p:par>
+                                <p:cTn id="5" presetID="22" presetClass="entr" presetSubtype="2" fill="hold" grpId="0" nodeType="clickEffect">
+                                  <p:stCondLst>
+                                    <p:cond delay="0"/>
+                                  </p:stCondLst>
+                                  <p:childTnLst>
+                                    <p:set>
+                                      <p:cBhvr>
+                                        <p:cTn id="6" dur="1" fill="hold">
+                                          <p:stCondLst>
+                                            <p:cond delay="0"/>
+                                          </p:stCondLst>
+                                        </p:cTn>
+                                        <p:tgtEl>
+                                          <p:spTgt spid="34"/>
+                                        </p:tgtEl>
+                                        <p:attrNameLst>
+                                          <p:attrName>style.visibility</p:attrName>
+                                        </p:attrNameLst>
+                                      </p:cBhvr>
+                                      <p:to>
+                                        <p:strVal val="visible"/>
+                                      </p:to>
+                                    </p:set>
+                                    <p:animEffect transition="in" filter="wipe(right)">
+                                      <p:cBhvr>
+                                        <p:cTn id="7" dur="500"/>
+                                        <p:tgtEl>
+                                          <p:spTgt spid="34"/>
+                                        </p:tgtEl>
+                                      </p:cBhvr>
+                                    </p:animEffect>
+                                  </p:childTnLst>
+                                </p:cTn>
+                              </p:par>
+                            </p:childTnLst>
+                          </p:cTn>
+                        </p:par>
+                        <p:par>
+                          <p:cTn id="8" fill="hold">
+                            <p:stCondLst>
+                              <p:cond delay="500"/>
+                            </p:stCondLst>
+                            <p:childTnLst>
+                              <p:par>
+                                <p:cTn id="9" presetID="22" presetClass="entr" presetSubtype="1" fill="hold" grpId="0" nodeType="afterEffect">
+                                  <p:stCondLst>
+                                    <p:cond delay="0"/>
+                                  </p:stCondLst>
+                                  <p:childTnLst>
+                                    <p:set>
+                                      <p:cBhvr>
+                                        <p:cTn id="10" dur="1" fill="hold">
+                                          <p:stCondLst>
+                                            <p:cond delay="0"/>
+                                          </p:stCondLst>
+                                        </p:cTn>
+                                        <p:tgtEl>
+                                          <p:spTgt spid="36"/>
+                                        </p:tgtEl>
+                                        <p:attrNameLst>
+                                          <p:attrName>style.visibility</p:attrName>
+                                        </p:attrNameLst>
+                                      </p:cBhvr>
+                                      <p:to>
+                                        <p:strVal val="visible"/>
+                                      </p:to>
+                                    </p:set>
+                                    <p:animEffect transition="in" filter="wipe(up)">
+                                      <p:cBhvr>
+                                        <p:cTn id="11" dur="1000"/>
+                                        <p:tgtEl>
+                                          <p:spTgt spid="36"/>
+                                        </p:tgtEl>
+                                      </p:cBhvr>
+                                    </p:animEffect>
+                                  </p:childTnLst>
+                                </p:cTn>
+                              </p:par>
+                              <p:par>
+                                <p:cTn id="12" presetID="10" presetClass="entr" presetSubtype="0" fill="hold" grpId="0" nodeType="withEffect">
+                                  <p:stCondLst>
+                                    <p:cond delay="0"/>
+                                  </p:stCondLst>
+                                  <p:childTnLst>
+                                    <p:set>
+                                      <p:cBhvr>
+                                        <p:cTn id="13" dur="1" fill="hold">
+                                          <p:stCondLst>
+                                            <p:cond delay="0"/>
+                                          </p:stCondLst>
+                                        </p:cTn>
+                                        <p:tgtEl>
+                                          <p:spTgt spid="144"/>
+                                        </p:tgtEl>
+                                        <p:attrNameLst>
+                                          <p:attrName>style.visibility</p:attrName>
+                                        </p:attrNameLst>
+                                      </p:cBhvr>
+                                      <p:to>
+                                        <p:strVal val="visible"/>
+                                      </p:to>
+                                    </p:set>
+                                    <p:animEffect transition="in" filter="fade">
+                                      <p:cBhvr>
+                                        <p:cTn id="14" dur="500"/>
+                                        <p:tgtEl>
+                                          <p:spTgt spid="144"/>
+                                        </p:tgtEl>
+                                      </p:cBhvr>
+                                    </p:animEffect>
+                                  </p:childTnLst>
+                                </p:cTn>
+                              </p:par>
+                            </p:childTnLst>
+                          </p:cTn>
+                        </p:par>
+                      </p:childTnLst>
+                    </p:cTn>
+                  </p:par>
+                  <p:par>
+                    <p:cTn id="15" fill="hold">
+                      <p:stCondLst>
+                        <p:cond delay="indefinite"/>
+                      </p:stCondLst>
+                      <p:childTnLst>
+                        <p:par>
+                          <p:cTn id="16" fill="hold">
+                            <p:stCondLst>
+                              <p:cond delay="0"/>
+                            </p:stCondLst>
+                            <p:childTnLst>
+                              <p:par>
+                                <p:cTn id="17" presetID="10" presetClass="entr" presetSubtype="0" fill="hold" grpId="0" nodeType="clickEffect">
+                                  <p:stCondLst>
+                                    <p:cond delay="0"/>
+                                  </p:stCondLst>
+                                  <p:childTnLst>
+                                    <p:set>
+                                      <p:cBhvr>
+                                        <p:cTn id="18" dur="1" fill="hold">
+                                          <p:stCondLst>
+                                            <p:cond delay="0"/>
+                                          </p:stCondLst>
+                                        </p:cTn>
+                                        <p:tgtEl>
+                                          <p:spTgt spid="10"/>
+                                        </p:tgtEl>
+                                        <p:attrNameLst>
+                                          <p:attrName>style.visibility</p:attrName>
+                                        </p:attrNameLst>
+                                      </p:cBhvr>
+                                      <p:to>
+                                        <p:strVal val="visible"/>
+                                      </p:to>
+                                    </p:set>
+                                    <p:animEffect transition="in" filter="fade">
+                                      <p:cBhvr>
+                                        <p:cTn id="19" dur="500"/>
+                                        <p:tgtEl>
+                                          <p:spTgt spid="10"/>
+                                        </p:tgtEl>
+                                      </p:cBhvr>
+                                    </p:animEffect>
+                                  </p:childTnLst>
+                                </p:cTn>
+                              </p:par>
+                            </p:childTnLst>
+                          </p:cTn>
+                        </p:par>
+                      </p:childTnLst>
+                    </p:cTn>
+                  </p:par>
+                </p:childTnLst>
+              </p:cTn>
+              <p:prevCondLst>
+                <p:cond evt="onPrev" delay="0">
+                  <p:tgtEl>
+                    <p:sldTgt/>
+                  </p:tgtEl>
+                </p:cond>
+              </p:prevCondLst>
+              <p:nextCondLst>
+                <p:cond evt="onNext" delay="0">
+                  <p:tgtEl>
+                    <p:sldTgt/>
+                  </p:tgtEl>
+                </p:cond>
+              </p:nextCondLst>
+            </p:seq>
+          </p:childTnLst>
+        </p:cTn>
+      </p:par>
+    </p:tnLst>
+    <p:bldLst>
+      <p:bldP spid="144" grpId="0"/>
+      <p:bldP spid="34" grpId="0" animBg="1"/>
+      <p:bldP spid="36" grpId="0" animBg="1"/>
+      <p:bldP spid="10" grpId="0"/>
+    </p:bldLst>
+  </p:timing>
+</p:sld>
+</file>
+
+<file path=ppt/slides/slide19.xml><?xml version="1.0" encoding="utf-8"?>
+<p:sld xmlns:a="http://schemas.openxmlformats.org/drawingml/2006/main" xmlns:r="http://schemas.openxmlformats.org/officeDocument/2006/relationships" xmlns:p="http://schemas.openxmlformats.org/presentationml/2006/main">
+  <p:cSld>
+    <p:spTree>
+      <p:nvGrpSpPr>
+        <p:cNvPr id="1" name=""/>
+        <p:cNvGrpSpPr/>
+        <p:nvPr/>
+      </p:nvGrpSpPr>
+      <p:grpSpPr>
+        <a:xfrm>
+          <a:off x="0" y="0"/>
+          <a:ext cx="0" cy="0"/>
+          <a:chOff x="0" y="0"/>
+          <a:chExt cx="0" cy="0"/>
+        </a:xfrm>
+      </p:grpSpPr>
+      <p:sp>
+        <p:nvSpPr>
+          <p:cNvPr id="5" name="Oval 4"/>
+          <p:cNvSpPr/>
+          <p:nvPr/>
+        </p:nvSpPr>
+        <p:spPr bwMode="auto">
+          <a:xfrm>
+            <a:off x="6705600" y="5334000"/>
+            <a:ext cx="152400" cy="152400"/>
+          </a:xfrm>
+          <a:prstGeom prst="ellipse">
+            <a:avLst/>
+          </a:prstGeom>
+          <a:solidFill>
+            <a:schemeClr val="tx1"/>
+          </a:solidFill>
+          <a:ln w="31750" cap="flat" cmpd="sng" algn="ctr">
+            <a:solidFill>
+              <a:schemeClr val="tx1"/>
+            </a:solidFill>
+            <a:prstDash val="solid"/>
+            <a:round/>
+            <a:headEnd type="none" w="med" len="med"/>
+            <a:tailEnd type="triangle" w="lg" len="lg"/>
+          </a:ln>
+          <a:effectLst/>
+        </p:spPr>
+        <p:txBody>
+          <a:bodyPr vert="horz" wrap="square" lIns="91440" tIns="45720" rIns="91440" bIns="45720" numCol="1" rtlCol="0" anchor="t" anchorCtr="0" compatLnSpc="1">
+            <a:prstTxWarp prst="textNoShape">
+              <a:avLst/>
+            </a:prstTxWarp>
+          </a:bodyPr>
+          <a:lstStyle/>
+          <a:p>
+            <a:pPr marL="0" marR="0" indent="0" algn="l" defTabSz="914400" rtl="0" eaLnBrk="1" fontAlgn="base" latinLnBrk="0" hangingPunct="1">
+              <a:lnSpc>
+                <a:spcPct val="100000"/>
+              </a:lnSpc>
+              <a:spcBef>
+                <a:spcPct val="0"/>
+              </a:spcBef>
+              <a:spcAft>
+                <a:spcPct val="0"/>
+              </a:spcAft>
+              <a:buClrTx/>
+              <a:buSzTx/>
+              <a:buFontTx/>
+              <a:buNone/>
+              <a:tabLst/>
+            </a:pPr>
+            <a:endParaRPr kumimoji="0" lang="en-US" sz="3200" b="0" i="0" u="none" strike="noStrike" cap="none" normalizeH="0" baseline="0" smtClean="0">
+              <a:ln>
+                <a:noFill/>
+              </a:ln>
+              <a:solidFill>
+                <a:schemeClr val="tx1"/>
+              </a:solidFill>
+              <a:effectLst/>
+              <a:latin typeface="Comic Sans MS" pitchFamily="66" charset="0"/>
+            </a:endParaRPr>
+          </a:p>
+        </p:txBody>
+      </p:sp>
+      <p:sp>
+        <p:nvSpPr>
+          <p:cNvPr id="6" name="Oval 5"/>
+          <p:cNvSpPr/>
+          <p:nvPr/>
+        </p:nvSpPr>
+        <p:spPr bwMode="auto">
+          <a:xfrm>
+            <a:off x="6727918" y="6096000"/>
+            <a:ext cx="152400" cy="152400"/>
+          </a:xfrm>
+          <a:prstGeom prst="ellipse">
+            <a:avLst/>
+          </a:prstGeom>
+          <a:solidFill>
+            <a:schemeClr val="tx1"/>
+          </a:solidFill>
+          <a:ln w="31750" cap="flat" cmpd="sng" algn="ctr">
+            <a:solidFill>
+              <a:schemeClr val="tx1"/>
+            </a:solidFill>
+            <a:prstDash val="solid"/>
+            <a:round/>
+            <a:headEnd type="none" w="med" len="med"/>
+            <a:tailEnd type="triangle" w="lg" len="lg"/>
+          </a:ln>
+          <a:effectLst/>
+        </p:spPr>
+        <p:txBody>
+          <a:bodyPr vert="horz" wrap="square" lIns="91440" tIns="45720" rIns="91440" bIns="45720" numCol="1" rtlCol="0" anchor="t" anchorCtr="0" compatLnSpc="1">
+            <a:prstTxWarp prst="textNoShape">
+              <a:avLst/>
+            </a:prstTxWarp>
+          </a:bodyPr>
+          <a:lstStyle/>
+          <a:p>
+            <a:pPr marL="0" marR="0" indent="0" algn="l" defTabSz="914400" rtl="0" eaLnBrk="1" fontAlgn="base" latinLnBrk="0" hangingPunct="1">
+              <a:lnSpc>
+                <a:spcPct val="100000"/>
+              </a:lnSpc>
+              <a:spcBef>
+                <a:spcPct val="0"/>
+              </a:spcBef>
+              <a:spcAft>
+                <a:spcPct val="0"/>
+              </a:spcAft>
+              <a:buClrTx/>
+              <a:buSzTx/>
+              <a:buFontTx/>
+              <a:buNone/>
+              <a:tabLst/>
+            </a:pPr>
+            <a:endParaRPr kumimoji="0" lang="en-US" sz="3200" b="0" i="0" u="none" strike="noStrike" cap="none" normalizeH="0" baseline="0" smtClean="0">
+              <a:ln>
+                <a:noFill/>
+              </a:ln>
+              <a:solidFill>
+                <a:schemeClr val="tx1"/>
+              </a:solidFill>
+              <a:effectLst/>
+              <a:latin typeface="Comic Sans MS" pitchFamily="66" charset="0"/>
+            </a:endParaRPr>
+          </a:p>
+        </p:txBody>
+      </p:sp>
+      <p:sp>
+        <p:nvSpPr>
+          <p:cNvPr id="7" name="Oval 6"/>
+          <p:cNvSpPr/>
+          <p:nvPr/>
+        </p:nvSpPr>
+        <p:spPr bwMode="auto">
+          <a:xfrm>
+            <a:off x="5280118" y="6019800"/>
+            <a:ext cx="152400" cy="152400"/>
+          </a:xfrm>
+          <a:prstGeom prst="ellipse">
+            <a:avLst/>
+          </a:prstGeom>
+          <a:solidFill>
+            <a:schemeClr val="tx1"/>
+          </a:solidFill>
+          <a:ln w="31750" cap="flat" cmpd="sng" algn="ctr">
+            <a:solidFill>
+              <a:schemeClr val="tx1"/>
+            </a:solidFill>
+            <a:prstDash val="solid"/>
+            <a:round/>
+            <a:headEnd type="none" w="med" len="med"/>
+            <a:tailEnd type="triangle" w="lg" len="lg"/>
+          </a:ln>
+          <a:effectLst/>
+        </p:spPr>
+        <p:txBody>
+          <a:bodyPr vert="horz" wrap="square" lIns="91440" tIns="45720" rIns="91440" bIns="45720" numCol="1" rtlCol="0" anchor="t" anchorCtr="0" compatLnSpc="1">
+            <a:prstTxWarp prst="textNoShape">
+              <a:avLst/>
+            </a:prstTxWarp>
+          </a:bodyPr>
+          <a:lstStyle/>
+          <a:p>
+            <a:pPr marL="0" marR="0" indent="0" algn="l" defTabSz="914400" rtl="0" eaLnBrk="1" fontAlgn="base" latinLnBrk="0" hangingPunct="1">
+              <a:lnSpc>
+                <a:spcPct val="100000"/>
+              </a:lnSpc>
+              <a:spcBef>
+                <a:spcPct val="0"/>
+              </a:spcBef>
+              <a:spcAft>
+                <a:spcPct val="0"/>
+              </a:spcAft>
+              <a:buClrTx/>
+              <a:buSzTx/>
+              <a:buFontTx/>
+              <a:buNone/>
+              <a:tabLst/>
+            </a:pPr>
+            <a:endParaRPr kumimoji="0" lang="en-US" sz="3200" b="0" i="0" u="none" strike="noStrike" cap="none" normalizeH="0" baseline="0" smtClean="0">
+              <a:ln>
+                <a:noFill/>
+              </a:ln>
+              <a:solidFill>
+                <a:schemeClr val="tx1"/>
+              </a:solidFill>
+              <a:effectLst/>
+              <a:latin typeface="Comic Sans MS" pitchFamily="66" charset="0"/>
+            </a:endParaRPr>
+          </a:p>
+        </p:txBody>
+      </p:sp>
+      <p:cxnSp>
+        <p:nvCxnSpPr>
+          <p:cNvPr id="39" name="Straight Connector 38"/>
+          <p:cNvCxnSpPr>
+            <a:stCxn id="5" idx="4"/>
+            <a:endCxn id="6" idx="0"/>
+          </p:cNvCxnSpPr>
+          <p:nvPr/>
+        </p:nvCxnSpPr>
+        <p:spPr bwMode="auto">
+          <a:xfrm>
+            <a:off x="6781800" y="5486400"/>
+            <a:ext cx="22318" cy="609600"/>
+          </a:xfrm>
+          <a:prstGeom prst="line">
+            <a:avLst/>
+          </a:prstGeom>
+          <a:noFill/>
+          <a:ln w="38100" cap="flat" cmpd="sng" algn="ctr">
+            <a:solidFill>
+              <a:srgbClr val="FF00FF"/>
+            </a:solidFill>
+            <a:prstDash val="solid"/>
+            <a:round/>
+            <a:headEnd type="none" w="med" len="med"/>
+            <a:tailEnd type="none" w="lg" len="lg"/>
+          </a:ln>
+          <a:effectLst/>
+        </p:spPr>
+      </p:cxnSp>
+      <p:cxnSp>
+        <p:nvCxnSpPr>
+          <p:cNvPr id="40" name="Straight Connector 39"/>
+          <p:cNvCxnSpPr>
+            <a:stCxn id="5" idx="3"/>
+            <a:endCxn id="7" idx="7"/>
+          </p:cNvCxnSpPr>
+          <p:nvPr/>
+        </p:nvCxnSpPr>
+        <p:spPr bwMode="auto">
+          <a:xfrm flipH="1">
+            <a:off x="5410200" y="5464082"/>
+            <a:ext cx="1317718" cy="578036"/>
+          </a:xfrm>
+          <a:prstGeom prst="line">
+            <a:avLst/>
+          </a:prstGeom>
+          <a:noFill/>
+          <a:ln w="38100" cap="flat" cmpd="sng" algn="ctr">
+            <a:solidFill>
+              <a:srgbClr val="FF00FF"/>
+            </a:solidFill>
+            <a:prstDash val="solid"/>
+            <a:round/>
+            <a:headEnd type="none" w="med" len="med"/>
+            <a:tailEnd type="none" w="lg" len="lg"/>
+          </a:ln>
+          <a:effectLst/>
+        </p:spPr>
+      </p:cxnSp>
+      <p:cxnSp>
+        <p:nvCxnSpPr>
+          <p:cNvPr id="35" name="Straight Connector 34"/>
+          <p:cNvCxnSpPr>
+            <a:stCxn id="9" idx="4"/>
+            <a:endCxn id="8" idx="0"/>
+          </p:cNvCxnSpPr>
+          <p:nvPr/>
+        </p:nvCxnSpPr>
+        <p:spPr bwMode="auto">
+          <a:xfrm>
+            <a:off x="6140636" y="1828800"/>
+            <a:ext cx="412564" cy="914400"/>
+          </a:xfrm>
+          <a:prstGeom prst="line">
+            <a:avLst/>
+          </a:prstGeom>
+          <a:noFill/>
+          <a:ln w="38100" cap="flat" cmpd="sng" algn="ctr">
+            <a:solidFill>
+              <a:srgbClr val="FF00FF"/>
+            </a:solidFill>
+            <a:prstDash val="solid"/>
+            <a:round/>
+            <a:headEnd type="none" w="med" len="med"/>
+            <a:tailEnd type="none" w="lg" len="lg"/>
+          </a:ln>
+          <a:effectLst/>
+        </p:spPr>
+      </p:cxnSp>
+      <p:sp>
+        <p:nvSpPr>
+          <p:cNvPr id="9" name="Oval 8"/>
+          <p:cNvSpPr/>
+          <p:nvPr/>
+        </p:nvSpPr>
+        <p:spPr bwMode="auto">
+          <a:xfrm>
+            <a:off x="6064436" y="1676400"/>
+            <a:ext cx="152400" cy="152400"/>
+          </a:xfrm>
+          <a:prstGeom prst="ellipse">
+            <a:avLst/>
+          </a:prstGeom>
+          <a:solidFill>
+            <a:schemeClr val="bg1"/>
+          </a:solidFill>
+          <a:ln w="3175" cap="flat" cmpd="sng" algn="ctr">
+            <a:solidFill>
+              <a:schemeClr val="tx1"/>
+            </a:solidFill>
+            <a:prstDash val="solid"/>
+            <a:round/>
+            <a:headEnd type="none" w="med" len="med"/>
+            <a:tailEnd type="triangle" w="lg" len="lg"/>
+          </a:ln>
+          <a:effectLst/>
+        </p:spPr>
+        <p:txBody>
+          <a:bodyPr vert="horz" wrap="square" lIns="91440" tIns="45720" rIns="91440" bIns="45720" numCol="1" rtlCol="0" anchor="t" anchorCtr="0" compatLnSpc="1">
+            <a:prstTxWarp prst="textNoShape">
+              <a:avLst/>
+            </a:prstTxWarp>
+          </a:bodyPr>
+          <a:lstStyle/>
+          <a:p>
+            <a:pPr marL="0" marR="0" indent="0" algn="l" defTabSz="914400" rtl="0" eaLnBrk="1" fontAlgn="base" latinLnBrk="0" hangingPunct="1">
+              <a:lnSpc>
+                <a:spcPct val="100000"/>
+              </a:lnSpc>
+              <a:spcBef>
+                <a:spcPct val="0"/>
+              </a:spcBef>
+              <a:spcAft>
+                <a:spcPct val="0"/>
+              </a:spcAft>
+              <a:buClrTx/>
+              <a:buSzTx/>
+              <a:buFontTx/>
+              <a:buNone/>
+              <a:tabLst/>
+            </a:pPr>
+            <a:endParaRPr kumimoji="0" lang="en-US" sz="3200" b="0" i="0" u="none" strike="noStrike" cap="none" normalizeH="0" baseline="0" smtClean="0">
+              <a:ln>
+                <a:noFill/>
+              </a:ln>
+              <a:solidFill>
+                <a:schemeClr val="tx1"/>
+              </a:solidFill>
+              <a:effectLst/>
+              <a:latin typeface="Comic Sans MS" pitchFamily="66" charset="0"/>
+            </a:endParaRPr>
+          </a:p>
+        </p:txBody>
+      </p:sp>
+      <p:cxnSp>
+        <p:nvCxnSpPr>
+          <p:cNvPr id="78" name="Straight Connector 77"/>
+          <p:cNvCxnSpPr>
+            <a:stCxn id="85" idx="3"/>
+            <a:endCxn id="8" idx="7"/>
+          </p:cNvCxnSpPr>
+          <p:nvPr/>
+        </p:nvCxnSpPr>
+        <p:spPr bwMode="auto">
+          <a:xfrm flipH="1">
+            <a:off x="6607082" y="1577882"/>
+            <a:ext cx="1187636" cy="1187636"/>
+          </a:xfrm>
+          <a:prstGeom prst="line">
+            <a:avLst/>
+          </a:prstGeom>
+          <a:noFill/>
+          <a:ln w="38100" cap="flat" cmpd="sng" algn="ctr">
+            <a:solidFill>
+              <a:srgbClr val="FF00FF"/>
+            </a:solidFill>
+            <a:prstDash val="solid"/>
+            <a:round/>
+            <a:headEnd type="none" w="med" len="med"/>
+            <a:tailEnd type="none" w="lg" len="lg"/>
+          </a:ln>
+          <a:effectLst/>
+        </p:spPr>
+      </p:cxnSp>
+      <p:sp>
+        <p:nvSpPr>
+          <p:cNvPr id="85" name="Oval 84"/>
+          <p:cNvSpPr/>
+          <p:nvPr/>
+        </p:nvSpPr>
+        <p:spPr bwMode="auto">
+          <a:xfrm>
+            <a:off x="7772400" y="1447800"/>
+            <a:ext cx="152400" cy="152400"/>
+          </a:xfrm>
+          <a:prstGeom prst="ellipse">
+            <a:avLst/>
+          </a:prstGeom>
+          <a:solidFill>
+            <a:schemeClr val="bg1"/>
+          </a:solidFill>
+          <a:ln w="3175" cap="flat" cmpd="sng" algn="ctr">
+            <a:solidFill>
+              <a:schemeClr val="tx1"/>
+            </a:solidFill>
+            <a:prstDash val="solid"/>
+            <a:round/>
+            <a:headEnd type="none" w="med" len="med"/>
+            <a:tailEnd type="triangle" w="lg" len="lg"/>
+          </a:ln>
+          <a:effectLst/>
+        </p:spPr>
+        <p:txBody>
+          <a:bodyPr vert="horz" wrap="square" lIns="91440" tIns="45720" rIns="91440" bIns="45720" numCol="1" rtlCol="0" anchor="t" anchorCtr="0" compatLnSpc="1">
+            <a:prstTxWarp prst="textNoShape">
+              <a:avLst/>
+            </a:prstTxWarp>
+          </a:bodyPr>
+          <a:lstStyle/>
+          <a:p>
+            <a:pPr marL="0" marR="0" indent="0" algn="l" defTabSz="914400" rtl="0" eaLnBrk="1" fontAlgn="base" latinLnBrk="0" hangingPunct="1">
+              <a:lnSpc>
+                <a:spcPct val="100000"/>
+              </a:lnSpc>
+              <a:spcBef>
+                <a:spcPct val="0"/>
+              </a:spcBef>
+              <a:spcAft>
+                <a:spcPct val="0"/>
+              </a:spcAft>
+              <a:buClrTx/>
+              <a:buSzTx/>
+              <a:buFontTx/>
+              <a:buNone/>
+              <a:tabLst/>
+            </a:pPr>
+            <a:endParaRPr kumimoji="0" lang="en-US" sz="3200" b="0" i="0" u="none" strike="noStrike" cap="none" normalizeH="0" baseline="0" smtClean="0">
+              <a:ln>
+                <a:noFill/>
+              </a:ln>
+              <a:solidFill>
+                <a:schemeClr val="tx1"/>
+              </a:solidFill>
+              <a:effectLst/>
+              <a:latin typeface="Comic Sans MS" pitchFamily="66" charset="0"/>
+            </a:endParaRPr>
+          </a:p>
+        </p:txBody>
+      </p:sp>
+      <p:sp>
+        <p:nvSpPr>
+          <p:cNvPr id="8" name="Oval 7"/>
+          <p:cNvSpPr/>
+          <p:nvPr/>
+        </p:nvSpPr>
+        <p:spPr bwMode="auto">
+          <a:xfrm>
+            <a:off x="6477000" y="2743200"/>
+            <a:ext cx="152400" cy="152400"/>
+          </a:xfrm>
+          <a:prstGeom prst="ellipse">
+            <a:avLst/>
+          </a:prstGeom>
+          <a:solidFill>
+            <a:schemeClr val="bg1"/>
+          </a:solidFill>
+          <a:ln w="3175" cap="flat" cmpd="sng" algn="ctr">
+            <a:solidFill>
+              <a:schemeClr val="tx1"/>
+            </a:solidFill>
+            <a:prstDash val="solid"/>
+            <a:round/>
+            <a:headEnd type="none" w="med" len="med"/>
+            <a:tailEnd type="triangle" w="lg" len="lg"/>
+          </a:ln>
+          <a:effectLst/>
+        </p:spPr>
+        <p:txBody>
+          <a:bodyPr vert="horz" wrap="square" lIns="91440" tIns="45720" rIns="91440" bIns="45720" numCol="1" rtlCol="0" anchor="t" anchorCtr="0" compatLnSpc="1">
+            <a:prstTxWarp prst="textNoShape">
+              <a:avLst/>
+            </a:prstTxWarp>
+          </a:bodyPr>
+          <a:lstStyle/>
+          <a:p>
+            <a:pPr marL="0" marR="0" indent="0" algn="l" defTabSz="914400" rtl="0" eaLnBrk="1" fontAlgn="base" latinLnBrk="0" hangingPunct="1">
+              <a:lnSpc>
+                <a:spcPct val="100000"/>
+              </a:lnSpc>
+              <a:spcBef>
+                <a:spcPct val="0"/>
+              </a:spcBef>
+              <a:spcAft>
+                <a:spcPct val="0"/>
+              </a:spcAft>
+              <a:buClrTx/>
+              <a:buSzTx/>
+              <a:buFontTx/>
+              <a:buNone/>
+              <a:tabLst/>
+            </a:pPr>
+            <a:endParaRPr kumimoji="0" lang="en-US" sz="3200" b="0" i="0" u="none" strike="noStrike" cap="none" normalizeH="0" baseline="0" smtClean="0">
+              <a:ln>
+                <a:noFill/>
+              </a:ln>
+              <a:solidFill>
+                <a:schemeClr val="tx1"/>
+              </a:solidFill>
+              <a:effectLst/>
+              <a:latin typeface="Comic Sans MS" pitchFamily="66" charset="0"/>
+            </a:endParaRPr>
+          </a:p>
+        </p:txBody>
+      </p:sp>
+      <p:sp>
+        <p:nvSpPr>
+          <p:cNvPr id="4" name="Slide Number Placeholder 3"/>
+          <p:cNvSpPr>
+            <a:spLocks noGrp="1"/>
+          </p:cNvSpPr>
+          <p:nvPr>
+            <p:ph type="sldNum" sz="quarter" idx="4"/>
+          </p:nvPr>
+        </p:nvSpPr>
+        <p:spPr>
+          <a:xfrm>
+            <a:off x="8225613" y="6553200"/>
+            <a:ext cx="870764" cy="246221"/>
+          </a:xfrm>
+        </p:spPr>
+        <p:txBody>
+          <a:bodyPr/>
+          <a:lstStyle/>
+          <a:p>
+            <a:pPr>
+              <a:defRPr/>
+            </a:pPr>
+            <a:r>
+              <a:rPr lang="en-US" dirty="0" smtClean="0"/>
+              <a:t>min-gray.</a:t>
+            </a:r>
+            <a:fld id="{D7F2FC53-1536-41A9-A9C1-2199CF803E30}" type="slidenum">
+              <a:rPr lang="en-US" smtClean="0"/>
+              <a:pPr>
+                <a:defRPr/>
+              </a:pPr>
+              <a:t>19</a:t>
+            </a:fld>
+            <a:endParaRPr lang="en-US" dirty="0"/>
+          </a:p>
+        </p:txBody>
+      </p:sp>
+      <p:sp>
+        <p:nvSpPr>
+          <p:cNvPr id="51" name="TextBox 50"/>
+          <p:cNvSpPr txBox="1"/>
+          <p:nvPr/>
+        </p:nvSpPr>
+        <p:spPr>
+          <a:xfrm>
+            <a:off x="6781800" y="3429000"/>
+            <a:ext cx="762000" cy="1015663"/>
+          </a:xfrm>
+          <a:prstGeom prst="rect">
+            <a:avLst/>
+          </a:prstGeom>
+          <a:noFill/>
+        </p:spPr>
+        <p:txBody>
+          <a:bodyPr wrap="square" rtlCol="0">
+            <a:spAutoFit/>
+          </a:bodyPr>
+          <a:lstStyle/>
+          <a:p>
+            <a:r>
+              <a:rPr lang="en-US" sz="6000" b="1" i="1" dirty="0">
+                <a:ln w="12700">
+                  <a:solidFill>
+                    <a:schemeClr val="tx2">
+                      <a:satMod val="155000"/>
+                    </a:schemeClr>
+                  </a:solidFill>
+                  <a:prstDash val="solid"/>
+                </a:ln>
+                <a:solidFill>
+                  <a:schemeClr val="bg2">
+                    <a:tint val="85000"/>
+                    <a:satMod val="155000"/>
+                  </a:schemeClr>
+                </a:solidFill>
+                <a:effectLst>
+                  <a:outerShdw blurRad="41275" dist="20320" dir="1800000" algn="tl" rotWithShape="0">
+                    <a:srgbClr val="000000">
+                      <a:alpha val="40000"/>
+                    </a:srgbClr>
+                  </a:outerShdw>
+                </a:effectLst>
+                <a:latin typeface="PT Serif"/>
+                <a:cs typeface="PT Serif"/>
+              </a:rPr>
+              <a:t>e</a:t>
+            </a:r>
+            <a:endParaRPr lang="en-US" sz="6000" dirty="0">
+              <a:solidFill>
+                <a:schemeClr val="accent1">
+                  <a:lumMod val="50000"/>
+                </a:schemeClr>
+              </a:solidFill>
+            </a:endParaRPr>
+          </a:p>
+        </p:txBody>
+      </p:sp>
+      <p:sp>
+        <p:nvSpPr>
+          <p:cNvPr id="128" name="Freeform 127"/>
+          <p:cNvSpPr/>
+          <p:nvPr/>
+        </p:nvSpPr>
+        <p:spPr>
+          <a:xfrm>
+            <a:off x="5537200" y="2354385"/>
+            <a:ext cx="635000" cy="644769"/>
+          </a:xfrm>
+          <a:custGeom>
+            <a:avLst/>
+            <a:gdLst>
+              <a:gd name="connsiteX0" fmla="*/ 635000 w 635000"/>
+              <a:gd name="connsiteY0" fmla="*/ 644769 h 644769"/>
+              <a:gd name="connsiteX1" fmla="*/ 0 w 635000"/>
+              <a:gd name="connsiteY1" fmla="*/ 0 h 644769"/>
+              <a:gd name="connsiteX2" fmla="*/ 0 w 635000"/>
+              <a:gd name="connsiteY2" fmla="*/ 0 h 644769"/>
+            </a:gdLst>
+            <a:ahLst/>
+            <a:cxnLst>
+              <a:cxn ang="0">
+                <a:pos x="connsiteX0" y="connsiteY0"/>
+              </a:cxn>
+              <a:cxn ang="0">
+                <a:pos x="connsiteX1" y="connsiteY1"/>
+              </a:cxn>
+              <a:cxn ang="0">
+                <a:pos x="connsiteX2" y="connsiteY2"/>
+              </a:cxn>
+            </a:cxnLst>
+            <a:rect l="l" t="t" r="r" b="b"/>
+            <a:pathLst>
+              <a:path w="635000" h="644769">
+                <a:moveTo>
+                  <a:pt x="635000" y="644769"/>
+                </a:moveTo>
+                <a:lnTo>
+                  <a:pt x="0" y="0"/>
+                </a:lnTo>
+                <a:lnTo>
+                  <a:pt x="0" y="0"/>
+                </a:lnTo>
+              </a:path>
+            </a:pathLst>
+          </a:custGeom>
+        </p:spPr>
+        <p:txBody>
+          <a:bodyPr rtlCol="0" anchor="ctr"/>
+          <a:lstStyle/>
+          <a:p>
+            <a:pPr algn="ctr"/>
+            <a:endParaRPr lang="en-US"/>
+          </a:p>
+        </p:txBody>
+      </p:sp>
+      <p:cxnSp>
+        <p:nvCxnSpPr>
+          <p:cNvPr id="138" name="Straight Connector 137"/>
+          <p:cNvCxnSpPr>
+            <a:stCxn id="8" idx="4"/>
+            <a:endCxn id="5" idx="0"/>
+          </p:cNvCxnSpPr>
+          <p:nvPr/>
+        </p:nvCxnSpPr>
+        <p:spPr bwMode="auto">
+          <a:xfrm>
+            <a:off x="6553200" y="2895600"/>
+            <a:ext cx="228600" cy="2438400"/>
+          </a:xfrm>
+          <a:prstGeom prst="line">
+            <a:avLst/>
+          </a:prstGeom>
+          <a:noFill/>
+          <a:ln w="69850" cap="flat" cmpd="sng" algn="ctr">
+            <a:solidFill>
+              <a:schemeClr val="bg2"/>
+            </a:solidFill>
+            <a:prstDash val="solid"/>
+            <a:round/>
+            <a:headEnd type="none" w="med" len="med"/>
+            <a:tailEnd type="none" w="lg" len="lg"/>
+          </a:ln>
+          <a:effectLst/>
+        </p:spPr>
+      </p:cxnSp>
+      <p:sp>
+        <p:nvSpPr>
+          <p:cNvPr id="144" name="TextBox 143"/>
+          <p:cNvSpPr txBox="1"/>
+          <p:nvPr/>
+        </p:nvSpPr>
+        <p:spPr>
+          <a:xfrm>
+            <a:off x="3124200" y="2743200"/>
+            <a:ext cx="678341" cy="1200329"/>
+          </a:xfrm>
+          <a:prstGeom prst="rect">
+            <a:avLst/>
+          </a:prstGeom>
+          <a:noFill/>
+        </p:spPr>
+        <p:txBody>
+          <a:bodyPr wrap="none" rtlCol="0">
+            <a:spAutoFit/>
+          </a:bodyPr>
+          <a:lstStyle/>
+          <a:p>
+            <a:r>
+              <a:rPr lang="en-US" sz="7200" dirty="0" smtClean="0">
+                <a:solidFill>
+                  <a:srgbClr val="0000FF"/>
+                </a:solidFill>
+              </a:rPr>
+              <a:t>p</a:t>
+            </a:r>
+            <a:endParaRPr lang="en-US" sz="7200" dirty="0">
+              <a:solidFill>
+                <a:srgbClr val="0000FF"/>
+              </a:solidFill>
+            </a:endParaRPr>
+          </a:p>
+        </p:txBody>
+      </p:sp>
+      <p:cxnSp>
+        <p:nvCxnSpPr>
+          <p:cNvPr id="145" name="Straight Connector 144"/>
+          <p:cNvCxnSpPr>
+            <a:endCxn id="8" idx="6"/>
+          </p:cNvCxnSpPr>
+          <p:nvPr/>
+        </p:nvCxnSpPr>
+        <p:spPr bwMode="auto">
+          <a:xfrm flipH="1" flipV="1">
+            <a:off x="6629400" y="2819400"/>
+            <a:ext cx="1295400" cy="762000"/>
+          </a:xfrm>
+          <a:prstGeom prst="line">
+            <a:avLst/>
+          </a:prstGeom>
+          <a:noFill/>
+          <a:ln w="38100" cap="flat" cmpd="sng" algn="ctr">
+            <a:solidFill>
+              <a:schemeClr val="tx1"/>
+            </a:solidFill>
+            <a:prstDash val="solid"/>
+            <a:round/>
+            <a:headEnd type="none" w="med" len="med"/>
+            <a:tailEnd type="none" w="lg" len="lg"/>
+          </a:ln>
+          <a:effectLst/>
+        </p:spPr>
+      </p:cxnSp>
+      <p:sp>
+        <p:nvSpPr>
+          <p:cNvPr id="42" name="Oval 41"/>
+          <p:cNvSpPr/>
+          <p:nvPr/>
+        </p:nvSpPr>
+        <p:spPr bwMode="auto">
+          <a:xfrm>
+            <a:off x="7848600" y="3505200"/>
+            <a:ext cx="152400" cy="152400"/>
+          </a:xfrm>
+          <a:prstGeom prst="ellipse">
+            <a:avLst/>
+          </a:prstGeom>
+          <a:solidFill>
+            <a:schemeClr val="tx1"/>
+          </a:solidFill>
+          <a:ln w="31750" cap="flat" cmpd="sng" algn="ctr">
+            <a:solidFill>
+              <a:schemeClr val="tx1"/>
+            </a:solidFill>
+            <a:prstDash val="solid"/>
+            <a:round/>
+            <a:headEnd type="none" w="med" len="med"/>
+            <a:tailEnd type="triangle" w="lg" len="lg"/>
+          </a:ln>
+          <a:effectLst/>
+        </p:spPr>
+        <p:txBody>
+          <a:bodyPr vert="horz" wrap="square" lIns="91440" tIns="45720" rIns="91440" bIns="45720" numCol="1" rtlCol="0" anchor="t" anchorCtr="0" compatLnSpc="1">
+            <a:prstTxWarp prst="textNoShape">
+              <a:avLst/>
+            </a:prstTxWarp>
+          </a:bodyPr>
+          <a:lstStyle/>
+          <a:p>
+            <a:pPr marL="0" marR="0" indent="0" algn="l" defTabSz="914400" rtl="0" eaLnBrk="1" fontAlgn="base" latinLnBrk="0" hangingPunct="1">
+              <a:lnSpc>
+                <a:spcPct val="100000"/>
+              </a:lnSpc>
+              <a:spcBef>
+                <a:spcPct val="0"/>
+              </a:spcBef>
+              <a:spcAft>
+                <a:spcPct val="0"/>
+              </a:spcAft>
+              <a:buClrTx/>
+              <a:buSzTx/>
+              <a:buFontTx/>
+              <a:buNone/>
+              <a:tabLst/>
+            </a:pPr>
+            <a:endParaRPr kumimoji="0" lang="en-US" sz="3200" b="0" i="0" u="none" strike="noStrike" cap="none" normalizeH="0" baseline="0" smtClean="0">
+              <a:ln>
+                <a:noFill/>
+              </a:ln>
+              <a:solidFill>
+                <a:schemeClr val="tx1"/>
+              </a:solidFill>
+              <a:effectLst/>
+              <a:latin typeface="Comic Sans MS" pitchFamily="66" charset="0"/>
+            </a:endParaRPr>
+          </a:p>
+        </p:txBody>
+      </p:sp>
+      <p:cxnSp>
+        <p:nvCxnSpPr>
+          <p:cNvPr id="50" name="Straight Connector 49"/>
+          <p:cNvCxnSpPr>
+            <a:stCxn id="7" idx="6"/>
+          </p:cNvCxnSpPr>
+          <p:nvPr/>
+        </p:nvCxnSpPr>
+        <p:spPr bwMode="auto">
+          <a:xfrm>
+            <a:off x="5432518" y="6096000"/>
+            <a:ext cx="739682" cy="381000"/>
+          </a:xfrm>
+          <a:prstGeom prst="line">
+            <a:avLst/>
+          </a:prstGeom>
+          <a:noFill/>
+          <a:ln w="38100" cap="flat" cmpd="sng" algn="ctr">
+            <a:solidFill>
+              <a:srgbClr val="FF00FF"/>
+            </a:solidFill>
+            <a:prstDash val="solid"/>
+            <a:round/>
+            <a:headEnd type="none" w="med" len="med"/>
+            <a:tailEnd type="none" w="lg" len="lg"/>
+          </a:ln>
+          <a:effectLst/>
+        </p:spPr>
+      </p:cxnSp>
+      <p:sp>
+        <p:nvSpPr>
+          <p:cNvPr id="55" name="Oval 54"/>
+          <p:cNvSpPr/>
+          <p:nvPr/>
+        </p:nvSpPr>
+        <p:spPr bwMode="auto">
+          <a:xfrm>
+            <a:off x="6172200" y="6400800"/>
+            <a:ext cx="152400" cy="152400"/>
+          </a:xfrm>
+          <a:prstGeom prst="ellipse">
+            <a:avLst/>
+          </a:prstGeom>
+          <a:solidFill>
+            <a:schemeClr val="tx1"/>
+          </a:solidFill>
+          <a:ln w="31750" cap="flat" cmpd="sng" algn="ctr">
+            <a:solidFill>
+              <a:schemeClr val="tx1"/>
+            </a:solidFill>
+            <a:prstDash val="solid"/>
+            <a:round/>
+            <a:headEnd type="none" w="med" len="med"/>
+            <a:tailEnd type="triangle" w="lg" len="lg"/>
+          </a:ln>
+          <a:effectLst/>
+        </p:spPr>
+        <p:txBody>
+          <a:bodyPr vert="horz" wrap="square" lIns="91440" tIns="45720" rIns="91440" bIns="45720" numCol="1" rtlCol="0" anchor="t" anchorCtr="0" compatLnSpc="1">
+            <a:prstTxWarp prst="textNoShape">
+              <a:avLst/>
+            </a:prstTxWarp>
+          </a:bodyPr>
+          <a:lstStyle/>
+          <a:p>
+            <a:pPr marL="0" marR="0" indent="0" algn="l" defTabSz="914400" rtl="0" eaLnBrk="1" fontAlgn="base" latinLnBrk="0" hangingPunct="1">
+              <a:lnSpc>
+                <a:spcPct val="100000"/>
+              </a:lnSpc>
+              <a:spcBef>
+                <a:spcPct val="0"/>
+              </a:spcBef>
+              <a:spcAft>
+                <a:spcPct val="0"/>
+              </a:spcAft>
+              <a:buClrTx/>
+              <a:buSzTx/>
+              <a:buFontTx/>
+              <a:buNone/>
+              <a:tabLst/>
+            </a:pPr>
+            <a:endParaRPr kumimoji="0" lang="en-US" sz="3200" b="0" i="0" u="none" strike="noStrike" cap="none" normalizeH="0" baseline="0" smtClean="0">
+              <a:ln>
+                <a:noFill/>
+              </a:ln>
+              <a:solidFill>
+                <a:schemeClr val="tx1"/>
+              </a:solidFill>
+              <a:effectLst/>
+              <a:latin typeface="Comic Sans MS" pitchFamily="66" charset="0"/>
+            </a:endParaRPr>
+          </a:p>
+        </p:txBody>
+      </p:sp>
+      <p:sp>
+        <p:nvSpPr>
+          <p:cNvPr id="34" name="Freeform 33"/>
+          <p:cNvSpPr/>
+          <p:nvPr/>
+        </p:nvSpPr>
+        <p:spPr>
+          <a:xfrm>
+            <a:off x="5791200" y="1981200"/>
+            <a:ext cx="685800" cy="838200"/>
+          </a:xfrm>
+          <a:custGeom>
+            <a:avLst/>
+            <a:gdLst>
+              <a:gd name="connsiteX0" fmla="*/ 577313 w 577313"/>
+              <a:gd name="connsiteY0" fmla="*/ 744006 h 744006"/>
+              <a:gd name="connsiteX1" fmla="*/ 0 w 577313"/>
+              <a:gd name="connsiteY1" fmla="*/ 0 h 744006"/>
+            </a:gdLst>
+            <a:ahLst/>
+            <a:cxnLst>
+              <a:cxn ang="0">
+                <a:pos x="connsiteX0" y="connsiteY0"/>
+              </a:cxn>
+              <a:cxn ang="0">
+                <a:pos x="connsiteX1" y="connsiteY1"/>
+              </a:cxn>
+            </a:cxnLst>
+            <a:rect l="l" t="t" r="r" b="b"/>
+            <a:pathLst>
+              <a:path w="577313" h="744006">
+                <a:moveTo>
+                  <a:pt x="577313" y="744006"/>
+                </a:moveTo>
+                <a:lnTo>
+                  <a:pt x="0" y="0"/>
+                </a:lnTo>
+              </a:path>
+            </a:pathLst>
+          </a:custGeom>
+          <a:ln w="47625">
+            <a:solidFill>
+              <a:schemeClr val="accent5">
+                <a:lumMod val="50000"/>
+              </a:schemeClr>
+            </a:solidFill>
+          </a:ln>
+        </p:spPr>
+        <p:txBody>
+          <a:bodyPr rtlCol="0" anchor="ctr"/>
+          <a:lstStyle/>
+          <a:p>
+            <a:pPr algn="ctr"/>
+            <a:endParaRPr lang="en-US"/>
+          </a:p>
+        </p:txBody>
+      </p:sp>
+      <p:sp>
+        <p:nvSpPr>
+          <p:cNvPr id="36" name="Freeform 35"/>
+          <p:cNvSpPr/>
+          <p:nvPr/>
+        </p:nvSpPr>
+        <p:spPr>
+          <a:xfrm>
+            <a:off x="2971800" y="1928535"/>
+            <a:ext cx="3823111" cy="4015065"/>
+          </a:xfrm>
+          <a:custGeom>
+            <a:avLst/>
+            <a:gdLst>
+              <a:gd name="connsiteX0" fmla="*/ 2848093 w 3823111"/>
+              <a:gd name="connsiteY0" fmla="*/ 89794 h 4015065"/>
+              <a:gd name="connsiteX1" fmla="*/ 2848093 w 3823111"/>
+              <a:gd name="connsiteY1" fmla="*/ 89794 h 4015065"/>
+              <a:gd name="connsiteX2" fmla="*/ 2719801 w 3823111"/>
+              <a:gd name="connsiteY2" fmla="*/ 76966 h 4015065"/>
+              <a:gd name="connsiteX3" fmla="*/ 2655655 w 3823111"/>
+              <a:gd name="connsiteY3" fmla="*/ 64138 h 4015065"/>
+              <a:gd name="connsiteX4" fmla="*/ 2463217 w 3823111"/>
+              <a:gd name="connsiteY4" fmla="*/ 51311 h 4015065"/>
+              <a:gd name="connsiteX5" fmla="*/ 2270779 w 3823111"/>
+              <a:gd name="connsiteY5" fmla="*/ 25655 h 4015065"/>
+              <a:gd name="connsiteX6" fmla="*/ 2219463 w 3823111"/>
+              <a:gd name="connsiteY6" fmla="*/ 12828 h 4015065"/>
+              <a:gd name="connsiteX7" fmla="*/ 2091171 w 3823111"/>
+              <a:gd name="connsiteY7" fmla="*/ 0 h 4015065"/>
+              <a:gd name="connsiteX8" fmla="*/ 1282932 w 3823111"/>
+              <a:gd name="connsiteY8" fmla="*/ 12828 h 4015065"/>
+              <a:gd name="connsiteX9" fmla="*/ 1244445 w 3823111"/>
+              <a:gd name="connsiteY9" fmla="*/ 25655 h 4015065"/>
+              <a:gd name="connsiteX10" fmla="*/ 1141811 w 3823111"/>
+              <a:gd name="connsiteY10" fmla="*/ 64138 h 4015065"/>
+              <a:gd name="connsiteX11" fmla="*/ 1026349 w 3823111"/>
+              <a:gd name="connsiteY11" fmla="*/ 89794 h 4015065"/>
+              <a:gd name="connsiteX12" fmla="*/ 975032 w 3823111"/>
+              <a:gd name="connsiteY12" fmla="*/ 102621 h 4015065"/>
+              <a:gd name="connsiteX13" fmla="*/ 898057 w 3823111"/>
+              <a:gd name="connsiteY13" fmla="*/ 179588 h 4015065"/>
+              <a:gd name="connsiteX14" fmla="*/ 859569 w 3823111"/>
+              <a:gd name="connsiteY14" fmla="*/ 218071 h 4015065"/>
+              <a:gd name="connsiteX15" fmla="*/ 731278 w 3823111"/>
+              <a:gd name="connsiteY15" fmla="*/ 307864 h 4015065"/>
+              <a:gd name="connsiteX16" fmla="*/ 667132 w 3823111"/>
+              <a:gd name="connsiteY16" fmla="*/ 372003 h 4015065"/>
+              <a:gd name="connsiteX17" fmla="*/ 577327 w 3823111"/>
+              <a:gd name="connsiteY17" fmla="*/ 474624 h 4015065"/>
+              <a:gd name="connsiteX18" fmla="*/ 526011 w 3823111"/>
+              <a:gd name="connsiteY18" fmla="*/ 538763 h 4015065"/>
+              <a:gd name="connsiteX19" fmla="*/ 449036 w 3823111"/>
+              <a:gd name="connsiteY19" fmla="*/ 590073 h 4015065"/>
+              <a:gd name="connsiteX20" fmla="*/ 410548 w 3823111"/>
+              <a:gd name="connsiteY20" fmla="*/ 679867 h 4015065"/>
+              <a:gd name="connsiteX21" fmla="*/ 384890 w 3823111"/>
+              <a:gd name="connsiteY21" fmla="*/ 705523 h 4015065"/>
+              <a:gd name="connsiteX22" fmla="*/ 333573 w 3823111"/>
+              <a:gd name="connsiteY22" fmla="*/ 782489 h 4015065"/>
+              <a:gd name="connsiteX23" fmla="*/ 307915 w 3823111"/>
+              <a:gd name="connsiteY23" fmla="*/ 820972 h 4015065"/>
+              <a:gd name="connsiteX24" fmla="*/ 282256 w 3823111"/>
+              <a:gd name="connsiteY24" fmla="*/ 872282 h 4015065"/>
+              <a:gd name="connsiteX25" fmla="*/ 256598 w 3823111"/>
+              <a:gd name="connsiteY25" fmla="*/ 910765 h 4015065"/>
+              <a:gd name="connsiteX26" fmla="*/ 218110 w 3823111"/>
+              <a:gd name="connsiteY26" fmla="*/ 1000559 h 4015065"/>
+              <a:gd name="connsiteX27" fmla="*/ 166794 w 3823111"/>
+              <a:gd name="connsiteY27" fmla="*/ 1077525 h 4015065"/>
+              <a:gd name="connsiteX28" fmla="*/ 153964 w 3823111"/>
+              <a:gd name="connsiteY28" fmla="*/ 1116008 h 4015065"/>
+              <a:gd name="connsiteX29" fmla="*/ 102648 w 3823111"/>
+              <a:gd name="connsiteY29" fmla="*/ 1192974 h 4015065"/>
+              <a:gd name="connsiteX30" fmla="*/ 89818 w 3823111"/>
+              <a:gd name="connsiteY30" fmla="*/ 1231458 h 4015065"/>
+              <a:gd name="connsiteX31" fmla="*/ 38502 w 3823111"/>
+              <a:gd name="connsiteY31" fmla="*/ 1308424 h 4015065"/>
+              <a:gd name="connsiteX32" fmla="*/ 12843 w 3823111"/>
+              <a:gd name="connsiteY32" fmla="*/ 1385390 h 4015065"/>
+              <a:gd name="connsiteX33" fmla="*/ 14 w 3823111"/>
+              <a:gd name="connsiteY33" fmla="*/ 1616288 h 4015065"/>
+              <a:gd name="connsiteX34" fmla="*/ 25672 w 3823111"/>
+              <a:gd name="connsiteY34" fmla="*/ 1885669 h 4015065"/>
+              <a:gd name="connsiteX35" fmla="*/ 51331 w 3823111"/>
+              <a:gd name="connsiteY35" fmla="*/ 1936980 h 4015065"/>
+              <a:gd name="connsiteX36" fmla="*/ 64160 w 3823111"/>
+              <a:gd name="connsiteY36" fmla="*/ 2001119 h 4015065"/>
+              <a:gd name="connsiteX37" fmla="*/ 76989 w 3823111"/>
+              <a:gd name="connsiteY37" fmla="*/ 2039602 h 4015065"/>
+              <a:gd name="connsiteX38" fmla="*/ 89818 w 3823111"/>
+              <a:gd name="connsiteY38" fmla="*/ 2142223 h 4015065"/>
+              <a:gd name="connsiteX39" fmla="*/ 128306 w 3823111"/>
+              <a:gd name="connsiteY39" fmla="*/ 2680986 h 4015065"/>
+              <a:gd name="connsiteX40" fmla="*/ 153964 w 3823111"/>
+              <a:gd name="connsiteY40" fmla="*/ 2745124 h 4015065"/>
+              <a:gd name="connsiteX41" fmla="*/ 192452 w 3823111"/>
+              <a:gd name="connsiteY41" fmla="*/ 2822090 h 4015065"/>
+              <a:gd name="connsiteX42" fmla="*/ 218110 w 3823111"/>
+              <a:gd name="connsiteY42" fmla="*/ 2937539 h 4015065"/>
+              <a:gd name="connsiteX43" fmla="*/ 243769 w 3823111"/>
+              <a:gd name="connsiteY43" fmla="*/ 3001678 h 4015065"/>
+              <a:gd name="connsiteX44" fmla="*/ 256598 w 3823111"/>
+              <a:gd name="connsiteY44" fmla="*/ 3078644 h 4015065"/>
+              <a:gd name="connsiteX45" fmla="*/ 295085 w 3823111"/>
+              <a:gd name="connsiteY45" fmla="*/ 3206921 h 4015065"/>
+              <a:gd name="connsiteX46" fmla="*/ 320744 w 3823111"/>
+              <a:gd name="connsiteY46" fmla="*/ 3271059 h 4015065"/>
+              <a:gd name="connsiteX47" fmla="*/ 372060 w 3823111"/>
+              <a:gd name="connsiteY47" fmla="*/ 3360853 h 4015065"/>
+              <a:gd name="connsiteX48" fmla="*/ 423377 w 3823111"/>
+              <a:gd name="connsiteY48" fmla="*/ 3412164 h 4015065"/>
+              <a:gd name="connsiteX49" fmla="*/ 449036 w 3823111"/>
+              <a:gd name="connsiteY49" fmla="*/ 3437819 h 4015065"/>
+              <a:gd name="connsiteX50" fmla="*/ 487523 w 3823111"/>
+              <a:gd name="connsiteY50" fmla="*/ 3450647 h 4015065"/>
+              <a:gd name="connsiteX51" fmla="*/ 526011 w 3823111"/>
+              <a:gd name="connsiteY51" fmla="*/ 3476302 h 4015065"/>
+              <a:gd name="connsiteX52" fmla="*/ 577327 w 3823111"/>
+              <a:gd name="connsiteY52" fmla="*/ 3501957 h 4015065"/>
+              <a:gd name="connsiteX53" fmla="*/ 654302 w 3823111"/>
+              <a:gd name="connsiteY53" fmla="*/ 3540440 h 4015065"/>
+              <a:gd name="connsiteX54" fmla="*/ 769765 w 3823111"/>
+              <a:gd name="connsiteY54" fmla="*/ 3617407 h 4015065"/>
+              <a:gd name="connsiteX55" fmla="*/ 808253 w 3823111"/>
+              <a:gd name="connsiteY55" fmla="*/ 3643062 h 4015065"/>
+              <a:gd name="connsiteX56" fmla="*/ 846740 w 3823111"/>
+              <a:gd name="connsiteY56" fmla="*/ 3655890 h 4015065"/>
+              <a:gd name="connsiteX57" fmla="*/ 923715 w 3823111"/>
+              <a:gd name="connsiteY57" fmla="*/ 3707200 h 4015065"/>
+              <a:gd name="connsiteX58" fmla="*/ 949374 w 3823111"/>
+              <a:gd name="connsiteY58" fmla="*/ 3745683 h 4015065"/>
+              <a:gd name="connsiteX59" fmla="*/ 1026349 w 3823111"/>
+              <a:gd name="connsiteY59" fmla="*/ 3771339 h 4015065"/>
+              <a:gd name="connsiteX60" fmla="*/ 1141811 w 3823111"/>
+              <a:gd name="connsiteY60" fmla="*/ 3822650 h 4015065"/>
+              <a:gd name="connsiteX61" fmla="*/ 1205957 w 3823111"/>
+              <a:gd name="connsiteY61" fmla="*/ 3873960 h 4015065"/>
+              <a:gd name="connsiteX62" fmla="*/ 1321420 w 3823111"/>
+              <a:gd name="connsiteY62" fmla="*/ 3899616 h 4015065"/>
+              <a:gd name="connsiteX63" fmla="*/ 1359908 w 3823111"/>
+              <a:gd name="connsiteY63" fmla="*/ 3912443 h 4015065"/>
+              <a:gd name="connsiteX64" fmla="*/ 1796100 w 3823111"/>
+              <a:gd name="connsiteY64" fmla="*/ 3938099 h 4015065"/>
+              <a:gd name="connsiteX65" fmla="*/ 1873075 w 3823111"/>
+              <a:gd name="connsiteY65" fmla="*/ 3976582 h 4015065"/>
+              <a:gd name="connsiteX66" fmla="*/ 1975708 w 3823111"/>
+              <a:gd name="connsiteY66" fmla="*/ 4002237 h 4015065"/>
+              <a:gd name="connsiteX67" fmla="*/ 2027025 w 3823111"/>
+              <a:gd name="connsiteY67" fmla="*/ 4015065 h 4015065"/>
+              <a:gd name="connsiteX68" fmla="*/ 2232292 w 3823111"/>
+              <a:gd name="connsiteY68" fmla="*/ 4002237 h 4015065"/>
+              <a:gd name="connsiteX69" fmla="*/ 2270779 w 3823111"/>
+              <a:gd name="connsiteY69" fmla="*/ 3976582 h 4015065"/>
+              <a:gd name="connsiteX70" fmla="*/ 2309267 w 3823111"/>
+              <a:gd name="connsiteY70" fmla="*/ 3963754 h 4015065"/>
+              <a:gd name="connsiteX71" fmla="*/ 2450388 w 3823111"/>
+              <a:gd name="connsiteY71" fmla="*/ 3822650 h 4015065"/>
+              <a:gd name="connsiteX72" fmla="*/ 2501705 w 3823111"/>
+              <a:gd name="connsiteY72" fmla="*/ 3771339 h 4015065"/>
+              <a:gd name="connsiteX73" fmla="*/ 2540192 w 3823111"/>
+              <a:gd name="connsiteY73" fmla="*/ 3758511 h 4015065"/>
+              <a:gd name="connsiteX74" fmla="*/ 2604338 w 3823111"/>
+              <a:gd name="connsiteY74" fmla="*/ 3732856 h 4015065"/>
+              <a:gd name="connsiteX75" fmla="*/ 2655655 w 3823111"/>
+              <a:gd name="connsiteY75" fmla="*/ 3720028 h 4015065"/>
+              <a:gd name="connsiteX76" fmla="*/ 2732630 w 3823111"/>
+              <a:gd name="connsiteY76" fmla="*/ 3694373 h 4015065"/>
+              <a:gd name="connsiteX77" fmla="*/ 2771118 w 3823111"/>
+              <a:gd name="connsiteY77" fmla="*/ 3681545 h 4015065"/>
+              <a:gd name="connsiteX78" fmla="*/ 2809605 w 3823111"/>
+              <a:gd name="connsiteY78" fmla="*/ 3643062 h 4015065"/>
+              <a:gd name="connsiteX79" fmla="*/ 2848093 w 3823111"/>
+              <a:gd name="connsiteY79" fmla="*/ 3630234 h 4015065"/>
+              <a:gd name="connsiteX80" fmla="*/ 2976385 w 3823111"/>
+              <a:gd name="connsiteY80" fmla="*/ 3617407 h 4015065"/>
+              <a:gd name="connsiteX81" fmla="*/ 3181651 w 3823111"/>
+              <a:gd name="connsiteY81" fmla="*/ 3591751 h 4015065"/>
+              <a:gd name="connsiteX82" fmla="*/ 3258627 w 3823111"/>
+              <a:gd name="connsiteY82" fmla="*/ 3578924 h 4015065"/>
+              <a:gd name="connsiteX83" fmla="*/ 3374089 w 3823111"/>
+              <a:gd name="connsiteY83" fmla="*/ 3566096 h 4015065"/>
+              <a:gd name="connsiteX84" fmla="*/ 3425406 w 3823111"/>
+              <a:gd name="connsiteY84" fmla="*/ 3553268 h 4015065"/>
+              <a:gd name="connsiteX85" fmla="*/ 3489552 w 3823111"/>
+              <a:gd name="connsiteY85" fmla="*/ 3540440 h 4015065"/>
+              <a:gd name="connsiteX86" fmla="*/ 3528039 w 3823111"/>
+              <a:gd name="connsiteY86" fmla="*/ 3514785 h 4015065"/>
+              <a:gd name="connsiteX87" fmla="*/ 3681990 w 3823111"/>
+              <a:gd name="connsiteY87" fmla="*/ 3424991 h 4015065"/>
+              <a:gd name="connsiteX88" fmla="*/ 3733306 w 3823111"/>
+              <a:gd name="connsiteY88" fmla="*/ 3386508 h 4015065"/>
+              <a:gd name="connsiteX89" fmla="*/ 3823111 w 3823111"/>
+              <a:gd name="connsiteY89" fmla="*/ 3348025 h 4015065"/>
+              <a:gd name="connsiteX90" fmla="*/ 3810281 w 3823111"/>
+              <a:gd name="connsiteY90" fmla="*/ 3399336 h 4015065"/>
+              <a:gd name="connsiteX91" fmla="*/ 3733306 w 3823111"/>
+              <a:gd name="connsiteY91" fmla="*/ 3424991 h 4015065"/>
+              <a:gd name="connsiteX92" fmla="*/ 3694819 w 3823111"/>
+              <a:gd name="connsiteY92" fmla="*/ 3450647 h 4015065"/>
+              <a:gd name="connsiteX93" fmla="*/ 3643502 w 3823111"/>
+              <a:gd name="connsiteY93" fmla="*/ 3463474 h 4015065"/>
+              <a:gd name="connsiteX94" fmla="*/ 3592185 w 3823111"/>
+              <a:gd name="connsiteY94" fmla="*/ 3514785 h 4015065"/>
+            </a:gdLst>
+            <a:ahLst/>
+            <a:cxnLst>
+              <a:cxn ang="0">
+                <a:pos x="connsiteX0" y="connsiteY0"/>
+              </a:cxn>
+              <a:cxn ang="0">
+                <a:pos x="connsiteX1" y="connsiteY1"/>
+              </a:cxn>
+              <a:cxn ang="0">
+                <a:pos x="connsiteX2" y="connsiteY2"/>
+              </a:cxn>
+              <a:cxn ang="0">
+                <a:pos x="connsiteX3" y="connsiteY3"/>
+              </a:cxn>
+              <a:cxn ang="0">
+                <a:pos x="connsiteX4" y="connsiteY4"/>
+              </a:cxn>
+              <a:cxn ang="0">
+                <a:pos x="connsiteX5" y="connsiteY5"/>
+              </a:cxn>
+              <a:cxn ang="0">
+                <a:pos x="connsiteX6" y="connsiteY6"/>
+              </a:cxn>
+              <a:cxn ang="0">
+                <a:pos x="connsiteX7" y="connsiteY7"/>
+              </a:cxn>
+              <a:cxn ang="0">
+                <a:pos x="connsiteX8" y="connsiteY8"/>
+              </a:cxn>
+              <a:cxn ang="0">
+                <a:pos x="connsiteX9" y="connsiteY9"/>
+              </a:cxn>
+              <a:cxn ang="0">
+                <a:pos x="connsiteX10" y="connsiteY10"/>
+              </a:cxn>
+              <a:cxn ang="0">
+                <a:pos x="connsiteX11" y="connsiteY11"/>
+              </a:cxn>
+              <a:cxn ang="0">
+                <a:pos x="connsiteX12" y="connsiteY12"/>
+              </a:cxn>
+              <a:cxn ang="0">
+                <a:pos x="connsiteX13" y="connsiteY13"/>
+              </a:cxn>
+              <a:cxn ang="0">
+                <a:pos x="connsiteX14" y="connsiteY14"/>
+              </a:cxn>
+              <a:cxn ang="0">
+                <a:pos x="connsiteX15" y="connsiteY15"/>
+              </a:cxn>
+              <a:cxn ang="0">
+                <a:pos x="connsiteX16" y="connsiteY16"/>
+              </a:cxn>
+              <a:cxn ang="0">
+                <a:pos x="connsiteX17" y="connsiteY17"/>
+              </a:cxn>
+              <a:cxn ang="0">
+                <a:pos x="connsiteX18" y="connsiteY18"/>
+              </a:cxn>
+              <a:cxn ang="0">
+                <a:pos x="connsiteX19" y="connsiteY19"/>
+              </a:cxn>
+              <a:cxn ang="0">
+                <a:pos x="connsiteX20" y="connsiteY20"/>
+              </a:cxn>
+              <a:cxn ang="0">
+                <a:pos x="connsiteX21" y="connsiteY21"/>
+              </a:cxn>
+              <a:cxn ang="0">
+                <a:pos x="connsiteX22" y="connsiteY22"/>
+              </a:cxn>
+              <a:cxn ang="0">
+                <a:pos x="connsiteX23" y="connsiteY23"/>
+              </a:cxn>
+              <a:cxn ang="0">
+                <a:pos x="connsiteX24" y="connsiteY24"/>
+              </a:cxn>
+              <a:cxn ang="0">
+                <a:pos x="connsiteX25" y="connsiteY25"/>
+              </a:cxn>
+              <a:cxn ang="0">
+                <a:pos x="connsiteX26" y="connsiteY26"/>
+              </a:cxn>
+              <a:cxn ang="0">
+                <a:pos x="connsiteX27" y="connsiteY27"/>
+              </a:cxn>
+              <a:cxn ang="0">
+                <a:pos x="connsiteX28" y="connsiteY28"/>
+              </a:cxn>
+              <a:cxn ang="0">
+                <a:pos x="connsiteX29" y="connsiteY29"/>
+              </a:cxn>
+              <a:cxn ang="0">
+                <a:pos x="connsiteX30" y="connsiteY30"/>
+              </a:cxn>
+              <a:cxn ang="0">
+                <a:pos x="connsiteX31" y="connsiteY31"/>
+              </a:cxn>
+              <a:cxn ang="0">
+                <a:pos x="connsiteX32" y="connsiteY32"/>
+              </a:cxn>
+              <a:cxn ang="0">
+                <a:pos x="connsiteX33" y="connsiteY33"/>
+              </a:cxn>
+              <a:cxn ang="0">
+                <a:pos x="connsiteX34" y="connsiteY34"/>
+              </a:cxn>
+              <a:cxn ang="0">
+                <a:pos x="connsiteX35" y="connsiteY35"/>
+              </a:cxn>
+              <a:cxn ang="0">
+                <a:pos x="connsiteX36" y="connsiteY36"/>
+              </a:cxn>
+              <a:cxn ang="0">
+                <a:pos x="connsiteX37" y="connsiteY37"/>
+              </a:cxn>
+              <a:cxn ang="0">
+                <a:pos x="connsiteX38" y="connsiteY38"/>
+              </a:cxn>
+              <a:cxn ang="0">
+                <a:pos x="connsiteX39" y="connsiteY39"/>
+              </a:cxn>
+              <a:cxn ang="0">
+                <a:pos x="connsiteX40" y="connsiteY40"/>
+              </a:cxn>
+              <a:cxn ang="0">
+                <a:pos x="connsiteX41" y="connsiteY41"/>
+              </a:cxn>
+              <a:cxn ang="0">
+                <a:pos x="connsiteX42" y="connsiteY42"/>
+              </a:cxn>
+              <a:cxn ang="0">
+                <a:pos x="connsiteX43" y="connsiteY43"/>
+              </a:cxn>
+              <a:cxn ang="0">
+                <a:pos x="connsiteX44" y="connsiteY44"/>
+              </a:cxn>
+              <a:cxn ang="0">
+                <a:pos x="connsiteX45" y="connsiteY45"/>
+              </a:cxn>
+              <a:cxn ang="0">
+                <a:pos x="connsiteX46" y="connsiteY46"/>
+              </a:cxn>
+              <a:cxn ang="0">
+                <a:pos x="connsiteX47" y="connsiteY47"/>
+              </a:cxn>
+              <a:cxn ang="0">
+                <a:pos x="connsiteX48" y="connsiteY48"/>
+              </a:cxn>
+              <a:cxn ang="0">
+                <a:pos x="connsiteX49" y="connsiteY49"/>
+              </a:cxn>
+              <a:cxn ang="0">
+                <a:pos x="connsiteX50" y="connsiteY50"/>
+              </a:cxn>
+              <a:cxn ang="0">
+                <a:pos x="connsiteX51" y="connsiteY51"/>
+              </a:cxn>
+              <a:cxn ang="0">
+                <a:pos x="connsiteX52" y="connsiteY52"/>
+              </a:cxn>
+              <a:cxn ang="0">
+                <a:pos x="connsiteX53" y="connsiteY53"/>
+              </a:cxn>
+              <a:cxn ang="0">
+                <a:pos x="connsiteX54" y="connsiteY54"/>
+              </a:cxn>
+              <a:cxn ang="0">
+                <a:pos x="connsiteX55" y="connsiteY55"/>
+              </a:cxn>
+              <a:cxn ang="0">
+                <a:pos x="connsiteX56" y="connsiteY56"/>
+              </a:cxn>
+              <a:cxn ang="0">
+                <a:pos x="connsiteX57" y="connsiteY57"/>
+              </a:cxn>
+              <a:cxn ang="0">
+                <a:pos x="connsiteX58" y="connsiteY58"/>
+              </a:cxn>
+              <a:cxn ang="0">
+                <a:pos x="connsiteX59" y="connsiteY59"/>
+              </a:cxn>
+              <a:cxn ang="0">
+                <a:pos x="connsiteX60" y="connsiteY60"/>
+              </a:cxn>
+              <a:cxn ang="0">
+                <a:pos x="connsiteX61" y="connsiteY61"/>
+              </a:cxn>
+              <a:cxn ang="0">
+                <a:pos x="connsiteX62" y="connsiteY62"/>
+              </a:cxn>
+              <a:cxn ang="0">
+                <a:pos x="connsiteX63" y="connsiteY63"/>
+              </a:cxn>
+              <a:cxn ang="0">
+                <a:pos x="connsiteX64" y="connsiteY64"/>
+              </a:cxn>
+              <a:cxn ang="0">
+                <a:pos x="connsiteX65" y="connsiteY65"/>
+              </a:cxn>
+              <a:cxn ang="0">
+                <a:pos x="connsiteX66" y="connsiteY66"/>
+              </a:cxn>
+              <a:cxn ang="0">
+                <a:pos x="connsiteX67" y="connsiteY67"/>
+              </a:cxn>
+              <a:cxn ang="0">
+                <a:pos x="connsiteX68" y="connsiteY68"/>
+              </a:cxn>
+              <a:cxn ang="0">
+                <a:pos x="connsiteX69" y="connsiteY69"/>
+              </a:cxn>
+              <a:cxn ang="0">
+                <a:pos x="connsiteX70" y="connsiteY70"/>
+              </a:cxn>
+              <a:cxn ang="0">
+                <a:pos x="connsiteX71" y="connsiteY71"/>
+              </a:cxn>
+              <a:cxn ang="0">
+                <a:pos x="connsiteX72" y="connsiteY72"/>
+              </a:cxn>
+              <a:cxn ang="0">
+                <a:pos x="connsiteX73" y="connsiteY73"/>
+              </a:cxn>
+              <a:cxn ang="0">
+                <a:pos x="connsiteX74" y="connsiteY74"/>
+              </a:cxn>
+              <a:cxn ang="0">
+                <a:pos x="connsiteX75" y="connsiteY75"/>
+              </a:cxn>
+              <a:cxn ang="0">
+                <a:pos x="connsiteX76" y="connsiteY76"/>
+              </a:cxn>
+              <a:cxn ang="0">
+                <a:pos x="connsiteX77" y="connsiteY77"/>
+              </a:cxn>
+              <a:cxn ang="0">
+                <a:pos x="connsiteX78" y="connsiteY78"/>
+              </a:cxn>
+              <a:cxn ang="0">
+                <a:pos x="connsiteX79" y="connsiteY79"/>
+              </a:cxn>
+              <a:cxn ang="0">
+                <a:pos x="connsiteX80" y="connsiteY80"/>
+              </a:cxn>
+              <a:cxn ang="0">
+                <a:pos x="connsiteX81" y="connsiteY81"/>
+              </a:cxn>
+              <a:cxn ang="0">
+                <a:pos x="connsiteX82" y="connsiteY82"/>
+              </a:cxn>
+              <a:cxn ang="0">
+                <a:pos x="connsiteX83" y="connsiteY83"/>
+              </a:cxn>
+              <a:cxn ang="0">
+                <a:pos x="connsiteX84" y="connsiteY84"/>
+              </a:cxn>
+              <a:cxn ang="0">
+                <a:pos x="connsiteX85" y="connsiteY85"/>
+              </a:cxn>
+              <a:cxn ang="0">
+                <a:pos x="connsiteX86" y="connsiteY86"/>
+              </a:cxn>
+              <a:cxn ang="0">
+                <a:pos x="connsiteX87" y="connsiteY87"/>
+              </a:cxn>
+              <a:cxn ang="0">
+                <a:pos x="connsiteX88" y="connsiteY88"/>
+              </a:cxn>
+              <a:cxn ang="0">
+                <a:pos x="connsiteX89" y="connsiteY89"/>
+              </a:cxn>
+              <a:cxn ang="0">
+                <a:pos x="connsiteX90" y="connsiteY90"/>
+              </a:cxn>
+              <a:cxn ang="0">
+                <a:pos x="connsiteX91" y="connsiteY91"/>
+              </a:cxn>
+              <a:cxn ang="0">
+                <a:pos x="connsiteX92" y="connsiteY92"/>
+              </a:cxn>
+              <a:cxn ang="0">
+                <a:pos x="connsiteX93" y="connsiteY93"/>
+              </a:cxn>
+              <a:cxn ang="0">
+                <a:pos x="connsiteX94" y="connsiteY94"/>
+              </a:cxn>
+            </a:cxnLst>
+            <a:rect l="l" t="t" r="r" b="b"/>
+            <a:pathLst>
+              <a:path w="3823111" h="4015065">
+                <a:moveTo>
+                  <a:pt x="2848093" y="89794"/>
+                </a:moveTo>
+                <a:lnTo>
+                  <a:pt x="2848093" y="89794"/>
+                </a:lnTo>
+                <a:cubicBezTo>
+                  <a:pt x="2805329" y="85518"/>
+                  <a:pt x="2762401" y="82646"/>
+                  <a:pt x="2719801" y="76966"/>
+                </a:cubicBezTo>
+                <a:cubicBezTo>
+                  <a:pt x="2698187" y="74084"/>
+                  <a:pt x="2677352" y="66307"/>
+                  <a:pt x="2655655" y="64138"/>
+                </a:cubicBezTo>
+                <a:cubicBezTo>
+                  <a:pt x="2591686" y="57742"/>
+                  <a:pt x="2527363" y="55587"/>
+                  <a:pt x="2463217" y="51311"/>
+                </a:cubicBezTo>
+                <a:cubicBezTo>
+                  <a:pt x="2367085" y="19270"/>
+                  <a:pt x="2471686" y="50765"/>
+                  <a:pt x="2270779" y="25655"/>
+                </a:cubicBezTo>
+                <a:cubicBezTo>
+                  <a:pt x="2253284" y="23468"/>
+                  <a:pt x="2236917" y="15321"/>
+                  <a:pt x="2219463" y="12828"/>
+                </a:cubicBezTo>
+                <a:cubicBezTo>
+                  <a:pt x="2176918" y="6751"/>
+                  <a:pt x="2133935" y="4276"/>
+                  <a:pt x="2091171" y="0"/>
+                </a:cubicBezTo>
+                <a:lnTo>
+                  <a:pt x="1282932" y="12828"/>
+                </a:lnTo>
+                <a:cubicBezTo>
+                  <a:pt x="1269415" y="13238"/>
+                  <a:pt x="1257448" y="21940"/>
+                  <a:pt x="1244445" y="25655"/>
+                </a:cubicBezTo>
+                <a:cubicBezTo>
+                  <a:pt x="1126190" y="59438"/>
+                  <a:pt x="1261378" y="12901"/>
+                  <a:pt x="1141811" y="64138"/>
+                </a:cubicBezTo>
+                <a:cubicBezTo>
+                  <a:pt x="1098116" y="82862"/>
+                  <a:pt x="1079212" y="79223"/>
+                  <a:pt x="1026349" y="89794"/>
+                </a:cubicBezTo>
+                <a:cubicBezTo>
+                  <a:pt x="1009059" y="93251"/>
+                  <a:pt x="992138" y="98345"/>
+                  <a:pt x="975032" y="102621"/>
+                </a:cubicBezTo>
+                <a:lnTo>
+                  <a:pt x="898057" y="179588"/>
+                </a:lnTo>
+                <a:cubicBezTo>
+                  <a:pt x="885228" y="192416"/>
+                  <a:pt x="874432" y="207668"/>
+                  <a:pt x="859569" y="218071"/>
+                </a:cubicBezTo>
+                <a:cubicBezTo>
+                  <a:pt x="816805" y="248002"/>
+                  <a:pt x="768189" y="270957"/>
+                  <a:pt x="731278" y="307864"/>
+                </a:cubicBezTo>
+                <a:cubicBezTo>
+                  <a:pt x="709896" y="329244"/>
+                  <a:pt x="683906" y="346845"/>
+                  <a:pt x="667132" y="372003"/>
+                </a:cubicBezTo>
+                <a:cubicBezTo>
+                  <a:pt x="607262" y="461797"/>
+                  <a:pt x="641472" y="431866"/>
+                  <a:pt x="577327" y="474624"/>
+                </a:cubicBezTo>
+                <a:cubicBezTo>
+                  <a:pt x="560496" y="499868"/>
+                  <a:pt x="550383" y="520486"/>
+                  <a:pt x="526011" y="538763"/>
+                </a:cubicBezTo>
+                <a:cubicBezTo>
+                  <a:pt x="501341" y="557263"/>
+                  <a:pt x="449036" y="590073"/>
+                  <a:pt x="449036" y="590073"/>
+                </a:cubicBezTo>
+                <a:cubicBezTo>
+                  <a:pt x="355649" y="730133"/>
+                  <a:pt x="493380" y="514218"/>
+                  <a:pt x="410548" y="679867"/>
+                </a:cubicBezTo>
+                <a:cubicBezTo>
+                  <a:pt x="405139" y="690685"/>
+                  <a:pt x="392147" y="695848"/>
+                  <a:pt x="384890" y="705523"/>
+                </a:cubicBezTo>
+                <a:cubicBezTo>
+                  <a:pt x="366388" y="730190"/>
+                  <a:pt x="350679" y="756834"/>
+                  <a:pt x="333573" y="782489"/>
+                </a:cubicBezTo>
+                <a:cubicBezTo>
+                  <a:pt x="325020" y="795317"/>
+                  <a:pt x="314811" y="807183"/>
+                  <a:pt x="307915" y="820972"/>
+                </a:cubicBezTo>
+                <a:cubicBezTo>
+                  <a:pt x="299362" y="838075"/>
+                  <a:pt x="291744" y="855679"/>
+                  <a:pt x="282256" y="872282"/>
+                </a:cubicBezTo>
+                <a:cubicBezTo>
+                  <a:pt x="274606" y="885668"/>
+                  <a:pt x="263494" y="896976"/>
+                  <a:pt x="256598" y="910765"/>
+                </a:cubicBezTo>
+                <a:cubicBezTo>
+                  <a:pt x="242033" y="939891"/>
+                  <a:pt x="233550" y="971887"/>
+                  <a:pt x="218110" y="1000559"/>
+                </a:cubicBezTo>
+                <a:cubicBezTo>
+                  <a:pt x="203490" y="1027708"/>
+                  <a:pt x="176546" y="1048273"/>
+                  <a:pt x="166794" y="1077525"/>
+                </a:cubicBezTo>
+                <a:cubicBezTo>
+                  <a:pt x="162517" y="1090353"/>
+                  <a:pt x="160531" y="1104188"/>
+                  <a:pt x="153964" y="1116008"/>
+                </a:cubicBezTo>
+                <a:cubicBezTo>
+                  <a:pt x="138988" y="1142962"/>
+                  <a:pt x="112400" y="1163722"/>
+                  <a:pt x="102648" y="1192974"/>
+                </a:cubicBezTo>
+                <a:cubicBezTo>
+                  <a:pt x="98371" y="1205802"/>
+                  <a:pt x="96385" y="1219638"/>
+                  <a:pt x="89818" y="1231458"/>
+                </a:cubicBezTo>
+                <a:cubicBezTo>
+                  <a:pt x="74842" y="1258412"/>
+                  <a:pt x="48254" y="1279172"/>
+                  <a:pt x="38502" y="1308424"/>
+                </a:cubicBezTo>
+                <a:lnTo>
+                  <a:pt x="12843" y="1385390"/>
+                </a:lnTo>
+                <a:cubicBezTo>
+                  <a:pt x="8567" y="1462356"/>
+                  <a:pt x="14" y="1539203"/>
+                  <a:pt x="14" y="1616288"/>
+                </a:cubicBezTo>
+                <a:cubicBezTo>
+                  <a:pt x="14" y="1647089"/>
+                  <a:pt x="-1463" y="1813320"/>
+                  <a:pt x="25672" y="1885669"/>
+                </a:cubicBezTo>
+                <a:cubicBezTo>
+                  <a:pt x="32387" y="1903574"/>
+                  <a:pt x="42778" y="1919876"/>
+                  <a:pt x="51331" y="1936980"/>
+                </a:cubicBezTo>
+                <a:cubicBezTo>
+                  <a:pt x="55607" y="1958360"/>
+                  <a:pt x="58871" y="1979967"/>
+                  <a:pt x="64160" y="2001119"/>
+                </a:cubicBezTo>
+                <a:cubicBezTo>
+                  <a:pt x="67440" y="2014237"/>
+                  <a:pt x="74570" y="2026298"/>
+                  <a:pt x="76989" y="2039602"/>
+                </a:cubicBezTo>
+                <a:cubicBezTo>
+                  <a:pt x="83156" y="2073519"/>
+                  <a:pt x="85542" y="2108016"/>
+                  <a:pt x="89818" y="2142223"/>
+                </a:cubicBezTo>
+                <a:cubicBezTo>
+                  <a:pt x="97009" y="2379492"/>
+                  <a:pt x="73929" y="2490687"/>
+                  <a:pt x="128306" y="2680986"/>
+                </a:cubicBezTo>
+                <a:cubicBezTo>
+                  <a:pt x="134633" y="2703126"/>
+                  <a:pt x="145878" y="2723564"/>
+                  <a:pt x="153964" y="2745124"/>
+                </a:cubicBezTo>
+                <a:cubicBezTo>
+                  <a:pt x="176727" y="2805818"/>
+                  <a:pt x="153527" y="2763709"/>
+                  <a:pt x="192452" y="2822090"/>
+                </a:cubicBezTo>
+                <a:cubicBezTo>
+                  <a:pt x="197536" y="2847508"/>
+                  <a:pt x="209051" y="2910365"/>
+                  <a:pt x="218110" y="2937539"/>
+                </a:cubicBezTo>
+                <a:cubicBezTo>
+                  <a:pt x="225393" y="2959384"/>
+                  <a:pt x="235216" y="2980298"/>
+                  <a:pt x="243769" y="3001678"/>
+                </a:cubicBezTo>
+                <a:cubicBezTo>
+                  <a:pt x="248045" y="3027333"/>
+                  <a:pt x="251497" y="3053140"/>
+                  <a:pt x="256598" y="3078644"/>
+                </a:cubicBezTo>
+                <a:cubicBezTo>
+                  <a:pt x="264159" y="3116443"/>
+                  <a:pt x="281995" y="3174200"/>
+                  <a:pt x="295085" y="3206921"/>
+                </a:cubicBezTo>
+                <a:cubicBezTo>
+                  <a:pt x="303638" y="3228300"/>
+                  <a:pt x="311391" y="3250017"/>
+                  <a:pt x="320744" y="3271059"/>
+                </a:cubicBezTo>
+                <a:cubicBezTo>
+                  <a:pt x="331945" y="3296258"/>
+                  <a:pt x="353009" y="3338629"/>
+                  <a:pt x="372060" y="3360853"/>
+                </a:cubicBezTo>
+                <a:cubicBezTo>
+                  <a:pt x="387803" y="3379218"/>
+                  <a:pt x="406271" y="3395060"/>
+                  <a:pt x="423377" y="3412164"/>
+                </a:cubicBezTo>
+                <a:cubicBezTo>
+                  <a:pt x="431930" y="3420716"/>
+                  <a:pt x="437562" y="3433995"/>
+                  <a:pt x="449036" y="3437819"/>
+                </a:cubicBezTo>
+                <a:cubicBezTo>
+                  <a:pt x="461865" y="3442095"/>
+                  <a:pt x="475428" y="3444600"/>
+                  <a:pt x="487523" y="3450647"/>
+                </a:cubicBezTo>
+                <a:cubicBezTo>
+                  <a:pt x="501314" y="3457542"/>
+                  <a:pt x="512624" y="3468653"/>
+                  <a:pt x="526011" y="3476302"/>
+                </a:cubicBezTo>
+                <a:cubicBezTo>
+                  <a:pt x="542616" y="3485789"/>
+                  <a:pt x="560722" y="3492470"/>
+                  <a:pt x="577327" y="3501957"/>
+                </a:cubicBezTo>
+                <a:cubicBezTo>
+                  <a:pt x="646962" y="3541744"/>
+                  <a:pt x="583738" y="3516922"/>
+                  <a:pt x="654302" y="3540440"/>
+                </a:cubicBezTo>
+                <a:lnTo>
+                  <a:pt x="769765" y="3617407"/>
+                </a:lnTo>
+                <a:cubicBezTo>
+                  <a:pt x="782594" y="3625959"/>
+                  <a:pt x="793626" y="3638187"/>
+                  <a:pt x="808253" y="3643062"/>
+                </a:cubicBezTo>
+                <a:lnTo>
+                  <a:pt x="846740" y="3655890"/>
+                </a:lnTo>
+                <a:cubicBezTo>
+                  <a:pt x="911157" y="3752502"/>
+                  <a:pt x="824304" y="3640934"/>
+                  <a:pt x="923715" y="3707200"/>
+                </a:cubicBezTo>
+                <a:cubicBezTo>
+                  <a:pt x="936544" y="3715751"/>
+                  <a:pt x="936299" y="3737512"/>
+                  <a:pt x="949374" y="3745683"/>
+                </a:cubicBezTo>
+                <a:cubicBezTo>
+                  <a:pt x="972310" y="3760016"/>
+                  <a:pt x="1003845" y="3756338"/>
+                  <a:pt x="1026349" y="3771339"/>
+                </a:cubicBezTo>
+                <a:cubicBezTo>
+                  <a:pt x="1087340" y="3811995"/>
+                  <a:pt x="1050209" y="3792119"/>
+                  <a:pt x="1141811" y="3822650"/>
+                </a:cubicBezTo>
+                <a:cubicBezTo>
+                  <a:pt x="1162503" y="3843338"/>
+                  <a:pt x="1177637" y="3861824"/>
+                  <a:pt x="1205957" y="3873960"/>
+                </a:cubicBezTo>
+                <a:cubicBezTo>
+                  <a:pt x="1224395" y="3881861"/>
+                  <a:pt x="1306807" y="3895963"/>
+                  <a:pt x="1321420" y="3899616"/>
+                </a:cubicBezTo>
+                <a:cubicBezTo>
+                  <a:pt x="1334539" y="3902895"/>
+                  <a:pt x="1346789" y="3909164"/>
+                  <a:pt x="1359908" y="3912443"/>
+                </a:cubicBezTo>
+                <a:cubicBezTo>
+                  <a:pt x="1502630" y="3948119"/>
+                  <a:pt x="1647555" y="3932977"/>
+                  <a:pt x="1796100" y="3938099"/>
+                </a:cubicBezTo>
+                <a:cubicBezTo>
+                  <a:pt x="1892838" y="3970340"/>
+                  <a:pt x="1773596" y="3926849"/>
+                  <a:pt x="1873075" y="3976582"/>
+                </a:cubicBezTo>
+                <a:cubicBezTo>
+                  <a:pt x="1900582" y="3990334"/>
+                  <a:pt x="1949365" y="3996384"/>
+                  <a:pt x="1975708" y="4002237"/>
+                </a:cubicBezTo>
+                <a:cubicBezTo>
+                  <a:pt x="1992920" y="4006062"/>
+                  <a:pt x="2009919" y="4010789"/>
+                  <a:pt x="2027025" y="4015065"/>
+                </a:cubicBezTo>
+                <a:cubicBezTo>
+                  <a:pt x="2095447" y="4010789"/>
+                  <a:pt x="2164575" y="4012928"/>
+                  <a:pt x="2232292" y="4002237"/>
+                </a:cubicBezTo>
+                <a:cubicBezTo>
+                  <a:pt x="2247521" y="3999833"/>
+                  <a:pt x="2256988" y="3983476"/>
+                  <a:pt x="2270779" y="3976582"/>
+                </a:cubicBezTo>
+                <a:cubicBezTo>
+                  <a:pt x="2282875" y="3970535"/>
+                  <a:pt x="2296438" y="3968030"/>
+                  <a:pt x="2309267" y="3963754"/>
+                </a:cubicBezTo>
+                <a:lnTo>
+                  <a:pt x="2450388" y="3822650"/>
+                </a:lnTo>
+                <a:lnTo>
+                  <a:pt x="2501705" y="3771339"/>
+                </a:lnTo>
+                <a:cubicBezTo>
+                  <a:pt x="2514534" y="3767063"/>
+                  <a:pt x="2527530" y="3763259"/>
+                  <a:pt x="2540192" y="3758511"/>
+                </a:cubicBezTo>
+                <a:cubicBezTo>
+                  <a:pt x="2561755" y="3750426"/>
+                  <a:pt x="2582491" y="3740138"/>
+                  <a:pt x="2604338" y="3732856"/>
+                </a:cubicBezTo>
+                <a:cubicBezTo>
+                  <a:pt x="2621065" y="3727281"/>
+                  <a:pt x="2638766" y="3725094"/>
+                  <a:pt x="2655655" y="3720028"/>
+                </a:cubicBezTo>
+                <a:cubicBezTo>
+                  <a:pt x="2681561" y="3712257"/>
+                  <a:pt x="2706972" y="3702925"/>
+                  <a:pt x="2732630" y="3694373"/>
+                </a:cubicBezTo>
+                <a:lnTo>
+                  <a:pt x="2771118" y="3681545"/>
+                </a:lnTo>
+                <a:cubicBezTo>
+                  <a:pt x="2783947" y="3668717"/>
+                  <a:pt x="2794509" y="3653125"/>
+                  <a:pt x="2809605" y="3643062"/>
+                </a:cubicBezTo>
+                <a:cubicBezTo>
+                  <a:pt x="2820857" y="3635561"/>
+                  <a:pt x="2834727" y="3632290"/>
+                  <a:pt x="2848093" y="3630234"/>
+                </a:cubicBezTo>
+                <a:cubicBezTo>
+                  <a:pt x="2890571" y="3623700"/>
+                  <a:pt x="2933621" y="3621683"/>
+                  <a:pt x="2976385" y="3617407"/>
+                </a:cubicBezTo>
+                <a:cubicBezTo>
+                  <a:pt x="3111246" y="3590437"/>
+                  <a:pt x="2965961" y="3617123"/>
+                  <a:pt x="3181651" y="3591751"/>
+                </a:cubicBezTo>
+                <a:cubicBezTo>
+                  <a:pt x="3207485" y="3588712"/>
+                  <a:pt x="3232843" y="3582361"/>
+                  <a:pt x="3258627" y="3578924"/>
+                </a:cubicBezTo>
+                <a:cubicBezTo>
+                  <a:pt x="3297012" y="3573807"/>
+                  <a:pt x="3335602" y="3570372"/>
+                  <a:pt x="3374089" y="3566096"/>
+                </a:cubicBezTo>
+                <a:cubicBezTo>
+                  <a:pt x="3391195" y="3561820"/>
+                  <a:pt x="3408194" y="3557093"/>
+                  <a:pt x="3425406" y="3553268"/>
+                </a:cubicBezTo>
+                <a:cubicBezTo>
+                  <a:pt x="3446692" y="3548538"/>
+                  <a:pt x="3469135" y="3548096"/>
+                  <a:pt x="3489552" y="3540440"/>
+                </a:cubicBezTo>
+                <a:cubicBezTo>
+                  <a:pt x="3503989" y="3535027"/>
+                  <a:pt x="3514818" y="3522717"/>
+                  <a:pt x="3528039" y="3514785"/>
+                </a:cubicBezTo>
+                <a:cubicBezTo>
+                  <a:pt x="3578983" y="3484222"/>
+                  <a:pt x="3634462" y="3460633"/>
+                  <a:pt x="3681990" y="3424991"/>
+                </a:cubicBezTo>
+                <a:cubicBezTo>
+                  <a:pt x="3699095" y="3412163"/>
+                  <a:pt x="3715174" y="3397839"/>
+                  <a:pt x="3733306" y="3386508"/>
+                </a:cubicBezTo>
+                <a:cubicBezTo>
+                  <a:pt x="3769540" y="3363865"/>
+                  <a:pt x="3785699" y="3360494"/>
+                  <a:pt x="3823111" y="3348025"/>
+                </a:cubicBezTo>
+                <a:cubicBezTo>
+                  <a:pt x="3818834" y="3365129"/>
+                  <a:pt x="3823668" y="3387863"/>
+                  <a:pt x="3810281" y="3399336"/>
+                </a:cubicBezTo>
+                <a:cubicBezTo>
+                  <a:pt x="3789745" y="3416936"/>
+                  <a:pt x="3733306" y="3424991"/>
+                  <a:pt x="3733306" y="3424991"/>
+                </a:cubicBezTo>
+                <a:cubicBezTo>
+                  <a:pt x="3720477" y="3433543"/>
+                  <a:pt x="3708991" y="3444574"/>
+                  <a:pt x="3694819" y="3450647"/>
+                </a:cubicBezTo>
+                <a:cubicBezTo>
+                  <a:pt x="3678612" y="3457592"/>
+                  <a:pt x="3658454" y="3454130"/>
+                  <a:pt x="3643502" y="3463474"/>
+                </a:cubicBezTo>
+                <a:cubicBezTo>
+                  <a:pt x="3622988" y="3476293"/>
+                  <a:pt x="3592185" y="3514785"/>
+                  <a:pt x="3592185" y="3514785"/>
+                </a:cubicBezTo>
+              </a:path>
+            </a:pathLst>
+          </a:custGeom>
+          <a:ln w="44450">
+            <a:solidFill>
+              <a:schemeClr val="accent1">
+                <a:lumMod val="75000"/>
+              </a:schemeClr>
+            </a:solidFill>
+          </a:ln>
+        </p:spPr>
+        <p:txBody>
+          <a:bodyPr rtlCol="0" anchor="ctr"/>
+          <a:lstStyle/>
+          <a:p>
+            <a:pPr algn="ctr"/>
+            <a:endParaRPr lang="en-US"/>
+          </a:p>
+        </p:txBody>
+      </p:sp>
+      <p:sp>
+        <p:nvSpPr>
           <p:cNvPr id="45" name="Title 1"/>
           <p:cNvSpPr>
             <a:spLocks noGrp="1"/>
@@ -11092,7 +11854,358 @@
 </p:sld>
 </file>
 
-<file path=ppt/slides/slide19.xml><?xml version="1.0" encoding="utf-8"?>
+<file path=ppt/slides/slide2.xml><?xml version="1.0" encoding="utf-8"?>
+<p:sld xmlns:a="http://schemas.openxmlformats.org/drawingml/2006/main" xmlns:r="http://schemas.openxmlformats.org/officeDocument/2006/relationships" xmlns:p="http://schemas.openxmlformats.org/presentationml/2006/main">
+  <p:cSld>
+    <p:spTree>
+      <p:nvGrpSpPr>
+        <p:cNvPr id="1" name=""/>
+        <p:cNvGrpSpPr/>
+        <p:nvPr/>
+      </p:nvGrpSpPr>
+      <p:grpSpPr>
+        <a:xfrm>
+          <a:off x="0" y="0"/>
+          <a:ext cx="0" cy="0"/>
+          <a:chOff x="0" y="0"/>
+          <a:chExt cx="0" cy="0"/>
+        </a:xfrm>
+      </p:grpSpPr>
+      <p:sp>
+        <p:nvSpPr>
+          <p:cNvPr id="2" name="Title 1"/>
+          <p:cNvSpPr>
+            <a:spLocks noGrp="1"/>
+          </p:cNvSpPr>
+          <p:nvPr>
+            <p:ph type="title"/>
+          </p:nvPr>
+        </p:nvSpPr>
+        <p:spPr/>
+        <p:txBody>
+          <a:bodyPr/>
+          <a:lstStyle/>
+          <a:p>
+            <a:r>
+              <a:rPr lang="en-US" dirty="0" smtClean="0"/>
+              <a:t>Connected Graph </a:t>
+            </a:r>
+            <a:r>
+              <a:rPr lang="en-US" dirty="0" smtClean="0">
+                <a:solidFill>
+                  <a:schemeClr val="accent1">
+                    <a:lumMod val="50000"/>
+                  </a:schemeClr>
+                </a:solidFill>
+              </a:rPr>
+              <a:t>G</a:t>
+            </a:r>
+            <a:endParaRPr lang="en-US" dirty="0">
+              <a:solidFill>
+                <a:schemeClr val="accent1">
+                  <a:lumMod val="50000"/>
+                </a:schemeClr>
+              </a:solidFill>
+            </a:endParaRPr>
+          </a:p>
+        </p:txBody>
+      </p:sp>
+      <p:sp>
+        <p:nvSpPr>
+          <p:cNvPr id="3" name="Content Placeholder 2"/>
+          <p:cNvSpPr>
+            <a:spLocks noGrp="1"/>
+          </p:cNvSpPr>
+          <p:nvPr>
+            <p:ph idx="1"/>
+          </p:nvPr>
+        </p:nvSpPr>
+        <p:spPr>
+          <a:xfrm>
+            <a:off x="685800" y="1295400"/>
+            <a:ext cx="7772400" cy="4267200"/>
+          </a:xfrm>
+        </p:spPr>
+        <p:txBody>
+          <a:bodyPr/>
+          <a:lstStyle/>
+          <a:p>
+            <a:r>
+              <a:rPr lang="en-US" sz="5400" dirty="0" smtClean="0">
+                <a:solidFill>
+                  <a:srgbClr val="000000"/>
+                </a:solidFill>
+              </a:rPr>
+              <a:t>Let</a:t>
+            </a:r>
+            <a:r>
+              <a:rPr lang="en-US" sz="5400" dirty="0" smtClean="0"/>
+              <a:t> </a:t>
+            </a:r>
+            <a:r>
+              <a:rPr lang="en-US" sz="5400" dirty="0">
+                <a:solidFill>
+                  <a:schemeClr val="accent1">
+                    <a:lumMod val="50000"/>
+                  </a:schemeClr>
+                </a:solidFill>
+              </a:rPr>
+              <a:t>G </a:t>
+            </a:r>
+            <a:r>
+              <a:rPr lang="en-US" sz="5400" dirty="0" smtClean="0"/>
+              <a:t>be a</a:t>
+            </a:r>
+            <a:r>
+              <a:rPr lang="en-US" sz="5400" dirty="0" smtClean="0">
+                <a:solidFill>
+                  <a:schemeClr val="accent1">
+                    <a:lumMod val="50000"/>
+                  </a:schemeClr>
+                </a:solidFill>
+              </a:rPr>
+              <a:t> connected,</a:t>
+            </a:r>
+            <a:endParaRPr lang="en-US" sz="5400" dirty="0">
+              <a:solidFill>
+                <a:schemeClr val="accent1">
+                  <a:lumMod val="50000"/>
+                </a:schemeClr>
+              </a:solidFill>
+            </a:endParaRPr>
+          </a:p>
+          <a:p>
+            <a:r>
+              <a:rPr lang="en-US" sz="5400" dirty="0" smtClean="0">
+                <a:solidFill>
+                  <a:schemeClr val="accent1">
+                    <a:lumMod val="50000"/>
+                  </a:schemeClr>
+                </a:solidFill>
+              </a:rPr>
+              <a:t>weighted</a:t>
+            </a:r>
+            <a:r>
+              <a:rPr lang="en-US" sz="5400" dirty="0"/>
+              <a:t> </a:t>
+            </a:r>
+            <a:r>
+              <a:rPr lang="en-US" sz="5400" dirty="0" smtClean="0"/>
+              <a:t>simple graph.</a:t>
+            </a:r>
+          </a:p>
+          <a:p>
+            <a:r>
+              <a:rPr lang="en-US" sz="5400" dirty="0" smtClean="0"/>
+              <a:t>Assume all edges have</a:t>
+            </a:r>
+          </a:p>
+          <a:p>
+            <a:r>
+              <a:rPr lang="en-US" sz="5400" dirty="0" smtClean="0"/>
+              <a:t>different weights.</a:t>
+            </a:r>
+          </a:p>
+        </p:txBody>
+      </p:sp>
+      <p:sp>
+        <p:nvSpPr>
+          <p:cNvPr id="4" name="Slide Number Placeholder 3"/>
+          <p:cNvSpPr>
+            <a:spLocks noGrp="1"/>
+          </p:cNvSpPr>
+          <p:nvPr>
+            <p:ph type="sldNum" sz="quarter" idx="4"/>
+          </p:nvPr>
+        </p:nvSpPr>
+        <p:spPr>
+          <a:xfrm>
+            <a:off x="8283346" y="6553200"/>
+            <a:ext cx="813031" cy="246221"/>
+          </a:xfrm>
+        </p:spPr>
+        <p:txBody>
+          <a:bodyPr/>
+          <a:lstStyle/>
+          <a:p>
+            <a:pPr>
+              <a:defRPr/>
+            </a:pPr>
+            <a:r>
+              <a:rPr lang="en-US" dirty="0" smtClean="0"/>
+              <a:t>min-gray.</a:t>
+            </a:r>
+            <a:fld id="{D7F2FC53-1536-41A9-A9C1-2199CF803E30}" type="slidenum">
+              <a:rPr lang="en-US" smtClean="0"/>
+              <a:pPr>
+                <a:defRPr/>
+              </a:pPr>
+              <a:t>2</a:t>
+            </a:fld>
+            <a:endParaRPr lang="en-US" dirty="0"/>
+          </a:p>
+        </p:txBody>
+      </p:sp>
+    </p:spTree>
+    <p:extLst>
+      <p:ext uri="{BB962C8B-B14F-4D97-AF65-F5344CB8AC3E}">
+        <p14:creationId xmlns:p14="http://schemas.microsoft.com/office/powerpoint/2010/main" val="3956117425"/>
+      </p:ext>
+    </p:extLst>
+  </p:cSld>
+  <p:clrMapOvr>
+    <a:masterClrMapping/>
+  </p:clrMapOvr>
+  <mc:AlternateContent xmlns:mc="http://schemas.openxmlformats.org/markup-compatibility/2006" xmlns:p14="http://schemas.microsoft.com/office/powerpoint/2010/main">
+    <mc:Choice Requires="p14">
+      <p:transition spd="slow" p14:dur="1100" advClick="0">
+        <p:fade thruBlk="1"/>
+      </p:transition>
+    </mc:Choice>
+    <mc:Fallback xmlns="">
+      <p:transition xmlns:p14="http://schemas.microsoft.com/office/powerpoint/2010/main" spd="slow" advClick="0">
+        <p:fade thruBlk="1"/>
+      </p:transition>
+    </mc:Fallback>
+  </mc:AlternateContent>
+  <p:timing>
+    <p:tnLst>
+      <p:par>
+        <p:cTn xmlns:p14="http://schemas.microsoft.com/office/powerpoint/2010/main" id="1" dur="indefinite" restart="never" nodeType="tmRoot">
+          <p:childTnLst>
+            <p:seq concurrent="1" nextAc="seek">
+              <p:cTn id="2" dur="indefinite" nodeType="mainSeq">
+                <p:childTnLst>
+                  <p:par>
+                    <p:cTn id="3" fill="hold">
+                      <p:stCondLst>
+                        <p:cond delay="indefinite"/>
+                      </p:stCondLst>
+                      <p:childTnLst>
+                        <p:par>
+                          <p:cTn id="4" fill="hold">
+                            <p:stCondLst>
+                              <p:cond delay="0"/>
+                            </p:stCondLst>
+                            <p:childTnLst>
+                              <p:par>
+                                <p:cTn id="5" presetID="10" presetClass="entr" presetSubtype="0" fill="hold" nodeType="clickEffect">
+                                  <p:stCondLst>
+                                    <p:cond delay="0"/>
+                                  </p:stCondLst>
+                                  <p:childTnLst>
+                                    <p:set>
+                                      <p:cBhvr>
+                                        <p:cTn id="6" dur="1" fill="hold">
+                                          <p:stCondLst>
+                                            <p:cond delay="0"/>
+                                          </p:stCondLst>
+                                        </p:cTn>
+                                        <p:tgtEl>
+                                          <p:spTgt spid="3">
+                                            <p:txEl>
+                                              <p:pRg st="2" end="2"/>
+                                            </p:txEl>
+                                          </p:spTgt>
+                                        </p:tgtEl>
+                                        <p:attrNameLst>
+                                          <p:attrName>style.visibility</p:attrName>
+                                        </p:attrNameLst>
+                                      </p:cBhvr>
+                                      <p:to>
+                                        <p:strVal val="visible"/>
+                                      </p:to>
+                                    </p:set>
+                                    <p:animEffect transition="in" filter="fade">
+                                      <p:cBhvr>
+                                        <p:cTn id="7" dur="500"/>
+                                        <p:tgtEl>
+                                          <p:spTgt spid="3">
+                                            <p:txEl>
+                                              <p:pRg st="2" end="2"/>
+                                            </p:txEl>
+                                          </p:spTgt>
+                                        </p:tgtEl>
+                                      </p:cBhvr>
+                                    </p:animEffect>
+                                  </p:childTnLst>
+                                </p:cTn>
+                              </p:par>
+                              <p:par>
+                                <p:cTn id="8" presetID="10" presetClass="entr" presetSubtype="0" fill="hold" nodeType="withEffect">
+                                  <p:stCondLst>
+                                    <p:cond delay="0"/>
+                                  </p:stCondLst>
+                                  <p:childTnLst>
+                                    <p:set>
+                                      <p:cBhvr>
+                                        <p:cTn id="9" dur="1" fill="hold">
+                                          <p:stCondLst>
+                                            <p:cond delay="0"/>
+                                          </p:stCondLst>
+                                        </p:cTn>
+                                        <p:tgtEl>
+                                          <p:spTgt spid="3">
+                                            <p:txEl>
+                                              <p:pRg st="3" end="3"/>
+                                            </p:txEl>
+                                          </p:spTgt>
+                                        </p:tgtEl>
+                                        <p:attrNameLst>
+                                          <p:attrName>style.visibility</p:attrName>
+                                        </p:attrNameLst>
+                                      </p:cBhvr>
+                                      <p:to>
+                                        <p:strVal val="visible"/>
+                                      </p:to>
+                                    </p:set>
+                                    <p:animEffect transition="in" filter="fade">
+                                      <p:cBhvr>
+                                        <p:cTn id="10" dur="500"/>
+                                        <p:tgtEl>
+                                          <p:spTgt spid="3">
+                                            <p:txEl>
+                                              <p:pRg st="3" end="3"/>
+                                            </p:txEl>
+                                          </p:spTgt>
+                                        </p:tgtEl>
+                                      </p:cBhvr>
+                                    </p:animEffect>
+                                  </p:childTnLst>
+                                </p:cTn>
+                              </p:par>
+                            </p:childTnLst>
+                          </p:cTn>
+                        </p:par>
+                      </p:childTnLst>
+                    </p:cTn>
+                  </p:par>
+                </p:childTnLst>
+              </p:cTn>
+              <p:prevCondLst>
+                <p:cond evt="onPrev" delay="0">
+                  <p:tgtEl>
+                    <p:sldTgt/>
+                  </p:tgtEl>
+                </p:cond>
+              </p:prevCondLst>
+              <p:nextCondLst>
+                <p:cond evt="onNext" delay="0">
+                  <p:tgtEl>
+                    <p:sldTgt/>
+                  </p:tgtEl>
+                </p:cond>
+              </p:nextCondLst>
+            </p:seq>
+          </p:childTnLst>
+        </p:cTn>
+      </p:par>
+    </p:tnLst>
+  </p:timing>
+</p:sld>
+</file>
+
+<file path=ppt/slides/slide20.xml><?xml version="1.0" encoding="utf-8"?>
 <p:sld xmlns:a="http://schemas.openxmlformats.org/drawingml/2006/main" xmlns:r="http://schemas.openxmlformats.org/officeDocument/2006/relationships" xmlns:p="http://schemas.openxmlformats.org/presentationml/2006/main">
   <p:cSld>
     <p:spTree>
@@ -12652,7 +13765,7 @@
               <a:pPr>
                 <a:defRPr/>
               </a:pPr>
-              <a:t>19</a:t>
+              <a:t>20</a:t>
             </a:fld>
             <a:endParaRPr lang="en-US" dirty="0"/>
           </a:p>
@@ -13600,358 +14713,7 @@
 </p:sld>
 </file>
 
-<file path=ppt/slides/slide2.xml><?xml version="1.0" encoding="utf-8"?>
-<p:sld xmlns:a="http://schemas.openxmlformats.org/drawingml/2006/main" xmlns:r="http://schemas.openxmlformats.org/officeDocument/2006/relationships" xmlns:p="http://schemas.openxmlformats.org/presentationml/2006/main">
-  <p:cSld>
-    <p:spTree>
-      <p:nvGrpSpPr>
-        <p:cNvPr id="1" name=""/>
-        <p:cNvGrpSpPr/>
-        <p:nvPr/>
-      </p:nvGrpSpPr>
-      <p:grpSpPr>
-        <a:xfrm>
-          <a:off x="0" y="0"/>
-          <a:ext cx="0" cy="0"/>
-          <a:chOff x="0" y="0"/>
-          <a:chExt cx="0" cy="0"/>
-        </a:xfrm>
-      </p:grpSpPr>
-      <p:sp>
-        <p:nvSpPr>
-          <p:cNvPr id="2" name="Title 1"/>
-          <p:cNvSpPr>
-            <a:spLocks noGrp="1"/>
-          </p:cNvSpPr>
-          <p:nvPr>
-            <p:ph type="title"/>
-          </p:nvPr>
-        </p:nvSpPr>
-        <p:spPr/>
-        <p:txBody>
-          <a:bodyPr/>
-          <a:lstStyle/>
-          <a:p>
-            <a:r>
-              <a:rPr lang="en-US" dirty="0" smtClean="0"/>
-              <a:t>Connected Graph </a:t>
-            </a:r>
-            <a:r>
-              <a:rPr lang="en-US" dirty="0" smtClean="0">
-                <a:solidFill>
-                  <a:schemeClr val="accent1">
-                    <a:lumMod val="50000"/>
-                  </a:schemeClr>
-                </a:solidFill>
-              </a:rPr>
-              <a:t>G</a:t>
-            </a:r>
-            <a:endParaRPr lang="en-US" dirty="0">
-              <a:solidFill>
-                <a:schemeClr val="accent1">
-                  <a:lumMod val="50000"/>
-                </a:schemeClr>
-              </a:solidFill>
-            </a:endParaRPr>
-          </a:p>
-        </p:txBody>
-      </p:sp>
-      <p:sp>
-        <p:nvSpPr>
-          <p:cNvPr id="3" name="Content Placeholder 2"/>
-          <p:cNvSpPr>
-            <a:spLocks noGrp="1"/>
-          </p:cNvSpPr>
-          <p:nvPr>
-            <p:ph idx="1"/>
-          </p:nvPr>
-        </p:nvSpPr>
-        <p:spPr>
-          <a:xfrm>
-            <a:off x="685800" y="1295400"/>
-            <a:ext cx="7772400" cy="4267200"/>
-          </a:xfrm>
-        </p:spPr>
-        <p:txBody>
-          <a:bodyPr/>
-          <a:lstStyle/>
-          <a:p>
-            <a:r>
-              <a:rPr lang="en-US" sz="5400" dirty="0" smtClean="0">
-                <a:solidFill>
-                  <a:srgbClr val="000000"/>
-                </a:solidFill>
-              </a:rPr>
-              <a:t>Let</a:t>
-            </a:r>
-            <a:r>
-              <a:rPr lang="en-US" sz="5400" dirty="0" smtClean="0"/>
-              <a:t> </a:t>
-            </a:r>
-            <a:r>
-              <a:rPr lang="en-US" sz="5400" dirty="0">
-                <a:solidFill>
-                  <a:schemeClr val="accent1">
-                    <a:lumMod val="50000"/>
-                  </a:schemeClr>
-                </a:solidFill>
-              </a:rPr>
-              <a:t>G </a:t>
-            </a:r>
-            <a:r>
-              <a:rPr lang="en-US" sz="5400" dirty="0" smtClean="0"/>
-              <a:t>be a</a:t>
-            </a:r>
-            <a:r>
-              <a:rPr lang="en-US" sz="5400" dirty="0" smtClean="0">
-                <a:solidFill>
-                  <a:schemeClr val="accent1">
-                    <a:lumMod val="50000"/>
-                  </a:schemeClr>
-                </a:solidFill>
-              </a:rPr>
-              <a:t> connected,</a:t>
-            </a:r>
-            <a:endParaRPr lang="en-US" sz="5400" dirty="0">
-              <a:solidFill>
-                <a:schemeClr val="accent1">
-                  <a:lumMod val="50000"/>
-                </a:schemeClr>
-              </a:solidFill>
-            </a:endParaRPr>
-          </a:p>
-          <a:p>
-            <a:r>
-              <a:rPr lang="en-US" sz="5400" dirty="0" smtClean="0">
-                <a:solidFill>
-                  <a:schemeClr val="accent1">
-                    <a:lumMod val="50000"/>
-                  </a:schemeClr>
-                </a:solidFill>
-              </a:rPr>
-              <a:t>weighted</a:t>
-            </a:r>
-            <a:r>
-              <a:rPr lang="en-US" sz="5400" dirty="0"/>
-              <a:t> </a:t>
-            </a:r>
-            <a:r>
-              <a:rPr lang="en-US" sz="5400" dirty="0" smtClean="0"/>
-              <a:t>simple graph.</a:t>
-            </a:r>
-          </a:p>
-          <a:p>
-            <a:r>
-              <a:rPr lang="en-US" sz="5400" dirty="0" smtClean="0"/>
-              <a:t>Assume all edges have</a:t>
-            </a:r>
-          </a:p>
-          <a:p>
-            <a:r>
-              <a:rPr lang="en-US" sz="5400" dirty="0" smtClean="0"/>
-              <a:t>different weights.</a:t>
-            </a:r>
-          </a:p>
-        </p:txBody>
-      </p:sp>
-      <p:sp>
-        <p:nvSpPr>
-          <p:cNvPr id="4" name="Slide Number Placeholder 3"/>
-          <p:cNvSpPr>
-            <a:spLocks noGrp="1"/>
-          </p:cNvSpPr>
-          <p:nvPr>
-            <p:ph type="sldNum" sz="quarter" idx="4"/>
-          </p:nvPr>
-        </p:nvSpPr>
-        <p:spPr>
-          <a:xfrm>
-            <a:off x="8283346" y="6553200"/>
-            <a:ext cx="813031" cy="246221"/>
-          </a:xfrm>
-        </p:spPr>
-        <p:txBody>
-          <a:bodyPr/>
-          <a:lstStyle/>
-          <a:p>
-            <a:pPr>
-              <a:defRPr/>
-            </a:pPr>
-            <a:r>
-              <a:rPr lang="en-US" dirty="0" smtClean="0"/>
-              <a:t>min-gray.</a:t>
-            </a:r>
-            <a:fld id="{D7F2FC53-1536-41A9-A9C1-2199CF803E30}" type="slidenum">
-              <a:rPr lang="en-US" smtClean="0"/>
-              <a:pPr>
-                <a:defRPr/>
-              </a:pPr>
-              <a:t>2</a:t>
-            </a:fld>
-            <a:endParaRPr lang="en-US" dirty="0"/>
-          </a:p>
-        </p:txBody>
-      </p:sp>
-    </p:spTree>
-    <p:extLst>
-      <p:ext uri="{BB962C8B-B14F-4D97-AF65-F5344CB8AC3E}">
-        <p14:creationId xmlns:p14="http://schemas.microsoft.com/office/powerpoint/2010/main" val="3956117425"/>
-      </p:ext>
-    </p:extLst>
-  </p:cSld>
-  <p:clrMapOvr>
-    <a:masterClrMapping/>
-  </p:clrMapOvr>
-  <mc:AlternateContent xmlns:mc="http://schemas.openxmlformats.org/markup-compatibility/2006" xmlns:p14="http://schemas.microsoft.com/office/powerpoint/2010/main">
-    <mc:Choice Requires="p14">
-      <p:transition spd="slow" p14:dur="1100" advClick="0">
-        <p:fade thruBlk="1"/>
-      </p:transition>
-    </mc:Choice>
-    <mc:Fallback xmlns="">
-      <p:transition xmlns:p14="http://schemas.microsoft.com/office/powerpoint/2010/main" spd="slow" advClick="0">
-        <p:fade thruBlk="1"/>
-      </p:transition>
-    </mc:Fallback>
-  </mc:AlternateContent>
-  <p:timing>
-    <p:tnLst>
-      <p:par>
-        <p:cTn xmlns:p14="http://schemas.microsoft.com/office/powerpoint/2010/main" id="1" dur="indefinite" restart="never" nodeType="tmRoot">
-          <p:childTnLst>
-            <p:seq concurrent="1" nextAc="seek">
-              <p:cTn id="2" dur="indefinite" nodeType="mainSeq">
-                <p:childTnLst>
-                  <p:par>
-                    <p:cTn id="3" fill="hold">
-                      <p:stCondLst>
-                        <p:cond delay="indefinite"/>
-                      </p:stCondLst>
-                      <p:childTnLst>
-                        <p:par>
-                          <p:cTn id="4" fill="hold">
-                            <p:stCondLst>
-                              <p:cond delay="0"/>
-                            </p:stCondLst>
-                            <p:childTnLst>
-                              <p:par>
-                                <p:cTn id="5" presetID="10" presetClass="entr" presetSubtype="0" fill="hold" nodeType="clickEffect">
-                                  <p:stCondLst>
-                                    <p:cond delay="0"/>
-                                  </p:stCondLst>
-                                  <p:childTnLst>
-                                    <p:set>
-                                      <p:cBhvr>
-                                        <p:cTn id="6" dur="1" fill="hold">
-                                          <p:stCondLst>
-                                            <p:cond delay="0"/>
-                                          </p:stCondLst>
-                                        </p:cTn>
-                                        <p:tgtEl>
-                                          <p:spTgt spid="3">
-                                            <p:txEl>
-                                              <p:pRg st="2" end="2"/>
-                                            </p:txEl>
-                                          </p:spTgt>
-                                        </p:tgtEl>
-                                        <p:attrNameLst>
-                                          <p:attrName>style.visibility</p:attrName>
-                                        </p:attrNameLst>
-                                      </p:cBhvr>
-                                      <p:to>
-                                        <p:strVal val="visible"/>
-                                      </p:to>
-                                    </p:set>
-                                    <p:animEffect transition="in" filter="fade">
-                                      <p:cBhvr>
-                                        <p:cTn id="7" dur="500"/>
-                                        <p:tgtEl>
-                                          <p:spTgt spid="3">
-                                            <p:txEl>
-                                              <p:pRg st="2" end="2"/>
-                                            </p:txEl>
-                                          </p:spTgt>
-                                        </p:tgtEl>
-                                      </p:cBhvr>
-                                    </p:animEffect>
-                                  </p:childTnLst>
-                                </p:cTn>
-                              </p:par>
-                              <p:par>
-                                <p:cTn id="8" presetID="10" presetClass="entr" presetSubtype="0" fill="hold" nodeType="withEffect">
-                                  <p:stCondLst>
-                                    <p:cond delay="0"/>
-                                  </p:stCondLst>
-                                  <p:childTnLst>
-                                    <p:set>
-                                      <p:cBhvr>
-                                        <p:cTn id="9" dur="1" fill="hold">
-                                          <p:stCondLst>
-                                            <p:cond delay="0"/>
-                                          </p:stCondLst>
-                                        </p:cTn>
-                                        <p:tgtEl>
-                                          <p:spTgt spid="3">
-                                            <p:txEl>
-                                              <p:pRg st="3" end="3"/>
-                                            </p:txEl>
-                                          </p:spTgt>
-                                        </p:tgtEl>
-                                        <p:attrNameLst>
-                                          <p:attrName>style.visibility</p:attrName>
-                                        </p:attrNameLst>
-                                      </p:cBhvr>
-                                      <p:to>
-                                        <p:strVal val="visible"/>
-                                      </p:to>
-                                    </p:set>
-                                    <p:animEffect transition="in" filter="fade">
-                                      <p:cBhvr>
-                                        <p:cTn id="10" dur="500"/>
-                                        <p:tgtEl>
-                                          <p:spTgt spid="3">
-                                            <p:txEl>
-                                              <p:pRg st="3" end="3"/>
-                                            </p:txEl>
-                                          </p:spTgt>
-                                        </p:tgtEl>
-                                      </p:cBhvr>
-                                    </p:animEffect>
-                                  </p:childTnLst>
-                                </p:cTn>
-                              </p:par>
-                            </p:childTnLst>
-                          </p:cTn>
-                        </p:par>
-                      </p:childTnLst>
-                    </p:cTn>
-                  </p:par>
-                </p:childTnLst>
-              </p:cTn>
-              <p:prevCondLst>
-                <p:cond evt="onPrev" delay="0">
-                  <p:tgtEl>
-                    <p:sldTgt/>
-                  </p:tgtEl>
-                </p:cond>
-              </p:prevCondLst>
-              <p:nextCondLst>
-                <p:cond evt="onNext" delay="0">
-                  <p:tgtEl>
-                    <p:sldTgt/>
-                  </p:tgtEl>
-                </p:cond>
-              </p:nextCondLst>
-            </p:seq>
-          </p:childTnLst>
-        </p:cTn>
-      </p:par>
-    </p:tnLst>
-  </p:timing>
-</p:sld>
-</file>
-
-<file path=ppt/slides/slide20.xml><?xml version="1.0" encoding="utf-8"?>
+<file path=ppt/slides/slide21.xml><?xml version="1.0" encoding="utf-8"?>
 <p:sld xmlns:a="http://schemas.openxmlformats.org/drawingml/2006/main" xmlns:r="http://schemas.openxmlformats.org/officeDocument/2006/relationships" xmlns:p="http://schemas.openxmlformats.org/presentationml/2006/main">
   <p:cSld>
     <p:spTree>
@@ -15511,7 +16273,7 @@
               <a:pPr>
                 <a:defRPr/>
               </a:pPr>
-              <a:t>20</a:t>
+              <a:t>21</a:t>
             </a:fld>
             <a:endParaRPr lang="en-US" dirty="0"/>
           </a:p>
@@ -16432,7 +17194,7 @@
 </p:sld>
 </file>
 
-<file path=ppt/slides/slide21.xml><?xml version="1.0" encoding="utf-8"?>
+<file path=ppt/slides/slide22.xml><?xml version="1.0" encoding="utf-8"?>
 <p:sld xmlns:a="http://schemas.openxmlformats.org/drawingml/2006/main" xmlns:r="http://schemas.openxmlformats.org/officeDocument/2006/relationships" xmlns:p="http://schemas.openxmlformats.org/presentationml/2006/main">
   <p:cSld>
     <p:spTree>
@@ -16991,7 +17753,7 @@
               <a:pPr>
                 <a:defRPr/>
               </a:pPr>
-              <a:t>21</a:t>
+              <a:t>22</a:t>
             </a:fld>
             <a:endParaRPr lang="en-US" dirty="0"/>
           </a:p>
@@ -18605,7 +19367,7 @@
           <a:graphicData uri="http://schemas.openxmlformats.org/presentationml/2006/ole">
             <mc:AlternateContent xmlns:mc="http://schemas.openxmlformats.org/markup-compatibility/2006">
               <mc:Choice xmlns:v="urn:schemas-microsoft-com:vml" Requires="v">
-                <p:oleObj spid="_x0000_s42021" name="Equation" r:id="rId3" imgW="393700" imgH="228600" progId="Equation.DSMT4">
+                <p:oleObj spid="_x0000_s42025" name="Equation" r:id="rId3" imgW="393700" imgH="228600" progId="Equation.DSMT4">
                   <p:embed/>
                 </p:oleObj>
               </mc:Choice>
@@ -19129,7 +19891,7 @@
 </p:sld>
 </file>
 
-<file path=ppt/slides/slide22.xml><?xml version="1.0" encoding="utf-8"?>
+<file path=ppt/slides/slide23.xml><?xml version="1.0" encoding="utf-8"?>
 <p:sld xmlns:a="http://schemas.openxmlformats.org/drawingml/2006/main" xmlns:r="http://schemas.openxmlformats.org/officeDocument/2006/relationships" xmlns:p="http://schemas.openxmlformats.org/presentationml/2006/main">
   <p:cSld>
     <p:spTree>
@@ -19688,7 +20450,7 @@
               <a:pPr>
                 <a:defRPr/>
               </a:pPr>
-              <a:t>22</a:t>
+              <a:t>23</a:t>
             </a:fld>
             <a:endParaRPr lang="en-US" dirty="0"/>
           </a:p>
@@ -21262,7 +22024,7 @@
           <a:graphicData uri="http://schemas.openxmlformats.org/presentationml/2006/ole">
             <mc:AlternateContent xmlns:mc="http://schemas.openxmlformats.org/markup-compatibility/2006">
               <mc:Choice xmlns:v="urn:schemas-microsoft-com:vml" Requires="v">
-                <p:oleObj spid="_x0000_s43045" name="Equation" r:id="rId3" imgW="635000" imgH="228600" progId="Equation.DSMT4">
+                <p:oleObj spid="_x0000_s43049" name="Equation" r:id="rId3" imgW="635000" imgH="228600" progId="Equation.DSMT4">
                   <p:embed/>
                 </p:oleObj>
               </mc:Choice>
@@ -21474,7 +22236,7 @@
 </p:sld>
 </file>
 
-<file path=ppt/slides/slide23.xml><?xml version="1.0" encoding="utf-8"?>
+<file path=ppt/slides/slide24.xml><?xml version="1.0" encoding="utf-8"?>
 <p:sld xmlns:a="http://schemas.openxmlformats.org/drawingml/2006/main" xmlns:r="http://schemas.openxmlformats.org/officeDocument/2006/relationships" xmlns:p="http://schemas.openxmlformats.org/presentationml/2006/main">
   <p:cSld>
     <p:spTree>
@@ -21523,7 +22285,7 @@
               <a:pPr>
                 <a:defRPr/>
               </a:pPr>
-              <a:t>23</a:t>
+              <a:t>24</a:t>
             </a:fld>
             <a:endParaRPr lang="en-US" dirty="0"/>
           </a:p>
@@ -21685,7 +22447,7 @@
             <a:graphicData uri="http://schemas.openxmlformats.org/presentationml/2006/ole">
               <mc:AlternateContent xmlns:mc="http://schemas.openxmlformats.org/markup-compatibility/2006">
                 <mc:Choice xmlns:v="urn:schemas-microsoft-com:vml" Requires="v">
-                  <p:oleObj spid="_x0000_s44069" name="Equation" r:id="rId3" imgW="635000" imgH="228600" progId="Equation.DSMT4">
+                  <p:oleObj spid="_x0000_s44073" name="Equation" r:id="rId3" imgW="635000" imgH="228600" progId="Equation.DSMT4">
                     <p:embed/>
                   </p:oleObj>
                 </mc:Choice>
@@ -21791,7 +22553,7 @@
 </p:sld>
 </file>
 
-<file path=ppt/slides/slide24.xml><?xml version="1.0" encoding="utf-8"?>
+<file path=ppt/slides/slide25.xml><?xml version="1.0" encoding="utf-8"?>
 <p:sld xmlns:a="http://schemas.openxmlformats.org/drawingml/2006/main" xmlns:r="http://schemas.openxmlformats.org/officeDocument/2006/relationships" xmlns:p="http://schemas.openxmlformats.org/presentationml/2006/main">
   <p:cSld>
     <p:spTree>
@@ -22350,7 +23112,7 @@
               <a:pPr>
                 <a:defRPr/>
               </a:pPr>
-              <a:t>24</a:t>
+              <a:t>25</a:t>
             </a:fld>
             <a:endParaRPr lang="en-US" dirty="0"/>
           </a:p>
@@ -23918,7 +24680,7 @@
           <a:graphicData uri="http://schemas.openxmlformats.org/presentationml/2006/ole">
             <mc:AlternateContent xmlns:mc="http://schemas.openxmlformats.org/markup-compatibility/2006">
               <mc:Choice xmlns:v="urn:schemas-microsoft-com:vml" Requires="v">
-                <p:oleObj spid="_x0000_s46117" name="Equation" r:id="rId3" imgW="635000" imgH="228600" progId="Equation.DSMT4">
+                <p:oleObj spid="_x0000_s46121" name="Equation" r:id="rId3" imgW="635000" imgH="228600" progId="Equation.DSMT4">
                   <p:embed/>
                 </p:oleObj>
               </mc:Choice>
@@ -24503,7 +25265,7 @@
       </p:sp>
       <p:sp>
         <p:nvSpPr>
-          <p:cNvPr id="7" name="Title 1"/>
+          <p:cNvPr id="6" name="Title 1"/>
           <p:cNvSpPr>
             <a:spLocks noGrp="1"/>
           </p:cNvSpPr>
@@ -24523,11 +25285,23 @@
           <a:p>
             <a:r>
               <a:rPr lang="en-US" dirty="0" smtClean="0"/>
-              <a:t>Black-white coloring</a:t>
+              <a:t>Connected Graph </a:t>
+            </a:r>
+            <a:r>
+              <a:rPr lang="en-US" dirty="0" smtClean="0">
+                <a:solidFill>
+                  <a:schemeClr val="accent1">
+                    <a:lumMod val="50000"/>
+                  </a:schemeClr>
+                </a:solidFill>
+              </a:rPr>
+              <a:t>G</a:t>
             </a:r>
             <a:endParaRPr lang="en-US" dirty="0">
               <a:solidFill>
-                <a:srgbClr val="0000E5"/>
+                <a:schemeClr val="accent1">
+                  <a:lumMod val="50000"/>
+                </a:schemeClr>
               </a:solidFill>
             </a:endParaRPr>
           </a:p>
@@ -24599,7 +25373,50 @@
           <a:p>
             <a:r>
               <a:rPr lang="en-US" dirty="0" smtClean="0"/>
-              <a:t>Black-white coloring</a:t>
+              <a:t>Black</a:t>
+            </a:r>
+            <a:r>
+              <a:rPr lang="en-US" dirty="0" smtClean="0"/>
+              <a:t>-</a:t>
+            </a:r>
+            <a:r>
+              <a:rPr lang="en-US" dirty="0" smtClean="0">
+                <a:ln w="31550" cmpd="sng">
+                  <a:gradFill>
+                    <a:gsLst>
+                      <a:gs pos="25000">
+                        <a:schemeClr val="accent1">
+                          <a:shade val="25000"/>
+                          <a:satMod val="190000"/>
+                        </a:schemeClr>
+                      </a:gs>
+                      <a:gs pos="80000">
+                        <a:schemeClr val="accent1">
+                          <a:tint val="75000"/>
+                          <a:satMod val="190000"/>
+                        </a:schemeClr>
+                      </a:gs>
+                    </a:gsLst>
+                    <a:lin ang="5400000"/>
+                  </a:gradFill>
+                  <a:prstDash val="solid"/>
+                </a:ln>
+                <a:solidFill>
+                  <a:srgbClr val="FFFFFF"/>
+                </a:solidFill>
+                <a:effectLst>
+                  <a:outerShdw blurRad="41275" dist="12700" dir="12000000" algn="tl" rotWithShape="0">
+                    <a:srgbClr val="000000">
+                      <a:alpha val="40000"/>
+                    </a:srgbClr>
+                  </a:outerShdw>
+                </a:effectLst>
+              </a:rPr>
+              <a:t>white</a:t>
+            </a:r>
+            <a:r>
+              <a:rPr lang="en-US" dirty="0" smtClean="0"/>
+              <a:t> coloring</a:t>
             </a:r>
             <a:endParaRPr lang="en-US" dirty="0">
               <a:solidFill>
@@ -24875,9 +25692,91 @@
   <p:timing>
     <p:tnLst>
       <p:par>
-        <p:cTn xmlns:p14="http://schemas.microsoft.com/office/powerpoint/2010/main" id="1" dur="indefinite" restart="never" nodeType="tmRoot"/>
+        <p:cTn xmlns:p14="http://schemas.microsoft.com/office/powerpoint/2010/main" id="1" dur="indefinite" restart="never" nodeType="tmRoot">
+          <p:childTnLst>
+            <p:seq concurrent="1" nextAc="seek">
+              <p:cTn id="2" dur="indefinite" nodeType="mainSeq">
+                <p:childTnLst>
+                  <p:par>
+                    <p:cTn id="3" fill="hold">
+                      <p:stCondLst>
+                        <p:cond delay="indefinite"/>
+                        <p:cond evt="onBegin" delay="0">
+                          <p:tn val="2"/>
+                        </p:cond>
+                      </p:stCondLst>
+                      <p:childTnLst>
+                        <p:par>
+                          <p:cTn id="4" fill="hold">
+                            <p:stCondLst>
+                              <p:cond delay="0"/>
+                            </p:stCondLst>
+                            <p:childTnLst>
+                              <p:par>
+                                <p:cTn id="5" presetID="10" presetClass="entr" presetSubtype="0" fill="hold" grpId="0" nodeType="afterEffect">
+                                  <p:stCondLst>
+                                    <p:cond delay="0"/>
+                                  </p:stCondLst>
+                                  <p:childTnLst>
+                                    <p:set>
+                                      <p:cBhvr>
+                                        <p:cTn id="6" dur="1" fill="hold">
+                                          <p:stCondLst>
+                                            <p:cond delay="0"/>
+                                          </p:stCondLst>
+                                        </p:cTn>
+                                        <p:tgtEl>
+                                          <p:spTgt spid="2"/>
+                                        </p:tgtEl>
+                                        <p:attrNameLst>
+                                          <p:attrName>style.visibility</p:attrName>
+                                        </p:attrNameLst>
+                                      </p:cBhvr>
+                                      <p:to>
+                                        <p:strVal val="visible"/>
+                                      </p:to>
+                                    </p:set>
+                                    <p:animEffect transition="in" filter="fade">
+                                      <p:cBhvr>
+                                        <p:cTn id="7" dur="1000"/>
+                                        <p:tgtEl>
+                                          <p:spTgt spid="2"/>
+                                        </p:tgtEl>
+                                      </p:cBhvr>
+                                    </p:animEffect>
+                                  </p:childTnLst>
+                                </p:cTn>
+                              </p:par>
+                            </p:childTnLst>
+                          </p:cTn>
+                        </p:par>
+                      </p:childTnLst>
+                    </p:cTn>
+                  </p:par>
+                </p:childTnLst>
+              </p:cTn>
+              <p:prevCondLst>
+                <p:cond evt="onPrev" delay="0">
+                  <p:tgtEl>
+                    <p:sldTgt/>
+                  </p:tgtEl>
+                </p:cond>
+              </p:prevCondLst>
+              <p:nextCondLst>
+                <p:cond evt="onNext" delay="0">
+                  <p:tgtEl>
+                    <p:sldTgt/>
+                  </p:tgtEl>
+                </p:cond>
+              </p:nextCondLst>
+            </p:seq>
+          </p:childTnLst>
+        </p:cTn>
       </p:par>
     </p:tnLst>
+    <p:bldLst>
+      <p:bldP spid="2" grpId="0"/>
+    </p:bldLst>
   </p:timing>
 </p:sld>
 </file>
@@ -25869,10 +26768,10 @@
             <a:r>
               <a:rPr lang="en-US" sz="4800" dirty="0" smtClean="0">
                 <a:solidFill>
-                  <a:srgbClr val="E20000"/>
+                  <a:srgbClr val="660066"/>
                 </a:solidFill>
               </a:rPr>
-              <a:t>Theorem</a:t>
+              <a:t>Main Theorem</a:t>
             </a:r>
             <a:r>
               <a:rPr lang="en-US" sz="4800" dirty="0" smtClean="0"/>
@@ -26413,6 +27312,105 @@
                       </p:childTnLst>
                     </p:cTn>
                   </p:par>
+                  <p:par>
+                    <p:cTn id="8" fill="hold">
+                      <p:stCondLst>
+                        <p:cond delay="indefinite"/>
+                      </p:stCondLst>
+                      <p:childTnLst>
+                        <p:par>
+                          <p:cTn id="9" fill="hold">
+                            <p:stCondLst>
+                              <p:cond delay="0"/>
+                            </p:stCondLst>
+                            <p:childTnLst>
+                              <p:par>
+                                <p:cTn id="10" presetID="53" presetClass="entr" presetSubtype="16" fill="hold" grpId="0" nodeType="clickEffect">
+                                  <p:stCondLst>
+                                    <p:cond delay="0"/>
+                                  </p:stCondLst>
+                                  <p:childTnLst>
+                                    <p:set>
+                                      <p:cBhvr>
+                                        <p:cTn id="11" dur="1" fill="hold">
+                                          <p:stCondLst>
+                                            <p:cond delay="0"/>
+                                          </p:stCondLst>
+                                        </p:cTn>
+                                        <p:tgtEl>
+                                          <p:spTgt spid="8"/>
+                                        </p:tgtEl>
+                                        <p:attrNameLst>
+                                          <p:attrName>style.visibility</p:attrName>
+                                        </p:attrNameLst>
+                                      </p:cBhvr>
+                                      <p:to>
+                                        <p:strVal val="visible"/>
+                                      </p:to>
+                                    </p:set>
+                                    <p:anim calcmode="lin" valueType="num">
+                                      <p:cBhvr>
+                                        <p:cTn id="12" dur="500" fill="hold"/>
+                                        <p:tgtEl>
+                                          <p:spTgt spid="8"/>
+                                        </p:tgtEl>
+                                        <p:attrNameLst>
+                                          <p:attrName>ppt_w</p:attrName>
+                                        </p:attrNameLst>
+                                      </p:cBhvr>
+                                      <p:tavLst>
+                                        <p:tav tm="0">
+                                          <p:val>
+                                            <p:fltVal val="0"/>
+                                          </p:val>
+                                        </p:tav>
+                                        <p:tav tm="100000">
+                                          <p:val>
+                                            <p:strVal val="#ppt_w"/>
+                                          </p:val>
+                                        </p:tav>
+                                      </p:tavLst>
+                                    </p:anim>
+                                    <p:anim calcmode="lin" valueType="num">
+                                      <p:cBhvr>
+                                        <p:cTn id="13" dur="500" fill="hold"/>
+                                        <p:tgtEl>
+                                          <p:spTgt spid="8"/>
+                                        </p:tgtEl>
+                                        <p:attrNameLst>
+                                          <p:attrName>ppt_h</p:attrName>
+                                        </p:attrNameLst>
+                                      </p:cBhvr>
+                                      <p:tavLst>
+                                        <p:tav tm="0">
+                                          <p:val>
+                                            <p:fltVal val="0"/>
+                                          </p:val>
+                                        </p:tav>
+                                        <p:tav tm="100000">
+                                          <p:val>
+                                            <p:strVal val="#ppt_h"/>
+                                          </p:val>
+                                        </p:tav>
+                                      </p:tavLst>
+                                    </p:anim>
+                                    <p:animEffect transition="in" filter="fade">
+                                      <p:cBhvr>
+                                        <p:cTn id="14" dur="500"/>
+                                        <p:tgtEl>
+                                          <p:spTgt spid="8"/>
+                                        </p:tgtEl>
+                                      </p:cBhvr>
+                                    </p:animEffect>
+                                  </p:childTnLst>
+                                </p:cTn>
+                              </p:par>
+                            </p:childTnLst>
+                          </p:cTn>
+                        </p:par>
+                      </p:childTnLst>
+                    </p:cTn>
+                  </p:par>
                 </p:childTnLst>
               </p:cTn>
               <p:prevCondLst>
@@ -26434,6 +27432,9 @@
         </p:cTn>
       </p:par>
     </p:tnLst>
+    <p:bldLst>
+      <p:bldP spid="8" grpId="0"/>
+    </p:bldLst>
   </p:timing>
 </p:sld>
 </file>
@@ -26651,7 +27652,7 @@
                             </p:stCondLst>
                             <p:childTnLst>
                               <p:par>
-                                <p:cTn id="5" presetID="10" presetClass="entr" presetSubtype="0" fill="hold" nodeType="afterEffect">
+                                <p:cTn id="5" presetID="53" presetClass="entr" presetSubtype="16" fill="hold" grpId="0" nodeType="afterEffect">
                                   <p:stCondLst>
                                     <p:cond delay="0"/>
                                   </p:stCondLst>
@@ -26664,11 +27665,7 @@
                                           </p:stCondLst>
                                         </p:cTn>
                                         <p:tgtEl>
-                                          <p:spTgt spid="3">
-                                            <p:txEl>
-                                              <p:pRg st="0" end="0"/>
-                                            </p:txEl>
-                                          </p:spTgt>
+                                          <p:spTgt spid="2"/>
                                         </p:tgtEl>
                                         <p:attrNameLst>
                                           <p:attrName>style.visibility</p:attrName>
@@ -26678,15 +27675,57 @@
                                         <p:strVal val="visible"/>
                                       </p:to>
                                     </p:set>
+                                    <p:anim calcmode="lin" valueType="num">
+                                      <p:cBhvr>
+                                        <p:cTn id="7" dur="1000" fill="hold"/>
+                                        <p:tgtEl>
+                                          <p:spTgt spid="2"/>
+                                        </p:tgtEl>
+                                        <p:attrNameLst>
+                                          <p:attrName>ppt_w</p:attrName>
+                                        </p:attrNameLst>
+                                      </p:cBhvr>
+                                      <p:tavLst>
+                                        <p:tav tm="0">
+                                          <p:val>
+                                            <p:fltVal val="0"/>
+                                          </p:val>
+                                        </p:tav>
+                                        <p:tav tm="100000">
+                                          <p:val>
+                                            <p:strVal val="#ppt_w"/>
+                                          </p:val>
+                                        </p:tav>
+                                      </p:tavLst>
+                                    </p:anim>
+                                    <p:anim calcmode="lin" valueType="num">
+                                      <p:cBhvr>
+                                        <p:cTn id="8" dur="1000" fill="hold"/>
+                                        <p:tgtEl>
+                                          <p:spTgt spid="2"/>
+                                        </p:tgtEl>
+                                        <p:attrNameLst>
+                                          <p:attrName>ppt_h</p:attrName>
+                                        </p:attrNameLst>
+                                      </p:cBhvr>
+                                      <p:tavLst>
+                                        <p:tav tm="0">
+                                          <p:val>
+                                            <p:fltVal val="0"/>
+                                          </p:val>
+                                        </p:tav>
+                                        <p:tav tm="100000">
+                                          <p:val>
+                                            <p:strVal val="#ppt_h"/>
+                                          </p:val>
+                                        </p:tav>
+                                      </p:tavLst>
+                                    </p:anim>
                                     <p:animEffect transition="in" filter="fade">
                                       <p:cBhvr>
-                                        <p:cTn id="7" dur="500"/>
+                                        <p:cTn id="9" dur="1000"/>
                                         <p:tgtEl>
-                                          <p:spTgt spid="3">
-                                            <p:txEl>
-                                              <p:pRg st="0" end="0"/>
-                                            </p:txEl>
-                                          </p:spTgt>
+                                          <p:spTgt spid="2"/>
                                         </p:tgtEl>
                                       </p:cBhvr>
                                     </p:animEffect>
@@ -26720,6 +27759,9 @@
         </p:cTn>
       </p:par>
     </p:tnLst>
+    <p:bldLst>
+      <p:bldP spid="2" grpId="0"/>
+    </p:bldLst>
   </p:timing>
 </p:sld>
 </file>
